--- a/docs/diagrams/LogicComponentClassDiagram.pptx
+++ b/docs/diagrams/LogicComponentClassDiagram.pptx
@@ -3473,7 +3473,7 @@
         <p:spPr>
           <a:xfrm>
             <a:off x="1066800" y="914400"/>
-            <a:ext cx="6288315" cy="3415166"/>
+            <a:ext cx="7467600" cy="3733800"/>
           </a:xfrm>
           <a:prstGeom prst="roundRect">
             <a:avLst>
@@ -3533,7 +3533,7 @@
         </p:nvSpPr>
         <p:spPr>
           <a:xfrm>
-            <a:off x="2095948" y="1442082"/>
+            <a:off x="2095948" y="1253067"/>
             <a:ext cx="1093635" cy="346760"/>
           </a:xfrm>
           <a:prstGeom prst="rect">
@@ -3592,7 +3592,7 @@
         </p:nvSpPr>
         <p:spPr>
           <a:xfrm flipH="1">
-            <a:off x="5943600" y="2149167"/>
+            <a:off x="6520227" y="2149167"/>
             <a:ext cx="1093635" cy="346760"/>
           </a:xfrm>
           <a:prstGeom prst="rect">
@@ -3703,18 +3703,19 @@
         <p:nvCxnSpPr>
           <p:cNvPr id="6" name="Elbow Connector 63"/>
           <p:cNvCxnSpPr>
+            <a:stCxn id="12" idx="3"/>
             <a:endCxn id="3" idx="3"/>
           </p:cNvCxnSpPr>
           <p:nvPr/>
         </p:nvCxnSpPr>
         <p:spPr>
-          <a:xfrm rot="10800000">
-            <a:off x="3189584" y="1615462"/>
-            <a:ext cx="2296817" cy="2157062"/>
+          <a:xfrm flipH="1" flipV="1">
+            <a:off x="3189583" y="1426447"/>
+            <a:ext cx="5020699" cy="2895973"/>
           </a:xfrm>
           <a:prstGeom prst="bentConnector3">
             <a:avLst>
-              <a:gd name="adj1" fmla="val -1707"/>
+              <a:gd name="adj1" fmla="val -2713"/>
             </a:avLst>
           </a:prstGeom>
           <a:ln w="19050">
@@ -3752,7 +3753,7 @@
         </p:nvCxnSpPr>
         <p:spPr>
           <a:xfrm>
-            <a:off x="1676400" y="1612602"/>
+            <a:off x="1676400" y="1423587"/>
             <a:ext cx="419548" cy="2860"/>
           </a:xfrm>
           <a:prstGeom prst="bentConnector3">
@@ -3793,8 +3794,8 @@
         </p:nvSpPr>
         <p:spPr>
           <a:xfrm>
-            <a:off x="1103085" y="4558098"/>
-            <a:ext cx="6288315" cy="328045"/>
+            <a:off x="1103085" y="4777355"/>
+            <a:ext cx="7431315" cy="328045"/>
           </a:xfrm>
           <a:prstGeom prst="roundRect">
             <a:avLst/>
@@ -3853,7 +3854,7 @@
         </p:nvSpPr>
         <p:spPr>
           <a:xfrm flipH="1">
-            <a:off x="5949738" y="2554920"/>
+            <a:off x="6526365" y="2554920"/>
             <a:ext cx="1093635" cy="346760"/>
           </a:xfrm>
           <a:prstGeom prst="rect">
@@ -3909,7 +3910,7 @@
         </p:nvSpPr>
         <p:spPr>
           <a:xfrm flipH="1">
-            <a:off x="5949738" y="3396383"/>
+            <a:off x="6526365" y="3396383"/>
             <a:ext cx="1093635" cy="346760"/>
           </a:xfrm>
           <a:prstGeom prst="rect">
@@ -3942,12 +3943,27 @@
           <a:p>
             <a:pPr algn="ctr"/>
             <a:r>
-              <a:rPr lang="en-US" sz="1050" b="1" dirty="0">
+              <a:rPr lang="en-US" sz="1050" b="1" dirty="0" smtClean="0">
                 <a:solidFill>
                   <a:srgbClr val="0070C0"/>
                 </a:solidFill>
               </a:rPr>
-              <a:t>…</a:t>
+              <a:t>Incorrect</a:t>
+            </a:r>
+            <a:br>
+              <a:rPr lang="en-US" sz="1050" b="1" dirty="0" smtClean="0">
+                <a:solidFill>
+                  <a:srgbClr val="0070C0"/>
+                </a:solidFill>
+              </a:rPr>
+            </a:br>
+            <a:r>
+              <a:rPr lang="en-US" sz="1050" b="1" dirty="0" smtClean="0">
+                <a:solidFill>
+                  <a:srgbClr val="0070C0"/>
+                </a:solidFill>
+              </a:rPr>
+              <a:t>Command</a:t>
             </a:r>
             <a:endParaRPr lang="en-SG" sz="1050" b="1" dirty="0">
               <a:solidFill>
@@ -3965,7 +3981,7 @@
         </p:nvSpPr>
         <p:spPr>
           <a:xfrm>
-            <a:off x="4815685" y="3775064"/>
+            <a:off x="7438239" y="4149040"/>
             <a:ext cx="772043" cy="346760"/>
           </a:xfrm>
           <a:prstGeom prst="rect">
@@ -4036,31 +4052,27 @@
         </p:nvSpPr>
         <p:spPr>
           <a:xfrm>
-            <a:off x="3098739" y="3775502"/>
+            <a:off x="3529350" y="3775502"/>
             <a:ext cx="585450" cy="346760"/>
           </a:xfrm>
           <a:prstGeom prst="rect">
             <a:avLst/>
           </a:prstGeom>
           <a:solidFill>
-            <a:srgbClr val="0070C0"/>
+            <a:schemeClr val="accent5"/>
           </a:solidFill>
-          <a:ln w="19050">
-            <a:solidFill>
-              <a:srgbClr val="0070C0"/>
-            </a:solidFill>
-          </a:ln>
+          <a:ln/>
           <a:effectLst/>
         </p:spPr>
         <p:style>
           <a:lnRef idx="1">
-            <a:schemeClr val="accent2"/>
+            <a:schemeClr val="accent5"/>
           </a:lnRef>
           <a:fillRef idx="2">
-            <a:schemeClr val="accent2"/>
+            <a:schemeClr val="accent5"/>
           </a:fillRef>
           <a:effectRef idx="1">
-            <a:schemeClr val="accent2"/>
+            <a:schemeClr val="accent5"/>
           </a:effectRef>
           <a:fontRef idx="minor">
             <a:schemeClr val="dk1"/>
@@ -4099,7 +4111,7 @@
         <p:spPr>
           <a:xfrm>
             <a:off x="2874420" y="3946343"/>
-            <a:ext cx="224319" cy="2539"/>
+            <a:ext cx="654930" cy="2539"/>
           </a:xfrm>
           <a:prstGeom prst="bentConnector3">
             <a:avLst>
@@ -4141,8 +4153,8 @@
         </p:nvCxnSpPr>
         <p:spPr>
           <a:xfrm>
-            <a:off x="5201707" y="4121824"/>
-            <a:ext cx="1" cy="436274"/>
+            <a:off x="7824261" y="4495800"/>
+            <a:ext cx="0" cy="281555"/>
           </a:xfrm>
           <a:prstGeom prst="straightConnector1">
             <a:avLst/>
@@ -4180,7 +4192,7 @@
         </p:nvSpPr>
         <p:spPr>
           <a:xfrm rot="16200000">
-            <a:off x="398120" y="2312463"/>
+            <a:off x="398120" y="2150720"/>
             <a:ext cx="2209800" cy="346760"/>
           </a:xfrm>
           <a:prstGeom prst="rect">
@@ -4250,7 +4262,7 @@
         </p:nvSpPr>
         <p:spPr>
           <a:xfrm>
-            <a:off x="1359039" y="3590743"/>
+            <a:off x="1359039" y="3429000"/>
             <a:ext cx="270504" cy="175523"/>
           </a:xfrm>
           <a:prstGeom prst="triangle">
@@ -4307,8 +4319,8 @@
         </p:nvCxnSpPr>
         <p:spPr>
           <a:xfrm rot="10800000">
-            <a:off x="1494291" y="3766267"/>
-            <a:ext cx="286494" cy="180077"/>
+            <a:off x="1494291" y="3604523"/>
+            <a:ext cx="286494" cy="341820"/>
           </a:xfrm>
           <a:prstGeom prst="bentConnector2">
             <a:avLst/>
@@ -4341,15 +4353,13 @@
       <p:cxnSp>
         <p:nvCxnSpPr>
           <p:cNvPr id="23" name="Straight Arrow Connector 57"/>
-          <p:cNvCxnSpPr>
-            <a:stCxn id="5" idx="2"/>
-          </p:cNvCxnSpPr>
+          <p:cNvCxnSpPr/>
           <p:nvPr/>
         </p:nvCxnSpPr>
         <p:spPr>
           <a:xfrm flipH="1">
-            <a:off x="2327602" y="4119723"/>
-            <a:ext cx="1" cy="438375"/>
+            <a:off x="1981201" y="4122262"/>
+            <a:ext cx="1" cy="655093"/>
           </a:xfrm>
           <a:prstGeom prst="straightConnector1">
             <a:avLst/>
@@ -4386,7 +4396,7 @@
         </p:nvCxnSpPr>
         <p:spPr>
           <a:xfrm>
-            <a:off x="893311" y="2994248"/>
+            <a:off x="893311" y="2832505"/>
             <a:ext cx="419548" cy="2860"/>
           </a:xfrm>
           <a:prstGeom prst="bentConnector3">
@@ -4425,20 +4435,18 @@
         <p:nvCxnSpPr>
           <p:cNvPr id="25" name="Elbow Connector 63"/>
           <p:cNvCxnSpPr>
-            <a:stCxn id="5" idx="0"/>
-            <a:endCxn id="12" idx="0"/>
+            <a:stCxn id="5" idx="2"/>
+            <a:endCxn id="12" idx="1"/>
           </p:cNvCxnSpPr>
           <p:nvPr/>
         </p:nvCxnSpPr>
         <p:spPr>
           <a:xfrm rot="16200000" flipH="1">
-            <a:off x="3763604" y="2336961"/>
-            <a:ext cx="2101" cy="2874104"/>
-          </a:xfrm>
-          <a:prstGeom prst="bentConnector3">
-            <a:avLst>
-              <a:gd name="adj1" fmla="val -82532842"/>
-            </a:avLst>
+            <a:off x="4781573" y="1665753"/>
+            <a:ext cx="202697" cy="5110636"/>
+          </a:xfrm>
+          <a:prstGeom prst="bentConnector2">
+            <a:avLst/>
           </a:prstGeom>
           <a:ln w="19050">
             <a:solidFill>
@@ -4473,7 +4481,7 @@
         </p:nvGrpSpPr>
         <p:grpSpPr>
           <a:xfrm>
-            <a:off x="4064583" y="1846294"/>
+            <a:off x="4597400" y="4341168"/>
             <a:ext cx="889000" cy="230832"/>
             <a:chOff x="2895600" y="807932"/>
             <a:chExt cx="889000" cy="230832"/>
@@ -4573,7 +4581,7 @@
         </p:nvGrpSpPr>
         <p:grpSpPr>
           <a:xfrm>
-            <a:off x="4665110" y="1408215"/>
+            <a:off x="4665110" y="1219200"/>
             <a:ext cx="868568" cy="230832"/>
             <a:chOff x="2755838" y="789460"/>
             <a:chExt cx="868568" cy="230832"/>
@@ -4672,7 +4680,7 @@
         </p:nvSpPr>
         <p:spPr>
           <a:xfrm>
-            <a:off x="2301175" y="1807488"/>
+            <a:off x="2301175" y="1618473"/>
             <a:ext cx="131116" cy="230832"/>
           </a:xfrm>
           <a:prstGeom prst="rect">
@@ -4750,7 +4758,7 @@
         </p:nvSpPr>
         <p:spPr>
           <a:xfrm flipH="1">
-            <a:off x="5949738" y="2956137"/>
+            <a:off x="6526365" y="2956137"/>
             <a:ext cx="1093635" cy="346760"/>
           </a:xfrm>
           <a:prstGeom prst="rect">
@@ -4788,18 +4796,7 @@
                   <a:srgbClr val="0070C0"/>
                 </a:solidFill>
               </a:rPr>
-              <a:t>Incorrect</a:t>
-            </a:r>
-          </a:p>
-          <a:p>
-            <a:pPr algn="ctr"/>
-            <a:r>
-              <a:rPr lang="en-US" sz="1050" b="1" dirty="0" smtClean="0">
-                <a:solidFill>
-                  <a:srgbClr val="0070C0"/>
-                </a:solidFill>
-              </a:rPr>
-              <a:t>Command</a:t>
+              <a:t>…</a:t>
             </a:r>
             <a:endParaRPr lang="en-SG" sz="1050" b="1" dirty="0">
               <a:solidFill>
@@ -4817,8 +4814,8 @@
         </p:nvCxnSpPr>
         <p:spPr>
           <a:xfrm rot="16200000" flipV="1">
-            <a:off x="1194071" y="2780902"/>
-            <a:ext cx="1970727" cy="1"/>
+            <a:off x="1105538" y="2692369"/>
+            <a:ext cx="2147794" cy="2"/>
           </a:xfrm>
           <a:prstGeom prst="bentConnector3">
             <a:avLst>
@@ -4858,28 +4855,27 @@
         </p:nvSpPr>
         <p:spPr>
           <a:xfrm flipH="1">
-            <a:off x="3859365" y="2167409"/>
+            <a:off x="4664592" y="2148937"/>
             <a:ext cx="1093635" cy="346760"/>
           </a:xfrm>
           <a:prstGeom prst="rect">
             <a:avLst/>
           </a:prstGeom>
-          <a:ln w="19050">
-            <a:solidFill>
-              <a:srgbClr val="0070C0"/>
-            </a:solidFill>
-          </a:ln>
+          <a:solidFill>
+            <a:schemeClr val="accent5"/>
+          </a:solidFill>
+          <a:ln/>
           <a:effectLst/>
         </p:spPr>
         <p:style>
           <a:lnRef idx="1">
-            <a:schemeClr val="accent1"/>
+            <a:schemeClr val="accent5"/>
           </a:lnRef>
           <a:fillRef idx="2">
-            <a:schemeClr val="accent1"/>
+            <a:schemeClr val="accent5"/>
           </a:fillRef>
           <a:effectRef idx="1">
-            <a:schemeClr val="accent1"/>
+            <a:schemeClr val="accent5"/>
           </a:effectRef>
           <a:fontRef idx="minor">
             <a:schemeClr val="dk1"/>
@@ -4893,14 +4889,14 @@
             <a:r>
               <a:rPr lang="en-US" sz="1050" b="1" dirty="0" err="1">
                 <a:solidFill>
-                  <a:srgbClr val="0070C0"/>
+                  <a:schemeClr val="bg1"/>
                 </a:solidFill>
               </a:rPr>
               <a:t>AddCommand</a:t>
             </a:r>
             <a:endParaRPr lang="en-US" sz="1050" b="1" dirty="0">
               <a:solidFill>
-                <a:srgbClr val="0070C0"/>
+                <a:schemeClr val="bg1"/>
               </a:solidFill>
             </a:endParaRPr>
           </a:p>
@@ -4909,14 +4905,14 @@
             <a:r>
               <a:rPr lang="en-US" sz="1050" b="1" dirty="0">
                 <a:solidFill>
-                  <a:srgbClr val="0070C0"/>
+                  <a:schemeClr val="bg1"/>
                 </a:solidFill>
               </a:rPr>
               <a:t>Parser</a:t>
             </a:r>
             <a:endParaRPr lang="en-SG" sz="1050" b="1" dirty="0">
               <a:solidFill>
-                <a:srgbClr val="0070C0"/>
+                <a:schemeClr val="bg1"/>
               </a:solidFill>
             </a:endParaRPr>
           </a:p>
@@ -4930,28 +4926,27 @@
         </p:nvSpPr>
         <p:spPr>
           <a:xfrm flipH="1">
-            <a:off x="3859365" y="2573809"/>
+            <a:off x="4664592" y="2555337"/>
             <a:ext cx="1093635" cy="346760"/>
           </a:xfrm>
           <a:prstGeom prst="rect">
             <a:avLst/>
           </a:prstGeom>
-          <a:ln w="19050">
-            <a:solidFill>
-              <a:srgbClr val="0070C0"/>
-            </a:solidFill>
-          </a:ln>
+          <a:solidFill>
+            <a:schemeClr val="accent5"/>
+          </a:solidFill>
+          <a:ln/>
           <a:effectLst/>
         </p:spPr>
         <p:style>
           <a:lnRef idx="1">
-            <a:schemeClr val="accent1"/>
+            <a:schemeClr val="accent5"/>
           </a:lnRef>
           <a:fillRef idx="2">
-            <a:schemeClr val="accent1"/>
+            <a:schemeClr val="accent5"/>
           </a:fillRef>
           <a:effectRef idx="1">
-            <a:schemeClr val="accent1"/>
+            <a:schemeClr val="accent5"/>
           </a:effectRef>
           <a:fontRef idx="minor">
             <a:schemeClr val="dk1"/>
@@ -4965,14 +4960,14 @@
             <a:r>
               <a:rPr lang="en-US" sz="1050" b="1" dirty="0" err="1">
                 <a:solidFill>
-                  <a:srgbClr val="0070C0"/>
+                  <a:schemeClr val="bg1"/>
                 </a:solidFill>
               </a:rPr>
               <a:t>FindCommand</a:t>
             </a:r>
             <a:endParaRPr lang="en-US" sz="1050" b="1" dirty="0">
               <a:solidFill>
-                <a:srgbClr val="0070C0"/>
+                <a:schemeClr val="bg1"/>
               </a:solidFill>
             </a:endParaRPr>
           </a:p>
@@ -4981,14 +4976,14 @@
             <a:r>
               <a:rPr lang="en-US" sz="1050" b="1" dirty="0">
                 <a:solidFill>
-                  <a:srgbClr val="0070C0"/>
+                  <a:schemeClr val="bg1"/>
                 </a:solidFill>
               </a:rPr>
               <a:t>Parser</a:t>
             </a:r>
             <a:endParaRPr lang="en-SG" sz="1050" b="1" dirty="0">
               <a:solidFill>
-                <a:srgbClr val="0070C0"/>
+                <a:schemeClr val="bg1"/>
               </a:solidFill>
             </a:endParaRPr>
           </a:p>
@@ -5002,28 +4997,27 @@
         </p:nvSpPr>
         <p:spPr>
           <a:xfrm flipH="1">
-            <a:off x="3859363" y="2977582"/>
+            <a:off x="4664590" y="2977582"/>
             <a:ext cx="1093635" cy="346760"/>
           </a:xfrm>
           <a:prstGeom prst="rect">
             <a:avLst/>
           </a:prstGeom>
-          <a:ln w="19050">
-            <a:solidFill>
-              <a:srgbClr val="0070C0"/>
-            </a:solidFill>
-          </a:ln>
+          <a:solidFill>
+            <a:schemeClr val="accent5"/>
+          </a:solidFill>
+          <a:ln/>
           <a:effectLst/>
         </p:spPr>
         <p:style>
           <a:lnRef idx="1">
-            <a:schemeClr val="accent1"/>
+            <a:schemeClr val="accent5"/>
           </a:lnRef>
           <a:fillRef idx="2">
-            <a:schemeClr val="accent1"/>
+            <a:schemeClr val="accent5"/>
           </a:fillRef>
           <a:effectRef idx="1">
-            <a:schemeClr val="accent1"/>
+            <a:schemeClr val="accent5"/>
           </a:effectRef>
           <a:fontRef idx="minor">
             <a:schemeClr val="dk1"/>
@@ -5037,14 +5031,14 @@
             <a:r>
               <a:rPr lang="en-US" sz="1050" b="1" dirty="0">
                 <a:solidFill>
-                  <a:srgbClr val="0070C0"/>
+                  <a:schemeClr val="bg1"/>
                 </a:solidFill>
               </a:rPr>
               <a:t>…</a:t>
             </a:r>
             <a:endParaRPr lang="en-SG" sz="1050" b="1" dirty="0">
               <a:solidFill>
-                <a:srgbClr val="0070C0"/>
+                <a:schemeClr val="bg1"/>
               </a:solidFill>
             </a:endParaRPr>
           </a:p>
@@ -5058,18 +5052,24 @@
         </p:nvSpPr>
         <p:spPr>
           <a:xfrm>
-            <a:off x="2409537" y="2219143"/>
+            <a:off x="2807288" y="1905000"/>
             <a:ext cx="751107" cy="346760"/>
           </a:xfrm>
           <a:prstGeom prst="rect">
             <a:avLst/>
           </a:prstGeom>
           <a:solidFill>
-            <a:srgbClr val="0070C0"/>
+            <a:schemeClr val="accent5">
+              <a:lumMod val="60000"/>
+              <a:lumOff val="40000"/>
+            </a:schemeClr>
           </a:solidFill>
           <a:ln w="19050">
             <a:solidFill>
-              <a:srgbClr val="0070C0"/>
+              <a:schemeClr val="accent5">
+                <a:lumMod val="60000"/>
+                <a:lumOff val="40000"/>
+              </a:schemeClr>
             </a:solidFill>
           </a:ln>
           <a:effectLst/>
@@ -5132,18 +5132,24 @@
         </p:nvSpPr>
         <p:spPr>
           <a:xfrm>
-            <a:off x="2648137" y="2606322"/>
-            <a:ext cx="510397" cy="346760"/>
+            <a:off x="2813291" y="2432664"/>
+            <a:ext cx="726243" cy="174580"/>
           </a:xfrm>
           <a:prstGeom prst="rect">
             <a:avLst/>
           </a:prstGeom>
           <a:solidFill>
-            <a:srgbClr val="0070C0"/>
+            <a:schemeClr val="accent5">
+              <a:lumMod val="60000"/>
+              <a:lumOff val="40000"/>
+            </a:schemeClr>
           </a:solidFill>
           <a:ln w="19050">
             <a:solidFill>
-              <a:srgbClr val="0070C0"/>
+              <a:schemeClr val="accent5">
+                <a:lumMod val="60000"/>
+                <a:lumOff val="40000"/>
+              </a:schemeClr>
             </a:solidFill>
           </a:ln>
           <a:effectLst/>
@@ -5183,448 +5189,6 @@
           </a:p>
         </p:txBody>
       </p:sp>
-      <p:cxnSp>
-        <p:nvCxnSpPr>
-          <p:cNvPr id="86" name="Straight Arrow Connector 85"/>
-          <p:cNvCxnSpPr>
-            <a:endCxn id="44" idx="3"/>
-          </p:cNvCxnSpPr>
-          <p:nvPr/>
-        </p:nvCxnSpPr>
-        <p:spPr>
-          <a:xfrm flipV="1">
-            <a:off x="3733800" y="2747189"/>
-            <a:ext cx="125565" cy="5354"/>
-          </a:xfrm>
-          <a:prstGeom prst="straightConnector1">
-            <a:avLst/>
-          </a:prstGeom>
-          <a:ln>
-            <a:prstDash val="dash"/>
-            <a:headEnd type="none" w="med" len="med"/>
-            <a:tailEnd type="arrow" w="med" len="med"/>
-          </a:ln>
-        </p:spPr>
-        <p:style>
-          <a:lnRef idx="1">
-            <a:schemeClr val="accent1"/>
-          </a:lnRef>
-          <a:fillRef idx="0">
-            <a:schemeClr val="accent1"/>
-          </a:fillRef>
-          <a:effectRef idx="0">
-            <a:schemeClr val="accent1"/>
-          </a:effectRef>
-          <a:fontRef idx="minor">
-            <a:schemeClr val="tx1"/>
-          </a:fontRef>
-        </p:style>
-      </p:cxnSp>
-      <p:cxnSp>
-        <p:nvCxnSpPr>
-          <p:cNvPr id="94" name="Straight Arrow Connector 93"/>
-          <p:cNvCxnSpPr/>
-          <p:nvPr/>
-        </p:nvCxnSpPr>
-        <p:spPr>
-          <a:xfrm>
-            <a:off x="3733800" y="3178011"/>
-            <a:ext cx="125563" cy="0"/>
-          </a:xfrm>
-          <a:prstGeom prst="straightConnector1">
-            <a:avLst/>
-          </a:prstGeom>
-          <a:ln>
-            <a:prstDash val="dash"/>
-            <a:headEnd type="none" w="med" len="med"/>
-            <a:tailEnd type="arrow" w="med" len="med"/>
-          </a:ln>
-        </p:spPr>
-        <p:style>
-          <a:lnRef idx="1">
-            <a:schemeClr val="accent1"/>
-          </a:lnRef>
-          <a:fillRef idx="0">
-            <a:schemeClr val="accent1"/>
-          </a:fillRef>
-          <a:effectRef idx="0">
-            <a:schemeClr val="accent1"/>
-          </a:effectRef>
-          <a:fontRef idx="minor">
-            <a:schemeClr val="tx1"/>
-          </a:fontRef>
-        </p:style>
-      </p:cxnSp>
-      <p:cxnSp>
-        <p:nvCxnSpPr>
-          <p:cNvPr id="104" name="Straight Connector 103"/>
-          <p:cNvCxnSpPr/>
-          <p:nvPr/>
-        </p:nvCxnSpPr>
-        <p:spPr>
-          <a:xfrm flipV="1">
-            <a:off x="3733800" y="2295343"/>
-            <a:ext cx="0" cy="1653103"/>
-          </a:xfrm>
-          <a:prstGeom prst="line">
-            <a:avLst/>
-          </a:prstGeom>
-          <a:ln>
-            <a:prstDash val="dash"/>
-          </a:ln>
-        </p:spPr>
-        <p:style>
-          <a:lnRef idx="1">
-            <a:schemeClr val="accent1"/>
-          </a:lnRef>
-          <a:fillRef idx="0">
-            <a:schemeClr val="accent1"/>
-          </a:fillRef>
-          <a:effectRef idx="0">
-            <a:schemeClr val="accent1"/>
-          </a:effectRef>
-          <a:fontRef idx="minor">
-            <a:schemeClr val="tx1"/>
-          </a:fontRef>
-        </p:style>
-      </p:cxnSp>
-      <p:cxnSp>
-        <p:nvCxnSpPr>
-          <p:cNvPr id="107" name="Straight Connector 106"/>
-          <p:cNvCxnSpPr>
-            <a:endCxn id="16" idx="3"/>
-          </p:cNvCxnSpPr>
-          <p:nvPr/>
-        </p:nvCxnSpPr>
-        <p:spPr>
-          <a:xfrm flipH="1">
-            <a:off x="3684189" y="3948444"/>
-            <a:ext cx="49611" cy="438"/>
-          </a:xfrm>
-          <a:prstGeom prst="line">
-            <a:avLst/>
-          </a:prstGeom>
-          <a:ln>
-            <a:prstDash val="dash"/>
-          </a:ln>
-        </p:spPr>
-        <p:style>
-          <a:lnRef idx="1">
-            <a:schemeClr val="accent1"/>
-          </a:lnRef>
-          <a:fillRef idx="0">
-            <a:schemeClr val="accent1"/>
-          </a:fillRef>
-          <a:effectRef idx="0">
-            <a:schemeClr val="accent1"/>
-          </a:effectRef>
-          <a:fontRef idx="minor">
-            <a:schemeClr val="tx1"/>
-          </a:fontRef>
-        </p:style>
-      </p:cxnSp>
-      <p:cxnSp>
-        <p:nvCxnSpPr>
-          <p:cNvPr id="109" name="Straight Arrow Connector 108"/>
-          <p:cNvCxnSpPr/>
-          <p:nvPr/>
-        </p:nvCxnSpPr>
-        <p:spPr>
-          <a:xfrm>
-            <a:off x="3733800" y="2295343"/>
-            <a:ext cx="125563" cy="0"/>
-          </a:xfrm>
-          <a:prstGeom prst="straightConnector1">
-            <a:avLst/>
-          </a:prstGeom>
-          <a:ln>
-            <a:prstDash val="dash"/>
-            <a:headEnd type="none" w="med" len="med"/>
-            <a:tailEnd type="arrow" w="med" len="med"/>
-          </a:ln>
-        </p:spPr>
-        <p:style>
-          <a:lnRef idx="1">
-            <a:schemeClr val="accent1"/>
-          </a:lnRef>
-          <a:fillRef idx="0">
-            <a:schemeClr val="accent1"/>
-          </a:fillRef>
-          <a:effectRef idx="0">
-            <a:schemeClr val="accent1"/>
-          </a:effectRef>
-          <a:fontRef idx="minor">
-            <a:schemeClr val="tx1"/>
-          </a:fontRef>
-        </p:style>
-      </p:cxnSp>
-      <p:cxnSp>
-        <p:nvCxnSpPr>
-          <p:cNvPr id="117" name="Straight Arrow Connector 116"/>
-          <p:cNvCxnSpPr>
-            <a:stCxn id="12" idx="3"/>
-          </p:cNvCxnSpPr>
-          <p:nvPr/>
-        </p:nvCxnSpPr>
-        <p:spPr>
-          <a:xfrm flipV="1">
-            <a:off x="5587728" y="3940289"/>
-            <a:ext cx="1651272" cy="8155"/>
-          </a:xfrm>
-          <a:prstGeom prst="straightConnector1">
-            <a:avLst/>
-          </a:prstGeom>
-          <a:ln w="19050">
-            <a:headEnd type="triangle" w="med" len="med"/>
-            <a:tailEnd type="none" w="med" len="med"/>
-          </a:ln>
-        </p:spPr>
-        <p:style>
-          <a:lnRef idx="1">
-            <a:schemeClr val="accent1"/>
-          </a:lnRef>
-          <a:fillRef idx="0">
-            <a:schemeClr val="accent1"/>
-          </a:fillRef>
-          <a:effectRef idx="0">
-            <a:schemeClr val="accent1"/>
-          </a:effectRef>
-          <a:fontRef idx="minor">
-            <a:schemeClr val="tx1"/>
-          </a:fontRef>
-        </p:style>
-      </p:cxnSp>
-      <p:cxnSp>
-        <p:nvCxnSpPr>
-          <p:cNvPr id="119" name="Straight Connector 118"/>
-          <p:cNvCxnSpPr/>
-          <p:nvPr/>
-        </p:nvCxnSpPr>
-        <p:spPr>
-          <a:xfrm flipV="1">
-            <a:off x="7239000" y="2322547"/>
-            <a:ext cx="0" cy="1617744"/>
-          </a:xfrm>
-          <a:prstGeom prst="line">
-            <a:avLst/>
-          </a:prstGeom>
-          <a:ln w="19050"/>
-        </p:spPr>
-        <p:style>
-          <a:lnRef idx="1">
-            <a:schemeClr val="accent1"/>
-          </a:lnRef>
-          <a:fillRef idx="0">
-            <a:schemeClr val="accent1"/>
-          </a:fillRef>
-          <a:effectRef idx="0">
-            <a:schemeClr val="accent1"/>
-          </a:effectRef>
-          <a:fontRef idx="minor">
-            <a:schemeClr val="tx1"/>
-          </a:fontRef>
-        </p:style>
-      </p:cxnSp>
-      <p:cxnSp>
-        <p:nvCxnSpPr>
-          <p:cNvPr id="123" name="Straight Connector 122"/>
-          <p:cNvCxnSpPr>
-            <a:stCxn id="4" idx="1"/>
-          </p:cNvCxnSpPr>
-          <p:nvPr/>
-        </p:nvCxnSpPr>
-        <p:spPr>
-          <a:xfrm>
-            <a:off x="7037235" y="2322547"/>
-            <a:ext cx="201765" cy="0"/>
-          </a:xfrm>
-          <a:prstGeom prst="line">
-            <a:avLst/>
-          </a:prstGeom>
-        </p:spPr>
-        <p:style>
-          <a:lnRef idx="1">
-            <a:schemeClr val="accent1"/>
-          </a:lnRef>
-          <a:fillRef idx="0">
-            <a:schemeClr val="accent1"/>
-          </a:fillRef>
-          <a:effectRef idx="0">
-            <a:schemeClr val="accent1"/>
-          </a:effectRef>
-          <a:fontRef idx="minor">
-            <a:schemeClr val="tx1"/>
-          </a:fontRef>
-        </p:style>
-      </p:cxnSp>
-      <p:cxnSp>
-        <p:nvCxnSpPr>
-          <p:cNvPr id="125" name="Straight Connector 124"/>
-          <p:cNvCxnSpPr>
-            <a:stCxn id="10" idx="1"/>
-          </p:cNvCxnSpPr>
-          <p:nvPr/>
-        </p:nvCxnSpPr>
-        <p:spPr>
-          <a:xfrm>
-            <a:off x="7043373" y="2728300"/>
-            <a:ext cx="195627" cy="0"/>
-          </a:xfrm>
-          <a:prstGeom prst="line">
-            <a:avLst/>
-          </a:prstGeom>
-        </p:spPr>
-        <p:style>
-          <a:lnRef idx="1">
-            <a:schemeClr val="accent1"/>
-          </a:lnRef>
-          <a:fillRef idx="0">
-            <a:schemeClr val="accent1"/>
-          </a:fillRef>
-          <a:effectRef idx="0">
-            <a:schemeClr val="accent1"/>
-          </a:effectRef>
-          <a:fontRef idx="minor">
-            <a:schemeClr val="tx1"/>
-          </a:fontRef>
-        </p:style>
-      </p:cxnSp>
-      <p:cxnSp>
-        <p:nvCxnSpPr>
-          <p:cNvPr id="127" name="Straight Connector 126"/>
-          <p:cNvCxnSpPr>
-            <a:stCxn id="37" idx="1"/>
-          </p:cNvCxnSpPr>
-          <p:nvPr/>
-        </p:nvCxnSpPr>
-        <p:spPr>
-          <a:xfrm>
-            <a:off x="7043373" y="3129517"/>
-            <a:ext cx="195627" cy="0"/>
-          </a:xfrm>
-          <a:prstGeom prst="line">
-            <a:avLst/>
-          </a:prstGeom>
-        </p:spPr>
-        <p:style>
-          <a:lnRef idx="1">
-            <a:schemeClr val="accent1"/>
-          </a:lnRef>
-          <a:fillRef idx="0">
-            <a:schemeClr val="accent1"/>
-          </a:fillRef>
-          <a:effectRef idx="0">
-            <a:schemeClr val="accent1"/>
-          </a:effectRef>
-          <a:fontRef idx="minor">
-            <a:schemeClr val="tx1"/>
-          </a:fontRef>
-        </p:style>
-      </p:cxnSp>
-      <p:cxnSp>
-        <p:nvCxnSpPr>
-          <p:cNvPr id="133" name="Straight Connector 132"/>
-          <p:cNvCxnSpPr>
-            <a:stCxn id="11" idx="1"/>
-          </p:cNvCxnSpPr>
-          <p:nvPr/>
-        </p:nvCxnSpPr>
-        <p:spPr>
-          <a:xfrm>
-            <a:off x="7043373" y="3569763"/>
-            <a:ext cx="195627" cy="0"/>
-          </a:xfrm>
-          <a:prstGeom prst="line">
-            <a:avLst/>
-          </a:prstGeom>
-        </p:spPr>
-        <p:style>
-          <a:lnRef idx="1">
-            <a:schemeClr val="accent1"/>
-          </a:lnRef>
-          <a:fillRef idx="0">
-            <a:schemeClr val="accent1"/>
-          </a:fillRef>
-          <a:effectRef idx="0">
-            <a:schemeClr val="accent1"/>
-          </a:effectRef>
-          <a:fontRef idx="minor">
-            <a:schemeClr val="tx1"/>
-          </a:fontRef>
-        </p:style>
-      </p:cxnSp>
-      <p:cxnSp>
-        <p:nvCxnSpPr>
-          <p:cNvPr id="152" name="Straight Connector 151"/>
-          <p:cNvCxnSpPr>
-            <a:stCxn id="44" idx="1"/>
-          </p:cNvCxnSpPr>
-          <p:nvPr/>
-        </p:nvCxnSpPr>
-        <p:spPr>
-          <a:xfrm>
-            <a:off x="4953000" y="2747189"/>
-            <a:ext cx="990600" cy="0"/>
-          </a:xfrm>
-          <a:prstGeom prst="line">
-            <a:avLst/>
-          </a:prstGeom>
-          <a:ln>
-            <a:prstDash val="dash"/>
-            <a:headEnd type="none" w="med" len="med"/>
-            <a:tailEnd type="arrow" w="med" len="med"/>
-          </a:ln>
-        </p:spPr>
-        <p:style>
-          <a:lnRef idx="1">
-            <a:schemeClr val="accent1"/>
-          </a:lnRef>
-          <a:fillRef idx="0">
-            <a:schemeClr val="accent1"/>
-          </a:fillRef>
-          <a:effectRef idx="0">
-            <a:schemeClr val="accent1"/>
-          </a:effectRef>
-          <a:fontRef idx="minor">
-            <a:schemeClr val="tx1"/>
-          </a:fontRef>
-        </p:style>
-      </p:cxnSp>
-      <p:cxnSp>
-        <p:nvCxnSpPr>
-          <p:cNvPr id="153" name="Straight Connector 152"/>
-          <p:cNvCxnSpPr/>
-          <p:nvPr/>
-        </p:nvCxnSpPr>
-        <p:spPr>
-          <a:xfrm>
-            <a:off x="4953000" y="2371543"/>
-            <a:ext cx="990600" cy="0"/>
-          </a:xfrm>
-          <a:prstGeom prst="line">
-            <a:avLst/>
-          </a:prstGeom>
-          <a:ln>
-            <a:prstDash val="dash"/>
-            <a:headEnd type="none" w="med" len="med"/>
-            <a:tailEnd type="arrow" w="med" len="med"/>
-          </a:ln>
-        </p:spPr>
-        <p:style>
-          <a:lnRef idx="1">
-            <a:schemeClr val="accent1"/>
-          </a:lnRef>
-          <a:fillRef idx="0">
-            <a:schemeClr val="accent1"/>
-          </a:fillRef>
-          <a:effectRef idx="0">
-            <a:schemeClr val="accent1"/>
-          </a:effectRef>
-          <a:fontRef idx="minor">
-            <a:schemeClr val="tx1"/>
-          </a:fontRef>
-        </p:style>
-      </p:cxnSp>
       <p:grpSp>
         <p:nvGrpSpPr>
           <p:cNvPr id="161" name="Group 160"/>
@@ -5633,7 +5197,7 @@
         </p:nvGrpSpPr>
         <p:grpSpPr>
           <a:xfrm rot="5400000">
-            <a:off x="5365168" y="1962201"/>
+            <a:off x="5941795" y="1962201"/>
             <a:ext cx="254462" cy="555486"/>
             <a:chOff x="3949242" y="712012"/>
             <a:chExt cx="254462" cy="503902"/>
@@ -5664,14 +5228,18 @@
               <a:r>
                 <a:rPr lang="en-US" sz="1100" dirty="0" smtClean="0">
                   <a:solidFill>
-                    <a:srgbClr val="0070C0"/>
+                    <a:schemeClr val="accent5">
+                      <a:lumMod val="75000"/>
+                    </a:schemeClr>
                   </a:solidFill>
                 </a:rPr>
                 <a:t>creates</a:t>
               </a:r>
               <a:endParaRPr lang="en-SG" sz="1100" dirty="0">
                 <a:solidFill>
-                  <a:srgbClr val="0070C0"/>
+                  <a:schemeClr val="accent5">
+                    <a:lumMod val="75000"/>
+                  </a:schemeClr>
                 </a:solidFill>
               </a:endParaRPr>
             </a:p>
@@ -5692,7 +5260,9 @@
               <a:avLst/>
             </a:prstGeom>
             <a:solidFill>
-              <a:srgbClr val="0070C0"/>
+              <a:schemeClr val="accent5">
+                <a:lumMod val="75000"/>
+              </a:schemeClr>
             </a:solidFill>
             <a:ln>
               <a:noFill/>
@@ -5732,7 +5302,7 @@
         </p:nvGrpSpPr>
         <p:grpSpPr>
           <a:xfrm rot="5400000">
-            <a:off x="5386226" y="2347569"/>
+            <a:off x="5962853" y="2347569"/>
             <a:ext cx="254462" cy="555486"/>
             <a:chOff x="3949242" y="712012"/>
             <a:chExt cx="254462" cy="503902"/>
@@ -5763,14 +5333,18 @@
               <a:r>
                 <a:rPr lang="en-US" sz="1100" dirty="0" smtClean="0">
                   <a:solidFill>
-                    <a:srgbClr val="0070C0"/>
+                    <a:schemeClr val="accent5">
+                      <a:lumMod val="75000"/>
+                    </a:schemeClr>
                   </a:solidFill>
                 </a:rPr>
                 <a:t>creates</a:t>
               </a:r>
               <a:endParaRPr lang="en-SG" sz="1100" dirty="0">
                 <a:solidFill>
-                  <a:srgbClr val="0070C0"/>
+                  <a:schemeClr val="accent5">
+                    <a:lumMod val="75000"/>
+                  </a:schemeClr>
                 </a:solidFill>
               </a:endParaRPr>
             </a:p>
@@ -5791,7 +5365,9 @@
               <a:avLst/>
             </a:prstGeom>
             <a:solidFill>
-              <a:srgbClr val="0070C0"/>
+              <a:schemeClr val="accent5">
+                <a:lumMod val="75000"/>
+              </a:schemeClr>
             </a:solidFill>
             <a:ln>
               <a:noFill/>
@@ -5831,18 +5407,24 @@
         </p:nvSpPr>
         <p:spPr>
           <a:xfrm>
-            <a:off x="2659828" y="3015383"/>
+            <a:off x="2819400" y="2841725"/>
             <a:ext cx="731636" cy="283820"/>
           </a:xfrm>
           <a:prstGeom prst="rect">
             <a:avLst/>
           </a:prstGeom>
           <a:solidFill>
-            <a:srgbClr val="0070C0"/>
+            <a:schemeClr val="accent5">
+              <a:lumMod val="60000"/>
+              <a:lumOff val="40000"/>
+            </a:schemeClr>
           </a:solidFill>
           <a:ln w="19050">
             <a:solidFill>
-              <a:srgbClr val="0070C0"/>
+              <a:schemeClr val="accent5">
+                <a:lumMod val="60000"/>
+                <a:lumOff val="40000"/>
+              </a:schemeClr>
             </a:solidFill>
           </a:ln>
           <a:effectLst/>
@@ -5890,18 +5472,24 @@
         </p:nvSpPr>
         <p:spPr>
           <a:xfrm>
-            <a:off x="2659250" y="3364540"/>
+            <a:off x="2819400" y="3190882"/>
             <a:ext cx="731636" cy="283820"/>
           </a:xfrm>
           <a:prstGeom prst="rect">
             <a:avLst/>
           </a:prstGeom>
           <a:solidFill>
-            <a:srgbClr val="0070C0"/>
+            <a:schemeClr val="accent5">
+              <a:lumMod val="60000"/>
+              <a:lumOff val="40000"/>
+            </a:schemeClr>
           </a:solidFill>
           <a:ln w="19050">
             <a:solidFill>
-              <a:srgbClr val="0070C0"/>
+              <a:schemeClr val="accent5">
+                <a:lumMod val="60000"/>
+                <a:lumOff val="40000"/>
+              </a:schemeClr>
             </a:solidFill>
           </a:ln>
           <a:effectLst/>
@@ -5943,168 +5531,44 @@
       </p:sp>
       <p:cxnSp>
         <p:nvCxnSpPr>
-          <p:cNvPr id="22" name="Straight Connector 21"/>
-          <p:cNvCxnSpPr/>
+          <p:cNvPr id="100" name="Straight Arrow Connector 99"/>
+          <p:cNvCxnSpPr>
+            <a:endCxn id="60" idx="3"/>
+          </p:cNvCxnSpPr>
           <p:nvPr/>
         </p:nvCxnSpPr>
         <p:spPr>
-          <a:xfrm flipV="1">
-            <a:off x="3505200" y="2209023"/>
-            <a:ext cx="0" cy="1262106"/>
-          </a:xfrm>
-          <a:prstGeom prst="line">
-            <a:avLst/>
-          </a:prstGeom>
-          <a:ln>
-            <a:prstDash val="sysDash"/>
-          </a:ln>
-        </p:spPr>
-        <p:style>
-          <a:lnRef idx="1">
-            <a:schemeClr val="accent1"/>
-          </a:lnRef>
-          <a:fillRef idx="0">
-            <a:schemeClr val="accent1"/>
-          </a:fillRef>
-          <a:effectRef idx="0">
-            <a:schemeClr val="accent1"/>
-          </a:effectRef>
-          <a:fontRef idx="minor">
-            <a:schemeClr val="tx1"/>
-          </a:fontRef>
-        </p:style>
-      </p:cxnSp>
-      <p:cxnSp>
-        <p:nvCxnSpPr>
-          <p:cNvPr id="75" name="Straight Connector 74"/>
-          <p:cNvCxnSpPr/>
-          <p:nvPr/>
-        </p:nvCxnSpPr>
-        <p:spPr>
           <a:xfrm flipH="1">
-            <a:off x="3505200" y="2209023"/>
-            <a:ext cx="344016" cy="0"/>
-          </a:xfrm>
-          <a:prstGeom prst="line">
-            <a:avLst/>
-          </a:prstGeom>
-          <a:ln>
-            <a:prstDash val="sysDash"/>
-          </a:ln>
-        </p:spPr>
-        <p:style>
-          <a:lnRef idx="1">
-            <a:schemeClr val="accent1"/>
-          </a:lnRef>
-          <a:fillRef idx="0">
-            <a:schemeClr val="accent1"/>
-          </a:fillRef>
-          <a:effectRef idx="0">
-            <a:schemeClr val="accent1"/>
-          </a:effectRef>
-          <a:fontRef idx="minor">
-            <a:schemeClr val="tx1"/>
-          </a:fontRef>
-        </p:style>
-      </p:cxnSp>
-      <p:cxnSp>
-        <p:nvCxnSpPr>
-          <p:cNvPr id="79" name="Straight Connector 78"/>
-          <p:cNvCxnSpPr/>
-          <p:nvPr/>
-        </p:nvCxnSpPr>
-        <p:spPr>
-          <a:xfrm flipH="1">
-            <a:off x="3505200" y="2632378"/>
-            <a:ext cx="354163" cy="0"/>
-          </a:xfrm>
-          <a:prstGeom prst="line">
-            <a:avLst/>
-          </a:prstGeom>
-          <a:ln>
-            <a:prstDash val="sysDash"/>
-          </a:ln>
-        </p:spPr>
-        <p:style>
-          <a:lnRef idx="1">
-            <a:schemeClr val="accent1"/>
-          </a:lnRef>
-          <a:fillRef idx="0">
-            <a:schemeClr val="accent1"/>
-          </a:fillRef>
-          <a:effectRef idx="0">
-            <a:schemeClr val="accent1"/>
-          </a:effectRef>
-          <a:fontRef idx="minor">
-            <a:schemeClr val="tx1"/>
-          </a:fontRef>
-        </p:style>
-      </p:cxnSp>
-      <p:cxnSp>
-        <p:nvCxnSpPr>
-          <p:cNvPr id="85" name="Straight Connector 84"/>
-          <p:cNvCxnSpPr/>
-          <p:nvPr/>
-        </p:nvCxnSpPr>
-        <p:spPr>
-          <a:xfrm flipH="1">
-            <a:off x="3505200" y="3015383"/>
-            <a:ext cx="344016" cy="0"/>
-          </a:xfrm>
-          <a:prstGeom prst="line">
-            <a:avLst/>
-          </a:prstGeom>
-          <a:ln>
-            <a:prstDash val="sysDash"/>
-          </a:ln>
-        </p:spPr>
-        <p:style>
-          <a:lnRef idx="1">
-            <a:schemeClr val="accent1"/>
-          </a:lnRef>
-          <a:fillRef idx="0">
-            <a:schemeClr val="accent1"/>
-          </a:fillRef>
-          <a:effectRef idx="0">
-            <a:schemeClr val="accent1"/>
-          </a:effectRef>
-          <a:fontRef idx="minor">
-            <a:schemeClr val="tx1"/>
-          </a:fontRef>
-        </p:style>
-      </p:cxnSp>
-      <p:cxnSp>
-        <p:nvCxnSpPr>
-          <p:cNvPr id="100" name="Straight Arrow Connector 99"/>
-          <p:cNvCxnSpPr/>
-          <p:nvPr/>
-        </p:nvCxnSpPr>
-        <p:spPr>
-          <a:xfrm flipH="1">
-            <a:off x="3390886" y="3178011"/>
-            <a:ext cx="114314" cy="0"/>
+            <a:off x="3551036" y="2983635"/>
+            <a:ext cx="335164" cy="0"/>
           </a:xfrm>
           <a:prstGeom prst="straightConnector1">
             <a:avLst/>
           </a:prstGeom>
-          <a:ln>
+          <a:ln w="19050">
+            <a:solidFill>
+              <a:schemeClr val="accent5">
+                <a:lumMod val="50000"/>
+              </a:schemeClr>
+            </a:solidFill>
             <a:prstDash val="sysDot"/>
             <a:headEnd type="none" w="med" len="med"/>
             <a:tailEnd type="arrow" w="med" len="med"/>
           </a:ln>
+          <a:effectLst/>
         </p:spPr>
         <p:style>
           <a:lnRef idx="1">
-            <a:schemeClr val="accent1"/>
+            <a:schemeClr val="accent2"/>
           </a:lnRef>
-          <a:fillRef idx="0">
-            <a:schemeClr val="accent1"/>
+          <a:fillRef idx="2">
+            <a:schemeClr val="accent2"/>
           </a:fillRef>
-          <a:effectRef idx="0">
-            <a:schemeClr val="accent1"/>
+          <a:effectRef idx="1">
+            <a:schemeClr val="accent2"/>
           </a:effectRef>
           <a:fontRef idx="minor">
-            <a:schemeClr val="tx1"/>
+            <a:schemeClr val="dk1"/>
           </a:fontRef>
         </p:style>
       </p:cxnSp>
@@ -6115,31 +5579,37 @@
           <p:nvPr/>
         </p:nvCxnSpPr>
         <p:spPr>
-          <a:xfrm flipH="1">
-            <a:off x="3390886" y="3471128"/>
-            <a:ext cx="114314" cy="0"/>
+          <a:xfrm flipH="1" flipV="1">
+            <a:off x="3558396" y="3297471"/>
+            <a:ext cx="327804" cy="5426"/>
           </a:xfrm>
           <a:prstGeom prst="straightConnector1">
             <a:avLst/>
           </a:prstGeom>
-          <a:ln>
+          <a:ln w="19050">
+            <a:solidFill>
+              <a:schemeClr val="accent5">
+                <a:lumMod val="50000"/>
+              </a:schemeClr>
+            </a:solidFill>
             <a:prstDash val="sysDot"/>
             <a:headEnd type="none" w="med" len="med"/>
             <a:tailEnd type="arrow" w="med" len="med"/>
           </a:ln>
+          <a:effectLst/>
         </p:spPr>
         <p:style>
           <a:lnRef idx="1">
-            <a:schemeClr val="accent1"/>
+            <a:schemeClr val="accent2"/>
           </a:lnRef>
-          <a:fillRef idx="0">
-            <a:schemeClr val="accent1"/>
+          <a:fillRef idx="2">
+            <a:schemeClr val="accent2"/>
           </a:fillRef>
-          <a:effectRef idx="0">
-            <a:schemeClr val="accent1"/>
+          <a:effectRef idx="1">
+            <a:schemeClr val="accent2"/>
           </a:effectRef>
           <a:fontRef idx="minor">
-            <a:schemeClr val="tx1"/>
+            <a:schemeClr val="dk1"/>
           </a:fontRef>
         </p:style>
       </p:cxnSp>
@@ -6147,36 +5617,45 @@
         <p:nvCxnSpPr>
           <p:cNvPr id="13" name="Elbow Connector 12"/>
           <p:cNvCxnSpPr>
-            <a:endCxn id="58" idx="3"/>
+            <a:stCxn id="60" idx="0"/>
           </p:cNvCxnSpPr>
           <p:nvPr/>
         </p:nvCxnSpPr>
         <p:spPr>
           <a:xfrm rot="16200000" flipV="1">
-            <a:off x="3128310" y="2809926"/>
-            <a:ext cx="234836" cy="174388"/>
-          </a:xfrm>
-          <a:prstGeom prst="bentConnector2">
-            <a:avLst/>
+            <a:off x="3063575" y="2720082"/>
+            <a:ext cx="234481" cy="8806"/>
+          </a:xfrm>
+          <a:prstGeom prst="bentConnector3">
+            <a:avLst>
+              <a:gd name="adj1" fmla="val 50000"/>
+            </a:avLst>
           </a:prstGeom>
-          <a:ln>
-            <a:prstDash val="sysDash"/>
+          <a:ln w="19050">
+            <a:solidFill>
+              <a:schemeClr val="accent5">
+                <a:lumMod val="60000"/>
+                <a:lumOff val="40000"/>
+              </a:schemeClr>
+            </a:solidFill>
+            <a:prstDash val="sysDot"/>
             <a:headEnd type="none" w="med" len="med"/>
             <a:tailEnd type="arrow" w="med" len="med"/>
           </a:ln>
+          <a:effectLst/>
         </p:spPr>
         <p:style>
           <a:lnRef idx="1">
-            <a:schemeClr val="accent1"/>
+            <a:schemeClr val="accent2"/>
           </a:lnRef>
-          <a:fillRef idx="0">
-            <a:schemeClr val="accent1"/>
+          <a:fillRef idx="2">
+            <a:schemeClr val="accent2"/>
           </a:fillRef>
-          <a:effectRef idx="0">
-            <a:schemeClr val="accent1"/>
+          <a:effectRef idx="1">
+            <a:schemeClr val="accent2"/>
           </a:effectRef>
           <a:fontRef idx="minor">
-            <a:schemeClr val="tx1"/>
+            <a:schemeClr val="dk1"/>
           </a:fontRef>
         </p:style>
       </p:cxnSp>
@@ -6188,30 +5667,36 @@
         </p:nvCxnSpPr>
         <p:spPr>
           <a:xfrm>
-            <a:off x="3158534" y="2447743"/>
+            <a:off x="3539534" y="2078487"/>
             <a:ext cx="346666" cy="0"/>
           </a:xfrm>
           <a:prstGeom prst="line">
             <a:avLst/>
           </a:prstGeom>
-          <a:ln>
-            <a:prstDash val="sysDash"/>
+          <a:ln w="19050">
+            <a:solidFill>
+              <a:schemeClr val="accent5">
+                <a:lumMod val="50000"/>
+              </a:schemeClr>
+            </a:solidFill>
+            <a:prstDash val="sysDot"/>
             <a:headEnd type="arrow" w="med" len="med"/>
             <a:tailEnd type="none" w="med" len="med"/>
           </a:ln>
+          <a:effectLst/>
         </p:spPr>
         <p:style>
           <a:lnRef idx="1">
-            <a:schemeClr val="accent1"/>
+            <a:schemeClr val="accent2"/>
           </a:lnRef>
-          <a:fillRef idx="0">
-            <a:schemeClr val="accent1"/>
+          <a:fillRef idx="2">
+            <a:schemeClr val="accent2"/>
           </a:fillRef>
-          <a:effectRef idx="0">
-            <a:schemeClr val="accent1"/>
+          <a:effectRef idx="1">
+            <a:schemeClr val="accent2"/>
           </a:effectRef>
           <a:fontRef idx="minor">
-            <a:schemeClr val="tx1"/>
+            <a:schemeClr val="dk1"/>
           </a:fontRef>
         </p:style>
       </p:cxnSp>
@@ -6219,36 +5704,46 @@
         <p:nvCxnSpPr>
           <p:cNvPr id="50" name="Elbow Connector 49"/>
           <p:cNvCxnSpPr>
-            <a:endCxn id="58" idx="1"/>
+            <a:stCxn id="56" idx="2"/>
+            <a:endCxn id="58" idx="0"/>
           </p:cNvCxnSpPr>
           <p:nvPr/>
         </p:nvCxnSpPr>
         <p:spPr>
-          <a:xfrm rot="16200000" flipH="1">
-            <a:off x="2478422" y="2609986"/>
-            <a:ext cx="205893" cy="133537"/>
-          </a:xfrm>
-          <a:prstGeom prst="bentConnector2">
-            <a:avLst/>
+          <a:xfrm rot="5400000">
+            <a:off x="3089176" y="2338998"/>
+            <a:ext cx="180904" cy="6429"/>
+          </a:xfrm>
+          <a:prstGeom prst="bentConnector3">
+            <a:avLst>
+              <a:gd name="adj1" fmla="val 50000"/>
+            </a:avLst>
           </a:prstGeom>
-          <a:ln>
-            <a:prstDash val="sysDash"/>
+          <a:ln w="19050">
+            <a:solidFill>
+              <a:schemeClr val="accent5">
+                <a:lumMod val="60000"/>
+                <a:lumOff val="40000"/>
+              </a:schemeClr>
+            </a:solidFill>
+            <a:prstDash val="sysDot"/>
             <a:headEnd type="none" w="med" len="med"/>
             <a:tailEnd type="arrow" w="med" len="med"/>
           </a:ln>
+          <a:effectLst/>
         </p:spPr>
         <p:style>
           <a:lnRef idx="1">
-            <a:schemeClr val="accent1"/>
+            <a:schemeClr val="accent2"/>
           </a:lnRef>
-          <a:fillRef idx="0">
-            <a:schemeClr val="accent1"/>
+          <a:fillRef idx="2">
+            <a:schemeClr val="accent2"/>
           </a:fillRef>
-          <a:effectRef idx="0">
-            <a:schemeClr val="accent1"/>
+          <a:effectRef idx="1">
+            <a:schemeClr val="accent2"/>
           </a:effectRef>
           <a:fontRef idx="minor">
-            <a:schemeClr val="tx1"/>
+            <a:schemeClr val="dk1"/>
           </a:fontRef>
         </p:style>
       </p:cxnSp>
@@ -6260,7 +5755,7 @@
         </p:nvGrpSpPr>
         <p:grpSpPr>
           <a:xfrm rot="5400000">
-            <a:off x="3583288" y="3481226"/>
+            <a:off x="4090826" y="3633626"/>
             <a:ext cx="555486" cy="254462"/>
             <a:chOff x="3798139" y="875689"/>
             <a:chExt cx="555486" cy="230832"/>
@@ -6291,14 +5786,18 @@
               <a:r>
                 <a:rPr lang="en-US" sz="1100" dirty="0" smtClean="0">
                   <a:solidFill>
-                    <a:srgbClr val="0070C0"/>
+                    <a:schemeClr val="accent5">
+                      <a:lumMod val="75000"/>
+                    </a:schemeClr>
                   </a:solidFill>
                 </a:rPr>
                 <a:t>creates</a:t>
               </a:r>
               <a:endParaRPr lang="en-SG" sz="1100" dirty="0">
                 <a:solidFill>
-                  <a:srgbClr val="0070C0"/>
+                  <a:schemeClr val="accent5">
+                    <a:lumMod val="75000"/>
+                  </a:schemeClr>
                 </a:solidFill>
               </a:endParaRPr>
             </a:p>
@@ -6312,14 +5811,16 @@
           </p:nvSpPr>
           <p:spPr>
             <a:xfrm rot="5400000" flipV="1">
-              <a:off x="3822835" y="964974"/>
+              <a:off x="3795127" y="973354"/>
               <a:ext cx="119885" cy="88141"/>
             </a:xfrm>
             <a:prstGeom prst="triangle">
               <a:avLst/>
             </a:prstGeom>
             <a:solidFill>
-              <a:srgbClr val="0070C0"/>
+              <a:schemeClr val="accent5">
+                <a:lumMod val="75000"/>
+              </a:schemeClr>
             </a:solidFill>
             <a:ln>
               <a:noFill/>
@@ -6351,6 +5852,602 @@
           </p:txBody>
         </p:sp>
       </p:grpSp>
+      <p:cxnSp>
+        <p:nvCxnSpPr>
+          <p:cNvPr id="84" name="Elbow Connector 83"/>
+          <p:cNvCxnSpPr>
+            <a:stCxn id="87" idx="3"/>
+            <a:endCxn id="37" idx="1"/>
+          </p:cNvCxnSpPr>
+          <p:nvPr/>
+        </p:nvCxnSpPr>
+        <p:spPr>
+          <a:xfrm rot="16200000" flipV="1">
+            <a:off x="7296652" y="3452865"/>
+            <a:ext cx="850958" cy="204262"/>
+          </a:xfrm>
+          <a:prstGeom prst="bentConnector2">
+            <a:avLst/>
+          </a:prstGeom>
+          <a:ln w="19050">
+            <a:headEnd type="none" w="med" len="med"/>
+            <a:tailEnd type="none" w="med" len="med"/>
+          </a:ln>
+        </p:spPr>
+        <p:style>
+          <a:lnRef idx="1">
+            <a:schemeClr val="accent1"/>
+          </a:lnRef>
+          <a:fillRef idx="0">
+            <a:schemeClr val="accent1"/>
+          </a:fillRef>
+          <a:effectRef idx="0">
+            <a:schemeClr val="accent1"/>
+          </a:effectRef>
+          <a:fontRef idx="minor">
+            <a:schemeClr val="tx1"/>
+          </a:fontRef>
+        </p:style>
+      </p:cxnSp>
+      <p:sp>
+        <p:nvSpPr>
+          <p:cNvPr id="87" name="Isosceles Triangle 102"/>
+          <p:cNvSpPr/>
+          <p:nvPr/>
+        </p:nvSpPr>
+        <p:spPr>
+          <a:xfrm flipV="1">
+            <a:off x="7689010" y="3980475"/>
+            <a:ext cx="270504" cy="175523"/>
+          </a:xfrm>
+          <a:prstGeom prst="triangle">
+            <a:avLst/>
+          </a:prstGeom>
+          <a:solidFill>
+            <a:schemeClr val="tx2">
+              <a:lumMod val="60000"/>
+              <a:lumOff val="40000"/>
+            </a:schemeClr>
+          </a:solidFill>
+          <a:ln w="19050">
+            <a:solidFill>
+              <a:srgbClr val="0070C0"/>
+            </a:solidFill>
+          </a:ln>
+          <a:effectLst/>
+        </p:spPr>
+        <p:style>
+          <a:lnRef idx="1">
+            <a:schemeClr val="accent1"/>
+          </a:lnRef>
+          <a:fillRef idx="2">
+            <a:schemeClr val="accent1"/>
+          </a:fillRef>
+          <a:effectRef idx="1">
+            <a:schemeClr val="accent1"/>
+          </a:effectRef>
+          <a:fontRef idx="minor">
+            <a:schemeClr val="dk1"/>
+          </a:fontRef>
+        </p:style>
+        <p:txBody>
+          <a:bodyPr rtlCol="0" anchor="ctr"/>
+          <a:lstStyle/>
+          <a:p>
+            <a:pPr algn="ctr"/>
+            <a:endParaRPr lang="en-SG" sz="1050" b="1">
+              <a:solidFill>
+                <a:srgbClr val="92D050"/>
+              </a:solidFill>
+            </a:endParaRPr>
+          </a:p>
+        </p:txBody>
+      </p:sp>
+      <p:cxnSp>
+        <p:nvCxnSpPr>
+          <p:cNvPr id="90" name="Elbow Connector 89"/>
+          <p:cNvCxnSpPr>
+            <a:stCxn id="87" idx="3"/>
+            <a:endCxn id="11" idx="1"/>
+          </p:cNvCxnSpPr>
+          <p:nvPr/>
+        </p:nvCxnSpPr>
+        <p:spPr>
+          <a:xfrm rot="16200000" flipV="1">
+            <a:off x="7516775" y="3672988"/>
+            <a:ext cx="410712" cy="204262"/>
+          </a:xfrm>
+          <a:prstGeom prst="bentConnector2">
+            <a:avLst/>
+          </a:prstGeom>
+          <a:ln w="19050">
+            <a:headEnd type="none" w="med" len="med"/>
+            <a:tailEnd type="none" w="med" len="med"/>
+          </a:ln>
+        </p:spPr>
+        <p:style>
+          <a:lnRef idx="1">
+            <a:schemeClr val="accent1"/>
+          </a:lnRef>
+          <a:fillRef idx="0">
+            <a:schemeClr val="accent1"/>
+          </a:fillRef>
+          <a:effectRef idx="0">
+            <a:schemeClr val="accent1"/>
+          </a:effectRef>
+          <a:fontRef idx="minor">
+            <a:schemeClr val="tx1"/>
+          </a:fontRef>
+        </p:style>
+      </p:cxnSp>
+      <p:cxnSp>
+        <p:nvCxnSpPr>
+          <p:cNvPr id="93" name="Elbow Connector 92"/>
+          <p:cNvCxnSpPr>
+            <a:stCxn id="87" idx="3"/>
+            <a:endCxn id="10" idx="1"/>
+          </p:cNvCxnSpPr>
+          <p:nvPr/>
+        </p:nvCxnSpPr>
+        <p:spPr>
+          <a:xfrm rot="16200000" flipV="1">
+            <a:off x="7096044" y="3252257"/>
+            <a:ext cx="1252175" cy="204262"/>
+          </a:xfrm>
+          <a:prstGeom prst="bentConnector2">
+            <a:avLst/>
+          </a:prstGeom>
+          <a:ln w="19050">
+            <a:headEnd type="none" w="med" len="med"/>
+            <a:tailEnd type="none" w="med" len="med"/>
+          </a:ln>
+        </p:spPr>
+        <p:style>
+          <a:lnRef idx="1">
+            <a:schemeClr val="accent1"/>
+          </a:lnRef>
+          <a:fillRef idx="0">
+            <a:schemeClr val="accent1"/>
+          </a:fillRef>
+          <a:effectRef idx="0">
+            <a:schemeClr val="accent1"/>
+          </a:effectRef>
+          <a:fontRef idx="minor">
+            <a:schemeClr val="tx1"/>
+          </a:fontRef>
+        </p:style>
+      </p:cxnSp>
+      <p:cxnSp>
+        <p:nvCxnSpPr>
+          <p:cNvPr id="96" name="Elbow Connector 95"/>
+          <p:cNvCxnSpPr>
+            <a:stCxn id="87" idx="3"/>
+            <a:endCxn id="4" idx="1"/>
+          </p:cNvCxnSpPr>
+          <p:nvPr/>
+        </p:nvCxnSpPr>
+        <p:spPr>
+          <a:xfrm rot="16200000" flipV="1">
+            <a:off x="6890098" y="3046311"/>
+            <a:ext cx="1657928" cy="210400"/>
+          </a:xfrm>
+          <a:prstGeom prst="bentConnector2">
+            <a:avLst/>
+          </a:prstGeom>
+          <a:ln w="19050">
+            <a:headEnd type="none" w="med" len="med"/>
+            <a:tailEnd type="none" w="med" len="med"/>
+          </a:ln>
+        </p:spPr>
+        <p:style>
+          <a:lnRef idx="1">
+            <a:schemeClr val="accent1"/>
+          </a:lnRef>
+          <a:fillRef idx="0">
+            <a:schemeClr val="accent1"/>
+          </a:fillRef>
+          <a:effectRef idx="0">
+            <a:schemeClr val="accent1"/>
+          </a:effectRef>
+          <a:fontRef idx="minor">
+            <a:schemeClr val="tx1"/>
+          </a:fontRef>
+        </p:style>
+      </p:cxnSp>
+      <p:cxnSp>
+        <p:nvCxnSpPr>
+          <p:cNvPr id="110" name="Elbow Connector 63"/>
+          <p:cNvCxnSpPr>
+            <a:stCxn id="16" idx="3"/>
+            <a:endCxn id="45" idx="3"/>
+          </p:cNvCxnSpPr>
+          <p:nvPr/>
+        </p:nvCxnSpPr>
+        <p:spPr>
+          <a:xfrm flipV="1">
+            <a:off x="4114800" y="3150962"/>
+            <a:ext cx="549790" cy="797920"/>
+          </a:xfrm>
+          <a:prstGeom prst="bentConnector3">
+            <a:avLst>
+              <a:gd name="adj1" fmla="val 14720"/>
+            </a:avLst>
+          </a:prstGeom>
+          <a:ln w="19050">
+            <a:solidFill>
+              <a:schemeClr val="accent5">
+                <a:lumMod val="75000"/>
+              </a:schemeClr>
+            </a:solidFill>
+            <a:prstDash val="sysDot"/>
+            <a:headEnd type="none" w="med" len="med"/>
+            <a:tailEnd type="arrow" w="med" len="med"/>
+          </a:ln>
+          <a:effectLst/>
+        </p:spPr>
+        <p:style>
+          <a:lnRef idx="1">
+            <a:schemeClr val="accent2"/>
+          </a:lnRef>
+          <a:fillRef idx="2">
+            <a:schemeClr val="accent2"/>
+          </a:fillRef>
+          <a:effectRef idx="1">
+            <a:schemeClr val="accent2"/>
+          </a:effectRef>
+          <a:fontRef idx="minor">
+            <a:schemeClr val="dk1"/>
+          </a:fontRef>
+        </p:style>
+      </p:cxnSp>
+      <p:cxnSp>
+        <p:nvCxnSpPr>
+          <p:cNvPr id="113" name="Elbow Connector 63"/>
+          <p:cNvCxnSpPr>
+            <a:stCxn id="16" idx="3"/>
+            <a:endCxn id="44" idx="3"/>
+          </p:cNvCxnSpPr>
+          <p:nvPr/>
+        </p:nvCxnSpPr>
+        <p:spPr>
+          <a:xfrm flipV="1">
+            <a:off x="4114800" y="2728717"/>
+            <a:ext cx="549792" cy="1220165"/>
+          </a:xfrm>
+          <a:prstGeom prst="bentConnector3">
+            <a:avLst>
+              <a:gd name="adj1" fmla="val 14720"/>
+            </a:avLst>
+          </a:prstGeom>
+          <a:ln w="19050">
+            <a:solidFill>
+              <a:schemeClr val="accent5">
+                <a:lumMod val="75000"/>
+              </a:schemeClr>
+            </a:solidFill>
+            <a:prstDash val="sysDot"/>
+            <a:headEnd type="none" w="med" len="med"/>
+            <a:tailEnd type="arrow" w="med" len="med"/>
+          </a:ln>
+          <a:effectLst/>
+        </p:spPr>
+        <p:style>
+          <a:lnRef idx="1">
+            <a:schemeClr val="accent2"/>
+          </a:lnRef>
+          <a:fillRef idx="2">
+            <a:schemeClr val="accent2"/>
+          </a:fillRef>
+          <a:effectRef idx="1">
+            <a:schemeClr val="accent2"/>
+          </a:effectRef>
+          <a:fontRef idx="minor">
+            <a:schemeClr val="dk1"/>
+          </a:fontRef>
+        </p:style>
+      </p:cxnSp>
+      <p:cxnSp>
+        <p:nvCxnSpPr>
+          <p:cNvPr id="116" name="Elbow Connector 63"/>
+          <p:cNvCxnSpPr>
+            <a:stCxn id="16" idx="3"/>
+            <a:endCxn id="42" idx="3"/>
+          </p:cNvCxnSpPr>
+          <p:nvPr/>
+        </p:nvCxnSpPr>
+        <p:spPr>
+          <a:xfrm flipV="1">
+            <a:off x="4114800" y="2322317"/>
+            <a:ext cx="549792" cy="1626565"/>
+          </a:xfrm>
+          <a:prstGeom prst="bentConnector3">
+            <a:avLst>
+              <a:gd name="adj1" fmla="val 14721"/>
+            </a:avLst>
+          </a:prstGeom>
+          <a:ln w="19050">
+            <a:solidFill>
+              <a:schemeClr val="accent5">
+                <a:lumMod val="75000"/>
+              </a:schemeClr>
+            </a:solidFill>
+            <a:prstDash val="sysDot"/>
+            <a:headEnd type="none" w="med" len="med"/>
+            <a:tailEnd type="arrow" w="med" len="med"/>
+          </a:ln>
+          <a:effectLst/>
+        </p:spPr>
+        <p:style>
+          <a:lnRef idx="1">
+            <a:schemeClr val="accent2"/>
+          </a:lnRef>
+          <a:fillRef idx="2">
+            <a:schemeClr val="accent2"/>
+          </a:fillRef>
+          <a:effectRef idx="1">
+            <a:schemeClr val="accent2"/>
+          </a:effectRef>
+          <a:fontRef idx="minor">
+            <a:schemeClr val="dk1"/>
+          </a:fontRef>
+        </p:style>
+      </p:cxnSp>
+      <p:cxnSp>
+        <p:nvCxnSpPr>
+          <p:cNvPr id="120" name="Elbow Connector 63"/>
+          <p:cNvCxnSpPr>
+            <a:stCxn id="44" idx="1"/>
+            <a:endCxn id="10" idx="3"/>
+          </p:cNvCxnSpPr>
+          <p:nvPr/>
+        </p:nvCxnSpPr>
+        <p:spPr>
+          <a:xfrm flipV="1">
+            <a:off x="5758227" y="2728300"/>
+            <a:ext cx="768138" cy="417"/>
+          </a:xfrm>
+          <a:prstGeom prst="bentConnector3">
+            <a:avLst>
+              <a:gd name="adj1" fmla="val 50000"/>
+            </a:avLst>
+          </a:prstGeom>
+          <a:ln w="19050">
+            <a:solidFill>
+              <a:schemeClr val="accent5">
+                <a:lumMod val="75000"/>
+              </a:schemeClr>
+            </a:solidFill>
+            <a:prstDash val="sysDot"/>
+            <a:headEnd type="none" w="med" len="med"/>
+            <a:tailEnd type="arrow" w="med" len="med"/>
+          </a:ln>
+          <a:effectLst/>
+        </p:spPr>
+        <p:style>
+          <a:lnRef idx="1">
+            <a:schemeClr val="accent2"/>
+          </a:lnRef>
+          <a:fillRef idx="2">
+            <a:schemeClr val="accent2"/>
+          </a:fillRef>
+          <a:effectRef idx="1">
+            <a:schemeClr val="accent2"/>
+          </a:effectRef>
+          <a:fontRef idx="minor">
+            <a:schemeClr val="dk1"/>
+          </a:fontRef>
+        </p:style>
+      </p:cxnSp>
+      <p:cxnSp>
+        <p:nvCxnSpPr>
+          <p:cNvPr id="122" name="Elbow Connector 63"/>
+          <p:cNvCxnSpPr>
+            <a:stCxn id="42" idx="1"/>
+            <a:endCxn id="4" idx="3"/>
+          </p:cNvCxnSpPr>
+          <p:nvPr/>
+        </p:nvCxnSpPr>
+        <p:spPr>
+          <a:xfrm>
+            <a:off x="5758227" y="2322317"/>
+            <a:ext cx="762000" cy="230"/>
+          </a:xfrm>
+          <a:prstGeom prst="bentConnector3">
+            <a:avLst>
+              <a:gd name="adj1" fmla="val 50000"/>
+            </a:avLst>
+          </a:prstGeom>
+          <a:ln w="19050">
+            <a:solidFill>
+              <a:schemeClr val="accent5">
+                <a:lumMod val="75000"/>
+              </a:schemeClr>
+            </a:solidFill>
+            <a:prstDash val="sysDot"/>
+            <a:headEnd type="none" w="med" len="med"/>
+            <a:tailEnd type="arrow" w="med" len="med"/>
+          </a:ln>
+          <a:effectLst/>
+        </p:spPr>
+        <p:style>
+          <a:lnRef idx="1">
+            <a:schemeClr val="accent2"/>
+          </a:lnRef>
+          <a:fillRef idx="2">
+            <a:schemeClr val="accent2"/>
+          </a:fillRef>
+          <a:effectRef idx="1">
+            <a:schemeClr val="accent2"/>
+          </a:effectRef>
+          <a:fontRef idx="minor">
+            <a:schemeClr val="dk1"/>
+          </a:fontRef>
+        </p:style>
+      </p:cxnSp>
+      <p:cxnSp>
+        <p:nvCxnSpPr>
+          <p:cNvPr id="64" name="Straight Connector 63"/>
+          <p:cNvCxnSpPr/>
+          <p:nvPr/>
+        </p:nvCxnSpPr>
+        <p:spPr>
+          <a:xfrm>
+            <a:off x="3886200" y="2078487"/>
+            <a:ext cx="0" cy="1218984"/>
+          </a:xfrm>
+          <a:prstGeom prst="line">
+            <a:avLst/>
+          </a:prstGeom>
+          <a:ln w="19050">
+            <a:solidFill>
+              <a:schemeClr val="accent5">
+                <a:lumMod val="50000"/>
+              </a:schemeClr>
+            </a:solidFill>
+            <a:prstDash val="sysDot"/>
+            <a:headEnd type="none" w="med" len="med"/>
+            <a:tailEnd type="none" w="med" len="med"/>
+          </a:ln>
+          <a:effectLst/>
+        </p:spPr>
+        <p:style>
+          <a:lnRef idx="1">
+            <a:schemeClr val="accent2"/>
+          </a:lnRef>
+          <a:fillRef idx="2">
+            <a:schemeClr val="accent2"/>
+          </a:fillRef>
+          <a:effectRef idx="1">
+            <a:schemeClr val="accent2"/>
+          </a:effectRef>
+          <a:fontRef idx="minor">
+            <a:schemeClr val="dk1"/>
+          </a:fontRef>
+        </p:style>
+      </p:cxnSp>
+      <p:cxnSp>
+        <p:nvCxnSpPr>
+          <p:cNvPr id="66" name="Straight Connector 65"/>
+          <p:cNvCxnSpPr/>
+          <p:nvPr/>
+        </p:nvCxnSpPr>
+        <p:spPr>
+          <a:xfrm>
+            <a:off x="3894672" y="2209800"/>
+            <a:ext cx="769918" cy="0"/>
+          </a:xfrm>
+          <a:prstGeom prst="line">
+            <a:avLst/>
+          </a:prstGeom>
+          <a:ln w="19050">
+            <a:solidFill>
+              <a:schemeClr val="accent5">
+                <a:lumMod val="50000"/>
+              </a:schemeClr>
+            </a:solidFill>
+            <a:prstDash val="sysDot"/>
+            <a:headEnd type="none" w="med" len="med"/>
+            <a:tailEnd type="none" w="med" len="med"/>
+          </a:ln>
+          <a:effectLst/>
+        </p:spPr>
+        <p:style>
+          <a:lnRef idx="1">
+            <a:schemeClr val="accent2"/>
+          </a:lnRef>
+          <a:fillRef idx="2">
+            <a:schemeClr val="accent2"/>
+          </a:fillRef>
+          <a:effectRef idx="1">
+            <a:schemeClr val="accent2"/>
+          </a:effectRef>
+          <a:fontRef idx="minor">
+            <a:schemeClr val="dk1"/>
+          </a:fontRef>
+        </p:style>
+      </p:cxnSp>
+      <p:cxnSp>
+        <p:nvCxnSpPr>
+          <p:cNvPr id="73" name="Straight Connector 72"/>
+          <p:cNvCxnSpPr/>
+          <p:nvPr/>
+        </p:nvCxnSpPr>
+        <p:spPr>
+          <a:xfrm>
+            <a:off x="3886200" y="2607244"/>
+            <a:ext cx="769918" cy="0"/>
+          </a:xfrm>
+          <a:prstGeom prst="line">
+            <a:avLst/>
+          </a:prstGeom>
+          <a:ln w="19050">
+            <a:solidFill>
+              <a:schemeClr val="accent5">
+                <a:lumMod val="50000"/>
+              </a:schemeClr>
+            </a:solidFill>
+            <a:prstDash val="sysDot"/>
+            <a:headEnd type="none" w="med" len="med"/>
+            <a:tailEnd type="none" w="med" len="med"/>
+          </a:ln>
+          <a:effectLst/>
+        </p:spPr>
+        <p:style>
+          <a:lnRef idx="1">
+            <a:schemeClr val="accent2"/>
+          </a:lnRef>
+          <a:fillRef idx="2">
+            <a:schemeClr val="accent2"/>
+          </a:fillRef>
+          <a:effectRef idx="1">
+            <a:schemeClr val="accent2"/>
+          </a:effectRef>
+          <a:fontRef idx="minor">
+            <a:schemeClr val="dk1"/>
+          </a:fontRef>
+        </p:style>
+      </p:cxnSp>
+      <p:cxnSp>
+        <p:nvCxnSpPr>
+          <p:cNvPr id="74" name="Straight Connector 73"/>
+          <p:cNvCxnSpPr/>
+          <p:nvPr/>
+        </p:nvCxnSpPr>
+        <p:spPr>
+          <a:xfrm>
+            <a:off x="3886200" y="3048000"/>
+            <a:ext cx="769918" cy="0"/>
+          </a:xfrm>
+          <a:prstGeom prst="line">
+            <a:avLst/>
+          </a:prstGeom>
+          <a:ln w="19050">
+            <a:solidFill>
+              <a:schemeClr val="accent5">
+                <a:lumMod val="50000"/>
+              </a:schemeClr>
+            </a:solidFill>
+            <a:prstDash val="sysDot"/>
+            <a:headEnd type="none" w="med" len="med"/>
+            <a:tailEnd type="none" w="med" len="med"/>
+          </a:ln>
+          <a:effectLst/>
+        </p:spPr>
+        <p:style>
+          <a:lnRef idx="1">
+            <a:schemeClr val="accent2"/>
+          </a:lnRef>
+          <a:fillRef idx="2">
+            <a:schemeClr val="accent2"/>
+          </a:fillRef>
+          <a:effectRef idx="1">
+            <a:schemeClr val="accent2"/>
+          </a:effectRef>
+          <a:fontRef idx="minor">
+            <a:schemeClr val="dk1"/>
+          </a:fontRef>
+        </p:style>
+      </p:cxnSp>
     </p:spTree>
     <p:extLst>
       <p:ext uri="{BB962C8B-B14F-4D97-AF65-F5344CB8AC3E}">

--- a/docs/diagrams/LogicComponentClassDiagram.pptx
+++ b/docs/diagrams/LogicComponentClassDiagram.pptx
@@ -8,7 +8,7 @@
     <p:notesMasterId r:id="rId3"/>
   </p:notesMasterIdLst>
   <p:sldIdLst>
-    <p:sldId id="261" r:id="rId2"/>
+    <p:sldId id="262" r:id="rId2"/>
   </p:sldIdLst>
   <p:sldSz cx="9144000" cy="6858000" type="screen4x3"/>
   <p:notesSz cx="6858000" cy="9144000"/>
@@ -107,6 +107,22 @@
       </a:defRPr>
     </a:lvl9pPr>
   </p:defaultTextStyle>
+  <p:extLst>
+    <p:ext uri="{EFAFB233-063F-42B5-8137-9DF3F51BA10A}">
+      <p15:sldGuideLst xmlns:p15="http://schemas.microsoft.com/office/powerpoint/2012/main">
+        <p15:guide id="1" orient="horz" pos="1488">
+          <p15:clr>
+            <a:srgbClr val="A4A3A4"/>
+          </p15:clr>
+        </p15:guide>
+        <p15:guide id="2" pos="2880">
+          <p15:clr>
+            <a:srgbClr val="A4A3A4"/>
+          </p15:clr>
+        </p15:guide>
+      </p15:sldGuideLst>
+    </p:ext>
+  </p:extLst>
 </p:presentation>
 </file>
 
@@ -192,7 +208,7 @@
           <a:p>
             <a:fld id="{F5CC4B3F-88C1-4FFA-B1B6-F41C21DC6924}" type="datetimeFigureOut">
               <a:rPr lang="en-US" smtClean="0"/>
-              <a:t>10/16/2016</a:t>
+              <a:t>2/2/2017</a:t>
             </a:fld>
             <a:endParaRPr lang="en-US"/>
           </a:p>
@@ -641,7 +657,7 @@
           <a:p>
             <a:fld id="{78C97017-6FC3-485B-9764-EAC9E56C1D49}" type="datetimeFigureOut">
               <a:rPr lang="en-US" smtClean="0"/>
-              <a:t>10/16/2016</a:t>
+              <a:t>2/2/2017</a:t>
             </a:fld>
             <a:endParaRPr lang="en-US"/>
           </a:p>
@@ -811,7 +827,7 @@
           <a:p>
             <a:fld id="{78C97017-6FC3-485B-9764-EAC9E56C1D49}" type="datetimeFigureOut">
               <a:rPr lang="en-US" smtClean="0"/>
-              <a:t>10/16/2016</a:t>
+              <a:t>2/2/2017</a:t>
             </a:fld>
             <a:endParaRPr lang="en-US"/>
           </a:p>
@@ -991,7 +1007,7 @@
           <a:p>
             <a:fld id="{78C97017-6FC3-485B-9764-EAC9E56C1D49}" type="datetimeFigureOut">
               <a:rPr lang="en-US" smtClean="0"/>
-              <a:t>10/16/2016</a:t>
+              <a:t>2/2/2017</a:t>
             </a:fld>
             <a:endParaRPr lang="en-US"/>
           </a:p>
@@ -1161,7 +1177,7 @@
           <a:p>
             <a:fld id="{78C97017-6FC3-485B-9764-EAC9E56C1D49}" type="datetimeFigureOut">
               <a:rPr lang="en-US" smtClean="0"/>
-              <a:t>10/16/2016</a:t>
+              <a:t>2/2/2017</a:t>
             </a:fld>
             <a:endParaRPr lang="en-US"/>
           </a:p>
@@ -1407,7 +1423,7 @@
           <a:p>
             <a:fld id="{78C97017-6FC3-485B-9764-EAC9E56C1D49}" type="datetimeFigureOut">
               <a:rPr lang="en-US" smtClean="0"/>
-              <a:t>10/16/2016</a:t>
+              <a:t>2/2/2017</a:t>
             </a:fld>
             <a:endParaRPr lang="en-US"/>
           </a:p>
@@ -1695,7 +1711,7 @@
           <a:p>
             <a:fld id="{78C97017-6FC3-485B-9764-EAC9E56C1D49}" type="datetimeFigureOut">
               <a:rPr lang="en-US" smtClean="0"/>
-              <a:t>10/16/2016</a:t>
+              <a:t>2/2/2017</a:t>
             </a:fld>
             <a:endParaRPr lang="en-US"/>
           </a:p>
@@ -2117,7 +2133,7 @@
           <a:p>
             <a:fld id="{78C97017-6FC3-485B-9764-EAC9E56C1D49}" type="datetimeFigureOut">
               <a:rPr lang="en-US" smtClean="0"/>
-              <a:t>10/16/2016</a:t>
+              <a:t>2/2/2017</a:t>
             </a:fld>
             <a:endParaRPr lang="en-US"/>
           </a:p>
@@ -2235,7 +2251,7 @@
           <a:p>
             <a:fld id="{78C97017-6FC3-485B-9764-EAC9E56C1D49}" type="datetimeFigureOut">
               <a:rPr lang="en-US" smtClean="0"/>
-              <a:t>10/16/2016</a:t>
+              <a:t>2/2/2017</a:t>
             </a:fld>
             <a:endParaRPr lang="en-US"/>
           </a:p>
@@ -2330,7 +2346,7 @@
           <a:p>
             <a:fld id="{78C97017-6FC3-485B-9764-EAC9E56C1D49}" type="datetimeFigureOut">
               <a:rPr lang="en-US" smtClean="0"/>
-              <a:t>10/16/2016</a:t>
+              <a:t>2/2/2017</a:t>
             </a:fld>
             <a:endParaRPr lang="en-US"/>
           </a:p>
@@ -2607,7 +2623,7 @@
           <a:p>
             <a:fld id="{78C97017-6FC3-485B-9764-EAC9E56C1D49}" type="datetimeFigureOut">
               <a:rPr lang="en-US" smtClean="0"/>
-              <a:t>10/16/2016</a:t>
+              <a:t>2/2/2017</a:t>
             </a:fld>
             <a:endParaRPr lang="en-US"/>
           </a:p>
@@ -2860,7 +2876,7 @@
           <a:p>
             <a:fld id="{78C97017-6FC3-485B-9764-EAC9E56C1D49}" type="datetimeFigureOut">
               <a:rPr lang="en-US" smtClean="0"/>
-              <a:t>10/16/2016</a:t>
+              <a:t>2/2/2017</a:t>
             </a:fld>
             <a:endParaRPr lang="en-US"/>
           </a:p>
@@ -3073,7 +3089,7 @@
           <a:p>
             <a:fld id="{78C97017-6FC3-485B-9764-EAC9E56C1D49}" type="datetimeFigureOut">
               <a:rPr lang="en-US" smtClean="0"/>
-              <a:t>10/16/2016</a:t>
+              <a:t>2/2/2017</a:t>
             </a:fld>
             <a:endParaRPr lang="en-US"/>
           </a:p>
@@ -3450,14 +3466,14 @@
       </p:grpSpPr>
       <p:sp>
         <p:nvSpPr>
-          <p:cNvPr id="3" name="Rectangle 65"/>
+          <p:cNvPr id="2" name="Rectangle 65"/>
           <p:cNvSpPr/>
           <p:nvPr/>
         </p:nvSpPr>
         <p:spPr>
           <a:xfrm>
-            <a:off x="1103085" y="2057399"/>
-            <a:ext cx="6288315" cy="2272167"/>
+            <a:off x="1066800" y="914400"/>
+            <a:ext cx="6288315" cy="3415166"/>
           </a:xfrm>
           <a:prstGeom prst="roundRect">
             <a:avLst>
@@ -3494,7 +3510,7 @@
           <a:lstStyle/>
           <a:p>
             <a:r>
-              <a:rPr lang="en-US" sz="1200" b="1" dirty="0" smtClean="0">
+              <a:rPr lang="en-US" sz="1200" b="1" dirty="0">
                 <a:solidFill>
                   <a:srgbClr val="0070C0"/>
                 </a:solidFill>
@@ -3511,13 +3527,13 @@
       </p:sp>
       <p:sp>
         <p:nvSpPr>
-          <p:cNvPr id="4" name="Rectangle 8"/>
+          <p:cNvPr id="3" name="Rectangle 8"/>
           <p:cNvSpPr/>
           <p:nvPr/>
         </p:nvSpPr>
         <p:spPr>
           <a:xfrm>
-            <a:off x="2095948" y="2548840"/>
+            <a:off x="2095948" y="1442082"/>
             <a:ext cx="1093635" cy="346760"/>
           </a:xfrm>
           <a:prstGeom prst="rect">
@@ -3570,13 +3586,13 @@
       </p:sp>
       <p:sp>
         <p:nvSpPr>
-          <p:cNvPr id="5" name="Rectangle 11"/>
+          <p:cNvPr id="4" name="Rectangle 11"/>
           <p:cNvSpPr/>
           <p:nvPr/>
         </p:nvSpPr>
         <p:spPr>
           <a:xfrm flipH="1">
-            <a:off x="6180592" y="2648528"/>
+            <a:off x="5943600" y="2149167"/>
             <a:ext cx="1093635" cy="346760"/>
           </a:xfrm>
           <a:prstGeom prst="rect">
@@ -3609,7 +3625,7 @@
           <a:p>
             <a:pPr algn="ctr"/>
             <a:r>
-              <a:rPr lang="en-US" sz="1050" b="1" dirty="0" err="1">
+              <a:rPr lang="en-US" sz="1050" b="1" dirty="0" err="1" smtClean="0">
                 <a:solidFill>
                   <a:srgbClr val="0070C0"/>
                 </a:solidFill>
@@ -3626,13 +3642,13 @@
       </p:sp>
       <p:sp>
         <p:nvSpPr>
-          <p:cNvPr id="6" name="Rectangle 62"/>
+          <p:cNvPr id="5" name="Rectangle 62"/>
           <p:cNvSpPr/>
           <p:nvPr/>
         </p:nvSpPr>
         <p:spPr>
           <a:xfrm>
-            <a:off x="2015218" y="3763620"/>
+            <a:off x="1780785" y="3772963"/>
             <a:ext cx="1093635" cy="346760"/>
           </a:xfrm>
           <a:prstGeom prst="rect">
@@ -3668,7 +3684,7 @@
           <a:p>
             <a:pPr algn="ctr"/>
             <a:r>
-              <a:rPr lang="en-US" sz="1050" dirty="0" err="1" smtClean="0">
+              <a:rPr lang="en-US" sz="1050" dirty="0" err="1">
                 <a:solidFill>
                   <a:schemeClr val="bg1"/>
                 </a:solidFill>
@@ -3685,20 +3701,20 @@
       </p:sp>
       <p:cxnSp>
         <p:nvCxnSpPr>
-          <p:cNvPr id="7" name="Elbow Connector 63"/>
+          <p:cNvPr id="6" name="Elbow Connector 63"/>
           <p:cNvCxnSpPr>
-            <a:endCxn id="4" idx="3"/>
+            <a:endCxn id="3" idx="3"/>
           </p:cNvCxnSpPr>
           <p:nvPr/>
         </p:nvCxnSpPr>
         <p:spPr>
           <a:xfrm rot="10800000">
-            <a:off x="3189584" y="2722220"/>
-            <a:ext cx="2296817" cy="1187104"/>
+            <a:off x="3189584" y="1615462"/>
+            <a:ext cx="2296817" cy="2157062"/>
           </a:xfrm>
           <a:prstGeom prst="bentConnector3">
             <a:avLst>
-              <a:gd name="adj1" fmla="val -267"/>
+              <a:gd name="adj1" fmla="val -1707"/>
             </a:avLst>
           </a:prstGeom>
           <a:ln w="19050">
@@ -3708,383 +3724,6 @@
             <a:prstDash val="sysDot"/>
             <a:headEnd type="none" w="med" len="med"/>
             <a:tailEnd type="arrow" w="med" len="med"/>
-          </a:ln>
-          <a:effectLst/>
-        </p:spPr>
-        <p:style>
-          <a:lnRef idx="1">
-            <a:schemeClr val="accent2"/>
-          </a:lnRef>
-          <a:fillRef idx="2">
-            <a:schemeClr val="accent2"/>
-          </a:fillRef>
-          <a:effectRef idx="1">
-            <a:schemeClr val="accent2"/>
-          </a:effectRef>
-          <a:fontRef idx="minor">
-            <a:schemeClr val="dk1"/>
-          </a:fontRef>
-        </p:style>
-      </p:cxnSp>
-      <p:sp>
-        <p:nvSpPr>
-          <p:cNvPr id="8" name="Isosceles Triangle 102"/>
-          <p:cNvSpPr/>
-          <p:nvPr/>
-        </p:nvSpPr>
-        <p:spPr>
-          <a:xfrm rot="5400000" flipV="1">
-            <a:off x="5563388" y="3813212"/>
-            <a:ext cx="270504" cy="175523"/>
-          </a:xfrm>
-          <a:prstGeom prst="triangle">
-            <a:avLst/>
-          </a:prstGeom>
-          <a:ln w="19050">
-            <a:solidFill>
-              <a:srgbClr val="0070C0"/>
-            </a:solidFill>
-          </a:ln>
-          <a:effectLst/>
-        </p:spPr>
-        <p:style>
-          <a:lnRef idx="1">
-            <a:schemeClr val="accent1"/>
-          </a:lnRef>
-          <a:fillRef idx="2">
-            <a:schemeClr val="accent1"/>
-          </a:fillRef>
-          <a:effectRef idx="1">
-            <a:schemeClr val="accent1"/>
-          </a:effectRef>
-          <a:fontRef idx="minor">
-            <a:schemeClr val="dk1"/>
-          </a:fontRef>
-        </p:style>
-        <p:txBody>
-          <a:bodyPr rtlCol="0" anchor="ctr"/>
-          <a:lstStyle/>
-          <a:p>
-            <a:pPr algn="ctr"/>
-            <a:endParaRPr lang="en-SG" sz="1050" b="1">
-              <a:solidFill>
-                <a:srgbClr val="92D050"/>
-              </a:solidFill>
-            </a:endParaRPr>
-          </a:p>
-        </p:txBody>
-      </p:sp>
-      <p:cxnSp>
-        <p:nvCxnSpPr>
-          <p:cNvPr id="9" name="Elbow Connector 122"/>
-          <p:cNvCxnSpPr>
-            <a:endCxn id="4" idx="1"/>
-          </p:cNvCxnSpPr>
-          <p:nvPr/>
-        </p:nvCxnSpPr>
-        <p:spPr>
-          <a:xfrm>
-            <a:off x="1676400" y="2719360"/>
-            <a:ext cx="419548" cy="2860"/>
-          </a:xfrm>
-          <a:prstGeom prst="bentConnector3">
-            <a:avLst>
-              <a:gd name="adj1" fmla="val 50000"/>
-            </a:avLst>
-          </a:prstGeom>
-          <a:ln w="19050">
-            <a:solidFill>
-              <a:srgbClr val="0070C0"/>
-            </a:solidFill>
-            <a:prstDash val="sysDot"/>
-            <a:headEnd type="none" w="med" len="med"/>
-            <a:tailEnd type="arrow" w="med" len="med"/>
-          </a:ln>
-          <a:effectLst/>
-        </p:spPr>
-        <p:style>
-          <a:lnRef idx="1">
-            <a:schemeClr val="accent2"/>
-          </a:lnRef>
-          <a:fillRef idx="2">
-            <a:schemeClr val="accent2"/>
-          </a:fillRef>
-          <a:effectRef idx="1">
-            <a:schemeClr val="accent2"/>
-          </a:effectRef>
-          <a:fontRef idx="minor">
-            <a:schemeClr val="dk1"/>
-          </a:fontRef>
-        </p:style>
-      </p:cxnSp>
-      <p:sp>
-        <p:nvSpPr>
-          <p:cNvPr id="10" name="Rectangle 65"/>
-          <p:cNvSpPr/>
-          <p:nvPr/>
-        </p:nvSpPr>
-        <p:spPr>
-          <a:xfrm>
-            <a:off x="1103085" y="4548755"/>
-            <a:ext cx="6288315" cy="328045"/>
-          </a:xfrm>
-          <a:prstGeom prst="roundRect">
-            <a:avLst/>
-          </a:prstGeom>
-          <a:solidFill>
-            <a:schemeClr val="accent4">
-              <a:lumMod val="20000"/>
-              <a:lumOff val="80000"/>
-            </a:schemeClr>
-          </a:solidFill>
-          <a:ln w="19050">
-            <a:noFill/>
-          </a:ln>
-          <a:effectLst/>
-        </p:spPr>
-        <p:style>
-          <a:lnRef idx="1">
-            <a:schemeClr val="accent2"/>
-          </a:lnRef>
-          <a:fillRef idx="2">
-            <a:schemeClr val="accent2"/>
-          </a:fillRef>
-          <a:effectRef idx="1">
-            <a:schemeClr val="accent2"/>
-          </a:effectRef>
-          <a:fontRef idx="minor">
-            <a:schemeClr val="dk1"/>
-          </a:fontRef>
-        </p:style>
-        <p:txBody>
-          <a:bodyPr rtlCol="0" anchor="ctr"/>
-          <a:lstStyle/>
-          <a:p>
-            <a:pPr algn="ctr"/>
-            <a:r>
-              <a:rPr lang="en-US" sz="1100" b="1" dirty="0">
-                <a:solidFill>
-                  <a:schemeClr val="bg1"/>
-                </a:solidFill>
-              </a:rPr>
-              <a:t>Model</a:t>
-            </a:r>
-            <a:endParaRPr lang="en-SG" sz="1100" b="1" dirty="0">
-              <a:solidFill>
-                <a:schemeClr val="bg1"/>
-              </a:solidFill>
-            </a:endParaRPr>
-          </a:p>
-        </p:txBody>
-      </p:sp>
-      <p:sp>
-        <p:nvSpPr>
-          <p:cNvPr id="11" name="Rectangle 11"/>
-          <p:cNvSpPr/>
-          <p:nvPr/>
-        </p:nvSpPr>
-        <p:spPr>
-          <a:xfrm flipH="1">
-            <a:off x="6180592" y="3054928"/>
-            <a:ext cx="1093635" cy="346760"/>
-          </a:xfrm>
-          <a:prstGeom prst="rect">
-            <a:avLst/>
-          </a:prstGeom>
-          <a:ln w="19050">
-            <a:solidFill>
-              <a:srgbClr val="0070C0"/>
-            </a:solidFill>
-          </a:ln>
-          <a:effectLst/>
-        </p:spPr>
-        <p:style>
-          <a:lnRef idx="1">
-            <a:schemeClr val="accent1"/>
-          </a:lnRef>
-          <a:fillRef idx="2">
-            <a:schemeClr val="accent1"/>
-          </a:fillRef>
-          <a:effectRef idx="1">
-            <a:schemeClr val="accent1"/>
-          </a:effectRef>
-          <a:fontRef idx="minor">
-            <a:schemeClr val="dk1"/>
-          </a:fontRef>
-        </p:style>
-        <p:txBody>
-          <a:bodyPr rtlCol="0" anchor="ctr"/>
-          <a:lstStyle/>
-          <a:p>
-            <a:pPr algn="ctr"/>
-            <a:r>
-              <a:rPr lang="en-US" sz="1050" b="1" dirty="0" err="1">
-                <a:solidFill>
-                  <a:srgbClr val="0070C0"/>
-                </a:solidFill>
-              </a:rPr>
-              <a:t>ListCommand</a:t>
-            </a:r>
-            <a:endParaRPr lang="en-SG" sz="1050" b="1" dirty="0">
-              <a:solidFill>
-                <a:srgbClr val="0070C0"/>
-              </a:solidFill>
-            </a:endParaRPr>
-          </a:p>
-        </p:txBody>
-      </p:sp>
-      <p:sp>
-        <p:nvSpPr>
-          <p:cNvPr id="12" name="Rectangle 11"/>
-          <p:cNvSpPr/>
-          <p:nvPr/>
-        </p:nvSpPr>
-        <p:spPr>
-          <a:xfrm flipH="1">
-            <a:off x="6180590" y="3860800"/>
-            <a:ext cx="1093635" cy="346760"/>
-          </a:xfrm>
-          <a:prstGeom prst="rect">
-            <a:avLst/>
-          </a:prstGeom>
-          <a:ln w="19050">
-            <a:solidFill>
-              <a:srgbClr val="0070C0"/>
-            </a:solidFill>
-          </a:ln>
-          <a:effectLst/>
-        </p:spPr>
-        <p:style>
-          <a:lnRef idx="1">
-            <a:schemeClr val="accent1"/>
-          </a:lnRef>
-          <a:fillRef idx="2">
-            <a:schemeClr val="accent1"/>
-          </a:fillRef>
-          <a:effectRef idx="1">
-            <a:schemeClr val="accent1"/>
-          </a:effectRef>
-          <a:fontRef idx="minor">
-            <a:schemeClr val="dk1"/>
-          </a:fontRef>
-        </p:style>
-        <p:txBody>
-          <a:bodyPr rtlCol="0" anchor="ctr"/>
-          <a:lstStyle/>
-          <a:p>
-            <a:pPr algn="ctr"/>
-            <a:r>
-              <a:rPr lang="en-US" sz="1050" b="1" dirty="0">
-                <a:solidFill>
-                  <a:srgbClr val="0070C0"/>
-                </a:solidFill>
-              </a:rPr>
-              <a:t>…</a:t>
-            </a:r>
-            <a:endParaRPr lang="en-SG" sz="1050" b="1" dirty="0">
-              <a:solidFill>
-                <a:srgbClr val="0070C0"/>
-              </a:solidFill>
-            </a:endParaRPr>
-          </a:p>
-        </p:txBody>
-      </p:sp>
-      <p:sp>
-        <p:nvSpPr>
-          <p:cNvPr id="14" name="Rectangle 62"/>
-          <p:cNvSpPr/>
-          <p:nvPr/>
-        </p:nvSpPr>
-        <p:spPr>
-          <a:xfrm>
-            <a:off x="4815685" y="3765721"/>
-            <a:ext cx="772043" cy="346760"/>
-          </a:xfrm>
-          <a:prstGeom prst="rect">
-            <a:avLst/>
-          </a:prstGeom>
-          <a:ln w="19050">
-            <a:solidFill>
-              <a:srgbClr val="0070C0"/>
-            </a:solidFill>
-          </a:ln>
-          <a:effectLst/>
-        </p:spPr>
-        <p:style>
-          <a:lnRef idx="1">
-            <a:schemeClr val="accent1"/>
-          </a:lnRef>
-          <a:fillRef idx="2">
-            <a:schemeClr val="accent1"/>
-          </a:fillRef>
-          <a:effectRef idx="1">
-            <a:schemeClr val="accent1"/>
-          </a:effectRef>
-          <a:fontRef idx="minor">
-            <a:schemeClr val="dk1"/>
-          </a:fontRef>
-        </p:style>
-        <p:txBody>
-          <a:bodyPr rtlCol="0" anchor="ctr"/>
-          <a:lstStyle/>
-          <a:p>
-            <a:pPr algn="ctr"/>
-            <a:r>
-              <a:rPr lang="en-US" sz="1050" b="1" dirty="0" smtClean="0">
-                <a:solidFill>
-                  <a:srgbClr val="0070C0"/>
-                </a:solidFill>
-              </a:rPr>
-              <a:t>{abstract}</a:t>
-            </a:r>
-            <a:br>
-              <a:rPr lang="en-US" sz="1050" b="1" dirty="0" smtClean="0">
-                <a:solidFill>
-                  <a:srgbClr val="0070C0"/>
-                </a:solidFill>
-              </a:rPr>
-            </a:br>
-            <a:r>
-              <a:rPr lang="en-US" sz="1050" b="1" dirty="0" smtClean="0">
-                <a:solidFill>
-                  <a:srgbClr val="0070C0"/>
-                </a:solidFill>
-              </a:rPr>
-              <a:t>Command</a:t>
-            </a:r>
-            <a:endParaRPr lang="en-SG" sz="1050" b="1" dirty="0">
-              <a:solidFill>
-                <a:srgbClr val="0070C0"/>
-              </a:solidFill>
-            </a:endParaRPr>
-          </a:p>
-        </p:txBody>
-      </p:sp>
-      <p:cxnSp>
-        <p:nvCxnSpPr>
-          <p:cNvPr id="15" name="Elbow Connector 63"/>
-          <p:cNvCxnSpPr>
-            <a:stCxn id="5" idx="3"/>
-            <a:endCxn id="8" idx="3"/>
-          </p:cNvCxnSpPr>
-          <p:nvPr/>
-        </p:nvCxnSpPr>
-        <p:spPr>
-          <a:xfrm rot="10800000" flipV="1">
-            <a:off x="5786402" y="2821908"/>
-            <a:ext cx="394190" cy="1079066"/>
-          </a:xfrm>
-          <a:prstGeom prst="bentConnector3">
-            <a:avLst>
-              <a:gd name="adj1" fmla="val 50000"/>
-            </a:avLst>
-          </a:prstGeom>
-          <a:ln w="19050">
-            <a:solidFill>
-              <a:srgbClr val="0070C0"/>
-            </a:solidFill>
-            <a:headEnd type="none" w="med" len="med"/>
-            <a:tailEnd type="none" w="med" len="med"/>
           </a:ln>
           <a:effectLst/>
         </p:spPr>
@@ -4105,17 +3744,16 @@
       </p:cxnSp>
       <p:cxnSp>
         <p:nvCxnSpPr>
-          <p:cNvPr id="16" name="Elbow Connector 63"/>
+          <p:cNvPr id="8" name="Elbow Connector 122"/>
           <p:cNvCxnSpPr>
-            <a:stCxn id="8" idx="3"/>
-            <a:endCxn id="12" idx="3"/>
+            <a:endCxn id="3" idx="1"/>
           </p:cNvCxnSpPr>
           <p:nvPr/>
         </p:nvCxnSpPr>
         <p:spPr>
           <a:xfrm>
-            <a:off x="5786402" y="3900974"/>
-            <a:ext cx="394188" cy="133206"/>
+            <a:off x="1676400" y="1612602"/>
+            <a:ext cx="419548" cy="2860"/>
           </a:xfrm>
           <a:prstGeom prst="bentConnector3">
             <a:avLst>
@@ -4126,8 +3764,355 @@
             <a:solidFill>
               <a:srgbClr val="0070C0"/>
             </a:solidFill>
+            <a:prstDash val="sysDot"/>
             <a:headEnd type="none" w="med" len="med"/>
-            <a:tailEnd type="none" w="med" len="med"/>
+            <a:tailEnd type="arrow" w="med" len="med"/>
+          </a:ln>
+          <a:effectLst/>
+        </p:spPr>
+        <p:style>
+          <a:lnRef idx="1">
+            <a:schemeClr val="accent2"/>
+          </a:lnRef>
+          <a:fillRef idx="2">
+            <a:schemeClr val="accent2"/>
+          </a:fillRef>
+          <a:effectRef idx="1">
+            <a:schemeClr val="accent2"/>
+          </a:effectRef>
+          <a:fontRef idx="minor">
+            <a:schemeClr val="dk1"/>
+          </a:fontRef>
+        </p:style>
+      </p:cxnSp>
+      <p:sp>
+        <p:nvSpPr>
+          <p:cNvPr id="9" name="Rectangle 65"/>
+          <p:cNvSpPr/>
+          <p:nvPr/>
+        </p:nvSpPr>
+        <p:spPr>
+          <a:xfrm>
+            <a:off x="1103085" y="4558098"/>
+            <a:ext cx="6288315" cy="328045"/>
+          </a:xfrm>
+          <a:prstGeom prst="roundRect">
+            <a:avLst/>
+          </a:prstGeom>
+          <a:solidFill>
+            <a:schemeClr val="accent4">
+              <a:lumMod val="20000"/>
+              <a:lumOff val="80000"/>
+            </a:schemeClr>
+          </a:solidFill>
+          <a:ln w="19050">
+            <a:noFill/>
+          </a:ln>
+          <a:effectLst/>
+        </p:spPr>
+        <p:style>
+          <a:lnRef idx="1">
+            <a:schemeClr val="accent2"/>
+          </a:lnRef>
+          <a:fillRef idx="2">
+            <a:schemeClr val="accent2"/>
+          </a:fillRef>
+          <a:effectRef idx="1">
+            <a:schemeClr val="accent2"/>
+          </a:effectRef>
+          <a:fontRef idx="minor">
+            <a:schemeClr val="dk1"/>
+          </a:fontRef>
+        </p:style>
+        <p:txBody>
+          <a:bodyPr rtlCol="0" anchor="ctr"/>
+          <a:lstStyle/>
+          <a:p>
+            <a:pPr algn="ctr"/>
+            <a:r>
+              <a:rPr lang="en-US" sz="1100" b="1" dirty="0">
+                <a:solidFill>
+                  <a:schemeClr val="bg1"/>
+                </a:solidFill>
+              </a:rPr>
+              <a:t>Model</a:t>
+            </a:r>
+            <a:endParaRPr lang="en-SG" sz="1100" b="1" dirty="0">
+              <a:solidFill>
+                <a:schemeClr val="bg1"/>
+              </a:solidFill>
+            </a:endParaRPr>
+          </a:p>
+        </p:txBody>
+      </p:sp>
+      <p:sp>
+        <p:nvSpPr>
+          <p:cNvPr id="10" name="Rectangle 11"/>
+          <p:cNvSpPr/>
+          <p:nvPr/>
+        </p:nvSpPr>
+        <p:spPr>
+          <a:xfrm flipH="1">
+            <a:off x="5949738" y="2554920"/>
+            <a:ext cx="1093635" cy="346760"/>
+          </a:xfrm>
+          <a:prstGeom prst="rect">
+            <a:avLst/>
+          </a:prstGeom>
+          <a:ln w="19050">
+            <a:solidFill>
+              <a:srgbClr val="0070C0"/>
+            </a:solidFill>
+          </a:ln>
+          <a:effectLst/>
+        </p:spPr>
+        <p:style>
+          <a:lnRef idx="1">
+            <a:schemeClr val="accent1"/>
+          </a:lnRef>
+          <a:fillRef idx="2">
+            <a:schemeClr val="accent1"/>
+          </a:fillRef>
+          <a:effectRef idx="1">
+            <a:schemeClr val="accent1"/>
+          </a:effectRef>
+          <a:fontRef idx="minor">
+            <a:schemeClr val="dk1"/>
+          </a:fontRef>
+        </p:style>
+        <p:txBody>
+          <a:bodyPr rtlCol="0" anchor="ctr"/>
+          <a:lstStyle/>
+          <a:p>
+            <a:pPr algn="ctr"/>
+            <a:r>
+              <a:rPr lang="en-US" sz="1050" b="1" dirty="0" err="1" smtClean="0">
+                <a:solidFill>
+                  <a:srgbClr val="0070C0"/>
+                </a:solidFill>
+              </a:rPr>
+              <a:t>FindCommand</a:t>
+            </a:r>
+            <a:endParaRPr lang="en-SG" sz="1050" b="1" dirty="0">
+              <a:solidFill>
+                <a:srgbClr val="0070C0"/>
+              </a:solidFill>
+            </a:endParaRPr>
+          </a:p>
+        </p:txBody>
+      </p:sp>
+      <p:sp>
+        <p:nvSpPr>
+          <p:cNvPr id="11" name="Rectangle 10"/>
+          <p:cNvSpPr/>
+          <p:nvPr/>
+        </p:nvSpPr>
+        <p:spPr>
+          <a:xfrm flipH="1">
+            <a:off x="5949738" y="3396383"/>
+            <a:ext cx="1093635" cy="346760"/>
+          </a:xfrm>
+          <a:prstGeom prst="rect">
+            <a:avLst/>
+          </a:prstGeom>
+          <a:ln w="19050">
+            <a:solidFill>
+              <a:srgbClr val="0070C0"/>
+            </a:solidFill>
+          </a:ln>
+          <a:effectLst/>
+        </p:spPr>
+        <p:style>
+          <a:lnRef idx="1">
+            <a:schemeClr val="accent1"/>
+          </a:lnRef>
+          <a:fillRef idx="2">
+            <a:schemeClr val="accent1"/>
+          </a:fillRef>
+          <a:effectRef idx="1">
+            <a:schemeClr val="accent1"/>
+          </a:effectRef>
+          <a:fontRef idx="minor">
+            <a:schemeClr val="dk1"/>
+          </a:fontRef>
+        </p:style>
+        <p:txBody>
+          <a:bodyPr rtlCol="0" anchor="ctr"/>
+          <a:lstStyle/>
+          <a:p>
+            <a:pPr algn="ctr"/>
+            <a:r>
+              <a:rPr lang="en-US" sz="1050" b="1" dirty="0">
+                <a:solidFill>
+                  <a:srgbClr val="0070C0"/>
+                </a:solidFill>
+              </a:rPr>
+              <a:t>…</a:t>
+            </a:r>
+            <a:endParaRPr lang="en-SG" sz="1050" b="1" dirty="0">
+              <a:solidFill>
+                <a:srgbClr val="0070C0"/>
+              </a:solidFill>
+            </a:endParaRPr>
+          </a:p>
+        </p:txBody>
+      </p:sp>
+      <p:sp>
+        <p:nvSpPr>
+          <p:cNvPr id="12" name="Rectangle 62"/>
+          <p:cNvSpPr/>
+          <p:nvPr/>
+        </p:nvSpPr>
+        <p:spPr>
+          <a:xfrm>
+            <a:off x="4815685" y="3775064"/>
+            <a:ext cx="772043" cy="346760"/>
+          </a:xfrm>
+          <a:prstGeom prst="rect">
+            <a:avLst/>
+          </a:prstGeom>
+          <a:ln w="19050">
+            <a:solidFill>
+              <a:srgbClr val="0070C0"/>
+            </a:solidFill>
+          </a:ln>
+          <a:effectLst/>
+        </p:spPr>
+        <p:style>
+          <a:lnRef idx="1">
+            <a:schemeClr val="accent1"/>
+          </a:lnRef>
+          <a:fillRef idx="2">
+            <a:schemeClr val="accent1"/>
+          </a:fillRef>
+          <a:effectRef idx="1">
+            <a:schemeClr val="accent1"/>
+          </a:effectRef>
+          <a:fontRef idx="minor">
+            <a:schemeClr val="dk1"/>
+          </a:fontRef>
+        </p:style>
+        <p:txBody>
+          <a:bodyPr rtlCol="0" anchor="ctr"/>
+          <a:lstStyle/>
+          <a:p>
+            <a:pPr algn="ctr"/>
+            <a:r>
+              <a:rPr lang="en-US" sz="1050" b="1" dirty="0">
+                <a:solidFill>
+                  <a:srgbClr val="0070C0"/>
+                </a:solidFill>
+              </a:rPr>
+              <a:t>{abstract}</a:t>
+            </a:r>
+            <a:br>
+              <a:rPr lang="en-US" sz="1050" b="1" dirty="0">
+                <a:solidFill>
+                  <a:srgbClr val="0070C0"/>
+                </a:solidFill>
+              </a:rPr>
+            </a:br>
+            <a:r>
+              <a:rPr lang="en-US" sz="1050" b="1" dirty="0">
+                <a:solidFill>
+                  <a:srgbClr val="0070C0"/>
+                </a:solidFill>
+              </a:rPr>
+              <a:t>Command</a:t>
+            </a:r>
+            <a:endParaRPr lang="en-SG" sz="1050" b="1" dirty="0">
+              <a:solidFill>
+                <a:srgbClr val="0070C0"/>
+              </a:solidFill>
+            </a:endParaRPr>
+          </a:p>
+        </p:txBody>
+      </p:sp>
+      <p:sp>
+        <p:nvSpPr>
+          <p:cNvPr id="16" name="Rectangle 62"/>
+          <p:cNvSpPr/>
+          <p:nvPr/>
+        </p:nvSpPr>
+        <p:spPr>
+          <a:xfrm>
+            <a:off x="3098739" y="3775502"/>
+            <a:ext cx="585450" cy="346760"/>
+          </a:xfrm>
+          <a:prstGeom prst="rect">
+            <a:avLst/>
+          </a:prstGeom>
+          <a:solidFill>
+            <a:srgbClr val="0070C0"/>
+          </a:solidFill>
+          <a:ln w="19050">
+            <a:solidFill>
+              <a:srgbClr val="0070C0"/>
+            </a:solidFill>
+          </a:ln>
+          <a:effectLst/>
+        </p:spPr>
+        <p:style>
+          <a:lnRef idx="1">
+            <a:schemeClr val="accent2"/>
+          </a:lnRef>
+          <a:fillRef idx="2">
+            <a:schemeClr val="accent2"/>
+          </a:fillRef>
+          <a:effectRef idx="1">
+            <a:schemeClr val="accent2"/>
+          </a:effectRef>
+          <a:fontRef idx="minor">
+            <a:schemeClr val="dk1"/>
+          </a:fontRef>
+        </p:style>
+        <p:txBody>
+          <a:bodyPr rtlCol="0" anchor="ctr"/>
+          <a:lstStyle/>
+          <a:p>
+            <a:pPr algn="ctr"/>
+            <a:r>
+              <a:rPr lang="en-US" sz="1050" dirty="0">
+                <a:solidFill>
+                  <a:schemeClr val="bg1"/>
+                </a:solidFill>
+              </a:rPr>
+              <a:t>Parser</a:t>
+            </a:r>
+            <a:endParaRPr lang="en-SG" sz="1050" dirty="0">
+              <a:solidFill>
+                <a:schemeClr val="bg1"/>
+              </a:solidFill>
+            </a:endParaRPr>
+          </a:p>
+        </p:txBody>
+      </p:sp>
+      <p:cxnSp>
+        <p:nvCxnSpPr>
+          <p:cNvPr id="17" name="Elbow Connector 106"/>
+          <p:cNvCxnSpPr>
+            <a:stCxn id="5" idx="3"/>
+            <a:endCxn id="16" idx="1"/>
+          </p:cNvCxnSpPr>
+          <p:nvPr/>
+        </p:nvCxnSpPr>
+        <p:spPr>
+          <a:xfrm>
+            <a:off x="2874420" y="3946343"/>
+            <a:ext cx="224319" cy="2539"/>
+          </a:xfrm>
+          <a:prstGeom prst="bentConnector3">
+            <a:avLst>
+              <a:gd name="adj1" fmla="val 50000"/>
+            </a:avLst>
+          </a:prstGeom>
+          <a:ln w="19050">
+            <a:solidFill>
+              <a:srgbClr val="0070C0"/>
+            </a:solidFill>
+            <a:prstDash val="solid"/>
+            <a:headEnd type="none" w="med" len="med"/>
+            <a:tailEnd type="arrow" w="med" len="med"/>
           </a:ln>
           <a:effectLst/>
         </p:spPr>
@@ -4148,29 +4133,27 @@
       </p:cxnSp>
       <p:cxnSp>
         <p:nvCxnSpPr>
-          <p:cNvPr id="17" name="Elbow Connector 63"/>
+          <p:cNvPr id="18" name="Straight Arrow Connector 110"/>
           <p:cNvCxnSpPr>
-            <a:stCxn id="8" idx="3"/>
-            <a:endCxn id="11" idx="3"/>
+            <a:stCxn id="12" idx="2"/>
           </p:cNvCxnSpPr>
           <p:nvPr/>
         </p:nvCxnSpPr>
         <p:spPr>
-          <a:xfrm flipV="1">
-            <a:off x="5786402" y="3228308"/>
-            <a:ext cx="394190" cy="672666"/>
-          </a:xfrm>
-          <a:prstGeom prst="bentConnector3">
-            <a:avLst>
-              <a:gd name="adj1" fmla="val 50000"/>
-            </a:avLst>
+          <a:xfrm>
+            <a:off x="5201707" y="4121824"/>
+            <a:ext cx="1" cy="436274"/>
+          </a:xfrm>
+          <a:prstGeom prst="straightConnector1">
+            <a:avLst/>
           </a:prstGeom>
           <a:ln w="19050">
             <a:solidFill>
               <a:srgbClr val="0070C0"/>
             </a:solidFill>
+            <a:prstDash val="sysDot"/>
             <a:headEnd type="none" w="med" len="med"/>
-            <a:tailEnd type="none" w="med" len="med"/>
+            <a:tailEnd type="arrow" w="med" len="med"/>
           </a:ln>
           <a:effectLst/>
         </p:spPr>
@@ -4191,14 +4174,14 @@
       </p:cxnSp>
       <p:sp>
         <p:nvSpPr>
-          <p:cNvPr id="18" name="Rectangle 62"/>
+          <p:cNvPr id="19" name="Rectangle 62"/>
           <p:cNvSpPr/>
           <p:nvPr/>
         </p:nvSpPr>
         <p:spPr>
-          <a:xfrm>
-            <a:off x="3527828" y="3766159"/>
-            <a:ext cx="585450" cy="346760"/>
+          <a:xfrm rot="16200000">
+            <a:off x="398120" y="2312463"/>
+            <a:ext cx="2209800" cy="346760"/>
           </a:xfrm>
           <a:prstGeom prst="rect">
             <a:avLst/>
@@ -4238,7 +4221,18 @@
                   <a:schemeClr val="bg1"/>
                 </a:solidFill>
               </a:rPr>
-              <a:t>Parser</a:t>
+              <a:t>&lt;&lt;interface&gt;&gt;</a:t>
+            </a:r>
+          </a:p>
+          <a:p>
+            <a:pPr algn="ctr"/>
+            <a:r>
+              <a:rPr lang="en-US" sz="1050" dirty="0">
+                <a:solidFill>
+                  <a:schemeClr val="bg1"/>
+                </a:solidFill>
+              </a:rPr>
+              <a:t>Logic</a:t>
             </a:r>
             <a:endParaRPr lang="en-SG" sz="1050" dirty="0">
               <a:solidFill>
@@ -4248,32 +4242,84 @@
           </a:p>
         </p:txBody>
       </p:sp>
+      <p:sp>
+        <p:nvSpPr>
+          <p:cNvPr id="20" name="Isosceles Triangle 102"/>
+          <p:cNvSpPr/>
+          <p:nvPr/>
+        </p:nvSpPr>
+        <p:spPr>
+          <a:xfrm>
+            <a:off x="1359039" y="3590743"/>
+            <a:ext cx="270504" cy="175523"/>
+          </a:xfrm>
+          <a:prstGeom prst="triangle">
+            <a:avLst/>
+          </a:prstGeom>
+          <a:solidFill>
+            <a:schemeClr val="tx2">
+              <a:lumMod val="60000"/>
+              <a:lumOff val="40000"/>
+            </a:schemeClr>
+          </a:solidFill>
+          <a:ln w="19050">
+            <a:solidFill>
+              <a:srgbClr val="0070C0"/>
+            </a:solidFill>
+          </a:ln>
+          <a:effectLst/>
+        </p:spPr>
+        <p:style>
+          <a:lnRef idx="1">
+            <a:schemeClr val="accent1"/>
+          </a:lnRef>
+          <a:fillRef idx="2">
+            <a:schemeClr val="accent1"/>
+          </a:fillRef>
+          <a:effectRef idx="1">
+            <a:schemeClr val="accent1"/>
+          </a:effectRef>
+          <a:fontRef idx="minor">
+            <a:schemeClr val="dk1"/>
+          </a:fontRef>
+        </p:style>
+        <p:txBody>
+          <a:bodyPr rtlCol="0" anchor="ctr"/>
+          <a:lstStyle/>
+          <a:p>
+            <a:pPr algn="ctr"/>
+            <a:endParaRPr lang="en-SG" sz="1050" b="1">
+              <a:solidFill>
+                <a:srgbClr val="92D050"/>
+              </a:solidFill>
+            </a:endParaRPr>
+          </a:p>
+        </p:txBody>
+      </p:sp>
       <p:cxnSp>
         <p:nvCxnSpPr>
-          <p:cNvPr id="19" name="Elbow Connector 106"/>
+          <p:cNvPr id="21" name="Elbow Connector 63"/>
           <p:cNvCxnSpPr>
-            <a:stCxn id="6" idx="3"/>
-            <a:endCxn id="18" idx="1"/>
+            <a:stCxn id="5" idx="1"/>
+            <a:endCxn id="20" idx="3"/>
           </p:cNvCxnSpPr>
           <p:nvPr/>
         </p:nvCxnSpPr>
         <p:spPr>
-          <a:xfrm>
-            <a:off x="3108853" y="3937000"/>
-            <a:ext cx="418975" cy="2539"/>
-          </a:xfrm>
-          <a:prstGeom prst="bentConnector3">
-            <a:avLst>
-              <a:gd name="adj1" fmla="val 50000"/>
-            </a:avLst>
+          <a:xfrm rot="10800000">
+            <a:off x="1494291" y="3766267"/>
+            <a:ext cx="286494" cy="180077"/>
+          </a:xfrm>
+          <a:prstGeom prst="bentConnector2">
+            <a:avLst/>
           </a:prstGeom>
           <a:ln w="19050">
             <a:solidFill>
               <a:srgbClr val="0070C0"/>
             </a:solidFill>
-            <a:prstDash val="solid"/>
+            <a:prstDash val="sysDot"/>
             <a:headEnd type="none" w="med" len="med"/>
-            <a:tailEnd type="arrow" w="med" len="med"/>
+            <a:tailEnd type="none" w="med" len="med"/>
           </a:ln>
           <a:effectLst/>
         </p:spPr>
@@ -4294,16 +4340,16 @@
       </p:cxnSp>
       <p:cxnSp>
         <p:nvCxnSpPr>
-          <p:cNvPr id="20" name="Straight Arrow Connector 110"/>
+          <p:cNvPr id="23" name="Straight Arrow Connector 57"/>
           <p:cNvCxnSpPr>
-            <a:stCxn id="14" idx="2"/>
+            <a:stCxn id="5" idx="2"/>
           </p:cNvCxnSpPr>
           <p:nvPr/>
         </p:nvCxnSpPr>
         <p:spPr>
-          <a:xfrm>
-            <a:off x="5201707" y="4112481"/>
-            <a:ext cx="1" cy="436274"/>
+          <a:xfrm flipH="1">
+            <a:off x="2327602" y="4119723"/>
+            <a:ext cx="1" cy="438375"/>
           </a:xfrm>
           <a:prstGeom prst="straightConnector1">
             <a:avLst/>
@@ -4312,175 +4358,8 @@
             <a:solidFill>
               <a:srgbClr val="0070C0"/>
             </a:solidFill>
-            <a:prstDash val="sysDot"/>
             <a:headEnd type="none" w="med" len="med"/>
             <a:tailEnd type="arrow" w="med" len="med"/>
-          </a:ln>
-          <a:effectLst/>
-        </p:spPr>
-        <p:style>
-          <a:lnRef idx="1">
-            <a:schemeClr val="accent2"/>
-          </a:lnRef>
-          <a:fillRef idx="2">
-            <a:schemeClr val="accent2"/>
-          </a:fillRef>
-          <a:effectRef idx="1">
-            <a:schemeClr val="accent2"/>
-          </a:effectRef>
-          <a:fontRef idx="minor">
-            <a:schemeClr val="dk1"/>
-          </a:fontRef>
-        </p:style>
-      </p:cxnSp>
-      <p:sp>
-        <p:nvSpPr>
-          <p:cNvPr id="21" name="Rectangle 62"/>
-          <p:cNvSpPr/>
-          <p:nvPr/>
-        </p:nvSpPr>
-        <p:spPr>
-          <a:xfrm rot="16200000">
-            <a:off x="956202" y="2861202"/>
-            <a:ext cx="1093635" cy="346760"/>
-          </a:xfrm>
-          <a:prstGeom prst="rect">
-            <a:avLst/>
-          </a:prstGeom>
-          <a:solidFill>
-            <a:srgbClr val="0070C0"/>
-          </a:solidFill>
-          <a:ln w="19050">
-            <a:solidFill>
-              <a:srgbClr val="0070C0"/>
-            </a:solidFill>
-          </a:ln>
-          <a:effectLst/>
-        </p:spPr>
-        <p:style>
-          <a:lnRef idx="1">
-            <a:schemeClr val="accent2"/>
-          </a:lnRef>
-          <a:fillRef idx="2">
-            <a:schemeClr val="accent2"/>
-          </a:fillRef>
-          <a:effectRef idx="1">
-            <a:schemeClr val="accent2"/>
-          </a:effectRef>
-          <a:fontRef idx="minor">
-            <a:schemeClr val="dk1"/>
-          </a:fontRef>
-        </p:style>
-        <p:txBody>
-          <a:bodyPr rtlCol="0" anchor="ctr"/>
-          <a:lstStyle/>
-          <a:p>
-            <a:pPr algn="ctr"/>
-            <a:r>
-              <a:rPr lang="en-US" sz="1050" dirty="0">
-                <a:solidFill>
-                  <a:schemeClr val="bg1"/>
-                </a:solidFill>
-              </a:rPr>
-              <a:t>&lt;&lt;interface&gt;&gt;</a:t>
-            </a:r>
-          </a:p>
-          <a:p>
-            <a:pPr algn="ctr"/>
-            <a:r>
-              <a:rPr lang="en-US" sz="1050" dirty="0">
-                <a:solidFill>
-                  <a:schemeClr val="bg1"/>
-                </a:solidFill>
-              </a:rPr>
-              <a:t>Logic</a:t>
-            </a:r>
-            <a:endParaRPr lang="en-SG" sz="1050" dirty="0">
-              <a:solidFill>
-                <a:schemeClr val="bg1"/>
-              </a:solidFill>
-            </a:endParaRPr>
-          </a:p>
-        </p:txBody>
-      </p:sp>
-      <p:sp>
-        <p:nvSpPr>
-          <p:cNvPr id="22" name="Isosceles Triangle 102"/>
-          <p:cNvSpPr/>
-          <p:nvPr/>
-        </p:nvSpPr>
-        <p:spPr>
-          <a:xfrm>
-            <a:off x="1359039" y="3581400"/>
-            <a:ext cx="270504" cy="175523"/>
-          </a:xfrm>
-          <a:prstGeom prst="triangle">
-            <a:avLst/>
-          </a:prstGeom>
-          <a:solidFill>
-            <a:schemeClr val="tx2">
-              <a:lumMod val="60000"/>
-              <a:lumOff val="40000"/>
-            </a:schemeClr>
-          </a:solidFill>
-          <a:ln w="19050">
-            <a:solidFill>
-              <a:srgbClr val="0070C0"/>
-            </a:solidFill>
-          </a:ln>
-          <a:effectLst/>
-        </p:spPr>
-        <p:style>
-          <a:lnRef idx="1">
-            <a:schemeClr val="accent1"/>
-          </a:lnRef>
-          <a:fillRef idx="2">
-            <a:schemeClr val="accent1"/>
-          </a:fillRef>
-          <a:effectRef idx="1">
-            <a:schemeClr val="accent1"/>
-          </a:effectRef>
-          <a:fontRef idx="minor">
-            <a:schemeClr val="dk1"/>
-          </a:fontRef>
-        </p:style>
-        <p:txBody>
-          <a:bodyPr rtlCol="0" anchor="ctr"/>
-          <a:lstStyle/>
-          <a:p>
-            <a:pPr algn="ctr"/>
-            <a:endParaRPr lang="en-SG" sz="1050" b="1">
-              <a:solidFill>
-                <a:srgbClr val="92D050"/>
-              </a:solidFill>
-            </a:endParaRPr>
-          </a:p>
-        </p:txBody>
-      </p:sp>
-      <p:cxnSp>
-        <p:nvCxnSpPr>
-          <p:cNvPr id="23" name="Elbow Connector 63"/>
-          <p:cNvCxnSpPr>
-            <a:stCxn id="6" idx="1"/>
-            <a:endCxn id="22" idx="3"/>
-          </p:cNvCxnSpPr>
-          <p:nvPr/>
-        </p:nvCxnSpPr>
-        <p:spPr>
-          <a:xfrm rot="10800000">
-            <a:off x="1494292" y="3756924"/>
-            <a:ext cx="520927" cy="180077"/>
-          </a:xfrm>
-          <a:prstGeom prst="bentConnector2">
-            <a:avLst/>
-          </a:prstGeom>
-          <a:ln w="19050">
-            <a:solidFill>
-              <a:srgbClr val="0070C0"/>
-            </a:solidFill>
-            <a:prstDash val="sysDot"/>
-            <a:headEnd type="none" w="med" len="med"/>
-            <a:tailEnd type="none" w="med" len="med"/>
           </a:ln>
           <a:effectLst/>
         </p:spPr>
@@ -4501,24 +4380,25 @@
       </p:cxnSp>
       <p:cxnSp>
         <p:nvCxnSpPr>
-          <p:cNvPr id="24" name="Straight Arrow Connector 54"/>
-          <p:cNvCxnSpPr>
-            <a:stCxn id="18" idx="3"/>
-            <a:endCxn id="14" idx="1"/>
-          </p:cNvCxnSpPr>
+          <p:cNvPr id="24" name="Elbow Connector 122"/>
+          <p:cNvCxnSpPr/>
           <p:nvPr/>
         </p:nvCxnSpPr>
         <p:spPr>
-          <a:xfrm flipV="1">
-            <a:off x="4113278" y="3939101"/>
-            <a:ext cx="702407" cy="438"/>
-          </a:xfrm>
-          <a:prstGeom prst="straightConnector1">
-            <a:avLst/>
+          <a:xfrm>
+            <a:off x="893311" y="2994248"/>
+            <a:ext cx="419548" cy="2860"/>
+          </a:xfrm>
+          <a:prstGeom prst="bentConnector3">
+            <a:avLst>
+              <a:gd name="adj1" fmla="val 50000"/>
+            </a:avLst>
           </a:prstGeom>
           <a:ln w="19050">
             <a:solidFill>
-              <a:srgbClr val="0070C0"/>
+              <a:schemeClr val="bg1">
+                <a:lumMod val="75000"/>
+              </a:schemeClr>
             </a:solidFill>
             <a:prstDash val="sysDot"/>
             <a:headEnd type="none" w="med" len="med"/>
@@ -4543,104 +4423,21 @@
       </p:cxnSp>
       <p:cxnSp>
         <p:nvCxnSpPr>
-          <p:cNvPr id="25" name="Straight Arrow Connector 57"/>
+          <p:cNvPr id="25" name="Elbow Connector 63"/>
           <p:cNvCxnSpPr>
-            <a:stCxn id="6" idx="2"/>
+            <a:stCxn id="5" idx="0"/>
+            <a:endCxn id="12" idx="0"/>
           </p:cNvCxnSpPr>
           <p:nvPr/>
         </p:nvCxnSpPr>
         <p:spPr>
-          <a:xfrm flipH="1">
-            <a:off x="2562035" y="4110380"/>
-            <a:ext cx="1" cy="438375"/>
-          </a:xfrm>
-          <a:prstGeom prst="straightConnector1">
-            <a:avLst/>
-          </a:prstGeom>
-          <a:ln w="19050">
-            <a:solidFill>
-              <a:srgbClr val="0070C0"/>
-            </a:solidFill>
-            <a:headEnd type="none" w="med" len="med"/>
-            <a:tailEnd type="arrow" w="med" len="med"/>
-          </a:ln>
-          <a:effectLst/>
-        </p:spPr>
-        <p:style>
-          <a:lnRef idx="1">
-            <a:schemeClr val="accent2"/>
-          </a:lnRef>
-          <a:fillRef idx="2">
-            <a:schemeClr val="accent2"/>
-          </a:fillRef>
-          <a:effectRef idx="1">
-            <a:schemeClr val="accent2"/>
-          </a:effectRef>
-          <a:fontRef idx="minor">
-            <a:schemeClr val="dk1"/>
-          </a:fontRef>
-        </p:style>
-      </p:cxnSp>
-      <p:cxnSp>
-        <p:nvCxnSpPr>
-          <p:cNvPr id="28" name="Elbow Connector 122"/>
-          <p:cNvCxnSpPr/>
-          <p:nvPr/>
-        </p:nvCxnSpPr>
-        <p:spPr>
-          <a:xfrm>
-            <a:off x="893311" y="2984905"/>
-            <a:ext cx="419548" cy="2860"/>
+          <a:xfrm rot="16200000" flipH="1">
+            <a:off x="3763604" y="2336961"/>
+            <a:ext cx="2101" cy="2874104"/>
           </a:xfrm>
           <a:prstGeom prst="bentConnector3">
             <a:avLst>
-              <a:gd name="adj1" fmla="val 50000"/>
-            </a:avLst>
-          </a:prstGeom>
-          <a:ln w="19050">
-            <a:solidFill>
-              <a:schemeClr val="bg1">
-                <a:lumMod val="75000"/>
-              </a:schemeClr>
-            </a:solidFill>
-            <a:prstDash val="sysDot"/>
-            <a:headEnd type="none" w="med" len="med"/>
-            <a:tailEnd type="arrow" w="med" len="med"/>
-          </a:ln>
-          <a:effectLst/>
-        </p:spPr>
-        <p:style>
-          <a:lnRef idx="1">
-            <a:schemeClr val="accent2"/>
-          </a:lnRef>
-          <a:fillRef idx="2">
-            <a:schemeClr val="accent2"/>
-          </a:fillRef>
-          <a:effectRef idx="1">
-            <a:schemeClr val="accent2"/>
-          </a:effectRef>
-          <a:fontRef idx="minor">
-            <a:schemeClr val="dk1"/>
-          </a:fontRef>
-        </p:style>
-      </p:cxnSp>
-      <p:cxnSp>
-        <p:nvCxnSpPr>
-          <p:cNvPr id="29" name="Elbow Connector 63"/>
-          <p:cNvCxnSpPr>
-            <a:stCxn id="6" idx="0"/>
-            <a:endCxn id="14" idx="0"/>
-          </p:cNvCxnSpPr>
-          <p:nvPr/>
-        </p:nvCxnSpPr>
-        <p:spPr>
-          <a:xfrm rot="16200000" flipH="1">
-            <a:off x="3880820" y="2444835"/>
-            <a:ext cx="2101" cy="2639671"/>
-          </a:xfrm>
-          <a:prstGeom prst="bentConnector3">
-            <a:avLst>
-              <a:gd name="adj1" fmla="val -31982199"/>
+              <a:gd name="adj1" fmla="val -82532842"/>
             </a:avLst>
           </a:prstGeom>
           <a:ln w="19050">
@@ -4670,13 +4467,13 @@
       </p:cxnSp>
       <p:grpSp>
         <p:nvGrpSpPr>
-          <p:cNvPr id="35" name="Group 34"/>
+          <p:cNvPr id="26" name="Group 25"/>
           <p:cNvGrpSpPr/>
           <p:nvPr/>
         </p:nvGrpSpPr>
         <p:grpSpPr>
           <a:xfrm>
-            <a:off x="4107656" y="2869489"/>
+            <a:off x="4064583" y="1846294"/>
             <a:ext cx="889000" cy="230832"/>
             <a:chOff x="2895600" y="807932"/>
             <a:chExt cx="889000" cy="230832"/>
@@ -4684,7 +4481,7 @@
         </p:grpSpPr>
         <p:sp>
           <p:nvSpPr>
-            <p:cNvPr id="33" name="TextBox 32"/>
+            <p:cNvPr id="27" name="TextBox 26"/>
             <p:cNvSpPr txBox="1"/>
             <p:nvPr/>
           </p:nvSpPr>
@@ -4706,7 +4503,7 @@
             <a:p>
               <a:pPr algn="r"/>
               <a:r>
-                <a:rPr lang="en-US" sz="1100" dirty="0" smtClean="0">
+                <a:rPr lang="en-US" sz="1100" dirty="0">
                   <a:solidFill>
                     <a:srgbClr val="0070C0"/>
                   </a:solidFill>
@@ -4723,7 +4520,7 @@
         </p:sp>
         <p:sp>
           <p:nvSpPr>
-            <p:cNvPr id="34" name="Isosceles Triangle 33"/>
+            <p:cNvPr id="28" name="Isosceles Triangle 27"/>
             <p:cNvSpPr/>
             <p:nvPr/>
           </p:nvSpPr>
@@ -4770,13 +4567,13 @@
       </p:grpSp>
       <p:grpSp>
         <p:nvGrpSpPr>
-          <p:cNvPr id="36" name="Group 35"/>
+          <p:cNvPr id="29" name="Group 28"/>
           <p:cNvGrpSpPr/>
           <p:nvPr/>
         </p:nvGrpSpPr>
         <p:grpSpPr>
           <a:xfrm>
-            <a:off x="3973516" y="2512368"/>
+            <a:off x="4665110" y="1408215"/>
             <a:ext cx="868568" cy="230832"/>
             <a:chOff x="2755838" y="789460"/>
             <a:chExt cx="868568" cy="230832"/>
@@ -4784,7 +4581,7 @@
         </p:grpSpPr>
         <p:sp>
           <p:nvSpPr>
-            <p:cNvPr id="37" name="TextBox 36"/>
+            <p:cNvPr id="30" name="TextBox 29"/>
             <p:cNvSpPr txBox="1"/>
             <p:nvPr/>
           </p:nvSpPr>
@@ -4805,7 +4602,7 @@
             <a:lstStyle/>
             <a:p>
               <a:r>
-                <a:rPr lang="en-US" sz="1100" dirty="0" smtClean="0">
+                <a:rPr lang="en-US" sz="1100" dirty="0">
                   <a:solidFill>
                     <a:srgbClr val="0070C0"/>
                   </a:solidFill>
@@ -4822,7 +4619,7 @@
         </p:sp>
         <p:sp>
           <p:nvSpPr>
-            <p:cNvPr id="38" name="Isosceles Triangle 37"/>
+            <p:cNvPr id="31" name="Isosceles Triangle 30"/>
             <p:cNvSpPr/>
             <p:nvPr/>
           </p:nvSpPr>
@@ -4869,13 +4666,13 @@
       </p:grpSp>
       <p:sp>
         <p:nvSpPr>
-          <p:cNvPr id="39" name="TextBox 38"/>
+          <p:cNvPr id="32" name="TextBox 31"/>
           <p:cNvSpPr txBox="1"/>
           <p:nvPr/>
         </p:nvSpPr>
         <p:spPr>
           <a:xfrm>
-            <a:off x="3210180" y="2423264"/>
+            <a:off x="2301175" y="1807488"/>
             <a:ext cx="131116" cy="230832"/>
           </a:xfrm>
           <a:prstGeom prst="rect">
@@ -4891,7 +4688,7 @@
           <a:p>
             <a:pPr algn="r"/>
             <a:r>
-              <a:rPr lang="en-US" sz="1100" dirty="0" smtClean="0">
+              <a:rPr lang="en-US" sz="1100" dirty="0">
                 <a:solidFill>
                   <a:srgbClr val="0070C0"/>
                 </a:solidFill>
@@ -4908,13 +4705,13 @@
       </p:sp>
       <p:sp>
         <p:nvSpPr>
-          <p:cNvPr id="40" name="TextBox 39"/>
+          <p:cNvPr id="33" name="TextBox 32"/>
           <p:cNvSpPr txBox="1"/>
           <p:nvPr/>
         </p:nvSpPr>
         <p:spPr>
           <a:xfrm>
-            <a:off x="3341296" y="3700114"/>
+            <a:off x="2912207" y="3709457"/>
             <a:ext cx="131116" cy="230832"/>
           </a:xfrm>
           <a:prstGeom prst="rect">
@@ -4930,7 +4727,7 @@
           <a:p>
             <a:pPr algn="r"/>
             <a:r>
-              <a:rPr lang="en-US" sz="1100" dirty="0" smtClean="0">
+              <a:rPr lang="en-US" sz="1100" dirty="0">
                 <a:solidFill>
                   <a:srgbClr val="0070C0"/>
                 </a:solidFill>
@@ -4945,30 +4742,913 @@
           </a:p>
         </p:txBody>
       </p:sp>
+      <p:sp>
+        <p:nvSpPr>
+          <p:cNvPr id="37" name="Rectangle 11"/>
+          <p:cNvSpPr/>
+          <p:nvPr/>
+        </p:nvSpPr>
+        <p:spPr>
+          <a:xfrm flipH="1">
+            <a:off x="5949738" y="2956137"/>
+            <a:ext cx="1093635" cy="346760"/>
+          </a:xfrm>
+          <a:prstGeom prst="rect">
+            <a:avLst/>
+          </a:prstGeom>
+          <a:ln w="19050">
+            <a:solidFill>
+              <a:srgbClr val="0070C0"/>
+            </a:solidFill>
+          </a:ln>
+          <a:effectLst/>
+        </p:spPr>
+        <p:style>
+          <a:lnRef idx="1">
+            <a:schemeClr val="accent1"/>
+          </a:lnRef>
+          <a:fillRef idx="2">
+            <a:schemeClr val="accent1"/>
+          </a:fillRef>
+          <a:effectRef idx="1">
+            <a:schemeClr val="accent1"/>
+          </a:effectRef>
+          <a:fontRef idx="minor">
+            <a:schemeClr val="dk1"/>
+          </a:fontRef>
+        </p:style>
+        <p:txBody>
+          <a:bodyPr rtlCol="0" anchor="ctr"/>
+          <a:lstStyle/>
+          <a:p>
+            <a:pPr algn="ctr"/>
+            <a:r>
+              <a:rPr lang="en-US" sz="1050" b="1" dirty="0" smtClean="0">
+                <a:solidFill>
+                  <a:srgbClr val="0070C0"/>
+                </a:solidFill>
+              </a:rPr>
+              <a:t>Incorrect</a:t>
+            </a:r>
+          </a:p>
+          <a:p>
+            <a:pPr algn="ctr"/>
+            <a:r>
+              <a:rPr lang="en-US" sz="1050" b="1" dirty="0" smtClean="0">
+                <a:solidFill>
+                  <a:srgbClr val="0070C0"/>
+                </a:solidFill>
+              </a:rPr>
+              <a:t>Command</a:t>
+            </a:r>
+            <a:endParaRPr lang="en-SG" sz="1050" b="1" dirty="0">
+              <a:solidFill>
+                <a:srgbClr val="0070C0"/>
+              </a:solidFill>
+            </a:endParaRPr>
+          </a:p>
+        </p:txBody>
+      </p:sp>
+      <p:cxnSp>
+        <p:nvCxnSpPr>
+          <p:cNvPr id="39" name="Elbow Connector 122"/>
+          <p:cNvCxnSpPr/>
+          <p:nvPr/>
+        </p:nvCxnSpPr>
+        <p:spPr>
+          <a:xfrm rot="16200000" flipV="1">
+            <a:off x="1194071" y="2780902"/>
+            <a:ext cx="1970727" cy="1"/>
+          </a:xfrm>
+          <a:prstGeom prst="bentConnector3">
+            <a:avLst>
+              <a:gd name="adj1" fmla="val 50000"/>
+            </a:avLst>
+          </a:prstGeom>
+          <a:ln w="19050">
+            <a:solidFill>
+              <a:srgbClr val="0070C0"/>
+            </a:solidFill>
+            <a:prstDash val="sysDot"/>
+            <a:headEnd type="none" w="med" len="med"/>
+            <a:tailEnd type="arrow" w="med" len="med"/>
+          </a:ln>
+          <a:effectLst/>
+        </p:spPr>
+        <p:style>
+          <a:lnRef idx="1">
+            <a:schemeClr val="accent2"/>
+          </a:lnRef>
+          <a:fillRef idx="2">
+            <a:schemeClr val="accent2"/>
+          </a:fillRef>
+          <a:effectRef idx="1">
+            <a:schemeClr val="accent2"/>
+          </a:effectRef>
+          <a:fontRef idx="minor">
+            <a:schemeClr val="dk1"/>
+          </a:fontRef>
+        </p:style>
+      </p:cxnSp>
+      <p:sp>
+        <p:nvSpPr>
+          <p:cNvPr id="42" name="Rectangle 11"/>
+          <p:cNvSpPr/>
+          <p:nvPr/>
+        </p:nvSpPr>
+        <p:spPr>
+          <a:xfrm flipH="1">
+            <a:off x="3859365" y="2167409"/>
+            <a:ext cx="1093635" cy="346760"/>
+          </a:xfrm>
+          <a:prstGeom prst="rect">
+            <a:avLst/>
+          </a:prstGeom>
+          <a:ln w="19050">
+            <a:solidFill>
+              <a:srgbClr val="0070C0"/>
+            </a:solidFill>
+          </a:ln>
+          <a:effectLst/>
+        </p:spPr>
+        <p:style>
+          <a:lnRef idx="1">
+            <a:schemeClr val="accent1"/>
+          </a:lnRef>
+          <a:fillRef idx="2">
+            <a:schemeClr val="accent1"/>
+          </a:fillRef>
+          <a:effectRef idx="1">
+            <a:schemeClr val="accent1"/>
+          </a:effectRef>
+          <a:fontRef idx="minor">
+            <a:schemeClr val="dk1"/>
+          </a:fontRef>
+        </p:style>
+        <p:txBody>
+          <a:bodyPr rtlCol="0" anchor="ctr"/>
+          <a:lstStyle/>
+          <a:p>
+            <a:pPr algn="ctr"/>
+            <a:r>
+              <a:rPr lang="en-US" sz="1050" b="1" dirty="0" err="1">
+                <a:solidFill>
+                  <a:srgbClr val="0070C0"/>
+                </a:solidFill>
+              </a:rPr>
+              <a:t>AddCommand</a:t>
+            </a:r>
+            <a:endParaRPr lang="en-US" sz="1050" b="1" dirty="0">
+              <a:solidFill>
+                <a:srgbClr val="0070C0"/>
+              </a:solidFill>
+            </a:endParaRPr>
+          </a:p>
+          <a:p>
+            <a:pPr algn="ctr"/>
+            <a:r>
+              <a:rPr lang="en-US" sz="1050" b="1" dirty="0">
+                <a:solidFill>
+                  <a:srgbClr val="0070C0"/>
+                </a:solidFill>
+              </a:rPr>
+              <a:t>Parser</a:t>
+            </a:r>
+            <a:endParaRPr lang="en-SG" sz="1050" b="1" dirty="0">
+              <a:solidFill>
+                <a:srgbClr val="0070C0"/>
+              </a:solidFill>
+            </a:endParaRPr>
+          </a:p>
+        </p:txBody>
+      </p:sp>
+      <p:sp>
+        <p:nvSpPr>
+          <p:cNvPr id="44" name="Rectangle 11"/>
+          <p:cNvSpPr/>
+          <p:nvPr/>
+        </p:nvSpPr>
+        <p:spPr>
+          <a:xfrm flipH="1">
+            <a:off x="3859365" y="2573809"/>
+            <a:ext cx="1093635" cy="346760"/>
+          </a:xfrm>
+          <a:prstGeom prst="rect">
+            <a:avLst/>
+          </a:prstGeom>
+          <a:ln w="19050">
+            <a:solidFill>
+              <a:srgbClr val="0070C0"/>
+            </a:solidFill>
+          </a:ln>
+          <a:effectLst/>
+        </p:spPr>
+        <p:style>
+          <a:lnRef idx="1">
+            <a:schemeClr val="accent1"/>
+          </a:lnRef>
+          <a:fillRef idx="2">
+            <a:schemeClr val="accent1"/>
+          </a:fillRef>
+          <a:effectRef idx="1">
+            <a:schemeClr val="accent1"/>
+          </a:effectRef>
+          <a:fontRef idx="minor">
+            <a:schemeClr val="dk1"/>
+          </a:fontRef>
+        </p:style>
+        <p:txBody>
+          <a:bodyPr rtlCol="0" anchor="ctr"/>
+          <a:lstStyle/>
+          <a:p>
+            <a:pPr algn="ctr"/>
+            <a:r>
+              <a:rPr lang="en-US" sz="1050" b="1" dirty="0" err="1">
+                <a:solidFill>
+                  <a:srgbClr val="0070C0"/>
+                </a:solidFill>
+              </a:rPr>
+              <a:t>FindCommand</a:t>
+            </a:r>
+            <a:endParaRPr lang="en-US" sz="1050" b="1" dirty="0">
+              <a:solidFill>
+                <a:srgbClr val="0070C0"/>
+              </a:solidFill>
+            </a:endParaRPr>
+          </a:p>
+          <a:p>
+            <a:pPr algn="ctr"/>
+            <a:r>
+              <a:rPr lang="en-US" sz="1050" b="1" dirty="0">
+                <a:solidFill>
+                  <a:srgbClr val="0070C0"/>
+                </a:solidFill>
+              </a:rPr>
+              <a:t>Parser</a:t>
+            </a:r>
+            <a:endParaRPr lang="en-SG" sz="1050" b="1" dirty="0">
+              <a:solidFill>
+                <a:srgbClr val="0070C0"/>
+              </a:solidFill>
+            </a:endParaRPr>
+          </a:p>
+        </p:txBody>
+      </p:sp>
+      <p:sp>
+        <p:nvSpPr>
+          <p:cNvPr id="45" name="Rectangle 44"/>
+          <p:cNvSpPr/>
+          <p:nvPr/>
+        </p:nvSpPr>
+        <p:spPr>
+          <a:xfrm flipH="1">
+            <a:off x="3859363" y="2977582"/>
+            <a:ext cx="1093635" cy="346760"/>
+          </a:xfrm>
+          <a:prstGeom prst="rect">
+            <a:avLst/>
+          </a:prstGeom>
+          <a:ln w="19050">
+            <a:solidFill>
+              <a:srgbClr val="0070C0"/>
+            </a:solidFill>
+          </a:ln>
+          <a:effectLst/>
+        </p:spPr>
+        <p:style>
+          <a:lnRef idx="1">
+            <a:schemeClr val="accent1"/>
+          </a:lnRef>
+          <a:fillRef idx="2">
+            <a:schemeClr val="accent1"/>
+          </a:fillRef>
+          <a:effectRef idx="1">
+            <a:schemeClr val="accent1"/>
+          </a:effectRef>
+          <a:fontRef idx="minor">
+            <a:schemeClr val="dk1"/>
+          </a:fontRef>
+        </p:style>
+        <p:txBody>
+          <a:bodyPr rtlCol="0" anchor="ctr"/>
+          <a:lstStyle/>
+          <a:p>
+            <a:pPr algn="ctr"/>
+            <a:r>
+              <a:rPr lang="en-US" sz="1050" b="1" dirty="0">
+                <a:solidFill>
+                  <a:srgbClr val="0070C0"/>
+                </a:solidFill>
+              </a:rPr>
+              <a:t>…</a:t>
+            </a:r>
+            <a:endParaRPr lang="en-SG" sz="1050" b="1" dirty="0">
+              <a:solidFill>
+                <a:srgbClr val="0070C0"/>
+              </a:solidFill>
+            </a:endParaRPr>
+          </a:p>
+        </p:txBody>
+      </p:sp>
+      <p:sp>
+        <p:nvSpPr>
+          <p:cNvPr id="56" name="Rectangle 62"/>
+          <p:cNvSpPr/>
+          <p:nvPr/>
+        </p:nvSpPr>
+        <p:spPr>
+          <a:xfrm>
+            <a:off x="2409537" y="2219143"/>
+            <a:ext cx="751107" cy="346760"/>
+          </a:xfrm>
+          <a:prstGeom prst="rect">
+            <a:avLst/>
+          </a:prstGeom>
+          <a:solidFill>
+            <a:srgbClr val="0070C0"/>
+          </a:solidFill>
+          <a:ln w="19050">
+            <a:solidFill>
+              <a:srgbClr val="0070C0"/>
+            </a:solidFill>
+          </a:ln>
+          <a:effectLst/>
+        </p:spPr>
+        <p:style>
+          <a:lnRef idx="1">
+            <a:schemeClr val="accent2"/>
+          </a:lnRef>
+          <a:fillRef idx="2">
+            <a:schemeClr val="accent2"/>
+          </a:fillRef>
+          <a:effectRef idx="1">
+            <a:schemeClr val="accent2"/>
+          </a:effectRef>
+          <a:fontRef idx="minor">
+            <a:schemeClr val="dk1"/>
+          </a:fontRef>
+        </p:style>
+        <p:txBody>
+          <a:bodyPr rtlCol="0" anchor="ctr"/>
+          <a:lstStyle/>
+          <a:p>
+            <a:pPr algn="ctr"/>
+            <a:r>
+              <a:rPr lang="en-US" sz="1050" dirty="0" smtClean="0">
+                <a:solidFill>
+                  <a:schemeClr val="bg1"/>
+                </a:solidFill>
+              </a:rPr>
+              <a:t>Argument</a:t>
+            </a:r>
+            <a:br>
+              <a:rPr lang="en-US" sz="1050" dirty="0" smtClean="0">
+                <a:solidFill>
+                  <a:schemeClr val="bg1"/>
+                </a:solidFill>
+              </a:rPr>
+            </a:br>
+            <a:r>
+              <a:rPr lang="en-US" sz="1050" dirty="0" smtClean="0">
+                <a:solidFill>
+                  <a:schemeClr val="bg1"/>
+                </a:solidFill>
+              </a:rPr>
+              <a:t>Tokenizer</a:t>
+            </a:r>
+            <a:endParaRPr lang="en-SG" sz="1050" dirty="0">
+              <a:solidFill>
+                <a:schemeClr val="bg1"/>
+              </a:solidFill>
+            </a:endParaRPr>
+          </a:p>
+        </p:txBody>
+      </p:sp>
+      <p:sp>
+        <p:nvSpPr>
+          <p:cNvPr id="58" name="Rectangle 62"/>
+          <p:cNvSpPr/>
+          <p:nvPr/>
+        </p:nvSpPr>
+        <p:spPr>
+          <a:xfrm>
+            <a:off x="2648137" y="2606322"/>
+            <a:ext cx="510397" cy="346760"/>
+          </a:xfrm>
+          <a:prstGeom prst="rect">
+            <a:avLst/>
+          </a:prstGeom>
+          <a:solidFill>
+            <a:srgbClr val="0070C0"/>
+          </a:solidFill>
+          <a:ln w="19050">
+            <a:solidFill>
+              <a:srgbClr val="0070C0"/>
+            </a:solidFill>
+          </a:ln>
+          <a:effectLst/>
+        </p:spPr>
+        <p:style>
+          <a:lnRef idx="1">
+            <a:schemeClr val="accent2"/>
+          </a:lnRef>
+          <a:fillRef idx="2">
+            <a:schemeClr val="accent2"/>
+          </a:fillRef>
+          <a:effectRef idx="1">
+            <a:schemeClr val="accent2"/>
+          </a:effectRef>
+          <a:fontRef idx="minor">
+            <a:schemeClr val="dk1"/>
+          </a:fontRef>
+        </p:style>
+        <p:txBody>
+          <a:bodyPr rtlCol="0" anchor="ctr"/>
+          <a:lstStyle/>
+          <a:p>
+            <a:pPr algn="ctr"/>
+            <a:r>
+              <a:rPr lang="en-US" sz="1050" dirty="0" smtClean="0">
+                <a:solidFill>
+                  <a:schemeClr val="bg1"/>
+                </a:solidFill>
+              </a:rPr>
+              <a:t>Prefix</a:t>
+            </a:r>
+            <a:endParaRPr lang="en-SG" sz="1050" dirty="0">
+              <a:solidFill>
+                <a:schemeClr val="bg1"/>
+              </a:solidFill>
+            </a:endParaRPr>
+          </a:p>
+        </p:txBody>
+      </p:sp>
+      <p:cxnSp>
+        <p:nvCxnSpPr>
+          <p:cNvPr id="86" name="Straight Arrow Connector 85"/>
+          <p:cNvCxnSpPr>
+            <a:endCxn id="44" idx="3"/>
+          </p:cNvCxnSpPr>
+          <p:nvPr/>
+        </p:nvCxnSpPr>
+        <p:spPr>
+          <a:xfrm flipV="1">
+            <a:off x="3733800" y="2747189"/>
+            <a:ext cx="125565" cy="5354"/>
+          </a:xfrm>
+          <a:prstGeom prst="straightConnector1">
+            <a:avLst/>
+          </a:prstGeom>
+          <a:ln>
+            <a:prstDash val="dash"/>
+            <a:headEnd type="none" w="med" len="med"/>
+            <a:tailEnd type="arrow" w="med" len="med"/>
+          </a:ln>
+        </p:spPr>
+        <p:style>
+          <a:lnRef idx="1">
+            <a:schemeClr val="accent1"/>
+          </a:lnRef>
+          <a:fillRef idx="0">
+            <a:schemeClr val="accent1"/>
+          </a:fillRef>
+          <a:effectRef idx="0">
+            <a:schemeClr val="accent1"/>
+          </a:effectRef>
+          <a:fontRef idx="minor">
+            <a:schemeClr val="tx1"/>
+          </a:fontRef>
+        </p:style>
+      </p:cxnSp>
+      <p:cxnSp>
+        <p:nvCxnSpPr>
+          <p:cNvPr id="94" name="Straight Arrow Connector 93"/>
+          <p:cNvCxnSpPr/>
+          <p:nvPr/>
+        </p:nvCxnSpPr>
+        <p:spPr>
+          <a:xfrm>
+            <a:off x="3733800" y="3178011"/>
+            <a:ext cx="125563" cy="0"/>
+          </a:xfrm>
+          <a:prstGeom prst="straightConnector1">
+            <a:avLst/>
+          </a:prstGeom>
+          <a:ln>
+            <a:prstDash val="dash"/>
+            <a:headEnd type="none" w="med" len="med"/>
+            <a:tailEnd type="arrow" w="med" len="med"/>
+          </a:ln>
+        </p:spPr>
+        <p:style>
+          <a:lnRef idx="1">
+            <a:schemeClr val="accent1"/>
+          </a:lnRef>
+          <a:fillRef idx="0">
+            <a:schemeClr val="accent1"/>
+          </a:fillRef>
+          <a:effectRef idx="0">
+            <a:schemeClr val="accent1"/>
+          </a:effectRef>
+          <a:fontRef idx="minor">
+            <a:schemeClr val="tx1"/>
+          </a:fontRef>
+        </p:style>
+      </p:cxnSp>
+      <p:cxnSp>
+        <p:nvCxnSpPr>
+          <p:cNvPr id="104" name="Straight Connector 103"/>
+          <p:cNvCxnSpPr/>
+          <p:nvPr/>
+        </p:nvCxnSpPr>
+        <p:spPr>
+          <a:xfrm flipV="1">
+            <a:off x="3733800" y="2295343"/>
+            <a:ext cx="0" cy="1653103"/>
+          </a:xfrm>
+          <a:prstGeom prst="line">
+            <a:avLst/>
+          </a:prstGeom>
+          <a:ln>
+            <a:prstDash val="dash"/>
+          </a:ln>
+        </p:spPr>
+        <p:style>
+          <a:lnRef idx="1">
+            <a:schemeClr val="accent1"/>
+          </a:lnRef>
+          <a:fillRef idx="0">
+            <a:schemeClr val="accent1"/>
+          </a:fillRef>
+          <a:effectRef idx="0">
+            <a:schemeClr val="accent1"/>
+          </a:effectRef>
+          <a:fontRef idx="minor">
+            <a:schemeClr val="tx1"/>
+          </a:fontRef>
+        </p:style>
+      </p:cxnSp>
+      <p:cxnSp>
+        <p:nvCxnSpPr>
+          <p:cNvPr id="107" name="Straight Connector 106"/>
+          <p:cNvCxnSpPr>
+            <a:endCxn id="16" idx="3"/>
+          </p:cNvCxnSpPr>
+          <p:nvPr/>
+        </p:nvCxnSpPr>
+        <p:spPr>
+          <a:xfrm flipH="1">
+            <a:off x="3684189" y="3948444"/>
+            <a:ext cx="49611" cy="438"/>
+          </a:xfrm>
+          <a:prstGeom prst="line">
+            <a:avLst/>
+          </a:prstGeom>
+          <a:ln>
+            <a:prstDash val="dash"/>
+          </a:ln>
+        </p:spPr>
+        <p:style>
+          <a:lnRef idx="1">
+            <a:schemeClr val="accent1"/>
+          </a:lnRef>
+          <a:fillRef idx="0">
+            <a:schemeClr val="accent1"/>
+          </a:fillRef>
+          <a:effectRef idx="0">
+            <a:schemeClr val="accent1"/>
+          </a:effectRef>
+          <a:fontRef idx="minor">
+            <a:schemeClr val="tx1"/>
+          </a:fontRef>
+        </p:style>
+      </p:cxnSp>
+      <p:cxnSp>
+        <p:nvCxnSpPr>
+          <p:cNvPr id="109" name="Straight Arrow Connector 108"/>
+          <p:cNvCxnSpPr/>
+          <p:nvPr/>
+        </p:nvCxnSpPr>
+        <p:spPr>
+          <a:xfrm>
+            <a:off x="3733800" y="2295343"/>
+            <a:ext cx="125563" cy="0"/>
+          </a:xfrm>
+          <a:prstGeom prst="straightConnector1">
+            <a:avLst/>
+          </a:prstGeom>
+          <a:ln>
+            <a:prstDash val="dash"/>
+            <a:headEnd type="none" w="med" len="med"/>
+            <a:tailEnd type="arrow" w="med" len="med"/>
+          </a:ln>
+        </p:spPr>
+        <p:style>
+          <a:lnRef idx="1">
+            <a:schemeClr val="accent1"/>
+          </a:lnRef>
+          <a:fillRef idx="0">
+            <a:schemeClr val="accent1"/>
+          </a:fillRef>
+          <a:effectRef idx="0">
+            <a:schemeClr val="accent1"/>
+          </a:effectRef>
+          <a:fontRef idx="minor">
+            <a:schemeClr val="tx1"/>
+          </a:fontRef>
+        </p:style>
+      </p:cxnSp>
+      <p:cxnSp>
+        <p:nvCxnSpPr>
+          <p:cNvPr id="117" name="Straight Arrow Connector 116"/>
+          <p:cNvCxnSpPr>
+            <a:stCxn id="12" idx="3"/>
+          </p:cNvCxnSpPr>
+          <p:nvPr/>
+        </p:nvCxnSpPr>
+        <p:spPr>
+          <a:xfrm flipV="1">
+            <a:off x="5587728" y="3940289"/>
+            <a:ext cx="1651272" cy="8155"/>
+          </a:xfrm>
+          <a:prstGeom prst="straightConnector1">
+            <a:avLst/>
+          </a:prstGeom>
+          <a:ln w="19050">
+            <a:headEnd type="triangle" w="med" len="med"/>
+            <a:tailEnd type="none" w="med" len="med"/>
+          </a:ln>
+        </p:spPr>
+        <p:style>
+          <a:lnRef idx="1">
+            <a:schemeClr val="accent1"/>
+          </a:lnRef>
+          <a:fillRef idx="0">
+            <a:schemeClr val="accent1"/>
+          </a:fillRef>
+          <a:effectRef idx="0">
+            <a:schemeClr val="accent1"/>
+          </a:effectRef>
+          <a:fontRef idx="minor">
+            <a:schemeClr val="tx1"/>
+          </a:fontRef>
+        </p:style>
+      </p:cxnSp>
+      <p:cxnSp>
+        <p:nvCxnSpPr>
+          <p:cNvPr id="119" name="Straight Connector 118"/>
+          <p:cNvCxnSpPr/>
+          <p:nvPr/>
+        </p:nvCxnSpPr>
+        <p:spPr>
+          <a:xfrm flipV="1">
+            <a:off x="7239000" y="2322547"/>
+            <a:ext cx="0" cy="1617744"/>
+          </a:xfrm>
+          <a:prstGeom prst="line">
+            <a:avLst/>
+          </a:prstGeom>
+          <a:ln w="19050"/>
+        </p:spPr>
+        <p:style>
+          <a:lnRef idx="1">
+            <a:schemeClr val="accent1"/>
+          </a:lnRef>
+          <a:fillRef idx="0">
+            <a:schemeClr val="accent1"/>
+          </a:fillRef>
+          <a:effectRef idx="0">
+            <a:schemeClr val="accent1"/>
+          </a:effectRef>
+          <a:fontRef idx="minor">
+            <a:schemeClr val="tx1"/>
+          </a:fontRef>
+        </p:style>
+      </p:cxnSp>
+      <p:cxnSp>
+        <p:nvCxnSpPr>
+          <p:cNvPr id="123" name="Straight Connector 122"/>
+          <p:cNvCxnSpPr>
+            <a:stCxn id="4" idx="1"/>
+          </p:cNvCxnSpPr>
+          <p:nvPr/>
+        </p:nvCxnSpPr>
+        <p:spPr>
+          <a:xfrm>
+            <a:off x="7037235" y="2322547"/>
+            <a:ext cx="201765" cy="0"/>
+          </a:xfrm>
+          <a:prstGeom prst="line">
+            <a:avLst/>
+          </a:prstGeom>
+        </p:spPr>
+        <p:style>
+          <a:lnRef idx="1">
+            <a:schemeClr val="accent1"/>
+          </a:lnRef>
+          <a:fillRef idx="0">
+            <a:schemeClr val="accent1"/>
+          </a:fillRef>
+          <a:effectRef idx="0">
+            <a:schemeClr val="accent1"/>
+          </a:effectRef>
+          <a:fontRef idx="minor">
+            <a:schemeClr val="tx1"/>
+          </a:fontRef>
+        </p:style>
+      </p:cxnSp>
+      <p:cxnSp>
+        <p:nvCxnSpPr>
+          <p:cNvPr id="125" name="Straight Connector 124"/>
+          <p:cNvCxnSpPr>
+            <a:stCxn id="10" idx="1"/>
+          </p:cNvCxnSpPr>
+          <p:nvPr/>
+        </p:nvCxnSpPr>
+        <p:spPr>
+          <a:xfrm>
+            <a:off x="7043373" y="2728300"/>
+            <a:ext cx="195627" cy="0"/>
+          </a:xfrm>
+          <a:prstGeom prst="line">
+            <a:avLst/>
+          </a:prstGeom>
+        </p:spPr>
+        <p:style>
+          <a:lnRef idx="1">
+            <a:schemeClr val="accent1"/>
+          </a:lnRef>
+          <a:fillRef idx="0">
+            <a:schemeClr val="accent1"/>
+          </a:fillRef>
+          <a:effectRef idx="0">
+            <a:schemeClr val="accent1"/>
+          </a:effectRef>
+          <a:fontRef idx="minor">
+            <a:schemeClr val="tx1"/>
+          </a:fontRef>
+        </p:style>
+      </p:cxnSp>
+      <p:cxnSp>
+        <p:nvCxnSpPr>
+          <p:cNvPr id="127" name="Straight Connector 126"/>
+          <p:cNvCxnSpPr>
+            <a:stCxn id="37" idx="1"/>
+          </p:cNvCxnSpPr>
+          <p:nvPr/>
+        </p:nvCxnSpPr>
+        <p:spPr>
+          <a:xfrm>
+            <a:off x="7043373" y="3129517"/>
+            <a:ext cx="195627" cy="0"/>
+          </a:xfrm>
+          <a:prstGeom prst="line">
+            <a:avLst/>
+          </a:prstGeom>
+        </p:spPr>
+        <p:style>
+          <a:lnRef idx="1">
+            <a:schemeClr val="accent1"/>
+          </a:lnRef>
+          <a:fillRef idx="0">
+            <a:schemeClr val="accent1"/>
+          </a:fillRef>
+          <a:effectRef idx="0">
+            <a:schemeClr val="accent1"/>
+          </a:effectRef>
+          <a:fontRef idx="minor">
+            <a:schemeClr val="tx1"/>
+          </a:fontRef>
+        </p:style>
+      </p:cxnSp>
+      <p:cxnSp>
+        <p:nvCxnSpPr>
+          <p:cNvPr id="133" name="Straight Connector 132"/>
+          <p:cNvCxnSpPr>
+            <a:stCxn id="11" idx="1"/>
+          </p:cNvCxnSpPr>
+          <p:nvPr/>
+        </p:nvCxnSpPr>
+        <p:spPr>
+          <a:xfrm>
+            <a:off x="7043373" y="3569763"/>
+            <a:ext cx="195627" cy="0"/>
+          </a:xfrm>
+          <a:prstGeom prst="line">
+            <a:avLst/>
+          </a:prstGeom>
+        </p:spPr>
+        <p:style>
+          <a:lnRef idx="1">
+            <a:schemeClr val="accent1"/>
+          </a:lnRef>
+          <a:fillRef idx="0">
+            <a:schemeClr val="accent1"/>
+          </a:fillRef>
+          <a:effectRef idx="0">
+            <a:schemeClr val="accent1"/>
+          </a:effectRef>
+          <a:fontRef idx="minor">
+            <a:schemeClr val="tx1"/>
+          </a:fontRef>
+        </p:style>
+      </p:cxnSp>
+      <p:cxnSp>
+        <p:nvCxnSpPr>
+          <p:cNvPr id="152" name="Straight Connector 151"/>
+          <p:cNvCxnSpPr>
+            <a:stCxn id="44" idx="1"/>
+          </p:cNvCxnSpPr>
+          <p:nvPr/>
+        </p:nvCxnSpPr>
+        <p:spPr>
+          <a:xfrm>
+            <a:off x="4953000" y="2747189"/>
+            <a:ext cx="990600" cy="0"/>
+          </a:xfrm>
+          <a:prstGeom prst="line">
+            <a:avLst/>
+          </a:prstGeom>
+          <a:ln>
+            <a:prstDash val="dash"/>
+            <a:headEnd type="none" w="med" len="med"/>
+            <a:tailEnd type="arrow" w="med" len="med"/>
+          </a:ln>
+        </p:spPr>
+        <p:style>
+          <a:lnRef idx="1">
+            <a:schemeClr val="accent1"/>
+          </a:lnRef>
+          <a:fillRef idx="0">
+            <a:schemeClr val="accent1"/>
+          </a:fillRef>
+          <a:effectRef idx="0">
+            <a:schemeClr val="accent1"/>
+          </a:effectRef>
+          <a:fontRef idx="minor">
+            <a:schemeClr val="tx1"/>
+          </a:fontRef>
+        </p:style>
+      </p:cxnSp>
+      <p:cxnSp>
+        <p:nvCxnSpPr>
+          <p:cNvPr id="153" name="Straight Connector 152"/>
+          <p:cNvCxnSpPr/>
+          <p:nvPr/>
+        </p:nvCxnSpPr>
+        <p:spPr>
+          <a:xfrm>
+            <a:off x="4953000" y="2371543"/>
+            <a:ext cx="990600" cy="0"/>
+          </a:xfrm>
+          <a:prstGeom prst="line">
+            <a:avLst/>
+          </a:prstGeom>
+          <a:ln>
+            <a:prstDash val="dash"/>
+            <a:headEnd type="none" w="med" len="med"/>
+            <a:tailEnd type="arrow" w="med" len="med"/>
+          </a:ln>
+        </p:spPr>
+        <p:style>
+          <a:lnRef idx="1">
+            <a:schemeClr val="accent1"/>
+          </a:lnRef>
+          <a:fillRef idx="0">
+            <a:schemeClr val="accent1"/>
+          </a:fillRef>
+          <a:effectRef idx="0">
+            <a:schemeClr val="accent1"/>
+          </a:effectRef>
+          <a:fontRef idx="minor">
+            <a:schemeClr val="tx1"/>
+          </a:fontRef>
+        </p:style>
+      </p:cxnSp>
       <p:grpSp>
         <p:nvGrpSpPr>
-          <p:cNvPr id="41" name="Group 40"/>
+          <p:cNvPr id="161" name="Group 160"/>
           <p:cNvGrpSpPr/>
           <p:nvPr/>
         </p:nvGrpSpPr>
         <p:grpSpPr>
-          <a:xfrm>
-            <a:off x="4038600" y="3962400"/>
-            <a:ext cx="685800" cy="230832"/>
-            <a:chOff x="2797314" y="807932"/>
-            <a:chExt cx="685800" cy="230832"/>
+          <a:xfrm rot="5400000">
+            <a:off x="5365168" y="1962201"/>
+            <a:ext cx="254462" cy="555486"/>
+            <a:chOff x="3949242" y="712012"/>
+            <a:chExt cx="254462" cy="503902"/>
           </a:xfrm>
         </p:grpSpPr>
         <p:sp>
           <p:nvSpPr>
-            <p:cNvPr id="42" name="TextBox 41"/>
+            <p:cNvPr id="162" name="TextBox 161"/>
             <p:cNvSpPr txBox="1"/>
             <p:nvPr/>
           </p:nvSpPr>
           <p:spPr>
-            <a:xfrm>
-              <a:off x="2797314" y="807932"/>
-              <a:ext cx="555487" cy="230832"/>
+            <a:xfrm rot="16200000">
+              <a:off x="3824522" y="836732"/>
+              <a:ext cx="503902" cy="254462"/>
             </a:xfrm>
             <a:prstGeom prst="rect">
               <a:avLst/>
@@ -4981,7 +5661,6 @@
             </a:bodyPr>
             <a:lstStyle/>
             <a:p>
-              <a:pPr algn="r"/>
               <a:r>
                 <a:rPr lang="en-US" sz="1100" dirty="0" smtClean="0">
                   <a:solidFill>
@@ -5000,14 +5679,14 @@
         </p:sp>
         <p:sp>
           <p:nvSpPr>
-            <p:cNvPr id="43" name="Isosceles Triangle 42"/>
+            <p:cNvPr id="163" name="Isosceles Triangle 162"/>
             <p:cNvSpPr/>
             <p:nvPr/>
           </p:nvSpPr>
           <p:spPr>
-            <a:xfrm rot="5400000">
-              <a:off x="3382038" y="866776"/>
-              <a:ext cx="125951" cy="76201"/>
+            <a:xfrm rot="10800000" flipV="1">
+              <a:off x="3979474" y="751200"/>
+              <a:ext cx="132157" cy="79956"/>
             </a:xfrm>
             <a:prstGeom prst="triangle">
               <a:avLst/>
@@ -5045,102 +5724,126 @@
           </p:txBody>
         </p:sp>
       </p:grpSp>
-      <p:sp>
-        <p:nvSpPr>
-          <p:cNvPr id="44" name="Rectangle 11"/>
+      <p:grpSp>
+        <p:nvGrpSpPr>
+          <p:cNvPr id="164" name="Group 163"/>
+          <p:cNvGrpSpPr/>
+          <p:nvPr/>
+        </p:nvGrpSpPr>
+        <p:grpSpPr>
+          <a:xfrm rot="5400000">
+            <a:off x="5386226" y="2347569"/>
+            <a:ext cx="254462" cy="555486"/>
+            <a:chOff x="3949242" y="712012"/>
+            <a:chExt cx="254462" cy="503902"/>
+          </a:xfrm>
+        </p:grpSpPr>
+        <p:sp>
+          <p:nvSpPr>
+            <p:cNvPr id="165" name="TextBox 164"/>
+            <p:cNvSpPr txBox="1"/>
+            <p:nvPr/>
+          </p:nvSpPr>
+          <p:spPr>
+            <a:xfrm rot="16200000">
+              <a:off x="3824522" y="836732"/>
+              <a:ext cx="503902" cy="254462"/>
+            </a:xfrm>
+            <a:prstGeom prst="rect">
+              <a:avLst/>
+            </a:prstGeom>
+            <a:noFill/>
+          </p:spPr>
+          <p:txBody>
+            <a:bodyPr wrap="square" lIns="0" tIns="0" rIns="0" bIns="0" rtlCol="0">
+              <a:noAutofit/>
+            </a:bodyPr>
+            <a:lstStyle/>
+            <a:p>
+              <a:r>
+                <a:rPr lang="en-US" sz="1100" dirty="0" smtClean="0">
+                  <a:solidFill>
+                    <a:srgbClr val="0070C0"/>
+                  </a:solidFill>
+                </a:rPr>
+                <a:t>creates</a:t>
+              </a:r>
+              <a:endParaRPr lang="en-SG" sz="1100" dirty="0">
+                <a:solidFill>
+                  <a:srgbClr val="0070C0"/>
+                </a:solidFill>
+              </a:endParaRPr>
+            </a:p>
+          </p:txBody>
+        </p:sp>
+        <p:sp>
+          <p:nvSpPr>
+            <p:cNvPr id="166" name="Isosceles Triangle 165"/>
+            <p:cNvSpPr/>
+            <p:nvPr/>
+          </p:nvSpPr>
+          <p:spPr>
+            <a:xfrm rot="10800000" flipV="1">
+              <a:off x="3979474" y="751200"/>
+              <a:ext cx="132157" cy="79956"/>
+            </a:xfrm>
+            <a:prstGeom prst="triangle">
+              <a:avLst/>
+            </a:prstGeom>
+            <a:solidFill>
+              <a:srgbClr val="0070C0"/>
+            </a:solidFill>
+            <a:ln>
+              <a:noFill/>
+            </a:ln>
+          </p:spPr>
+          <p:style>
+            <a:lnRef idx="2">
+              <a:schemeClr val="accent1">
+                <a:shade val="50000"/>
+              </a:schemeClr>
+            </a:lnRef>
+            <a:fillRef idx="1">
+              <a:schemeClr val="accent1"/>
+            </a:fillRef>
+            <a:effectRef idx="0">
+              <a:schemeClr val="accent1"/>
+            </a:effectRef>
+            <a:fontRef idx="minor">
+              <a:schemeClr val="lt1"/>
+            </a:fontRef>
+          </p:style>
+          <p:txBody>
+            <a:bodyPr rtlCol="0" anchor="ctr"/>
+            <a:lstStyle/>
+            <a:p>
+              <a:pPr algn="ctr"/>
+              <a:endParaRPr lang="en-SG"/>
+            </a:p>
+          </p:txBody>
+        </p:sp>
+      </p:grpSp>
+      <p:sp>
+        <p:nvSpPr>
+          <p:cNvPr id="60" name="Rectangle 62"/>
           <p:cNvSpPr/>
           <p:nvPr/>
         </p:nvSpPr>
         <p:spPr>
-          <a:xfrm flipH="1">
-            <a:off x="6185390" y="3458098"/>
-            <a:ext cx="1093635" cy="346760"/>
+          <a:xfrm>
+            <a:off x="2659828" y="3015383"/>
+            <a:ext cx="731636" cy="283820"/>
           </a:xfrm>
           <a:prstGeom prst="rect">
             <a:avLst/>
           </a:prstGeom>
+          <a:solidFill>
+            <a:srgbClr val="0070C0"/>
+          </a:solidFill>
           <a:ln w="19050">
             <a:solidFill>
               <a:srgbClr val="0070C0"/>
             </a:solidFill>
-          </a:ln>
-          <a:effectLst/>
-        </p:spPr>
-        <p:style>
-          <a:lnRef idx="1">
-            <a:schemeClr val="accent1"/>
-          </a:lnRef>
-          <a:fillRef idx="2">
-            <a:schemeClr val="accent1"/>
-          </a:fillRef>
-          <a:effectRef idx="1">
-            <a:schemeClr val="accent1"/>
-          </a:effectRef>
-          <a:fontRef idx="minor">
-            <a:schemeClr val="dk1"/>
-          </a:fontRef>
-        </p:style>
-        <p:txBody>
-          <a:bodyPr rtlCol="0" anchor="ctr"/>
-          <a:lstStyle/>
-          <a:p>
-            <a:pPr algn="ctr"/>
-            <a:r>
-              <a:rPr lang="en-US" sz="1050" b="1" dirty="0" smtClean="0">
-                <a:solidFill>
-                  <a:srgbClr val="0070C0"/>
-                </a:solidFill>
-              </a:rPr>
-              <a:t>Incorrect</a:t>
-            </a:r>
-            <a:br>
-              <a:rPr lang="en-US" sz="1050" b="1" dirty="0" smtClean="0">
-                <a:solidFill>
-                  <a:srgbClr val="0070C0"/>
-                </a:solidFill>
-              </a:rPr>
-            </a:br>
-            <a:r>
-              <a:rPr lang="en-US" sz="1050" b="1" dirty="0" smtClean="0">
-                <a:solidFill>
-                  <a:srgbClr val="0070C0"/>
-                </a:solidFill>
-              </a:rPr>
-              <a:t>Command</a:t>
-            </a:r>
-            <a:endParaRPr lang="en-SG" sz="1050" b="1" dirty="0">
-              <a:solidFill>
-                <a:srgbClr val="0070C0"/>
-              </a:solidFill>
-            </a:endParaRPr>
-          </a:p>
-        </p:txBody>
-      </p:sp>
-      <p:cxnSp>
-        <p:nvCxnSpPr>
-          <p:cNvPr id="45" name="Elbow Connector 63"/>
-          <p:cNvCxnSpPr>
-            <a:stCxn id="8" idx="3"/>
-            <a:endCxn id="44" idx="3"/>
-          </p:cNvCxnSpPr>
-          <p:nvPr/>
-        </p:nvCxnSpPr>
-        <p:spPr>
-          <a:xfrm flipV="1">
-            <a:off x="5786402" y="3631478"/>
-            <a:ext cx="398988" cy="269496"/>
-          </a:xfrm>
-          <a:prstGeom prst="bentConnector3">
-            <a:avLst>
-              <a:gd name="adj1" fmla="val 50000"/>
-            </a:avLst>
-          </a:prstGeom>
-          <a:ln w="19050">
-            <a:solidFill>
-              <a:srgbClr val="0070C0"/>
-            </a:solidFill>
-            <a:headEnd type="none" w="med" len="med"/>
-            <a:tailEnd type="none" w="med" len="med"/>
           </a:ln>
           <a:effectLst/>
         </p:spPr>
@@ -5158,30 +5861,48 @@
             <a:schemeClr val="dk1"/>
           </a:fontRef>
         </p:style>
-      </p:cxnSp>
-      <p:cxnSp>
-        <p:nvCxnSpPr>
-          <p:cNvPr id="46" name="Elbow Connector 122"/>
-          <p:cNvCxnSpPr/>
+        <p:txBody>
+          <a:bodyPr rtlCol="0" anchor="ctr"/>
+          <a:lstStyle/>
+          <a:p>
+            <a:pPr algn="ctr"/>
+            <a:r>
+              <a:rPr lang="en-SG" sz="1050" dirty="0" err="1" smtClean="0">
+                <a:solidFill>
+                  <a:schemeClr val="bg1"/>
+                </a:solidFill>
+              </a:rPr>
+              <a:t>CliSyntax</a:t>
+            </a:r>
+            <a:endParaRPr lang="en-SG" sz="1050" dirty="0">
+              <a:solidFill>
+                <a:schemeClr val="bg1"/>
+              </a:solidFill>
+            </a:endParaRPr>
+          </a:p>
+        </p:txBody>
+      </p:sp>
+      <p:sp>
+        <p:nvSpPr>
+          <p:cNvPr id="62" name="Rectangle 62"/>
+          <p:cNvSpPr/>
           <p:nvPr/>
-        </p:nvCxnSpPr>
-        <p:spPr>
-          <a:xfrm rot="5400000" flipH="1" flipV="1">
-            <a:off x="1807196" y="3315772"/>
-            <a:ext cx="882304" cy="12700"/>
-          </a:xfrm>
-          <a:prstGeom prst="bentConnector3">
-            <a:avLst>
-              <a:gd name="adj1" fmla="val 50000"/>
-            </a:avLst>
+        </p:nvSpPr>
+        <p:spPr>
+          <a:xfrm>
+            <a:off x="2659250" y="3364540"/>
+            <a:ext cx="731636" cy="283820"/>
+          </a:xfrm>
+          <a:prstGeom prst="rect">
+            <a:avLst/>
           </a:prstGeom>
+          <a:solidFill>
+            <a:srgbClr val="0070C0"/>
+          </a:solidFill>
           <a:ln w="19050">
             <a:solidFill>
               <a:srgbClr val="0070C0"/>
             </a:solidFill>
-            <a:prstDash val="sysDot"/>
-            <a:headEnd type="none" w="med" len="med"/>
-            <a:tailEnd type="arrow" w="med" len="med"/>
           </a:ln>
           <a:effectLst/>
         </p:spPr>
@@ -5199,72 +5920,18 @@
             <a:schemeClr val="dk1"/>
           </a:fontRef>
         </p:style>
-      </p:cxnSp>
-      <p:sp>
-        <p:nvSpPr>
-          <p:cNvPr id="47" name="Rectangle 62"/>
-          <p:cNvSpPr/>
-          <p:nvPr/>
-        </p:nvSpPr>
-        <p:spPr>
-          <a:xfrm>
-            <a:off x="3048000" y="3183650"/>
-            <a:ext cx="751107" cy="346760"/>
-          </a:xfrm>
-          <a:prstGeom prst="rect">
-            <a:avLst/>
-          </a:prstGeom>
-          <a:solidFill>
-            <a:srgbClr val="0070C0"/>
-          </a:solidFill>
-          <a:ln w="19050">
-            <a:solidFill>
-              <a:srgbClr val="0070C0"/>
-            </a:solidFill>
-          </a:ln>
-          <a:effectLst/>
-        </p:spPr>
-        <p:style>
-          <a:lnRef idx="1">
-            <a:schemeClr val="accent2"/>
-          </a:lnRef>
-          <a:fillRef idx="2">
-            <a:schemeClr val="accent2"/>
-          </a:fillRef>
-          <a:effectRef idx="1">
-            <a:schemeClr val="accent2"/>
-          </a:effectRef>
-          <a:fontRef idx="minor">
-            <a:schemeClr val="dk1"/>
-          </a:fontRef>
-        </p:style>
         <p:txBody>
           <a:bodyPr rtlCol="0" anchor="ctr"/>
           <a:lstStyle/>
           <a:p>
             <a:pPr algn="ctr"/>
             <a:r>
-              <a:rPr lang="en-US" sz="1050" dirty="0" smtClean="0">
+              <a:rPr lang="en-SG" sz="1050" dirty="0" err="1" smtClean="0">
                 <a:solidFill>
                   <a:schemeClr val="bg1"/>
                 </a:solidFill>
               </a:rPr>
-              <a:t>Argument</a:t>
-            </a:r>
-            <a:br>
-              <a:rPr lang="en-US" sz="1050" dirty="0" smtClean="0">
-                <a:solidFill>
-                  <a:schemeClr val="bg1"/>
-                </a:solidFill>
-              </a:rPr>
-            </a:br>
-            <a:r>
-              <a:rPr lang="en-US" sz="1050" dirty="0" smtClean="0">
-                <a:solidFill>
-                  <a:schemeClr val="bg1"/>
-                </a:solidFill>
-              </a:rPr>
-              <a:t>Tokenizer</a:t>
+              <a:t>ParserUtil</a:t>
             </a:r>
             <a:endParaRPr lang="en-SG" sz="1050" dirty="0">
               <a:solidFill>
@@ -5276,200 +5943,424 @@
       </p:sp>
       <p:cxnSp>
         <p:nvCxnSpPr>
-          <p:cNvPr id="48" name="Straight Arrow Connector 110"/>
+          <p:cNvPr id="22" name="Straight Connector 21"/>
           <p:cNvCxnSpPr/>
           <p:nvPr/>
         </p:nvCxnSpPr>
         <p:spPr>
           <a:xfrm flipV="1">
-            <a:off x="3581400" y="3511872"/>
-            <a:ext cx="0" cy="245052"/>
-          </a:xfrm>
-          <a:prstGeom prst="straightConnector1">
+            <a:off x="3505200" y="2209023"/>
+            <a:ext cx="0" cy="1262106"/>
+          </a:xfrm>
+          <a:prstGeom prst="line">
             <a:avLst/>
           </a:prstGeom>
-          <a:ln w="19050">
-            <a:solidFill>
-              <a:srgbClr val="0070C0"/>
-            </a:solidFill>
-            <a:prstDash val="sysDot"/>
-            <a:headEnd type="none" w="med" len="med"/>
-            <a:tailEnd type="arrow" w="med" len="med"/>
+          <a:ln>
+            <a:prstDash val="sysDash"/>
           </a:ln>
-          <a:effectLst/>
         </p:spPr>
         <p:style>
           <a:lnRef idx="1">
-            <a:schemeClr val="accent2"/>
+            <a:schemeClr val="accent1"/>
           </a:lnRef>
-          <a:fillRef idx="2">
-            <a:schemeClr val="accent2"/>
+          <a:fillRef idx="0">
+            <a:schemeClr val="accent1"/>
           </a:fillRef>
-          <a:effectRef idx="1">
-            <a:schemeClr val="accent2"/>
+          <a:effectRef idx="0">
+            <a:schemeClr val="accent1"/>
           </a:effectRef>
           <a:fontRef idx="minor">
-            <a:schemeClr val="dk1"/>
-          </a:fontRef>
-        </p:style>
-      </p:cxnSp>
-      <p:sp>
-        <p:nvSpPr>
-          <p:cNvPr id="49" name="Rectangle 62"/>
-          <p:cNvSpPr/>
-          <p:nvPr/>
-        </p:nvSpPr>
-        <p:spPr>
-          <a:xfrm>
-            <a:off x="3990437" y="3188061"/>
-            <a:ext cx="510397" cy="346760"/>
-          </a:xfrm>
-          <a:prstGeom prst="rect">
-            <a:avLst/>
-          </a:prstGeom>
-          <a:solidFill>
-            <a:srgbClr val="0070C0"/>
-          </a:solidFill>
-          <a:ln w="19050">
-            <a:solidFill>
-              <a:srgbClr val="0070C0"/>
-            </a:solidFill>
-          </a:ln>
-          <a:effectLst/>
-        </p:spPr>
-        <p:style>
-          <a:lnRef idx="1">
-            <a:schemeClr val="accent2"/>
-          </a:lnRef>
-          <a:fillRef idx="2">
-            <a:schemeClr val="accent2"/>
-          </a:fillRef>
-          <a:effectRef idx="1">
-            <a:schemeClr val="accent2"/>
-          </a:effectRef>
-          <a:fontRef idx="minor">
-            <a:schemeClr val="dk1"/>
-          </a:fontRef>
-        </p:style>
-        <p:txBody>
-          <a:bodyPr rtlCol="0" anchor="ctr"/>
-          <a:lstStyle/>
-          <a:p>
-            <a:pPr algn="ctr"/>
-            <a:r>
-              <a:rPr lang="en-US" sz="1050" dirty="0" smtClean="0">
-                <a:solidFill>
-                  <a:schemeClr val="bg1"/>
-                </a:solidFill>
-              </a:rPr>
-              <a:t>Prefix</a:t>
-            </a:r>
-            <a:endParaRPr lang="en-SG" sz="1050" dirty="0">
-              <a:solidFill>
-                <a:schemeClr val="bg1"/>
-              </a:solidFill>
-            </a:endParaRPr>
-          </a:p>
-        </p:txBody>
-      </p:sp>
-      <p:cxnSp>
-        <p:nvCxnSpPr>
-          <p:cNvPr id="50" name="Straight Arrow Connector 110"/>
-          <p:cNvCxnSpPr>
-            <a:stCxn id="47" idx="3"/>
-            <a:endCxn id="49" idx="1"/>
-          </p:cNvCxnSpPr>
-          <p:nvPr/>
-        </p:nvCxnSpPr>
-        <p:spPr>
-          <a:xfrm>
-            <a:off x="3799107" y="3357030"/>
-            <a:ext cx="191330" cy="4411"/>
-          </a:xfrm>
-          <a:prstGeom prst="straightConnector1">
-            <a:avLst/>
-          </a:prstGeom>
-          <a:ln w="19050">
-            <a:solidFill>
-              <a:srgbClr val="0070C0"/>
-            </a:solidFill>
-            <a:prstDash val="sysDot"/>
-            <a:headEnd type="none" w="med" len="med"/>
-            <a:tailEnd type="arrow" w="med" len="med"/>
-          </a:ln>
-          <a:effectLst/>
-        </p:spPr>
-        <p:style>
-          <a:lnRef idx="1">
-            <a:schemeClr val="accent2"/>
-          </a:lnRef>
-          <a:fillRef idx="2">
-            <a:schemeClr val="accent2"/>
-          </a:fillRef>
-          <a:effectRef idx="1">
-            <a:schemeClr val="accent2"/>
-          </a:effectRef>
-          <a:fontRef idx="minor">
-            <a:schemeClr val="dk1"/>
+            <a:schemeClr val="tx1"/>
           </a:fontRef>
         </p:style>
       </p:cxnSp>
       <p:cxnSp>
         <p:nvCxnSpPr>
-          <p:cNvPr id="52" name="Straight Arrow Connector 110"/>
+          <p:cNvPr id="75" name="Straight Connector 74"/>
           <p:cNvCxnSpPr/>
           <p:nvPr/>
         </p:nvCxnSpPr>
         <p:spPr>
-          <a:xfrm flipV="1">
-            <a:off x="4049717" y="3530410"/>
-            <a:ext cx="0" cy="245052"/>
+          <a:xfrm flipH="1">
+            <a:off x="3505200" y="2209023"/>
+            <a:ext cx="344016" cy="0"/>
+          </a:xfrm>
+          <a:prstGeom prst="line">
+            <a:avLst/>
+          </a:prstGeom>
+          <a:ln>
+            <a:prstDash val="sysDash"/>
+          </a:ln>
+        </p:spPr>
+        <p:style>
+          <a:lnRef idx="1">
+            <a:schemeClr val="accent1"/>
+          </a:lnRef>
+          <a:fillRef idx="0">
+            <a:schemeClr val="accent1"/>
+          </a:fillRef>
+          <a:effectRef idx="0">
+            <a:schemeClr val="accent1"/>
+          </a:effectRef>
+          <a:fontRef idx="minor">
+            <a:schemeClr val="tx1"/>
+          </a:fontRef>
+        </p:style>
+      </p:cxnSp>
+      <p:cxnSp>
+        <p:nvCxnSpPr>
+          <p:cNvPr id="79" name="Straight Connector 78"/>
+          <p:cNvCxnSpPr/>
+          <p:nvPr/>
+        </p:nvCxnSpPr>
+        <p:spPr>
+          <a:xfrm flipH="1">
+            <a:off x="3505200" y="2632378"/>
+            <a:ext cx="354163" cy="0"/>
+          </a:xfrm>
+          <a:prstGeom prst="line">
+            <a:avLst/>
+          </a:prstGeom>
+          <a:ln>
+            <a:prstDash val="sysDash"/>
+          </a:ln>
+        </p:spPr>
+        <p:style>
+          <a:lnRef idx="1">
+            <a:schemeClr val="accent1"/>
+          </a:lnRef>
+          <a:fillRef idx="0">
+            <a:schemeClr val="accent1"/>
+          </a:fillRef>
+          <a:effectRef idx="0">
+            <a:schemeClr val="accent1"/>
+          </a:effectRef>
+          <a:fontRef idx="minor">
+            <a:schemeClr val="tx1"/>
+          </a:fontRef>
+        </p:style>
+      </p:cxnSp>
+      <p:cxnSp>
+        <p:nvCxnSpPr>
+          <p:cNvPr id="85" name="Straight Connector 84"/>
+          <p:cNvCxnSpPr/>
+          <p:nvPr/>
+        </p:nvCxnSpPr>
+        <p:spPr>
+          <a:xfrm flipH="1">
+            <a:off x="3505200" y="3015383"/>
+            <a:ext cx="344016" cy="0"/>
+          </a:xfrm>
+          <a:prstGeom prst="line">
+            <a:avLst/>
+          </a:prstGeom>
+          <a:ln>
+            <a:prstDash val="sysDash"/>
+          </a:ln>
+        </p:spPr>
+        <p:style>
+          <a:lnRef idx="1">
+            <a:schemeClr val="accent1"/>
+          </a:lnRef>
+          <a:fillRef idx="0">
+            <a:schemeClr val="accent1"/>
+          </a:fillRef>
+          <a:effectRef idx="0">
+            <a:schemeClr val="accent1"/>
+          </a:effectRef>
+          <a:fontRef idx="minor">
+            <a:schemeClr val="tx1"/>
+          </a:fontRef>
+        </p:style>
+      </p:cxnSp>
+      <p:cxnSp>
+        <p:nvCxnSpPr>
+          <p:cNvPr id="100" name="Straight Arrow Connector 99"/>
+          <p:cNvCxnSpPr/>
+          <p:nvPr/>
+        </p:nvCxnSpPr>
+        <p:spPr>
+          <a:xfrm flipH="1">
+            <a:off x="3390886" y="3178011"/>
+            <a:ext cx="114314" cy="0"/>
           </a:xfrm>
           <a:prstGeom prst="straightConnector1">
             <a:avLst/>
           </a:prstGeom>
-          <a:ln w="19050">
-            <a:solidFill>
-              <a:srgbClr val="0070C0"/>
-            </a:solidFill>
+          <a:ln>
             <a:prstDash val="sysDot"/>
             <a:headEnd type="none" w="med" len="med"/>
             <a:tailEnd type="arrow" w="med" len="med"/>
           </a:ln>
-          <a:effectLst/>
         </p:spPr>
         <p:style>
           <a:lnRef idx="1">
-            <a:schemeClr val="accent2"/>
+            <a:schemeClr val="accent1"/>
           </a:lnRef>
-          <a:fillRef idx="2">
-            <a:schemeClr val="accent2"/>
+          <a:fillRef idx="0">
+            <a:schemeClr val="accent1"/>
           </a:fillRef>
-          <a:effectRef idx="1">
-            <a:schemeClr val="accent2"/>
+          <a:effectRef idx="0">
+            <a:schemeClr val="accent1"/>
           </a:effectRef>
           <a:fontRef idx="minor">
-            <a:schemeClr val="dk1"/>
+            <a:schemeClr val="tx1"/>
           </a:fontRef>
         </p:style>
       </p:cxnSp>
+      <p:cxnSp>
+        <p:nvCxnSpPr>
+          <p:cNvPr id="105" name="Straight Arrow Connector 104"/>
+          <p:cNvCxnSpPr/>
+          <p:nvPr/>
+        </p:nvCxnSpPr>
+        <p:spPr>
+          <a:xfrm flipH="1">
+            <a:off x="3390886" y="3471128"/>
+            <a:ext cx="114314" cy="0"/>
+          </a:xfrm>
+          <a:prstGeom prst="straightConnector1">
+            <a:avLst/>
+          </a:prstGeom>
+          <a:ln>
+            <a:prstDash val="sysDot"/>
+            <a:headEnd type="none" w="med" len="med"/>
+            <a:tailEnd type="arrow" w="med" len="med"/>
+          </a:ln>
+        </p:spPr>
+        <p:style>
+          <a:lnRef idx="1">
+            <a:schemeClr val="accent1"/>
+          </a:lnRef>
+          <a:fillRef idx="0">
+            <a:schemeClr val="accent1"/>
+          </a:fillRef>
+          <a:effectRef idx="0">
+            <a:schemeClr val="accent1"/>
+          </a:effectRef>
+          <a:fontRef idx="minor">
+            <a:schemeClr val="tx1"/>
+          </a:fontRef>
+        </p:style>
+      </p:cxnSp>
+      <p:cxnSp>
+        <p:nvCxnSpPr>
+          <p:cNvPr id="13" name="Elbow Connector 12"/>
+          <p:cNvCxnSpPr>
+            <a:endCxn id="58" idx="3"/>
+          </p:cNvCxnSpPr>
+          <p:nvPr/>
+        </p:nvCxnSpPr>
+        <p:spPr>
+          <a:xfrm rot="16200000" flipV="1">
+            <a:off x="3128310" y="2809926"/>
+            <a:ext cx="234836" cy="174388"/>
+          </a:xfrm>
+          <a:prstGeom prst="bentConnector2">
+            <a:avLst/>
+          </a:prstGeom>
+          <a:ln>
+            <a:prstDash val="sysDash"/>
+            <a:headEnd type="none" w="med" len="med"/>
+            <a:tailEnd type="arrow" w="med" len="med"/>
+          </a:ln>
+        </p:spPr>
+        <p:style>
+          <a:lnRef idx="1">
+            <a:schemeClr val="accent1"/>
+          </a:lnRef>
+          <a:fillRef idx="0">
+            <a:schemeClr val="accent1"/>
+          </a:fillRef>
+          <a:effectRef idx="0">
+            <a:schemeClr val="accent1"/>
+          </a:effectRef>
+          <a:fontRef idx="minor">
+            <a:schemeClr val="tx1"/>
+          </a:fontRef>
+        </p:style>
+      </p:cxnSp>
+      <p:cxnSp>
+        <p:nvCxnSpPr>
+          <p:cNvPr id="47" name="Straight Connector 46"/>
+          <p:cNvCxnSpPr/>
+          <p:nvPr/>
+        </p:nvCxnSpPr>
+        <p:spPr>
+          <a:xfrm>
+            <a:off x="3158534" y="2447743"/>
+            <a:ext cx="346666" cy="0"/>
+          </a:xfrm>
+          <a:prstGeom prst="line">
+            <a:avLst/>
+          </a:prstGeom>
+          <a:ln>
+            <a:prstDash val="sysDash"/>
+            <a:headEnd type="arrow" w="med" len="med"/>
+            <a:tailEnd type="none" w="med" len="med"/>
+          </a:ln>
+        </p:spPr>
+        <p:style>
+          <a:lnRef idx="1">
+            <a:schemeClr val="accent1"/>
+          </a:lnRef>
+          <a:fillRef idx="0">
+            <a:schemeClr val="accent1"/>
+          </a:fillRef>
+          <a:effectRef idx="0">
+            <a:schemeClr val="accent1"/>
+          </a:effectRef>
+          <a:fontRef idx="minor">
+            <a:schemeClr val="tx1"/>
+          </a:fontRef>
+        </p:style>
+      </p:cxnSp>
+      <p:cxnSp>
+        <p:nvCxnSpPr>
+          <p:cNvPr id="50" name="Elbow Connector 49"/>
+          <p:cNvCxnSpPr>
+            <a:endCxn id="58" idx="1"/>
+          </p:cNvCxnSpPr>
+          <p:nvPr/>
+        </p:nvCxnSpPr>
+        <p:spPr>
+          <a:xfrm rot="16200000" flipH="1">
+            <a:off x="2478422" y="2609986"/>
+            <a:ext cx="205893" cy="133537"/>
+          </a:xfrm>
+          <a:prstGeom prst="bentConnector2">
+            <a:avLst/>
+          </a:prstGeom>
+          <a:ln>
+            <a:prstDash val="sysDash"/>
+            <a:headEnd type="none" w="med" len="med"/>
+            <a:tailEnd type="arrow" w="med" len="med"/>
+          </a:ln>
+        </p:spPr>
+        <p:style>
+          <a:lnRef idx="1">
+            <a:schemeClr val="accent1"/>
+          </a:lnRef>
+          <a:fillRef idx="0">
+            <a:schemeClr val="accent1"/>
+          </a:fillRef>
+          <a:effectRef idx="0">
+            <a:schemeClr val="accent1"/>
+          </a:effectRef>
+          <a:fontRef idx="minor">
+            <a:schemeClr val="tx1"/>
+          </a:fontRef>
+        </p:style>
+      </p:cxnSp>
+      <p:grpSp>
+        <p:nvGrpSpPr>
+          <p:cNvPr id="68" name="Group 67"/>
+          <p:cNvGrpSpPr/>
+          <p:nvPr/>
+        </p:nvGrpSpPr>
+        <p:grpSpPr>
+          <a:xfrm rot="5400000">
+            <a:off x="3583288" y="3481226"/>
+            <a:ext cx="555486" cy="254462"/>
+            <a:chOff x="3798139" y="875689"/>
+            <a:chExt cx="555486" cy="230832"/>
+          </a:xfrm>
+        </p:grpSpPr>
+        <p:sp>
+          <p:nvSpPr>
+            <p:cNvPr id="69" name="TextBox 68"/>
+            <p:cNvSpPr txBox="1"/>
+            <p:nvPr/>
+          </p:nvSpPr>
+          <p:spPr>
+            <a:xfrm rot="10800000">
+              <a:off x="3798139" y="875689"/>
+              <a:ext cx="555486" cy="230832"/>
+            </a:xfrm>
+            <a:prstGeom prst="rect">
+              <a:avLst/>
+            </a:prstGeom>
+            <a:noFill/>
+          </p:spPr>
+          <p:txBody>
+            <a:bodyPr wrap="square" lIns="0" tIns="0" rIns="0" bIns="0" rtlCol="0">
+              <a:noAutofit/>
+            </a:bodyPr>
+            <a:lstStyle/>
+            <a:p>
+              <a:r>
+                <a:rPr lang="en-US" sz="1100" dirty="0" smtClean="0">
+                  <a:solidFill>
+                    <a:srgbClr val="0070C0"/>
+                  </a:solidFill>
+                </a:rPr>
+                <a:t>creates</a:t>
+              </a:r>
+              <a:endParaRPr lang="en-SG" sz="1100" dirty="0">
+                <a:solidFill>
+                  <a:srgbClr val="0070C0"/>
+                </a:solidFill>
+              </a:endParaRPr>
+            </a:p>
+          </p:txBody>
+        </p:sp>
+        <p:sp>
+          <p:nvSpPr>
+            <p:cNvPr id="70" name="Isosceles Triangle 69"/>
+            <p:cNvSpPr/>
+            <p:nvPr/>
+          </p:nvSpPr>
+          <p:spPr>
+            <a:xfrm rot="5400000" flipV="1">
+              <a:off x="3822835" y="964974"/>
+              <a:ext cx="119885" cy="88141"/>
+            </a:xfrm>
+            <a:prstGeom prst="triangle">
+              <a:avLst/>
+            </a:prstGeom>
+            <a:solidFill>
+              <a:srgbClr val="0070C0"/>
+            </a:solidFill>
+            <a:ln>
+              <a:noFill/>
+            </a:ln>
+          </p:spPr>
+          <p:style>
+            <a:lnRef idx="2">
+              <a:schemeClr val="accent1">
+                <a:shade val="50000"/>
+              </a:schemeClr>
+            </a:lnRef>
+            <a:fillRef idx="1">
+              <a:schemeClr val="accent1"/>
+            </a:fillRef>
+            <a:effectRef idx="0">
+              <a:schemeClr val="accent1"/>
+            </a:effectRef>
+            <a:fontRef idx="minor">
+              <a:schemeClr val="lt1"/>
+            </a:fontRef>
+          </p:style>
+          <p:txBody>
+            <a:bodyPr rtlCol="0" anchor="ctr"/>
+            <a:lstStyle/>
+            <a:p>
+              <a:pPr algn="ctr"/>
+              <a:endParaRPr lang="en-SG"/>
+            </a:p>
+          </p:txBody>
+        </p:sp>
+      </p:grpSp>
     </p:spTree>
     <p:extLst>
       <p:ext uri="{BB962C8B-B14F-4D97-AF65-F5344CB8AC3E}">
-        <p14:creationId xmlns:p14="http://schemas.microsoft.com/office/powerpoint/2010/main" val="599777654"/>
+        <p14:creationId xmlns:p14="http://schemas.microsoft.com/office/powerpoint/2010/main" val="211586602"/>
       </p:ext>
     </p:extLst>
   </p:cSld>
   <p:clrMapOvr>
     <a:masterClrMapping/>
   </p:clrMapOvr>
-  <p:timing>
-    <p:tnLst>
-      <p:par>
-        <p:cTn id="1" dur="indefinite" restart="never" nodeType="tmRoot"/>
-      </p:par>
-    </p:tnLst>
-  </p:timing>
 </p:sld>
 </file>
 

--- a/docs/diagrams/LogicComponentClassDiagram.pptx
+++ b/docs/diagrams/LogicComponentClassDiagram.pptx
@@ -8,7 +8,7 @@
     <p:notesMasterId r:id="rId3"/>
   </p:notesMasterIdLst>
   <p:sldIdLst>
-    <p:sldId id="261" r:id="rId2"/>
+    <p:sldId id="262" r:id="rId2"/>
   </p:sldIdLst>
   <p:sldSz cx="9144000" cy="6858000" type="screen4x3"/>
   <p:notesSz cx="6858000" cy="9144000"/>
@@ -107,6 +107,22 @@
       </a:defRPr>
     </a:lvl9pPr>
   </p:defaultTextStyle>
+  <p:extLst>
+    <p:ext uri="{EFAFB233-063F-42B5-8137-9DF3F51BA10A}">
+      <p15:sldGuideLst xmlns:p15="http://schemas.microsoft.com/office/powerpoint/2012/main">
+        <p15:guide id="1" orient="horz" pos="1488">
+          <p15:clr>
+            <a:srgbClr val="A4A3A4"/>
+          </p15:clr>
+        </p15:guide>
+        <p15:guide id="2" pos="2880">
+          <p15:clr>
+            <a:srgbClr val="A4A3A4"/>
+          </p15:clr>
+        </p15:guide>
+      </p15:sldGuideLst>
+    </p:ext>
+  </p:extLst>
 </p:presentation>
 </file>
 
@@ -192,7 +208,7 @@
           <a:p>
             <a:fld id="{F5CC4B3F-88C1-4FFA-B1B6-F41C21DC6924}" type="datetimeFigureOut">
               <a:rPr lang="en-US" smtClean="0"/>
-              <a:t>10/16/2016</a:t>
+              <a:t>2/2/2017</a:t>
             </a:fld>
             <a:endParaRPr lang="en-US"/>
           </a:p>
@@ -641,7 +657,7 @@
           <a:p>
             <a:fld id="{78C97017-6FC3-485B-9764-EAC9E56C1D49}" type="datetimeFigureOut">
               <a:rPr lang="en-US" smtClean="0"/>
-              <a:t>10/16/2016</a:t>
+              <a:t>2/2/2017</a:t>
             </a:fld>
             <a:endParaRPr lang="en-US"/>
           </a:p>
@@ -811,7 +827,7 @@
           <a:p>
             <a:fld id="{78C97017-6FC3-485B-9764-EAC9E56C1D49}" type="datetimeFigureOut">
               <a:rPr lang="en-US" smtClean="0"/>
-              <a:t>10/16/2016</a:t>
+              <a:t>2/2/2017</a:t>
             </a:fld>
             <a:endParaRPr lang="en-US"/>
           </a:p>
@@ -991,7 +1007,7 @@
           <a:p>
             <a:fld id="{78C97017-6FC3-485B-9764-EAC9E56C1D49}" type="datetimeFigureOut">
               <a:rPr lang="en-US" smtClean="0"/>
-              <a:t>10/16/2016</a:t>
+              <a:t>2/2/2017</a:t>
             </a:fld>
             <a:endParaRPr lang="en-US"/>
           </a:p>
@@ -1161,7 +1177,7 @@
           <a:p>
             <a:fld id="{78C97017-6FC3-485B-9764-EAC9E56C1D49}" type="datetimeFigureOut">
               <a:rPr lang="en-US" smtClean="0"/>
-              <a:t>10/16/2016</a:t>
+              <a:t>2/2/2017</a:t>
             </a:fld>
             <a:endParaRPr lang="en-US"/>
           </a:p>
@@ -1407,7 +1423,7 @@
           <a:p>
             <a:fld id="{78C97017-6FC3-485B-9764-EAC9E56C1D49}" type="datetimeFigureOut">
               <a:rPr lang="en-US" smtClean="0"/>
-              <a:t>10/16/2016</a:t>
+              <a:t>2/2/2017</a:t>
             </a:fld>
             <a:endParaRPr lang="en-US"/>
           </a:p>
@@ -1695,7 +1711,7 @@
           <a:p>
             <a:fld id="{78C97017-6FC3-485B-9764-EAC9E56C1D49}" type="datetimeFigureOut">
               <a:rPr lang="en-US" smtClean="0"/>
-              <a:t>10/16/2016</a:t>
+              <a:t>2/2/2017</a:t>
             </a:fld>
             <a:endParaRPr lang="en-US"/>
           </a:p>
@@ -2117,7 +2133,7 @@
           <a:p>
             <a:fld id="{78C97017-6FC3-485B-9764-EAC9E56C1D49}" type="datetimeFigureOut">
               <a:rPr lang="en-US" smtClean="0"/>
-              <a:t>10/16/2016</a:t>
+              <a:t>2/2/2017</a:t>
             </a:fld>
             <a:endParaRPr lang="en-US"/>
           </a:p>
@@ -2235,7 +2251,7 @@
           <a:p>
             <a:fld id="{78C97017-6FC3-485B-9764-EAC9E56C1D49}" type="datetimeFigureOut">
               <a:rPr lang="en-US" smtClean="0"/>
-              <a:t>10/16/2016</a:t>
+              <a:t>2/2/2017</a:t>
             </a:fld>
             <a:endParaRPr lang="en-US"/>
           </a:p>
@@ -2330,7 +2346,7 @@
           <a:p>
             <a:fld id="{78C97017-6FC3-485B-9764-EAC9E56C1D49}" type="datetimeFigureOut">
               <a:rPr lang="en-US" smtClean="0"/>
-              <a:t>10/16/2016</a:t>
+              <a:t>2/2/2017</a:t>
             </a:fld>
             <a:endParaRPr lang="en-US"/>
           </a:p>
@@ -2607,7 +2623,7 @@
           <a:p>
             <a:fld id="{78C97017-6FC3-485B-9764-EAC9E56C1D49}" type="datetimeFigureOut">
               <a:rPr lang="en-US" smtClean="0"/>
-              <a:t>10/16/2016</a:t>
+              <a:t>2/2/2017</a:t>
             </a:fld>
             <a:endParaRPr lang="en-US"/>
           </a:p>
@@ -2860,7 +2876,7 @@
           <a:p>
             <a:fld id="{78C97017-6FC3-485B-9764-EAC9E56C1D49}" type="datetimeFigureOut">
               <a:rPr lang="en-US" smtClean="0"/>
-              <a:t>10/16/2016</a:t>
+              <a:t>2/2/2017</a:t>
             </a:fld>
             <a:endParaRPr lang="en-US"/>
           </a:p>
@@ -3073,7 +3089,7 @@
           <a:p>
             <a:fld id="{78C97017-6FC3-485B-9764-EAC9E56C1D49}" type="datetimeFigureOut">
               <a:rPr lang="en-US" smtClean="0"/>
-              <a:t>10/16/2016</a:t>
+              <a:t>2/2/2017</a:t>
             </a:fld>
             <a:endParaRPr lang="en-US"/>
           </a:p>
@@ -3450,14 +3466,14 @@
       </p:grpSpPr>
       <p:sp>
         <p:nvSpPr>
-          <p:cNvPr id="3" name="Rectangle 65"/>
+          <p:cNvPr id="2" name="Rectangle 65"/>
           <p:cNvSpPr/>
           <p:nvPr/>
         </p:nvSpPr>
         <p:spPr>
           <a:xfrm>
-            <a:off x="1103085" y="2057399"/>
-            <a:ext cx="6288315" cy="2272167"/>
+            <a:off x="1066800" y="914400"/>
+            <a:ext cx="7467600" cy="3733800"/>
           </a:xfrm>
           <a:prstGeom prst="roundRect">
             <a:avLst>
@@ -3494,7 +3510,7 @@
           <a:lstStyle/>
           <a:p>
             <a:r>
-              <a:rPr lang="en-US" sz="1200" b="1" dirty="0" smtClean="0">
+              <a:rPr lang="en-US" sz="1200" b="1" dirty="0">
                 <a:solidFill>
                   <a:srgbClr val="0070C0"/>
                 </a:solidFill>
@@ -3511,13 +3527,13 @@
       </p:sp>
       <p:sp>
         <p:nvSpPr>
-          <p:cNvPr id="4" name="Rectangle 8"/>
+          <p:cNvPr id="3" name="Rectangle 8"/>
           <p:cNvSpPr/>
           <p:nvPr/>
         </p:nvSpPr>
         <p:spPr>
           <a:xfrm>
-            <a:off x="2095948" y="2548840"/>
+            <a:off x="2095948" y="1253067"/>
             <a:ext cx="1093635" cy="346760"/>
           </a:xfrm>
           <a:prstGeom prst="rect">
@@ -3570,13 +3586,13 @@
       </p:sp>
       <p:sp>
         <p:nvSpPr>
-          <p:cNvPr id="5" name="Rectangle 11"/>
+          <p:cNvPr id="4" name="Rectangle 11"/>
           <p:cNvSpPr/>
           <p:nvPr/>
         </p:nvSpPr>
         <p:spPr>
           <a:xfrm flipH="1">
-            <a:off x="6180592" y="2648528"/>
+            <a:off x="6520227" y="2149167"/>
             <a:ext cx="1093635" cy="346760"/>
           </a:xfrm>
           <a:prstGeom prst="rect">
@@ -3609,7 +3625,7 @@
           <a:p>
             <a:pPr algn="ctr"/>
             <a:r>
-              <a:rPr lang="en-US" sz="1050" b="1" dirty="0" err="1">
+              <a:rPr lang="en-US" sz="1050" b="1" dirty="0" err="1" smtClean="0">
                 <a:solidFill>
                   <a:srgbClr val="0070C0"/>
                 </a:solidFill>
@@ -3626,13 +3642,13 @@
       </p:sp>
       <p:sp>
         <p:nvSpPr>
-          <p:cNvPr id="6" name="Rectangle 62"/>
+          <p:cNvPr id="5" name="Rectangle 62"/>
           <p:cNvSpPr/>
           <p:nvPr/>
         </p:nvSpPr>
         <p:spPr>
           <a:xfrm>
-            <a:off x="2015218" y="3763620"/>
+            <a:off x="1780785" y="3772963"/>
             <a:ext cx="1093635" cy="346760"/>
           </a:xfrm>
           <a:prstGeom prst="rect">
@@ -3668,7 +3684,7 @@
           <a:p>
             <a:pPr algn="ctr"/>
             <a:r>
-              <a:rPr lang="en-US" sz="1050" dirty="0" err="1" smtClean="0">
+              <a:rPr lang="en-US" sz="1050" dirty="0" err="1">
                 <a:solidFill>
                   <a:schemeClr val="bg1"/>
                 </a:solidFill>
@@ -3685,20 +3701,21 @@
       </p:sp>
       <p:cxnSp>
         <p:nvCxnSpPr>
-          <p:cNvPr id="7" name="Elbow Connector 63"/>
+          <p:cNvPr id="6" name="Elbow Connector 63"/>
           <p:cNvCxnSpPr>
-            <a:endCxn id="4" idx="3"/>
+            <a:stCxn id="12" idx="3"/>
+            <a:endCxn id="3" idx="3"/>
           </p:cNvCxnSpPr>
           <p:nvPr/>
         </p:nvCxnSpPr>
         <p:spPr>
-          <a:xfrm rot="10800000">
-            <a:off x="3189584" y="2722220"/>
-            <a:ext cx="2296817" cy="1187104"/>
+          <a:xfrm flipH="1" flipV="1">
+            <a:off x="3189583" y="1426447"/>
+            <a:ext cx="5020699" cy="2895973"/>
           </a:xfrm>
           <a:prstGeom prst="bentConnector3">
             <a:avLst>
-              <a:gd name="adj1" fmla="val -267"/>
+              <a:gd name="adj1" fmla="val -2713"/>
             </a:avLst>
           </a:prstGeom>
           <a:ln w="19050">
@@ -3726,18 +3743,121 @@
           </a:fontRef>
         </p:style>
       </p:cxnSp>
-      <p:sp>
-        <p:nvSpPr>
-          <p:cNvPr id="8" name="Isosceles Triangle 102"/>
+      <p:cxnSp>
+        <p:nvCxnSpPr>
+          <p:cNvPr id="8" name="Elbow Connector 122"/>
+          <p:cNvCxnSpPr>
+            <a:endCxn id="3" idx="1"/>
+          </p:cNvCxnSpPr>
+          <p:nvPr/>
+        </p:nvCxnSpPr>
+        <p:spPr>
+          <a:xfrm>
+            <a:off x="1676400" y="1423587"/>
+            <a:ext cx="419548" cy="2860"/>
+          </a:xfrm>
+          <a:prstGeom prst="bentConnector3">
+            <a:avLst>
+              <a:gd name="adj1" fmla="val 50000"/>
+            </a:avLst>
+          </a:prstGeom>
+          <a:ln w="19050">
+            <a:solidFill>
+              <a:srgbClr val="0070C0"/>
+            </a:solidFill>
+            <a:prstDash val="sysDot"/>
+            <a:headEnd type="none" w="med" len="med"/>
+            <a:tailEnd type="arrow" w="med" len="med"/>
+          </a:ln>
+          <a:effectLst/>
+        </p:spPr>
+        <p:style>
+          <a:lnRef idx="1">
+            <a:schemeClr val="accent2"/>
+          </a:lnRef>
+          <a:fillRef idx="2">
+            <a:schemeClr val="accent2"/>
+          </a:fillRef>
+          <a:effectRef idx="1">
+            <a:schemeClr val="accent2"/>
+          </a:effectRef>
+          <a:fontRef idx="minor">
+            <a:schemeClr val="dk1"/>
+          </a:fontRef>
+        </p:style>
+      </p:cxnSp>
+      <p:sp>
+        <p:nvSpPr>
+          <p:cNvPr id="9" name="Rectangle 65"/>
           <p:cNvSpPr/>
           <p:nvPr/>
         </p:nvSpPr>
         <p:spPr>
-          <a:xfrm rot="5400000" flipV="1">
-            <a:off x="5563388" y="3813212"/>
-            <a:ext cx="270504" cy="175523"/>
-          </a:xfrm>
-          <a:prstGeom prst="triangle">
+          <a:xfrm>
+            <a:off x="1103085" y="4777355"/>
+            <a:ext cx="7431315" cy="328045"/>
+          </a:xfrm>
+          <a:prstGeom prst="roundRect">
+            <a:avLst/>
+          </a:prstGeom>
+          <a:solidFill>
+            <a:schemeClr val="accent4">
+              <a:lumMod val="20000"/>
+              <a:lumOff val="80000"/>
+            </a:schemeClr>
+          </a:solidFill>
+          <a:ln w="19050">
+            <a:noFill/>
+          </a:ln>
+          <a:effectLst/>
+        </p:spPr>
+        <p:style>
+          <a:lnRef idx="1">
+            <a:schemeClr val="accent2"/>
+          </a:lnRef>
+          <a:fillRef idx="2">
+            <a:schemeClr val="accent2"/>
+          </a:fillRef>
+          <a:effectRef idx="1">
+            <a:schemeClr val="accent2"/>
+          </a:effectRef>
+          <a:fontRef idx="minor">
+            <a:schemeClr val="dk1"/>
+          </a:fontRef>
+        </p:style>
+        <p:txBody>
+          <a:bodyPr rtlCol="0" anchor="ctr"/>
+          <a:lstStyle/>
+          <a:p>
+            <a:pPr algn="ctr"/>
+            <a:r>
+              <a:rPr lang="en-US" sz="1100" b="1" dirty="0">
+                <a:solidFill>
+                  <a:schemeClr val="bg1"/>
+                </a:solidFill>
+              </a:rPr>
+              <a:t>Model</a:t>
+            </a:r>
+            <a:endParaRPr lang="en-SG" sz="1100" b="1" dirty="0">
+              <a:solidFill>
+                <a:schemeClr val="bg1"/>
+              </a:solidFill>
+            </a:endParaRPr>
+          </a:p>
+        </p:txBody>
+      </p:sp>
+      <p:sp>
+        <p:nvSpPr>
+          <p:cNvPr id="10" name="Rectangle 11"/>
+          <p:cNvSpPr/>
+          <p:nvPr/>
+        </p:nvSpPr>
+        <p:spPr>
+          <a:xfrm flipH="1">
+            <a:off x="6526365" y="2554920"/>
+            <a:ext cx="1093635" cy="346760"/>
+          </a:xfrm>
+          <a:prstGeom prst="rect">
             <a:avLst/>
           </a:prstGeom>
           <a:ln w="19050">
@@ -3766,126 +3886,31 @@
           <a:lstStyle/>
           <a:p>
             <a:pPr algn="ctr"/>
-            <a:endParaRPr lang="en-SG" sz="1050" b="1">
+            <a:r>
+              <a:rPr lang="en-US" sz="1050" b="1" dirty="0" err="1" smtClean="0">
+                <a:solidFill>
+                  <a:srgbClr val="0070C0"/>
+                </a:solidFill>
+              </a:rPr>
+              <a:t>FindCommand</a:t>
+            </a:r>
+            <a:endParaRPr lang="en-SG" sz="1050" b="1" dirty="0">
               <a:solidFill>
-                <a:srgbClr val="92D050"/>
+                <a:srgbClr val="0070C0"/>
               </a:solidFill>
             </a:endParaRPr>
           </a:p>
         </p:txBody>
       </p:sp>
-      <p:cxnSp>
-        <p:nvCxnSpPr>
-          <p:cNvPr id="9" name="Elbow Connector 122"/>
-          <p:cNvCxnSpPr>
-            <a:endCxn id="4" idx="1"/>
-          </p:cNvCxnSpPr>
-          <p:nvPr/>
-        </p:nvCxnSpPr>
-        <p:spPr>
-          <a:xfrm>
-            <a:off x="1676400" y="2719360"/>
-            <a:ext cx="419548" cy="2860"/>
-          </a:xfrm>
-          <a:prstGeom prst="bentConnector3">
-            <a:avLst>
-              <a:gd name="adj1" fmla="val 50000"/>
-            </a:avLst>
-          </a:prstGeom>
-          <a:ln w="19050">
-            <a:solidFill>
-              <a:srgbClr val="0070C0"/>
-            </a:solidFill>
-            <a:prstDash val="sysDot"/>
-            <a:headEnd type="none" w="med" len="med"/>
-            <a:tailEnd type="arrow" w="med" len="med"/>
-          </a:ln>
-          <a:effectLst/>
-        </p:spPr>
-        <p:style>
-          <a:lnRef idx="1">
-            <a:schemeClr val="accent2"/>
-          </a:lnRef>
-          <a:fillRef idx="2">
-            <a:schemeClr val="accent2"/>
-          </a:fillRef>
-          <a:effectRef idx="1">
-            <a:schemeClr val="accent2"/>
-          </a:effectRef>
-          <a:fontRef idx="minor">
-            <a:schemeClr val="dk1"/>
-          </a:fontRef>
-        </p:style>
-      </p:cxnSp>
-      <p:sp>
-        <p:nvSpPr>
-          <p:cNvPr id="10" name="Rectangle 65"/>
+      <p:sp>
+        <p:nvSpPr>
+          <p:cNvPr id="11" name="Rectangle 10"/>
           <p:cNvSpPr/>
           <p:nvPr/>
         </p:nvSpPr>
         <p:spPr>
-          <a:xfrm>
-            <a:off x="1103085" y="4548755"/>
-            <a:ext cx="6288315" cy="328045"/>
-          </a:xfrm>
-          <a:prstGeom prst="roundRect">
-            <a:avLst/>
-          </a:prstGeom>
-          <a:solidFill>
-            <a:schemeClr val="accent4">
-              <a:lumMod val="20000"/>
-              <a:lumOff val="80000"/>
-            </a:schemeClr>
-          </a:solidFill>
-          <a:ln w="19050">
-            <a:noFill/>
-          </a:ln>
-          <a:effectLst/>
-        </p:spPr>
-        <p:style>
-          <a:lnRef idx="1">
-            <a:schemeClr val="accent2"/>
-          </a:lnRef>
-          <a:fillRef idx="2">
-            <a:schemeClr val="accent2"/>
-          </a:fillRef>
-          <a:effectRef idx="1">
-            <a:schemeClr val="accent2"/>
-          </a:effectRef>
-          <a:fontRef idx="minor">
-            <a:schemeClr val="dk1"/>
-          </a:fontRef>
-        </p:style>
-        <p:txBody>
-          <a:bodyPr rtlCol="0" anchor="ctr"/>
-          <a:lstStyle/>
-          <a:p>
-            <a:pPr algn="ctr"/>
-            <a:r>
-              <a:rPr lang="en-US" sz="1100" b="1" dirty="0">
-                <a:solidFill>
-                  <a:schemeClr val="bg1"/>
-                </a:solidFill>
-              </a:rPr>
-              <a:t>Model</a:t>
-            </a:r>
-            <a:endParaRPr lang="en-SG" sz="1100" b="1" dirty="0">
-              <a:solidFill>
-                <a:schemeClr val="bg1"/>
-              </a:solidFill>
-            </a:endParaRPr>
-          </a:p>
-        </p:txBody>
-      </p:sp>
-      <p:sp>
-        <p:nvSpPr>
-          <p:cNvPr id="11" name="Rectangle 11"/>
-          <p:cNvSpPr/>
-          <p:nvPr/>
-        </p:nvSpPr>
-        <p:spPr>
           <a:xfrm flipH="1">
-            <a:off x="6180592" y="3054928"/>
+            <a:off x="6526365" y="3396383"/>
             <a:ext cx="1093635" cy="346760"/>
           </a:xfrm>
           <a:prstGeom prst="rect">
@@ -3918,12 +3943,27 @@
           <a:p>
             <a:pPr algn="ctr"/>
             <a:r>
-              <a:rPr lang="en-US" sz="1050" b="1" dirty="0" err="1">
+              <a:rPr lang="en-US" sz="1050" b="1" dirty="0" smtClean="0">
                 <a:solidFill>
                   <a:srgbClr val="0070C0"/>
                 </a:solidFill>
               </a:rPr>
-              <a:t>ListCommand</a:t>
+              <a:t>Incorrect</a:t>
+            </a:r>
+            <a:br>
+              <a:rPr lang="en-US" sz="1050" b="1" dirty="0" smtClean="0">
+                <a:solidFill>
+                  <a:srgbClr val="0070C0"/>
+                </a:solidFill>
+              </a:rPr>
+            </a:br>
+            <a:r>
+              <a:rPr lang="en-US" sz="1050" b="1" dirty="0" smtClean="0">
+                <a:solidFill>
+                  <a:srgbClr val="0070C0"/>
+                </a:solidFill>
+              </a:rPr>
+              <a:t>Command</a:t>
             </a:r>
             <a:endParaRPr lang="en-SG" sz="1050" b="1" dirty="0">
               <a:solidFill>
@@ -3935,14 +3975,14 @@
       </p:sp>
       <p:sp>
         <p:nvSpPr>
-          <p:cNvPr id="12" name="Rectangle 11"/>
+          <p:cNvPr id="12" name="Rectangle 62"/>
           <p:cNvSpPr/>
           <p:nvPr/>
         </p:nvSpPr>
         <p:spPr>
-          <a:xfrm flipH="1">
-            <a:off x="6180590" y="3860800"/>
-            <a:ext cx="1093635" cy="346760"/>
+          <a:xfrm>
+            <a:off x="7438239" y="4149040"/>
+            <a:ext cx="772043" cy="346760"/>
           </a:xfrm>
           <a:prstGeom prst="rect">
             <a:avLst/>
@@ -3979,7 +4019,22 @@
                   <a:srgbClr val="0070C0"/>
                 </a:solidFill>
               </a:rPr>
-              <a:t>…</a:t>
+              <a:t>{abstract}</a:t>
+            </a:r>
+            <a:br>
+              <a:rPr lang="en-US" sz="1050" b="1" dirty="0">
+                <a:solidFill>
+                  <a:srgbClr val="0070C0"/>
+                </a:solidFill>
+              </a:rPr>
+            </a:br>
+            <a:r>
+              <a:rPr lang="en-US" sz="1050" b="1" dirty="0">
+                <a:solidFill>
+                  <a:srgbClr val="0070C0"/>
+                </a:solidFill>
+              </a:rPr>
+              <a:t>Command</a:t>
             </a:r>
             <a:endParaRPr lang="en-SG" sz="1050" b="1" dirty="0">
               <a:solidFill>
@@ -3991,237 +4046,33 @@
       </p:sp>
       <p:sp>
         <p:nvSpPr>
-          <p:cNvPr id="14" name="Rectangle 62"/>
+          <p:cNvPr id="16" name="Rectangle 62"/>
           <p:cNvSpPr/>
           <p:nvPr/>
         </p:nvSpPr>
         <p:spPr>
           <a:xfrm>
-            <a:off x="4815685" y="3765721"/>
-            <a:ext cx="772043" cy="346760"/>
-          </a:xfrm>
-          <a:prstGeom prst="rect">
-            <a:avLst/>
-          </a:prstGeom>
-          <a:ln w="19050">
-            <a:solidFill>
-              <a:srgbClr val="0070C0"/>
-            </a:solidFill>
-          </a:ln>
-          <a:effectLst/>
-        </p:spPr>
-        <p:style>
-          <a:lnRef idx="1">
-            <a:schemeClr val="accent1"/>
-          </a:lnRef>
-          <a:fillRef idx="2">
-            <a:schemeClr val="accent1"/>
-          </a:fillRef>
-          <a:effectRef idx="1">
-            <a:schemeClr val="accent1"/>
-          </a:effectRef>
-          <a:fontRef idx="minor">
-            <a:schemeClr val="dk1"/>
-          </a:fontRef>
-        </p:style>
-        <p:txBody>
-          <a:bodyPr rtlCol="0" anchor="ctr"/>
-          <a:lstStyle/>
-          <a:p>
-            <a:pPr algn="ctr"/>
-            <a:r>
-              <a:rPr lang="en-US" sz="1050" b="1" dirty="0" smtClean="0">
-                <a:solidFill>
-                  <a:srgbClr val="0070C0"/>
-                </a:solidFill>
-              </a:rPr>
-              <a:t>{abstract}</a:t>
-            </a:r>
-            <a:br>
-              <a:rPr lang="en-US" sz="1050" b="1" dirty="0" smtClean="0">
-                <a:solidFill>
-                  <a:srgbClr val="0070C0"/>
-                </a:solidFill>
-              </a:rPr>
-            </a:br>
-            <a:r>
-              <a:rPr lang="en-US" sz="1050" b="1" dirty="0" smtClean="0">
-                <a:solidFill>
-                  <a:srgbClr val="0070C0"/>
-                </a:solidFill>
-              </a:rPr>
-              <a:t>Command</a:t>
-            </a:r>
-            <a:endParaRPr lang="en-SG" sz="1050" b="1" dirty="0">
-              <a:solidFill>
-                <a:srgbClr val="0070C0"/>
-              </a:solidFill>
-            </a:endParaRPr>
-          </a:p>
-        </p:txBody>
-      </p:sp>
-      <p:cxnSp>
-        <p:nvCxnSpPr>
-          <p:cNvPr id="15" name="Elbow Connector 63"/>
-          <p:cNvCxnSpPr>
-            <a:stCxn id="5" idx="3"/>
-            <a:endCxn id="8" idx="3"/>
-          </p:cNvCxnSpPr>
-          <p:nvPr/>
-        </p:nvCxnSpPr>
-        <p:spPr>
-          <a:xfrm rot="10800000" flipV="1">
-            <a:off x="5786402" y="2821908"/>
-            <a:ext cx="394190" cy="1079066"/>
-          </a:xfrm>
-          <a:prstGeom prst="bentConnector3">
-            <a:avLst>
-              <a:gd name="adj1" fmla="val 50000"/>
-            </a:avLst>
-          </a:prstGeom>
-          <a:ln w="19050">
-            <a:solidFill>
-              <a:srgbClr val="0070C0"/>
-            </a:solidFill>
-            <a:headEnd type="none" w="med" len="med"/>
-            <a:tailEnd type="none" w="med" len="med"/>
-          </a:ln>
-          <a:effectLst/>
-        </p:spPr>
-        <p:style>
-          <a:lnRef idx="1">
-            <a:schemeClr val="accent2"/>
-          </a:lnRef>
-          <a:fillRef idx="2">
-            <a:schemeClr val="accent2"/>
-          </a:fillRef>
-          <a:effectRef idx="1">
-            <a:schemeClr val="accent2"/>
-          </a:effectRef>
-          <a:fontRef idx="minor">
-            <a:schemeClr val="dk1"/>
-          </a:fontRef>
-        </p:style>
-      </p:cxnSp>
-      <p:cxnSp>
-        <p:nvCxnSpPr>
-          <p:cNvPr id="16" name="Elbow Connector 63"/>
-          <p:cNvCxnSpPr>
-            <a:stCxn id="8" idx="3"/>
-            <a:endCxn id="12" idx="3"/>
-          </p:cNvCxnSpPr>
-          <p:nvPr/>
-        </p:nvCxnSpPr>
-        <p:spPr>
-          <a:xfrm>
-            <a:off x="5786402" y="3900974"/>
-            <a:ext cx="394188" cy="133206"/>
-          </a:xfrm>
-          <a:prstGeom prst="bentConnector3">
-            <a:avLst>
-              <a:gd name="adj1" fmla="val 50000"/>
-            </a:avLst>
-          </a:prstGeom>
-          <a:ln w="19050">
-            <a:solidFill>
-              <a:srgbClr val="0070C0"/>
-            </a:solidFill>
-            <a:headEnd type="none" w="med" len="med"/>
-            <a:tailEnd type="none" w="med" len="med"/>
-          </a:ln>
-          <a:effectLst/>
-        </p:spPr>
-        <p:style>
-          <a:lnRef idx="1">
-            <a:schemeClr val="accent2"/>
-          </a:lnRef>
-          <a:fillRef idx="2">
-            <a:schemeClr val="accent2"/>
-          </a:fillRef>
-          <a:effectRef idx="1">
-            <a:schemeClr val="accent2"/>
-          </a:effectRef>
-          <a:fontRef idx="minor">
-            <a:schemeClr val="dk1"/>
-          </a:fontRef>
-        </p:style>
-      </p:cxnSp>
-      <p:cxnSp>
-        <p:nvCxnSpPr>
-          <p:cNvPr id="17" name="Elbow Connector 63"/>
-          <p:cNvCxnSpPr>
-            <a:stCxn id="8" idx="3"/>
-            <a:endCxn id="11" idx="3"/>
-          </p:cNvCxnSpPr>
-          <p:nvPr/>
-        </p:nvCxnSpPr>
-        <p:spPr>
-          <a:xfrm flipV="1">
-            <a:off x="5786402" y="3228308"/>
-            <a:ext cx="394190" cy="672666"/>
-          </a:xfrm>
-          <a:prstGeom prst="bentConnector3">
-            <a:avLst>
-              <a:gd name="adj1" fmla="val 50000"/>
-            </a:avLst>
-          </a:prstGeom>
-          <a:ln w="19050">
-            <a:solidFill>
-              <a:srgbClr val="0070C0"/>
-            </a:solidFill>
-            <a:headEnd type="none" w="med" len="med"/>
-            <a:tailEnd type="none" w="med" len="med"/>
-          </a:ln>
-          <a:effectLst/>
-        </p:spPr>
-        <p:style>
-          <a:lnRef idx="1">
-            <a:schemeClr val="accent2"/>
-          </a:lnRef>
-          <a:fillRef idx="2">
-            <a:schemeClr val="accent2"/>
-          </a:fillRef>
-          <a:effectRef idx="1">
-            <a:schemeClr val="accent2"/>
-          </a:effectRef>
-          <a:fontRef idx="minor">
-            <a:schemeClr val="dk1"/>
-          </a:fontRef>
-        </p:style>
-      </p:cxnSp>
-      <p:sp>
-        <p:nvSpPr>
-          <p:cNvPr id="18" name="Rectangle 62"/>
-          <p:cNvSpPr/>
-          <p:nvPr/>
-        </p:nvSpPr>
-        <p:spPr>
-          <a:xfrm>
-            <a:off x="3527828" y="3766159"/>
+            <a:off x="3529350" y="3775502"/>
             <a:ext cx="585450" cy="346760"/>
           </a:xfrm>
           <a:prstGeom prst="rect">
             <a:avLst/>
           </a:prstGeom>
           <a:solidFill>
-            <a:srgbClr val="0070C0"/>
+            <a:schemeClr val="accent5"/>
           </a:solidFill>
-          <a:ln w="19050">
-            <a:solidFill>
-              <a:srgbClr val="0070C0"/>
-            </a:solidFill>
-          </a:ln>
+          <a:ln/>
           <a:effectLst/>
         </p:spPr>
         <p:style>
           <a:lnRef idx="1">
-            <a:schemeClr val="accent2"/>
+            <a:schemeClr val="accent5"/>
           </a:lnRef>
           <a:fillRef idx="2">
-            <a:schemeClr val="accent2"/>
+            <a:schemeClr val="accent5"/>
           </a:fillRef>
           <a:effectRef idx="1">
-            <a:schemeClr val="accent2"/>
+            <a:schemeClr val="accent5"/>
           </a:effectRef>
           <a:fontRef idx="minor">
             <a:schemeClr val="dk1"/>
@@ -4250,17 +4101,17 @@
       </p:sp>
       <p:cxnSp>
         <p:nvCxnSpPr>
-          <p:cNvPr id="19" name="Elbow Connector 106"/>
+          <p:cNvPr id="17" name="Elbow Connector 106"/>
           <p:cNvCxnSpPr>
-            <a:stCxn id="6" idx="3"/>
-            <a:endCxn id="18" idx="1"/>
+            <a:stCxn id="5" idx="3"/>
+            <a:endCxn id="16" idx="1"/>
           </p:cNvCxnSpPr>
           <p:nvPr/>
         </p:nvCxnSpPr>
         <p:spPr>
           <a:xfrm>
-            <a:off x="3108853" y="3937000"/>
-            <a:ext cx="418975" cy="2539"/>
+            <a:off x="2874420" y="3946343"/>
+            <a:ext cx="654930" cy="2539"/>
           </a:xfrm>
           <a:prstGeom prst="bentConnector3">
             <a:avLst>
@@ -4294,16 +4145,16 @@
       </p:cxnSp>
       <p:cxnSp>
         <p:nvCxnSpPr>
-          <p:cNvPr id="20" name="Straight Arrow Connector 110"/>
+          <p:cNvPr id="18" name="Straight Arrow Connector 110"/>
           <p:cNvCxnSpPr>
-            <a:stCxn id="14" idx="2"/>
+            <a:stCxn id="12" idx="2"/>
           </p:cNvCxnSpPr>
           <p:nvPr/>
         </p:nvCxnSpPr>
         <p:spPr>
           <a:xfrm>
-            <a:off x="5201707" y="4112481"/>
-            <a:ext cx="1" cy="436274"/>
+            <a:off x="7824261" y="4495800"/>
+            <a:ext cx="0" cy="281555"/>
           </a:xfrm>
           <a:prstGeom prst="straightConnector1">
             <a:avLst/>
@@ -4335,14 +4186,14 @@
       </p:cxnSp>
       <p:sp>
         <p:nvSpPr>
-          <p:cNvPr id="21" name="Rectangle 62"/>
+          <p:cNvPr id="19" name="Rectangle 62"/>
           <p:cNvSpPr/>
           <p:nvPr/>
         </p:nvSpPr>
         <p:spPr>
           <a:xfrm rot="16200000">
-            <a:off x="956202" y="2861202"/>
-            <a:ext cx="1093635" cy="346760"/>
+            <a:off x="398120" y="2150720"/>
+            <a:ext cx="2209800" cy="346760"/>
           </a:xfrm>
           <a:prstGeom prst="rect">
             <a:avLst/>
@@ -4405,13 +4256,13 @@
       </p:sp>
       <p:sp>
         <p:nvSpPr>
-          <p:cNvPr id="22" name="Isosceles Triangle 102"/>
+          <p:cNvPr id="20" name="Isosceles Triangle 102"/>
           <p:cNvSpPr/>
           <p:nvPr/>
         </p:nvSpPr>
         <p:spPr>
           <a:xfrm>
-            <a:off x="1359039" y="3581400"/>
+            <a:off x="1359039" y="3429000"/>
             <a:ext cx="270504" cy="175523"/>
           </a:xfrm>
           <a:prstGeom prst="triangle">
@@ -4459,17 +4310,17 @@
       </p:sp>
       <p:cxnSp>
         <p:nvCxnSpPr>
-          <p:cNvPr id="23" name="Elbow Connector 63"/>
+          <p:cNvPr id="21" name="Elbow Connector 63"/>
           <p:cNvCxnSpPr>
-            <a:stCxn id="6" idx="1"/>
-            <a:endCxn id="22" idx="3"/>
+            <a:stCxn id="5" idx="1"/>
+            <a:endCxn id="20" idx="3"/>
           </p:cNvCxnSpPr>
           <p:nvPr/>
         </p:nvCxnSpPr>
         <p:spPr>
           <a:xfrm rot="10800000">
-            <a:off x="1494292" y="3756924"/>
-            <a:ext cx="520927" cy="180077"/>
+            <a:off x="1494291" y="3604523"/>
+            <a:ext cx="286494" cy="341820"/>
           </a:xfrm>
           <a:prstGeom prst="bentConnector2">
             <a:avLst/>
@@ -4501,58 +4352,14 @@
       </p:cxnSp>
       <p:cxnSp>
         <p:nvCxnSpPr>
-          <p:cNvPr id="24" name="Straight Arrow Connector 54"/>
-          <p:cNvCxnSpPr>
-            <a:stCxn id="18" idx="3"/>
-            <a:endCxn id="14" idx="1"/>
-          </p:cNvCxnSpPr>
+          <p:cNvPr id="23" name="Straight Arrow Connector 57"/>
+          <p:cNvCxnSpPr/>
           <p:nvPr/>
         </p:nvCxnSpPr>
         <p:spPr>
-          <a:xfrm flipV="1">
-            <a:off x="4113278" y="3939101"/>
-            <a:ext cx="702407" cy="438"/>
-          </a:xfrm>
-          <a:prstGeom prst="straightConnector1">
-            <a:avLst/>
-          </a:prstGeom>
-          <a:ln w="19050">
-            <a:solidFill>
-              <a:srgbClr val="0070C0"/>
-            </a:solidFill>
-            <a:prstDash val="sysDot"/>
-            <a:headEnd type="none" w="med" len="med"/>
-            <a:tailEnd type="arrow" w="med" len="med"/>
-          </a:ln>
-          <a:effectLst/>
-        </p:spPr>
-        <p:style>
-          <a:lnRef idx="1">
-            <a:schemeClr val="accent2"/>
-          </a:lnRef>
-          <a:fillRef idx="2">
-            <a:schemeClr val="accent2"/>
-          </a:fillRef>
-          <a:effectRef idx="1">
-            <a:schemeClr val="accent2"/>
-          </a:effectRef>
-          <a:fontRef idx="minor">
-            <a:schemeClr val="dk1"/>
-          </a:fontRef>
-        </p:style>
-      </p:cxnSp>
-      <p:cxnSp>
-        <p:nvCxnSpPr>
-          <p:cNvPr id="25" name="Straight Arrow Connector 57"/>
-          <p:cNvCxnSpPr>
-            <a:stCxn id="6" idx="2"/>
-          </p:cNvCxnSpPr>
-          <p:nvPr/>
-        </p:nvCxnSpPr>
-        <p:spPr>
           <a:xfrm flipH="1">
-            <a:off x="2562035" y="4110380"/>
-            <a:ext cx="1" cy="438375"/>
+            <a:off x="1981201" y="4122262"/>
+            <a:ext cx="1" cy="655093"/>
           </a:xfrm>
           <a:prstGeom prst="straightConnector1">
             <a:avLst/>
@@ -4583,13 +4390,13 @@
       </p:cxnSp>
       <p:cxnSp>
         <p:nvCxnSpPr>
-          <p:cNvPr id="28" name="Elbow Connector 122"/>
+          <p:cNvPr id="24" name="Elbow Connector 122"/>
           <p:cNvCxnSpPr/>
           <p:nvPr/>
         </p:nvCxnSpPr>
         <p:spPr>
           <a:xfrm>
-            <a:off x="893311" y="2984905"/>
+            <a:off x="893311" y="2832505"/>
             <a:ext cx="419548" cy="2860"/>
           </a:xfrm>
           <a:prstGeom prst="bentConnector3">
@@ -4626,22 +4433,20 @@
       </p:cxnSp>
       <p:cxnSp>
         <p:nvCxnSpPr>
-          <p:cNvPr id="29" name="Elbow Connector 63"/>
+          <p:cNvPr id="25" name="Elbow Connector 63"/>
           <p:cNvCxnSpPr>
-            <a:stCxn id="6" idx="0"/>
-            <a:endCxn id="14" idx="0"/>
+            <a:stCxn id="5" idx="2"/>
+            <a:endCxn id="12" idx="1"/>
           </p:cNvCxnSpPr>
           <p:nvPr/>
         </p:nvCxnSpPr>
         <p:spPr>
           <a:xfrm rot="16200000" flipH="1">
-            <a:off x="3880820" y="2444835"/>
-            <a:ext cx="2101" cy="2639671"/>
-          </a:xfrm>
-          <a:prstGeom prst="bentConnector3">
-            <a:avLst>
-              <a:gd name="adj1" fmla="val -31982199"/>
-            </a:avLst>
+            <a:off x="4781573" y="1665753"/>
+            <a:ext cx="202697" cy="5110636"/>
+          </a:xfrm>
+          <a:prstGeom prst="bentConnector2">
+            <a:avLst/>
           </a:prstGeom>
           <a:ln w="19050">
             <a:solidFill>
@@ -4670,13 +4475,13 @@
       </p:cxnSp>
       <p:grpSp>
         <p:nvGrpSpPr>
-          <p:cNvPr id="35" name="Group 34"/>
+          <p:cNvPr id="26" name="Group 25"/>
           <p:cNvGrpSpPr/>
           <p:nvPr/>
         </p:nvGrpSpPr>
         <p:grpSpPr>
           <a:xfrm>
-            <a:off x="4107656" y="2869489"/>
+            <a:off x="4597400" y="4341168"/>
             <a:ext cx="889000" cy="230832"/>
             <a:chOff x="2895600" y="807932"/>
             <a:chExt cx="889000" cy="230832"/>
@@ -4684,7 +4489,7 @@
         </p:grpSpPr>
         <p:sp>
           <p:nvSpPr>
-            <p:cNvPr id="33" name="TextBox 32"/>
+            <p:cNvPr id="27" name="TextBox 26"/>
             <p:cNvSpPr txBox="1"/>
             <p:nvPr/>
           </p:nvSpPr>
@@ -4706,7 +4511,7 @@
             <a:p>
               <a:pPr algn="r"/>
               <a:r>
-                <a:rPr lang="en-US" sz="1100" dirty="0" smtClean="0">
+                <a:rPr lang="en-US" sz="1100" dirty="0">
                   <a:solidFill>
                     <a:srgbClr val="0070C0"/>
                   </a:solidFill>
@@ -4723,7 +4528,7 @@
         </p:sp>
         <p:sp>
           <p:nvSpPr>
-            <p:cNvPr id="34" name="Isosceles Triangle 33"/>
+            <p:cNvPr id="28" name="Isosceles Triangle 27"/>
             <p:cNvSpPr/>
             <p:nvPr/>
           </p:nvSpPr>
@@ -4770,13 +4575,13 @@
       </p:grpSp>
       <p:grpSp>
         <p:nvGrpSpPr>
-          <p:cNvPr id="36" name="Group 35"/>
+          <p:cNvPr id="29" name="Group 28"/>
           <p:cNvGrpSpPr/>
           <p:nvPr/>
         </p:nvGrpSpPr>
         <p:grpSpPr>
           <a:xfrm>
-            <a:off x="3973516" y="2512368"/>
+            <a:off x="4665110" y="1219200"/>
             <a:ext cx="868568" cy="230832"/>
             <a:chOff x="2755838" y="789460"/>
             <a:chExt cx="868568" cy="230832"/>
@@ -4784,7 +4589,7 @@
         </p:grpSpPr>
         <p:sp>
           <p:nvSpPr>
-            <p:cNvPr id="37" name="TextBox 36"/>
+            <p:cNvPr id="30" name="TextBox 29"/>
             <p:cNvSpPr txBox="1"/>
             <p:nvPr/>
           </p:nvSpPr>
@@ -4805,7 +4610,7 @@
             <a:lstStyle/>
             <a:p>
               <a:r>
-                <a:rPr lang="en-US" sz="1100" dirty="0" smtClean="0">
+                <a:rPr lang="en-US" sz="1100" dirty="0">
                   <a:solidFill>
                     <a:srgbClr val="0070C0"/>
                   </a:solidFill>
@@ -4822,7 +4627,7 @@
         </p:sp>
         <p:sp>
           <p:nvSpPr>
-            <p:cNvPr id="38" name="Isosceles Triangle 37"/>
+            <p:cNvPr id="31" name="Isosceles Triangle 30"/>
             <p:cNvSpPr/>
             <p:nvPr/>
           </p:nvSpPr>
@@ -4869,13 +4674,13 @@
       </p:grpSp>
       <p:sp>
         <p:nvSpPr>
-          <p:cNvPr id="39" name="TextBox 38"/>
+          <p:cNvPr id="32" name="TextBox 31"/>
           <p:cNvSpPr txBox="1"/>
           <p:nvPr/>
         </p:nvSpPr>
         <p:spPr>
           <a:xfrm>
-            <a:off x="3210180" y="2423264"/>
+            <a:off x="2301175" y="1618473"/>
             <a:ext cx="131116" cy="230832"/>
           </a:xfrm>
           <a:prstGeom prst="rect">
@@ -4891,7 +4696,7 @@
           <a:p>
             <a:pPr algn="r"/>
             <a:r>
-              <a:rPr lang="en-US" sz="1100" dirty="0" smtClean="0">
+              <a:rPr lang="en-US" sz="1100" dirty="0">
                 <a:solidFill>
                   <a:srgbClr val="0070C0"/>
                 </a:solidFill>
@@ -4908,13 +4713,13 @@
       </p:sp>
       <p:sp>
         <p:nvSpPr>
-          <p:cNvPr id="40" name="TextBox 39"/>
+          <p:cNvPr id="33" name="TextBox 32"/>
           <p:cNvSpPr txBox="1"/>
           <p:nvPr/>
         </p:nvSpPr>
         <p:spPr>
           <a:xfrm>
-            <a:off x="3341296" y="3700114"/>
+            <a:off x="2912207" y="3709457"/>
             <a:ext cx="131116" cy="230832"/>
           </a:xfrm>
           <a:prstGeom prst="rect">
@@ -4930,7 +4735,7 @@
           <a:p>
             <a:pPr algn="r"/>
             <a:r>
-              <a:rPr lang="en-US" sz="1100" dirty="0" smtClean="0">
+              <a:rPr lang="en-US" sz="1100" dirty="0">
                 <a:solidFill>
                   <a:srgbClr val="0070C0"/>
                 </a:solidFill>
@@ -4945,30 +4750,469 @@
           </a:p>
         </p:txBody>
       </p:sp>
+      <p:sp>
+        <p:nvSpPr>
+          <p:cNvPr id="37" name="Rectangle 11"/>
+          <p:cNvSpPr/>
+          <p:nvPr/>
+        </p:nvSpPr>
+        <p:spPr>
+          <a:xfrm flipH="1">
+            <a:off x="6526365" y="2956137"/>
+            <a:ext cx="1093635" cy="346760"/>
+          </a:xfrm>
+          <a:prstGeom prst="rect">
+            <a:avLst/>
+          </a:prstGeom>
+          <a:ln w="19050">
+            <a:solidFill>
+              <a:srgbClr val="0070C0"/>
+            </a:solidFill>
+          </a:ln>
+          <a:effectLst/>
+        </p:spPr>
+        <p:style>
+          <a:lnRef idx="1">
+            <a:schemeClr val="accent1"/>
+          </a:lnRef>
+          <a:fillRef idx="2">
+            <a:schemeClr val="accent1"/>
+          </a:fillRef>
+          <a:effectRef idx="1">
+            <a:schemeClr val="accent1"/>
+          </a:effectRef>
+          <a:fontRef idx="minor">
+            <a:schemeClr val="dk1"/>
+          </a:fontRef>
+        </p:style>
+        <p:txBody>
+          <a:bodyPr rtlCol="0" anchor="ctr"/>
+          <a:lstStyle/>
+          <a:p>
+            <a:pPr algn="ctr"/>
+            <a:r>
+              <a:rPr lang="en-US" sz="1050" b="1" dirty="0" smtClean="0">
+                <a:solidFill>
+                  <a:srgbClr val="0070C0"/>
+                </a:solidFill>
+              </a:rPr>
+              <a:t>…</a:t>
+            </a:r>
+            <a:endParaRPr lang="en-SG" sz="1050" b="1" dirty="0">
+              <a:solidFill>
+                <a:srgbClr val="0070C0"/>
+              </a:solidFill>
+            </a:endParaRPr>
+          </a:p>
+        </p:txBody>
+      </p:sp>
+      <p:cxnSp>
+        <p:nvCxnSpPr>
+          <p:cNvPr id="39" name="Elbow Connector 122"/>
+          <p:cNvCxnSpPr/>
+          <p:nvPr/>
+        </p:nvCxnSpPr>
+        <p:spPr>
+          <a:xfrm rot="16200000" flipV="1">
+            <a:off x="1105538" y="2692369"/>
+            <a:ext cx="2147794" cy="2"/>
+          </a:xfrm>
+          <a:prstGeom prst="bentConnector3">
+            <a:avLst>
+              <a:gd name="adj1" fmla="val 50000"/>
+            </a:avLst>
+          </a:prstGeom>
+          <a:ln w="19050">
+            <a:solidFill>
+              <a:srgbClr val="0070C0"/>
+            </a:solidFill>
+            <a:prstDash val="sysDot"/>
+            <a:headEnd type="none" w="med" len="med"/>
+            <a:tailEnd type="arrow" w="med" len="med"/>
+          </a:ln>
+          <a:effectLst/>
+        </p:spPr>
+        <p:style>
+          <a:lnRef idx="1">
+            <a:schemeClr val="accent2"/>
+          </a:lnRef>
+          <a:fillRef idx="2">
+            <a:schemeClr val="accent2"/>
+          </a:fillRef>
+          <a:effectRef idx="1">
+            <a:schemeClr val="accent2"/>
+          </a:effectRef>
+          <a:fontRef idx="minor">
+            <a:schemeClr val="dk1"/>
+          </a:fontRef>
+        </p:style>
+      </p:cxnSp>
+      <p:sp>
+        <p:nvSpPr>
+          <p:cNvPr id="42" name="Rectangle 11"/>
+          <p:cNvSpPr/>
+          <p:nvPr/>
+        </p:nvSpPr>
+        <p:spPr>
+          <a:xfrm flipH="1">
+            <a:off x="4664592" y="2148937"/>
+            <a:ext cx="1093635" cy="346760"/>
+          </a:xfrm>
+          <a:prstGeom prst="rect">
+            <a:avLst/>
+          </a:prstGeom>
+          <a:solidFill>
+            <a:schemeClr val="accent5"/>
+          </a:solidFill>
+          <a:ln/>
+          <a:effectLst/>
+        </p:spPr>
+        <p:style>
+          <a:lnRef idx="1">
+            <a:schemeClr val="accent5"/>
+          </a:lnRef>
+          <a:fillRef idx="2">
+            <a:schemeClr val="accent5"/>
+          </a:fillRef>
+          <a:effectRef idx="1">
+            <a:schemeClr val="accent5"/>
+          </a:effectRef>
+          <a:fontRef idx="minor">
+            <a:schemeClr val="dk1"/>
+          </a:fontRef>
+        </p:style>
+        <p:txBody>
+          <a:bodyPr rtlCol="0" anchor="ctr"/>
+          <a:lstStyle/>
+          <a:p>
+            <a:pPr algn="ctr"/>
+            <a:r>
+              <a:rPr lang="en-US" sz="1050" b="1" dirty="0" err="1">
+                <a:solidFill>
+                  <a:schemeClr val="bg1"/>
+                </a:solidFill>
+              </a:rPr>
+              <a:t>AddCommand</a:t>
+            </a:r>
+            <a:endParaRPr lang="en-US" sz="1050" b="1" dirty="0">
+              <a:solidFill>
+                <a:schemeClr val="bg1"/>
+              </a:solidFill>
+            </a:endParaRPr>
+          </a:p>
+          <a:p>
+            <a:pPr algn="ctr"/>
+            <a:r>
+              <a:rPr lang="en-US" sz="1050" b="1" dirty="0">
+                <a:solidFill>
+                  <a:schemeClr val="bg1"/>
+                </a:solidFill>
+              </a:rPr>
+              <a:t>Parser</a:t>
+            </a:r>
+            <a:endParaRPr lang="en-SG" sz="1050" b="1" dirty="0">
+              <a:solidFill>
+                <a:schemeClr val="bg1"/>
+              </a:solidFill>
+            </a:endParaRPr>
+          </a:p>
+        </p:txBody>
+      </p:sp>
+      <p:sp>
+        <p:nvSpPr>
+          <p:cNvPr id="44" name="Rectangle 11"/>
+          <p:cNvSpPr/>
+          <p:nvPr/>
+        </p:nvSpPr>
+        <p:spPr>
+          <a:xfrm flipH="1">
+            <a:off x="4664592" y="2555337"/>
+            <a:ext cx="1093635" cy="346760"/>
+          </a:xfrm>
+          <a:prstGeom prst="rect">
+            <a:avLst/>
+          </a:prstGeom>
+          <a:solidFill>
+            <a:schemeClr val="accent5"/>
+          </a:solidFill>
+          <a:ln/>
+          <a:effectLst/>
+        </p:spPr>
+        <p:style>
+          <a:lnRef idx="1">
+            <a:schemeClr val="accent5"/>
+          </a:lnRef>
+          <a:fillRef idx="2">
+            <a:schemeClr val="accent5"/>
+          </a:fillRef>
+          <a:effectRef idx="1">
+            <a:schemeClr val="accent5"/>
+          </a:effectRef>
+          <a:fontRef idx="minor">
+            <a:schemeClr val="dk1"/>
+          </a:fontRef>
+        </p:style>
+        <p:txBody>
+          <a:bodyPr rtlCol="0" anchor="ctr"/>
+          <a:lstStyle/>
+          <a:p>
+            <a:pPr algn="ctr"/>
+            <a:r>
+              <a:rPr lang="en-US" sz="1050" b="1" dirty="0" err="1">
+                <a:solidFill>
+                  <a:schemeClr val="bg1"/>
+                </a:solidFill>
+              </a:rPr>
+              <a:t>FindCommand</a:t>
+            </a:r>
+            <a:endParaRPr lang="en-US" sz="1050" b="1" dirty="0">
+              <a:solidFill>
+                <a:schemeClr val="bg1"/>
+              </a:solidFill>
+            </a:endParaRPr>
+          </a:p>
+          <a:p>
+            <a:pPr algn="ctr"/>
+            <a:r>
+              <a:rPr lang="en-US" sz="1050" b="1" dirty="0">
+                <a:solidFill>
+                  <a:schemeClr val="bg1"/>
+                </a:solidFill>
+              </a:rPr>
+              <a:t>Parser</a:t>
+            </a:r>
+            <a:endParaRPr lang="en-SG" sz="1050" b="1" dirty="0">
+              <a:solidFill>
+                <a:schemeClr val="bg1"/>
+              </a:solidFill>
+            </a:endParaRPr>
+          </a:p>
+        </p:txBody>
+      </p:sp>
+      <p:sp>
+        <p:nvSpPr>
+          <p:cNvPr id="45" name="Rectangle 44"/>
+          <p:cNvSpPr/>
+          <p:nvPr/>
+        </p:nvSpPr>
+        <p:spPr>
+          <a:xfrm flipH="1">
+            <a:off x="4664590" y="2977582"/>
+            <a:ext cx="1093635" cy="346760"/>
+          </a:xfrm>
+          <a:prstGeom prst="rect">
+            <a:avLst/>
+          </a:prstGeom>
+          <a:solidFill>
+            <a:schemeClr val="accent5"/>
+          </a:solidFill>
+          <a:ln/>
+          <a:effectLst/>
+        </p:spPr>
+        <p:style>
+          <a:lnRef idx="1">
+            <a:schemeClr val="accent5"/>
+          </a:lnRef>
+          <a:fillRef idx="2">
+            <a:schemeClr val="accent5"/>
+          </a:fillRef>
+          <a:effectRef idx="1">
+            <a:schemeClr val="accent5"/>
+          </a:effectRef>
+          <a:fontRef idx="minor">
+            <a:schemeClr val="dk1"/>
+          </a:fontRef>
+        </p:style>
+        <p:txBody>
+          <a:bodyPr rtlCol="0" anchor="ctr"/>
+          <a:lstStyle/>
+          <a:p>
+            <a:pPr algn="ctr"/>
+            <a:r>
+              <a:rPr lang="en-US" sz="1050" b="1" dirty="0">
+                <a:solidFill>
+                  <a:schemeClr val="bg1"/>
+                </a:solidFill>
+              </a:rPr>
+              <a:t>…</a:t>
+            </a:r>
+            <a:endParaRPr lang="en-SG" sz="1050" b="1" dirty="0">
+              <a:solidFill>
+                <a:schemeClr val="bg1"/>
+              </a:solidFill>
+            </a:endParaRPr>
+          </a:p>
+        </p:txBody>
+      </p:sp>
+      <p:sp>
+        <p:nvSpPr>
+          <p:cNvPr id="56" name="Rectangle 62"/>
+          <p:cNvSpPr/>
+          <p:nvPr/>
+        </p:nvSpPr>
+        <p:spPr>
+          <a:xfrm>
+            <a:off x="2807288" y="1905000"/>
+            <a:ext cx="751107" cy="346760"/>
+          </a:xfrm>
+          <a:prstGeom prst="rect">
+            <a:avLst/>
+          </a:prstGeom>
+          <a:solidFill>
+            <a:schemeClr val="accent5">
+              <a:lumMod val="60000"/>
+              <a:lumOff val="40000"/>
+            </a:schemeClr>
+          </a:solidFill>
+          <a:ln w="19050">
+            <a:solidFill>
+              <a:schemeClr val="accent5">
+                <a:lumMod val="60000"/>
+                <a:lumOff val="40000"/>
+              </a:schemeClr>
+            </a:solidFill>
+          </a:ln>
+          <a:effectLst/>
+        </p:spPr>
+        <p:style>
+          <a:lnRef idx="1">
+            <a:schemeClr val="accent2"/>
+          </a:lnRef>
+          <a:fillRef idx="2">
+            <a:schemeClr val="accent2"/>
+          </a:fillRef>
+          <a:effectRef idx="1">
+            <a:schemeClr val="accent2"/>
+          </a:effectRef>
+          <a:fontRef idx="minor">
+            <a:schemeClr val="dk1"/>
+          </a:fontRef>
+        </p:style>
+        <p:txBody>
+          <a:bodyPr rtlCol="0" anchor="ctr"/>
+          <a:lstStyle/>
+          <a:p>
+            <a:pPr algn="ctr"/>
+            <a:r>
+              <a:rPr lang="en-US" sz="1050" dirty="0" smtClean="0">
+                <a:solidFill>
+                  <a:schemeClr val="bg1"/>
+                </a:solidFill>
+              </a:rPr>
+              <a:t>Argument</a:t>
+            </a:r>
+            <a:br>
+              <a:rPr lang="en-US" sz="1050" dirty="0" smtClean="0">
+                <a:solidFill>
+                  <a:schemeClr val="bg1"/>
+                </a:solidFill>
+              </a:rPr>
+            </a:br>
+            <a:r>
+              <a:rPr lang="en-US" sz="1050" dirty="0" smtClean="0">
+                <a:solidFill>
+                  <a:schemeClr val="bg1"/>
+                </a:solidFill>
+              </a:rPr>
+              <a:t>Tokenizer</a:t>
+            </a:r>
+            <a:endParaRPr lang="en-SG" sz="1050" dirty="0">
+              <a:solidFill>
+                <a:schemeClr val="bg1"/>
+              </a:solidFill>
+            </a:endParaRPr>
+          </a:p>
+        </p:txBody>
+      </p:sp>
+      <p:sp>
+        <p:nvSpPr>
+          <p:cNvPr id="58" name="Rectangle 62"/>
+          <p:cNvSpPr/>
+          <p:nvPr/>
+        </p:nvSpPr>
+        <p:spPr>
+          <a:xfrm>
+            <a:off x="2813291" y="2432664"/>
+            <a:ext cx="726243" cy="174580"/>
+          </a:xfrm>
+          <a:prstGeom prst="rect">
+            <a:avLst/>
+          </a:prstGeom>
+          <a:solidFill>
+            <a:schemeClr val="accent5">
+              <a:lumMod val="60000"/>
+              <a:lumOff val="40000"/>
+            </a:schemeClr>
+          </a:solidFill>
+          <a:ln w="19050">
+            <a:solidFill>
+              <a:schemeClr val="accent5">
+                <a:lumMod val="60000"/>
+                <a:lumOff val="40000"/>
+              </a:schemeClr>
+            </a:solidFill>
+          </a:ln>
+          <a:effectLst/>
+        </p:spPr>
+        <p:style>
+          <a:lnRef idx="1">
+            <a:schemeClr val="accent2"/>
+          </a:lnRef>
+          <a:fillRef idx="2">
+            <a:schemeClr val="accent2"/>
+          </a:fillRef>
+          <a:effectRef idx="1">
+            <a:schemeClr val="accent2"/>
+          </a:effectRef>
+          <a:fontRef idx="minor">
+            <a:schemeClr val="dk1"/>
+          </a:fontRef>
+        </p:style>
+        <p:txBody>
+          <a:bodyPr rtlCol="0" anchor="ctr"/>
+          <a:lstStyle/>
+          <a:p>
+            <a:pPr algn="ctr"/>
+            <a:r>
+              <a:rPr lang="en-US" sz="1050" dirty="0" smtClean="0">
+                <a:solidFill>
+                  <a:schemeClr val="bg1"/>
+                </a:solidFill>
+              </a:rPr>
+              <a:t>Prefix</a:t>
+            </a:r>
+            <a:endParaRPr lang="en-SG" sz="1050" dirty="0">
+              <a:solidFill>
+                <a:schemeClr val="bg1"/>
+              </a:solidFill>
+            </a:endParaRPr>
+          </a:p>
+        </p:txBody>
+      </p:sp>
       <p:grpSp>
         <p:nvGrpSpPr>
-          <p:cNvPr id="41" name="Group 40"/>
+          <p:cNvPr id="161" name="Group 160"/>
           <p:cNvGrpSpPr/>
           <p:nvPr/>
         </p:nvGrpSpPr>
         <p:grpSpPr>
-          <a:xfrm>
-            <a:off x="4038600" y="3962400"/>
-            <a:ext cx="685800" cy="230832"/>
-            <a:chOff x="2797314" y="807932"/>
-            <a:chExt cx="685800" cy="230832"/>
+          <a:xfrm rot="5400000">
+            <a:off x="5941795" y="1962201"/>
+            <a:ext cx="254462" cy="555486"/>
+            <a:chOff x="3949242" y="712012"/>
+            <a:chExt cx="254462" cy="503902"/>
           </a:xfrm>
         </p:grpSpPr>
         <p:sp>
           <p:nvSpPr>
-            <p:cNvPr id="42" name="TextBox 41"/>
+            <p:cNvPr id="162" name="TextBox 161"/>
             <p:cNvSpPr txBox="1"/>
             <p:nvPr/>
           </p:nvSpPr>
           <p:spPr>
-            <a:xfrm>
-              <a:off x="2797314" y="807932"/>
-              <a:ext cx="555487" cy="230832"/>
+            <a:xfrm rot="16200000">
+              <a:off x="3824522" y="836732"/>
+              <a:ext cx="503902" cy="254462"/>
             </a:xfrm>
             <a:prstGeom prst="rect">
               <a:avLst/>
@@ -4981,18 +5225,21 @@
             </a:bodyPr>
             <a:lstStyle/>
             <a:p>
-              <a:pPr algn="r"/>
               <a:r>
                 <a:rPr lang="en-US" sz="1100" dirty="0" smtClean="0">
                   <a:solidFill>
-                    <a:srgbClr val="0070C0"/>
+                    <a:schemeClr val="accent5">
+                      <a:lumMod val="75000"/>
+                    </a:schemeClr>
                   </a:solidFill>
                 </a:rPr>
                 <a:t>creates</a:t>
               </a:r>
               <a:endParaRPr lang="en-SG" sz="1100" dirty="0">
                 <a:solidFill>
-                  <a:srgbClr val="0070C0"/>
+                  <a:schemeClr val="accent5">
+                    <a:lumMod val="75000"/>
+                  </a:schemeClr>
                 </a:solidFill>
               </a:endParaRPr>
             </a:p>
@@ -5000,20 +5247,22 @@
         </p:sp>
         <p:sp>
           <p:nvSpPr>
-            <p:cNvPr id="43" name="Isosceles Triangle 42"/>
+            <p:cNvPr id="163" name="Isosceles Triangle 162"/>
             <p:cNvSpPr/>
             <p:nvPr/>
           </p:nvSpPr>
           <p:spPr>
-            <a:xfrm rot="5400000">
-              <a:off x="3382038" y="866776"/>
-              <a:ext cx="125951" cy="76201"/>
+            <a:xfrm rot="10800000" flipV="1">
+              <a:off x="3979474" y="751200"/>
+              <a:ext cx="132157" cy="79956"/>
             </a:xfrm>
             <a:prstGeom prst="triangle">
               <a:avLst/>
             </a:prstGeom>
             <a:solidFill>
-              <a:srgbClr val="0070C0"/>
+              <a:schemeClr val="accent5">
+                <a:lumMod val="75000"/>
+              </a:schemeClr>
             </a:solidFill>
             <a:ln>
               <a:noFill/>
@@ -5045,20 +5294,621 @@
           </p:txBody>
         </p:sp>
       </p:grpSp>
-      <p:sp>
-        <p:nvSpPr>
-          <p:cNvPr id="44" name="Rectangle 11"/>
+      <p:grpSp>
+        <p:nvGrpSpPr>
+          <p:cNvPr id="164" name="Group 163"/>
+          <p:cNvGrpSpPr/>
+          <p:nvPr/>
+        </p:nvGrpSpPr>
+        <p:grpSpPr>
+          <a:xfrm rot="5400000">
+            <a:off x="5962853" y="2347569"/>
+            <a:ext cx="254462" cy="555486"/>
+            <a:chOff x="3949242" y="712012"/>
+            <a:chExt cx="254462" cy="503902"/>
+          </a:xfrm>
+        </p:grpSpPr>
+        <p:sp>
+          <p:nvSpPr>
+            <p:cNvPr id="165" name="TextBox 164"/>
+            <p:cNvSpPr txBox="1"/>
+            <p:nvPr/>
+          </p:nvSpPr>
+          <p:spPr>
+            <a:xfrm rot="16200000">
+              <a:off x="3824522" y="836732"/>
+              <a:ext cx="503902" cy="254462"/>
+            </a:xfrm>
+            <a:prstGeom prst="rect">
+              <a:avLst/>
+            </a:prstGeom>
+            <a:noFill/>
+          </p:spPr>
+          <p:txBody>
+            <a:bodyPr wrap="square" lIns="0" tIns="0" rIns="0" bIns="0" rtlCol="0">
+              <a:noAutofit/>
+            </a:bodyPr>
+            <a:lstStyle/>
+            <a:p>
+              <a:r>
+                <a:rPr lang="en-US" sz="1100" dirty="0" smtClean="0">
+                  <a:solidFill>
+                    <a:schemeClr val="accent5">
+                      <a:lumMod val="75000"/>
+                    </a:schemeClr>
+                  </a:solidFill>
+                </a:rPr>
+                <a:t>creates</a:t>
+              </a:r>
+              <a:endParaRPr lang="en-SG" sz="1100" dirty="0">
+                <a:solidFill>
+                  <a:schemeClr val="accent5">
+                    <a:lumMod val="75000"/>
+                  </a:schemeClr>
+                </a:solidFill>
+              </a:endParaRPr>
+            </a:p>
+          </p:txBody>
+        </p:sp>
+        <p:sp>
+          <p:nvSpPr>
+            <p:cNvPr id="166" name="Isosceles Triangle 165"/>
+            <p:cNvSpPr/>
+            <p:nvPr/>
+          </p:nvSpPr>
+          <p:spPr>
+            <a:xfrm rot="10800000" flipV="1">
+              <a:off x="3979474" y="751200"/>
+              <a:ext cx="132157" cy="79956"/>
+            </a:xfrm>
+            <a:prstGeom prst="triangle">
+              <a:avLst/>
+            </a:prstGeom>
+            <a:solidFill>
+              <a:schemeClr val="accent5">
+                <a:lumMod val="75000"/>
+              </a:schemeClr>
+            </a:solidFill>
+            <a:ln>
+              <a:noFill/>
+            </a:ln>
+          </p:spPr>
+          <p:style>
+            <a:lnRef idx="2">
+              <a:schemeClr val="accent1">
+                <a:shade val="50000"/>
+              </a:schemeClr>
+            </a:lnRef>
+            <a:fillRef idx="1">
+              <a:schemeClr val="accent1"/>
+            </a:fillRef>
+            <a:effectRef idx="0">
+              <a:schemeClr val="accent1"/>
+            </a:effectRef>
+            <a:fontRef idx="minor">
+              <a:schemeClr val="lt1"/>
+            </a:fontRef>
+          </p:style>
+          <p:txBody>
+            <a:bodyPr rtlCol="0" anchor="ctr"/>
+            <a:lstStyle/>
+            <a:p>
+              <a:pPr algn="ctr"/>
+              <a:endParaRPr lang="en-SG"/>
+            </a:p>
+          </p:txBody>
+        </p:sp>
+      </p:grpSp>
+      <p:sp>
+        <p:nvSpPr>
+          <p:cNvPr id="60" name="Rectangle 62"/>
           <p:cNvSpPr/>
           <p:nvPr/>
         </p:nvSpPr>
         <p:spPr>
-          <a:xfrm flipH="1">
-            <a:off x="6185390" y="3458098"/>
-            <a:ext cx="1093635" cy="346760"/>
+          <a:xfrm>
+            <a:off x="2819400" y="2841725"/>
+            <a:ext cx="731636" cy="283820"/>
           </a:xfrm>
           <a:prstGeom prst="rect">
             <a:avLst/>
           </a:prstGeom>
+          <a:solidFill>
+            <a:schemeClr val="accent5">
+              <a:lumMod val="60000"/>
+              <a:lumOff val="40000"/>
+            </a:schemeClr>
+          </a:solidFill>
+          <a:ln w="19050">
+            <a:solidFill>
+              <a:schemeClr val="accent5">
+                <a:lumMod val="60000"/>
+                <a:lumOff val="40000"/>
+              </a:schemeClr>
+            </a:solidFill>
+          </a:ln>
+          <a:effectLst/>
+        </p:spPr>
+        <p:style>
+          <a:lnRef idx="1">
+            <a:schemeClr val="accent2"/>
+          </a:lnRef>
+          <a:fillRef idx="2">
+            <a:schemeClr val="accent2"/>
+          </a:fillRef>
+          <a:effectRef idx="1">
+            <a:schemeClr val="accent2"/>
+          </a:effectRef>
+          <a:fontRef idx="minor">
+            <a:schemeClr val="dk1"/>
+          </a:fontRef>
+        </p:style>
+        <p:txBody>
+          <a:bodyPr rtlCol="0" anchor="ctr"/>
+          <a:lstStyle/>
+          <a:p>
+            <a:pPr algn="ctr"/>
+            <a:r>
+              <a:rPr lang="en-SG" sz="1050" dirty="0" err="1" smtClean="0">
+                <a:solidFill>
+                  <a:schemeClr val="bg1"/>
+                </a:solidFill>
+              </a:rPr>
+              <a:t>CliSyntax</a:t>
+            </a:r>
+            <a:endParaRPr lang="en-SG" sz="1050" dirty="0">
+              <a:solidFill>
+                <a:schemeClr val="bg1"/>
+              </a:solidFill>
+            </a:endParaRPr>
+          </a:p>
+        </p:txBody>
+      </p:sp>
+      <p:sp>
+        <p:nvSpPr>
+          <p:cNvPr id="62" name="Rectangle 62"/>
+          <p:cNvSpPr/>
+          <p:nvPr/>
+        </p:nvSpPr>
+        <p:spPr>
+          <a:xfrm>
+            <a:off x="2819400" y="3190882"/>
+            <a:ext cx="731636" cy="283820"/>
+          </a:xfrm>
+          <a:prstGeom prst="rect">
+            <a:avLst/>
+          </a:prstGeom>
+          <a:solidFill>
+            <a:schemeClr val="accent5">
+              <a:lumMod val="60000"/>
+              <a:lumOff val="40000"/>
+            </a:schemeClr>
+          </a:solidFill>
+          <a:ln w="19050">
+            <a:solidFill>
+              <a:schemeClr val="accent5">
+                <a:lumMod val="60000"/>
+                <a:lumOff val="40000"/>
+              </a:schemeClr>
+            </a:solidFill>
+          </a:ln>
+          <a:effectLst/>
+        </p:spPr>
+        <p:style>
+          <a:lnRef idx="1">
+            <a:schemeClr val="accent2"/>
+          </a:lnRef>
+          <a:fillRef idx="2">
+            <a:schemeClr val="accent2"/>
+          </a:fillRef>
+          <a:effectRef idx="1">
+            <a:schemeClr val="accent2"/>
+          </a:effectRef>
+          <a:fontRef idx="minor">
+            <a:schemeClr val="dk1"/>
+          </a:fontRef>
+        </p:style>
+        <p:txBody>
+          <a:bodyPr rtlCol="0" anchor="ctr"/>
+          <a:lstStyle/>
+          <a:p>
+            <a:pPr algn="ctr"/>
+            <a:r>
+              <a:rPr lang="en-SG" sz="1050" dirty="0" err="1" smtClean="0">
+                <a:solidFill>
+                  <a:schemeClr val="bg1"/>
+                </a:solidFill>
+              </a:rPr>
+              <a:t>ParserUtil</a:t>
+            </a:r>
+            <a:endParaRPr lang="en-SG" sz="1050" dirty="0">
+              <a:solidFill>
+                <a:schemeClr val="bg1"/>
+              </a:solidFill>
+            </a:endParaRPr>
+          </a:p>
+        </p:txBody>
+      </p:sp>
+      <p:cxnSp>
+        <p:nvCxnSpPr>
+          <p:cNvPr id="100" name="Straight Arrow Connector 99"/>
+          <p:cNvCxnSpPr>
+            <a:endCxn id="60" idx="3"/>
+          </p:cNvCxnSpPr>
+          <p:nvPr/>
+        </p:nvCxnSpPr>
+        <p:spPr>
+          <a:xfrm flipH="1">
+            <a:off x="3551036" y="2983635"/>
+            <a:ext cx="335164" cy="0"/>
+          </a:xfrm>
+          <a:prstGeom prst="straightConnector1">
+            <a:avLst/>
+          </a:prstGeom>
+          <a:ln w="19050">
+            <a:solidFill>
+              <a:schemeClr val="accent5">
+                <a:lumMod val="50000"/>
+              </a:schemeClr>
+            </a:solidFill>
+            <a:prstDash val="sysDot"/>
+            <a:headEnd type="none" w="med" len="med"/>
+            <a:tailEnd type="arrow" w="med" len="med"/>
+          </a:ln>
+          <a:effectLst/>
+        </p:spPr>
+        <p:style>
+          <a:lnRef idx="1">
+            <a:schemeClr val="accent2"/>
+          </a:lnRef>
+          <a:fillRef idx="2">
+            <a:schemeClr val="accent2"/>
+          </a:fillRef>
+          <a:effectRef idx="1">
+            <a:schemeClr val="accent2"/>
+          </a:effectRef>
+          <a:fontRef idx="minor">
+            <a:schemeClr val="dk1"/>
+          </a:fontRef>
+        </p:style>
+      </p:cxnSp>
+      <p:cxnSp>
+        <p:nvCxnSpPr>
+          <p:cNvPr id="105" name="Straight Arrow Connector 104"/>
+          <p:cNvCxnSpPr/>
+          <p:nvPr/>
+        </p:nvCxnSpPr>
+        <p:spPr>
+          <a:xfrm flipH="1" flipV="1">
+            <a:off x="3558396" y="3297471"/>
+            <a:ext cx="327804" cy="5426"/>
+          </a:xfrm>
+          <a:prstGeom prst="straightConnector1">
+            <a:avLst/>
+          </a:prstGeom>
+          <a:ln w="19050">
+            <a:solidFill>
+              <a:schemeClr val="accent5">
+                <a:lumMod val="50000"/>
+              </a:schemeClr>
+            </a:solidFill>
+            <a:prstDash val="sysDot"/>
+            <a:headEnd type="none" w="med" len="med"/>
+            <a:tailEnd type="arrow" w="med" len="med"/>
+          </a:ln>
+          <a:effectLst/>
+        </p:spPr>
+        <p:style>
+          <a:lnRef idx="1">
+            <a:schemeClr val="accent2"/>
+          </a:lnRef>
+          <a:fillRef idx="2">
+            <a:schemeClr val="accent2"/>
+          </a:fillRef>
+          <a:effectRef idx="1">
+            <a:schemeClr val="accent2"/>
+          </a:effectRef>
+          <a:fontRef idx="minor">
+            <a:schemeClr val="dk1"/>
+          </a:fontRef>
+        </p:style>
+      </p:cxnSp>
+      <p:cxnSp>
+        <p:nvCxnSpPr>
+          <p:cNvPr id="13" name="Elbow Connector 12"/>
+          <p:cNvCxnSpPr>
+            <a:stCxn id="60" idx="0"/>
+          </p:cNvCxnSpPr>
+          <p:nvPr/>
+        </p:nvCxnSpPr>
+        <p:spPr>
+          <a:xfrm rot="16200000" flipV="1">
+            <a:off x="3063575" y="2720082"/>
+            <a:ext cx="234481" cy="8806"/>
+          </a:xfrm>
+          <a:prstGeom prst="bentConnector3">
+            <a:avLst>
+              <a:gd name="adj1" fmla="val 50000"/>
+            </a:avLst>
+          </a:prstGeom>
+          <a:ln w="19050">
+            <a:solidFill>
+              <a:schemeClr val="accent5">
+                <a:lumMod val="60000"/>
+                <a:lumOff val="40000"/>
+              </a:schemeClr>
+            </a:solidFill>
+            <a:prstDash val="sysDot"/>
+            <a:headEnd type="none" w="med" len="med"/>
+            <a:tailEnd type="arrow" w="med" len="med"/>
+          </a:ln>
+          <a:effectLst/>
+        </p:spPr>
+        <p:style>
+          <a:lnRef idx="1">
+            <a:schemeClr val="accent2"/>
+          </a:lnRef>
+          <a:fillRef idx="2">
+            <a:schemeClr val="accent2"/>
+          </a:fillRef>
+          <a:effectRef idx="1">
+            <a:schemeClr val="accent2"/>
+          </a:effectRef>
+          <a:fontRef idx="minor">
+            <a:schemeClr val="dk1"/>
+          </a:fontRef>
+        </p:style>
+      </p:cxnSp>
+      <p:cxnSp>
+        <p:nvCxnSpPr>
+          <p:cNvPr id="47" name="Straight Connector 46"/>
+          <p:cNvCxnSpPr/>
+          <p:nvPr/>
+        </p:nvCxnSpPr>
+        <p:spPr>
+          <a:xfrm>
+            <a:off x="3539534" y="2078487"/>
+            <a:ext cx="346666" cy="0"/>
+          </a:xfrm>
+          <a:prstGeom prst="line">
+            <a:avLst/>
+          </a:prstGeom>
+          <a:ln w="19050">
+            <a:solidFill>
+              <a:schemeClr val="accent5">
+                <a:lumMod val="50000"/>
+              </a:schemeClr>
+            </a:solidFill>
+            <a:prstDash val="sysDot"/>
+            <a:headEnd type="arrow" w="med" len="med"/>
+            <a:tailEnd type="none" w="med" len="med"/>
+          </a:ln>
+          <a:effectLst/>
+        </p:spPr>
+        <p:style>
+          <a:lnRef idx="1">
+            <a:schemeClr val="accent2"/>
+          </a:lnRef>
+          <a:fillRef idx="2">
+            <a:schemeClr val="accent2"/>
+          </a:fillRef>
+          <a:effectRef idx="1">
+            <a:schemeClr val="accent2"/>
+          </a:effectRef>
+          <a:fontRef idx="minor">
+            <a:schemeClr val="dk1"/>
+          </a:fontRef>
+        </p:style>
+      </p:cxnSp>
+      <p:cxnSp>
+        <p:nvCxnSpPr>
+          <p:cNvPr id="50" name="Elbow Connector 49"/>
+          <p:cNvCxnSpPr>
+            <a:stCxn id="56" idx="2"/>
+            <a:endCxn id="58" idx="0"/>
+          </p:cNvCxnSpPr>
+          <p:nvPr/>
+        </p:nvCxnSpPr>
+        <p:spPr>
+          <a:xfrm rot="5400000">
+            <a:off x="3089176" y="2338998"/>
+            <a:ext cx="180904" cy="6429"/>
+          </a:xfrm>
+          <a:prstGeom prst="bentConnector3">
+            <a:avLst>
+              <a:gd name="adj1" fmla="val 50000"/>
+            </a:avLst>
+          </a:prstGeom>
+          <a:ln w="19050">
+            <a:solidFill>
+              <a:schemeClr val="accent5">
+                <a:lumMod val="60000"/>
+                <a:lumOff val="40000"/>
+              </a:schemeClr>
+            </a:solidFill>
+            <a:prstDash val="sysDot"/>
+            <a:headEnd type="none" w="med" len="med"/>
+            <a:tailEnd type="arrow" w="med" len="med"/>
+          </a:ln>
+          <a:effectLst/>
+        </p:spPr>
+        <p:style>
+          <a:lnRef idx="1">
+            <a:schemeClr val="accent2"/>
+          </a:lnRef>
+          <a:fillRef idx="2">
+            <a:schemeClr val="accent2"/>
+          </a:fillRef>
+          <a:effectRef idx="1">
+            <a:schemeClr val="accent2"/>
+          </a:effectRef>
+          <a:fontRef idx="minor">
+            <a:schemeClr val="dk1"/>
+          </a:fontRef>
+        </p:style>
+      </p:cxnSp>
+      <p:grpSp>
+        <p:nvGrpSpPr>
+          <p:cNvPr id="68" name="Group 67"/>
+          <p:cNvGrpSpPr/>
+          <p:nvPr/>
+        </p:nvGrpSpPr>
+        <p:grpSpPr>
+          <a:xfrm rot="5400000">
+            <a:off x="4090826" y="3633626"/>
+            <a:ext cx="555486" cy="254462"/>
+            <a:chOff x="3798139" y="875689"/>
+            <a:chExt cx="555486" cy="230832"/>
+          </a:xfrm>
+        </p:grpSpPr>
+        <p:sp>
+          <p:nvSpPr>
+            <p:cNvPr id="69" name="TextBox 68"/>
+            <p:cNvSpPr txBox="1"/>
+            <p:nvPr/>
+          </p:nvSpPr>
+          <p:spPr>
+            <a:xfrm rot="10800000">
+              <a:off x="3798139" y="875689"/>
+              <a:ext cx="555486" cy="230832"/>
+            </a:xfrm>
+            <a:prstGeom prst="rect">
+              <a:avLst/>
+            </a:prstGeom>
+            <a:noFill/>
+          </p:spPr>
+          <p:txBody>
+            <a:bodyPr wrap="square" lIns="0" tIns="0" rIns="0" bIns="0" rtlCol="0">
+              <a:noAutofit/>
+            </a:bodyPr>
+            <a:lstStyle/>
+            <a:p>
+              <a:r>
+                <a:rPr lang="en-US" sz="1100" dirty="0" smtClean="0">
+                  <a:solidFill>
+                    <a:schemeClr val="accent5">
+                      <a:lumMod val="75000"/>
+                    </a:schemeClr>
+                  </a:solidFill>
+                </a:rPr>
+                <a:t>creates</a:t>
+              </a:r>
+              <a:endParaRPr lang="en-SG" sz="1100" dirty="0">
+                <a:solidFill>
+                  <a:schemeClr val="accent5">
+                    <a:lumMod val="75000"/>
+                  </a:schemeClr>
+                </a:solidFill>
+              </a:endParaRPr>
+            </a:p>
+          </p:txBody>
+        </p:sp>
+        <p:sp>
+          <p:nvSpPr>
+            <p:cNvPr id="70" name="Isosceles Triangle 69"/>
+            <p:cNvSpPr/>
+            <p:nvPr/>
+          </p:nvSpPr>
+          <p:spPr>
+            <a:xfrm rot="5400000" flipV="1">
+              <a:off x="3795127" y="973354"/>
+              <a:ext cx="119885" cy="88141"/>
+            </a:xfrm>
+            <a:prstGeom prst="triangle">
+              <a:avLst/>
+            </a:prstGeom>
+            <a:solidFill>
+              <a:schemeClr val="accent5">
+                <a:lumMod val="75000"/>
+              </a:schemeClr>
+            </a:solidFill>
+            <a:ln>
+              <a:noFill/>
+            </a:ln>
+          </p:spPr>
+          <p:style>
+            <a:lnRef idx="2">
+              <a:schemeClr val="accent1">
+                <a:shade val="50000"/>
+              </a:schemeClr>
+            </a:lnRef>
+            <a:fillRef idx="1">
+              <a:schemeClr val="accent1"/>
+            </a:fillRef>
+            <a:effectRef idx="0">
+              <a:schemeClr val="accent1"/>
+            </a:effectRef>
+            <a:fontRef idx="minor">
+              <a:schemeClr val="lt1"/>
+            </a:fontRef>
+          </p:style>
+          <p:txBody>
+            <a:bodyPr rtlCol="0" anchor="ctr"/>
+            <a:lstStyle/>
+            <a:p>
+              <a:pPr algn="ctr"/>
+              <a:endParaRPr lang="en-SG"/>
+            </a:p>
+          </p:txBody>
+        </p:sp>
+      </p:grpSp>
+      <p:cxnSp>
+        <p:nvCxnSpPr>
+          <p:cNvPr id="84" name="Elbow Connector 83"/>
+          <p:cNvCxnSpPr>
+            <a:stCxn id="87" idx="3"/>
+            <a:endCxn id="37" idx="1"/>
+          </p:cNvCxnSpPr>
+          <p:nvPr/>
+        </p:nvCxnSpPr>
+        <p:spPr>
+          <a:xfrm rot="16200000" flipV="1">
+            <a:off x="7296652" y="3452865"/>
+            <a:ext cx="850958" cy="204262"/>
+          </a:xfrm>
+          <a:prstGeom prst="bentConnector2">
+            <a:avLst/>
+          </a:prstGeom>
+          <a:ln w="19050">
+            <a:headEnd type="none" w="med" len="med"/>
+            <a:tailEnd type="none" w="med" len="med"/>
+          </a:ln>
+        </p:spPr>
+        <p:style>
+          <a:lnRef idx="1">
+            <a:schemeClr val="accent1"/>
+          </a:lnRef>
+          <a:fillRef idx="0">
+            <a:schemeClr val="accent1"/>
+          </a:fillRef>
+          <a:effectRef idx="0">
+            <a:schemeClr val="accent1"/>
+          </a:effectRef>
+          <a:fontRef idx="minor">
+            <a:schemeClr val="tx1"/>
+          </a:fontRef>
+        </p:style>
+      </p:cxnSp>
+      <p:sp>
+        <p:nvSpPr>
+          <p:cNvPr id="87" name="Isosceles Triangle 102"/>
+          <p:cNvSpPr/>
+          <p:nvPr/>
+        </p:nvSpPr>
+        <p:spPr>
+          <a:xfrm flipV="1">
+            <a:off x="7689010" y="3980475"/>
+            <a:ext cx="270504" cy="175523"/>
+          </a:xfrm>
+          <a:prstGeom prst="triangle">
+            <a:avLst/>
+          </a:prstGeom>
+          <a:solidFill>
+            <a:schemeClr val="tx2">
+              <a:lumMod val="60000"/>
+              <a:lumOff val="40000"/>
+            </a:schemeClr>
+          </a:solidFill>
           <a:ln w="19050">
             <a:solidFill>
               <a:srgbClr val="0070C0"/>
@@ -5085,32 +5935,9 @@
           <a:lstStyle/>
           <a:p>
             <a:pPr algn="ctr"/>
-            <a:r>
-              <a:rPr lang="en-US" sz="1050" b="1" dirty="0" smtClean="0">
-                <a:solidFill>
-                  <a:srgbClr val="0070C0"/>
-                </a:solidFill>
-              </a:rPr>
-              <a:t>Incorrect</a:t>
-            </a:r>
-            <a:br>
-              <a:rPr lang="en-US" sz="1050" b="1" dirty="0" smtClean="0">
-                <a:solidFill>
-                  <a:srgbClr val="0070C0"/>
-                </a:solidFill>
-              </a:rPr>
-            </a:br>
-            <a:r>
-              <a:rPr lang="en-US" sz="1050" b="1" dirty="0" smtClean="0">
-                <a:solidFill>
-                  <a:srgbClr val="0070C0"/>
-                </a:solidFill>
-              </a:rPr>
-              <a:t>Command</a:t>
-            </a:r>
-            <a:endParaRPr lang="en-SG" sz="1050" b="1" dirty="0">
+            <a:endParaRPr lang="en-SG" sz="1050" b="1">
               <a:solidFill>
-                <a:srgbClr val="0070C0"/>
+                <a:srgbClr val="92D050"/>
               </a:solidFill>
             </a:endParaRPr>
           </a:p>
@@ -5118,29 +5945,143 @@
       </p:sp>
       <p:cxnSp>
         <p:nvCxnSpPr>
-          <p:cNvPr id="45" name="Elbow Connector 63"/>
+          <p:cNvPr id="90" name="Elbow Connector 89"/>
           <p:cNvCxnSpPr>
-            <a:stCxn id="8" idx="3"/>
-            <a:endCxn id="44" idx="3"/>
+            <a:stCxn id="87" idx="3"/>
+            <a:endCxn id="11" idx="1"/>
           </p:cNvCxnSpPr>
           <p:nvPr/>
         </p:nvCxnSpPr>
         <p:spPr>
+          <a:xfrm rot="16200000" flipV="1">
+            <a:off x="7516775" y="3672988"/>
+            <a:ext cx="410712" cy="204262"/>
+          </a:xfrm>
+          <a:prstGeom prst="bentConnector2">
+            <a:avLst/>
+          </a:prstGeom>
+          <a:ln w="19050">
+            <a:headEnd type="none" w="med" len="med"/>
+            <a:tailEnd type="none" w="med" len="med"/>
+          </a:ln>
+        </p:spPr>
+        <p:style>
+          <a:lnRef idx="1">
+            <a:schemeClr val="accent1"/>
+          </a:lnRef>
+          <a:fillRef idx="0">
+            <a:schemeClr val="accent1"/>
+          </a:fillRef>
+          <a:effectRef idx="0">
+            <a:schemeClr val="accent1"/>
+          </a:effectRef>
+          <a:fontRef idx="minor">
+            <a:schemeClr val="tx1"/>
+          </a:fontRef>
+        </p:style>
+      </p:cxnSp>
+      <p:cxnSp>
+        <p:nvCxnSpPr>
+          <p:cNvPr id="93" name="Elbow Connector 92"/>
+          <p:cNvCxnSpPr>
+            <a:stCxn id="87" idx="3"/>
+            <a:endCxn id="10" idx="1"/>
+          </p:cNvCxnSpPr>
+          <p:nvPr/>
+        </p:nvCxnSpPr>
+        <p:spPr>
+          <a:xfrm rot="16200000" flipV="1">
+            <a:off x="7096044" y="3252257"/>
+            <a:ext cx="1252175" cy="204262"/>
+          </a:xfrm>
+          <a:prstGeom prst="bentConnector2">
+            <a:avLst/>
+          </a:prstGeom>
+          <a:ln w="19050">
+            <a:headEnd type="none" w="med" len="med"/>
+            <a:tailEnd type="none" w="med" len="med"/>
+          </a:ln>
+        </p:spPr>
+        <p:style>
+          <a:lnRef idx="1">
+            <a:schemeClr val="accent1"/>
+          </a:lnRef>
+          <a:fillRef idx="0">
+            <a:schemeClr val="accent1"/>
+          </a:fillRef>
+          <a:effectRef idx="0">
+            <a:schemeClr val="accent1"/>
+          </a:effectRef>
+          <a:fontRef idx="minor">
+            <a:schemeClr val="tx1"/>
+          </a:fontRef>
+        </p:style>
+      </p:cxnSp>
+      <p:cxnSp>
+        <p:nvCxnSpPr>
+          <p:cNvPr id="96" name="Elbow Connector 95"/>
+          <p:cNvCxnSpPr>
+            <a:stCxn id="87" idx="3"/>
+            <a:endCxn id="4" idx="1"/>
+          </p:cNvCxnSpPr>
+          <p:nvPr/>
+        </p:nvCxnSpPr>
+        <p:spPr>
+          <a:xfrm rot="16200000" flipV="1">
+            <a:off x="6890098" y="3046311"/>
+            <a:ext cx="1657928" cy="210400"/>
+          </a:xfrm>
+          <a:prstGeom prst="bentConnector2">
+            <a:avLst/>
+          </a:prstGeom>
+          <a:ln w="19050">
+            <a:headEnd type="none" w="med" len="med"/>
+            <a:tailEnd type="none" w="med" len="med"/>
+          </a:ln>
+        </p:spPr>
+        <p:style>
+          <a:lnRef idx="1">
+            <a:schemeClr val="accent1"/>
+          </a:lnRef>
+          <a:fillRef idx="0">
+            <a:schemeClr val="accent1"/>
+          </a:fillRef>
+          <a:effectRef idx="0">
+            <a:schemeClr val="accent1"/>
+          </a:effectRef>
+          <a:fontRef idx="minor">
+            <a:schemeClr val="tx1"/>
+          </a:fontRef>
+        </p:style>
+      </p:cxnSp>
+      <p:cxnSp>
+        <p:nvCxnSpPr>
+          <p:cNvPr id="110" name="Elbow Connector 63"/>
+          <p:cNvCxnSpPr>
+            <a:stCxn id="16" idx="3"/>
+            <a:endCxn id="45" idx="3"/>
+          </p:cNvCxnSpPr>
+          <p:nvPr/>
+        </p:nvCxnSpPr>
+        <p:spPr>
           <a:xfrm flipV="1">
-            <a:off x="5786402" y="3631478"/>
-            <a:ext cx="398988" cy="269496"/>
+            <a:off x="4114800" y="3150962"/>
+            <a:ext cx="549790" cy="797920"/>
           </a:xfrm>
           <a:prstGeom prst="bentConnector3">
             <a:avLst>
-              <a:gd name="adj1" fmla="val 50000"/>
+              <a:gd name="adj1" fmla="val 14720"/>
             </a:avLst>
           </a:prstGeom>
           <a:ln w="19050">
             <a:solidFill>
-              <a:srgbClr val="0070C0"/>
+              <a:schemeClr val="accent5">
+                <a:lumMod val="75000"/>
+              </a:schemeClr>
             </a:solidFill>
+            <a:prstDash val="sysDot"/>
             <a:headEnd type="none" w="med" len="med"/>
-            <a:tailEnd type="none" w="med" len="med"/>
+            <a:tailEnd type="arrow" w="med" len="med"/>
           </a:ln>
           <a:effectLst/>
         </p:spPr>
@@ -5161,237 +6102,28 @@
       </p:cxnSp>
       <p:cxnSp>
         <p:nvCxnSpPr>
-          <p:cNvPr id="46" name="Elbow Connector 122"/>
-          <p:cNvCxnSpPr/>
+          <p:cNvPr id="113" name="Elbow Connector 63"/>
+          <p:cNvCxnSpPr>
+            <a:stCxn id="16" idx="3"/>
+            <a:endCxn id="44" idx="3"/>
+          </p:cNvCxnSpPr>
           <p:nvPr/>
         </p:nvCxnSpPr>
         <p:spPr>
-          <a:xfrm rot="5400000" flipH="1" flipV="1">
-            <a:off x="1807196" y="3315772"/>
-            <a:ext cx="882304" cy="12700"/>
+          <a:xfrm flipV="1">
+            <a:off x="4114800" y="2728717"/>
+            <a:ext cx="549792" cy="1220165"/>
           </a:xfrm>
           <a:prstGeom prst="bentConnector3">
             <a:avLst>
-              <a:gd name="adj1" fmla="val 50000"/>
+              <a:gd name="adj1" fmla="val 14720"/>
             </a:avLst>
           </a:prstGeom>
           <a:ln w="19050">
             <a:solidFill>
-              <a:srgbClr val="0070C0"/>
-            </a:solidFill>
-            <a:prstDash val="sysDot"/>
-            <a:headEnd type="none" w="med" len="med"/>
-            <a:tailEnd type="arrow" w="med" len="med"/>
-          </a:ln>
-          <a:effectLst/>
-        </p:spPr>
-        <p:style>
-          <a:lnRef idx="1">
-            <a:schemeClr val="accent2"/>
-          </a:lnRef>
-          <a:fillRef idx="2">
-            <a:schemeClr val="accent2"/>
-          </a:fillRef>
-          <a:effectRef idx="1">
-            <a:schemeClr val="accent2"/>
-          </a:effectRef>
-          <a:fontRef idx="minor">
-            <a:schemeClr val="dk1"/>
-          </a:fontRef>
-        </p:style>
-      </p:cxnSp>
-      <p:sp>
-        <p:nvSpPr>
-          <p:cNvPr id="47" name="Rectangle 62"/>
-          <p:cNvSpPr/>
-          <p:nvPr/>
-        </p:nvSpPr>
-        <p:spPr>
-          <a:xfrm>
-            <a:off x="3048000" y="3183650"/>
-            <a:ext cx="751107" cy="346760"/>
-          </a:xfrm>
-          <a:prstGeom prst="rect">
-            <a:avLst/>
-          </a:prstGeom>
-          <a:solidFill>
-            <a:srgbClr val="0070C0"/>
-          </a:solidFill>
-          <a:ln w="19050">
-            <a:solidFill>
-              <a:srgbClr val="0070C0"/>
-            </a:solidFill>
-          </a:ln>
-          <a:effectLst/>
-        </p:spPr>
-        <p:style>
-          <a:lnRef idx="1">
-            <a:schemeClr val="accent2"/>
-          </a:lnRef>
-          <a:fillRef idx="2">
-            <a:schemeClr val="accent2"/>
-          </a:fillRef>
-          <a:effectRef idx="1">
-            <a:schemeClr val="accent2"/>
-          </a:effectRef>
-          <a:fontRef idx="minor">
-            <a:schemeClr val="dk1"/>
-          </a:fontRef>
-        </p:style>
-        <p:txBody>
-          <a:bodyPr rtlCol="0" anchor="ctr"/>
-          <a:lstStyle/>
-          <a:p>
-            <a:pPr algn="ctr"/>
-            <a:r>
-              <a:rPr lang="en-US" sz="1050" dirty="0" smtClean="0">
-                <a:solidFill>
-                  <a:schemeClr val="bg1"/>
-                </a:solidFill>
-              </a:rPr>
-              <a:t>Argument</a:t>
-            </a:r>
-            <a:br>
-              <a:rPr lang="en-US" sz="1050" dirty="0" smtClean="0">
-                <a:solidFill>
-                  <a:schemeClr val="bg1"/>
-                </a:solidFill>
-              </a:rPr>
-            </a:br>
-            <a:r>
-              <a:rPr lang="en-US" sz="1050" dirty="0" smtClean="0">
-                <a:solidFill>
-                  <a:schemeClr val="bg1"/>
-                </a:solidFill>
-              </a:rPr>
-              <a:t>Tokenizer</a:t>
-            </a:r>
-            <a:endParaRPr lang="en-SG" sz="1050" dirty="0">
-              <a:solidFill>
-                <a:schemeClr val="bg1"/>
-              </a:solidFill>
-            </a:endParaRPr>
-          </a:p>
-        </p:txBody>
-      </p:sp>
-      <p:cxnSp>
-        <p:nvCxnSpPr>
-          <p:cNvPr id="48" name="Straight Arrow Connector 110"/>
-          <p:cNvCxnSpPr/>
-          <p:nvPr/>
-        </p:nvCxnSpPr>
-        <p:spPr>
-          <a:xfrm flipV="1">
-            <a:off x="3581400" y="3511872"/>
-            <a:ext cx="0" cy="245052"/>
-          </a:xfrm>
-          <a:prstGeom prst="straightConnector1">
-            <a:avLst/>
-          </a:prstGeom>
-          <a:ln w="19050">
-            <a:solidFill>
-              <a:srgbClr val="0070C0"/>
-            </a:solidFill>
-            <a:prstDash val="sysDot"/>
-            <a:headEnd type="none" w="med" len="med"/>
-            <a:tailEnd type="arrow" w="med" len="med"/>
-          </a:ln>
-          <a:effectLst/>
-        </p:spPr>
-        <p:style>
-          <a:lnRef idx="1">
-            <a:schemeClr val="accent2"/>
-          </a:lnRef>
-          <a:fillRef idx="2">
-            <a:schemeClr val="accent2"/>
-          </a:fillRef>
-          <a:effectRef idx="1">
-            <a:schemeClr val="accent2"/>
-          </a:effectRef>
-          <a:fontRef idx="minor">
-            <a:schemeClr val="dk1"/>
-          </a:fontRef>
-        </p:style>
-      </p:cxnSp>
-      <p:sp>
-        <p:nvSpPr>
-          <p:cNvPr id="49" name="Rectangle 62"/>
-          <p:cNvSpPr/>
-          <p:nvPr/>
-        </p:nvSpPr>
-        <p:spPr>
-          <a:xfrm>
-            <a:off x="3990437" y="3188061"/>
-            <a:ext cx="510397" cy="346760"/>
-          </a:xfrm>
-          <a:prstGeom prst="rect">
-            <a:avLst/>
-          </a:prstGeom>
-          <a:solidFill>
-            <a:srgbClr val="0070C0"/>
-          </a:solidFill>
-          <a:ln w="19050">
-            <a:solidFill>
-              <a:srgbClr val="0070C0"/>
-            </a:solidFill>
-          </a:ln>
-          <a:effectLst/>
-        </p:spPr>
-        <p:style>
-          <a:lnRef idx="1">
-            <a:schemeClr val="accent2"/>
-          </a:lnRef>
-          <a:fillRef idx="2">
-            <a:schemeClr val="accent2"/>
-          </a:fillRef>
-          <a:effectRef idx="1">
-            <a:schemeClr val="accent2"/>
-          </a:effectRef>
-          <a:fontRef idx="minor">
-            <a:schemeClr val="dk1"/>
-          </a:fontRef>
-        </p:style>
-        <p:txBody>
-          <a:bodyPr rtlCol="0" anchor="ctr"/>
-          <a:lstStyle/>
-          <a:p>
-            <a:pPr algn="ctr"/>
-            <a:r>
-              <a:rPr lang="en-US" sz="1050" dirty="0" smtClean="0">
-                <a:solidFill>
-                  <a:schemeClr val="bg1"/>
-                </a:solidFill>
-              </a:rPr>
-              <a:t>Prefix</a:t>
-            </a:r>
-            <a:endParaRPr lang="en-SG" sz="1050" dirty="0">
-              <a:solidFill>
-                <a:schemeClr val="bg1"/>
-              </a:solidFill>
-            </a:endParaRPr>
-          </a:p>
-        </p:txBody>
-      </p:sp>
-      <p:cxnSp>
-        <p:nvCxnSpPr>
-          <p:cNvPr id="50" name="Straight Arrow Connector 110"/>
-          <p:cNvCxnSpPr>
-            <a:stCxn id="47" idx="3"/>
-            <a:endCxn id="49" idx="1"/>
-          </p:cNvCxnSpPr>
-          <p:nvPr/>
-        </p:nvCxnSpPr>
-        <p:spPr>
-          <a:xfrm>
-            <a:off x="3799107" y="3357030"/>
-            <a:ext cx="191330" cy="4411"/>
-          </a:xfrm>
-          <a:prstGeom prst="straightConnector1">
-            <a:avLst/>
-          </a:prstGeom>
-          <a:ln w="19050">
-            <a:solidFill>
-              <a:srgbClr val="0070C0"/>
+              <a:schemeClr val="accent5">
+                <a:lumMod val="75000"/>
+              </a:schemeClr>
             </a:solidFill>
             <a:prstDash val="sysDot"/>
             <a:headEnd type="none" w="med" len="med"/>
@@ -5416,25 +6148,288 @@
       </p:cxnSp>
       <p:cxnSp>
         <p:nvCxnSpPr>
-          <p:cNvPr id="52" name="Straight Arrow Connector 110"/>
+          <p:cNvPr id="116" name="Elbow Connector 63"/>
+          <p:cNvCxnSpPr>
+            <a:stCxn id="16" idx="3"/>
+            <a:endCxn id="42" idx="3"/>
+          </p:cNvCxnSpPr>
+          <p:nvPr/>
+        </p:nvCxnSpPr>
+        <p:spPr>
+          <a:xfrm flipV="1">
+            <a:off x="4114800" y="2322317"/>
+            <a:ext cx="549792" cy="1626565"/>
+          </a:xfrm>
+          <a:prstGeom prst="bentConnector3">
+            <a:avLst>
+              <a:gd name="adj1" fmla="val 14721"/>
+            </a:avLst>
+          </a:prstGeom>
+          <a:ln w="19050">
+            <a:solidFill>
+              <a:schemeClr val="accent5">
+                <a:lumMod val="75000"/>
+              </a:schemeClr>
+            </a:solidFill>
+            <a:prstDash val="sysDot"/>
+            <a:headEnd type="none" w="med" len="med"/>
+            <a:tailEnd type="arrow" w="med" len="med"/>
+          </a:ln>
+          <a:effectLst/>
+        </p:spPr>
+        <p:style>
+          <a:lnRef idx="1">
+            <a:schemeClr val="accent2"/>
+          </a:lnRef>
+          <a:fillRef idx="2">
+            <a:schemeClr val="accent2"/>
+          </a:fillRef>
+          <a:effectRef idx="1">
+            <a:schemeClr val="accent2"/>
+          </a:effectRef>
+          <a:fontRef idx="minor">
+            <a:schemeClr val="dk1"/>
+          </a:fontRef>
+        </p:style>
+      </p:cxnSp>
+      <p:cxnSp>
+        <p:nvCxnSpPr>
+          <p:cNvPr id="120" name="Elbow Connector 63"/>
+          <p:cNvCxnSpPr>
+            <a:stCxn id="44" idx="1"/>
+            <a:endCxn id="10" idx="3"/>
+          </p:cNvCxnSpPr>
+          <p:nvPr/>
+        </p:nvCxnSpPr>
+        <p:spPr>
+          <a:xfrm flipV="1">
+            <a:off x="5758227" y="2728300"/>
+            <a:ext cx="768138" cy="417"/>
+          </a:xfrm>
+          <a:prstGeom prst="bentConnector3">
+            <a:avLst>
+              <a:gd name="adj1" fmla="val 50000"/>
+            </a:avLst>
+          </a:prstGeom>
+          <a:ln w="19050">
+            <a:solidFill>
+              <a:schemeClr val="accent5">
+                <a:lumMod val="75000"/>
+              </a:schemeClr>
+            </a:solidFill>
+            <a:prstDash val="sysDot"/>
+            <a:headEnd type="none" w="med" len="med"/>
+            <a:tailEnd type="arrow" w="med" len="med"/>
+          </a:ln>
+          <a:effectLst/>
+        </p:spPr>
+        <p:style>
+          <a:lnRef idx="1">
+            <a:schemeClr val="accent2"/>
+          </a:lnRef>
+          <a:fillRef idx="2">
+            <a:schemeClr val="accent2"/>
+          </a:fillRef>
+          <a:effectRef idx="1">
+            <a:schemeClr val="accent2"/>
+          </a:effectRef>
+          <a:fontRef idx="minor">
+            <a:schemeClr val="dk1"/>
+          </a:fontRef>
+        </p:style>
+      </p:cxnSp>
+      <p:cxnSp>
+        <p:nvCxnSpPr>
+          <p:cNvPr id="122" name="Elbow Connector 63"/>
+          <p:cNvCxnSpPr>
+            <a:stCxn id="42" idx="1"/>
+            <a:endCxn id="4" idx="3"/>
+          </p:cNvCxnSpPr>
+          <p:nvPr/>
+        </p:nvCxnSpPr>
+        <p:spPr>
+          <a:xfrm>
+            <a:off x="5758227" y="2322317"/>
+            <a:ext cx="762000" cy="230"/>
+          </a:xfrm>
+          <a:prstGeom prst="bentConnector3">
+            <a:avLst>
+              <a:gd name="adj1" fmla="val 50000"/>
+            </a:avLst>
+          </a:prstGeom>
+          <a:ln w="19050">
+            <a:solidFill>
+              <a:schemeClr val="accent5">
+                <a:lumMod val="75000"/>
+              </a:schemeClr>
+            </a:solidFill>
+            <a:prstDash val="sysDot"/>
+            <a:headEnd type="none" w="med" len="med"/>
+            <a:tailEnd type="arrow" w="med" len="med"/>
+          </a:ln>
+          <a:effectLst/>
+        </p:spPr>
+        <p:style>
+          <a:lnRef idx="1">
+            <a:schemeClr val="accent2"/>
+          </a:lnRef>
+          <a:fillRef idx="2">
+            <a:schemeClr val="accent2"/>
+          </a:fillRef>
+          <a:effectRef idx="1">
+            <a:schemeClr val="accent2"/>
+          </a:effectRef>
+          <a:fontRef idx="minor">
+            <a:schemeClr val="dk1"/>
+          </a:fontRef>
+        </p:style>
+      </p:cxnSp>
+      <p:cxnSp>
+        <p:nvCxnSpPr>
+          <p:cNvPr id="64" name="Straight Connector 63"/>
           <p:cNvCxnSpPr/>
           <p:nvPr/>
         </p:nvCxnSpPr>
         <p:spPr>
-          <a:xfrm flipV="1">
-            <a:off x="4049717" y="3530410"/>
-            <a:ext cx="0" cy="245052"/>
-          </a:xfrm>
-          <a:prstGeom prst="straightConnector1">
+          <a:xfrm>
+            <a:off x="3886200" y="2078487"/>
+            <a:ext cx="0" cy="1218984"/>
+          </a:xfrm>
+          <a:prstGeom prst="line">
             <a:avLst/>
           </a:prstGeom>
           <a:ln w="19050">
             <a:solidFill>
-              <a:srgbClr val="0070C0"/>
+              <a:schemeClr val="accent5">
+                <a:lumMod val="50000"/>
+              </a:schemeClr>
             </a:solidFill>
             <a:prstDash val="sysDot"/>
             <a:headEnd type="none" w="med" len="med"/>
-            <a:tailEnd type="arrow" w="med" len="med"/>
+            <a:tailEnd type="none" w="med" len="med"/>
+          </a:ln>
+          <a:effectLst/>
+        </p:spPr>
+        <p:style>
+          <a:lnRef idx="1">
+            <a:schemeClr val="accent2"/>
+          </a:lnRef>
+          <a:fillRef idx="2">
+            <a:schemeClr val="accent2"/>
+          </a:fillRef>
+          <a:effectRef idx="1">
+            <a:schemeClr val="accent2"/>
+          </a:effectRef>
+          <a:fontRef idx="minor">
+            <a:schemeClr val="dk1"/>
+          </a:fontRef>
+        </p:style>
+      </p:cxnSp>
+      <p:cxnSp>
+        <p:nvCxnSpPr>
+          <p:cNvPr id="66" name="Straight Connector 65"/>
+          <p:cNvCxnSpPr/>
+          <p:nvPr/>
+        </p:nvCxnSpPr>
+        <p:spPr>
+          <a:xfrm>
+            <a:off x="3894672" y="2209800"/>
+            <a:ext cx="769918" cy="0"/>
+          </a:xfrm>
+          <a:prstGeom prst="line">
+            <a:avLst/>
+          </a:prstGeom>
+          <a:ln w="19050">
+            <a:solidFill>
+              <a:schemeClr val="accent5">
+                <a:lumMod val="50000"/>
+              </a:schemeClr>
+            </a:solidFill>
+            <a:prstDash val="sysDot"/>
+            <a:headEnd type="none" w="med" len="med"/>
+            <a:tailEnd type="none" w="med" len="med"/>
+          </a:ln>
+          <a:effectLst/>
+        </p:spPr>
+        <p:style>
+          <a:lnRef idx="1">
+            <a:schemeClr val="accent2"/>
+          </a:lnRef>
+          <a:fillRef idx="2">
+            <a:schemeClr val="accent2"/>
+          </a:fillRef>
+          <a:effectRef idx="1">
+            <a:schemeClr val="accent2"/>
+          </a:effectRef>
+          <a:fontRef idx="minor">
+            <a:schemeClr val="dk1"/>
+          </a:fontRef>
+        </p:style>
+      </p:cxnSp>
+      <p:cxnSp>
+        <p:nvCxnSpPr>
+          <p:cNvPr id="73" name="Straight Connector 72"/>
+          <p:cNvCxnSpPr/>
+          <p:nvPr/>
+        </p:nvCxnSpPr>
+        <p:spPr>
+          <a:xfrm>
+            <a:off x="3886200" y="2607244"/>
+            <a:ext cx="769918" cy="0"/>
+          </a:xfrm>
+          <a:prstGeom prst="line">
+            <a:avLst/>
+          </a:prstGeom>
+          <a:ln w="19050">
+            <a:solidFill>
+              <a:schemeClr val="accent5">
+                <a:lumMod val="50000"/>
+              </a:schemeClr>
+            </a:solidFill>
+            <a:prstDash val="sysDot"/>
+            <a:headEnd type="none" w="med" len="med"/>
+            <a:tailEnd type="none" w="med" len="med"/>
+          </a:ln>
+          <a:effectLst/>
+        </p:spPr>
+        <p:style>
+          <a:lnRef idx="1">
+            <a:schemeClr val="accent2"/>
+          </a:lnRef>
+          <a:fillRef idx="2">
+            <a:schemeClr val="accent2"/>
+          </a:fillRef>
+          <a:effectRef idx="1">
+            <a:schemeClr val="accent2"/>
+          </a:effectRef>
+          <a:fontRef idx="minor">
+            <a:schemeClr val="dk1"/>
+          </a:fontRef>
+        </p:style>
+      </p:cxnSp>
+      <p:cxnSp>
+        <p:nvCxnSpPr>
+          <p:cNvPr id="74" name="Straight Connector 73"/>
+          <p:cNvCxnSpPr/>
+          <p:nvPr/>
+        </p:nvCxnSpPr>
+        <p:spPr>
+          <a:xfrm>
+            <a:off x="3886200" y="3048000"/>
+            <a:ext cx="769918" cy="0"/>
+          </a:xfrm>
+          <a:prstGeom prst="line">
+            <a:avLst/>
+          </a:prstGeom>
+          <a:ln w="19050">
+            <a:solidFill>
+              <a:schemeClr val="accent5">
+                <a:lumMod val="50000"/>
+              </a:schemeClr>
+            </a:solidFill>
+            <a:prstDash val="sysDot"/>
+            <a:headEnd type="none" w="med" len="med"/>
+            <a:tailEnd type="none" w="med" len="med"/>
           </a:ln>
           <a:effectLst/>
         </p:spPr>
@@ -5456,20 +6451,13 @@
     </p:spTree>
     <p:extLst>
       <p:ext uri="{BB962C8B-B14F-4D97-AF65-F5344CB8AC3E}">
-        <p14:creationId xmlns:p14="http://schemas.microsoft.com/office/powerpoint/2010/main" val="599777654"/>
+        <p14:creationId xmlns:p14="http://schemas.microsoft.com/office/powerpoint/2010/main" val="211586602"/>
       </p:ext>
     </p:extLst>
   </p:cSld>
   <p:clrMapOvr>
     <a:masterClrMapping/>
   </p:clrMapOvr>
-  <p:timing>
-    <p:tnLst>
-      <p:par>
-        <p:cTn id="1" dur="indefinite" restart="never" nodeType="tmRoot"/>
-      </p:par>
-    </p:tnLst>
-  </p:timing>
 </p:sld>
 </file>
 

--- a/docs/diagrams/LogicComponentClassDiagram.pptx
+++ b/docs/diagrams/LogicComponentClassDiagram.pptx
@@ -6189,13 +6189,15 @@
         <p:spPr>
           <a:xfrm>
             <a:off x="3158534" y="2447743"/>
-            <a:ext cx="575266" cy="0"/>
+            <a:ext cx="346666" cy="0"/>
           </a:xfrm>
           <a:prstGeom prst="line">
             <a:avLst/>
           </a:prstGeom>
           <a:ln>
             <a:prstDash val="sysDash"/>
+            <a:headEnd type="arrow" w="med" len="med"/>
+            <a:tailEnd type="none" w="med" len="med"/>
           </a:ln>
         </p:spPr>
         <p:style>
@@ -6250,6 +6252,105 @@
           </a:fontRef>
         </p:style>
       </p:cxnSp>
+      <p:grpSp>
+        <p:nvGrpSpPr>
+          <p:cNvPr id="68" name="Group 67"/>
+          <p:cNvGrpSpPr/>
+          <p:nvPr/>
+        </p:nvGrpSpPr>
+        <p:grpSpPr>
+          <a:xfrm rot="5400000">
+            <a:off x="3583288" y="3481226"/>
+            <a:ext cx="555486" cy="254462"/>
+            <a:chOff x="3798139" y="875689"/>
+            <a:chExt cx="555486" cy="230832"/>
+          </a:xfrm>
+        </p:grpSpPr>
+        <p:sp>
+          <p:nvSpPr>
+            <p:cNvPr id="69" name="TextBox 68"/>
+            <p:cNvSpPr txBox="1"/>
+            <p:nvPr/>
+          </p:nvSpPr>
+          <p:spPr>
+            <a:xfrm rot="10800000">
+              <a:off x="3798139" y="875689"/>
+              <a:ext cx="555486" cy="230832"/>
+            </a:xfrm>
+            <a:prstGeom prst="rect">
+              <a:avLst/>
+            </a:prstGeom>
+            <a:noFill/>
+          </p:spPr>
+          <p:txBody>
+            <a:bodyPr wrap="square" lIns="0" tIns="0" rIns="0" bIns="0" rtlCol="0">
+              <a:noAutofit/>
+            </a:bodyPr>
+            <a:lstStyle/>
+            <a:p>
+              <a:r>
+                <a:rPr lang="en-US" sz="1100" dirty="0" smtClean="0">
+                  <a:solidFill>
+                    <a:srgbClr val="0070C0"/>
+                  </a:solidFill>
+                </a:rPr>
+                <a:t>creates</a:t>
+              </a:r>
+              <a:endParaRPr lang="en-SG" sz="1100" dirty="0">
+                <a:solidFill>
+                  <a:srgbClr val="0070C0"/>
+                </a:solidFill>
+              </a:endParaRPr>
+            </a:p>
+          </p:txBody>
+        </p:sp>
+        <p:sp>
+          <p:nvSpPr>
+            <p:cNvPr id="70" name="Isosceles Triangle 69"/>
+            <p:cNvSpPr/>
+            <p:nvPr/>
+          </p:nvSpPr>
+          <p:spPr>
+            <a:xfrm rot="5400000" flipV="1">
+              <a:off x="3822835" y="964974"/>
+              <a:ext cx="119885" cy="88141"/>
+            </a:xfrm>
+            <a:prstGeom prst="triangle">
+              <a:avLst/>
+            </a:prstGeom>
+            <a:solidFill>
+              <a:srgbClr val="0070C0"/>
+            </a:solidFill>
+            <a:ln>
+              <a:noFill/>
+            </a:ln>
+          </p:spPr>
+          <p:style>
+            <a:lnRef idx="2">
+              <a:schemeClr val="accent1">
+                <a:shade val="50000"/>
+              </a:schemeClr>
+            </a:lnRef>
+            <a:fillRef idx="1">
+              <a:schemeClr val="accent1"/>
+            </a:fillRef>
+            <a:effectRef idx="0">
+              <a:schemeClr val="accent1"/>
+            </a:effectRef>
+            <a:fontRef idx="minor">
+              <a:schemeClr val="lt1"/>
+            </a:fontRef>
+          </p:style>
+          <p:txBody>
+            <a:bodyPr rtlCol="0" anchor="ctr"/>
+            <a:lstStyle/>
+            <a:p>
+              <a:pPr algn="ctr"/>
+              <a:endParaRPr lang="en-SG"/>
+            </a:p>
+          </p:txBody>
+        </p:sp>
+      </p:grpSp>
     </p:spTree>
     <p:extLst>
       <p:ext uri="{BB962C8B-B14F-4D97-AF65-F5344CB8AC3E}">

--- a/docs/diagrams/LogicComponentClassDiagram.pptx
+++ b/docs/diagrams/LogicComponentClassDiagram.pptx
@@ -8,7 +8,7 @@
     <p:notesMasterId r:id="rId3"/>
   </p:notesMasterIdLst>
   <p:sldIdLst>
-    <p:sldId id="261" r:id="rId2"/>
+    <p:sldId id="262" r:id="rId2"/>
   </p:sldIdLst>
   <p:sldSz cx="9144000" cy="6858000" type="screen4x3"/>
   <p:notesSz cx="6858000" cy="9144000"/>
@@ -107,6 +107,22 @@
       </a:defRPr>
     </a:lvl9pPr>
   </p:defaultTextStyle>
+  <p:extLst>
+    <p:ext uri="{EFAFB233-063F-42B5-8137-9DF3F51BA10A}">
+      <p15:sldGuideLst xmlns:p15="http://schemas.microsoft.com/office/powerpoint/2012/main">
+        <p15:guide id="1" orient="horz" pos="1488">
+          <p15:clr>
+            <a:srgbClr val="A4A3A4"/>
+          </p15:clr>
+        </p15:guide>
+        <p15:guide id="2" pos="2880">
+          <p15:clr>
+            <a:srgbClr val="A4A3A4"/>
+          </p15:clr>
+        </p15:guide>
+      </p15:sldGuideLst>
+    </p:ext>
+  </p:extLst>
 </p:presentation>
 </file>
 
@@ -192,7 +208,7 @@
           <a:p>
             <a:fld id="{F5CC4B3F-88C1-4FFA-B1B6-F41C21DC6924}" type="datetimeFigureOut">
               <a:rPr lang="en-US" smtClean="0"/>
-              <a:t>10/16/2016</a:t>
+              <a:t>2/2/2017</a:t>
             </a:fld>
             <a:endParaRPr lang="en-US"/>
           </a:p>
@@ -641,7 +657,7 @@
           <a:p>
             <a:fld id="{78C97017-6FC3-485B-9764-EAC9E56C1D49}" type="datetimeFigureOut">
               <a:rPr lang="en-US" smtClean="0"/>
-              <a:t>10/16/2016</a:t>
+              <a:t>2/2/2017</a:t>
             </a:fld>
             <a:endParaRPr lang="en-US"/>
           </a:p>
@@ -811,7 +827,7 @@
           <a:p>
             <a:fld id="{78C97017-6FC3-485B-9764-EAC9E56C1D49}" type="datetimeFigureOut">
               <a:rPr lang="en-US" smtClean="0"/>
-              <a:t>10/16/2016</a:t>
+              <a:t>2/2/2017</a:t>
             </a:fld>
             <a:endParaRPr lang="en-US"/>
           </a:p>
@@ -991,7 +1007,7 @@
           <a:p>
             <a:fld id="{78C97017-6FC3-485B-9764-EAC9E56C1D49}" type="datetimeFigureOut">
               <a:rPr lang="en-US" smtClean="0"/>
-              <a:t>10/16/2016</a:t>
+              <a:t>2/2/2017</a:t>
             </a:fld>
             <a:endParaRPr lang="en-US"/>
           </a:p>
@@ -1161,7 +1177,7 @@
           <a:p>
             <a:fld id="{78C97017-6FC3-485B-9764-EAC9E56C1D49}" type="datetimeFigureOut">
               <a:rPr lang="en-US" smtClean="0"/>
-              <a:t>10/16/2016</a:t>
+              <a:t>2/2/2017</a:t>
             </a:fld>
             <a:endParaRPr lang="en-US"/>
           </a:p>
@@ -1407,7 +1423,7 @@
           <a:p>
             <a:fld id="{78C97017-6FC3-485B-9764-EAC9E56C1D49}" type="datetimeFigureOut">
               <a:rPr lang="en-US" smtClean="0"/>
-              <a:t>10/16/2016</a:t>
+              <a:t>2/2/2017</a:t>
             </a:fld>
             <a:endParaRPr lang="en-US"/>
           </a:p>
@@ -1695,7 +1711,7 @@
           <a:p>
             <a:fld id="{78C97017-6FC3-485B-9764-EAC9E56C1D49}" type="datetimeFigureOut">
               <a:rPr lang="en-US" smtClean="0"/>
-              <a:t>10/16/2016</a:t>
+              <a:t>2/2/2017</a:t>
             </a:fld>
             <a:endParaRPr lang="en-US"/>
           </a:p>
@@ -2117,7 +2133,7 @@
           <a:p>
             <a:fld id="{78C97017-6FC3-485B-9764-EAC9E56C1D49}" type="datetimeFigureOut">
               <a:rPr lang="en-US" smtClean="0"/>
-              <a:t>10/16/2016</a:t>
+              <a:t>2/2/2017</a:t>
             </a:fld>
             <a:endParaRPr lang="en-US"/>
           </a:p>
@@ -2235,7 +2251,7 @@
           <a:p>
             <a:fld id="{78C97017-6FC3-485B-9764-EAC9E56C1D49}" type="datetimeFigureOut">
               <a:rPr lang="en-US" smtClean="0"/>
-              <a:t>10/16/2016</a:t>
+              <a:t>2/2/2017</a:t>
             </a:fld>
             <a:endParaRPr lang="en-US"/>
           </a:p>
@@ -2330,7 +2346,7 @@
           <a:p>
             <a:fld id="{78C97017-6FC3-485B-9764-EAC9E56C1D49}" type="datetimeFigureOut">
               <a:rPr lang="en-US" smtClean="0"/>
-              <a:t>10/16/2016</a:t>
+              <a:t>2/2/2017</a:t>
             </a:fld>
             <a:endParaRPr lang="en-US"/>
           </a:p>
@@ -2607,7 +2623,7 @@
           <a:p>
             <a:fld id="{78C97017-6FC3-485B-9764-EAC9E56C1D49}" type="datetimeFigureOut">
               <a:rPr lang="en-US" smtClean="0"/>
-              <a:t>10/16/2016</a:t>
+              <a:t>2/2/2017</a:t>
             </a:fld>
             <a:endParaRPr lang="en-US"/>
           </a:p>
@@ -2860,7 +2876,7 @@
           <a:p>
             <a:fld id="{78C97017-6FC3-485B-9764-EAC9E56C1D49}" type="datetimeFigureOut">
               <a:rPr lang="en-US" smtClean="0"/>
-              <a:t>10/16/2016</a:t>
+              <a:t>2/2/2017</a:t>
             </a:fld>
             <a:endParaRPr lang="en-US"/>
           </a:p>
@@ -3073,7 +3089,7 @@
           <a:p>
             <a:fld id="{78C97017-6FC3-485B-9764-EAC9E56C1D49}" type="datetimeFigureOut">
               <a:rPr lang="en-US" smtClean="0"/>
-              <a:t>10/16/2016</a:t>
+              <a:t>2/2/2017</a:t>
             </a:fld>
             <a:endParaRPr lang="en-US"/>
           </a:p>
@@ -3450,14 +3466,14 @@
       </p:grpSpPr>
       <p:sp>
         <p:nvSpPr>
-          <p:cNvPr id="3" name="Rectangle 65"/>
+          <p:cNvPr id="2" name="Rectangle 65"/>
           <p:cNvSpPr/>
           <p:nvPr/>
         </p:nvSpPr>
         <p:spPr>
           <a:xfrm>
-            <a:off x="1103085" y="2057399"/>
-            <a:ext cx="6288315" cy="2272167"/>
+            <a:off x="1066800" y="914400"/>
+            <a:ext cx="6288315" cy="3415166"/>
           </a:xfrm>
           <a:prstGeom prst="roundRect">
             <a:avLst>
@@ -3494,7 +3510,7 @@
           <a:lstStyle/>
           <a:p>
             <a:r>
-              <a:rPr lang="en-US" sz="1200" b="1" dirty="0" smtClean="0">
+              <a:rPr lang="en-US" sz="1200" b="1" dirty="0">
                 <a:solidFill>
                   <a:srgbClr val="0070C0"/>
                 </a:solidFill>
@@ -3511,13 +3527,13 @@
       </p:sp>
       <p:sp>
         <p:nvSpPr>
-          <p:cNvPr id="4" name="Rectangle 8"/>
+          <p:cNvPr id="3" name="Rectangle 8"/>
           <p:cNvSpPr/>
           <p:nvPr/>
         </p:nvSpPr>
         <p:spPr>
           <a:xfrm>
-            <a:off x="2095948" y="2548840"/>
+            <a:off x="2095948" y="1442082"/>
             <a:ext cx="1093635" cy="346760"/>
           </a:xfrm>
           <a:prstGeom prst="rect">
@@ -3570,13 +3586,13 @@
       </p:sp>
       <p:sp>
         <p:nvSpPr>
-          <p:cNvPr id="5" name="Rectangle 11"/>
+          <p:cNvPr id="4" name="Rectangle 11"/>
           <p:cNvSpPr/>
           <p:nvPr/>
         </p:nvSpPr>
         <p:spPr>
           <a:xfrm flipH="1">
-            <a:off x="6180592" y="2648528"/>
+            <a:off x="5943600" y="2149167"/>
             <a:ext cx="1093635" cy="346760"/>
           </a:xfrm>
           <a:prstGeom prst="rect">
@@ -3609,7 +3625,7 @@
           <a:p>
             <a:pPr algn="ctr"/>
             <a:r>
-              <a:rPr lang="en-US" sz="1050" b="1" dirty="0" err="1">
+              <a:rPr lang="en-US" sz="1050" b="1" dirty="0" err="1" smtClean="0">
                 <a:solidFill>
                   <a:srgbClr val="0070C0"/>
                 </a:solidFill>
@@ -3626,13 +3642,13 @@
       </p:sp>
       <p:sp>
         <p:nvSpPr>
-          <p:cNvPr id="6" name="Rectangle 62"/>
+          <p:cNvPr id="5" name="Rectangle 62"/>
           <p:cNvSpPr/>
           <p:nvPr/>
         </p:nvSpPr>
         <p:spPr>
           <a:xfrm>
-            <a:off x="2015218" y="3763620"/>
+            <a:off x="1780785" y="3772963"/>
             <a:ext cx="1093635" cy="346760"/>
           </a:xfrm>
           <a:prstGeom prst="rect">
@@ -3668,7 +3684,7 @@
           <a:p>
             <a:pPr algn="ctr"/>
             <a:r>
-              <a:rPr lang="en-US" sz="1050" dirty="0" err="1" smtClean="0">
+              <a:rPr lang="en-US" sz="1050" dirty="0" err="1">
                 <a:solidFill>
                   <a:schemeClr val="bg1"/>
                 </a:solidFill>
@@ -3685,20 +3701,20 @@
       </p:sp>
       <p:cxnSp>
         <p:nvCxnSpPr>
-          <p:cNvPr id="7" name="Elbow Connector 63"/>
+          <p:cNvPr id="6" name="Elbow Connector 63"/>
           <p:cNvCxnSpPr>
-            <a:endCxn id="4" idx="3"/>
+            <a:endCxn id="3" idx="3"/>
           </p:cNvCxnSpPr>
           <p:nvPr/>
         </p:nvCxnSpPr>
         <p:spPr>
           <a:xfrm rot="10800000">
-            <a:off x="3189584" y="2722220"/>
-            <a:ext cx="2296817" cy="1187104"/>
+            <a:off x="3189584" y="1615462"/>
+            <a:ext cx="2296817" cy="2157062"/>
           </a:xfrm>
           <a:prstGeom prst="bentConnector3">
             <a:avLst>
-              <a:gd name="adj1" fmla="val -267"/>
+              <a:gd name="adj1" fmla="val -1707"/>
             </a:avLst>
           </a:prstGeom>
           <a:ln w="19050">
@@ -3708,383 +3724,6 @@
             <a:prstDash val="sysDot"/>
             <a:headEnd type="none" w="med" len="med"/>
             <a:tailEnd type="arrow" w="med" len="med"/>
-          </a:ln>
-          <a:effectLst/>
-        </p:spPr>
-        <p:style>
-          <a:lnRef idx="1">
-            <a:schemeClr val="accent2"/>
-          </a:lnRef>
-          <a:fillRef idx="2">
-            <a:schemeClr val="accent2"/>
-          </a:fillRef>
-          <a:effectRef idx="1">
-            <a:schemeClr val="accent2"/>
-          </a:effectRef>
-          <a:fontRef idx="minor">
-            <a:schemeClr val="dk1"/>
-          </a:fontRef>
-        </p:style>
-      </p:cxnSp>
-      <p:sp>
-        <p:nvSpPr>
-          <p:cNvPr id="8" name="Isosceles Triangle 102"/>
-          <p:cNvSpPr/>
-          <p:nvPr/>
-        </p:nvSpPr>
-        <p:spPr>
-          <a:xfrm rot="5400000" flipV="1">
-            <a:off x="5563388" y="3813212"/>
-            <a:ext cx="270504" cy="175523"/>
-          </a:xfrm>
-          <a:prstGeom prst="triangle">
-            <a:avLst/>
-          </a:prstGeom>
-          <a:ln w="19050">
-            <a:solidFill>
-              <a:srgbClr val="0070C0"/>
-            </a:solidFill>
-          </a:ln>
-          <a:effectLst/>
-        </p:spPr>
-        <p:style>
-          <a:lnRef idx="1">
-            <a:schemeClr val="accent1"/>
-          </a:lnRef>
-          <a:fillRef idx="2">
-            <a:schemeClr val="accent1"/>
-          </a:fillRef>
-          <a:effectRef idx="1">
-            <a:schemeClr val="accent1"/>
-          </a:effectRef>
-          <a:fontRef idx="minor">
-            <a:schemeClr val="dk1"/>
-          </a:fontRef>
-        </p:style>
-        <p:txBody>
-          <a:bodyPr rtlCol="0" anchor="ctr"/>
-          <a:lstStyle/>
-          <a:p>
-            <a:pPr algn="ctr"/>
-            <a:endParaRPr lang="en-SG" sz="1050" b="1">
-              <a:solidFill>
-                <a:srgbClr val="92D050"/>
-              </a:solidFill>
-            </a:endParaRPr>
-          </a:p>
-        </p:txBody>
-      </p:sp>
-      <p:cxnSp>
-        <p:nvCxnSpPr>
-          <p:cNvPr id="9" name="Elbow Connector 122"/>
-          <p:cNvCxnSpPr>
-            <a:endCxn id="4" idx="1"/>
-          </p:cNvCxnSpPr>
-          <p:nvPr/>
-        </p:nvCxnSpPr>
-        <p:spPr>
-          <a:xfrm>
-            <a:off x="1676400" y="2719360"/>
-            <a:ext cx="419548" cy="2860"/>
-          </a:xfrm>
-          <a:prstGeom prst="bentConnector3">
-            <a:avLst>
-              <a:gd name="adj1" fmla="val 50000"/>
-            </a:avLst>
-          </a:prstGeom>
-          <a:ln w="19050">
-            <a:solidFill>
-              <a:srgbClr val="0070C0"/>
-            </a:solidFill>
-            <a:prstDash val="sysDot"/>
-            <a:headEnd type="none" w="med" len="med"/>
-            <a:tailEnd type="arrow" w="med" len="med"/>
-          </a:ln>
-          <a:effectLst/>
-        </p:spPr>
-        <p:style>
-          <a:lnRef idx="1">
-            <a:schemeClr val="accent2"/>
-          </a:lnRef>
-          <a:fillRef idx="2">
-            <a:schemeClr val="accent2"/>
-          </a:fillRef>
-          <a:effectRef idx="1">
-            <a:schemeClr val="accent2"/>
-          </a:effectRef>
-          <a:fontRef idx="minor">
-            <a:schemeClr val="dk1"/>
-          </a:fontRef>
-        </p:style>
-      </p:cxnSp>
-      <p:sp>
-        <p:nvSpPr>
-          <p:cNvPr id="10" name="Rectangle 65"/>
-          <p:cNvSpPr/>
-          <p:nvPr/>
-        </p:nvSpPr>
-        <p:spPr>
-          <a:xfrm>
-            <a:off x="1103085" y="4548755"/>
-            <a:ext cx="6288315" cy="328045"/>
-          </a:xfrm>
-          <a:prstGeom prst="roundRect">
-            <a:avLst/>
-          </a:prstGeom>
-          <a:solidFill>
-            <a:schemeClr val="accent4">
-              <a:lumMod val="20000"/>
-              <a:lumOff val="80000"/>
-            </a:schemeClr>
-          </a:solidFill>
-          <a:ln w="19050">
-            <a:noFill/>
-          </a:ln>
-          <a:effectLst/>
-        </p:spPr>
-        <p:style>
-          <a:lnRef idx="1">
-            <a:schemeClr val="accent2"/>
-          </a:lnRef>
-          <a:fillRef idx="2">
-            <a:schemeClr val="accent2"/>
-          </a:fillRef>
-          <a:effectRef idx="1">
-            <a:schemeClr val="accent2"/>
-          </a:effectRef>
-          <a:fontRef idx="minor">
-            <a:schemeClr val="dk1"/>
-          </a:fontRef>
-        </p:style>
-        <p:txBody>
-          <a:bodyPr rtlCol="0" anchor="ctr"/>
-          <a:lstStyle/>
-          <a:p>
-            <a:pPr algn="ctr"/>
-            <a:r>
-              <a:rPr lang="en-US" sz="1100" b="1" dirty="0">
-                <a:solidFill>
-                  <a:schemeClr val="bg1"/>
-                </a:solidFill>
-              </a:rPr>
-              <a:t>Model</a:t>
-            </a:r>
-            <a:endParaRPr lang="en-SG" sz="1100" b="1" dirty="0">
-              <a:solidFill>
-                <a:schemeClr val="bg1"/>
-              </a:solidFill>
-            </a:endParaRPr>
-          </a:p>
-        </p:txBody>
-      </p:sp>
-      <p:sp>
-        <p:nvSpPr>
-          <p:cNvPr id="11" name="Rectangle 11"/>
-          <p:cNvSpPr/>
-          <p:nvPr/>
-        </p:nvSpPr>
-        <p:spPr>
-          <a:xfrm flipH="1">
-            <a:off x="6180592" y="3054928"/>
-            <a:ext cx="1093635" cy="346760"/>
-          </a:xfrm>
-          <a:prstGeom prst="rect">
-            <a:avLst/>
-          </a:prstGeom>
-          <a:ln w="19050">
-            <a:solidFill>
-              <a:srgbClr val="0070C0"/>
-            </a:solidFill>
-          </a:ln>
-          <a:effectLst/>
-        </p:spPr>
-        <p:style>
-          <a:lnRef idx="1">
-            <a:schemeClr val="accent1"/>
-          </a:lnRef>
-          <a:fillRef idx="2">
-            <a:schemeClr val="accent1"/>
-          </a:fillRef>
-          <a:effectRef idx="1">
-            <a:schemeClr val="accent1"/>
-          </a:effectRef>
-          <a:fontRef idx="minor">
-            <a:schemeClr val="dk1"/>
-          </a:fontRef>
-        </p:style>
-        <p:txBody>
-          <a:bodyPr rtlCol="0" anchor="ctr"/>
-          <a:lstStyle/>
-          <a:p>
-            <a:pPr algn="ctr"/>
-            <a:r>
-              <a:rPr lang="en-US" sz="1050" b="1" dirty="0" err="1">
-                <a:solidFill>
-                  <a:srgbClr val="0070C0"/>
-                </a:solidFill>
-              </a:rPr>
-              <a:t>ListCommand</a:t>
-            </a:r>
-            <a:endParaRPr lang="en-SG" sz="1050" b="1" dirty="0">
-              <a:solidFill>
-                <a:srgbClr val="0070C0"/>
-              </a:solidFill>
-            </a:endParaRPr>
-          </a:p>
-        </p:txBody>
-      </p:sp>
-      <p:sp>
-        <p:nvSpPr>
-          <p:cNvPr id="12" name="Rectangle 11"/>
-          <p:cNvSpPr/>
-          <p:nvPr/>
-        </p:nvSpPr>
-        <p:spPr>
-          <a:xfrm flipH="1">
-            <a:off x="6180590" y="3860800"/>
-            <a:ext cx="1093635" cy="346760"/>
-          </a:xfrm>
-          <a:prstGeom prst="rect">
-            <a:avLst/>
-          </a:prstGeom>
-          <a:ln w="19050">
-            <a:solidFill>
-              <a:srgbClr val="0070C0"/>
-            </a:solidFill>
-          </a:ln>
-          <a:effectLst/>
-        </p:spPr>
-        <p:style>
-          <a:lnRef idx="1">
-            <a:schemeClr val="accent1"/>
-          </a:lnRef>
-          <a:fillRef idx="2">
-            <a:schemeClr val="accent1"/>
-          </a:fillRef>
-          <a:effectRef idx="1">
-            <a:schemeClr val="accent1"/>
-          </a:effectRef>
-          <a:fontRef idx="minor">
-            <a:schemeClr val="dk1"/>
-          </a:fontRef>
-        </p:style>
-        <p:txBody>
-          <a:bodyPr rtlCol="0" anchor="ctr"/>
-          <a:lstStyle/>
-          <a:p>
-            <a:pPr algn="ctr"/>
-            <a:r>
-              <a:rPr lang="en-US" sz="1050" b="1" dirty="0">
-                <a:solidFill>
-                  <a:srgbClr val="0070C0"/>
-                </a:solidFill>
-              </a:rPr>
-              <a:t>…</a:t>
-            </a:r>
-            <a:endParaRPr lang="en-SG" sz="1050" b="1" dirty="0">
-              <a:solidFill>
-                <a:srgbClr val="0070C0"/>
-              </a:solidFill>
-            </a:endParaRPr>
-          </a:p>
-        </p:txBody>
-      </p:sp>
-      <p:sp>
-        <p:nvSpPr>
-          <p:cNvPr id="14" name="Rectangle 62"/>
-          <p:cNvSpPr/>
-          <p:nvPr/>
-        </p:nvSpPr>
-        <p:spPr>
-          <a:xfrm>
-            <a:off x="4815685" y="3765721"/>
-            <a:ext cx="772043" cy="346760"/>
-          </a:xfrm>
-          <a:prstGeom prst="rect">
-            <a:avLst/>
-          </a:prstGeom>
-          <a:ln w="19050">
-            <a:solidFill>
-              <a:srgbClr val="0070C0"/>
-            </a:solidFill>
-          </a:ln>
-          <a:effectLst/>
-        </p:spPr>
-        <p:style>
-          <a:lnRef idx="1">
-            <a:schemeClr val="accent1"/>
-          </a:lnRef>
-          <a:fillRef idx="2">
-            <a:schemeClr val="accent1"/>
-          </a:fillRef>
-          <a:effectRef idx="1">
-            <a:schemeClr val="accent1"/>
-          </a:effectRef>
-          <a:fontRef idx="minor">
-            <a:schemeClr val="dk1"/>
-          </a:fontRef>
-        </p:style>
-        <p:txBody>
-          <a:bodyPr rtlCol="0" anchor="ctr"/>
-          <a:lstStyle/>
-          <a:p>
-            <a:pPr algn="ctr"/>
-            <a:r>
-              <a:rPr lang="en-US" sz="1050" b="1" dirty="0" smtClean="0">
-                <a:solidFill>
-                  <a:srgbClr val="0070C0"/>
-                </a:solidFill>
-              </a:rPr>
-              <a:t>{abstract}</a:t>
-            </a:r>
-            <a:br>
-              <a:rPr lang="en-US" sz="1050" b="1" dirty="0" smtClean="0">
-                <a:solidFill>
-                  <a:srgbClr val="0070C0"/>
-                </a:solidFill>
-              </a:rPr>
-            </a:br>
-            <a:r>
-              <a:rPr lang="en-US" sz="1050" b="1" dirty="0" smtClean="0">
-                <a:solidFill>
-                  <a:srgbClr val="0070C0"/>
-                </a:solidFill>
-              </a:rPr>
-              <a:t>Command</a:t>
-            </a:r>
-            <a:endParaRPr lang="en-SG" sz="1050" b="1" dirty="0">
-              <a:solidFill>
-                <a:srgbClr val="0070C0"/>
-              </a:solidFill>
-            </a:endParaRPr>
-          </a:p>
-        </p:txBody>
-      </p:sp>
-      <p:cxnSp>
-        <p:nvCxnSpPr>
-          <p:cNvPr id="15" name="Elbow Connector 63"/>
-          <p:cNvCxnSpPr>
-            <a:stCxn id="5" idx="3"/>
-            <a:endCxn id="8" idx="3"/>
-          </p:cNvCxnSpPr>
-          <p:nvPr/>
-        </p:nvCxnSpPr>
-        <p:spPr>
-          <a:xfrm rot="10800000" flipV="1">
-            <a:off x="5786402" y="2821908"/>
-            <a:ext cx="394190" cy="1079066"/>
-          </a:xfrm>
-          <a:prstGeom prst="bentConnector3">
-            <a:avLst>
-              <a:gd name="adj1" fmla="val 50000"/>
-            </a:avLst>
-          </a:prstGeom>
-          <a:ln w="19050">
-            <a:solidFill>
-              <a:srgbClr val="0070C0"/>
-            </a:solidFill>
-            <a:headEnd type="none" w="med" len="med"/>
-            <a:tailEnd type="none" w="med" len="med"/>
           </a:ln>
           <a:effectLst/>
         </p:spPr>
@@ -4105,17 +3744,16 @@
       </p:cxnSp>
       <p:cxnSp>
         <p:nvCxnSpPr>
-          <p:cNvPr id="16" name="Elbow Connector 63"/>
+          <p:cNvPr id="8" name="Elbow Connector 122"/>
           <p:cNvCxnSpPr>
-            <a:stCxn id="8" idx="3"/>
-            <a:endCxn id="12" idx="3"/>
+            <a:endCxn id="3" idx="1"/>
           </p:cNvCxnSpPr>
           <p:nvPr/>
         </p:nvCxnSpPr>
         <p:spPr>
           <a:xfrm>
-            <a:off x="5786402" y="3900974"/>
-            <a:ext cx="394188" cy="133206"/>
+            <a:off x="1676400" y="1612602"/>
+            <a:ext cx="419548" cy="2860"/>
           </a:xfrm>
           <a:prstGeom prst="bentConnector3">
             <a:avLst>
@@ -4126,8 +3764,355 @@
             <a:solidFill>
               <a:srgbClr val="0070C0"/>
             </a:solidFill>
+            <a:prstDash val="sysDot"/>
             <a:headEnd type="none" w="med" len="med"/>
-            <a:tailEnd type="none" w="med" len="med"/>
+            <a:tailEnd type="arrow" w="med" len="med"/>
+          </a:ln>
+          <a:effectLst/>
+        </p:spPr>
+        <p:style>
+          <a:lnRef idx="1">
+            <a:schemeClr val="accent2"/>
+          </a:lnRef>
+          <a:fillRef idx="2">
+            <a:schemeClr val="accent2"/>
+          </a:fillRef>
+          <a:effectRef idx="1">
+            <a:schemeClr val="accent2"/>
+          </a:effectRef>
+          <a:fontRef idx="minor">
+            <a:schemeClr val="dk1"/>
+          </a:fontRef>
+        </p:style>
+      </p:cxnSp>
+      <p:sp>
+        <p:nvSpPr>
+          <p:cNvPr id="9" name="Rectangle 65"/>
+          <p:cNvSpPr/>
+          <p:nvPr/>
+        </p:nvSpPr>
+        <p:spPr>
+          <a:xfrm>
+            <a:off x="1103085" y="4558098"/>
+            <a:ext cx="6288315" cy="328045"/>
+          </a:xfrm>
+          <a:prstGeom prst="roundRect">
+            <a:avLst/>
+          </a:prstGeom>
+          <a:solidFill>
+            <a:schemeClr val="accent4">
+              <a:lumMod val="20000"/>
+              <a:lumOff val="80000"/>
+            </a:schemeClr>
+          </a:solidFill>
+          <a:ln w="19050">
+            <a:noFill/>
+          </a:ln>
+          <a:effectLst/>
+        </p:spPr>
+        <p:style>
+          <a:lnRef idx="1">
+            <a:schemeClr val="accent2"/>
+          </a:lnRef>
+          <a:fillRef idx="2">
+            <a:schemeClr val="accent2"/>
+          </a:fillRef>
+          <a:effectRef idx="1">
+            <a:schemeClr val="accent2"/>
+          </a:effectRef>
+          <a:fontRef idx="minor">
+            <a:schemeClr val="dk1"/>
+          </a:fontRef>
+        </p:style>
+        <p:txBody>
+          <a:bodyPr rtlCol="0" anchor="ctr"/>
+          <a:lstStyle/>
+          <a:p>
+            <a:pPr algn="ctr"/>
+            <a:r>
+              <a:rPr lang="en-US" sz="1100" b="1" dirty="0">
+                <a:solidFill>
+                  <a:schemeClr val="bg1"/>
+                </a:solidFill>
+              </a:rPr>
+              <a:t>Model</a:t>
+            </a:r>
+            <a:endParaRPr lang="en-SG" sz="1100" b="1" dirty="0">
+              <a:solidFill>
+                <a:schemeClr val="bg1"/>
+              </a:solidFill>
+            </a:endParaRPr>
+          </a:p>
+        </p:txBody>
+      </p:sp>
+      <p:sp>
+        <p:nvSpPr>
+          <p:cNvPr id="10" name="Rectangle 11"/>
+          <p:cNvSpPr/>
+          <p:nvPr/>
+        </p:nvSpPr>
+        <p:spPr>
+          <a:xfrm flipH="1">
+            <a:off x="5949738" y="2554920"/>
+            <a:ext cx="1093635" cy="346760"/>
+          </a:xfrm>
+          <a:prstGeom prst="rect">
+            <a:avLst/>
+          </a:prstGeom>
+          <a:ln w="19050">
+            <a:solidFill>
+              <a:srgbClr val="0070C0"/>
+            </a:solidFill>
+          </a:ln>
+          <a:effectLst/>
+        </p:spPr>
+        <p:style>
+          <a:lnRef idx="1">
+            <a:schemeClr val="accent1"/>
+          </a:lnRef>
+          <a:fillRef idx="2">
+            <a:schemeClr val="accent1"/>
+          </a:fillRef>
+          <a:effectRef idx="1">
+            <a:schemeClr val="accent1"/>
+          </a:effectRef>
+          <a:fontRef idx="minor">
+            <a:schemeClr val="dk1"/>
+          </a:fontRef>
+        </p:style>
+        <p:txBody>
+          <a:bodyPr rtlCol="0" anchor="ctr"/>
+          <a:lstStyle/>
+          <a:p>
+            <a:pPr algn="ctr"/>
+            <a:r>
+              <a:rPr lang="en-US" sz="1050" b="1" dirty="0" err="1" smtClean="0">
+                <a:solidFill>
+                  <a:srgbClr val="0070C0"/>
+                </a:solidFill>
+              </a:rPr>
+              <a:t>FindCommand</a:t>
+            </a:r>
+            <a:endParaRPr lang="en-SG" sz="1050" b="1" dirty="0">
+              <a:solidFill>
+                <a:srgbClr val="0070C0"/>
+              </a:solidFill>
+            </a:endParaRPr>
+          </a:p>
+        </p:txBody>
+      </p:sp>
+      <p:sp>
+        <p:nvSpPr>
+          <p:cNvPr id="11" name="Rectangle 10"/>
+          <p:cNvSpPr/>
+          <p:nvPr/>
+        </p:nvSpPr>
+        <p:spPr>
+          <a:xfrm flipH="1">
+            <a:off x="5949738" y="3396383"/>
+            <a:ext cx="1093635" cy="346760"/>
+          </a:xfrm>
+          <a:prstGeom prst="rect">
+            <a:avLst/>
+          </a:prstGeom>
+          <a:ln w="19050">
+            <a:solidFill>
+              <a:srgbClr val="0070C0"/>
+            </a:solidFill>
+          </a:ln>
+          <a:effectLst/>
+        </p:spPr>
+        <p:style>
+          <a:lnRef idx="1">
+            <a:schemeClr val="accent1"/>
+          </a:lnRef>
+          <a:fillRef idx="2">
+            <a:schemeClr val="accent1"/>
+          </a:fillRef>
+          <a:effectRef idx="1">
+            <a:schemeClr val="accent1"/>
+          </a:effectRef>
+          <a:fontRef idx="minor">
+            <a:schemeClr val="dk1"/>
+          </a:fontRef>
+        </p:style>
+        <p:txBody>
+          <a:bodyPr rtlCol="0" anchor="ctr"/>
+          <a:lstStyle/>
+          <a:p>
+            <a:pPr algn="ctr"/>
+            <a:r>
+              <a:rPr lang="en-US" sz="1050" b="1" dirty="0">
+                <a:solidFill>
+                  <a:srgbClr val="0070C0"/>
+                </a:solidFill>
+              </a:rPr>
+              <a:t>…</a:t>
+            </a:r>
+            <a:endParaRPr lang="en-SG" sz="1050" b="1" dirty="0">
+              <a:solidFill>
+                <a:srgbClr val="0070C0"/>
+              </a:solidFill>
+            </a:endParaRPr>
+          </a:p>
+        </p:txBody>
+      </p:sp>
+      <p:sp>
+        <p:nvSpPr>
+          <p:cNvPr id="12" name="Rectangle 62"/>
+          <p:cNvSpPr/>
+          <p:nvPr/>
+        </p:nvSpPr>
+        <p:spPr>
+          <a:xfrm>
+            <a:off x="4815685" y="3775064"/>
+            <a:ext cx="772043" cy="346760"/>
+          </a:xfrm>
+          <a:prstGeom prst="rect">
+            <a:avLst/>
+          </a:prstGeom>
+          <a:ln w="19050">
+            <a:solidFill>
+              <a:srgbClr val="0070C0"/>
+            </a:solidFill>
+          </a:ln>
+          <a:effectLst/>
+        </p:spPr>
+        <p:style>
+          <a:lnRef idx="1">
+            <a:schemeClr val="accent1"/>
+          </a:lnRef>
+          <a:fillRef idx="2">
+            <a:schemeClr val="accent1"/>
+          </a:fillRef>
+          <a:effectRef idx="1">
+            <a:schemeClr val="accent1"/>
+          </a:effectRef>
+          <a:fontRef idx="minor">
+            <a:schemeClr val="dk1"/>
+          </a:fontRef>
+        </p:style>
+        <p:txBody>
+          <a:bodyPr rtlCol="0" anchor="ctr"/>
+          <a:lstStyle/>
+          <a:p>
+            <a:pPr algn="ctr"/>
+            <a:r>
+              <a:rPr lang="en-US" sz="1050" b="1" dirty="0">
+                <a:solidFill>
+                  <a:srgbClr val="0070C0"/>
+                </a:solidFill>
+              </a:rPr>
+              <a:t>{abstract}</a:t>
+            </a:r>
+            <a:br>
+              <a:rPr lang="en-US" sz="1050" b="1" dirty="0">
+                <a:solidFill>
+                  <a:srgbClr val="0070C0"/>
+                </a:solidFill>
+              </a:rPr>
+            </a:br>
+            <a:r>
+              <a:rPr lang="en-US" sz="1050" b="1" dirty="0">
+                <a:solidFill>
+                  <a:srgbClr val="0070C0"/>
+                </a:solidFill>
+              </a:rPr>
+              <a:t>Command</a:t>
+            </a:r>
+            <a:endParaRPr lang="en-SG" sz="1050" b="1" dirty="0">
+              <a:solidFill>
+                <a:srgbClr val="0070C0"/>
+              </a:solidFill>
+            </a:endParaRPr>
+          </a:p>
+        </p:txBody>
+      </p:sp>
+      <p:sp>
+        <p:nvSpPr>
+          <p:cNvPr id="16" name="Rectangle 62"/>
+          <p:cNvSpPr/>
+          <p:nvPr/>
+        </p:nvSpPr>
+        <p:spPr>
+          <a:xfrm>
+            <a:off x="3098739" y="3775502"/>
+            <a:ext cx="585450" cy="346760"/>
+          </a:xfrm>
+          <a:prstGeom prst="rect">
+            <a:avLst/>
+          </a:prstGeom>
+          <a:solidFill>
+            <a:srgbClr val="0070C0"/>
+          </a:solidFill>
+          <a:ln w="19050">
+            <a:solidFill>
+              <a:srgbClr val="0070C0"/>
+            </a:solidFill>
+          </a:ln>
+          <a:effectLst/>
+        </p:spPr>
+        <p:style>
+          <a:lnRef idx="1">
+            <a:schemeClr val="accent2"/>
+          </a:lnRef>
+          <a:fillRef idx="2">
+            <a:schemeClr val="accent2"/>
+          </a:fillRef>
+          <a:effectRef idx="1">
+            <a:schemeClr val="accent2"/>
+          </a:effectRef>
+          <a:fontRef idx="minor">
+            <a:schemeClr val="dk1"/>
+          </a:fontRef>
+        </p:style>
+        <p:txBody>
+          <a:bodyPr rtlCol="0" anchor="ctr"/>
+          <a:lstStyle/>
+          <a:p>
+            <a:pPr algn="ctr"/>
+            <a:r>
+              <a:rPr lang="en-US" sz="1050" dirty="0">
+                <a:solidFill>
+                  <a:schemeClr val="bg1"/>
+                </a:solidFill>
+              </a:rPr>
+              <a:t>Parser</a:t>
+            </a:r>
+            <a:endParaRPr lang="en-SG" sz="1050" dirty="0">
+              <a:solidFill>
+                <a:schemeClr val="bg1"/>
+              </a:solidFill>
+            </a:endParaRPr>
+          </a:p>
+        </p:txBody>
+      </p:sp>
+      <p:cxnSp>
+        <p:nvCxnSpPr>
+          <p:cNvPr id="17" name="Elbow Connector 106"/>
+          <p:cNvCxnSpPr>
+            <a:stCxn id="5" idx="3"/>
+            <a:endCxn id="16" idx="1"/>
+          </p:cNvCxnSpPr>
+          <p:nvPr/>
+        </p:nvCxnSpPr>
+        <p:spPr>
+          <a:xfrm>
+            <a:off x="2874420" y="3946343"/>
+            <a:ext cx="224319" cy="2539"/>
+          </a:xfrm>
+          <a:prstGeom prst="bentConnector3">
+            <a:avLst>
+              <a:gd name="adj1" fmla="val 50000"/>
+            </a:avLst>
+          </a:prstGeom>
+          <a:ln w="19050">
+            <a:solidFill>
+              <a:srgbClr val="0070C0"/>
+            </a:solidFill>
+            <a:prstDash val="solid"/>
+            <a:headEnd type="none" w="med" len="med"/>
+            <a:tailEnd type="arrow" w="med" len="med"/>
           </a:ln>
           <a:effectLst/>
         </p:spPr>
@@ -4148,29 +4133,27 @@
       </p:cxnSp>
       <p:cxnSp>
         <p:nvCxnSpPr>
-          <p:cNvPr id="17" name="Elbow Connector 63"/>
+          <p:cNvPr id="18" name="Straight Arrow Connector 110"/>
           <p:cNvCxnSpPr>
-            <a:stCxn id="8" idx="3"/>
-            <a:endCxn id="11" idx="3"/>
+            <a:stCxn id="12" idx="2"/>
           </p:cNvCxnSpPr>
           <p:nvPr/>
         </p:nvCxnSpPr>
         <p:spPr>
-          <a:xfrm flipV="1">
-            <a:off x="5786402" y="3228308"/>
-            <a:ext cx="394190" cy="672666"/>
-          </a:xfrm>
-          <a:prstGeom prst="bentConnector3">
-            <a:avLst>
-              <a:gd name="adj1" fmla="val 50000"/>
-            </a:avLst>
+          <a:xfrm>
+            <a:off x="5201707" y="4121824"/>
+            <a:ext cx="1" cy="436274"/>
+          </a:xfrm>
+          <a:prstGeom prst="straightConnector1">
+            <a:avLst/>
           </a:prstGeom>
           <a:ln w="19050">
             <a:solidFill>
               <a:srgbClr val="0070C0"/>
             </a:solidFill>
+            <a:prstDash val="sysDot"/>
             <a:headEnd type="none" w="med" len="med"/>
-            <a:tailEnd type="none" w="med" len="med"/>
+            <a:tailEnd type="arrow" w="med" len="med"/>
           </a:ln>
           <a:effectLst/>
         </p:spPr>
@@ -4191,14 +4174,14 @@
       </p:cxnSp>
       <p:sp>
         <p:nvSpPr>
-          <p:cNvPr id="18" name="Rectangle 62"/>
+          <p:cNvPr id="19" name="Rectangle 62"/>
           <p:cNvSpPr/>
           <p:nvPr/>
         </p:nvSpPr>
         <p:spPr>
-          <a:xfrm>
-            <a:off x="3527828" y="3766159"/>
-            <a:ext cx="585450" cy="346760"/>
+          <a:xfrm rot="16200000">
+            <a:off x="398120" y="2312463"/>
+            <a:ext cx="2209800" cy="346760"/>
           </a:xfrm>
           <a:prstGeom prst="rect">
             <a:avLst/>
@@ -4238,7 +4221,18 @@
                   <a:schemeClr val="bg1"/>
                 </a:solidFill>
               </a:rPr>
-              <a:t>Parser</a:t>
+              <a:t>&lt;&lt;interface&gt;&gt;</a:t>
+            </a:r>
+          </a:p>
+          <a:p>
+            <a:pPr algn="ctr"/>
+            <a:r>
+              <a:rPr lang="en-US" sz="1050" dirty="0">
+                <a:solidFill>
+                  <a:schemeClr val="bg1"/>
+                </a:solidFill>
+              </a:rPr>
+              <a:t>Logic</a:t>
             </a:r>
             <a:endParaRPr lang="en-SG" sz="1050" dirty="0">
               <a:solidFill>
@@ -4248,32 +4242,84 @@
           </a:p>
         </p:txBody>
       </p:sp>
+      <p:sp>
+        <p:nvSpPr>
+          <p:cNvPr id="20" name="Isosceles Triangle 102"/>
+          <p:cNvSpPr/>
+          <p:nvPr/>
+        </p:nvSpPr>
+        <p:spPr>
+          <a:xfrm>
+            <a:off x="1359039" y="3590743"/>
+            <a:ext cx="270504" cy="175523"/>
+          </a:xfrm>
+          <a:prstGeom prst="triangle">
+            <a:avLst/>
+          </a:prstGeom>
+          <a:solidFill>
+            <a:schemeClr val="tx2">
+              <a:lumMod val="60000"/>
+              <a:lumOff val="40000"/>
+            </a:schemeClr>
+          </a:solidFill>
+          <a:ln w="19050">
+            <a:solidFill>
+              <a:srgbClr val="0070C0"/>
+            </a:solidFill>
+          </a:ln>
+          <a:effectLst/>
+        </p:spPr>
+        <p:style>
+          <a:lnRef idx="1">
+            <a:schemeClr val="accent1"/>
+          </a:lnRef>
+          <a:fillRef idx="2">
+            <a:schemeClr val="accent1"/>
+          </a:fillRef>
+          <a:effectRef idx="1">
+            <a:schemeClr val="accent1"/>
+          </a:effectRef>
+          <a:fontRef idx="minor">
+            <a:schemeClr val="dk1"/>
+          </a:fontRef>
+        </p:style>
+        <p:txBody>
+          <a:bodyPr rtlCol="0" anchor="ctr"/>
+          <a:lstStyle/>
+          <a:p>
+            <a:pPr algn="ctr"/>
+            <a:endParaRPr lang="en-SG" sz="1050" b="1">
+              <a:solidFill>
+                <a:srgbClr val="92D050"/>
+              </a:solidFill>
+            </a:endParaRPr>
+          </a:p>
+        </p:txBody>
+      </p:sp>
       <p:cxnSp>
         <p:nvCxnSpPr>
-          <p:cNvPr id="19" name="Elbow Connector 106"/>
+          <p:cNvPr id="21" name="Elbow Connector 63"/>
           <p:cNvCxnSpPr>
-            <a:stCxn id="6" idx="3"/>
-            <a:endCxn id="18" idx="1"/>
+            <a:stCxn id="5" idx="1"/>
+            <a:endCxn id="20" idx="3"/>
           </p:cNvCxnSpPr>
           <p:nvPr/>
         </p:nvCxnSpPr>
         <p:spPr>
-          <a:xfrm>
-            <a:off x="3108853" y="3937000"/>
-            <a:ext cx="418975" cy="2539"/>
-          </a:xfrm>
-          <a:prstGeom prst="bentConnector3">
-            <a:avLst>
-              <a:gd name="adj1" fmla="val 50000"/>
-            </a:avLst>
+          <a:xfrm rot="10800000">
+            <a:off x="1494291" y="3766267"/>
+            <a:ext cx="286494" cy="180077"/>
+          </a:xfrm>
+          <a:prstGeom prst="bentConnector2">
+            <a:avLst/>
           </a:prstGeom>
           <a:ln w="19050">
             <a:solidFill>
               <a:srgbClr val="0070C0"/>
             </a:solidFill>
-            <a:prstDash val="solid"/>
+            <a:prstDash val="sysDot"/>
             <a:headEnd type="none" w="med" len="med"/>
-            <a:tailEnd type="arrow" w="med" len="med"/>
+            <a:tailEnd type="none" w="med" len="med"/>
           </a:ln>
           <a:effectLst/>
         </p:spPr>
@@ -4294,16 +4340,16 @@
       </p:cxnSp>
       <p:cxnSp>
         <p:nvCxnSpPr>
-          <p:cNvPr id="20" name="Straight Arrow Connector 110"/>
+          <p:cNvPr id="23" name="Straight Arrow Connector 57"/>
           <p:cNvCxnSpPr>
-            <a:stCxn id="14" idx="2"/>
+            <a:stCxn id="5" idx="2"/>
           </p:cNvCxnSpPr>
           <p:nvPr/>
         </p:nvCxnSpPr>
         <p:spPr>
-          <a:xfrm>
-            <a:off x="5201707" y="4112481"/>
-            <a:ext cx="1" cy="436274"/>
+          <a:xfrm flipH="1">
+            <a:off x="2327602" y="4119723"/>
+            <a:ext cx="1" cy="438375"/>
           </a:xfrm>
           <a:prstGeom prst="straightConnector1">
             <a:avLst/>
@@ -4312,175 +4358,8 @@
             <a:solidFill>
               <a:srgbClr val="0070C0"/>
             </a:solidFill>
-            <a:prstDash val="sysDot"/>
             <a:headEnd type="none" w="med" len="med"/>
             <a:tailEnd type="arrow" w="med" len="med"/>
-          </a:ln>
-          <a:effectLst/>
-        </p:spPr>
-        <p:style>
-          <a:lnRef idx="1">
-            <a:schemeClr val="accent2"/>
-          </a:lnRef>
-          <a:fillRef idx="2">
-            <a:schemeClr val="accent2"/>
-          </a:fillRef>
-          <a:effectRef idx="1">
-            <a:schemeClr val="accent2"/>
-          </a:effectRef>
-          <a:fontRef idx="minor">
-            <a:schemeClr val="dk1"/>
-          </a:fontRef>
-        </p:style>
-      </p:cxnSp>
-      <p:sp>
-        <p:nvSpPr>
-          <p:cNvPr id="21" name="Rectangle 62"/>
-          <p:cNvSpPr/>
-          <p:nvPr/>
-        </p:nvSpPr>
-        <p:spPr>
-          <a:xfrm rot="16200000">
-            <a:off x="956202" y="2861202"/>
-            <a:ext cx="1093635" cy="346760"/>
-          </a:xfrm>
-          <a:prstGeom prst="rect">
-            <a:avLst/>
-          </a:prstGeom>
-          <a:solidFill>
-            <a:srgbClr val="0070C0"/>
-          </a:solidFill>
-          <a:ln w="19050">
-            <a:solidFill>
-              <a:srgbClr val="0070C0"/>
-            </a:solidFill>
-          </a:ln>
-          <a:effectLst/>
-        </p:spPr>
-        <p:style>
-          <a:lnRef idx="1">
-            <a:schemeClr val="accent2"/>
-          </a:lnRef>
-          <a:fillRef idx="2">
-            <a:schemeClr val="accent2"/>
-          </a:fillRef>
-          <a:effectRef idx="1">
-            <a:schemeClr val="accent2"/>
-          </a:effectRef>
-          <a:fontRef idx="minor">
-            <a:schemeClr val="dk1"/>
-          </a:fontRef>
-        </p:style>
-        <p:txBody>
-          <a:bodyPr rtlCol="0" anchor="ctr"/>
-          <a:lstStyle/>
-          <a:p>
-            <a:pPr algn="ctr"/>
-            <a:r>
-              <a:rPr lang="en-US" sz="1050" dirty="0">
-                <a:solidFill>
-                  <a:schemeClr val="bg1"/>
-                </a:solidFill>
-              </a:rPr>
-              <a:t>&lt;&lt;interface&gt;&gt;</a:t>
-            </a:r>
-          </a:p>
-          <a:p>
-            <a:pPr algn="ctr"/>
-            <a:r>
-              <a:rPr lang="en-US" sz="1050" dirty="0">
-                <a:solidFill>
-                  <a:schemeClr val="bg1"/>
-                </a:solidFill>
-              </a:rPr>
-              <a:t>Logic</a:t>
-            </a:r>
-            <a:endParaRPr lang="en-SG" sz="1050" dirty="0">
-              <a:solidFill>
-                <a:schemeClr val="bg1"/>
-              </a:solidFill>
-            </a:endParaRPr>
-          </a:p>
-        </p:txBody>
-      </p:sp>
-      <p:sp>
-        <p:nvSpPr>
-          <p:cNvPr id="22" name="Isosceles Triangle 102"/>
-          <p:cNvSpPr/>
-          <p:nvPr/>
-        </p:nvSpPr>
-        <p:spPr>
-          <a:xfrm>
-            <a:off x="1359039" y="3581400"/>
-            <a:ext cx="270504" cy="175523"/>
-          </a:xfrm>
-          <a:prstGeom prst="triangle">
-            <a:avLst/>
-          </a:prstGeom>
-          <a:solidFill>
-            <a:schemeClr val="tx2">
-              <a:lumMod val="60000"/>
-              <a:lumOff val="40000"/>
-            </a:schemeClr>
-          </a:solidFill>
-          <a:ln w="19050">
-            <a:solidFill>
-              <a:srgbClr val="0070C0"/>
-            </a:solidFill>
-          </a:ln>
-          <a:effectLst/>
-        </p:spPr>
-        <p:style>
-          <a:lnRef idx="1">
-            <a:schemeClr val="accent1"/>
-          </a:lnRef>
-          <a:fillRef idx="2">
-            <a:schemeClr val="accent1"/>
-          </a:fillRef>
-          <a:effectRef idx="1">
-            <a:schemeClr val="accent1"/>
-          </a:effectRef>
-          <a:fontRef idx="minor">
-            <a:schemeClr val="dk1"/>
-          </a:fontRef>
-        </p:style>
-        <p:txBody>
-          <a:bodyPr rtlCol="0" anchor="ctr"/>
-          <a:lstStyle/>
-          <a:p>
-            <a:pPr algn="ctr"/>
-            <a:endParaRPr lang="en-SG" sz="1050" b="1">
-              <a:solidFill>
-                <a:srgbClr val="92D050"/>
-              </a:solidFill>
-            </a:endParaRPr>
-          </a:p>
-        </p:txBody>
-      </p:sp>
-      <p:cxnSp>
-        <p:nvCxnSpPr>
-          <p:cNvPr id="23" name="Elbow Connector 63"/>
-          <p:cNvCxnSpPr>
-            <a:stCxn id="6" idx="1"/>
-            <a:endCxn id="22" idx="3"/>
-          </p:cNvCxnSpPr>
-          <p:nvPr/>
-        </p:nvCxnSpPr>
-        <p:spPr>
-          <a:xfrm rot="10800000">
-            <a:off x="1494292" y="3756924"/>
-            <a:ext cx="520927" cy="180077"/>
-          </a:xfrm>
-          <a:prstGeom prst="bentConnector2">
-            <a:avLst/>
-          </a:prstGeom>
-          <a:ln w="19050">
-            <a:solidFill>
-              <a:srgbClr val="0070C0"/>
-            </a:solidFill>
-            <a:prstDash val="sysDot"/>
-            <a:headEnd type="none" w="med" len="med"/>
-            <a:tailEnd type="none" w="med" len="med"/>
           </a:ln>
           <a:effectLst/>
         </p:spPr>
@@ -4501,24 +4380,25 @@
       </p:cxnSp>
       <p:cxnSp>
         <p:nvCxnSpPr>
-          <p:cNvPr id="24" name="Straight Arrow Connector 54"/>
-          <p:cNvCxnSpPr>
-            <a:stCxn id="18" idx="3"/>
-            <a:endCxn id="14" idx="1"/>
-          </p:cNvCxnSpPr>
+          <p:cNvPr id="24" name="Elbow Connector 122"/>
+          <p:cNvCxnSpPr/>
           <p:nvPr/>
         </p:nvCxnSpPr>
         <p:spPr>
-          <a:xfrm flipV="1">
-            <a:off x="4113278" y="3939101"/>
-            <a:ext cx="702407" cy="438"/>
-          </a:xfrm>
-          <a:prstGeom prst="straightConnector1">
-            <a:avLst/>
+          <a:xfrm>
+            <a:off x="893311" y="2994248"/>
+            <a:ext cx="419548" cy="2860"/>
+          </a:xfrm>
+          <a:prstGeom prst="bentConnector3">
+            <a:avLst>
+              <a:gd name="adj1" fmla="val 50000"/>
+            </a:avLst>
           </a:prstGeom>
           <a:ln w="19050">
             <a:solidFill>
-              <a:srgbClr val="0070C0"/>
+              <a:schemeClr val="bg1">
+                <a:lumMod val="75000"/>
+              </a:schemeClr>
             </a:solidFill>
             <a:prstDash val="sysDot"/>
             <a:headEnd type="none" w="med" len="med"/>
@@ -4543,104 +4423,21 @@
       </p:cxnSp>
       <p:cxnSp>
         <p:nvCxnSpPr>
-          <p:cNvPr id="25" name="Straight Arrow Connector 57"/>
+          <p:cNvPr id="25" name="Elbow Connector 63"/>
           <p:cNvCxnSpPr>
-            <a:stCxn id="6" idx="2"/>
+            <a:stCxn id="5" idx="0"/>
+            <a:endCxn id="12" idx="0"/>
           </p:cNvCxnSpPr>
           <p:nvPr/>
         </p:nvCxnSpPr>
         <p:spPr>
-          <a:xfrm flipH="1">
-            <a:off x="2562035" y="4110380"/>
-            <a:ext cx="1" cy="438375"/>
-          </a:xfrm>
-          <a:prstGeom prst="straightConnector1">
-            <a:avLst/>
-          </a:prstGeom>
-          <a:ln w="19050">
-            <a:solidFill>
-              <a:srgbClr val="0070C0"/>
-            </a:solidFill>
-            <a:headEnd type="none" w="med" len="med"/>
-            <a:tailEnd type="arrow" w="med" len="med"/>
-          </a:ln>
-          <a:effectLst/>
-        </p:spPr>
-        <p:style>
-          <a:lnRef idx="1">
-            <a:schemeClr val="accent2"/>
-          </a:lnRef>
-          <a:fillRef idx="2">
-            <a:schemeClr val="accent2"/>
-          </a:fillRef>
-          <a:effectRef idx="1">
-            <a:schemeClr val="accent2"/>
-          </a:effectRef>
-          <a:fontRef idx="minor">
-            <a:schemeClr val="dk1"/>
-          </a:fontRef>
-        </p:style>
-      </p:cxnSp>
-      <p:cxnSp>
-        <p:nvCxnSpPr>
-          <p:cNvPr id="28" name="Elbow Connector 122"/>
-          <p:cNvCxnSpPr/>
-          <p:nvPr/>
-        </p:nvCxnSpPr>
-        <p:spPr>
-          <a:xfrm>
-            <a:off x="893311" y="2984905"/>
-            <a:ext cx="419548" cy="2860"/>
+          <a:xfrm rot="16200000" flipH="1">
+            <a:off x="3763604" y="2336961"/>
+            <a:ext cx="2101" cy="2874104"/>
           </a:xfrm>
           <a:prstGeom prst="bentConnector3">
             <a:avLst>
-              <a:gd name="adj1" fmla="val 50000"/>
-            </a:avLst>
-          </a:prstGeom>
-          <a:ln w="19050">
-            <a:solidFill>
-              <a:schemeClr val="bg1">
-                <a:lumMod val="75000"/>
-              </a:schemeClr>
-            </a:solidFill>
-            <a:prstDash val="sysDot"/>
-            <a:headEnd type="none" w="med" len="med"/>
-            <a:tailEnd type="arrow" w="med" len="med"/>
-          </a:ln>
-          <a:effectLst/>
-        </p:spPr>
-        <p:style>
-          <a:lnRef idx="1">
-            <a:schemeClr val="accent2"/>
-          </a:lnRef>
-          <a:fillRef idx="2">
-            <a:schemeClr val="accent2"/>
-          </a:fillRef>
-          <a:effectRef idx="1">
-            <a:schemeClr val="accent2"/>
-          </a:effectRef>
-          <a:fontRef idx="minor">
-            <a:schemeClr val="dk1"/>
-          </a:fontRef>
-        </p:style>
-      </p:cxnSp>
-      <p:cxnSp>
-        <p:nvCxnSpPr>
-          <p:cNvPr id="29" name="Elbow Connector 63"/>
-          <p:cNvCxnSpPr>
-            <a:stCxn id="6" idx="0"/>
-            <a:endCxn id="14" idx="0"/>
-          </p:cNvCxnSpPr>
-          <p:nvPr/>
-        </p:nvCxnSpPr>
-        <p:spPr>
-          <a:xfrm rot="16200000" flipH="1">
-            <a:off x="3880820" y="2444835"/>
-            <a:ext cx="2101" cy="2639671"/>
-          </a:xfrm>
-          <a:prstGeom prst="bentConnector3">
-            <a:avLst>
-              <a:gd name="adj1" fmla="val -31982199"/>
+              <a:gd name="adj1" fmla="val -82532842"/>
             </a:avLst>
           </a:prstGeom>
           <a:ln w="19050">
@@ -4670,13 +4467,13 @@
       </p:cxnSp>
       <p:grpSp>
         <p:nvGrpSpPr>
-          <p:cNvPr id="35" name="Group 34"/>
+          <p:cNvPr id="26" name="Group 25"/>
           <p:cNvGrpSpPr/>
           <p:nvPr/>
         </p:nvGrpSpPr>
         <p:grpSpPr>
           <a:xfrm>
-            <a:off x="4107656" y="2869489"/>
+            <a:off x="4064583" y="1846294"/>
             <a:ext cx="889000" cy="230832"/>
             <a:chOff x="2895600" y="807932"/>
             <a:chExt cx="889000" cy="230832"/>
@@ -4684,7 +4481,7 @@
         </p:grpSpPr>
         <p:sp>
           <p:nvSpPr>
-            <p:cNvPr id="33" name="TextBox 32"/>
+            <p:cNvPr id="27" name="TextBox 26"/>
             <p:cNvSpPr txBox="1"/>
             <p:nvPr/>
           </p:nvSpPr>
@@ -4706,7 +4503,7 @@
             <a:p>
               <a:pPr algn="r"/>
               <a:r>
-                <a:rPr lang="en-US" sz="1100" dirty="0" smtClean="0">
+                <a:rPr lang="en-US" sz="1100" dirty="0">
                   <a:solidFill>
                     <a:srgbClr val="0070C0"/>
                   </a:solidFill>
@@ -4723,7 +4520,7 @@
         </p:sp>
         <p:sp>
           <p:nvSpPr>
-            <p:cNvPr id="34" name="Isosceles Triangle 33"/>
+            <p:cNvPr id="28" name="Isosceles Triangle 27"/>
             <p:cNvSpPr/>
             <p:nvPr/>
           </p:nvSpPr>
@@ -4770,13 +4567,13 @@
       </p:grpSp>
       <p:grpSp>
         <p:nvGrpSpPr>
-          <p:cNvPr id="36" name="Group 35"/>
+          <p:cNvPr id="29" name="Group 28"/>
           <p:cNvGrpSpPr/>
           <p:nvPr/>
         </p:nvGrpSpPr>
         <p:grpSpPr>
           <a:xfrm>
-            <a:off x="3973516" y="2512368"/>
+            <a:off x="4665110" y="1408215"/>
             <a:ext cx="868568" cy="230832"/>
             <a:chOff x="2755838" y="789460"/>
             <a:chExt cx="868568" cy="230832"/>
@@ -4784,7 +4581,7 @@
         </p:grpSpPr>
         <p:sp>
           <p:nvSpPr>
-            <p:cNvPr id="37" name="TextBox 36"/>
+            <p:cNvPr id="30" name="TextBox 29"/>
             <p:cNvSpPr txBox="1"/>
             <p:nvPr/>
           </p:nvSpPr>
@@ -4805,7 +4602,7 @@
             <a:lstStyle/>
             <a:p>
               <a:r>
-                <a:rPr lang="en-US" sz="1100" dirty="0" smtClean="0">
+                <a:rPr lang="en-US" sz="1100" dirty="0">
                   <a:solidFill>
                     <a:srgbClr val="0070C0"/>
                   </a:solidFill>
@@ -4822,7 +4619,7 @@
         </p:sp>
         <p:sp>
           <p:nvSpPr>
-            <p:cNvPr id="38" name="Isosceles Triangle 37"/>
+            <p:cNvPr id="31" name="Isosceles Triangle 30"/>
             <p:cNvSpPr/>
             <p:nvPr/>
           </p:nvSpPr>
@@ -4869,13 +4666,13 @@
       </p:grpSp>
       <p:sp>
         <p:nvSpPr>
-          <p:cNvPr id="39" name="TextBox 38"/>
+          <p:cNvPr id="32" name="TextBox 31"/>
           <p:cNvSpPr txBox="1"/>
           <p:nvPr/>
         </p:nvSpPr>
         <p:spPr>
           <a:xfrm>
-            <a:off x="3210180" y="2423264"/>
+            <a:off x="2301175" y="1807488"/>
             <a:ext cx="131116" cy="230832"/>
           </a:xfrm>
           <a:prstGeom prst="rect">
@@ -4891,7 +4688,7 @@
           <a:p>
             <a:pPr algn="r"/>
             <a:r>
-              <a:rPr lang="en-US" sz="1100" dirty="0" smtClean="0">
+              <a:rPr lang="en-US" sz="1100" dirty="0">
                 <a:solidFill>
                   <a:srgbClr val="0070C0"/>
                 </a:solidFill>
@@ -4908,13 +4705,13 @@
       </p:sp>
       <p:sp>
         <p:nvSpPr>
-          <p:cNvPr id="40" name="TextBox 39"/>
+          <p:cNvPr id="33" name="TextBox 32"/>
           <p:cNvSpPr txBox="1"/>
           <p:nvPr/>
         </p:nvSpPr>
         <p:spPr>
           <a:xfrm>
-            <a:off x="3341296" y="3700114"/>
+            <a:off x="2912207" y="3709457"/>
             <a:ext cx="131116" cy="230832"/>
           </a:xfrm>
           <a:prstGeom prst="rect">
@@ -4930,7 +4727,7 @@
           <a:p>
             <a:pPr algn="r"/>
             <a:r>
-              <a:rPr lang="en-US" sz="1100" dirty="0" smtClean="0">
+              <a:rPr lang="en-US" sz="1100" dirty="0">
                 <a:solidFill>
                   <a:srgbClr val="0070C0"/>
                 </a:solidFill>
@@ -4945,30 +4742,913 @@
           </a:p>
         </p:txBody>
       </p:sp>
+      <p:sp>
+        <p:nvSpPr>
+          <p:cNvPr id="37" name="Rectangle 11"/>
+          <p:cNvSpPr/>
+          <p:nvPr/>
+        </p:nvSpPr>
+        <p:spPr>
+          <a:xfrm flipH="1">
+            <a:off x="5949738" y="2956137"/>
+            <a:ext cx="1093635" cy="346760"/>
+          </a:xfrm>
+          <a:prstGeom prst="rect">
+            <a:avLst/>
+          </a:prstGeom>
+          <a:ln w="19050">
+            <a:solidFill>
+              <a:srgbClr val="0070C0"/>
+            </a:solidFill>
+          </a:ln>
+          <a:effectLst/>
+        </p:spPr>
+        <p:style>
+          <a:lnRef idx="1">
+            <a:schemeClr val="accent1"/>
+          </a:lnRef>
+          <a:fillRef idx="2">
+            <a:schemeClr val="accent1"/>
+          </a:fillRef>
+          <a:effectRef idx="1">
+            <a:schemeClr val="accent1"/>
+          </a:effectRef>
+          <a:fontRef idx="minor">
+            <a:schemeClr val="dk1"/>
+          </a:fontRef>
+        </p:style>
+        <p:txBody>
+          <a:bodyPr rtlCol="0" anchor="ctr"/>
+          <a:lstStyle/>
+          <a:p>
+            <a:pPr algn="ctr"/>
+            <a:r>
+              <a:rPr lang="en-US" sz="1050" b="1" dirty="0" smtClean="0">
+                <a:solidFill>
+                  <a:srgbClr val="0070C0"/>
+                </a:solidFill>
+              </a:rPr>
+              <a:t>Incorrect</a:t>
+            </a:r>
+          </a:p>
+          <a:p>
+            <a:pPr algn="ctr"/>
+            <a:r>
+              <a:rPr lang="en-US" sz="1050" b="1" dirty="0" smtClean="0">
+                <a:solidFill>
+                  <a:srgbClr val="0070C0"/>
+                </a:solidFill>
+              </a:rPr>
+              <a:t>Command</a:t>
+            </a:r>
+            <a:endParaRPr lang="en-SG" sz="1050" b="1" dirty="0">
+              <a:solidFill>
+                <a:srgbClr val="0070C0"/>
+              </a:solidFill>
+            </a:endParaRPr>
+          </a:p>
+        </p:txBody>
+      </p:sp>
+      <p:cxnSp>
+        <p:nvCxnSpPr>
+          <p:cNvPr id="39" name="Elbow Connector 122"/>
+          <p:cNvCxnSpPr/>
+          <p:nvPr/>
+        </p:nvCxnSpPr>
+        <p:spPr>
+          <a:xfrm rot="16200000" flipV="1">
+            <a:off x="1194071" y="2780902"/>
+            <a:ext cx="1970727" cy="1"/>
+          </a:xfrm>
+          <a:prstGeom prst="bentConnector3">
+            <a:avLst>
+              <a:gd name="adj1" fmla="val 50000"/>
+            </a:avLst>
+          </a:prstGeom>
+          <a:ln w="19050">
+            <a:solidFill>
+              <a:srgbClr val="0070C0"/>
+            </a:solidFill>
+            <a:prstDash val="sysDot"/>
+            <a:headEnd type="none" w="med" len="med"/>
+            <a:tailEnd type="arrow" w="med" len="med"/>
+          </a:ln>
+          <a:effectLst/>
+        </p:spPr>
+        <p:style>
+          <a:lnRef idx="1">
+            <a:schemeClr val="accent2"/>
+          </a:lnRef>
+          <a:fillRef idx="2">
+            <a:schemeClr val="accent2"/>
+          </a:fillRef>
+          <a:effectRef idx="1">
+            <a:schemeClr val="accent2"/>
+          </a:effectRef>
+          <a:fontRef idx="minor">
+            <a:schemeClr val="dk1"/>
+          </a:fontRef>
+        </p:style>
+      </p:cxnSp>
+      <p:sp>
+        <p:nvSpPr>
+          <p:cNvPr id="42" name="Rectangle 11"/>
+          <p:cNvSpPr/>
+          <p:nvPr/>
+        </p:nvSpPr>
+        <p:spPr>
+          <a:xfrm flipH="1">
+            <a:off x="3859365" y="2167409"/>
+            <a:ext cx="1093635" cy="346760"/>
+          </a:xfrm>
+          <a:prstGeom prst="rect">
+            <a:avLst/>
+          </a:prstGeom>
+          <a:ln w="19050">
+            <a:solidFill>
+              <a:srgbClr val="0070C0"/>
+            </a:solidFill>
+          </a:ln>
+          <a:effectLst/>
+        </p:spPr>
+        <p:style>
+          <a:lnRef idx="1">
+            <a:schemeClr val="accent1"/>
+          </a:lnRef>
+          <a:fillRef idx="2">
+            <a:schemeClr val="accent1"/>
+          </a:fillRef>
+          <a:effectRef idx="1">
+            <a:schemeClr val="accent1"/>
+          </a:effectRef>
+          <a:fontRef idx="minor">
+            <a:schemeClr val="dk1"/>
+          </a:fontRef>
+        </p:style>
+        <p:txBody>
+          <a:bodyPr rtlCol="0" anchor="ctr"/>
+          <a:lstStyle/>
+          <a:p>
+            <a:pPr algn="ctr"/>
+            <a:r>
+              <a:rPr lang="en-US" sz="1050" b="1" dirty="0" err="1">
+                <a:solidFill>
+                  <a:srgbClr val="0070C0"/>
+                </a:solidFill>
+              </a:rPr>
+              <a:t>AddCommand</a:t>
+            </a:r>
+            <a:endParaRPr lang="en-US" sz="1050" b="1" dirty="0">
+              <a:solidFill>
+                <a:srgbClr val="0070C0"/>
+              </a:solidFill>
+            </a:endParaRPr>
+          </a:p>
+          <a:p>
+            <a:pPr algn="ctr"/>
+            <a:r>
+              <a:rPr lang="en-US" sz="1050" b="1" dirty="0">
+                <a:solidFill>
+                  <a:srgbClr val="0070C0"/>
+                </a:solidFill>
+              </a:rPr>
+              <a:t>Parser</a:t>
+            </a:r>
+            <a:endParaRPr lang="en-SG" sz="1050" b="1" dirty="0">
+              <a:solidFill>
+                <a:srgbClr val="0070C0"/>
+              </a:solidFill>
+            </a:endParaRPr>
+          </a:p>
+        </p:txBody>
+      </p:sp>
+      <p:sp>
+        <p:nvSpPr>
+          <p:cNvPr id="44" name="Rectangle 11"/>
+          <p:cNvSpPr/>
+          <p:nvPr/>
+        </p:nvSpPr>
+        <p:spPr>
+          <a:xfrm flipH="1">
+            <a:off x="3859365" y="2573809"/>
+            <a:ext cx="1093635" cy="346760"/>
+          </a:xfrm>
+          <a:prstGeom prst="rect">
+            <a:avLst/>
+          </a:prstGeom>
+          <a:ln w="19050">
+            <a:solidFill>
+              <a:srgbClr val="0070C0"/>
+            </a:solidFill>
+          </a:ln>
+          <a:effectLst/>
+        </p:spPr>
+        <p:style>
+          <a:lnRef idx="1">
+            <a:schemeClr val="accent1"/>
+          </a:lnRef>
+          <a:fillRef idx="2">
+            <a:schemeClr val="accent1"/>
+          </a:fillRef>
+          <a:effectRef idx="1">
+            <a:schemeClr val="accent1"/>
+          </a:effectRef>
+          <a:fontRef idx="minor">
+            <a:schemeClr val="dk1"/>
+          </a:fontRef>
+        </p:style>
+        <p:txBody>
+          <a:bodyPr rtlCol="0" anchor="ctr"/>
+          <a:lstStyle/>
+          <a:p>
+            <a:pPr algn="ctr"/>
+            <a:r>
+              <a:rPr lang="en-US" sz="1050" b="1" dirty="0" err="1">
+                <a:solidFill>
+                  <a:srgbClr val="0070C0"/>
+                </a:solidFill>
+              </a:rPr>
+              <a:t>FindCommand</a:t>
+            </a:r>
+            <a:endParaRPr lang="en-US" sz="1050" b="1" dirty="0">
+              <a:solidFill>
+                <a:srgbClr val="0070C0"/>
+              </a:solidFill>
+            </a:endParaRPr>
+          </a:p>
+          <a:p>
+            <a:pPr algn="ctr"/>
+            <a:r>
+              <a:rPr lang="en-US" sz="1050" b="1" dirty="0">
+                <a:solidFill>
+                  <a:srgbClr val="0070C0"/>
+                </a:solidFill>
+              </a:rPr>
+              <a:t>Parser</a:t>
+            </a:r>
+            <a:endParaRPr lang="en-SG" sz="1050" b="1" dirty="0">
+              <a:solidFill>
+                <a:srgbClr val="0070C0"/>
+              </a:solidFill>
+            </a:endParaRPr>
+          </a:p>
+        </p:txBody>
+      </p:sp>
+      <p:sp>
+        <p:nvSpPr>
+          <p:cNvPr id="45" name="Rectangle 44"/>
+          <p:cNvSpPr/>
+          <p:nvPr/>
+        </p:nvSpPr>
+        <p:spPr>
+          <a:xfrm flipH="1">
+            <a:off x="3859363" y="2977582"/>
+            <a:ext cx="1093635" cy="346760"/>
+          </a:xfrm>
+          <a:prstGeom prst="rect">
+            <a:avLst/>
+          </a:prstGeom>
+          <a:ln w="19050">
+            <a:solidFill>
+              <a:srgbClr val="0070C0"/>
+            </a:solidFill>
+          </a:ln>
+          <a:effectLst/>
+        </p:spPr>
+        <p:style>
+          <a:lnRef idx="1">
+            <a:schemeClr val="accent1"/>
+          </a:lnRef>
+          <a:fillRef idx="2">
+            <a:schemeClr val="accent1"/>
+          </a:fillRef>
+          <a:effectRef idx="1">
+            <a:schemeClr val="accent1"/>
+          </a:effectRef>
+          <a:fontRef idx="minor">
+            <a:schemeClr val="dk1"/>
+          </a:fontRef>
+        </p:style>
+        <p:txBody>
+          <a:bodyPr rtlCol="0" anchor="ctr"/>
+          <a:lstStyle/>
+          <a:p>
+            <a:pPr algn="ctr"/>
+            <a:r>
+              <a:rPr lang="en-US" sz="1050" b="1" dirty="0">
+                <a:solidFill>
+                  <a:srgbClr val="0070C0"/>
+                </a:solidFill>
+              </a:rPr>
+              <a:t>…</a:t>
+            </a:r>
+            <a:endParaRPr lang="en-SG" sz="1050" b="1" dirty="0">
+              <a:solidFill>
+                <a:srgbClr val="0070C0"/>
+              </a:solidFill>
+            </a:endParaRPr>
+          </a:p>
+        </p:txBody>
+      </p:sp>
+      <p:sp>
+        <p:nvSpPr>
+          <p:cNvPr id="56" name="Rectangle 62"/>
+          <p:cNvSpPr/>
+          <p:nvPr/>
+        </p:nvSpPr>
+        <p:spPr>
+          <a:xfrm>
+            <a:off x="2409537" y="2219143"/>
+            <a:ext cx="751107" cy="346760"/>
+          </a:xfrm>
+          <a:prstGeom prst="rect">
+            <a:avLst/>
+          </a:prstGeom>
+          <a:solidFill>
+            <a:srgbClr val="0070C0"/>
+          </a:solidFill>
+          <a:ln w="19050">
+            <a:solidFill>
+              <a:srgbClr val="0070C0"/>
+            </a:solidFill>
+          </a:ln>
+          <a:effectLst/>
+        </p:spPr>
+        <p:style>
+          <a:lnRef idx="1">
+            <a:schemeClr val="accent2"/>
+          </a:lnRef>
+          <a:fillRef idx="2">
+            <a:schemeClr val="accent2"/>
+          </a:fillRef>
+          <a:effectRef idx="1">
+            <a:schemeClr val="accent2"/>
+          </a:effectRef>
+          <a:fontRef idx="minor">
+            <a:schemeClr val="dk1"/>
+          </a:fontRef>
+        </p:style>
+        <p:txBody>
+          <a:bodyPr rtlCol="0" anchor="ctr"/>
+          <a:lstStyle/>
+          <a:p>
+            <a:pPr algn="ctr"/>
+            <a:r>
+              <a:rPr lang="en-US" sz="1050" dirty="0" smtClean="0">
+                <a:solidFill>
+                  <a:schemeClr val="bg1"/>
+                </a:solidFill>
+              </a:rPr>
+              <a:t>Argument</a:t>
+            </a:r>
+            <a:br>
+              <a:rPr lang="en-US" sz="1050" dirty="0" smtClean="0">
+                <a:solidFill>
+                  <a:schemeClr val="bg1"/>
+                </a:solidFill>
+              </a:rPr>
+            </a:br>
+            <a:r>
+              <a:rPr lang="en-US" sz="1050" dirty="0" smtClean="0">
+                <a:solidFill>
+                  <a:schemeClr val="bg1"/>
+                </a:solidFill>
+              </a:rPr>
+              <a:t>Tokenizer</a:t>
+            </a:r>
+            <a:endParaRPr lang="en-SG" sz="1050" dirty="0">
+              <a:solidFill>
+                <a:schemeClr val="bg1"/>
+              </a:solidFill>
+            </a:endParaRPr>
+          </a:p>
+        </p:txBody>
+      </p:sp>
+      <p:sp>
+        <p:nvSpPr>
+          <p:cNvPr id="58" name="Rectangle 62"/>
+          <p:cNvSpPr/>
+          <p:nvPr/>
+        </p:nvSpPr>
+        <p:spPr>
+          <a:xfrm>
+            <a:off x="2648137" y="2606322"/>
+            <a:ext cx="510397" cy="346760"/>
+          </a:xfrm>
+          <a:prstGeom prst="rect">
+            <a:avLst/>
+          </a:prstGeom>
+          <a:solidFill>
+            <a:srgbClr val="0070C0"/>
+          </a:solidFill>
+          <a:ln w="19050">
+            <a:solidFill>
+              <a:srgbClr val="0070C0"/>
+            </a:solidFill>
+          </a:ln>
+          <a:effectLst/>
+        </p:spPr>
+        <p:style>
+          <a:lnRef idx="1">
+            <a:schemeClr val="accent2"/>
+          </a:lnRef>
+          <a:fillRef idx="2">
+            <a:schemeClr val="accent2"/>
+          </a:fillRef>
+          <a:effectRef idx="1">
+            <a:schemeClr val="accent2"/>
+          </a:effectRef>
+          <a:fontRef idx="minor">
+            <a:schemeClr val="dk1"/>
+          </a:fontRef>
+        </p:style>
+        <p:txBody>
+          <a:bodyPr rtlCol="0" anchor="ctr"/>
+          <a:lstStyle/>
+          <a:p>
+            <a:pPr algn="ctr"/>
+            <a:r>
+              <a:rPr lang="en-US" sz="1050" dirty="0" smtClean="0">
+                <a:solidFill>
+                  <a:schemeClr val="bg1"/>
+                </a:solidFill>
+              </a:rPr>
+              <a:t>Prefix</a:t>
+            </a:r>
+            <a:endParaRPr lang="en-SG" sz="1050" dirty="0">
+              <a:solidFill>
+                <a:schemeClr val="bg1"/>
+              </a:solidFill>
+            </a:endParaRPr>
+          </a:p>
+        </p:txBody>
+      </p:sp>
+      <p:cxnSp>
+        <p:nvCxnSpPr>
+          <p:cNvPr id="86" name="Straight Arrow Connector 85"/>
+          <p:cNvCxnSpPr>
+            <a:endCxn id="44" idx="3"/>
+          </p:cNvCxnSpPr>
+          <p:nvPr/>
+        </p:nvCxnSpPr>
+        <p:spPr>
+          <a:xfrm flipV="1">
+            <a:off x="3733800" y="2747189"/>
+            <a:ext cx="125565" cy="5354"/>
+          </a:xfrm>
+          <a:prstGeom prst="straightConnector1">
+            <a:avLst/>
+          </a:prstGeom>
+          <a:ln>
+            <a:prstDash val="dash"/>
+            <a:headEnd type="none" w="med" len="med"/>
+            <a:tailEnd type="arrow" w="med" len="med"/>
+          </a:ln>
+        </p:spPr>
+        <p:style>
+          <a:lnRef idx="1">
+            <a:schemeClr val="accent1"/>
+          </a:lnRef>
+          <a:fillRef idx="0">
+            <a:schemeClr val="accent1"/>
+          </a:fillRef>
+          <a:effectRef idx="0">
+            <a:schemeClr val="accent1"/>
+          </a:effectRef>
+          <a:fontRef idx="minor">
+            <a:schemeClr val="tx1"/>
+          </a:fontRef>
+        </p:style>
+      </p:cxnSp>
+      <p:cxnSp>
+        <p:nvCxnSpPr>
+          <p:cNvPr id="94" name="Straight Arrow Connector 93"/>
+          <p:cNvCxnSpPr/>
+          <p:nvPr/>
+        </p:nvCxnSpPr>
+        <p:spPr>
+          <a:xfrm>
+            <a:off x="3733800" y="3178011"/>
+            <a:ext cx="125563" cy="0"/>
+          </a:xfrm>
+          <a:prstGeom prst="straightConnector1">
+            <a:avLst/>
+          </a:prstGeom>
+          <a:ln>
+            <a:prstDash val="dash"/>
+            <a:headEnd type="none" w="med" len="med"/>
+            <a:tailEnd type="arrow" w="med" len="med"/>
+          </a:ln>
+        </p:spPr>
+        <p:style>
+          <a:lnRef idx="1">
+            <a:schemeClr val="accent1"/>
+          </a:lnRef>
+          <a:fillRef idx="0">
+            <a:schemeClr val="accent1"/>
+          </a:fillRef>
+          <a:effectRef idx="0">
+            <a:schemeClr val="accent1"/>
+          </a:effectRef>
+          <a:fontRef idx="minor">
+            <a:schemeClr val="tx1"/>
+          </a:fontRef>
+        </p:style>
+      </p:cxnSp>
+      <p:cxnSp>
+        <p:nvCxnSpPr>
+          <p:cNvPr id="104" name="Straight Connector 103"/>
+          <p:cNvCxnSpPr/>
+          <p:nvPr/>
+        </p:nvCxnSpPr>
+        <p:spPr>
+          <a:xfrm flipV="1">
+            <a:off x="3733800" y="2295343"/>
+            <a:ext cx="0" cy="1653103"/>
+          </a:xfrm>
+          <a:prstGeom prst="line">
+            <a:avLst/>
+          </a:prstGeom>
+          <a:ln>
+            <a:prstDash val="dash"/>
+          </a:ln>
+        </p:spPr>
+        <p:style>
+          <a:lnRef idx="1">
+            <a:schemeClr val="accent1"/>
+          </a:lnRef>
+          <a:fillRef idx="0">
+            <a:schemeClr val="accent1"/>
+          </a:fillRef>
+          <a:effectRef idx="0">
+            <a:schemeClr val="accent1"/>
+          </a:effectRef>
+          <a:fontRef idx="minor">
+            <a:schemeClr val="tx1"/>
+          </a:fontRef>
+        </p:style>
+      </p:cxnSp>
+      <p:cxnSp>
+        <p:nvCxnSpPr>
+          <p:cNvPr id="107" name="Straight Connector 106"/>
+          <p:cNvCxnSpPr>
+            <a:endCxn id="16" idx="3"/>
+          </p:cNvCxnSpPr>
+          <p:nvPr/>
+        </p:nvCxnSpPr>
+        <p:spPr>
+          <a:xfrm flipH="1">
+            <a:off x="3684189" y="3948444"/>
+            <a:ext cx="49611" cy="438"/>
+          </a:xfrm>
+          <a:prstGeom prst="line">
+            <a:avLst/>
+          </a:prstGeom>
+          <a:ln>
+            <a:prstDash val="dash"/>
+          </a:ln>
+        </p:spPr>
+        <p:style>
+          <a:lnRef idx="1">
+            <a:schemeClr val="accent1"/>
+          </a:lnRef>
+          <a:fillRef idx="0">
+            <a:schemeClr val="accent1"/>
+          </a:fillRef>
+          <a:effectRef idx="0">
+            <a:schemeClr val="accent1"/>
+          </a:effectRef>
+          <a:fontRef idx="minor">
+            <a:schemeClr val="tx1"/>
+          </a:fontRef>
+        </p:style>
+      </p:cxnSp>
+      <p:cxnSp>
+        <p:nvCxnSpPr>
+          <p:cNvPr id="109" name="Straight Arrow Connector 108"/>
+          <p:cNvCxnSpPr/>
+          <p:nvPr/>
+        </p:nvCxnSpPr>
+        <p:spPr>
+          <a:xfrm>
+            <a:off x="3733800" y="2295343"/>
+            <a:ext cx="125563" cy="0"/>
+          </a:xfrm>
+          <a:prstGeom prst="straightConnector1">
+            <a:avLst/>
+          </a:prstGeom>
+          <a:ln>
+            <a:prstDash val="dash"/>
+            <a:headEnd type="none" w="med" len="med"/>
+            <a:tailEnd type="arrow" w="med" len="med"/>
+          </a:ln>
+        </p:spPr>
+        <p:style>
+          <a:lnRef idx="1">
+            <a:schemeClr val="accent1"/>
+          </a:lnRef>
+          <a:fillRef idx="0">
+            <a:schemeClr val="accent1"/>
+          </a:fillRef>
+          <a:effectRef idx="0">
+            <a:schemeClr val="accent1"/>
+          </a:effectRef>
+          <a:fontRef idx="minor">
+            <a:schemeClr val="tx1"/>
+          </a:fontRef>
+        </p:style>
+      </p:cxnSp>
+      <p:cxnSp>
+        <p:nvCxnSpPr>
+          <p:cNvPr id="117" name="Straight Arrow Connector 116"/>
+          <p:cNvCxnSpPr>
+            <a:stCxn id="12" idx="3"/>
+          </p:cNvCxnSpPr>
+          <p:nvPr/>
+        </p:nvCxnSpPr>
+        <p:spPr>
+          <a:xfrm flipV="1">
+            <a:off x="5587728" y="3940289"/>
+            <a:ext cx="1651272" cy="8155"/>
+          </a:xfrm>
+          <a:prstGeom prst="straightConnector1">
+            <a:avLst/>
+          </a:prstGeom>
+          <a:ln w="19050">
+            <a:headEnd type="triangle" w="med" len="med"/>
+            <a:tailEnd type="none" w="med" len="med"/>
+          </a:ln>
+        </p:spPr>
+        <p:style>
+          <a:lnRef idx="1">
+            <a:schemeClr val="accent1"/>
+          </a:lnRef>
+          <a:fillRef idx="0">
+            <a:schemeClr val="accent1"/>
+          </a:fillRef>
+          <a:effectRef idx="0">
+            <a:schemeClr val="accent1"/>
+          </a:effectRef>
+          <a:fontRef idx="minor">
+            <a:schemeClr val="tx1"/>
+          </a:fontRef>
+        </p:style>
+      </p:cxnSp>
+      <p:cxnSp>
+        <p:nvCxnSpPr>
+          <p:cNvPr id="119" name="Straight Connector 118"/>
+          <p:cNvCxnSpPr/>
+          <p:nvPr/>
+        </p:nvCxnSpPr>
+        <p:spPr>
+          <a:xfrm flipV="1">
+            <a:off x="7239000" y="2322547"/>
+            <a:ext cx="0" cy="1617744"/>
+          </a:xfrm>
+          <a:prstGeom prst="line">
+            <a:avLst/>
+          </a:prstGeom>
+          <a:ln w="19050"/>
+        </p:spPr>
+        <p:style>
+          <a:lnRef idx="1">
+            <a:schemeClr val="accent1"/>
+          </a:lnRef>
+          <a:fillRef idx="0">
+            <a:schemeClr val="accent1"/>
+          </a:fillRef>
+          <a:effectRef idx="0">
+            <a:schemeClr val="accent1"/>
+          </a:effectRef>
+          <a:fontRef idx="minor">
+            <a:schemeClr val="tx1"/>
+          </a:fontRef>
+        </p:style>
+      </p:cxnSp>
+      <p:cxnSp>
+        <p:nvCxnSpPr>
+          <p:cNvPr id="123" name="Straight Connector 122"/>
+          <p:cNvCxnSpPr>
+            <a:stCxn id="4" idx="1"/>
+          </p:cNvCxnSpPr>
+          <p:nvPr/>
+        </p:nvCxnSpPr>
+        <p:spPr>
+          <a:xfrm>
+            <a:off x="7037235" y="2322547"/>
+            <a:ext cx="201765" cy="0"/>
+          </a:xfrm>
+          <a:prstGeom prst="line">
+            <a:avLst/>
+          </a:prstGeom>
+        </p:spPr>
+        <p:style>
+          <a:lnRef idx="1">
+            <a:schemeClr val="accent1"/>
+          </a:lnRef>
+          <a:fillRef idx="0">
+            <a:schemeClr val="accent1"/>
+          </a:fillRef>
+          <a:effectRef idx="0">
+            <a:schemeClr val="accent1"/>
+          </a:effectRef>
+          <a:fontRef idx="minor">
+            <a:schemeClr val="tx1"/>
+          </a:fontRef>
+        </p:style>
+      </p:cxnSp>
+      <p:cxnSp>
+        <p:nvCxnSpPr>
+          <p:cNvPr id="125" name="Straight Connector 124"/>
+          <p:cNvCxnSpPr>
+            <a:stCxn id="10" idx="1"/>
+          </p:cNvCxnSpPr>
+          <p:nvPr/>
+        </p:nvCxnSpPr>
+        <p:spPr>
+          <a:xfrm>
+            <a:off x="7043373" y="2728300"/>
+            <a:ext cx="195627" cy="0"/>
+          </a:xfrm>
+          <a:prstGeom prst="line">
+            <a:avLst/>
+          </a:prstGeom>
+        </p:spPr>
+        <p:style>
+          <a:lnRef idx="1">
+            <a:schemeClr val="accent1"/>
+          </a:lnRef>
+          <a:fillRef idx="0">
+            <a:schemeClr val="accent1"/>
+          </a:fillRef>
+          <a:effectRef idx="0">
+            <a:schemeClr val="accent1"/>
+          </a:effectRef>
+          <a:fontRef idx="minor">
+            <a:schemeClr val="tx1"/>
+          </a:fontRef>
+        </p:style>
+      </p:cxnSp>
+      <p:cxnSp>
+        <p:nvCxnSpPr>
+          <p:cNvPr id="127" name="Straight Connector 126"/>
+          <p:cNvCxnSpPr>
+            <a:stCxn id="37" idx="1"/>
+          </p:cNvCxnSpPr>
+          <p:nvPr/>
+        </p:nvCxnSpPr>
+        <p:spPr>
+          <a:xfrm>
+            <a:off x="7043373" y="3129517"/>
+            <a:ext cx="195627" cy="0"/>
+          </a:xfrm>
+          <a:prstGeom prst="line">
+            <a:avLst/>
+          </a:prstGeom>
+        </p:spPr>
+        <p:style>
+          <a:lnRef idx="1">
+            <a:schemeClr val="accent1"/>
+          </a:lnRef>
+          <a:fillRef idx="0">
+            <a:schemeClr val="accent1"/>
+          </a:fillRef>
+          <a:effectRef idx="0">
+            <a:schemeClr val="accent1"/>
+          </a:effectRef>
+          <a:fontRef idx="minor">
+            <a:schemeClr val="tx1"/>
+          </a:fontRef>
+        </p:style>
+      </p:cxnSp>
+      <p:cxnSp>
+        <p:nvCxnSpPr>
+          <p:cNvPr id="133" name="Straight Connector 132"/>
+          <p:cNvCxnSpPr>
+            <a:stCxn id="11" idx="1"/>
+          </p:cNvCxnSpPr>
+          <p:nvPr/>
+        </p:nvCxnSpPr>
+        <p:spPr>
+          <a:xfrm>
+            <a:off x="7043373" y="3569763"/>
+            <a:ext cx="195627" cy="0"/>
+          </a:xfrm>
+          <a:prstGeom prst="line">
+            <a:avLst/>
+          </a:prstGeom>
+        </p:spPr>
+        <p:style>
+          <a:lnRef idx="1">
+            <a:schemeClr val="accent1"/>
+          </a:lnRef>
+          <a:fillRef idx="0">
+            <a:schemeClr val="accent1"/>
+          </a:fillRef>
+          <a:effectRef idx="0">
+            <a:schemeClr val="accent1"/>
+          </a:effectRef>
+          <a:fontRef idx="minor">
+            <a:schemeClr val="tx1"/>
+          </a:fontRef>
+        </p:style>
+      </p:cxnSp>
+      <p:cxnSp>
+        <p:nvCxnSpPr>
+          <p:cNvPr id="152" name="Straight Connector 151"/>
+          <p:cNvCxnSpPr>
+            <a:stCxn id="44" idx="1"/>
+          </p:cNvCxnSpPr>
+          <p:nvPr/>
+        </p:nvCxnSpPr>
+        <p:spPr>
+          <a:xfrm>
+            <a:off x="4953000" y="2747189"/>
+            <a:ext cx="990600" cy="0"/>
+          </a:xfrm>
+          <a:prstGeom prst="line">
+            <a:avLst/>
+          </a:prstGeom>
+          <a:ln>
+            <a:prstDash val="dash"/>
+            <a:headEnd type="none" w="med" len="med"/>
+            <a:tailEnd type="arrow" w="med" len="med"/>
+          </a:ln>
+        </p:spPr>
+        <p:style>
+          <a:lnRef idx="1">
+            <a:schemeClr val="accent1"/>
+          </a:lnRef>
+          <a:fillRef idx="0">
+            <a:schemeClr val="accent1"/>
+          </a:fillRef>
+          <a:effectRef idx="0">
+            <a:schemeClr val="accent1"/>
+          </a:effectRef>
+          <a:fontRef idx="minor">
+            <a:schemeClr val="tx1"/>
+          </a:fontRef>
+        </p:style>
+      </p:cxnSp>
+      <p:cxnSp>
+        <p:nvCxnSpPr>
+          <p:cNvPr id="153" name="Straight Connector 152"/>
+          <p:cNvCxnSpPr/>
+          <p:nvPr/>
+        </p:nvCxnSpPr>
+        <p:spPr>
+          <a:xfrm>
+            <a:off x="4953000" y="2371543"/>
+            <a:ext cx="990600" cy="0"/>
+          </a:xfrm>
+          <a:prstGeom prst="line">
+            <a:avLst/>
+          </a:prstGeom>
+          <a:ln>
+            <a:prstDash val="dash"/>
+            <a:headEnd type="none" w="med" len="med"/>
+            <a:tailEnd type="arrow" w="med" len="med"/>
+          </a:ln>
+        </p:spPr>
+        <p:style>
+          <a:lnRef idx="1">
+            <a:schemeClr val="accent1"/>
+          </a:lnRef>
+          <a:fillRef idx="0">
+            <a:schemeClr val="accent1"/>
+          </a:fillRef>
+          <a:effectRef idx="0">
+            <a:schemeClr val="accent1"/>
+          </a:effectRef>
+          <a:fontRef idx="minor">
+            <a:schemeClr val="tx1"/>
+          </a:fontRef>
+        </p:style>
+      </p:cxnSp>
       <p:grpSp>
         <p:nvGrpSpPr>
-          <p:cNvPr id="41" name="Group 40"/>
+          <p:cNvPr id="161" name="Group 160"/>
           <p:cNvGrpSpPr/>
           <p:nvPr/>
         </p:nvGrpSpPr>
         <p:grpSpPr>
-          <a:xfrm>
-            <a:off x="4038600" y="3962400"/>
-            <a:ext cx="685800" cy="230832"/>
-            <a:chOff x="2797314" y="807932"/>
-            <a:chExt cx="685800" cy="230832"/>
+          <a:xfrm rot="5400000">
+            <a:off x="5365168" y="1962201"/>
+            <a:ext cx="254462" cy="555486"/>
+            <a:chOff x="3949242" y="712012"/>
+            <a:chExt cx="254462" cy="503902"/>
           </a:xfrm>
         </p:grpSpPr>
         <p:sp>
           <p:nvSpPr>
-            <p:cNvPr id="42" name="TextBox 41"/>
+            <p:cNvPr id="162" name="TextBox 161"/>
             <p:cNvSpPr txBox="1"/>
             <p:nvPr/>
           </p:nvSpPr>
           <p:spPr>
-            <a:xfrm>
-              <a:off x="2797314" y="807932"/>
-              <a:ext cx="555487" cy="230832"/>
+            <a:xfrm rot="16200000">
+              <a:off x="3824522" y="836732"/>
+              <a:ext cx="503902" cy="254462"/>
             </a:xfrm>
             <a:prstGeom prst="rect">
               <a:avLst/>
@@ -4981,7 +5661,6 @@
             </a:bodyPr>
             <a:lstStyle/>
             <a:p>
-              <a:pPr algn="r"/>
               <a:r>
                 <a:rPr lang="en-US" sz="1100" dirty="0" smtClean="0">
                   <a:solidFill>
@@ -5000,14 +5679,14 @@
         </p:sp>
         <p:sp>
           <p:nvSpPr>
-            <p:cNvPr id="43" name="Isosceles Triangle 42"/>
+            <p:cNvPr id="163" name="Isosceles Triangle 162"/>
             <p:cNvSpPr/>
             <p:nvPr/>
           </p:nvSpPr>
           <p:spPr>
-            <a:xfrm rot="5400000">
-              <a:off x="3382038" y="866776"/>
-              <a:ext cx="125951" cy="76201"/>
+            <a:xfrm rot="10800000" flipV="1">
+              <a:off x="3979474" y="751200"/>
+              <a:ext cx="132157" cy="79956"/>
             </a:xfrm>
             <a:prstGeom prst="triangle">
               <a:avLst/>
@@ -5045,102 +5724,126 @@
           </p:txBody>
         </p:sp>
       </p:grpSp>
-      <p:sp>
-        <p:nvSpPr>
-          <p:cNvPr id="44" name="Rectangle 11"/>
+      <p:grpSp>
+        <p:nvGrpSpPr>
+          <p:cNvPr id="164" name="Group 163"/>
+          <p:cNvGrpSpPr/>
+          <p:nvPr/>
+        </p:nvGrpSpPr>
+        <p:grpSpPr>
+          <a:xfrm rot="5400000">
+            <a:off x="5386226" y="2347569"/>
+            <a:ext cx="254462" cy="555486"/>
+            <a:chOff x="3949242" y="712012"/>
+            <a:chExt cx="254462" cy="503902"/>
+          </a:xfrm>
+        </p:grpSpPr>
+        <p:sp>
+          <p:nvSpPr>
+            <p:cNvPr id="165" name="TextBox 164"/>
+            <p:cNvSpPr txBox="1"/>
+            <p:nvPr/>
+          </p:nvSpPr>
+          <p:spPr>
+            <a:xfrm rot="16200000">
+              <a:off x="3824522" y="836732"/>
+              <a:ext cx="503902" cy="254462"/>
+            </a:xfrm>
+            <a:prstGeom prst="rect">
+              <a:avLst/>
+            </a:prstGeom>
+            <a:noFill/>
+          </p:spPr>
+          <p:txBody>
+            <a:bodyPr wrap="square" lIns="0" tIns="0" rIns="0" bIns="0" rtlCol="0">
+              <a:noAutofit/>
+            </a:bodyPr>
+            <a:lstStyle/>
+            <a:p>
+              <a:r>
+                <a:rPr lang="en-US" sz="1100" dirty="0" smtClean="0">
+                  <a:solidFill>
+                    <a:srgbClr val="0070C0"/>
+                  </a:solidFill>
+                </a:rPr>
+                <a:t>creates</a:t>
+              </a:r>
+              <a:endParaRPr lang="en-SG" sz="1100" dirty="0">
+                <a:solidFill>
+                  <a:srgbClr val="0070C0"/>
+                </a:solidFill>
+              </a:endParaRPr>
+            </a:p>
+          </p:txBody>
+        </p:sp>
+        <p:sp>
+          <p:nvSpPr>
+            <p:cNvPr id="166" name="Isosceles Triangle 165"/>
+            <p:cNvSpPr/>
+            <p:nvPr/>
+          </p:nvSpPr>
+          <p:spPr>
+            <a:xfrm rot="10800000" flipV="1">
+              <a:off x="3979474" y="751200"/>
+              <a:ext cx="132157" cy="79956"/>
+            </a:xfrm>
+            <a:prstGeom prst="triangle">
+              <a:avLst/>
+            </a:prstGeom>
+            <a:solidFill>
+              <a:srgbClr val="0070C0"/>
+            </a:solidFill>
+            <a:ln>
+              <a:noFill/>
+            </a:ln>
+          </p:spPr>
+          <p:style>
+            <a:lnRef idx="2">
+              <a:schemeClr val="accent1">
+                <a:shade val="50000"/>
+              </a:schemeClr>
+            </a:lnRef>
+            <a:fillRef idx="1">
+              <a:schemeClr val="accent1"/>
+            </a:fillRef>
+            <a:effectRef idx="0">
+              <a:schemeClr val="accent1"/>
+            </a:effectRef>
+            <a:fontRef idx="minor">
+              <a:schemeClr val="lt1"/>
+            </a:fontRef>
+          </p:style>
+          <p:txBody>
+            <a:bodyPr rtlCol="0" anchor="ctr"/>
+            <a:lstStyle/>
+            <a:p>
+              <a:pPr algn="ctr"/>
+              <a:endParaRPr lang="en-SG"/>
+            </a:p>
+          </p:txBody>
+        </p:sp>
+      </p:grpSp>
+      <p:sp>
+        <p:nvSpPr>
+          <p:cNvPr id="60" name="Rectangle 62"/>
           <p:cNvSpPr/>
           <p:nvPr/>
         </p:nvSpPr>
         <p:spPr>
-          <a:xfrm flipH="1">
-            <a:off x="6185390" y="3458098"/>
-            <a:ext cx="1093635" cy="346760"/>
+          <a:xfrm>
+            <a:off x="2659828" y="3015383"/>
+            <a:ext cx="731636" cy="283820"/>
           </a:xfrm>
           <a:prstGeom prst="rect">
             <a:avLst/>
           </a:prstGeom>
+          <a:solidFill>
+            <a:srgbClr val="0070C0"/>
+          </a:solidFill>
           <a:ln w="19050">
             <a:solidFill>
               <a:srgbClr val="0070C0"/>
             </a:solidFill>
-          </a:ln>
-          <a:effectLst/>
-        </p:spPr>
-        <p:style>
-          <a:lnRef idx="1">
-            <a:schemeClr val="accent1"/>
-          </a:lnRef>
-          <a:fillRef idx="2">
-            <a:schemeClr val="accent1"/>
-          </a:fillRef>
-          <a:effectRef idx="1">
-            <a:schemeClr val="accent1"/>
-          </a:effectRef>
-          <a:fontRef idx="minor">
-            <a:schemeClr val="dk1"/>
-          </a:fontRef>
-        </p:style>
-        <p:txBody>
-          <a:bodyPr rtlCol="0" anchor="ctr"/>
-          <a:lstStyle/>
-          <a:p>
-            <a:pPr algn="ctr"/>
-            <a:r>
-              <a:rPr lang="en-US" sz="1050" b="1" dirty="0" smtClean="0">
-                <a:solidFill>
-                  <a:srgbClr val="0070C0"/>
-                </a:solidFill>
-              </a:rPr>
-              <a:t>Incorrect</a:t>
-            </a:r>
-            <a:br>
-              <a:rPr lang="en-US" sz="1050" b="1" dirty="0" smtClean="0">
-                <a:solidFill>
-                  <a:srgbClr val="0070C0"/>
-                </a:solidFill>
-              </a:rPr>
-            </a:br>
-            <a:r>
-              <a:rPr lang="en-US" sz="1050" b="1" dirty="0" smtClean="0">
-                <a:solidFill>
-                  <a:srgbClr val="0070C0"/>
-                </a:solidFill>
-              </a:rPr>
-              <a:t>Command</a:t>
-            </a:r>
-            <a:endParaRPr lang="en-SG" sz="1050" b="1" dirty="0">
-              <a:solidFill>
-                <a:srgbClr val="0070C0"/>
-              </a:solidFill>
-            </a:endParaRPr>
-          </a:p>
-        </p:txBody>
-      </p:sp>
-      <p:cxnSp>
-        <p:nvCxnSpPr>
-          <p:cNvPr id="45" name="Elbow Connector 63"/>
-          <p:cNvCxnSpPr>
-            <a:stCxn id="8" idx="3"/>
-            <a:endCxn id="44" idx="3"/>
-          </p:cNvCxnSpPr>
-          <p:nvPr/>
-        </p:nvCxnSpPr>
-        <p:spPr>
-          <a:xfrm flipV="1">
-            <a:off x="5786402" y="3631478"/>
-            <a:ext cx="398988" cy="269496"/>
-          </a:xfrm>
-          <a:prstGeom prst="bentConnector3">
-            <a:avLst>
-              <a:gd name="adj1" fmla="val 50000"/>
-            </a:avLst>
-          </a:prstGeom>
-          <a:ln w="19050">
-            <a:solidFill>
-              <a:srgbClr val="0070C0"/>
-            </a:solidFill>
-            <a:headEnd type="none" w="med" len="med"/>
-            <a:tailEnd type="none" w="med" len="med"/>
           </a:ln>
           <a:effectLst/>
         </p:spPr>
@@ -5158,30 +5861,48 @@
             <a:schemeClr val="dk1"/>
           </a:fontRef>
         </p:style>
-      </p:cxnSp>
-      <p:cxnSp>
-        <p:nvCxnSpPr>
-          <p:cNvPr id="46" name="Elbow Connector 122"/>
-          <p:cNvCxnSpPr/>
+        <p:txBody>
+          <a:bodyPr rtlCol="0" anchor="ctr"/>
+          <a:lstStyle/>
+          <a:p>
+            <a:pPr algn="ctr"/>
+            <a:r>
+              <a:rPr lang="en-SG" sz="1050" dirty="0" err="1" smtClean="0">
+                <a:solidFill>
+                  <a:schemeClr val="bg1"/>
+                </a:solidFill>
+              </a:rPr>
+              <a:t>CliSyntax</a:t>
+            </a:r>
+            <a:endParaRPr lang="en-SG" sz="1050" dirty="0">
+              <a:solidFill>
+                <a:schemeClr val="bg1"/>
+              </a:solidFill>
+            </a:endParaRPr>
+          </a:p>
+        </p:txBody>
+      </p:sp>
+      <p:sp>
+        <p:nvSpPr>
+          <p:cNvPr id="62" name="Rectangle 62"/>
+          <p:cNvSpPr/>
           <p:nvPr/>
-        </p:nvCxnSpPr>
-        <p:spPr>
-          <a:xfrm rot="5400000" flipH="1" flipV="1">
-            <a:off x="1807196" y="3315772"/>
-            <a:ext cx="882304" cy="12700"/>
-          </a:xfrm>
-          <a:prstGeom prst="bentConnector3">
-            <a:avLst>
-              <a:gd name="adj1" fmla="val 50000"/>
-            </a:avLst>
+        </p:nvSpPr>
+        <p:spPr>
+          <a:xfrm>
+            <a:off x="2659250" y="3364540"/>
+            <a:ext cx="731636" cy="283820"/>
+          </a:xfrm>
+          <a:prstGeom prst="rect">
+            <a:avLst/>
           </a:prstGeom>
+          <a:solidFill>
+            <a:srgbClr val="0070C0"/>
+          </a:solidFill>
           <a:ln w="19050">
             <a:solidFill>
               <a:srgbClr val="0070C0"/>
             </a:solidFill>
-            <a:prstDash val="sysDot"/>
-            <a:headEnd type="none" w="med" len="med"/>
-            <a:tailEnd type="arrow" w="med" len="med"/>
           </a:ln>
           <a:effectLst/>
         </p:spPr>
@@ -5199,72 +5920,18 @@
             <a:schemeClr val="dk1"/>
           </a:fontRef>
         </p:style>
-      </p:cxnSp>
-      <p:sp>
-        <p:nvSpPr>
-          <p:cNvPr id="47" name="Rectangle 62"/>
-          <p:cNvSpPr/>
-          <p:nvPr/>
-        </p:nvSpPr>
-        <p:spPr>
-          <a:xfrm>
-            <a:off x="3048000" y="3183650"/>
-            <a:ext cx="751107" cy="346760"/>
-          </a:xfrm>
-          <a:prstGeom prst="rect">
-            <a:avLst/>
-          </a:prstGeom>
-          <a:solidFill>
-            <a:srgbClr val="0070C0"/>
-          </a:solidFill>
-          <a:ln w="19050">
-            <a:solidFill>
-              <a:srgbClr val="0070C0"/>
-            </a:solidFill>
-          </a:ln>
-          <a:effectLst/>
-        </p:spPr>
-        <p:style>
-          <a:lnRef idx="1">
-            <a:schemeClr val="accent2"/>
-          </a:lnRef>
-          <a:fillRef idx="2">
-            <a:schemeClr val="accent2"/>
-          </a:fillRef>
-          <a:effectRef idx="1">
-            <a:schemeClr val="accent2"/>
-          </a:effectRef>
-          <a:fontRef idx="minor">
-            <a:schemeClr val="dk1"/>
-          </a:fontRef>
-        </p:style>
         <p:txBody>
           <a:bodyPr rtlCol="0" anchor="ctr"/>
           <a:lstStyle/>
           <a:p>
             <a:pPr algn="ctr"/>
             <a:r>
-              <a:rPr lang="en-US" sz="1050" dirty="0" smtClean="0">
+              <a:rPr lang="en-SG" sz="1050" dirty="0" err="1" smtClean="0">
                 <a:solidFill>
                   <a:schemeClr val="bg1"/>
                 </a:solidFill>
               </a:rPr>
-              <a:t>Argument</a:t>
-            </a:r>
-            <a:br>
-              <a:rPr lang="en-US" sz="1050" dirty="0" smtClean="0">
-                <a:solidFill>
-                  <a:schemeClr val="bg1"/>
-                </a:solidFill>
-              </a:rPr>
-            </a:br>
-            <a:r>
-              <a:rPr lang="en-US" sz="1050" dirty="0" smtClean="0">
-                <a:solidFill>
-                  <a:schemeClr val="bg1"/>
-                </a:solidFill>
-              </a:rPr>
-              <a:t>Tokenizer</a:t>
+              <a:t>ParserUtil</a:t>
             </a:r>
             <a:endParaRPr lang="en-SG" sz="1050" dirty="0">
               <a:solidFill>
@@ -5276,200 +5943,323 @@
       </p:sp>
       <p:cxnSp>
         <p:nvCxnSpPr>
-          <p:cNvPr id="48" name="Straight Arrow Connector 110"/>
+          <p:cNvPr id="22" name="Straight Connector 21"/>
           <p:cNvCxnSpPr/>
           <p:nvPr/>
         </p:nvCxnSpPr>
         <p:spPr>
           <a:xfrm flipV="1">
-            <a:off x="3581400" y="3511872"/>
-            <a:ext cx="0" cy="245052"/>
-          </a:xfrm>
-          <a:prstGeom prst="straightConnector1">
+            <a:off x="3505200" y="2209023"/>
+            <a:ext cx="0" cy="1262106"/>
+          </a:xfrm>
+          <a:prstGeom prst="line">
             <a:avLst/>
           </a:prstGeom>
-          <a:ln w="19050">
-            <a:solidFill>
-              <a:srgbClr val="0070C0"/>
-            </a:solidFill>
-            <a:prstDash val="sysDot"/>
-            <a:headEnd type="none" w="med" len="med"/>
-            <a:tailEnd type="arrow" w="med" len="med"/>
+          <a:ln>
+            <a:prstDash val="sysDash"/>
           </a:ln>
-          <a:effectLst/>
         </p:spPr>
         <p:style>
           <a:lnRef idx="1">
-            <a:schemeClr val="accent2"/>
+            <a:schemeClr val="accent1"/>
           </a:lnRef>
-          <a:fillRef idx="2">
-            <a:schemeClr val="accent2"/>
+          <a:fillRef idx="0">
+            <a:schemeClr val="accent1"/>
           </a:fillRef>
-          <a:effectRef idx="1">
-            <a:schemeClr val="accent2"/>
+          <a:effectRef idx="0">
+            <a:schemeClr val="accent1"/>
           </a:effectRef>
           <a:fontRef idx="minor">
-            <a:schemeClr val="dk1"/>
-          </a:fontRef>
-        </p:style>
-      </p:cxnSp>
-      <p:sp>
-        <p:nvSpPr>
-          <p:cNvPr id="49" name="Rectangle 62"/>
-          <p:cNvSpPr/>
-          <p:nvPr/>
-        </p:nvSpPr>
-        <p:spPr>
-          <a:xfrm>
-            <a:off x="3990437" y="3188061"/>
-            <a:ext cx="510397" cy="346760"/>
-          </a:xfrm>
-          <a:prstGeom prst="rect">
-            <a:avLst/>
-          </a:prstGeom>
-          <a:solidFill>
-            <a:srgbClr val="0070C0"/>
-          </a:solidFill>
-          <a:ln w="19050">
-            <a:solidFill>
-              <a:srgbClr val="0070C0"/>
-            </a:solidFill>
-          </a:ln>
-          <a:effectLst/>
-        </p:spPr>
-        <p:style>
-          <a:lnRef idx="1">
-            <a:schemeClr val="accent2"/>
-          </a:lnRef>
-          <a:fillRef idx="2">
-            <a:schemeClr val="accent2"/>
-          </a:fillRef>
-          <a:effectRef idx="1">
-            <a:schemeClr val="accent2"/>
-          </a:effectRef>
-          <a:fontRef idx="minor">
-            <a:schemeClr val="dk1"/>
-          </a:fontRef>
-        </p:style>
-        <p:txBody>
-          <a:bodyPr rtlCol="0" anchor="ctr"/>
-          <a:lstStyle/>
-          <a:p>
-            <a:pPr algn="ctr"/>
-            <a:r>
-              <a:rPr lang="en-US" sz="1050" dirty="0" smtClean="0">
-                <a:solidFill>
-                  <a:schemeClr val="bg1"/>
-                </a:solidFill>
-              </a:rPr>
-              <a:t>Prefix</a:t>
-            </a:r>
-            <a:endParaRPr lang="en-SG" sz="1050" dirty="0">
-              <a:solidFill>
-                <a:schemeClr val="bg1"/>
-              </a:solidFill>
-            </a:endParaRPr>
-          </a:p>
-        </p:txBody>
-      </p:sp>
-      <p:cxnSp>
-        <p:nvCxnSpPr>
-          <p:cNvPr id="50" name="Straight Arrow Connector 110"/>
-          <p:cNvCxnSpPr>
-            <a:stCxn id="47" idx="3"/>
-            <a:endCxn id="49" idx="1"/>
-          </p:cNvCxnSpPr>
-          <p:nvPr/>
-        </p:nvCxnSpPr>
-        <p:spPr>
-          <a:xfrm>
-            <a:off x="3799107" y="3357030"/>
-            <a:ext cx="191330" cy="4411"/>
-          </a:xfrm>
-          <a:prstGeom prst="straightConnector1">
-            <a:avLst/>
-          </a:prstGeom>
-          <a:ln w="19050">
-            <a:solidFill>
-              <a:srgbClr val="0070C0"/>
-            </a:solidFill>
-            <a:prstDash val="sysDot"/>
-            <a:headEnd type="none" w="med" len="med"/>
-            <a:tailEnd type="arrow" w="med" len="med"/>
-          </a:ln>
-          <a:effectLst/>
-        </p:spPr>
-        <p:style>
-          <a:lnRef idx="1">
-            <a:schemeClr val="accent2"/>
-          </a:lnRef>
-          <a:fillRef idx="2">
-            <a:schemeClr val="accent2"/>
-          </a:fillRef>
-          <a:effectRef idx="1">
-            <a:schemeClr val="accent2"/>
-          </a:effectRef>
-          <a:fontRef idx="minor">
-            <a:schemeClr val="dk1"/>
+            <a:schemeClr val="tx1"/>
           </a:fontRef>
         </p:style>
       </p:cxnSp>
       <p:cxnSp>
         <p:nvCxnSpPr>
-          <p:cNvPr id="52" name="Straight Arrow Connector 110"/>
+          <p:cNvPr id="75" name="Straight Connector 74"/>
           <p:cNvCxnSpPr/>
           <p:nvPr/>
         </p:nvCxnSpPr>
         <p:spPr>
-          <a:xfrm flipV="1">
-            <a:off x="4049717" y="3530410"/>
-            <a:ext cx="0" cy="245052"/>
+          <a:xfrm flipH="1">
+            <a:off x="3505200" y="2209023"/>
+            <a:ext cx="344016" cy="0"/>
+          </a:xfrm>
+          <a:prstGeom prst="line">
+            <a:avLst/>
+          </a:prstGeom>
+          <a:ln>
+            <a:prstDash val="sysDash"/>
+          </a:ln>
+        </p:spPr>
+        <p:style>
+          <a:lnRef idx="1">
+            <a:schemeClr val="accent1"/>
+          </a:lnRef>
+          <a:fillRef idx="0">
+            <a:schemeClr val="accent1"/>
+          </a:fillRef>
+          <a:effectRef idx="0">
+            <a:schemeClr val="accent1"/>
+          </a:effectRef>
+          <a:fontRef idx="minor">
+            <a:schemeClr val="tx1"/>
+          </a:fontRef>
+        </p:style>
+      </p:cxnSp>
+      <p:cxnSp>
+        <p:nvCxnSpPr>
+          <p:cNvPr id="79" name="Straight Connector 78"/>
+          <p:cNvCxnSpPr/>
+          <p:nvPr/>
+        </p:nvCxnSpPr>
+        <p:spPr>
+          <a:xfrm flipH="1">
+            <a:off x="3505200" y="2632378"/>
+            <a:ext cx="354163" cy="0"/>
+          </a:xfrm>
+          <a:prstGeom prst="line">
+            <a:avLst/>
+          </a:prstGeom>
+          <a:ln>
+            <a:prstDash val="sysDash"/>
+          </a:ln>
+        </p:spPr>
+        <p:style>
+          <a:lnRef idx="1">
+            <a:schemeClr val="accent1"/>
+          </a:lnRef>
+          <a:fillRef idx="0">
+            <a:schemeClr val="accent1"/>
+          </a:fillRef>
+          <a:effectRef idx="0">
+            <a:schemeClr val="accent1"/>
+          </a:effectRef>
+          <a:fontRef idx="minor">
+            <a:schemeClr val="tx1"/>
+          </a:fontRef>
+        </p:style>
+      </p:cxnSp>
+      <p:cxnSp>
+        <p:nvCxnSpPr>
+          <p:cNvPr id="85" name="Straight Connector 84"/>
+          <p:cNvCxnSpPr/>
+          <p:nvPr/>
+        </p:nvCxnSpPr>
+        <p:spPr>
+          <a:xfrm flipH="1">
+            <a:off x="3505200" y="3015383"/>
+            <a:ext cx="344016" cy="0"/>
+          </a:xfrm>
+          <a:prstGeom prst="line">
+            <a:avLst/>
+          </a:prstGeom>
+          <a:ln>
+            <a:prstDash val="sysDash"/>
+          </a:ln>
+        </p:spPr>
+        <p:style>
+          <a:lnRef idx="1">
+            <a:schemeClr val="accent1"/>
+          </a:lnRef>
+          <a:fillRef idx="0">
+            <a:schemeClr val="accent1"/>
+          </a:fillRef>
+          <a:effectRef idx="0">
+            <a:schemeClr val="accent1"/>
+          </a:effectRef>
+          <a:fontRef idx="minor">
+            <a:schemeClr val="tx1"/>
+          </a:fontRef>
+        </p:style>
+      </p:cxnSp>
+      <p:cxnSp>
+        <p:nvCxnSpPr>
+          <p:cNvPr id="100" name="Straight Arrow Connector 99"/>
+          <p:cNvCxnSpPr/>
+          <p:nvPr/>
+        </p:nvCxnSpPr>
+        <p:spPr>
+          <a:xfrm flipH="1">
+            <a:off x="3390886" y="3178011"/>
+            <a:ext cx="114314" cy="0"/>
           </a:xfrm>
           <a:prstGeom prst="straightConnector1">
             <a:avLst/>
           </a:prstGeom>
-          <a:ln w="19050">
-            <a:solidFill>
-              <a:srgbClr val="0070C0"/>
-            </a:solidFill>
+          <a:ln>
             <a:prstDash val="sysDot"/>
             <a:headEnd type="none" w="med" len="med"/>
             <a:tailEnd type="arrow" w="med" len="med"/>
           </a:ln>
-          <a:effectLst/>
         </p:spPr>
         <p:style>
           <a:lnRef idx="1">
-            <a:schemeClr val="accent2"/>
+            <a:schemeClr val="accent1"/>
           </a:lnRef>
-          <a:fillRef idx="2">
-            <a:schemeClr val="accent2"/>
+          <a:fillRef idx="0">
+            <a:schemeClr val="accent1"/>
           </a:fillRef>
-          <a:effectRef idx="1">
-            <a:schemeClr val="accent2"/>
+          <a:effectRef idx="0">
+            <a:schemeClr val="accent1"/>
           </a:effectRef>
           <a:fontRef idx="minor">
-            <a:schemeClr val="dk1"/>
+            <a:schemeClr val="tx1"/>
+          </a:fontRef>
+        </p:style>
+      </p:cxnSp>
+      <p:cxnSp>
+        <p:nvCxnSpPr>
+          <p:cNvPr id="105" name="Straight Arrow Connector 104"/>
+          <p:cNvCxnSpPr/>
+          <p:nvPr/>
+        </p:nvCxnSpPr>
+        <p:spPr>
+          <a:xfrm flipH="1">
+            <a:off x="3390886" y="3471128"/>
+            <a:ext cx="114314" cy="0"/>
+          </a:xfrm>
+          <a:prstGeom prst="straightConnector1">
+            <a:avLst/>
+          </a:prstGeom>
+          <a:ln>
+            <a:prstDash val="sysDot"/>
+            <a:headEnd type="none" w="med" len="med"/>
+            <a:tailEnd type="arrow" w="med" len="med"/>
+          </a:ln>
+        </p:spPr>
+        <p:style>
+          <a:lnRef idx="1">
+            <a:schemeClr val="accent1"/>
+          </a:lnRef>
+          <a:fillRef idx="0">
+            <a:schemeClr val="accent1"/>
+          </a:fillRef>
+          <a:effectRef idx="0">
+            <a:schemeClr val="accent1"/>
+          </a:effectRef>
+          <a:fontRef idx="minor">
+            <a:schemeClr val="tx1"/>
+          </a:fontRef>
+        </p:style>
+      </p:cxnSp>
+      <p:cxnSp>
+        <p:nvCxnSpPr>
+          <p:cNvPr id="13" name="Elbow Connector 12"/>
+          <p:cNvCxnSpPr>
+            <a:endCxn id="58" idx="3"/>
+          </p:cNvCxnSpPr>
+          <p:nvPr/>
+        </p:nvCxnSpPr>
+        <p:spPr>
+          <a:xfrm rot="16200000" flipV="1">
+            <a:off x="3128310" y="2809926"/>
+            <a:ext cx="234836" cy="174388"/>
+          </a:xfrm>
+          <a:prstGeom prst="bentConnector2">
+            <a:avLst/>
+          </a:prstGeom>
+          <a:ln>
+            <a:prstDash val="sysDash"/>
+            <a:headEnd type="none" w="med" len="med"/>
+            <a:tailEnd type="arrow" w="med" len="med"/>
+          </a:ln>
+        </p:spPr>
+        <p:style>
+          <a:lnRef idx="1">
+            <a:schemeClr val="accent1"/>
+          </a:lnRef>
+          <a:fillRef idx="0">
+            <a:schemeClr val="accent1"/>
+          </a:fillRef>
+          <a:effectRef idx="0">
+            <a:schemeClr val="accent1"/>
+          </a:effectRef>
+          <a:fontRef idx="minor">
+            <a:schemeClr val="tx1"/>
+          </a:fontRef>
+        </p:style>
+      </p:cxnSp>
+      <p:cxnSp>
+        <p:nvCxnSpPr>
+          <p:cNvPr id="47" name="Straight Connector 46"/>
+          <p:cNvCxnSpPr/>
+          <p:nvPr/>
+        </p:nvCxnSpPr>
+        <p:spPr>
+          <a:xfrm>
+            <a:off x="3158534" y="2447743"/>
+            <a:ext cx="575266" cy="0"/>
+          </a:xfrm>
+          <a:prstGeom prst="line">
+            <a:avLst/>
+          </a:prstGeom>
+          <a:ln>
+            <a:prstDash val="sysDash"/>
+          </a:ln>
+        </p:spPr>
+        <p:style>
+          <a:lnRef idx="1">
+            <a:schemeClr val="accent1"/>
+          </a:lnRef>
+          <a:fillRef idx="0">
+            <a:schemeClr val="accent1"/>
+          </a:fillRef>
+          <a:effectRef idx="0">
+            <a:schemeClr val="accent1"/>
+          </a:effectRef>
+          <a:fontRef idx="minor">
+            <a:schemeClr val="tx1"/>
+          </a:fontRef>
+        </p:style>
+      </p:cxnSp>
+      <p:cxnSp>
+        <p:nvCxnSpPr>
+          <p:cNvPr id="50" name="Elbow Connector 49"/>
+          <p:cNvCxnSpPr>
+            <a:endCxn id="58" idx="1"/>
+          </p:cNvCxnSpPr>
+          <p:nvPr/>
+        </p:nvCxnSpPr>
+        <p:spPr>
+          <a:xfrm rot="16200000" flipH="1">
+            <a:off x="2478422" y="2609986"/>
+            <a:ext cx="205893" cy="133537"/>
+          </a:xfrm>
+          <a:prstGeom prst="bentConnector2">
+            <a:avLst/>
+          </a:prstGeom>
+          <a:ln>
+            <a:prstDash val="sysDash"/>
+            <a:headEnd type="none" w="med" len="med"/>
+            <a:tailEnd type="arrow" w="med" len="med"/>
+          </a:ln>
+        </p:spPr>
+        <p:style>
+          <a:lnRef idx="1">
+            <a:schemeClr val="accent1"/>
+          </a:lnRef>
+          <a:fillRef idx="0">
+            <a:schemeClr val="accent1"/>
+          </a:fillRef>
+          <a:effectRef idx="0">
+            <a:schemeClr val="accent1"/>
+          </a:effectRef>
+          <a:fontRef idx="minor">
+            <a:schemeClr val="tx1"/>
           </a:fontRef>
         </p:style>
       </p:cxnSp>
     </p:spTree>
     <p:extLst>
       <p:ext uri="{BB962C8B-B14F-4D97-AF65-F5344CB8AC3E}">
-        <p14:creationId xmlns:p14="http://schemas.microsoft.com/office/powerpoint/2010/main" val="599777654"/>
+        <p14:creationId xmlns:p14="http://schemas.microsoft.com/office/powerpoint/2010/main" val="211586602"/>
       </p:ext>
     </p:extLst>
   </p:cSld>
   <p:clrMapOvr>
     <a:masterClrMapping/>
   </p:clrMapOvr>
-  <p:timing>
-    <p:tnLst>
-      <p:par>
-        <p:cTn id="1" dur="indefinite" restart="never" nodeType="tmRoot"/>
-      </p:par>
-    </p:tnLst>
-  </p:timing>
 </p:sld>
 </file>
 

--- a/docs/diagrams/LogicComponentClassDiagram.pptx
+++ b/docs/diagrams/LogicComponentClassDiagram.pptx
@@ -208,7 +208,7 @@
           <a:p>
             <a:fld id="{F5CC4B3F-88C1-4FFA-B1B6-F41C21DC6924}" type="datetimeFigureOut">
               <a:rPr lang="en-US" smtClean="0"/>
-              <a:t>2/1/2017</a:t>
+              <a:t>2/2/2017</a:t>
             </a:fld>
             <a:endParaRPr lang="en-US"/>
           </a:p>
@@ -657,7 +657,7 @@
           <a:p>
             <a:fld id="{78C97017-6FC3-485B-9764-EAC9E56C1D49}" type="datetimeFigureOut">
               <a:rPr lang="en-US" smtClean="0"/>
-              <a:t>2/1/2017</a:t>
+              <a:t>2/2/2017</a:t>
             </a:fld>
             <a:endParaRPr lang="en-US"/>
           </a:p>
@@ -827,7 +827,7 @@
           <a:p>
             <a:fld id="{78C97017-6FC3-485B-9764-EAC9E56C1D49}" type="datetimeFigureOut">
               <a:rPr lang="en-US" smtClean="0"/>
-              <a:t>2/1/2017</a:t>
+              <a:t>2/2/2017</a:t>
             </a:fld>
             <a:endParaRPr lang="en-US"/>
           </a:p>
@@ -1007,7 +1007,7 @@
           <a:p>
             <a:fld id="{78C97017-6FC3-485B-9764-EAC9E56C1D49}" type="datetimeFigureOut">
               <a:rPr lang="en-US" smtClean="0"/>
-              <a:t>2/1/2017</a:t>
+              <a:t>2/2/2017</a:t>
             </a:fld>
             <a:endParaRPr lang="en-US"/>
           </a:p>
@@ -1177,7 +1177,7 @@
           <a:p>
             <a:fld id="{78C97017-6FC3-485B-9764-EAC9E56C1D49}" type="datetimeFigureOut">
               <a:rPr lang="en-US" smtClean="0"/>
-              <a:t>2/1/2017</a:t>
+              <a:t>2/2/2017</a:t>
             </a:fld>
             <a:endParaRPr lang="en-US"/>
           </a:p>
@@ -1423,7 +1423,7 @@
           <a:p>
             <a:fld id="{78C97017-6FC3-485B-9764-EAC9E56C1D49}" type="datetimeFigureOut">
               <a:rPr lang="en-US" smtClean="0"/>
-              <a:t>2/1/2017</a:t>
+              <a:t>2/2/2017</a:t>
             </a:fld>
             <a:endParaRPr lang="en-US"/>
           </a:p>
@@ -1711,7 +1711,7 @@
           <a:p>
             <a:fld id="{78C97017-6FC3-485B-9764-EAC9E56C1D49}" type="datetimeFigureOut">
               <a:rPr lang="en-US" smtClean="0"/>
-              <a:t>2/1/2017</a:t>
+              <a:t>2/2/2017</a:t>
             </a:fld>
             <a:endParaRPr lang="en-US"/>
           </a:p>
@@ -2133,7 +2133,7 @@
           <a:p>
             <a:fld id="{78C97017-6FC3-485B-9764-EAC9E56C1D49}" type="datetimeFigureOut">
               <a:rPr lang="en-US" smtClean="0"/>
-              <a:t>2/1/2017</a:t>
+              <a:t>2/2/2017</a:t>
             </a:fld>
             <a:endParaRPr lang="en-US"/>
           </a:p>
@@ -2251,7 +2251,7 @@
           <a:p>
             <a:fld id="{78C97017-6FC3-485B-9764-EAC9E56C1D49}" type="datetimeFigureOut">
               <a:rPr lang="en-US" smtClean="0"/>
-              <a:t>2/1/2017</a:t>
+              <a:t>2/2/2017</a:t>
             </a:fld>
             <a:endParaRPr lang="en-US"/>
           </a:p>
@@ -2346,7 +2346,7 @@
           <a:p>
             <a:fld id="{78C97017-6FC3-485B-9764-EAC9E56C1D49}" type="datetimeFigureOut">
               <a:rPr lang="en-US" smtClean="0"/>
-              <a:t>2/1/2017</a:t>
+              <a:t>2/2/2017</a:t>
             </a:fld>
             <a:endParaRPr lang="en-US"/>
           </a:p>
@@ -2623,7 +2623,7 @@
           <a:p>
             <a:fld id="{78C97017-6FC3-485B-9764-EAC9E56C1D49}" type="datetimeFigureOut">
               <a:rPr lang="en-US" smtClean="0"/>
-              <a:t>2/1/2017</a:t>
+              <a:t>2/2/2017</a:t>
             </a:fld>
             <a:endParaRPr lang="en-US"/>
           </a:p>
@@ -2876,7 +2876,7 @@
           <a:p>
             <a:fld id="{78C97017-6FC3-485B-9764-EAC9E56C1D49}" type="datetimeFigureOut">
               <a:rPr lang="en-US" smtClean="0"/>
-              <a:t>2/1/2017</a:t>
+              <a:t>2/2/2017</a:t>
             </a:fld>
             <a:endParaRPr lang="en-US"/>
           </a:p>
@@ -3089,7 +3089,7 @@
           <a:p>
             <a:fld id="{78C97017-6FC3-485B-9764-EAC9E56C1D49}" type="datetimeFigureOut">
               <a:rPr lang="en-US" smtClean="0"/>
-              <a:t>2/1/2017</a:t>
+              <a:t>2/2/2017</a:t>
             </a:fld>
             <a:endParaRPr lang="en-US"/>
           </a:p>
@@ -3472,7 +3472,7 @@
         </p:nvSpPr>
         <p:spPr>
           <a:xfrm>
-            <a:off x="1070744" y="914401"/>
+            <a:off x="1066800" y="914400"/>
             <a:ext cx="6288315" cy="3415166"/>
           </a:xfrm>
           <a:prstGeom prst="roundRect">
@@ -3533,7 +3533,7 @@
         </p:nvSpPr>
         <p:spPr>
           <a:xfrm>
-            <a:off x="2095948" y="1432739"/>
+            <a:off x="2095948" y="1442082"/>
             <a:ext cx="1093635" cy="346760"/>
           </a:xfrm>
           <a:prstGeom prst="rect">
@@ -3592,7 +3592,7 @@
         </p:nvSpPr>
         <p:spPr>
           <a:xfrm flipH="1">
-            <a:off x="5943600" y="2139824"/>
+            <a:off x="5943600" y="2149167"/>
             <a:ext cx="1093635" cy="346760"/>
           </a:xfrm>
           <a:prstGeom prst="rect">
@@ -3648,7 +3648,7 @@
         </p:nvSpPr>
         <p:spPr>
           <a:xfrm>
-            <a:off x="1780785" y="3763620"/>
+            <a:off x="1780785" y="3772963"/>
             <a:ext cx="1093635" cy="346760"/>
           </a:xfrm>
           <a:prstGeom prst="rect">
@@ -3709,7 +3709,7 @@
         </p:nvCxnSpPr>
         <p:spPr>
           <a:xfrm rot="10800000">
-            <a:off x="3189584" y="1606119"/>
+            <a:off x="3189584" y="1615462"/>
             <a:ext cx="2296817" cy="2157062"/>
           </a:xfrm>
           <a:prstGeom prst="bentConnector3">
@@ -3752,7 +3752,7 @@
         </p:nvCxnSpPr>
         <p:spPr>
           <a:xfrm>
-            <a:off x="1676400" y="1603259"/>
+            <a:off x="1676400" y="1612602"/>
             <a:ext cx="419548" cy="2860"/>
           </a:xfrm>
           <a:prstGeom prst="bentConnector3">
@@ -3793,7 +3793,7 @@
         </p:nvSpPr>
         <p:spPr>
           <a:xfrm>
-            <a:off x="1103085" y="4548755"/>
+            <a:off x="1103085" y="4558098"/>
             <a:ext cx="6288315" cy="328045"/>
           </a:xfrm>
           <a:prstGeom prst="roundRect">
@@ -3853,7 +3853,7 @@
         </p:nvSpPr>
         <p:spPr>
           <a:xfrm flipH="1">
-            <a:off x="5949738" y="2545577"/>
+            <a:off x="5949738" y="2554920"/>
             <a:ext cx="1093635" cy="346760"/>
           </a:xfrm>
           <a:prstGeom prst="rect">
@@ -3909,7 +3909,7 @@
         </p:nvSpPr>
         <p:spPr>
           <a:xfrm flipH="1">
-            <a:off x="5949738" y="3387040"/>
+            <a:off x="5949738" y="3396383"/>
             <a:ext cx="1093635" cy="346760"/>
           </a:xfrm>
           <a:prstGeom prst="rect">
@@ -3965,7 +3965,7 @@
         </p:nvSpPr>
         <p:spPr>
           <a:xfrm>
-            <a:off x="4815685" y="3765721"/>
+            <a:off x="4815685" y="3775064"/>
             <a:ext cx="772043" cy="346760"/>
           </a:xfrm>
           <a:prstGeom prst="rect">
@@ -4036,7 +4036,7 @@
         </p:nvSpPr>
         <p:spPr>
           <a:xfrm>
-            <a:off x="3098739" y="3766159"/>
+            <a:off x="3098739" y="3775502"/>
             <a:ext cx="585450" cy="346760"/>
           </a:xfrm>
           <a:prstGeom prst="rect">
@@ -4098,7 +4098,7 @@
         </p:nvCxnSpPr>
         <p:spPr>
           <a:xfrm>
-            <a:off x="2874420" y="3937000"/>
+            <a:off x="2874420" y="3946343"/>
             <a:ext cx="224319" cy="2539"/>
           </a:xfrm>
           <a:prstGeom prst="bentConnector3">
@@ -4141,7 +4141,7 @@
         </p:nvCxnSpPr>
         <p:spPr>
           <a:xfrm>
-            <a:off x="5201707" y="4112481"/>
+            <a:off x="5201707" y="4121824"/>
             <a:ext cx="1" cy="436274"/>
           </a:xfrm>
           <a:prstGeom prst="straightConnector1">
@@ -4180,7 +4180,7 @@
         </p:nvSpPr>
         <p:spPr>
           <a:xfrm rot="16200000">
-            <a:off x="398120" y="2303120"/>
+            <a:off x="398120" y="2312463"/>
             <a:ext cx="2209800" cy="346760"/>
           </a:xfrm>
           <a:prstGeom prst="rect">
@@ -4250,7 +4250,7 @@
         </p:nvSpPr>
         <p:spPr>
           <a:xfrm>
-            <a:off x="1359039" y="3581400"/>
+            <a:off x="1359039" y="3590743"/>
             <a:ext cx="270504" cy="175523"/>
           </a:xfrm>
           <a:prstGeom prst="triangle">
@@ -4307,7 +4307,7 @@
         </p:nvCxnSpPr>
         <p:spPr>
           <a:xfrm rot="10800000">
-            <a:off x="1494291" y="3756924"/>
+            <a:off x="1494291" y="3766267"/>
             <a:ext cx="286494" cy="180077"/>
           </a:xfrm>
           <a:prstGeom prst="bentConnector2">
@@ -4348,7 +4348,7 @@
         </p:nvCxnSpPr>
         <p:spPr>
           <a:xfrm flipH="1">
-            <a:off x="2327602" y="4110380"/>
+            <a:off x="2327602" y="4119723"/>
             <a:ext cx="1" cy="438375"/>
           </a:xfrm>
           <a:prstGeom prst="straightConnector1">
@@ -4386,7 +4386,7 @@
         </p:nvCxnSpPr>
         <p:spPr>
           <a:xfrm>
-            <a:off x="893311" y="2984905"/>
+            <a:off x="893311" y="2994248"/>
             <a:ext cx="419548" cy="2860"/>
           </a:xfrm>
           <a:prstGeom prst="bentConnector3">
@@ -4432,7 +4432,7 @@
         </p:nvCxnSpPr>
         <p:spPr>
           <a:xfrm rot="16200000" flipH="1">
-            <a:off x="3763604" y="2327618"/>
+            <a:off x="3763604" y="2336961"/>
             <a:ext cx="2101" cy="2874104"/>
           </a:xfrm>
           <a:prstGeom prst="bentConnector3">
@@ -4473,7 +4473,7 @@
         </p:nvGrpSpPr>
         <p:grpSpPr>
           <a:xfrm>
-            <a:off x="4064583" y="1836951"/>
+            <a:off x="4064583" y="1846294"/>
             <a:ext cx="889000" cy="230832"/>
             <a:chOff x="2895600" y="807932"/>
             <a:chExt cx="889000" cy="230832"/>
@@ -4573,7 +4573,7 @@
         </p:nvGrpSpPr>
         <p:grpSpPr>
           <a:xfrm>
-            <a:off x="4665110" y="1398872"/>
+            <a:off x="4665110" y="1408215"/>
             <a:ext cx="868568" cy="230832"/>
             <a:chOff x="2755838" y="789460"/>
             <a:chExt cx="868568" cy="230832"/>
@@ -4672,7 +4672,7 @@
         </p:nvSpPr>
         <p:spPr>
           <a:xfrm>
-            <a:off x="2301175" y="1798145"/>
+            <a:off x="2301175" y="1807488"/>
             <a:ext cx="131116" cy="230832"/>
           </a:xfrm>
           <a:prstGeom prst="rect">
@@ -4711,7 +4711,7 @@
         </p:nvSpPr>
         <p:spPr>
           <a:xfrm>
-            <a:off x="2912207" y="3700114"/>
+            <a:off x="2912207" y="3709457"/>
             <a:ext cx="131116" cy="230832"/>
           </a:xfrm>
           <a:prstGeom prst="rect">
@@ -4742,105 +4742,6 @@
           </a:p>
         </p:txBody>
       </p:sp>
-      <p:grpSp>
-        <p:nvGrpSpPr>
-          <p:cNvPr id="34" name="Group 33"/>
-          <p:cNvGrpSpPr/>
-          <p:nvPr/>
-        </p:nvGrpSpPr>
-        <p:grpSpPr>
-          <a:xfrm>
-            <a:off x="3733801" y="3352800"/>
-            <a:ext cx="230832" cy="555487"/>
-            <a:chOff x="3744618" y="724394"/>
-            <a:chExt cx="230832" cy="555487"/>
-          </a:xfrm>
-        </p:grpSpPr>
-        <p:sp>
-          <p:nvSpPr>
-            <p:cNvPr id="35" name="TextBox 34"/>
-            <p:cNvSpPr txBox="1"/>
-            <p:nvPr/>
-          </p:nvSpPr>
-          <p:spPr>
-            <a:xfrm rot="16200000">
-              <a:off x="3582290" y="886722"/>
-              <a:ext cx="555487" cy="230832"/>
-            </a:xfrm>
-            <a:prstGeom prst="rect">
-              <a:avLst/>
-            </a:prstGeom>
-            <a:noFill/>
-          </p:spPr>
-          <p:txBody>
-            <a:bodyPr wrap="square" lIns="0" tIns="0" rIns="0" bIns="0" rtlCol="0">
-              <a:noAutofit/>
-            </a:bodyPr>
-            <a:lstStyle/>
-            <a:p>
-              <a:r>
-                <a:rPr lang="en-US" sz="1100" dirty="0" smtClean="0">
-                  <a:solidFill>
-                    <a:srgbClr val="0070C0"/>
-                  </a:solidFill>
-                </a:rPr>
-                <a:t>creates</a:t>
-              </a:r>
-              <a:endParaRPr lang="en-SG" sz="1100" dirty="0">
-                <a:solidFill>
-                  <a:srgbClr val="0070C0"/>
-                </a:solidFill>
-              </a:endParaRPr>
-            </a:p>
-          </p:txBody>
-        </p:sp>
-        <p:sp>
-          <p:nvSpPr>
-            <p:cNvPr id="36" name="Isosceles Triangle 35"/>
-            <p:cNvSpPr/>
-            <p:nvPr/>
-          </p:nvSpPr>
-          <p:spPr>
-            <a:xfrm rot="10800000" flipV="1">
-              <a:off x="3774616" y="762032"/>
-              <a:ext cx="117926" cy="71346"/>
-            </a:xfrm>
-            <a:prstGeom prst="triangle">
-              <a:avLst/>
-            </a:prstGeom>
-            <a:solidFill>
-              <a:srgbClr val="0070C0"/>
-            </a:solidFill>
-            <a:ln>
-              <a:noFill/>
-            </a:ln>
-          </p:spPr>
-          <p:style>
-            <a:lnRef idx="2">
-              <a:schemeClr val="accent1">
-                <a:shade val="50000"/>
-              </a:schemeClr>
-            </a:lnRef>
-            <a:fillRef idx="1">
-              <a:schemeClr val="accent1"/>
-            </a:fillRef>
-            <a:effectRef idx="0">
-              <a:schemeClr val="accent1"/>
-            </a:effectRef>
-            <a:fontRef idx="minor">
-              <a:schemeClr val="lt1"/>
-            </a:fontRef>
-          </p:style>
-          <p:txBody>
-            <a:bodyPr rtlCol="0" anchor="ctr"/>
-            <a:lstStyle/>
-            <a:p>
-              <a:pPr algn="ctr"/>
-              <a:endParaRPr lang="en-SG"/>
-            </a:p>
-          </p:txBody>
-        </p:sp>
-      </p:grpSp>
       <p:sp>
         <p:nvSpPr>
           <p:cNvPr id="37" name="Rectangle 11"/>
@@ -4849,7 +4750,7 @@
         </p:nvSpPr>
         <p:spPr>
           <a:xfrm flipH="1">
-            <a:off x="5949738" y="2946794"/>
+            <a:off x="5949738" y="2956137"/>
             <a:ext cx="1093635" cy="346760"/>
           </a:xfrm>
           <a:prstGeom prst="rect">
@@ -4916,7 +4817,7 @@
         </p:nvCxnSpPr>
         <p:spPr>
           <a:xfrm rot="16200000" flipV="1">
-            <a:off x="1194071" y="2771559"/>
+            <a:off x="1194071" y="2780902"/>
             <a:ext cx="1970727" cy="1"/>
           </a:xfrm>
           <a:prstGeom prst="bentConnector3">
@@ -4957,7 +4858,7 @@
         </p:nvSpPr>
         <p:spPr>
           <a:xfrm flipH="1">
-            <a:off x="3859365" y="2158066"/>
+            <a:off x="3859365" y="2167409"/>
             <a:ext cx="1093635" cy="346760"/>
           </a:xfrm>
           <a:prstGeom prst="rect">
@@ -5029,7 +4930,7 @@
         </p:nvSpPr>
         <p:spPr>
           <a:xfrm flipH="1">
-            <a:off x="3859365" y="2564466"/>
+            <a:off x="3859365" y="2573809"/>
             <a:ext cx="1093635" cy="346760"/>
           </a:xfrm>
           <a:prstGeom prst="rect">
@@ -5101,7 +5002,7 @@
         </p:nvSpPr>
         <p:spPr>
           <a:xfrm flipH="1">
-            <a:off x="3859363" y="2968239"/>
+            <a:off x="3859363" y="2977582"/>
             <a:ext cx="1093635" cy="346760"/>
           </a:xfrm>
           <a:prstGeom prst="rect">
@@ -5157,7 +5058,7 @@
         </p:nvSpPr>
         <p:spPr>
           <a:xfrm>
-            <a:off x="2667000" y="3218188"/>
+            <a:off x="2409537" y="2219143"/>
             <a:ext cx="751107" cy="346760"/>
           </a:xfrm>
           <a:prstGeom prst="rect">
@@ -5231,7 +5132,7 @@
         </p:nvSpPr>
         <p:spPr>
           <a:xfrm>
-            <a:off x="2907710" y="2821908"/>
+            <a:off x="2648137" y="2606322"/>
             <a:ext cx="510397" cy="346760"/>
           </a:xfrm>
           <a:prstGeom prst="rect">
@@ -5284,60 +5185,24 @@
       </p:sp>
       <p:cxnSp>
         <p:nvCxnSpPr>
-          <p:cNvPr id="72" name="Straight Arrow Connector 71"/>
+          <p:cNvPr id="86" name="Straight Arrow Connector 85"/>
           <p:cNvCxnSpPr>
-            <a:endCxn id="58" idx="3"/>
+            <a:endCxn id="44" idx="3"/>
           </p:cNvCxnSpPr>
           <p:nvPr/>
         </p:nvCxnSpPr>
         <p:spPr>
-          <a:xfrm rot="16200000" flipV="1">
-            <a:off x="3106339" y="3307056"/>
-            <a:ext cx="786830" cy="163294"/>
-          </a:xfrm>
-          <a:prstGeom prst="bentConnector2">
+          <a:xfrm flipV="1">
+            <a:off x="3733800" y="2747189"/>
+            <a:ext cx="125565" cy="5354"/>
+          </a:xfrm>
+          <a:prstGeom prst="straightConnector1">
             <a:avLst/>
           </a:prstGeom>
           <a:ln>
             <a:prstDash val="dash"/>
             <a:headEnd type="none" w="med" len="med"/>
             <a:tailEnd type="arrow" w="med" len="med"/>
-          </a:ln>
-        </p:spPr>
-        <p:style>
-          <a:lnRef idx="1">
-            <a:schemeClr val="accent1"/>
-          </a:lnRef>
-          <a:fillRef idx="0">
-            <a:schemeClr val="accent1"/>
-          </a:fillRef>
-          <a:effectRef idx="0">
-            <a:schemeClr val="accent1"/>
-          </a:effectRef>
-          <a:fontRef idx="minor">
-            <a:schemeClr val="tx1"/>
-          </a:fontRef>
-        </p:style>
-      </p:cxnSp>
-      <p:cxnSp>
-        <p:nvCxnSpPr>
-          <p:cNvPr id="86" name="Straight Arrow Connector 85"/>
-          <p:cNvCxnSpPr>
-            <a:endCxn id="44" idx="3"/>
-          </p:cNvCxnSpPr>
-          <p:nvPr/>
-        </p:nvCxnSpPr>
-        <p:spPr>
-          <a:xfrm flipV="1">
-            <a:off x="3733800" y="2737846"/>
-            <a:ext cx="125565" cy="5354"/>
-          </a:xfrm>
-          <a:prstGeom prst="straightConnector1">
-            <a:avLst/>
-          </a:prstGeom>
-          <a:ln>
-            <a:prstDash val="dash"/>
-            <a:tailEnd type="triangle"/>
           </a:ln>
         </p:spPr>
         <p:style>
@@ -5363,7 +5228,7 @@
         </p:nvCxnSpPr>
         <p:spPr>
           <a:xfrm>
-            <a:off x="3733800" y="3168668"/>
+            <a:off x="3733800" y="3178011"/>
             <a:ext cx="125563" cy="0"/>
           </a:xfrm>
           <a:prstGeom prst="straightConnector1">
@@ -5371,7 +5236,8 @@
           </a:prstGeom>
           <a:ln>
             <a:prstDash val="dash"/>
-            <a:tailEnd type="triangle"/>
+            <a:headEnd type="none" w="med" len="med"/>
+            <a:tailEnd type="arrow" w="med" len="med"/>
           </a:ln>
         </p:spPr>
         <p:style>
@@ -5397,8 +5263,8 @@
         </p:nvCxnSpPr>
         <p:spPr>
           <a:xfrm flipV="1">
-            <a:off x="3733800" y="2286000"/>
-            <a:ext cx="0" cy="1653101"/>
+            <a:off x="3733800" y="2295343"/>
+            <a:ext cx="0" cy="1653103"/>
           </a:xfrm>
           <a:prstGeom prst="line">
             <a:avLst/>
@@ -5432,7 +5298,7 @@
         </p:nvCxnSpPr>
         <p:spPr>
           <a:xfrm flipH="1">
-            <a:off x="3684189" y="3939101"/>
+            <a:off x="3684189" y="3948444"/>
             <a:ext cx="49611" cy="438"/>
           </a:xfrm>
           <a:prstGeom prst="line">
@@ -5465,7 +5331,7 @@
         </p:nvCxnSpPr>
         <p:spPr>
           <a:xfrm>
-            <a:off x="3733800" y="2286000"/>
+            <a:off x="3733800" y="2295343"/>
             <a:ext cx="125563" cy="0"/>
           </a:xfrm>
           <a:prstGeom prst="straightConnector1">
@@ -5473,7 +5339,8 @@
           </a:prstGeom>
           <a:ln>
             <a:prstDash val="dash"/>
-            <a:tailEnd type="triangle"/>
+            <a:headEnd type="none" w="med" len="med"/>
+            <a:tailEnd type="arrow" w="med" len="med"/>
           </a:ln>
         </p:spPr>
         <p:style>
@@ -5501,7 +5368,7 @@
         </p:nvCxnSpPr>
         <p:spPr>
           <a:xfrm flipV="1">
-            <a:off x="5587728" y="3930946"/>
+            <a:off x="5587728" y="3940289"/>
             <a:ext cx="1651272" cy="8155"/>
           </a:xfrm>
           <a:prstGeom prst="straightConnector1">
@@ -5535,7 +5402,7 @@
         </p:nvCxnSpPr>
         <p:spPr>
           <a:xfrm flipV="1">
-            <a:off x="7239000" y="2313204"/>
+            <a:off x="7239000" y="2322547"/>
             <a:ext cx="0" cy="1617744"/>
           </a:xfrm>
           <a:prstGeom prst="line">
@@ -5568,7 +5435,7 @@
         </p:nvCxnSpPr>
         <p:spPr>
           <a:xfrm>
-            <a:off x="7037235" y="2313204"/>
+            <a:off x="7037235" y="2322547"/>
             <a:ext cx="201765" cy="0"/>
           </a:xfrm>
           <a:prstGeom prst="line">
@@ -5600,7 +5467,7 @@
         </p:nvCxnSpPr>
         <p:spPr>
           <a:xfrm>
-            <a:off x="7043373" y="2718957"/>
+            <a:off x="7043373" y="2728300"/>
             <a:ext cx="195627" cy="0"/>
           </a:xfrm>
           <a:prstGeom prst="line">
@@ -5632,7 +5499,7 @@
         </p:nvCxnSpPr>
         <p:spPr>
           <a:xfrm>
-            <a:off x="7043373" y="3120174"/>
+            <a:off x="7043373" y="3129517"/>
             <a:ext cx="195627" cy="0"/>
           </a:xfrm>
           <a:prstGeom prst="line">
@@ -5664,7 +5531,7 @@
         </p:nvCxnSpPr>
         <p:spPr>
           <a:xfrm>
-            <a:off x="7043373" y="3560420"/>
+            <a:off x="7043373" y="3569763"/>
             <a:ext cx="195627" cy="0"/>
           </a:xfrm>
           <a:prstGeom prst="line">
@@ -5696,7 +5563,7 @@
         </p:nvCxnSpPr>
         <p:spPr>
           <a:xfrm>
-            <a:off x="4953000" y="2737846"/>
+            <a:off x="4953000" y="2747189"/>
             <a:ext cx="990600" cy="0"/>
           </a:xfrm>
           <a:prstGeom prst="line">
@@ -5731,7 +5598,7 @@
         </p:nvCxnSpPr>
         <p:spPr>
           <a:xfrm>
-            <a:off x="4953000" y="2362200"/>
+            <a:off x="4953000" y="2371543"/>
             <a:ext cx="990600" cy="0"/>
           </a:xfrm>
           <a:prstGeom prst="line">
@@ -5766,7 +5633,7 @@
         </p:nvGrpSpPr>
         <p:grpSpPr>
           <a:xfrm rot="5400000">
-            <a:off x="5365168" y="1952858"/>
+            <a:off x="5365168" y="1962201"/>
             <a:ext cx="254462" cy="555486"/>
             <a:chOff x="3949242" y="712012"/>
             <a:chExt cx="254462" cy="503902"/>
@@ -5865,7 +5732,7 @@
         </p:nvGrpSpPr>
         <p:grpSpPr>
           <a:xfrm rot="5400000">
-            <a:off x="5386226" y="2338226"/>
+            <a:off x="5386226" y="2347569"/>
             <a:ext cx="254462" cy="555486"/>
             <a:chOff x="3949242" y="712012"/>
             <a:chExt cx="254462" cy="503902"/>
@@ -5956,22 +5823,414 @@
           </p:txBody>
         </p:sp>
       </p:grpSp>
+      <p:sp>
+        <p:nvSpPr>
+          <p:cNvPr id="60" name="Rectangle 62"/>
+          <p:cNvSpPr/>
+          <p:nvPr/>
+        </p:nvSpPr>
+        <p:spPr>
+          <a:xfrm>
+            <a:off x="2659828" y="3015383"/>
+            <a:ext cx="731636" cy="283820"/>
+          </a:xfrm>
+          <a:prstGeom prst="rect">
+            <a:avLst/>
+          </a:prstGeom>
+          <a:solidFill>
+            <a:srgbClr val="0070C0"/>
+          </a:solidFill>
+          <a:ln w="19050">
+            <a:solidFill>
+              <a:srgbClr val="0070C0"/>
+            </a:solidFill>
+          </a:ln>
+          <a:effectLst/>
+        </p:spPr>
+        <p:style>
+          <a:lnRef idx="1">
+            <a:schemeClr val="accent2"/>
+          </a:lnRef>
+          <a:fillRef idx="2">
+            <a:schemeClr val="accent2"/>
+          </a:fillRef>
+          <a:effectRef idx="1">
+            <a:schemeClr val="accent2"/>
+          </a:effectRef>
+          <a:fontRef idx="minor">
+            <a:schemeClr val="dk1"/>
+          </a:fontRef>
+        </p:style>
+        <p:txBody>
+          <a:bodyPr rtlCol="0" anchor="ctr"/>
+          <a:lstStyle/>
+          <a:p>
+            <a:pPr algn="ctr"/>
+            <a:r>
+              <a:rPr lang="en-SG" sz="1050" dirty="0" err="1" smtClean="0">
+                <a:solidFill>
+                  <a:schemeClr val="bg1"/>
+                </a:solidFill>
+              </a:rPr>
+              <a:t>CliSyntax</a:t>
+            </a:r>
+            <a:endParaRPr lang="en-SG" sz="1050" dirty="0">
+              <a:solidFill>
+                <a:schemeClr val="bg1"/>
+              </a:solidFill>
+            </a:endParaRPr>
+          </a:p>
+        </p:txBody>
+      </p:sp>
+      <p:sp>
+        <p:nvSpPr>
+          <p:cNvPr id="62" name="Rectangle 62"/>
+          <p:cNvSpPr/>
+          <p:nvPr/>
+        </p:nvSpPr>
+        <p:spPr>
+          <a:xfrm>
+            <a:off x="2659250" y="3364540"/>
+            <a:ext cx="731636" cy="283820"/>
+          </a:xfrm>
+          <a:prstGeom prst="rect">
+            <a:avLst/>
+          </a:prstGeom>
+          <a:solidFill>
+            <a:srgbClr val="0070C0"/>
+          </a:solidFill>
+          <a:ln w="19050">
+            <a:solidFill>
+              <a:srgbClr val="0070C0"/>
+            </a:solidFill>
+          </a:ln>
+          <a:effectLst/>
+        </p:spPr>
+        <p:style>
+          <a:lnRef idx="1">
+            <a:schemeClr val="accent2"/>
+          </a:lnRef>
+          <a:fillRef idx="2">
+            <a:schemeClr val="accent2"/>
+          </a:fillRef>
+          <a:effectRef idx="1">
+            <a:schemeClr val="accent2"/>
+          </a:effectRef>
+          <a:fontRef idx="minor">
+            <a:schemeClr val="dk1"/>
+          </a:fontRef>
+        </p:style>
+        <p:txBody>
+          <a:bodyPr rtlCol="0" anchor="ctr"/>
+          <a:lstStyle/>
+          <a:p>
+            <a:pPr algn="ctr"/>
+            <a:r>
+              <a:rPr lang="en-SG" sz="1050" dirty="0" err="1" smtClean="0">
+                <a:solidFill>
+                  <a:schemeClr val="bg1"/>
+                </a:solidFill>
+              </a:rPr>
+              <a:t>ParserUtil</a:t>
+            </a:r>
+            <a:endParaRPr lang="en-SG" sz="1050" dirty="0">
+              <a:solidFill>
+                <a:schemeClr val="bg1"/>
+              </a:solidFill>
+            </a:endParaRPr>
+          </a:p>
+        </p:txBody>
+      </p:sp>
       <p:cxnSp>
         <p:nvCxnSpPr>
-          <p:cNvPr id="15" name="Straight Arrow Connector 14"/>
+          <p:cNvPr id="22" name="Straight Connector 21"/>
           <p:cNvCxnSpPr/>
           <p:nvPr/>
         </p:nvCxnSpPr>
         <p:spPr>
+          <a:xfrm flipV="1">
+            <a:off x="3505200" y="2209023"/>
+            <a:ext cx="0" cy="1262106"/>
+          </a:xfrm>
+          <a:prstGeom prst="line">
+            <a:avLst/>
+          </a:prstGeom>
+          <a:ln>
+            <a:prstDash val="sysDash"/>
+          </a:ln>
+        </p:spPr>
+        <p:style>
+          <a:lnRef idx="1">
+            <a:schemeClr val="accent1"/>
+          </a:lnRef>
+          <a:fillRef idx="0">
+            <a:schemeClr val="accent1"/>
+          </a:fillRef>
+          <a:effectRef idx="0">
+            <a:schemeClr val="accent1"/>
+          </a:effectRef>
+          <a:fontRef idx="minor">
+            <a:schemeClr val="tx1"/>
+          </a:fontRef>
+        </p:style>
+      </p:cxnSp>
+      <p:cxnSp>
+        <p:nvCxnSpPr>
+          <p:cNvPr id="75" name="Straight Connector 74"/>
+          <p:cNvCxnSpPr/>
+          <p:nvPr/>
+        </p:nvCxnSpPr>
+        <p:spPr>
           <a:xfrm flipH="1">
-            <a:off x="3418106" y="3387040"/>
-            <a:ext cx="163295" cy="0"/>
+            <a:off x="3505200" y="2209023"/>
+            <a:ext cx="344016" cy="0"/>
+          </a:xfrm>
+          <a:prstGeom prst="line">
+            <a:avLst/>
+          </a:prstGeom>
+          <a:ln>
+            <a:prstDash val="sysDash"/>
+          </a:ln>
+        </p:spPr>
+        <p:style>
+          <a:lnRef idx="1">
+            <a:schemeClr val="accent1"/>
+          </a:lnRef>
+          <a:fillRef idx="0">
+            <a:schemeClr val="accent1"/>
+          </a:fillRef>
+          <a:effectRef idx="0">
+            <a:schemeClr val="accent1"/>
+          </a:effectRef>
+          <a:fontRef idx="minor">
+            <a:schemeClr val="tx1"/>
+          </a:fontRef>
+        </p:style>
+      </p:cxnSp>
+      <p:cxnSp>
+        <p:nvCxnSpPr>
+          <p:cNvPr id="79" name="Straight Connector 78"/>
+          <p:cNvCxnSpPr/>
+          <p:nvPr/>
+        </p:nvCxnSpPr>
+        <p:spPr>
+          <a:xfrm flipH="1">
+            <a:off x="3505200" y="2632378"/>
+            <a:ext cx="354163" cy="0"/>
+          </a:xfrm>
+          <a:prstGeom prst="line">
+            <a:avLst/>
+          </a:prstGeom>
+          <a:ln>
+            <a:prstDash val="sysDash"/>
+          </a:ln>
+        </p:spPr>
+        <p:style>
+          <a:lnRef idx="1">
+            <a:schemeClr val="accent1"/>
+          </a:lnRef>
+          <a:fillRef idx="0">
+            <a:schemeClr val="accent1"/>
+          </a:fillRef>
+          <a:effectRef idx="0">
+            <a:schemeClr val="accent1"/>
+          </a:effectRef>
+          <a:fontRef idx="minor">
+            <a:schemeClr val="tx1"/>
+          </a:fontRef>
+        </p:style>
+      </p:cxnSp>
+      <p:cxnSp>
+        <p:nvCxnSpPr>
+          <p:cNvPr id="85" name="Straight Connector 84"/>
+          <p:cNvCxnSpPr/>
+          <p:nvPr/>
+        </p:nvCxnSpPr>
+        <p:spPr>
+          <a:xfrm flipH="1">
+            <a:off x="3505200" y="3015383"/>
+            <a:ext cx="344016" cy="0"/>
+          </a:xfrm>
+          <a:prstGeom prst="line">
+            <a:avLst/>
+          </a:prstGeom>
+          <a:ln>
+            <a:prstDash val="sysDash"/>
+          </a:ln>
+        </p:spPr>
+        <p:style>
+          <a:lnRef idx="1">
+            <a:schemeClr val="accent1"/>
+          </a:lnRef>
+          <a:fillRef idx="0">
+            <a:schemeClr val="accent1"/>
+          </a:fillRef>
+          <a:effectRef idx="0">
+            <a:schemeClr val="accent1"/>
+          </a:effectRef>
+          <a:fontRef idx="minor">
+            <a:schemeClr val="tx1"/>
+          </a:fontRef>
+        </p:style>
+      </p:cxnSp>
+      <p:cxnSp>
+        <p:nvCxnSpPr>
+          <p:cNvPr id="100" name="Straight Arrow Connector 99"/>
+          <p:cNvCxnSpPr/>
+          <p:nvPr/>
+        </p:nvCxnSpPr>
+        <p:spPr>
+          <a:xfrm flipH="1">
+            <a:off x="3390886" y="3178011"/>
+            <a:ext cx="114314" cy="0"/>
           </a:xfrm>
           <a:prstGeom prst="straightConnector1">
             <a:avLst/>
           </a:prstGeom>
           <a:ln>
-            <a:prstDash val="dash"/>
+            <a:prstDash val="sysDot"/>
+            <a:headEnd type="none" w="med" len="med"/>
+            <a:tailEnd type="arrow" w="med" len="med"/>
+          </a:ln>
+        </p:spPr>
+        <p:style>
+          <a:lnRef idx="1">
+            <a:schemeClr val="accent1"/>
+          </a:lnRef>
+          <a:fillRef idx="0">
+            <a:schemeClr val="accent1"/>
+          </a:fillRef>
+          <a:effectRef idx="0">
+            <a:schemeClr val="accent1"/>
+          </a:effectRef>
+          <a:fontRef idx="minor">
+            <a:schemeClr val="tx1"/>
+          </a:fontRef>
+        </p:style>
+      </p:cxnSp>
+      <p:cxnSp>
+        <p:nvCxnSpPr>
+          <p:cNvPr id="105" name="Straight Arrow Connector 104"/>
+          <p:cNvCxnSpPr/>
+          <p:nvPr/>
+        </p:nvCxnSpPr>
+        <p:spPr>
+          <a:xfrm flipH="1">
+            <a:off x="3390886" y="3471128"/>
+            <a:ext cx="114314" cy="0"/>
+          </a:xfrm>
+          <a:prstGeom prst="straightConnector1">
+            <a:avLst/>
+          </a:prstGeom>
+          <a:ln>
+            <a:prstDash val="sysDot"/>
+            <a:headEnd type="none" w="med" len="med"/>
+            <a:tailEnd type="arrow" w="med" len="med"/>
+          </a:ln>
+        </p:spPr>
+        <p:style>
+          <a:lnRef idx="1">
+            <a:schemeClr val="accent1"/>
+          </a:lnRef>
+          <a:fillRef idx="0">
+            <a:schemeClr val="accent1"/>
+          </a:fillRef>
+          <a:effectRef idx="0">
+            <a:schemeClr val="accent1"/>
+          </a:effectRef>
+          <a:fontRef idx="minor">
+            <a:schemeClr val="tx1"/>
+          </a:fontRef>
+        </p:style>
+      </p:cxnSp>
+      <p:cxnSp>
+        <p:nvCxnSpPr>
+          <p:cNvPr id="13" name="Elbow Connector 12"/>
+          <p:cNvCxnSpPr>
+            <a:endCxn id="58" idx="3"/>
+          </p:cNvCxnSpPr>
+          <p:nvPr/>
+        </p:nvCxnSpPr>
+        <p:spPr>
+          <a:xfrm rot="16200000" flipV="1">
+            <a:off x="3128310" y="2809926"/>
+            <a:ext cx="234836" cy="174388"/>
+          </a:xfrm>
+          <a:prstGeom prst="bentConnector2">
+            <a:avLst/>
+          </a:prstGeom>
+          <a:ln>
+            <a:prstDash val="sysDash"/>
+            <a:headEnd type="none" w="med" len="med"/>
+            <a:tailEnd type="arrow" w="med" len="med"/>
+          </a:ln>
+        </p:spPr>
+        <p:style>
+          <a:lnRef idx="1">
+            <a:schemeClr val="accent1"/>
+          </a:lnRef>
+          <a:fillRef idx="0">
+            <a:schemeClr val="accent1"/>
+          </a:fillRef>
+          <a:effectRef idx="0">
+            <a:schemeClr val="accent1"/>
+          </a:effectRef>
+          <a:fontRef idx="minor">
+            <a:schemeClr val="tx1"/>
+          </a:fontRef>
+        </p:style>
+      </p:cxnSp>
+      <p:cxnSp>
+        <p:nvCxnSpPr>
+          <p:cNvPr id="47" name="Straight Connector 46"/>
+          <p:cNvCxnSpPr/>
+          <p:nvPr/>
+        </p:nvCxnSpPr>
+        <p:spPr>
+          <a:xfrm>
+            <a:off x="3158534" y="2447743"/>
+            <a:ext cx="575266" cy="0"/>
+          </a:xfrm>
+          <a:prstGeom prst="line">
+            <a:avLst/>
+          </a:prstGeom>
+          <a:ln>
+            <a:prstDash val="sysDash"/>
+          </a:ln>
+        </p:spPr>
+        <p:style>
+          <a:lnRef idx="1">
+            <a:schemeClr val="accent1"/>
+          </a:lnRef>
+          <a:fillRef idx="0">
+            <a:schemeClr val="accent1"/>
+          </a:fillRef>
+          <a:effectRef idx="0">
+            <a:schemeClr val="accent1"/>
+          </a:effectRef>
+          <a:fontRef idx="minor">
+            <a:schemeClr val="tx1"/>
+          </a:fontRef>
+        </p:style>
+      </p:cxnSp>
+      <p:cxnSp>
+        <p:nvCxnSpPr>
+          <p:cNvPr id="50" name="Elbow Connector 49"/>
+          <p:cNvCxnSpPr>
+            <a:endCxn id="58" idx="1"/>
+          </p:cNvCxnSpPr>
+          <p:nvPr/>
+        </p:nvCxnSpPr>
+        <p:spPr>
+          <a:xfrm rot="16200000" flipH="1">
+            <a:off x="2478422" y="2609986"/>
+            <a:ext cx="205893" cy="133537"/>
+          </a:xfrm>
+          <a:prstGeom prst="bentConnector2">
+            <a:avLst/>
+          </a:prstGeom>
+          <a:ln>
+            <a:prstDash val="sysDash"/>
             <a:headEnd type="none" w="med" len="med"/>
             <a:tailEnd type="arrow" w="med" len="med"/>
           </a:ln>

--- a/docs/diagrams/LogicComponentClassDiagram.pptx
+++ b/docs/diagrams/LogicComponentClassDiagram.pptx
@@ -8,7 +8,7 @@
     <p:notesMasterId r:id="rId3"/>
   </p:notesMasterIdLst>
   <p:sldIdLst>
-    <p:sldId id="261" r:id="rId2"/>
+    <p:sldId id="262" r:id="rId2"/>
   </p:sldIdLst>
   <p:sldSz cx="9144000" cy="6858000" type="screen4x3"/>
   <p:notesSz cx="6858000" cy="9144000"/>
@@ -107,6 +107,22 @@
       </a:defRPr>
     </a:lvl9pPr>
   </p:defaultTextStyle>
+  <p:extLst>
+    <p:ext uri="{EFAFB233-063F-42B5-8137-9DF3F51BA10A}">
+      <p15:sldGuideLst xmlns:p15="http://schemas.microsoft.com/office/powerpoint/2012/main">
+        <p15:guide id="1" orient="horz" pos="1488">
+          <p15:clr>
+            <a:srgbClr val="A4A3A4"/>
+          </p15:clr>
+        </p15:guide>
+        <p15:guide id="2" pos="2880">
+          <p15:clr>
+            <a:srgbClr val="A4A3A4"/>
+          </p15:clr>
+        </p15:guide>
+      </p15:sldGuideLst>
+    </p:ext>
+  </p:extLst>
 </p:presentation>
 </file>
 
@@ -192,7 +208,7 @@
           <a:p>
             <a:fld id="{F5CC4B3F-88C1-4FFA-B1B6-F41C21DC6924}" type="datetimeFigureOut">
               <a:rPr lang="en-US" smtClean="0"/>
-              <a:t>10/16/2016</a:t>
+              <a:t>2/1/2017</a:t>
             </a:fld>
             <a:endParaRPr lang="en-US"/>
           </a:p>
@@ -641,7 +657,7 @@
           <a:p>
             <a:fld id="{78C97017-6FC3-485B-9764-EAC9E56C1D49}" type="datetimeFigureOut">
               <a:rPr lang="en-US" smtClean="0"/>
-              <a:t>10/16/2016</a:t>
+              <a:t>2/1/2017</a:t>
             </a:fld>
             <a:endParaRPr lang="en-US"/>
           </a:p>
@@ -811,7 +827,7 @@
           <a:p>
             <a:fld id="{78C97017-6FC3-485B-9764-EAC9E56C1D49}" type="datetimeFigureOut">
               <a:rPr lang="en-US" smtClean="0"/>
-              <a:t>10/16/2016</a:t>
+              <a:t>2/1/2017</a:t>
             </a:fld>
             <a:endParaRPr lang="en-US"/>
           </a:p>
@@ -991,7 +1007,7 @@
           <a:p>
             <a:fld id="{78C97017-6FC3-485B-9764-EAC9E56C1D49}" type="datetimeFigureOut">
               <a:rPr lang="en-US" smtClean="0"/>
-              <a:t>10/16/2016</a:t>
+              <a:t>2/1/2017</a:t>
             </a:fld>
             <a:endParaRPr lang="en-US"/>
           </a:p>
@@ -1161,7 +1177,7 @@
           <a:p>
             <a:fld id="{78C97017-6FC3-485B-9764-EAC9E56C1D49}" type="datetimeFigureOut">
               <a:rPr lang="en-US" smtClean="0"/>
-              <a:t>10/16/2016</a:t>
+              <a:t>2/1/2017</a:t>
             </a:fld>
             <a:endParaRPr lang="en-US"/>
           </a:p>
@@ -1407,7 +1423,7 @@
           <a:p>
             <a:fld id="{78C97017-6FC3-485B-9764-EAC9E56C1D49}" type="datetimeFigureOut">
               <a:rPr lang="en-US" smtClean="0"/>
-              <a:t>10/16/2016</a:t>
+              <a:t>2/1/2017</a:t>
             </a:fld>
             <a:endParaRPr lang="en-US"/>
           </a:p>
@@ -1695,7 +1711,7 @@
           <a:p>
             <a:fld id="{78C97017-6FC3-485B-9764-EAC9E56C1D49}" type="datetimeFigureOut">
               <a:rPr lang="en-US" smtClean="0"/>
-              <a:t>10/16/2016</a:t>
+              <a:t>2/1/2017</a:t>
             </a:fld>
             <a:endParaRPr lang="en-US"/>
           </a:p>
@@ -2117,7 +2133,7 @@
           <a:p>
             <a:fld id="{78C97017-6FC3-485B-9764-EAC9E56C1D49}" type="datetimeFigureOut">
               <a:rPr lang="en-US" smtClean="0"/>
-              <a:t>10/16/2016</a:t>
+              <a:t>2/1/2017</a:t>
             </a:fld>
             <a:endParaRPr lang="en-US"/>
           </a:p>
@@ -2235,7 +2251,7 @@
           <a:p>
             <a:fld id="{78C97017-6FC3-485B-9764-EAC9E56C1D49}" type="datetimeFigureOut">
               <a:rPr lang="en-US" smtClean="0"/>
-              <a:t>10/16/2016</a:t>
+              <a:t>2/1/2017</a:t>
             </a:fld>
             <a:endParaRPr lang="en-US"/>
           </a:p>
@@ -2330,7 +2346,7 @@
           <a:p>
             <a:fld id="{78C97017-6FC3-485B-9764-EAC9E56C1D49}" type="datetimeFigureOut">
               <a:rPr lang="en-US" smtClean="0"/>
-              <a:t>10/16/2016</a:t>
+              <a:t>2/1/2017</a:t>
             </a:fld>
             <a:endParaRPr lang="en-US"/>
           </a:p>
@@ -2607,7 +2623,7 @@
           <a:p>
             <a:fld id="{78C97017-6FC3-485B-9764-EAC9E56C1D49}" type="datetimeFigureOut">
               <a:rPr lang="en-US" smtClean="0"/>
-              <a:t>10/16/2016</a:t>
+              <a:t>2/1/2017</a:t>
             </a:fld>
             <a:endParaRPr lang="en-US"/>
           </a:p>
@@ -2860,7 +2876,7 @@
           <a:p>
             <a:fld id="{78C97017-6FC3-485B-9764-EAC9E56C1D49}" type="datetimeFigureOut">
               <a:rPr lang="en-US" smtClean="0"/>
-              <a:t>10/16/2016</a:t>
+              <a:t>2/1/2017</a:t>
             </a:fld>
             <a:endParaRPr lang="en-US"/>
           </a:p>
@@ -3073,7 +3089,7 @@
           <a:p>
             <a:fld id="{78C97017-6FC3-485B-9764-EAC9E56C1D49}" type="datetimeFigureOut">
               <a:rPr lang="en-US" smtClean="0"/>
-              <a:t>10/16/2016</a:t>
+              <a:t>2/1/2017</a:t>
             </a:fld>
             <a:endParaRPr lang="en-US"/>
           </a:p>
@@ -3450,14 +3466,14 @@
       </p:grpSpPr>
       <p:sp>
         <p:nvSpPr>
-          <p:cNvPr id="3" name="Rectangle 65"/>
+          <p:cNvPr id="2" name="Rectangle 65"/>
           <p:cNvSpPr/>
           <p:nvPr/>
         </p:nvSpPr>
         <p:spPr>
           <a:xfrm>
-            <a:off x="1103085" y="2057399"/>
-            <a:ext cx="6288315" cy="2272167"/>
+            <a:off x="1070744" y="914401"/>
+            <a:ext cx="6288315" cy="3415166"/>
           </a:xfrm>
           <a:prstGeom prst="roundRect">
             <a:avLst>
@@ -3494,7 +3510,7 @@
           <a:lstStyle/>
           <a:p>
             <a:r>
-              <a:rPr lang="en-US" sz="1200" b="1" dirty="0" smtClean="0">
+              <a:rPr lang="en-US" sz="1200" b="1" dirty="0">
                 <a:solidFill>
                   <a:srgbClr val="0070C0"/>
                 </a:solidFill>
@@ -3511,13 +3527,13 @@
       </p:sp>
       <p:sp>
         <p:nvSpPr>
-          <p:cNvPr id="4" name="Rectangle 8"/>
+          <p:cNvPr id="3" name="Rectangle 8"/>
           <p:cNvSpPr/>
           <p:nvPr/>
         </p:nvSpPr>
         <p:spPr>
           <a:xfrm>
-            <a:off x="2095948" y="2548840"/>
+            <a:off x="2095948" y="1432739"/>
             <a:ext cx="1093635" cy="346760"/>
           </a:xfrm>
           <a:prstGeom prst="rect">
@@ -3570,13 +3586,13 @@
       </p:sp>
       <p:sp>
         <p:nvSpPr>
-          <p:cNvPr id="5" name="Rectangle 11"/>
+          <p:cNvPr id="4" name="Rectangle 11"/>
           <p:cNvSpPr/>
           <p:nvPr/>
         </p:nvSpPr>
         <p:spPr>
           <a:xfrm flipH="1">
-            <a:off x="6180592" y="2648528"/>
+            <a:off x="5943600" y="2139824"/>
             <a:ext cx="1093635" cy="346760"/>
           </a:xfrm>
           <a:prstGeom prst="rect">
@@ -3609,7 +3625,7 @@
           <a:p>
             <a:pPr algn="ctr"/>
             <a:r>
-              <a:rPr lang="en-US" sz="1050" b="1" dirty="0" err="1">
+              <a:rPr lang="en-US" sz="1050" b="1" dirty="0" err="1" smtClean="0">
                 <a:solidFill>
                   <a:srgbClr val="0070C0"/>
                 </a:solidFill>
@@ -3626,13 +3642,13 @@
       </p:sp>
       <p:sp>
         <p:nvSpPr>
-          <p:cNvPr id="6" name="Rectangle 62"/>
+          <p:cNvPr id="5" name="Rectangle 62"/>
           <p:cNvSpPr/>
           <p:nvPr/>
         </p:nvSpPr>
         <p:spPr>
           <a:xfrm>
-            <a:off x="2015218" y="3763620"/>
+            <a:off x="1780785" y="3763620"/>
             <a:ext cx="1093635" cy="346760"/>
           </a:xfrm>
           <a:prstGeom prst="rect">
@@ -3668,7 +3684,7 @@
           <a:p>
             <a:pPr algn="ctr"/>
             <a:r>
-              <a:rPr lang="en-US" sz="1050" dirty="0" err="1" smtClean="0">
+              <a:rPr lang="en-US" sz="1050" dirty="0" err="1">
                 <a:solidFill>
                   <a:schemeClr val="bg1"/>
                 </a:solidFill>
@@ -3685,20 +3701,20 @@
       </p:sp>
       <p:cxnSp>
         <p:nvCxnSpPr>
-          <p:cNvPr id="7" name="Elbow Connector 63"/>
+          <p:cNvPr id="6" name="Elbow Connector 63"/>
           <p:cNvCxnSpPr>
-            <a:endCxn id="4" idx="3"/>
+            <a:endCxn id="3" idx="3"/>
           </p:cNvCxnSpPr>
           <p:nvPr/>
         </p:nvCxnSpPr>
         <p:spPr>
           <a:xfrm rot="10800000">
-            <a:off x="3189584" y="2722220"/>
-            <a:ext cx="2296817" cy="1187104"/>
+            <a:off x="3189584" y="1606119"/>
+            <a:ext cx="2296817" cy="2157062"/>
           </a:xfrm>
           <a:prstGeom prst="bentConnector3">
             <a:avLst>
-              <a:gd name="adj1" fmla="val -267"/>
+              <a:gd name="adj1" fmla="val -1707"/>
             </a:avLst>
           </a:prstGeom>
           <a:ln w="19050">
@@ -3708,383 +3724,6 @@
             <a:prstDash val="sysDot"/>
             <a:headEnd type="none" w="med" len="med"/>
             <a:tailEnd type="arrow" w="med" len="med"/>
-          </a:ln>
-          <a:effectLst/>
-        </p:spPr>
-        <p:style>
-          <a:lnRef idx="1">
-            <a:schemeClr val="accent2"/>
-          </a:lnRef>
-          <a:fillRef idx="2">
-            <a:schemeClr val="accent2"/>
-          </a:fillRef>
-          <a:effectRef idx="1">
-            <a:schemeClr val="accent2"/>
-          </a:effectRef>
-          <a:fontRef idx="minor">
-            <a:schemeClr val="dk1"/>
-          </a:fontRef>
-        </p:style>
-      </p:cxnSp>
-      <p:sp>
-        <p:nvSpPr>
-          <p:cNvPr id="8" name="Isosceles Triangle 102"/>
-          <p:cNvSpPr/>
-          <p:nvPr/>
-        </p:nvSpPr>
-        <p:spPr>
-          <a:xfrm rot="5400000" flipV="1">
-            <a:off x="5563388" y="3813212"/>
-            <a:ext cx="270504" cy="175523"/>
-          </a:xfrm>
-          <a:prstGeom prst="triangle">
-            <a:avLst/>
-          </a:prstGeom>
-          <a:ln w="19050">
-            <a:solidFill>
-              <a:srgbClr val="0070C0"/>
-            </a:solidFill>
-          </a:ln>
-          <a:effectLst/>
-        </p:spPr>
-        <p:style>
-          <a:lnRef idx="1">
-            <a:schemeClr val="accent1"/>
-          </a:lnRef>
-          <a:fillRef idx="2">
-            <a:schemeClr val="accent1"/>
-          </a:fillRef>
-          <a:effectRef idx="1">
-            <a:schemeClr val="accent1"/>
-          </a:effectRef>
-          <a:fontRef idx="minor">
-            <a:schemeClr val="dk1"/>
-          </a:fontRef>
-        </p:style>
-        <p:txBody>
-          <a:bodyPr rtlCol="0" anchor="ctr"/>
-          <a:lstStyle/>
-          <a:p>
-            <a:pPr algn="ctr"/>
-            <a:endParaRPr lang="en-SG" sz="1050" b="1">
-              <a:solidFill>
-                <a:srgbClr val="92D050"/>
-              </a:solidFill>
-            </a:endParaRPr>
-          </a:p>
-        </p:txBody>
-      </p:sp>
-      <p:cxnSp>
-        <p:nvCxnSpPr>
-          <p:cNvPr id="9" name="Elbow Connector 122"/>
-          <p:cNvCxnSpPr>
-            <a:endCxn id="4" idx="1"/>
-          </p:cNvCxnSpPr>
-          <p:nvPr/>
-        </p:nvCxnSpPr>
-        <p:spPr>
-          <a:xfrm>
-            <a:off x="1676400" y="2719360"/>
-            <a:ext cx="419548" cy="2860"/>
-          </a:xfrm>
-          <a:prstGeom prst="bentConnector3">
-            <a:avLst>
-              <a:gd name="adj1" fmla="val 50000"/>
-            </a:avLst>
-          </a:prstGeom>
-          <a:ln w="19050">
-            <a:solidFill>
-              <a:srgbClr val="0070C0"/>
-            </a:solidFill>
-            <a:prstDash val="sysDot"/>
-            <a:headEnd type="none" w="med" len="med"/>
-            <a:tailEnd type="arrow" w="med" len="med"/>
-          </a:ln>
-          <a:effectLst/>
-        </p:spPr>
-        <p:style>
-          <a:lnRef idx="1">
-            <a:schemeClr val="accent2"/>
-          </a:lnRef>
-          <a:fillRef idx="2">
-            <a:schemeClr val="accent2"/>
-          </a:fillRef>
-          <a:effectRef idx="1">
-            <a:schemeClr val="accent2"/>
-          </a:effectRef>
-          <a:fontRef idx="minor">
-            <a:schemeClr val="dk1"/>
-          </a:fontRef>
-        </p:style>
-      </p:cxnSp>
-      <p:sp>
-        <p:nvSpPr>
-          <p:cNvPr id="10" name="Rectangle 65"/>
-          <p:cNvSpPr/>
-          <p:nvPr/>
-        </p:nvSpPr>
-        <p:spPr>
-          <a:xfrm>
-            <a:off x="1103085" y="4548755"/>
-            <a:ext cx="6288315" cy="328045"/>
-          </a:xfrm>
-          <a:prstGeom prst="roundRect">
-            <a:avLst/>
-          </a:prstGeom>
-          <a:solidFill>
-            <a:schemeClr val="accent4">
-              <a:lumMod val="20000"/>
-              <a:lumOff val="80000"/>
-            </a:schemeClr>
-          </a:solidFill>
-          <a:ln w="19050">
-            <a:noFill/>
-          </a:ln>
-          <a:effectLst/>
-        </p:spPr>
-        <p:style>
-          <a:lnRef idx="1">
-            <a:schemeClr val="accent2"/>
-          </a:lnRef>
-          <a:fillRef idx="2">
-            <a:schemeClr val="accent2"/>
-          </a:fillRef>
-          <a:effectRef idx="1">
-            <a:schemeClr val="accent2"/>
-          </a:effectRef>
-          <a:fontRef idx="minor">
-            <a:schemeClr val="dk1"/>
-          </a:fontRef>
-        </p:style>
-        <p:txBody>
-          <a:bodyPr rtlCol="0" anchor="ctr"/>
-          <a:lstStyle/>
-          <a:p>
-            <a:pPr algn="ctr"/>
-            <a:r>
-              <a:rPr lang="en-US" sz="1100" b="1" dirty="0">
-                <a:solidFill>
-                  <a:schemeClr val="bg1"/>
-                </a:solidFill>
-              </a:rPr>
-              <a:t>Model</a:t>
-            </a:r>
-            <a:endParaRPr lang="en-SG" sz="1100" b="1" dirty="0">
-              <a:solidFill>
-                <a:schemeClr val="bg1"/>
-              </a:solidFill>
-            </a:endParaRPr>
-          </a:p>
-        </p:txBody>
-      </p:sp>
-      <p:sp>
-        <p:nvSpPr>
-          <p:cNvPr id="11" name="Rectangle 11"/>
-          <p:cNvSpPr/>
-          <p:nvPr/>
-        </p:nvSpPr>
-        <p:spPr>
-          <a:xfrm flipH="1">
-            <a:off x="6180592" y="3054928"/>
-            <a:ext cx="1093635" cy="346760"/>
-          </a:xfrm>
-          <a:prstGeom prst="rect">
-            <a:avLst/>
-          </a:prstGeom>
-          <a:ln w="19050">
-            <a:solidFill>
-              <a:srgbClr val="0070C0"/>
-            </a:solidFill>
-          </a:ln>
-          <a:effectLst/>
-        </p:spPr>
-        <p:style>
-          <a:lnRef idx="1">
-            <a:schemeClr val="accent1"/>
-          </a:lnRef>
-          <a:fillRef idx="2">
-            <a:schemeClr val="accent1"/>
-          </a:fillRef>
-          <a:effectRef idx="1">
-            <a:schemeClr val="accent1"/>
-          </a:effectRef>
-          <a:fontRef idx="minor">
-            <a:schemeClr val="dk1"/>
-          </a:fontRef>
-        </p:style>
-        <p:txBody>
-          <a:bodyPr rtlCol="0" anchor="ctr"/>
-          <a:lstStyle/>
-          <a:p>
-            <a:pPr algn="ctr"/>
-            <a:r>
-              <a:rPr lang="en-US" sz="1050" b="1" dirty="0" err="1">
-                <a:solidFill>
-                  <a:srgbClr val="0070C0"/>
-                </a:solidFill>
-              </a:rPr>
-              <a:t>ListCommand</a:t>
-            </a:r>
-            <a:endParaRPr lang="en-SG" sz="1050" b="1" dirty="0">
-              <a:solidFill>
-                <a:srgbClr val="0070C0"/>
-              </a:solidFill>
-            </a:endParaRPr>
-          </a:p>
-        </p:txBody>
-      </p:sp>
-      <p:sp>
-        <p:nvSpPr>
-          <p:cNvPr id="12" name="Rectangle 11"/>
-          <p:cNvSpPr/>
-          <p:nvPr/>
-        </p:nvSpPr>
-        <p:spPr>
-          <a:xfrm flipH="1">
-            <a:off x="6180590" y="3860800"/>
-            <a:ext cx="1093635" cy="346760"/>
-          </a:xfrm>
-          <a:prstGeom prst="rect">
-            <a:avLst/>
-          </a:prstGeom>
-          <a:ln w="19050">
-            <a:solidFill>
-              <a:srgbClr val="0070C0"/>
-            </a:solidFill>
-          </a:ln>
-          <a:effectLst/>
-        </p:spPr>
-        <p:style>
-          <a:lnRef idx="1">
-            <a:schemeClr val="accent1"/>
-          </a:lnRef>
-          <a:fillRef idx="2">
-            <a:schemeClr val="accent1"/>
-          </a:fillRef>
-          <a:effectRef idx="1">
-            <a:schemeClr val="accent1"/>
-          </a:effectRef>
-          <a:fontRef idx="minor">
-            <a:schemeClr val="dk1"/>
-          </a:fontRef>
-        </p:style>
-        <p:txBody>
-          <a:bodyPr rtlCol="0" anchor="ctr"/>
-          <a:lstStyle/>
-          <a:p>
-            <a:pPr algn="ctr"/>
-            <a:r>
-              <a:rPr lang="en-US" sz="1050" b="1" dirty="0">
-                <a:solidFill>
-                  <a:srgbClr val="0070C0"/>
-                </a:solidFill>
-              </a:rPr>
-              <a:t>…</a:t>
-            </a:r>
-            <a:endParaRPr lang="en-SG" sz="1050" b="1" dirty="0">
-              <a:solidFill>
-                <a:srgbClr val="0070C0"/>
-              </a:solidFill>
-            </a:endParaRPr>
-          </a:p>
-        </p:txBody>
-      </p:sp>
-      <p:sp>
-        <p:nvSpPr>
-          <p:cNvPr id="14" name="Rectangle 62"/>
-          <p:cNvSpPr/>
-          <p:nvPr/>
-        </p:nvSpPr>
-        <p:spPr>
-          <a:xfrm>
-            <a:off x="4815685" y="3765721"/>
-            <a:ext cx="772043" cy="346760"/>
-          </a:xfrm>
-          <a:prstGeom prst="rect">
-            <a:avLst/>
-          </a:prstGeom>
-          <a:ln w="19050">
-            <a:solidFill>
-              <a:srgbClr val="0070C0"/>
-            </a:solidFill>
-          </a:ln>
-          <a:effectLst/>
-        </p:spPr>
-        <p:style>
-          <a:lnRef idx="1">
-            <a:schemeClr val="accent1"/>
-          </a:lnRef>
-          <a:fillRef idx="2">
-            <a:schemeClr val="accent1"/>
-          </a:fillRef>
-          <a:effectRef idx="1">
-            <a:schemeClr val="accent1"/>
-          </a:effectRef>
-          <a:fontRef idx="minor">
-            <a:schemeClr val="dk1"/>
-          </a:fontRef>
-        </p:style>
-        <p:txBody>
-          <a:bodyPr rtlCol="0" anchor="ctr"/>
-          <a:lstStyle/>
-          <a:p>
-            <a:pPr algn="ctr"/>
-            <a:r>
-              <a:rPr lang="en-US" sz="1050" b="1" dirty="0" smtClean="0">
-                <a:solidFill>
-                  <a:srgbClr val="0070C0"/>
-                </a:solidFill>
-              </a:rPr>
-              <a:t>{abstract}</a:t>
-            </a:r>
-            <a:br>
-              <a:rPr lang="en-US" sz="1050" b="1" dirty="0" smtClean="0">
-                <a:solidFill>
-                  <a:srgbClr val="0070C0"/>
-                </a:solidFill>
-              </a:rPr>
-            </a:br>
-            <a:r>
-              <a:rPr lang="en-US" sz="1050" b="1" dirty="0" smtClean="0">
-                <a:solidFill>
-                  <a:srgbClr val="0070C0"/>
-                </a:solidFill>
-              </a:rPr>
-              <a:t>Command</a:t>
-            </a:r>
-            <a:endParaRPr lang="en-SG" sz="1050" b="1" dirty="0">
-              <a:solidFill>
-                <a:srgbClr val="0070C0"/>
-              </a:solidFill>
-            </a:endParaRPr>
-          </a:p>
-        </p:txBody>
-      </p:sp>
-      <p:cxnSp>
-        <p:nvCxnSpPr>
-          <p:cNvPr id="15" name="Elbow Connector 63"/>
-          <p:cNvCxnSpPr>
-            <a:stCxn id="5" idx="3"/>
-            <a:endCxn id="8" idx="3"/>
-          </p:cNvCxnSpPr>
-          <p:nvPr/>
-        </p:nvCxnSpPr>
-        <p:spPr>
-          <a:xfrm rot="10800000" flipV="1">
-            <a:off x="5786402" y="2821908"/>
-            <a:ext cx="394190" cy="1079066"/>
-          </a:xfrm>
-          <a:prstGeom prst="bentConnector3">
-            <a:avLst>
-              <a:gd name="adj1" fmla="val 50000"/>
-            </a:avLst>
-          </a:prstGeom>
-          <a:ln w="19050">
-            <a:solidFill>
-              <a:srgbClr val="0070C0"/>
-            </a:solidFill>
-            <a:headEnd type="none" w="med" len="med"/>
-            <a:tailEnd type="none" w="med" len="med"/>
           </a:ln>
           <a:effectLst/>
         </p:spPr>
@@ -4105,17 +3744,16 @@
       </p:cxnSp>
       <p:cxnSp>
         <p:nvCxnSpPr>
-          <p:cNvPr id="16" name="Elbow Connector 63"/>
+          <p:cNvPr id="8" name="Elbow Connector 122"/>
           <p:cNvCxnSpPr>
-            <a:stCxn id="8" idx="3"/>
-            <a:endCxn id="12" idx="3"/>
+            <a:endCxn id="3" idx="1"/>
           </p:cNvCxnSpPr>
           <p:nvPr/>
         </p:nvCxnSpPr>
         <p:spPr>
           <a:xfrm>
-            <a:off x="5786402" y="3900974"/>
-            <a:ext cx="394188" cy="133206"/>
+            <a:off x="1676400" y="1603259"/>
+            <a:ext cx="419548" cy="2860"/>
           </a:xfrm>
           <a:prstGeom prst="bentConnector3">
             <a:avLst>
@@ -4126,8 +3764,355 @@
             <a:solidFill>
               <a:srgbClr val="0070C0"/>
             </a:solidFill>
+            <a:prstDash val="sysDot"/>
             <a:headEnd type="none" w="med" len="med"/>
-            <a:tailEnd type="none" w="med" len="med"/>
+            <a:tailEnd type="arrow" w="med" len="med"/>
+          </a:ln>
+          <a:effectLst/>
+        </p:spPr>
+        <p:style>
+          <a:lnRef idx="1">
+            <a:schemeClr val="accent2"/>
+          </a:lnRef>
+          <a:fillRef idx="2">
+            <a:schemeClr val="accent2"/>
+          </a:fillRef>
+          <a:effectRef idx="1">
+            <a:schemeClr val="accent2"/>
+          </a:effectRef>
+          <a:fontRef idx="minor">
+            <a:schemeClr val="dk1"/>
+          </a:fontRef>
+        </p:style>
+      </p:cxnSp>
+      <p:sp>
+        <p:nvSpPr>
+          <p:cNvPr id="9" name="Rectangle 65"/>
+          <p:cNvSpPr/>
+          <p:nvPr/>
+        </p:nvSpPr>
+        <p:spPr>
+          <a:xfrm>
+            <a:off x="1103085" y="4548755"/>
+            <a:ext cx="6288315" cy="328045"/>
+          </a:xfrm>
+          <a:prstGeom prst="roundRect">
+            <a:avLst/>
+          </a:prstGeom>
+          <a:solidFill>
+            <a:schemeClr val="accent4">
+              <a:lumMod val="20000"/>
+              <a:lumOff val="80000"/>
+            </a:schemeClr>
+          </a:solidFill>
+          <a:ln w="19050">
+            <a:noFill/>
+          </a:ln>
+          <a:effectLst/>
+        </p:spPr>
+        <p:style>
+          <a:lnRef idx="1">
+            <a:schemeClr val="accent2"/>
+          </a:lnRef>
+          <a:fillRef idx="2">
+            <a:schemeClr val="accent2"/>
+          </a:fillRef>
+          <a:effectRef idx="1">
+            <a:schemeClr val="accent2"/>
+          </a:effectRef>
+          <a:fontRef idx="minor">
+            <a:schemeClr val="dk1"/>
+          </a:fontRef>
+        </p:style>
+        <p:txBody>
+          <a:bodyPr rtlCol="0" anchor="ctr"/>
+          <a:lstStyle/>
+          <a:p>
+            <a:pPr algn="ctr"/>
+            <a:r>
+              <a:rPr lang="en-US" sz="1100" b="1" dirty="0">
+                <a:solidFill>
+                  <a:schemeClr val="bg1"/>
+                </a:solidFill>
+              </a:rPr>
+              <a:t>Model</a:t>
+            </a:r>
+            <a:endParaRPr lang="en-SG" sz="1100" b="1" dirty="0">
+              <a:solidFill>
+                <a:schemeClr val="bg1"/>
+              </a:solidFill>
+            </a:endParaRPr>
+          </a:p>
+        </p:txBody>
+      </p:sp>
+      <p:sp>
+        <p:nvSpPr>
+          <p:cNvPr id="10" name="Rectangle 11"/>
+          <p:cNvSpPr/>
+          <p:nvPr/>
+        </p:nvSpPr>
+        <p:spPr>
+          <a:xfrm flipH="1">
+            <a:off x="5949738" y="2545577"/>
+            <a:ext cx="1093635" cy="346760"/>
+          </a:xfrm>
+          <a:prstGeom prst="rect">
+            <a:avLst/>
+          </a:prstGeom>
+          <a:ln w="19050">
+            <a:solidFill>
+              <a:srgbClr val="0070C0"/>
+            </a:solidFill>
+          </a:ln>
+          <a:effectLst/>
+        </p:spPr>
+        <p:style>
+          <a:lnRef idx="1">
+            <a:schemeClr val="accent1"/>
+          </a:lnRef>
+          <a:fillRef idx="2">
+            <a:schemeClr val="accent1"/>
+          </a:fillRef>
+          <a:effectRef idx="1">
+            <a:schemeClr val="accent1"/>
+          </a:effectRef>
+          <a:fontRef idx="minor">
+            <a:schemeClr val="dk1"/>
+          </a:fontRef>
+        </p:style>
+        <p:txBody>
+          <a:bodyPr rtlCol="0" anchor="ctr"/>
+          <a:lstStyle/>
+          <a:p>
+            <a:pPr algn="ctr"/>
+            <a:r>
+              <a:rPr lang="en-US" sz="1050" b="1" dirty="0" err="1" smtClean="0">
+                <a:solidFill>
+                  <a:srgbClr val="0070C0"/>
+                </a:solidFill>
+              </a:rPr>
+              <a:t>FindCommand</a:t>
+            </a:r>
+            <a:endParaRPr lang="en-SG" sz="1050" b="1" dirty="0">
+              <a:solidFill>
+                <a:srgbClr val="0070C0"/>
+              </a:solidFill>
+            </a:endParaRPr>
+          </a:p>
+        </p:txBody>
+      </p:sp>
+      <p:sp>
+        <p:nvSpPr>
+          <p:cNvPr id="11" name="Rectangle 10"/>
+          <p:cNvSpPr/>
+          <p:nvPr/>
+        </p:nvSpPr>
+        <p:spPr>
+          <a:xfrm flipH="1">
+            <a:off x="5949738" y="3387040"/>
+            <a:ext cx="1093635" cy="346760"/>
+          </a:xfrm>
+          <a:prstGeom prst="rect">
+            <a:avLst/>
+          </a:prstGeom>
+          <a:ln w="19050">
+            <a:solidFill>
+              <a:srgbClr val="0070C0"/>
+            </a:solidFill>
+          </a:ln>
+          <a:effectLst/>
+        </p:spPr>
+        <p:style>
+          <a:lnRef idx="1">
+            <a:schemeClr val="accent1"/>
+          </a:lnRef>
+          <a:fillRef idx="2">
+            <a:schemeClr val="accent1"/>
+          </a:fillRef>
+          <a:effectRef idx="1">
+            <a:schemeClr val="accent1"/>
+          </a:effectRef>
+          <a:fontRef idx="minor">
+            <a:schemeClr val="dk1"/>
+          </a:fontRef>
+        </p:style>
+        <p:txBody>
+          <a:bodyPr rtlCol="0" anchor="ctr"/>
+          <a:lstStyle/>
+          <a:p>
+            <a:pPr algn="ctr"/>
+            <a:r>
+              <a:rPr lang="en-US" sz="1050" b="1" dirty="0">
+                <a:solidFill>
+                  <a:srgbClr val="0070C0"/>
+                </a:solidFill>
+              </a:rPr>
+              <a:t>…</a:t>
+            </a:r>
+            <a:endParaRPr lang="en-SG" sz="1050" b="1" dirty="0">
+              <a:solidFill>
+                <a:srgbClr val="0070C0"/>
+              </a:solidFill>
+            </a:endParaRPr>
+          </a:p>
+        </p:txBody>
+      </p:sp>
+      <p:sp>
+        <p:nvSpPr>
+          <p:cNvPr id="12" name="Rectangle 62"/>
+          <p:cNvSpPr/>
+          <p:nvPr/>
+        </p:nvSpPr>
+        <p:spPr>
+          <a:xfrm>
+            <a:off x="4815685" y="3765721"/>
+            <a:ext cx="772043" cy="346760"/>
+          </a:xfrm>
+          <a:prstGeom prst="rect">
+            <a:avLst/>
+          </a:prstGeom>
+          <a:ln w="19050">
+            <a:solidFill>
+              <a:srgbClr val="0070C0"/>
+            </a:solidFill>
+          </a:ln>
+          <a:effectLst/>
+        </p:spPr>
+        <p:style>
+          <a:lnRef idx="1">
+            <a:schemeClr val="accent1"/>
+          </a:lnRef>
+          <a:fillRef idx="2">
+            <a:schemeClr val="accent1"/>
+          </a:fillRef>
+          <a:effectRef idx="1">
+            <a:schemeClr val="accent1"/>
+          </a:effectRef>
+          <a:fontRef idx="minor">
+            <a:schemeClr val="dk1"/>
+          </a:fontRef>
+        </p:style>
+        <p:txBody>
+          <a:bodyPr rtlCol="0" anchor="ctr"/>
+          <a:lstStyle/>
+          <a:p>
+            <a:pPr algn="ctr"/>
+            <a:r>
+              <a:rPr lang="en-US" sz="1050" b="1" dirty="0">
+                <a:solidFill>
+                  <a:srgbClr val="0070C0"/>
+                </a:solidFill>
+              </a:rPr>
+              <a:t>{abstract}</a:t>
+            </a:r>
+            <a:br>
+              <a:rPr lang="en-US" sz="1050" b="1" dirty="0">
+                <a:solidFill>
+                  <a:srgbClr val="0070C0"/>
+                </a:solidFill>
+              </a:rPr>
+            </a:br>
+            <a:r>
+              <a:rPr lang="en-US" sz="1050" b="1" dirty="0">
+                <a:solidFill>
+                  <a:srgbClr val="0070C0"/>
+                </a:solidFill>
+              </a:rPr>
+              <a:t>Command</a:t>
+            </a:r>
+            <a:endParaRPr lang="en-SG" sz="1050" b="1" dirty="0">
+              <a:solidFill>
+                <a:srgbClr val="0070C0"/>
+              </a:solidFill>
+            </a:endParaRPr>
+          </a:p>
+        </p:txBody>
+      </p:sp>
+      <p:sp>
+        <p:nvSpPr>
+          <p:cNvPr id="16" name="Rectangle 62"/>
+          <p:cNvSpPr/>
+          <p:nvPr/>
+        </p:nvSpPr>
+        <p:spPr>
+          <a:xfrm>
+            <a:off x="3098739" y="3766159"/>
+            <a:ext cx="585450" cy="346760"/>
+          </a:xfrm>
+          <a:prstGeom prst="rect">
+            <a:avLst/>
+          </a:prstGeom>
+          <a:solidFill>
+            <a:srgbClr val="0070C0"/>
+          </a:solidFill>
+          <a:ln w="19050">
+            <a:solidFill>
+              <a:srgbClr val="0070C0"/>
+            </a:solidFill>
+          </a:ln>
+          <a:effectLst/>
+        </p:spPr>
+        <p:style>
+          <a:lnRef idx="1">
+            <a:schemeClr val="accent2"/>
+          </a:lnRef>
+          <a:fillRef idx="2">
+            <a:schemeClr val="accent2"/>
+          </a:fillRef>
+          <a:effectRef idx="1">
+            <a:schemeClr val="accent2"/>
+          </a:effectRef>
+          <a:fontRef idx="minor">
+            <a:schemeClr val="dk1"/>
+          </a:fontRef>
+        </p:style>
+        <p:txBody>
+          <a:bodyPr rtlCol="0" anchor="ctr"/>
+          <a:lstStyle/>
+          <a:p>
+            <a:pPr algn="ctr"/>
+            <a:r>
+              <a:rPr lang="en-US" sz="1050" dirty="0">
+                <a:solidFill>
+                  <a:schemeClr val="bg1"/>
+                </a:solidFill>
+              </a:rPr>
+              <a:t>Parser</a:t>
+            </a:r>
+            <a:endParaRPr lang="en-SG" sz="1050" dirty="0">
+              <a:solidFill>
+                <a:schemeClr val="bg1"/>
+              </a:solidFill>
+            </a:endParaRPr>
+          </a:p>
+        </p:txBody>
+      </p:sp>
+      <p:cxnSp>
+        <p:nvCxnSpPr>
+          <p:cNvPr id="17" name="Elbow Connector 106"/>
+          <p:cNvCxnSpPr>
+            <a:stCxn id="5" idx="3"/>
+            <a:endCxn id="16" idx="1"/>
+          </p:cNvCxnSpPr>
+          <p:nvPr/>
+        </p:nvCxnSpPr>
+        <p:spPr>
+          <a:xfrm>
+            <a:off x="2874420" y="3937000"/>
+            <a:ext cx="224319" cy="2539"/>
+          </a:xfrm>
+          <a:prstGeom prst="bentConnector3">
+            <a:avLst>
+              <a:gd name="adj1" fmla="val 50000"/>
+            </a:avLst>
+          </a:prstGeom>
+          <a:ln w="19050">
+            <a:solidFill>
+              <a:srgbClr val="0070C0"/>
+            </a:solidFill>
+            <a:prstDash val="solid"/>
+            <a:headEnd type="none" w="med" len="med"/>
+            <a:tailEnd type="arrow" w="med" len="med"/>
           </a:ln>
           <a:effectLst/>
         </p:spPr>
@@ -4148,29 +4133,27 @@
       </p:cxnSp>
       <p:cxnSp>
         <p:nvCxnSpPr>
-          <p:cNvPr id="17" name="Elbow Connector 63"/>
+          <p:cNvPr id="18" name="Straight Arrow Connector 110"/>
           <p:cNvCxnSpPr>
-            <a:stCxn id="8" idx="3"/>
-            <a:endCxn id="11" idx="3"/>
+            <a:stCxn id="12" idx="2"/>
           </p:cNvCxnSpPr>
           <p:nvPr/>
         </p:nvCxnSpPr>
         <p:spPr>
-          <a:xfrm flipV="1">
-            <a:off x="5786402" y="3228308"/>
-            <a:ext cx="394190" cy="672666"/>
-          </a:xfrm>
-          <a:prstGeom prst="bentConnector3">
-            <a:avLst>
-              <a:gd name="adj1" fmla="val 50000"/>
-            </a:avLst>
+          <a:xfrm>
+            <a:off x="5201707" y="4112481"/>
+            <a:ext cx="1" cy="436274"/>
+          </a:xfrm>
+          <a:prstGeom prst="straightConnector1">
+            <a:avLst/>
           </a:prstGeom>
           <a:ln w="19050">
             <a:solidFill>
               <a:srgbClr val="0070C0"/>
             </a:solidFill>
+            <a:prstDash val="sysDot"/>
             <a:headEnd type="none" w="med" len="med"/>
-            <a:tailEnd type="none" w="med" len="med"/>
+            <a:tailEnd type="arrow" w="med" len="med"/>
           </a:ln>
           <a:effectLst/>
         </p:spPr>
@@ -4191,14 +4174,14 @@
       </p:cxnSp>
       <p:sp>
         <p:nvSpPr>
-          <p:cNvPr id="18" name="Rectangle 62"/>
+          <p:cNvPr id="19" name="Rectangle 62"/>
           <p:cNvSpPr/>
           <p:nvPr/>
         </p:nvSpPr>
         <p:spPr>
-          <a:xfrm>
-            <a:off x="3527828" y="3766159"/>
-            <a:ext cx="585450" cy="346760"/>
+          <a:xfrm rot="16200000">
+            <a:off x="398120" y="2303120"/>
+            <a:ext cx="2209800" cy="346760"/>
           </a:xfrm>
           <a:prstGeom prst="rect">
             <a:avLst/>
@@ -4238,7 +4221,18 @@
                   <a:schemeClr val="bg1"/>
                 </a:solidFill>
               </a:rPr>
-              <a:t>Parser</a:t>
+              <a:t>&lt;&lt;interface&gt;&gt;</a:t>
+            </a:r>
+          </a:p>
+          <a:p>
+            <a:pPr algn="ctr"/>
+            <a:r>
+              <a:rPr lang="en-US" sz="1050" dirty="0">
+                <a:solidFill>
+                  <a:schemeClr val="bg1"/>
+                </a:solidFill>
+              </a:rPr>
+              <a:t>Logic</a:t>
             </a:r>
             <a:endParaRPr lang="en-SG" sz="1050" dirty="0">
               <a:solidFill>
@@ -4248,32 +4242,84 @@
           </a:p>
         </p:txBody>
       </p:sp>
+      <p:sp>
+        <p:nvSpPr>
+          <p:cNvPr id="20" name="Isosceles Triangle 102"/>
+          <p:cNvSpPr/>
+          <p:nvPr/>
+        </p:nvSpPr>
+        <p:spPr>
+          <a:xfrm>
+            <a:off x="1359039" y="3581400"/>
+            <a:ext cx="270504" cy="175523"/>
+          </a:xfrm>
+          <a:prstGeom prst="triangle">
+            <a:avLst/>
+          </a:prstGeom>
+          <a:solidFill>
+            <a:schemeClr val="tx2">
+              <a:lumMod val="60000"/>
+              <a:lumOff val="40000"/>
+            </a:schemeClr>
+          </a:solidFill>
+          <a:ln w="19050">
+            <a:solidFill>
+              <a:srgbClr val="0070C0"/>
+            </a:solidFill>
+          </a:ln>
+          <a:effectLst/>
+        </p:spPr>
+        <p:style>
+          <a:lnRef idx="1">
+            <a:schemeClr val="accent1"/>
+          </a:lnRef>
+          <a:fillRef idx="2">
+            <a:schemeClr val="accent1"/>
+          </a:fillRef>
+          <a:effectRef idx="1">
+            <a:schemeClr val="accent1"/>
+          </a:effectRef>
+          <a:fontRef idx="minor">
+            <a:schemeClr val="dk1"/>
+          </a:fontRef>
+        </p:style>
+        <p:txBody>
+          <a:bodyPr rtlCol="0" anchor="ctr"/>
+          <a:lstStyle/>
+          <a:p>
+            <a:pPr algn="ctr"/>
+            <a:endParaRPr lang="en-SG" sz="1050" b="1">
+              <a:solidFill>
+                <a:srgbClr val="92D050"/>
+              </a:solidFill>
+            </a:endParaRPr>
+          </a:p>
+        </p:txBody>
+      </p:sp>
       <p:cxnSp>
         <p:nvCxnSpPr>
-          <p:cNvPr id="19" name="Elbow Connector 106"/>
+          <p:cNvPr id="21" name="Elbow Connector 63"/>
           <p:cNvCxnSpPr>
-            <a:stCxn id="6" idx="3"/>
-            <a:endCxn id="18" idx="1"/>
+            <a:stCxn id="5" idx="1"/>
+            <a:endCxn id="20" idx="3"/>
           </p:cNvCxnSpPr>
           <p:nvPr/>
         </p:nvCxnSpPr>
         <p:spPr>
-          <a:xfrm>
-            <a:off x="3108853" y="3937000"/>
-            <a:ext cx="418975" cy="2539"/>
-          </a:xfrm>
-          <a:prstGeom prst="bentConnector3">
-            <a:avLst>
-              <a:gd name="adj1" fmla="val 50000"/>
-            </a:avLst>
+          <a:xfrm rot="10800000">
+            <a:off x="1494291" y="3756924"/>
+            <a:ext cx="286494" cy="180077"/>
+          </a:xfrm>
+          <a:prstGeom prst="bentConnector2">
+            <a:avLst/>
           </a:prstGeom>
           <a:ln w="19050">
             <a:solidFill>
               <a:srgbClr val="0070C0"/>
             </a:solidFill>
-            <a:prstDash val="solid"/>
+            <a:prstDash val="sysDot"/>
             <a:headEnd type="none" w="med" len="med"/>
-            <a:tailEnd type="arrow" w="med" len="med"/>
+            <a:tailEnd type="none" w="med" len="med"/>
           </a:ln>
           <a:effectLst/>
         </p:spPr>
@@ -4294,16 +4340,16 @@
       </p:cxnSp>
       <p:cxnSp>
         <p:nvCxnSpPr>
-          <p:cNvPr id="20" name="Straight Arrow Connector 110"/>
+          <p:cNvPr id="23" name="Straight Arrow Connector 57"/>
           <p:cNvCxnSpPr>
-            <a:stCxn id="14" idx="2"/>
+            <a:stCxn id="5" idx="2"/>
           </p:cNvCxnSpPr>
           <p:nvPr/>
         </p:nvCxnSpPr>
         <p:spPr>
-          <a:xfrm>
-            <a:off x="5201707" y="4112481"/>
-            <a:ext cx="1" cy="436274"/>
+          <a:xfrm flipH="1">
+            <a:off x="2327602" y="4110380"/>
+            <a:ext cx="1" cy="438375"/>
           </a:xfrm>
           <a:prstGeom prst="straightConnector1">
             <a:avLst/>
@@ -4312,175 +4358,8 @@
             <a:solidFill>
               <a:srgbClr val="0070C0"/>
             </a:solidFill>
-            <a:prstDash val="sysDot"/>
             <a:headEnd type="none" w="med" len="med"/>
             <a:tailEnd type="arrow" w="med" len="med"/>
-          </a:ln>
-          <a:effectLst/>
-        </p:spPr>
-        <p:style>
-          <a:lnRef idx="1">
-            <a:schemeClr val="accent2"/>
-          </a:lnRef>
-          <a:fillRef idx="2">
-            <a:schemeClr val="accent2"/>
-          </a:fillRef>
-          <a:effectRef idx="1">
-            <a:schemeClr val="accent2"/>
-          </a:effectRef>
-          <a:fontRef idx="minor">
-            <a:schemeClr val="dk1"/>
-          </a:fontRef>
-        </p:style>
-      </p:cxnSp>
-      <p:sp>
-        <p:nvSpPr>
-          <p:cNvPr id="21" name="Rectangle 62"/>
-          <p:cNvSpPr/>
-          <p:nvPr/>
-        </p:nvSpPr>
-        <p:spPr>
-          <a:xfrm rot="16200000">
-            <a:off x="956202" y="2861202"/>
-            <a:ext cx="1093635" cy="346760"/>
-          </a:xfrm>
-          <a:prstGeom prst="rect">
-            <a:avLst/>
-          </a:prstGeom>
-          <a:solidFill>
-            <a:srgbClr val="0070C0"/>
-          </a:solidFill>
-          <a:ln w="19050">
-            <a:solidFill>
-              <a:srgbClr val="0070C0"/>
-            </a:solidFill>
-          </a:ln>
-          <a:effectLst/>
-        </p:spPr>
-        <p:style>
-          <a:lnRef idx="1">
-            <a:schemeClr val="accent2"/>
-          </a:lnRef>
-          <a:fillRef idx="2">
-            <a:schemeClr val="accent2"/>
-          </a:fillRef>
-          <a:effectRef idx="1">
-            <a:schemeClr val="accent2"/>
-          </a:effectRef>
-          <a:fontRef idx="minor">
-            <a:schemeClr val="dk1"/>
-          </a:fontRef>
-        </p:style>
-        <p:txBody>
-          <a:bodyPr rtlCol="0" anchor="ctr"/>
-          <a:lstStyle/>
-          <a:p>
-            <a:pPr algn="ctr"/>
-            <a:r>
-              <a:rPr lang="en-US" sz="1050" dirty="0">
-                <a:solidFill>
-                  <a:schemeClr val="bg1"/>
-                </a:solidFill>
-              </a:rPr>
-              <a:t>&lt;&lt;interface&gt;&gt;</a:t>
-            </a:r>
-          </a:p>
-          <a:p>
-            <a:pPr algn="ctr"/>
-            <a:r>
-              <a:rPr lang="en-US" sz="1050" dirty="0">
-                <a:solidFill>
-                  <a:schemeClr val="bg1"/>
-                </a:solidFill>
-              </a:rPr>
-              <a:t>Logic</a:t>
-            </a:r>
-            <a:endParaRPr lang="en-SG" sz="1050" dirty="0">
-              <a:solidFill>
-                <a:schemeClr val="bg1"/>
-              </a:solidFill>
-            </a:endParaRPr>
-          </a:p>
-        </p:txBody>
-      </p:sp>
-      <p:sp>
-        <p:nvSpPr>
-          <p:cNvPr id="22" name="Isosceles Triangle 102"/>
-          <p:cNvSpPr/>
-          <p:nvPr/>
-        </p:nvSpPr>
-        <p:spPr>
-          <a:xfrm>
-            <a:off x="1359039" y="3581400"/>
-            <a:ext cx="270504" cy="175523"/>
-          </a:xfrm>
-          <a:prstGeom prst="triangle">
-            <a:avLst/>
-          </a:prstGeom>
-          <a:solidFill>
-            <a:schemeClr val="tx2">
-              <a:lumMod val="60000"/>
-              <a:lumOff val="40000"/>
-            </a:schemeClr>
-          </a:solidFill>
-          <a:ln w="19050">
-            <a:solidFill>
-              <a:srgbClr val="0070C0"/>
-            </a:solidFill>
-          </a:ln>
-          <a:effectLst/>
-        </p:spPr>
-        <p:style>
-          <a:lnRef idx="1">
-            <a:schemeClr val="accent1"/>
-          </a:lnRef>
-          <a:fillRef idx="2">
-            <a:schemeClr val="accent1"/>
-          </a:fillRef>
-          <a:effectRef idx="1">
-            <a:schemeClr val="accent1"/>
-          </a:effectRef>
-          <a:fontRef idx="minor">
-            <a:schemeClr val="dk1"/>
-          </a:fontRef>
-        </p:style>
-        <p:txBody>
-          <a:bodyPr rtlCol="0" anchor="ctr"/>
-          <a:lstStyle/>
-          <a:p>
-            <a:pPr algn="ctr"/>
-            <a:endParaRPr lang="en-SG" sz="1050" b="1">
-              <a:solidFill>
-                <a:srgbClr val="92D050"/>
-              </a:solidFill>
-            </a:endParaRPr>
-          </a:p>
-        </p:txBody>
-      </p:sp>
-      <p:cxnSp>
-        <p:nvCxnSpPr>
-          <p:cNvPr id="23" name="Elbow Connector 63"/>
-          <p:cNvCxnSpPr>
-            <a:stCxn id="6" idx="1"/>
-            <a:endCxn id="22" idx="3"/>
-          </p:cNvCxnSpPr>
-          <p:nvPr/>
-        </p:nvCxnSpPr>
-        <p:spPr>
-          <a:xfrm rot="10800000">
-            <a:off x="1494292" y="3756924"/>
-            <a:ext cx="520927" cy="180077"/>
-          </a:xfrm>
-          <a:prstGeom prst="bentConnector2">
-            <a:avLst/>
-          </a:prstGeom>
-          <a:ln w="19050">
-            <a:solidFill>
-              <a:srgbClr val="0070C0"/>
-            </a:solidFill>
-            <a:prstDash val="sysDot"/>
-            <a:headEnd type="none" w="med" len="med"/>
-            <a:tailEnd type="none" w="med" len="med"/>
           </a:ln>
           <a:effectLst/>
         </p:spPr>
@@ -4501,24 +4380,25 @@
       </p:cxnSp>
       <p:cxnSp>
         <p:nvCxnSpPr>
-          <p:cNvPr id="24" name="Straight Arrow Connector 54"/>
-          <p:cNvCxnSpPr>
-            <a:stCxn id="18" idx="3"/>
-            <a:endCxn id="14" idx="1"/>
-          </p:cNvCxnSpPr>
+          <p:cNvPr id="24" name="Elbow Connector 122"/>
+          <p:cNvCxnSpPr/>
           <p:nvPr/>
         </p:nvCxnSpPr>
         <p:spPr>
-          <a:xfrm flipV="1">
-            <a:off x="4113278" y="3939101"/>
-            <a:ext cx="702407" cy="438"/>
-          </a:xfrm>
-          <a:prstGeom prst="straightConnector1">
-            <a:avLst/>
+          <a:xfrm>
+            <a:off x="893311" y="2984905"/>
+            <a:ext cx="419548" cy="2860"/>
+          </a:xfrm>
+          <a:prstGeom prst="bentConnector3">
+            <a:avLst>
+              <a:gd name="adj1" fmla="val 50000"/>
+            </a:avLst>
           </a:prstGeom>
           <a:ln w="19050">
             <a:solidFill>
-              <a:srgbClr val="0070C0"/>
+              <a:schemeClr val="bg1">
+                <a:lumMod val="75000"/>
+              </a:schemeClr>
             </a:solidFill>
             <a:prstDash val="sysDot"/>
             <a:headEnd type="none" w="med" len="med"/>
@@ -4543,104 +4423,21 @@
       </p:cxnSp>
       <p:cxnSp>
         <p:nvCxnSpPr>
-          <p:cNvPr id="25" name="Straight Arrow Connector 57"/>
+          <p:cNvPr id="25" name="Elbow Connector 63"/>
           <p:cNvCxnSpPr>
-            <a:stCxn id="6" idx="2"/>
+            <a:stCxn id="5" idx="0"/>
+            <a:endCxn id="12" idx="0"/>
           </p:cNvCxnSpPr>
           <p:nvPr/>
         </p:nvCxnSpPr>
         <p:spPr>
-          <a:xfrm flipH="1">
-            <a:off x="2562035" y="4110380"/>
-            <a:ext cx="1" cy="438375"/>
-          </a:xfrm>
-          <a:prstGeom prst="straightConnector1">
-            <a:avLst/>
-          </a:prstGeom>
-          <a:ln w="19050">
-            <a:solidFill>
-              <a:srgbClr val="0070C0"/>
-            </a:solidFill>
-            <a:headEnd type="none" w="med" len="med"/>
-            <a:tailEnd type="arrow" w="med" len="med"/>
-          </a:ln>
-          <a:effectLst/>
-        </p:spPr>
-        <p:style>
-          <a:lnRef idx="1">
-            <a:schemeClr val="accent2"/>
-          </a:lnRef>
-          <a:fillRef idx="2">
-            <a:schemeClr val="accent2"/>
-          </a:fillRef>
-          <a:effectRef idx="1">
-            <a:schemeClr val="accent2"/>
-          </a:effectRef>
-          <a:fontRef idx="minor">
-            <a:schemeClr val="dk1"/>
-          </a:fontRef>
-        </p:style>
-      </p:cxnSp>
-      <p:cxnSp>
-        <p:nvCxnSpPr>
-          <p:cNvPr id="28" name="Elbow Connector 122"/>
-          <p:cNvCxnSpPr/>
-          <p:nvPr/>
-        </p:nvCxnSpPr>
-        <p:spPr>
-          <a:xfrm>
-            <a:off x="893311" y="2984905"/>
-            <a:ext cx="419548" cy="2860"/>
+          <a:xfrm rot="16200000" flipH="1">
+            <a:off x="3763604" y="2327618"/>
+            <a:ext cx="2101" cy="2874104"/>
           </a:xfrm>
           <a:prstGeom prst="bentConnector3">
             <a:avLst>
-              <a:gd name="adj1" fmla="val 50000"/>
-            </a:avLst>
-          </a:prstGeom>
-          <a:ln w="19050">
-            <a:solidFill>
-              <a:schemeClr val="bg1">
-                <a:lumMod val="75000"/>
-              </a:schemeClr>
-            </a:solidFill>
-            <a:prstDash val="sysDot"/>
-            <a:headEnd type="none" w="med" len="med"/>
-            <a:tailEnd type="arrow" w="med" len="med"/>
-          </a:ln>
-          <a:effectLst/>
-        </p:spPr>
-        <p:style>
-          <a:lnRef idx="1">
-            <a:schemeClr val="accent2"/>
-          </a:lnRef>
-          <a:fillRef idx="2">
-            <a:schemeClr val="accent2"/>
-          </a:fillRef>
-          <a:effectRef idx="1">
-            <a:schemeClr val="accent2"/>
-          </a:effectRef>
-          <a:fontRef idx="minor">
-            <a:schemeClr val="dk1"/>
-          </a:fontRef>
-        </p:style>
-      </p:cxnSp>
-      <p:cxnSp>
-        <p:nvCxnSpPr>
-          <p:cNvPr id="29" name="Elbow Connector 63"/>
-          <p:cNvCxnSpPr>
-            <a:stCxn id="6" idx="0"/>
-            <a:endCxn id="14" idx="0"/>
-          </p:cNvCxnSpPr>
-          <p:nvPr/>
-        </p:nvCxnSpPr>
-        <p:spPr>
-          <a:xfrm rot="16200000" flipH="1">
-            <a:off x="3880820" y="2444835"/>
-            <a:ext cx="2101" cy="2639671"/>
-          </a:xfrm>
-          <a:prstGeom prst="bentConnector3">
-            <a:avLst>
-              <a:gd name="adj1" fmla="val -31982199"/>
+              <a:gd name="adj1" fmla="val -82532842"/>
             </a:avLst>
           </a:prstGeom>
           <a:ln w="19050">
@@ -4670,13 +4467,13 @@
       </p:cxnSp>
       <p:grpSp>
         <p:nvGrpSpPr>
-          <p:cNvPr id="35" name="Group 34"/>
+          <p:cNvPr id="26" name="Group 25"/>
           <p:cNvGrpSpPr/>
           <p:nvPr/>
         </p:nvGrpSpPr>
         <p:grpSpPr>
           <a:xfrm>
-            <a:off x="4107656" y="2869489"/>
+            <a:off x="4064583" y="1836951"/>
             <a:ext cx="889000" cy="230832"/>
             <a:chOff x="2895600" y="807932"/>
             <a:chExt cx="889000" cy="230832"/>
@@ -4684,7 +4481,7 @@
         </p:grpSpPr>
         <p:sp>
           <p:nvSpPr>
-            <p:cNvPr id="33" name="TextBox 32"/>
+            <p:cNvPr id="27" name="TextBox 26"/>
             <p:cNvSpPr txBox="1"/>
             <p:nvPr/>
           </p:nvSpPr>
@@ -4706,7 +4503,7 @@
             <a:p>
               <a:pPr algn="r"/>
               <a:r>
-                <a:rPr lang="en-US" sz="1100" dirty="0" smtClean="0">
+                <a:rPr lang="en-US" sz="1100" dirty="0">
                   <a:solidFill>
                     <a:srgbClr val="0070C0"/>
                   </a:solidFill>
@@ -4723,7 +4520,7 @@
         </p:sp>
         <p:sp>
           <p:nvSpPr>
-            <p:cNvPr id="34" name="Isosceles Triangle 33"/>
+            <p:cNvPr id="28" name="Isosceles Triangle 27"/>
             <p:cNvSpPr/>
             <p:nvPr/>
           </p:nvSpPr>
@@ -4770,13 +4567,13 @@
       </p:grpSp>
       <p:grpSp>
         <p:nvGrpSpPr>
-          <p:cNvPr id="36" name="Group 35"/>
+          <p:cNvPr id="29" name="Group 28"/>
           <p:cNvGrpSpPr/>
           <p:nvPr/>
         </p:nvGrpSpPr>
         <p:grpSpPr>
           <a:xfrm>
-            <a:off x="3973516" y="2512368"/>
+            <a:off x="4665110" y="1398872"/>
             <a:ext cx="868568" cy="230832"/>
             <a:chOff x="2755838" y="789460"/>
             <a:chExt cx="868568" cy="230832"/>
@@ -4784,7 +4581,7 @@
         </p:grpSpPr>
         <p:sp>
           <p:nvSpPr>
-            <p:cNvPr id="37" name="TextBox 36"/>
+            <p:cNvPr id="30" name="TextBox 29"/>
             <p:cNvSpPr txBox="1"/>
             <p:nvPr/>
           </p:nvSpPr>
@@ -4805,7 +4602,7 @@
             <a:lstStyle/>
             <a:p>
               <a:r>
-                <a:rPr lang="en-US" sz="1100" dirty="0" smtClean="0">
+                <a:rPr lang="en-US" sz="1100" dirty="0">
                   <a:solidFill>
                     <a:srgbClr val="0070C0"/>
                   </a:solidFill>
@@ -4822,7 +4619,7 @@
         </p:sp>
         <p:sp>
           <p:nvSpPr>
-            <p:cNvPr id="38" name="Isosceles Triangle 37"/>
+            <p:cNvPr id="31" name="Isosceles Triangle 30"/>
             <p:cNvSpPr/>
             <p:nvPr/>
           </p:nvSpPr>
@@ -4869,13 +4666,13 @@
       </p:grpSp>
       <p:sp>
         <p:nvSpPr>
-          <p:cNvPr id="39" name="TextBox 38"/>
+          <p:cNvPr id="32" name="TextBox 31"/>
           <p:cNvSpPr txBox="1"/>
           <p:nvPr/>
         </p:nvSpPr>
         <p:spPr>
           <a:xfrm>
-            <a:off x="3210180" y="2423264"/>
+            <a:off x="2301175" y="1798145"/>
             <a:ext cx="131116" cy="230832"/>
           </a:xfrm>
           <a:prstGeom prst="rect">
@@ -4891,7 +4688,7 @@
           <a:p>
             <a:pPr algn="r"/>
             <a:r>
-              <a:rPr lang="en-US" sz="1100" dirty="0" smtClean="0">
+              <a:rPr lang="en-US" sz="1100" dirty="0">
                 <a:solidFill>
                   <a:srgbClr val="0070C0"/>
                 </a:solidFill>
@@ -4908,13 +4705,13 @@
       </p:sp>
       <p:sp>
         <p:nvSpPr>
-          <p:cNvPr id="40" name="TextBox 39"/>
+          <p:cNvPr id="33" name="TextBox 32"/>
           <p:cNvSpPr txBox="1"/>
           <p:nvPr/>
         </p:nvSpPr>
         <p:spPr>
           <a:xfrm>
-            <a:off x="3341296" y="3700114"/>
+            <a:off x="2912207" y="3700114"/>
             <a:ext cx="131116" cy="230832"/>
           </a:xfrm>
           <a:prstGeom prst="rect">
@@ -4930,7 +4727,7 @@
           <a:p>
             <a:pPr algn="r"/>
             <a:r>
-              <a:rPr lang="en-US" sz="1100" dirty="0" smtClean="0">
+              <a:rPr lang="en-US" sz="1100" dirty="0">
                 <a:solidFill>
                   <a:srgbClr val="0070C0"/>
                 </a:solidFill>
@@ -4947,27 +4744,27 @@
       </p:sp>
       <p:grpSp>
         <p:nvGrpSpPr>
-          <p:cNvPr id="41" name="Group 40"/>
+          <p:cNvPr id="34" name="Group 33"/>
           <p:cNvGrpSpPr/>
           <p:nvPr/>
         </p:nvGrpSpPr>
         <p:grpSpPr>
           <a:xfrm>
-            <a:off x="4038600" y="3962400"/>
-            <a:ext cx="685800" cy="230832"/>
-            <a:chOff x="2797314" y="807932"/>
-            <a:chExt cx="685800" cy="230832"/>
+            <a:off x="3733801" y="3352800"/>
+            <a:ext cx="230832" cy="555487"/>
+            <a:chOff x="3744618" y="724394"/>
+            <a:chExt cx="230832" cy="555487"/>
           </a:xfrm>
         </p:grpSpPr>
         <p:sp>
           <p:nvSpPr>
-            <p:cNvPr id="42" name="TextBox 41"/>
+            <p:cNvPr id="35" name="TextBox 34"/>
             <p:cNvSpPr txBox="1"/>
             <p:nvPr/>
           </p:nvSpPr>
           <p:spPr>
-            <a:xfrm>
-              <a:off x="2797314" y="807932"/>
+            <a:xfrm rot="16200000">
+              <a:off x="3582290" y="886722"/>
               <a:ext cx="555487" cy="230832"/>
             </a:xfrm>
             <a:prstGeom prst="rect">
@@ -4981,7 +4778,6 @@
             </a:bodyPr>
             <a:lstStyle/>
             <a:p>
-              <a:pPr algn="r"/>
               <a:r>
                 <a:rPr lang="en-US" sz="1100" dirty="0" smtClean="0">
                   <a:solidFill>
@@ -5000,14 +4796,14 @@
         </p:sp>
         <p:sp>
           <p:nvSpPr>
-            <p:cNvPr id="43" name="Isosceles Triangle 42"/>
+            <p:cNvPr id="36" name="Isosceles Triangle 35"/>
             <p:cNvSpPr/>
             <p:nvPr/>
           </p:nvSpPr>
           <p:spPr>
-            <a:xfrm rot="5400000">
-              <a:off x="3382038" y="866776"/>
-              <a:ext cx="125951" cy="76201"/>
+            <a:xfrm rot="10800000" flipV="1">
+              <a:off x="3774616" y="762032"/>
+              <a:ext cx="117926" cy="71346"/>
             </a:xfrm>
             <a:prstGeom prst="triangle">
               <a:avLst/>
@@ -5047,13 +4843,13 @@
       </p:grpSp>
       <p:sp>
         <p:nvSpPr>
-          <p:cNvPr id="44" name="Rectangle 11"/>
+          <p:cNvPr id="37" name="Rectangle 11"/>
           <p:cNvSpPr/>
           <p:nvPr/>
         </p:nvSpPr>
         <p:spPr>
           <a:xfrm flipH="1">
-            <a:off x="6185390" y="3458098"/>
+            <a:off x="5949738" y="2946794"/>
             <a:ext cx="1093635" cy="346760"/>
           </a:xfrm>
           <a:prstGeom prst="rect">
@@ -5093,13 +4889,9 @@
               </a:rPr>
               <a:t>Incorrect</a:t>
             </a:r>
-            <a:br>
-              <a:rPr lang="en-US" sz="1050" b="1" dirty="0" smtClean="0">
-                <a:solidFill>
-                  <a:srgbClr val="0070C0"/>
-                </a:solidFill>
-              </a:rPr>
-            </a:br>
+          </a:p>
+          <a:p>
+            <a:pPr algn="ctr"/>
             <a:r>
               <a:rPr lang="en-US" sz="1050" b="1" dirty="0" smtClean="0">
                 <a:solidFill>
@@ -5118,17 +4910,14 @@
       </p:sp>
       <p:cxnSp>
         <p:nvCxnSpPr>
-          <p:cNvPr id="45" name="Elbow Connector 63"/>
-          <p:cNvCxnSpPr>
-            <a:stCxn id="8" idx="3"/>
-            <a:endCxn id="44" idx="3"/>
-          </p:cNvCxnSpPr>
+          <p:cNvPr id="39" name="Elbow Connector 122"/>
+          <p:cNvCxnSpPr/>
           <p:nvPr/>
         </p:nvCxnSpPr>
         <p:spPr>
-          <a:xfrm flipV="1">
-            <a:off x="5786402" y="3631478"/>
-            <a:ext cx="398988" cy="269496"/>
+          <a:xfrm rot="16200000" flipV="1">
+            <a:off x="1194071" y="2771559"/>
+            <a:ext cx="1970727" cy="1"/>
           </a:xfrm>
           <a:prstGeom prst="bentConnector3">
             <a:avLst>
@@ -5139,8 +4928,9 @@
             <a:solidFill>
               <a:srgbClr val="0070C0"/>
             </a:solidFill>
+            <a:prstDash val="sysDot"/>
             <a:headEnd type="none" w="med" len="med"/>
-            <a:tailEnd type="none" w="med" len="med"/>
+            <a:tailEnd type="arrow" w="med" len="med"/>
           </a:ln>
           <a:effectLst/>
         </p:spPr>
@@ -5159,29 +4949,227 @@
           </a:fontRef>
         </p:style>
       </p:cxnSp>
-      <p:cxnSp>
-        <p:nvCxnSpPr>
-          <p:cNvPr id="46" name="Elbow Connector 122"/>
-          <p:cNvCxnSpPr/>
+      <p:sp>
+        <p:nvSpPr>
+          <p:cNvPr id="42" name="Rectangle 11"/>
+          <p:cNvSpPr/>
           <p:nvPr/>
-        </p:nvCxnSpPr>
-        <p:spPr>
-          <a:xfrm rot="5400000" flipH="1" flipV="1">
-            <a:off x="1807196" y="3315772"/>
-            <a:ext cx="882304" cy="12700"/>
-          </a:xfrm>
-          <a:prstGeom prst="bentConnector3">
-            <a:avLst>
-              <a:gd name="adj1" fmla="val 50000"/>
-            </a:avLst>
+        </p:nvSpPr>
+        <p:spPr>
+          <a:xfrm flipH="1">
+            <a:off x="3859365" y="2158066"/>
+            <a:ext cx="1093635" cy="346760"/>
+          </a:xfrm>
+          <a:prstGeom prst="rect">
+            <a:avLst/>
           </a:prstGeom>
           <a:ln w="19050">
             <a:solidFill>
               <a:srgbClr val="0070C0"/>
             </a:solidFill>
-            <a:prstDash val="sysDot"/>
-            <a:headEnd type="none" w="med" len="med"/>
-            <a:tailEnd type="arrow" w="med" len="med"/>
+          </a:ln>
+          <a:effectLst/>
+        </p:spPr>
+        <p:style>
+          <a:lnRef idx="1">
+            <a:schemeClr val="accent1"/>
+          </a:lnRef>
+          <a:fillRef idx="2">
+            <a:schemeClr val="accent1"/>
+          </a:fillRef>
+          <a:effectRef idx="1">
+            <a:schemeClr val="accent1"/>
+          </a:effectRef>
+          <a:fontRef idx="minor">
+            <a:schemeClr val="dk1"/>
+          </a:fontRef>
+        </p:style>
+        <p:txBody>
+          <a:bodyPr rtlCol="0" anchor="ctr"/>
+          <a:lstStyle/>
+          <a:p>
+            <a:pPr algn="ctr"/>
+            <a:r>
+              <a:rPr lang="en-US" sz="1050" b="1" dirty="0" err="1">
+                <a:solidFill>
+                  <a:srgbClr val="0070C0"/>
+                </a:solidFill>
+              </a:rPr>
+              <a:t>AddCommand</a:t>
+            </a:r>
+            <a:endParaRPr lang="en-US" sz="1050" b="1" dirty="0">
+              <a:solidFill>
+                <a:srgbClr val="0070C0"/>
+              </a:solidFill>
+            </a:endParaRPr>
+          </a:p>
+          <a:p>
+            <a:pPr algn="ctr"/>
+            <a:r>
+              <a:rPr lang="en-US" sz="1050" b="1" dirty="0">
+                <a:solidFill>
+                  <a:srgbClr val="0070C0"/>
+                </a:solidFill>
+              </a:rPr>
+              <a:t>Parser</a:t>
+            </a:r>
+            <a:endParaRPr lang="en-SG" sz="1050" b="1" dirty="0">
+              <a:solidFill>
+                <a:srgbClr val="0070C0"/>
+              </a:solidFill>
+            </a:endParaRPr>
+          </a:p>
+        </p:txBody>
+      </p:sp>
+      <p:sp>
+        <p:nvSpPr>
+          <p:cNvPr id="44" name="Rectangle 11"/>
+          <p:cNvSpPr/>
+          <p:nvPr/>
+        </p:nvSpPr>
+        <p:spPr>
+          <a:xfrm flipH="1">
+            <a:off x="3859365" y="2564466"/>
+            <a:ext cx="1093635" cy="346760"/>
+          </a:xfrm>
+          <a:prstGeom prst="rect">
+            <a:avLst/>
+          </a:prstGeom>
+          <a:ln w="19050">
+            <a:solidFill>
+              <a:srgbClr val="0070C0"/>
+            </a:solidFill>
+          </a:ln>
+          <a:effectLst/>
+        </p:spPr>
+        <p:style>
+          <a:lnRef idx="1">
+            <a:schemeClr val="accent1"/>
+          </a:lnRef>
+          <a:fillRef idx="2">
+            <a:schemeClr val="accent1"/>
+          </a:fillRef>
+          <a:effectRef idx="1">
+            <a:schemeClr val="accent1"/>
+          </a:effectRef>
+          <a:fontRef idx="minor">
+            <a:schemeClr val="dk1"/>
+          </a:fontRef>
+        </p:style>
+        <p:txBody>
+          <a:bodyPr rtlCol="0" anchor="ctr"/>
+          <a:lstStyle/>
+          <a:p>
+            <a:pPr algn="ctr"/>
+            <a:r>
+              <a:rPr lang="en-US" sz="1050" b="1" dirty="0" err="1">
+                <a:solidFill>
+                  <a:srgbClr val="0070C0"/>
+                </a:solidFill>
+              </a:rPr>
+              <a:t>FindCommand</a:t>
+            </a:r>
+            <a:endParaRPr lang="en-US" sz="1050" b="1" dirty="0">
+              <a:solidFill>
+                <a:srgbClr val="0070C0"/>
+              </a:solidFill>
+            </a:endParaRPr>
+          </a:p>
+          <a:p>
+            <a:pPr algn="ctr"/>
+            <a:r>
+              <a:rPr lang="en-US" sz="1050" b="1" dirty="0">
+                <a:solidFill>
+                  <a:srgbClr val="0070C0"/>
+                </a:solidFill>
+              </a:rPr>
+              <a:t>Parser</a:t>
+            </a:r>
+            <a:endParaRPr lang="en-SG" sz="1050" b="1" dirty="0">
+              <a:solidFill>
+                <a:srgbClr val="0070C0"/>
+              </a:solidFill>
+            </a:endParaRPr>
+          </a:p>
+        </p:txBody>
+      </p:sp>
+      <p:sp>
+        <p:nvSpPr>
+          <p:cNvPr id="45" name="Rectangle 44"/>
+          <p:cNvSpPr/>
+          <p:nvPr/>
+        </p:nvSpPr>
+        <p:spPr>
+          <a:xfrm flipH="1">
+            <a:off x="3859363" y="2968239"/>
+            <a:ext cx="1093635" cy="346760"/>
+          </a:xfrm>
+          <a:prstGeom prst="rect">
+            <a:avLst/>
+          </a:prstGeom>
+          <a:ln w="19050">
+            <a:solidFill>
+              <a:srgbClr val="0070C0"/>
+            </a:solidFill>
+          </a:ln>
+          <a:effectLst/>
+        </p:spPr>
+        <p:style>
+          <a:lnRef idx="1">
+            <a:schemeClr val="accent1"/>
+          </a:lnRef>
+          <a:fillRef idx="2">
+            <a:schemeClr val="accent1"/>
+          </a:fillRef>
+          <a:effectRef idx="1">
+            <a:schemeClr val="accent1"/>
+          </a:effectRef>
+          <a:fontRef idx="minor">
+            <a:schemeClr val="dk1"/>
+          </a:fontRef>
+        </p:style>
+        <p:txBody>
+          <a:bodyPr rtlCol="0" anchor="ctr"/>
+          <a:lstStyle/>
+          <a:p>
+            <a:pPr algn="ctr"/>
+            <a:r>
+              <a:rPr lang="en-US" sz="1050" b="1" dirty="0">
+                <a:solidFill>
+                  <a:srgbClr val="0070C0"/>
+                </a:solidFill>
+              </a:rPr>
+              <a:t>…</a:t>
+            </a:r>
+            <a:endParaRPr lang="en-SG" sz="1050" b="1" dirty="0">
+              <a:solidFill>
+                <a:srgbClr val="0070C0"/>
+              </a:solidFill>
+            </a:endParaRPr>
+          </a:p>
+        </p:txBody>
+      </p:sp>
+      <p:sp>
+        <p:nvSpPr>
+          <p:cNvPr id="56" name="Rectangle 62"/>
+          <p:cNvSpPr/>
+          <p:nvPr/>
+        </p:nvSpPr>
+        <p:spPr>
+          <a:xfrm>
+            <a:off x="2667000" y="3218188"/>
+            <a:ext cx="751107" cy="346760"/>
+          </a:xfrm>
+          <a:prstGeom prst="rect">
+            <a:avLst/>
+          </a:prstGeom>
+          <a:solidFill>
+            <a:srgbClr val="0070C0"/>
+          </a:solidFill>
+          <a:ln w="19050">
+            <a:solidFill>
+              <a:srgbClr val="0070C0"/>
+            </a:solidFill>
           </a:ln>
           <a:effectLst/>
         </p:spPr>
@@ -5199,17 +5187,52 @@
             <a:schemeClr val="dk1"/>
           </a:fontRef>
         </p:style>
-      </p:cxnSp>
-      <p:sp>
-        <p:nvSpPr>
-          <p:cNvPr id="47" name="Rectangle 62"/>
+        <p:txBody>
+          <a:bodyPr rtlCol="0" anchor="ctr"/>
+          <a:lstStyle/>
+          <a:p>
+            <a:pPr algn="ctr"/>
+            <a:r>
+              <a:rPr lang="en-US" sz="1050" dirty="0" smtClean="0">
+                <a:solidFill>
+                  <a:schemeClr val="bg1"/>
+                </a:solidFill>
+              </a:rPr>
+              <a:t>Argument</a:t>
+            </a:r>
+            <a:br>
+              <a:rPr lang="en-US" sz="1050" dirty="0" smtClean="0">
+                <a:solidFill>
+                  <a:schemeClr val="bg1"/>
+                </a:solidFill>
+              </a:rPr>
+            </a:br>
+            <a:r>
+              <a:rPr lang="en-US" sz="1050" dirty="0" smtClean="0">
+                <a:solidFill>
+                  <a:schemeClr val="bg1"/>
+                </a:solidFill>
+              </a:rPr>
+              <a:t>Tokenizer</a:t>
+            </a:r>
+            <a:endParaRPr lang="en-SG" sz="1050" dirty="0">
+              <a:solidFill>
+                <a:schemeClr val="bg1"/>
+              </a:solidFill>
+            </a:endParaRPr>
+          </a:p>
+        </p:txBody>
+      </p:sp>
+      <p:sp>
+        <p:nvSpPr>
+          <p:cNvPr id="58" name="Rectangle 62"/>
           <p:cNvSpPr/>
           <p:nvPr/>
         </p:nvSpPr>
         <p:spPr>
           <a:xfrm>
-            <a:off x="3048000" y="3183650"/>
-            <a:ext cx="751107" cy="346760"/>
+            <a:off x="2907710" y="2821908"/>
+            <a:ext cx="510397" cy="346760"/>
           </a:xfrm>
           <a:prstGeom prst="rect">
             <a:avLst/>
@@ -5249,22 +5272,7 @@
                   <a:schemeClr val="bg1"/>
                 </a:solidFill>
               </a:rPr>
-              <a:t>Argument</a:t>
-            </a:r>
-            <a:br>
-              <a:rPr lang="en-US" sz="1050" dirty="0" smtClean="0">
-                <a:solidFill>
-                  <a:schemeClr val="bg1"/>
-                </a:solidFill>
-              </a:rPr>
-            </a:br>
-            <a:r>
-              <a:rPr lang="en-US" sz="1050" dirty="0" smtClean="0">
-                <a:solidFill>
-                  <a:schemeClr val="bg1"/>
-                </a:solidFill>
-              </a:rPr>
-              <a:t>Tokenizer</a:t>
+              <a:t>Prefix</a:t>
             </a:r>
             <a:endParaRPr lang="en-SG" sz="1050" dirty="0">
               <a:solidFill>
@@ -5276,200 +5284,723 @@
       </p:sp>
       <p:cxnSp>
         <p:nvCxnSpPr>
-          <p:cNvPr id="48" name="Straight Arrow Connector 110"/>
-          <p:cNvCxnSpPr/>
+          <p:cNvPr id="72" name="Straight Arrow Connector 71"/>
+          <p:cNvCxnSpPr>
+            <a:endCxn id="58" idx="3"/>
+          </p:cNvCxnSpPr>
           <p:nvPr/>
         </p:nvCxnSpPr>
         <p:spPr>
-          <a:xfrm flipV="1">
-            <a:off x="3581400" y="3511872"/>
-            <a:ext cx="0" cy="245052"/>
-          </a:xfrm>
-          <a:prstGeom prst="straightConnector1">
+          <a:xfrm rot="16200000" flipV="1">
+            <a:off x="3106339" y="3307056"/>
+            <a:ext cx="786830" cy="163294"/>
+          </a:xfrm>
+          <a:prstGeom prst="bentConnector2">
             <a:avLst/>
           </a:prstGeom>
-          <a:ln w="19050">
-            <a:solidFill>
-              <a:srgbClr val="0070C0"/>
-            </a:solidFill>
-            <a:prstDash val="sysDot"/>
+          <a:ln>
+            <a:prstDash val="dash"/>
             <a:headEnd type="none" w="med" len="med"/>
             <a:tailEnd type="arrow" w="med" len="med"/>
           </a:ln>
-          <a:effectLst/>
         </p:spPr>
         <p:style>
           <a:lnRef idx="1">
-            <a:schemeClr val="accent2"/>
+            <a:schemeClr val="accent1"/>
           </a:lnRef>
-          <a:fillRef idx="2">
-            <a:schemeClr val="accent2"/>
+          <a:fillRef idx="0">
+            <a:schemeClr val="accent1"/>
           </a:fillRef>
-          <a:effectRef idx="1">
-            <a:schemeClr val="accent2"/>
+          <a:effectRef idx="0">
+            <a:schemeClr val="accent1"/>
           </a:effectRef>
           <a:fontRef idx="minor">
-            <a:schemeClr val="dk1"/>
-          </a:fontRef>
-        </p:style>
-      </p:cxnSp>
-      <p:sp>
-        <p:nvSpPr>
-          <p:cNvPr id="49" name="Rectangle 62"/>
-          <p:cNvSpPr/>
-          <p:nvPr/>
-        </p:nvSpPr>
-        <p:spPr>
-          <a:xfrm>
-            <a:off x="3990437" y="3188061"/>
-            <a:ext cx="510397" cy="346760"/>
-          </a:xfrm>
-          <a:prstGeom prst="rect">
-            <a:avLst/>
-          </a:prstGeom>
-          <a:solidFill>
-            <a:srgbClr val="0070C0"/>
-          </a:solidFill>
-          <a:ln w="19050">
-            <a:solidFill>
-              <a:srgbClr val="0070C0"/>
-            </a:solidFill>
-          </a:ln>
-          <a:effectLst/>
-        </p:spPr>
-        <p:style>
-          <a:lnRef idx="1">
-            <a:schemeClr val="accent2"/>
-          </a:lnRef>
-          <a:fillRef idx="2">
-            <a:schemeClr val="accent2"/>
-          </a:fillRef>
-          <a:effectRef idx="1">
-            <a:schemeClr val="accent2"/>
-          </a:effectRef>
-          <a:fontRef idx="minor">
-            <a:schemeClr val="dk1"/>
-          </a:fontRef>
-        </p:style>
-        <p:txBody>
-          <a:bodyPr rtlCol="0" anchor="ctr"/>
-          <a:lstStyle/>
-          <a:p>
-            <a:pPr algn="ctr"/>
-            <a:r>
-              <a:rPr lang="en-US" sz="1050" dirty="0" smtClean="0">
-                <a:solidFill>
-                  <a:schemeClr val="bg1"/>
-                </a:solidFill>
-              </a:rPr>
-              <a:t>Prefix</a:t>
-            </a:r>
-            <a:endParaRPr lang="en-SG" sz="1050" dirty="0">
-              <a:solidFill>
-                <a:schemeClr val="bg1"/>
-              </a:solidFill>
-            </a:endParaRPr>
-          </a:p>
-        </p:txBody>
-      </p:sp>
-      <p:cxnSp>
-        <p:nvCxnSpPr>
-          <p:cNvPr id="50" name="Straight Arrow Connector 110"/>
-          <p:cNvCxnSpPr>
-            <a:stCxn id="47" idx="3"/>
-            <a:endCxn id="49" idx="1"/>
-          </p:cNvCxnSpPr>
-          <p:nvPr/>
-        </p:nvCxnSpPr>
-        <p:spPr>
-          <a:xfrm>
-            <a:off x="3799107" y="3357030"/>
-            <a:ext cx="191330" cy="4411"/>
-          </a:xfrm>
-          <a:prstGeom prst="straightConnector1">
-            <a:avLst/>
-          </a:prstGeom>
-          <a:ln w="19050">
-            <a:solidFill>
-              <a:srgbClr val="0070C0"/>
-            </a:solidFill>
-            <a:prstDash val="sysDot"/>
-            <a:headEnd type="none" w="med" len="med"/>
-            <a:tailEnd type="arrow" w="med" len="med"/>
-          </a:ln>
-          <a:effectLst/>
-        </p:spPr>
-        <p:style>
-          <a:lnRef idx="1">
-            <a:schemeClr val="accent2"/>
-          </a:lnRef>
-          <a:fillRef idx="2">
-            <a:schemeClr val="accent2"/>
-          </a:fillRef>
-          <a:effectRef idx="1">
-            <a:schemeClr val="accent2"/>
-          </a:effectRef>
-          <a:fontRef idx="minor">
-            <a:schemeClr val="dk1"/>
+            <a:schemeClr val="tx1"/>
           </a:fontRef>
         </p:style>
       </p:cxnSp>
       <p:cxnSp>
         <p:nvCxnSpPr>
-          <p:cNvPr id="52" name="Straight Arrow Connector 110"/>
+          <p:cNvPr id="86" name="Straight Arrow Connector 85"/>
+          <p:cNvCxnSpPr>
+            <a:endCxn id="44" idx="3"/>
+          </p:cNvCxnSpPr>
+          <p:nvPr/>
+        </p:nvCxnSpPr>
+        <p:spPr>
+          <a:xfrm flipV="1">
+            <a:off x="3733800" y="2737846"/>
+            <a:ext cx="125565" cy="5354"/>
+          </a:xfrm>
+          <a:prstGeom prst="straightConnector1">
+            <a:avLst/>
+          </a:prstGeom>
+          <a:ln>
+            <a:prstDash val="dash"/>
+            <a:tailEnd type="triangle"/>
+          </a:ln>
+        </p:spPr>
+        <p:style>
+          <a:lnRef idx="1">
+            <a:schemeClr val="accent1"/>
+          </a:lnRef>
+          <a:fillRef idx="0">
+            <a:schemeClr val="accent1"/>
+          </a:fillRef>
+          <a:effectRef idx="0">
+            <a:schemeClr val="accent1"/>
+          </a:effectRef>
+          <a:fontRef idx="minor">
+            <a:schemeClr val="tx1"/>
+          </a:fontRef>
+        </p:style>
+      </p:cxnSp>
+      <p:cxnSp>
+        <p:nvCxnSpPr>
+          <p:cNvPr id="94" name="Straight Arrow Connector 93"/>
           <p:cNvCxnSpPr/>
           <p:nvPr/>
         </p:nvCxnSpPr>
         <p:spPr>
+          <a:xfrm>
+            <a:off x="3733800" y="3168668"/>
+            <a:ext cx="125563" cy="0"/>
+          </a:xfrm>
+          <a:prstGeom prst="straightConnector1">
+            <a:avLst/>
+          </a:prstGeom>
+          <a:ln>
+            <a:prstDash val="dash"/>
+            <a:tailEnd type="triangle"/>
+          </a:ln>
+        </p:spPr>
+        <p:style>
+          <a:lnRef idx="1">
+            <a:schemeClr val="accent1"/>
+          </a:lnRef>
+          <a:fillRef idx="0">
+            <a:schemeClr val="accent1"/>
+          </a:fillRef>
+          <a:effectRef idx="0">
+            <a:schemeClr val="accent1"/>
+          </a:effectRef>
+          <a:fontRef idx="minor">
+            <a:schemeClr val="tx1"/>
+          </a:fontRef>
+        </p:style>
+      </p:cxnSp>
+      <p:cxnSp>
+        <p:nvCxnSpPr>
+          <p:cNvPr id="104" name="Straight Connector 103"/>
+          <p:cNvCxnSpPr/>
+          <p:nvPr/>
+        </p:nvCxnSpPr>
+        <p:spPr>
           <a:xfrm flipV="1">
-            <a:off x="4049717" y="3530410"/>
-            <a:ext cx="0" cy="245052"/>
+            <a:off x="3733800" y="2286000"/>
+            <a:ext cx="0" cy="1653101"/>
+          </a:xfrm>
+          <a:prstGeom prst="line">
+            <a:avLst/>
+          </a:prstGeom>
+          <a:ln>
+            <a:prstDash val="dash"/>
+          </a:ln>
+        </p:spPr>
+        <p:style>
+          <a:lnRef idx="1">
+            <a:schemeClr val="accent1"/>
+          </a:lnRef>
+          <a:fillRef idx="0">
+            <a:schemeClr val="accent1"/>
+          </a:fillRef>
+          <a:effectRef idx="0">
+            <a:schemeClr val="accent1"/>
+          </a:effectRef>
+          <a:fontRef idx="minor">
+            <a:schemeClr val="tx1"/>
+          </a:fontRef>
+        </p:style>
+      </p:cxnSp>
+      <p:cxnSp>
+        <p:nvCxnSpPr>
+          <p:cNvPr id="107" name="Straight Connector 106"/>
+          <p:cNvCxnSpPr>
+            <a:endCxn id="16" idx="3"/>
+          </p:cNvCxnSpPr>
+          <p:nvPr/>
+        </p:nvCxnSpPr>
+        <p:spPr>
+          <a:xfrm flipH="1">
+            <a:off x="3684189" y="3939101"/>
+            <a:ext cx="49611" cy="438"/>
+          </a:xfrm>
+          <a:prstGeom prst="line">
+            <a:avLst/>
+          </a:prstGeom>
+          <a:ln>
+            <a:prstDash val="dash"/>
+          </a:ln>
+        </p:spPr>
+        <p:style>
+          <a:lnRef idx="1">
+            <a:schemeClr val="accent1"/>
+          </a:lnRef>
+          <a:fillRef idx="0">
+            <a:schemeClr val="accent1"/>
+          </a:fillRef>
+          <a:effectRef idx="0">
+            <a:schemeClr val="accent1"/>
+          </a:effectRef>
+          <a:fontRef idx="minor">
+            <a:schemeClr val="tx1"/>
+          </a:fontRef>
+        </p:style>
+      </p:cxnSp>
+      <p:cxnSp>
+        <p:nvCxnSpPr>
+          <p:cNvPr id="109" name="Straight Arrow Connector 108"/>
+          <p:cNvCxnSpPr/>
+          <p:nvPr/>
+        </p:nvCxnSpPr>
+        <p:spPr>
+          <a:xfrm>
+            <a:off x="3733800" y="2286000"/>
+            <a:ext cx="125563" cy="0"/>
+          </a:xfrm>
+          <a:prstGeom prst="straightConnector1">
+            <a:avLst/>
+          </a:prstGeom>
+          <a:ln>
+            <a:prstDash val="dash"/>
+            <a:tailEnd type="triangle"/>
+          </a:ln>
+        </p:spPr>
+        <p:style>
+          <a:lnRef idx="1">
+            <a:schemeClr val="accent1"/>
+          </a:lnRef>
+          <a:fillRef idx="0">
+            <a:schemeClr val="accent1"/>
+          </a:fillRef>
+          <a:effectRef idx="0">
+            <a:schemeClr val="accent1"/>
+          </a:effectRef>
+          <a:fontRef idx="minor">
+            <a:schemeClr val="tx1"/>
+          </a:fontRef>
+        </p:style>
+      </p:cxnSp>
+      <p:cxnSp>
+        <p:nvCxnSpPr>
+          <p:cNvPr id="117" name="Straight Arrow Connector 116"/>
+          <p:cNvCxnSpPr>
+            <a:stCxn id="12" idx="3"/>
+          </p:cNvCxnSpPr>
+          <p:nvPr/>
+        </p:nvCxnSpPr>
+        <p:spPr>
+          <a:xfrm flipV="1">
+            <a:off x="5587728" y="3930946"/>
+            <a:ext cx="1651272" cy="8155"/>
           </a:xfrm>
           <a:prstGeom prst="straightConnector1">
             <a:avLst/>
           </a:prstGeom>
           <a:ln w="19050">
+            <a:headEnd type="triangle" w="med" len="med"/>
+            <a:tailEnd type="none" w="med" len="med"/>
+          </a:ln>
+        </p:spPr>
+        <p:style>
+          <a:lnRef idx="1">
+            <a:schemeClr val="accent1"/>
+          </a:lnRef>
+          <a:fillRef idx="0">
+            <a:schemeClr val="accent1"/>
+          </a:fillRef>
+          <a:effectRef idx="0">
+            <a:schemeClr val="accent1"/>
+          </a:effectRef>
+          <a:fontRef idx="minor">
+            <a:schemeClr val="tx1"/>
+          </a:fontRef>
+        </p:style>
+      </p:cxnSp>
+      <p:cxnSp>
+        <p:nvCxnSpPr>
+          <p:cNvPr id="119" name="Straight Connector 118"/>
+          <p:cNvCxnSpPr/>
+          <p:nvPr/>
+        </p:nvCxnSpPr>
+        <p:spPr>
+          <a:xfrm flipV="1">
+            <a:off x="7239000" y="2313204"/>
+            <a:ext cx="0" cy="1617744"/>
+          </a:xfrm>
+          <a:prstGeom prst="line">
+            <a:avLst/>
+          </a:prstGeom>
+          <a:ln w="19050"/>
+        </p:spPr>
+        <p:style>
+          <a:lnRef idx="1">
+            <a:schemeClr val="accent1"/>
+          </a:lnRef>
+          <a:fillRef idx="0">
+            <a:schemeClr val="accent1"/>
+          </a:fillRef>
+          <a:effectRef idx="0">
+            <a:schemeClr val="accent1"/>
+          </a:effectRef>
+          <a:fontRef idx="minor">
+            <a:schemeClr val="tx1"/>
+          </a:fontRef>
+        </p:style>
+      </p:cxnSp>
+      <p:cxnSp>
+        <p:nvCxnSpPr>
+          <p:cNvPr id="123" name="Straight Connector 122"/>
+          <p:cNvCxnSpPr>
+            <a:stCxn id="4" idx="1"/>
+          </p:cNvCxnSpPr>
+          <p:nvPr/>
+        </p:nvCxnSpPr>
+        <p:spPr>
+          <a:xfrm>
+            <a:off x="7037235" y="2313204"/>
+            <a:ext cx="201765" cy="0"/>
+          </a:xfrm>
+          <a:prstGeom prst="line">
+            <a:avLst/>
+          </a:prstGeom>
+        </p:spPr>
+        <p:style>
+          <a:lnRef idx="1">
+            <a:schemeClr val="accent1"/>
+          </a:lnRef>
+          <a:fillRef idx="0">
+            <a:schemeClr val="accent1"/>
+          </a:fillRef>
+          <a:effectRef idx="0">
+            <a:schemeClr val="accent1"/>
+          </a:effectRef>
+          <a:fontRef idx="minor">
+            <a:schemeClr val="tx1"/>
+          </a:fontRef>
+        </p:style>
+      </p:cxnSp>
+      <p:cxnSp>
+        <p:nvCxnSpPr>
+          <p:cNvPr id="125" name="Straight Connector 124"/>
+          <p:cNvCxnSpPr>
+            <a:stCxn id="10" idx="1"/>
+          </p:cNvCxnSpPr>
+          <p:nvPr/>
+        </p:nvCxnSpPr>
+        <p:spPr>
+          <a:xfrm>
+            <a:off x="7043373" y="2718957"/>
+            <a:ext cx="195627" cy="0"/>
+          </a:xfrm>
+          <a:prstGeom prst="line">
+            <a:avLst/>
+          </a:prstGeom>
+        </p:spPr>
+        <p:style>
+          <a:lnRef idx="1">
+            <a:schemeClr val="accent1"/>
+          </a:lnRef>
+          <a:fillRef idx="0">
+            <a:schemeClr val="accent1"/>
+          </a:fillRef>
+          <a:effectRef idx="0">
+            <a:schemeClr val="accent1"/>
+          </a:effectRef>
+          <a:fontRef idx="minor">
+            <a:schemeClr val="tx1"/>
+          </a:fontRef>
+        </p:style>
+      </p:cxnSp>
+      <p:cxnSp>
+        <p:nvCxnSpPr>
+          <p:cNvPr id="127" name="Straight Connector 126"/>
+          <p:cNvCxnSpPr>
+            <a:stCxn id="37" idx="1"/>
+          </p:cNvCxnSpPr>
+          <p:nvPr/>
+        </p:nvCxnSpPr>
+        <p:spPr>
+          <a:xfrm>
+            <a:off x="7043373" y="3120174"/>
+            <a:ext cx="195627" cy="0"/>
+          </a:xfrm>
+          <a:prstGeom prst="line">
+            <a:avLst/>
+          </a:prstGeom>
+        </p:spPr>
+        <p:style>
+          <a:lnRef idx="1">
+            <a:schemeClr val="accent1"/>
+          </a:lnRef>
+          <a:fillRef idx="0">
+            <a:schemeClr val="accent1"/>
+          </a:fillRef>
+          <a:effectRef idx="0">
+            <a:schemeClr val="accent1"/>
+          </a:effectRef>
+          <a:fontRef idx="minor">
+            <a:schemeClr val="tx1"/>
+          </a:fontRef>
+        </p:style>
+      </p:cxnSp>
+      <p:cxnSp>
+        <p:nvCxnSpPr>
+          <p:cNvPr id="133" name="Straight Connector 132"/>
+          <p:cNvCxnSpPr>
+            <a:stCxn id="11" idx="1"/>
+          </p:cNvCxnSpPr>
+          <p:nvPr/>
+        </p:nvCxnSpPr>
+        <p:spPr>
+          <a:xfrm>
+            <a:off x="7043373" y="3560420"/>
+            <a:ext cx="195627" cy="0"/>
+          </a:xfrm>
+          <a:prstGeom prst="line">
+            <a:avLst/>
+          </a:prstGeom>
+        </p:spPr>
+        <p:style>
+          <a:lnRef idx="1">
+            <a:schemeClr val="accent1"/>
+          </a:lnRef>
+          <a:fillRef idx="0">
+            <a:schemeClr val="accent1"/>
+          </a:fillRef>
+          <a:effectRef idx="0">
+            <a:schemeClr val="accent1"/>
+          </a:effectRef>
+          <a:fontRef idx="minor">
+            <a:schemeClr val="tx1"/>
+          </a:fontRef>
+        </p:style>
+      </p:cxnSp>
+      <p:cxnSp>
+        <p:nvCxnSpPr>
+          <p:cNvPr id="152" name="Straight Connector 151"/>
+          <p:cNvCxnSpPr>
+            <a:stCxn id="44" idx="1"/>
+          </p:cNvCxnSpPr>
+          <p:nvPr/>
+        </p:nvCxnSpPr>
+        <p:spPr>
+          <a:xfrm>
+            <a:off x="4953000" y="2737846"/>
+            <a:ext cx="990600" cy="0"/>
+          </a:xfrm>
+          <a:prstGeom prst="line">
+            <a:avLst/>
+          </a:prstGeom>
+          <a:ln>
+            <a:prstDash val="dash"/>
+            <a:headEnd type="none" w="med" len="med"/>
+            <a:tailEnd type="arrow" w="med" len="med"/>
+          </a:ln>
+        </p:spPr>
+        <p:style>
+          <a:lnRef idx="1">
+            <a:schemeClr val="accent1"/>
+          </a:lnRef>
+          <a:fillRef idx="0">
+            <a:schemeClr val="accent1"/>
+          </a:fillRef>
+          <a:effectRef idx="0">
+            <a:schemeClr val="accent1"/>
+          </a:effectRef>
+          <a:fontRef idx="minor">
+            <a:schemeClr val="tx1"/>
+          </a:fontRef>
+        </p:style>
+      </p:cxnSp>
+      <p:cxnSp>
+        <p:nvCxnSpPr>
+          <p:cNvPr id="153" name="Straight Connector 152"/>
+          <p:cNvCxnSpPr/>
+          <p:nvPr/>
+        </p:nvCxnSpPr>
+        <p:spPr>
+          <a:xfrm>
+            <a:off x="4953000" y="2362200"/>
+            <a:ext cx="990600" cy="0"/>
+          </a:xfrm>
+          <a:prstGeom prst="line">
+            <a:avLst/>
+          </a:prstGeom>
+          <a:ln>
+            <a:prstDash val="dash"/>
+            <a:headEnd type="none" w="med" len="med"/>
+            <a:tailEnd type="arrow" w="med" len="med"/>
+          </a:ln>
+        </p:spPr>
+        <p:style>
+          <a:lnRef idx="1">
+            <a:schemeClr val="accent1"/>
+          </a:lnRef>
+          <a:fillRef idx="0">
+            <a:schemeClr val="accent1"/>
+          </a:fillRef>
+          <a:effectRef idx="0">
+            <a:schemeClr val="accent1"/>
+          </a:effectRef>
+          <a:fontRef idx="minor">
+            <a:schemeClr val="tx1"/>
+          </a:fontRef>
+        </p:style>
+      </p:cxnSp>
+      <p:grpSp>
+        <p:nvGrpSpPr>
+          <p:cNvPr id="161" name="Group 160"/>
+          <p:cNvGrpSpPr/>
+          <p:nvPr/>
+        </p:nvGrpSpPr>
+        <p:grpSpPr>
+          <a:xfrm rot="5400000">
+            <a:off x="5365168" y="1952858"/>
+            <a:ext cx="254462" cy="555486"/>
+            <a:chOff x="3949242" y="712012"/>
+            <a:chExt cx="254462" cy="503902"/>
+          </a:xfrm>
+        </p:grpSpPr>
+        <p:sp>
+          <p:nvSpPr>
+            <p:cNvPr id="162" name="TextBox 161"/>
+            <p:cNvSpPr txBox="1"/>
+            <p:nvPr/>
+          </p:nvSpPr>
+          <p:spPr>
+            <a:xfrm rot="16200000">
+              <a:off x="3824522" y="836732"/>
+              <a:ext cx="503902" cy="254462"/>
+            </a:xfrm>
+            <a:prstGeom prst="rect">
+              <a:avLst/>
+            </a:prstGeom>
+            <a:noFill/>
+          </p:spPr>
+          <p:txBody>
+            <a:bodyPr wrap="square" lIns="0" tIns="0" rIns="0" bIns="0" rtlCol="0">
+              <a:noAutofit/>
+            </a:bodyPr>
+            <a:lstStyle/>
+            <a:p>
+              <a:r>
+                <a:rPr lang="en-US" sz="1100" dirty="0" smtClean="0">
+                  <a:solidFill>
+                    <a:srgbClr val="0070C0"/>
+                  </a:solidFill>
+                </a:rPr>
+                <a:t>creates</a:t>
+              </a:r>
+              <a:endParaRPr lang="en-SG" sz="1100" dirty="0">
+                <a:solidFill>
+                  <a:srgbClr val="0070C0"/>
+                </a:solidFill>
+              </a:endParaRPr>
+            </a:p>
+          </p:txBody>
+        </p:sp>
+        <p:sp>
+          <p:nvSpPr>
+            <p:cNvPr id="163" name="Isosceles Triangle 162"/>
+            <p:cNvSpPr/>
+            <p:nvPr/>
+          </p:nvSpPr>
+          <p:spPr>
+            <a:xfrm rot="10800000" flipV="1">
+              <a:off x="3979474" y="751200"/>
+              <a:ext cx="132157" cy="79956"/>
+            </a:xfrm>
+            <a:prstGeom prst="triangle">
+              <a:avLst/>
+            </a:prstGeom>
             <a:solidFill>
               <a:srgbClr val="0070C0"/>
             </a:solidFill>
-            <a:prstDash val="sysDot"/>
+            <a:ln>
+              <a:noFill/>
+            </a:ln>
+          </p:spPr>
+          <p:style>
+            <a:lnRef idx="2">
+              <a:schemeClr val="accent1">
+                <a:shade val="50000"/>
+              </a:schemeClr>
+            </a:lnRef>
+            <a:fillRef idx="1">
+              <a:schemeClr val="accent1"/>
+            </a:fillRef>
+            <a:effectRef idx="0">
+              <a:schemeClr val="accent1"/>
+            </a:effectRef>
+            <a:fontRef idx="minor">
+              <a:schemeClr val="lt1"/>
+            </a:fontRef>
+          </p:style>
+          <p:txBody>
+            <a:bodyPr rtlCol="0" anchor="ctr"/>
+            <a:lstStyle/>
+            <a:p>
+              <a:pPr algn="ctr"/>
+              <a:endParaRPr lang="en-SG"/>
+            </a:p>
+          </p:txBody>
+        </p:sp>
+      </p:grpSp>
+      <p:grpSp>
+        <p:nvGrpSpPr>
+          <p:cNvPr id="164" name="Group 163"/>
+          <p:cNvGrpSpPr/>
+          <p:nvPr/>
+        </p:nvGrpSpPr>
+        <p:grpSpPr>
+          <a:xfrm rot="5400000">
+            <a:off x="5386226" y="2338226"/>
+            <a:ext cx="254462" cy="555486"/>
+            <a:chOff x="3949242" y="712012"/>
+            <a:chExt cx="254462" cy="503902"/>
+          </a:xfrm>
+        </p:grpSpPr>
+        <p:sp>
+          <p:nvSpPr>
+            <p:cNvPr id="165" name="TextBox 164"/>
+            <p:cNvSpPr txBox="1"/>
+            <p:nvPr/>
+          </p:nvSpPr>
+          <p:spPr>
+            <a:xfrm rot="16200000">
+              <a:off x="3824522" y="836732"/>
+              <a:ext cx="503902" cy="254462"/>
+            </a:xfrm>
+            <a:prstGeom prst="rect">
+              <a:avLst/>
+            </a:prstGeom>
+            <a:noFill/>
+          </p:spPr>
+          <p:txBody>
+            <a:bodyPr wrap="square" lIns="0" tIns="0" rIns="0" bIns="0" rtlCol="0">
+              <a:noAutofit/>
+            </a:bodyPr>
+            <a:lstStyle/>
+            <a:p>
+              <a:r>
+                <a:rPr lang="en-US" sz="1100" dirty="0" smtClean="0">
+                  <a:solidFill>
+                    <a:srgbClr val="0070C0"/>
+                  </a:solidFill>
+                </a:rPr>
+                <a:t>creates</a:t>
+              </a:r>
+              <a:endParaRPr lang="en-SG" sz="1100" dirty="0">
+                <a:solidFill>
+                  <a:srgbClr val="0070C0"/>
+                </a:solidFill>
+              </a:endParaRPr>
+            </a:p>
+          </p:txBody>
+        </p:sp>
+        <p:sp>
+          <p:nvSpPr>
+            <p:cNvPr id="166" name="Isosceles Triangle 165"/>
+            <p:cNvSpPr/>
+            <p:nvPr/>
+          </p:nvSpPr>
+          <p:spPr>
+            <a:xfrm rot="10800000" flipV="1">
+              <a:off x="3979474" y="751200"/>
+              <a:ext cx="132157" cy="79956"/>
+            </a:xfrm>
+            <a:prstGeom prst="triangle">
+              <a:avLst/>
+            </a:prstGeom>
+            <a:solidFill>
+              <a:srgbClr val="0070C0"/>
+            </a:solidFill>
+            <a:ln>
+              <a:noFill/>
+            </a:ln>
+          </p:spPr>
+          <p:style>
+            <a:lnRef idx="2">
+              <a:schemeClr val="accent1">
+                <a:shade val="50000"/>
+              </a:schemeClr>
+            </a:lnRef>
+            <a:fillRef idx="1">
+              <a:schemeClr val="accent1"/>
+            </a:fillRef>
+            <a:effectRef idx="0">
+              <a:schemeClr val="accent1"/>
+            </a:effectRef>
+            <a:fontRef idx="minor">
+              <a:schemeClr val="lt1"/>
+            </a:fontRef>
+          </p:style>
+          <p:txBody>
+            <a:bodyPr rtlCol="0" anchor="ctr"/>
+            <a:lstStyle/>
+            <a:p>
+              <a:pPr algn="ctr"/>
+              <a:endParaRPr lang="en-SG"/>
+            </a:p>
+          </p:txBody>
+        </p:sp>
+      </p:grpSp>
+      <p:cxnSp>
+        <p:nvCxnSpPr>
+          <p:cNvPr id="15" name="Straight Arrow Connector 14"/>
+          <p:cNvCxnSpPr/>
+          <p:nvPr/>
+        </p:nvCxnSpPr>
+        <p:spPr>
+          <a:xfrm flipH="1">
+            <a:off x="3418106" y="3387040"/>
+            <a:ext cx="163295" cy="0"/>
+          </a:xfrm>
+          <a:prstGeom prst="straightConnector1">
+            <a:avLst/>
+          </a:prstGeom>
+          <a:ln>
+            <a:prstDash val="dash"/>
             <a:headEnd type="none" w="med" len="med"/>
             <a:tailEnd type="arrow" w="med" len="med"/>
           </a:ln>
-          <a:effectLst/>
         </p:spPr>
         <p:style>
           <a:lnRef idx="1">
-            <a:schemeClr val="accent2"/>
+            <a:schemeClr val="accent1"/>
           </a:lnRef>
-          <a:fillRef idx="2">
-            <a:schemeClr val="accent2"/>
+          <a:fillRef idx="0">
+            <a:schemeClr val="accent1"/>
           </a:fillRef>
-          <a:effectRef idx="1">
-            <a:schemeClr val="accent2"/>
+          <a:effectRef idx="0">
+            <a:schemeClr val="accent1"/>
           </a:effectRef>
           <a:fontRef idx="minor">
-            <a:schemeClr val="dk1"/>
+            <a:schemeClr val="tx1"/>
           </a:fontRef>
         </p:style>
       </p:cxnSp>
     </p:spTree>
     <p:extLst>
       <p:ext uri="{BB962C8B-B14F-4D97-AF65-F5344CB8AC3E}">
-        <p14:creationId xmlns:p14="http://schemas.microsoft.com/office/powerpoint/2010/main" val="599777654"/>
+        <p14:creationId xmlns:p14="http://schemas.microsoft.com/office/powerpoint/2010/main" val="211586602"/>
       </p:ext>
     </p:extLst>
   </p:cSld>
   <p:clrMapOvr>
     <a:masterClrMapping/>
   </p:clrMapOvr>
-  <p:timing>
-    <p:tnLst>
-      <p:par>
-        <p:cTn id="1" dur="indefinite" restart="never" nodeType="tmRoot"/>
-      </p:par>
-    </p:tnLst>
-  </p:timing>
 </p:sld>
 </file>
 

--- a/docs/diagrams/LogicComponentClassDiagram.pptx
+++ b/docs/diagrams/LogicComponentClassDiagram.pptx
@@ -208,7 +208,7 @@
           <a:p>
             <a:fld id="{F5CC4B3F-88C1-4FFA-B1B6-F41C21DC6924}" type="datetimeFigureOut">
               <a:rPr lang="en-US" smtClean="0"/>
-              <a:t>3/14/2017</a:t>
+              <a:t>3/19/2017</a:t>
             </a:fld>
             <a:endParaRPr lang="en-US"/>
           </a:p>
@@ -654,7 +654,7 @@
           <a:p>
             <a:fld id="{78C97017-6FC3-485B-9764-EAC9E56C1D49}" type="datetimeFigureOut">
               <a:rPr lang="en-US" smtClean="0"/>
-              <a:t>3/14/2017</a:t>
+              <a:t>3/19/2017</a:t>
             </a:fld>
             <a:endParaRPr lang="en-US"/>
           </a:p>
@@ -822,7 +822,7 @@
           <a:p>
             <a:fld id="{78C97017-6FC3-485B-9764-EAC9E56C1D49}" type="datetimeFigureOut">
               <a:rPr lang="en-US" smtClean="0"/>
-              <a:t>3/14/2017</a:t>
+              <a:t>3/19/2017</a:t>
             </a:fld>
             <a:endParaRPr lang="en-US"/>
           </a:p>
@@ -1000,7 +1000,7 @@
           <a:p>
             <a:fld id="{78C97017-6FC3-485B-9764-EAC9E56C1D49}" type="datetimeFigureOut">
               <a:rPr lang="en-US" smtClean="0"/>
-              <a:t>3/14/2017</a:t>
+              <a:t>3/19/2017</a:t>
             </a:fld>
             <a:endParaRPr lang="en-US"/>
           </a:p>
@@ -1168,7 +1168,7 @@
           <a:p>
             <a:fld id="{78C97017-6FC3-485B-9764-EAC9E56C1D49}" type="datetimeFigureOut">
               <a:rPr lang="en-US" smtClean="0"/>
-              <a:t>3/14/2017</a:t>
+              <a:t>3/19/2017</a:t>
             </a:fld>
             <a:endParaRPr lang="en-US"/>
           </a:p>
@@ -1413,7 +1413,7 @@
           <a:p>
             <a:fld id="{78C97017-6FC3-485B-9764-EAC9E56C1D49}" type="datetimeFigureOut">
               <a:rPr lang="en-US" smtClean="0"/>
-              <a:t>3/14/2017</a:t>
+              <a:t>3/19/2017</a:t>
             </a:fld>
             <a:endParaRPr lang="en-US"/>
           </a:p>
@@ -1698,7 +1698,7 @@
           <a:p>
             <a:fld id="{78C97017-6FC3-485B-9764-EAC9E56C1D49}" type="datetimeFigureOut">
               <a:rPr lang="en-US" smtClean="0"/>
-              <a:t>3/14/2017</a:t>
+              <a:t>3/19/2017</a:t>
             </a:fld>
             <a:endParaRPr lang="en-US"/>
           </a:p>
@@ -2117,7 +2117,7 @@
           <a:p>
             <a:fld id="{78C97017-6FC3-485B-9764-EAC9E56C1D49}" type="datetimeFigureOut">
               <a:rPr lang="en-US" smtClean="0"/>
-              <a:t>3/14/2017</a:t>
+              <a:t>3/19/2017</a:t>
             </a:fld>
             <a:endParaRPr lang="en-US"/>
           </a:p>
@@ -2234,7 +2234,7 @@
           <a:p>
             <a:fld id="{78C97017-6FC3-485B-9764-EAC9E56C1D49}" type="datetimeFigureOut">
               <a:rPr lang="en-US" smtClean="0"/>
-              <a:t>3/14/2017</a:t>
+              <a:t>3/19/2017</a:t>
             </a:fld>
             <a:endParaRPr lang="en-US"/>
           </a:p>
@@ -2329,7 +2329,7 @@
           <a:p>
             <a:fld id="{78C97017-6FC3-485B-9764-EAC9E56C1D49}" type="datetimeFigureOut">
               <a:rPr lang="en-US" smtClean="0"/>
-              <a:t>3/14/2017</a:t>
+              <a:t>3/19/2017</a:t>
             </a:fld>
             <a:endParaRPr lang="en-US"/>
           </a:p>
@@ -2604,7 +2604,7 @@
           <a:p>
             <a:fld id="{78C97017-6FC3-485B-9764-EAC9E56C1D49}" type="datetimeFigureOut">
               <a:rPr lang="en-US" smtClean="0"/>
-              <a:t>3/14/2017</a:t>
+              <a:t>3/19/2017</a:t>
             </a:fld>
             <a:endParaRPr lang="en-US"/>
           </a:p>
@@ -2856,7 +2856,7 @@
           <a:p>
             <a:fld id="{78C97017-6FC3-485B-9764-EAC9E56C1D49}" type="datetimeFigureOut">
               <a:rPr lang="en-US" smtClean="0"/>
-              <a:t>3/14/2017</a:t>
+              <a:t>3/19/2017</a:t>
             </a:fld>
             <a:endParaRPr lang="en-US"/>
           </a:p>
@@ -3067,7 +3067,7 @@
           <a:p>
             <a:fld id="{78C97017-6FC3-485B-9764-EAC9E56C1D49}" type="datetimeFigureOut">
               <a:rPr lang="en-US" smtClean="0"/>
-              <a:t>3/14/2017</a:t>
+              <a:t>3/19/2017</a:t>
             </a:fld>
             <a:endParaRPr lang="en-US"/>
           </a:p>
@@ -5030,7 +5030,7 @@
         </p:nvSpPr>
         <p:spPr>
           <a:xfrm>
-            <a:off x="3174214" y="1905000"/>
+            <a:off x="3174214" y="1862795"/>
             <a:ext cx="751107" cy="346760"/>
           </a:xfrm>
           <a:prstGeom prst="rect">
@@ -5072,7 +5072,7 @@
           <a:p>
             <a:pPr algn="ctr"/>
             <a:r>
-              <a:rPr lang="en-US" sz="1050" dirty="0">
+              <a:rPr lang="en-US" sz="1050">
                 <a:solidFill>
                   <a:schemeClr val="bg1"/>
                 </a:solidFill>
@@ -5080,14 +5080,14 @@
               <a:t>Argument</a:t>
             </a:r>
             <a:br>
-              <a:rPr lang="en-US" sz="1050" dirty="0">
+              <a:rPr lang="en-US" sz="1050">
                 <a:solidFill>
                   <a:schemeClr val="bg1"/>
                 </a:solidFill>
               </a:rPr>
             </a:br>
             <a:r>
-              <a:rPr lang="en-US" sz="1050" dirty="0">
+              <a:rPr lang="en-US" sz="1050">
                 <a:solidFill>
                   <a:schemeClr val="bg1"/>
                 </a:solidFill>
@@ -5652,7 +5652,7 @@
         </p:nvCxnSpPr>
         <p:spPr>
           <a:xfrm>
-            <a:off x="3925321" y="2078380"/>
+            <a:off x="3925321" y="2036175"/>
             <a:ext cx="327805" cy="107"/>
           </a:xfrm>
           <a:prstGeom prst="line">
@@ -5697,8 +5697,8 @@
         </p:nvCxnSpPr>
         <p:spPr>
           <a:xfrm rot="10800000" flipV="1">
-            <a:off x="2601618" y="2078379"/>
-            <a:ext cx="572596" cy="376101"/>
+            <a:off x="2601618" y="2036175"/>
+            <a:ext cx="572596" cy="418306"/>
           </a:xfrm>
           <a:prstGeom prst="bentConnector2">
             <a:avLst/>
@@ -6279,9 +6279,9 @@
           <p:nvPr/>
         </p:nvCxnSpPr>
         <p:spPr>
-          <a:xfrm flipH="1">
-            <a:off x="4248488" y="2078487"/>
-            <a:ext cx="4638" cy="1260312"/>
+          <a:xfrm>
+            <a:off x="4248488" y="2033984"/>
+            <a:ext cx="0" cy="1304815"/>
           </a:xfrm>
           <a:prstGeom prst="line">
             <a:avLst/>
@@ -6450,8 +6450,8 @@
         </p:nvSpPr>
         <p:spPr>
           <a:xfrm>
-            <a:off x="3139577" y="2450741"/>
-            <a:ext cx="825134" cy="174580"/>
+            <a:off x="3174214" y="2370131"/>
+            <a:ext cx="750156" cy="340758"/>
           </a:xfrm>
           <a:prstGeom prst="rect">
             <a:avLst/>
@@ -6497,7 +6497,22 @@
                   <a:schemeClr val="bg1"/>
                 </a:solidFill>
               </a:rPr>
-              <a:t>Arguments</a:t>
+              <a:t>Argument</a:t>
+            </a:r>
+            <a:br>
+              <a:rPr lang="en-SG" sz="1050" dirty="0">
+                <a:solidFill>
+                  <a:schemeClr val="bg1"/>
+                </a:solidFill>
+              </a:rPr>
+            </a:br>
+            <a:r>
+              <a:rPr lang="en-SG" sz="1050" dirty="0">
+                <a:solidFill>
+                  <a:schemeClr val="bg1"/>
+                </a:solidFill>
+              </a:rPr>
+              <a:t>Map</a:t>
             </a:r>
           </a:p>
         </p:txBody>
@@ -6514,8 +6529,8 @@
         </p:nvCxnSpPr>
         <p:spPr>
           <a:xfrm rot="10800000" flipV="1">
-            <a:off x="2964739" y="2538031"/>
-            <a:ext cx="174838" cy="3740"/>
+            <a:off x="2964740" y="2540509"/>
+            <a:ext cx="209475" cy="1261"/>
           </a:xfrm>
           <a:prstGeom prst="bentConnector3">
             <a:avLst>
@@ -6561,9 +6576,9 @@
           <p:nvPr/>
         </p:nvCxnSpPr>
         <p:spPr>
-          <a:xfrm rot="16200000" flipH="1">
-            <a:off x="3451466" y="2350062"/>
-            <a:ext cx="198981" cy="2376"/>
+          <a:xfrm rot="5400000">
+            <a:off x="3469242" y="2289605"/>
+            <a:ext cx="160576" cy="476"/>
           </a:xfrm>
           <a:prstGeom prst="bentConnector3">
             <a:avLst>
@@ -6609,8 +6624,8 @@
         </p:nvCxnSpPr>
         <p:spPr>
           <a:xfrm flipV="1">
-            <a:off x="3964711" y="2533616"/>
-            <a:ext cx="290331" cy="4415"/>
+            <a:off x="3924370" y="2535795"/>
+            <a:ext cx="322202" cy="4715"/>
           </a:xfrm>
           <a:prstGeom prst="line">
             <a:avLst/>

--- a/docs/diagrams/LogicComponentClassDiagram.pptx
+++ b/docs/diagrams/LogicComponentClassDiagram.pptx
@@ -208,7 +208,7 @@
           <a:p>
             <a:fld id="{F5CC4B3F-88C1-4FFA-B1B6-F41C21DC6924}" type="datetimeFigureOut">
               <a:rPr lang="en-US" smtClean="0"/>
-              <a:t>2/2/2017</a:t>
+              <a:t>3/19/2017</a:t>
             </a:fld>
             <a:endParaRPr lang="en-US"/>
           </a:p>
@@ -272,38 +272,37 @@
           <a:p>
             <a:pPr lvl="0"/>
             <a:r>
-              <a:rPr lang="en-US" smtClean="0"/>
+              <a:rPr lang="en-US"/>
               <a:t>Click to edit Master text styles</a:t>
             </a:r>
           </a:p>
           <a:p>
             <a:pPr lvl="1"/>
             <a:r>
-              <a:rPr lang="en-US" smtClean="0"/>
+              <a:rPr lang="en-US"/>
               <a:t>Second level</a:t>
             </a:r>
           </a:p>
           <a:p>
             <a:pPr lvl="2"/>
             <a:r>
-              <a:rPr lang="en-US" smtClean="0"/>
+              <a:rPr lang="en-US"/>
               <a:t>Third level</a:t>
             </a:r>
           </a:p>
           <a:p>
             <a:pPr lvl="3"/>
             <a:r>
-              <a:rPr lang="en-US" smtClean="0"/>
+              <a:rPr lang="en-US"/>
               <a:t>Fourth level</a:t>
             </a:r>
           </a:p>
           <a:p>
             <a:pPr lvl="4"/>
             <a:r>
-              <a:rPr lang="en-US" smtClean="0"/>
+              <a:rPr lang="en-US"/>
               <a:t>Fifth level</a:t>
             </a:r>
-            <a:endParaRPr lang="en-US"/>
           </a:p>
         </p:txBody>
       </p:sp>
@@ -514,10 +513,9 @@
           <a:lstStyle/>
           <a:p>
             <a:r>
-              <a:rPr lang="en-US" smtClean="0"/>
+              <a:rPr lang="en-US"/>
               <a:t>Click to edit Master title style</a:t>
             </a:r>
-            <a:endParaRPr lang="en-US"/>
           </a:p>
         </p:txBody>
       </p:sp>
@@ -633,10 +631,9 @@
           </a:lstStyle>
           <a:p>
             <a:r>
-              <a:rPr lang="en-US" smtClean="0"/>
+              <a:rPr lang="en-US"/>
               <a:t>Click to edit Master subtitle style</a:t>
             </a:r>
-            <a:endParaRPr lang="en-US"/>
           </a:p>
         </p:txBody>
       </p:sp>
@@ -657,7 +654,7 @@
           <a:p>
             <a:fld id="{78C97017-6FC3-485B-9764-EAC9E56C1D49}" type="datetimeFigureOut">
               <a:rPr lang="en-US" smtClean="0"/>
-              <a:t>2/2/2017</a:t>
+              <a:t>3/19/2017</a:t>
             </a:fld>
             <a:endParaRPr lang="en-US"/>
           </a:p>
@@ -751,10 +748,9 @@
           <a:lstStyle/>
           <a:p>
             <a:r>
-              <a:rPr lang="en-US" smtClean="0"/>
+              <a:rPr lang="en-US"/>
               <a:t>Click to edit Master title style</a:t>
             </a:r>
-            <a:endParaRPr lang="en-US"/>
           </a:p>
         </p:txBody>
       </p:sp>
@@ -775,38 +771,37 @@
           <a:p>
             <a:pPr lvl="0"/>
             <a:r>
-              <a:rPr lang="en-US" smtClean="0"/>
+              <a:rPr lang="en-US"/>
               <a:t>Click to edit Master text styles</a:t>
             </a:r>
           </a:p>
           <a:p>
             <a:pPr lvl="1"/>
             <a:r>
-              <a:rPr lang="en-US" smtClean="0"/>
+              <a:rPr lang="en-US"/>
               <a:t>Second level</a:t>
             </a:r>
           </a:p>
           <a:p>
             <a:pPr lvl="2"/>
             <a:r>
-              <a:rPr lang="en-US" smtClean="0"/>
+              <a:rPr lang="en-US"/>
               <a:t>Third level</a:t>
             </a:r>
           </a:p>
           <a:p>
             <a:pPr lvl="3"/>
             <a:r>
-              <a:rPr lang="en-US" smtClean="0"/>
+              <a:rPr lang="en-US"/>
               <a:t>Fourth level</a:t>
             </a:r>
           </a:p>
           <a:p>
             <a:pPr lvl="4"/>
             <a:r>
-              <a:rPr lang="en-US" smtClean="0"/>
+              <a:rPr lang="en-US"/>
               <a:t>Fifth level</a:t>
             </a:r>
-            <a:endParaRPr lang="en-US"/>
           </a:p>
         </p:txBody>
       </p:sp>
@@ -827,7 +822,7 @@
           <a:p>
             <a:fld id="{78C97017-6FC3-485B-9764-EAC9E56C1D49}" type="datetimeFigureOut">
               <a:rPr lang="en-US" smtClean="0"/>
-              <a:t>2/2/2017</a:t>
+              <a:t>3/19/2017</a:t>
             </a:fld>
             <a:endParaRPr lang="en-US"/>
           </a:p>
@@ -926,10 +921,9 @@
           <a:lstStyle/>
           <a:p>
             <a:r>
-              <a:rPr lang="en-US" smtClean="0"/>
+              <a:rPr lang="en-US"/>
               <a:t>Click to edit Master title style</a:t>
             </a:r>
-            <a:endParaRPr lang="en-US"/>
           </a:p>
         </p:txBody>
       </p:sp>
@@ -955,38 +949,37 @@
           <a:p>
             <a:pPr lvl="0"/>
             <a:r>
-              <a:rPr lang="en-US" smtClean="0"/>
+              <a:rPr lang="en-US"/>
               <a:t>Click to edit Master text styles</a:t>
             </a:r>
           </a:p>
           <a:p>
             <a:pPr lvl="1"/>
             <a:r>
-              <a:rPr lang="en-US" smtClean="0"/>
+              <a:rPr lang="en-US"/>
               <a:t>Second level</a:t>
             </a:r>
           </a:p>
           <a:p>
             <a:pPr lvl="2"/>
             <a:r>
-              <a:rPr lang="en-US" smtClean="0"/>
+              <a:rPr lang="en-US"/>
               <a:t>Third level</a:t>
             </a:r>
           </a:p>
           <a:p>
             <a:pPr lvl="3"/>
             <a:r>
-              <a:rPr lang="en-US" smtClean="0"/>
+              <a:rPr lang="en-US"/>
               <a:t>Fourth level</a:t>
             </a:r>
           </a:p>
           <a:p>
             <a:pPr lvl="4"/>
             <a:r>
-              <a:rPr lang="en-US" smtClean="0"/>
+              <a:rPr lang="en-US"/>
               <a:t>Fifth level</a:t>
             </a:r>
-            <a:endParaRPr lang="en-US"/>
           </a:p>
         </p:txBody>
       </p:sp>
@@ -1007,7 +1000,7 @@
           <a:p>
             <a:fld id="{78C97017-6FC3-485B-9764-EAC9E56C1D49}" type="datetimeFigureOut">
               <a:rPr lang="en-US" smtClean="0"/>
-              <a:t>2/2/2017</a:t>
+              <a:t>3/19/2017</a:t>
             </a:fld>
             <a:endParaRPr lang="en-US"/>
           </a:p>
@@ -1101,10 +1094,9 @@
           <a:lstStyle/>
           <a:p>
             <a:r>
-              <a:rPr lang="en-US" smtClean="0"/>
+              <a:rPr lang="en-US"/>
               <a:t>Click to edit Master title style</a:t>
             </a:r>
-            <a:endParaRPr lang="en-US"/>
           </a:p>
         </p:txBody>
       </p:sp>
@@ -1125,38 +1117,37 @@
           <a:p>
             <a:pPr lvl="0"/>
             <a:r>
-              <a:rPr lang="en-US" smtClean="0"/>
+              <a:rPr lang="en-US"/>
               <a:t>Click to edit Master text styles</a:t>
             </a:r>
           </a:p>
           <a:p>
             <a:pPr lvl="1"/>
             <a:r>
-              <a:rPr lang="en-US" smtClean="0"/>
+              <a:rPr lang="en-US"/>
               <a:t>Second level</a:t>
             </a:r>
           </a:p>
           <a:p>
             <a:pPr lvl="2"/>
             <a:r>
-              <a:rPr lang="en-US" smtClean="0"/>
+              <a:rPr lang="en-US"/>
               <a:t>Third level</a:t>
             </a:r>
           </a:p>
           <a:p>
             <a:pPr lvl="3"/>
             <a:r>
-              <a:rPr lang="en-US" smtClean="0"/>
+              <a:rPr lang="en-US"/>
               <a:t>Fourth level</a:t>
             </a:r>
           </a:p>
           <a:p>
             <a:pPr lvl="4"/>
             <a:r>
-              <a:rPr lang="en-US" smtClean="0"/>
+              <a:rPr lang="en-US"/>
               <a:t>Fifth level</a:t>
             </a:r>
-            <a:endParaRPr lang="en-US"/>
           </a:p>
         </p:txBody>
       </p:sp>
@@ -1177,7 +1168,7 @@
           <a:p>
             <a:fld id="{78C97017-6FC3-485B-9764-EAC9E56C1D49}" type="datetimeFigureOut">
               <a:rPr lang="en-US" smtClean="0"/>
-              <a:t>2/2/2017</a:t>
+              <a:t>3/19/2017</a:t>
             </a:fld>
             <a:endParaRPr lang="en-US"/>
           </a:p>
@@ -1280,10 +1271,9 @@
           </a:lstStyle>
           <a:p>
             <a:r>
-              <a:rPr lang="en-US" smtClean="0"/>
+              <a:rPr lang="en-US"/>
               <a:t>Click to edit Master title style</a:t>
             </a:r>
-            <a:endParaRPr lang="en-US"/>
           </a:p>
         </p:txBody>
       </p:sp>
@@ -1400,7 +1390,7 @@
           <a:p>
             <a:pPr lvl="0"/>
             <a:r>
-              <a:rPr lang="en-US" smtClean="0"/>
+              <a:rPr lang="en-US"/>
               <a:t>Click to edit Master text styles</a:t>
             </a:r>
           </a:p>
@@ -1423,7 +1413,7 @@
           <a:p>
             <a:fld id="{78C97017-6FC3-485B-9764-EAC9E56C1D49}" type="datetimeFigureOut">
               <a:rPr lang="en-US" smtClean="0"/>
-              <a:t>2/2/2017</a:t>
+              <a:t>3/19/2017</a:t>
             </a:fld>
             <a:endParaRPr lang="en-US"/>
           </a:p>
@@ -1517,10 +1507,9 @@
           <a:lstStyle/>
           <a:p>
             <a:r>
-              <a:rPr lang="en-US" smtClean="0"/>
+              <a:rPr lang="en-US"/>
               <a:t>Click to edit Master title style</a:t>
             </a:r>
-            <a:endParaRPr lang="en-US"/>
           </a:p>
         </p:txBody>
       </p:sp>
@@ -1574,38 +1563,37 @@
           <a:p>
             <a:pPr lvl="0"/>
             <a:r>
-              <a:rPr lang="en-US" smtClean="0"/>
+              <a:rPr lang="en-US"/>
               <a:t>Click to edit Master text styles</a:t>
             </a:r>
           </a:p>
           <a:p>
             <a:pPr lvl="1"/>
             <a:r>
-              <a:rPr lang="en-US" smtClean="0"/>
+              <a:rPr lang="en-US"/>
               <a:t>Second level</a:t>
             </a:r>
           </a:p>
           <a:p>
             <a:pPr lvl="2"/>
             <a:r>
-              <a:rPr lang="en-US" smtClean="0"/>
+              <a:rPr lang="en-US"/>
               <a:t>Third level</a:t>
             </a:r>
           </a:p>
           <a:p>
             <a:pPr lvl="3"/>
             <a:r>
-              <a:rPr lang="en-US" smtClean="0"/>
+              <a:rPr lang="en-US"/>
               <a:t>Fourth level</a:t>
             </a:r>
           </a:p>
           <a:p>
             <a:pPr lvl="4"/>
             <a:r>
-              <a:rPr lang="en-US" smtClean="0"/>
+              <a:rPr lang="en-US"/>
               <a:t>Fifth level</a:t>
             </a:r>
-            <a:endParaRPr lang="en-US"/>
           </a:p>
         </p:txBody>
       </p:sp>
@@ -1659,38 +1647,37 @@
           <a:p>
             <a:pPr lvl="0"/>
             <a:r>
-              <a:rPr lang="en-US" smtClean="0"/>
+              <a:rPr lang="en-US"/>
               <a:t>Click to edit Master text styles</a:t>
             </a:r>
           </a:p>
           <a:p>
             <a:pPr lvl="1"/>
             <a:r>
-              <a:rPr lang="en-US" smtClean="0"/>
+              <a:rPr lang="en-US"/>
               <a:t>Second level</a:t>
             </a:r>
           </a:p>
           <a:p>
             <a:pPr lvl="2"/>
             <a:r>
-              <a:rPr lang="en-US" smtClean="0"/>
+              <a:rPr lang="en-US"/>
               <a:t>Third level</a:t>
             </a:r>
           </a:p>
           <a:p>
             <a:pPr lvl="3"/>
             <a:r>
-              <a:rPr lang="en-US" smtClean="0"/>
+              <a:rPr lang="en-US"/>
               <a:t>Fourth level</a:t>
             </a:r>
           </a:p>
           <a:p>
             <a:pPr lvl="4"/>
             <a:r>
-              <a:rPr lang="en-US" smtClean="0"/>
+              <a:rPr lang="en-US"/>
               <a:t>Fifth level</a:t>
             </a:r>
-            <a:endParaRPr lang="en-US"/>
           </a:p>
         </p:txBody>
       </p:sp>
@@ -1711,7 +1698,7 @@
           <a:p>
             <a:fld id="{78C97017-6FC3-485B-9764-EAC9E56C1D49}" type="datetimeFigureOut">
               <a:rPr lang="en-US" smtClean="0"/>
-              <a:t>2/2/2017</a:t>
+              <a:t>3/19/2017</a:t>
             </a:fld>
             <a:endParaRPr lang="en-US"/>
           </a:p>
@@ -1809,10 +1796,9 @@
           </a:lstStyle>
           <a:p>
             <a:r>
-              <a:rPr lang="en-US" smtClean="0"/>
+              <a:rPr lang="en-US"/>
               <a:t>Click to edit Master title style</a:t>
             </a:r>
-            <a:endParaRPr lang="en-US"/>
           </a:p>
         </p:txBody>
       </p:sp>
@@ -1875,7 +1861,7 @@
           <a:p>
             <a:pPr lvl="0"/>
             <a:r>
-              <a:rPr lang="en-US" smtClean="0"/>
+              <a:rPr lang="en-US"/>
               <a:t>Click to edit Master text styles</a:t>
             </a:r>
           </a:p>
@@ -1931,38 +1917,37 @@
           <a:p>
             <a:pPr lvl="0"/>
             <a:r>
-              <a:rPr lang="en-US" smtClean="0"/>
+              <a:rPr lang="en-US"/>
               <a:t>Click to edit Master text styles</a:t>
             </a:r>
           </a:p>
           <a:p>
             <a:pPr lvl="1"/>
             <a:r>
-              <a:rPr lang="en-US" smtClean="0"/>
+              <a:rPr lang="en-US"/>
               <a:t>Second level</a:t>
             </a:r>
           </a:p>
           <a:p>
             <a:pPr lvl="2"/>
             <a:r>
-              <a:rPr lang="en-US" smtClean="0"/>
+              <a:rPr lang="en-US"/>
               <a:t>Third level</a:t>
             </a:r>
           </a:p>
           <a:p>
             <a:pPr lvl="3"/>
             <a:r>
-              <a:rPr lang="en-US" smtClean="0"/>
+              <a:rPr lang="en-US"/>
               <a:t>Fourth level</a:t>
             </a:r>
           </a:p>
           <a:p>
             <a:pPr lvl="4"/>
             <a:r>
-              <a:rPr lang="en-US" smtClean="0"/>
+              <a:rPr lang="en-US"/>
               <a:t>Fifth level</a:t>
             </a:r>
-            <a:endParaRPr lang="en-US"/>
           </a:p>
         </p:txBody>
       </p:sp>
@@ -2025,7 +2010,7 @@
           <a:p>
             <a:pPr lvl="0"/>
             <a:r>
-              <a:rPr lang="en-US" smtClean="0"/>
+              <a:rPr lang="en-US"/>
               <a:t>Click to edit Master text styles</a:t>
             </a:r>
           </a:p>
@@ -2081,38 +2066,37 @@
           <a:p>
             <a:pPr lvl="0"/>
             <a:r>
-              <a:rPr lang="en-US" smtClean="0"/>
+              <a:rPr lang="en-US"/>
               <a:t>Click to edit Master text styles</a:t>
             </a:r>
           </a:p>
           <a:p>
             <a:pPr lvl="1"/>
             <a:r>
-              <a:rPr lang="en-US" smtClean="0"/>
+              <a:rPr lang="en-US"/>
               <a:t>Second level</a:t>
             </a:r>
           </a:p>
           <a:p>
             <a:pPr lvl="2"/>
             <a:r>
-              <a:rPr lang="en-US" smtClean="0"/>
+              <a:rPr lang="en-US"/>
               <a:t>Third level</a:t>
             </a:r>
           </a:p>
           <a:p>
             <a:pPr lvl="3"/>
             <a:r>
-              <a:rPr lang="en-US" smtClean="0"/>
+              <a:rPr lang="en-US"/>
               <a:t>Fourth level</a:t>
             </a:r>
           </a:p>
           <a:p>
             <a:pPr lvl="4"/>
             <a:r>
-              <a:rPr lang="en-US" smtClean="0"/>
+              <a:rPr lang="en-US"/>
               <a:t>Fifth level</a:t>
             </a:r>
-            <a:endParaRPr lang="en-US"/>
           </a:p>
         </p:txBody>
       </p:sp>
@@ -2133,7 +2117,7 @@
           <a:p>
             <a:fld id="{78C97017-6FC3-485B-9764-EAC9E56C1D49}" type="datetimeFigureOut">
               <a:rPr lang="en-US" smtClean="0"/>
-              <a:t>2/2/2017</a:t>
+              <a:t>3/19/2017</a:t>
             </a:fld>
             <a:endParaRPr lang="en-US"/>
           </a:p>
@@ -2227,10 +2211,9 @@
           <a:lstStyle/>
           <a:p>
             <a:r>
-              <a:rPr lang="en-US" smtClean="0"/>
+              <a:rPr lang="en-US"/>
               <a:t>Click to edit Master title style</a:t>
             </a:r>
-            <a:endParaRPr lang="en-US"/>
           </a:p>
         </p:txBody>
       </p:sp>
@@ -2251,7 +2234,7 @@
           <a:p>
             <a:fld id="{78C97017-6FC3-485B-9764-EAC9E56C1D49}" type="datetimeFigureOut">
               <a:rPr lang="en-US" smtClean="0"/>
-              <a:t>2/2/2017</a:t>
+              <a:t>3/19/2017</a:t>
             </a:fld>
             <a:endParaRPr lang="en-US"/>
           </a:p>
@@ -2346,7 +2329,7 @@
           <a:p>
             <a:fld id="{78C97017-6FC3-485B-9764-EAC9E56C1D49}" type="datetimeFigureOut">
               <a:rPr lang="en-US" smtClean="0"/>
-              <a:t>2/2/2017</a:t>
+              <a:t>3/19/2017</a:t>
             </a:fld>
             <a:endParaRPr lang="en-US"/>
           </a:p>
@@ -2449,10 +2432,9 @@
           </a:lstStyle>
           <a:p>
             <a:r>
-              <a:rPr lang="en-US" smtClean="0"/>
+              <a:rPr lang="en-US"/>
               <a:t>Click to edit Master title style</a:t>
             </a:r>
-            <a:endParaRPr lang="en-US"/>
           </a:p>
         </p:txBody>
       </p:sp>
@@ -2506,38 +2488,37 @@
           <a:p>
             <a:pPr lvl="0"/>
             <a:r>
-              <a:rPr lang="en-US" smtClean="0"/>
+              <a:rPr lang="en-US"/>
               <a:t>Click to edit Master text styles</a:t>
             </a:r>
           </a:p>
           <a:p>
             <a:pPr lvl="1"/>
             <a:r>
-              <a:rPr lang="en-US" smtClean="0"/>
+              <a:rPr lang="en-US"/>
               <a:t>Second level</a:t>
             </a:r>
           </a:p>
           <a:p>
             <a:pPr lvl="2"/>
             <a:r>
-              <a:rPr lang="en-US" smtClean="0"/>
+              <a:rPr lang="en-US"/>
               <a:t>Third level</a:t>
             </a:r>
           </a:p>
           <a:p>
             <a:pPr lvl="3"/>
             <a:r>
-              <a:rPr lang="en-US" smtClean="0"/>
+              <a:rPr lang="en-US"/>
               <a:t>Fourth level</a:t>
             </a:r>
           </a:p>
           <a:p>
             <a:pPr lvl="4"/>
             <a:r>
-              <a:rPr lang="en-US" smtClean="0"/>
+              <a:rPr lang="en-US"/>
               <a:t>Fifth level</a:t>
             </a:r>
-            <a:endParaRPr lang="en-US"/>
           </a:p>
         </p:txBody>
       </p:sp>
@@ -2600,7 +2581,7 @@
           <a:p>
             <a:pPr lvl="0"/>
             <a:r>
-              <a:rPr lang="en-US" smtClean="0"/>
+              <a:rPr lang="en-US"/>
               <a:t>Click to edit Master text styles</a:t>
             </a:r>
           </a:p>
@@ -2623,7 +2604,7 @@
           <a:p>
             <a:fld id="{78C97017-6FC3-485B-9764-EAC9E56C1D49}" type="datetimeFigureOut">
               <a:rPr lang="en-US" smtClean="0"/>
-              <a:t>2/2/2017</a:t>
+              <a:t>3/19/2017</a:t>
             </a:fld>
             <a:endParaRPr lang="en-US"/>
           </a:p>
@@ -2726,10 +2707,9 @@
           </a:lstStyle>
           <a:p>
             <a:r>
-              <a:rPr lang="en-US" smtClean="0"/>
+              <a:rPr lang="en-US"/>
               <a:t>Click to edit Master title style</a:t>
             </a:r>
-            <a:endParaRPr lang="en-US"/>
           </a:p>
         </p:txBody>
       </p:sp>
@@ -2853,7 +2833,7 @@
           <a:p>
             <a:pPr lvl="0"/>
             <a:r>
-              <a:rPr lang="en-US" smtClean="0"/>
+              <a:rPr lang="en-US"/>
               <a:t>Click to edit Master text styles</a:t>
             </a:r>
           </a:p>
@@ -2876,7 +2856,7 @@
           <a:p>
             <a:fld id="{78C97017-6FC3-485B-9764-EAC9E56C1D49}" type="datetimeFigureOut">
               <a:rPr lang="en-US" smtClean="0"/>
-              <a:t>2/2/2017</a:t>
+              <a:t>3/19/2017</a:t>
             </a:fld>
             <a:endParaRPr lang="en-US"/>
           </a:p>
@@ -2985,10 +2965,9 @@
           <a:lstStyle/>
           <a:p>
             <a:r>
-              <a:rPr lang="en-US" smtClean="0"/>
+              <a:rPr lang="en-US"/>
               <a:t>Click to edit Master title style</a:t>
             </a:r>
-            <a:endParaRPr lang="en-US"/>
           </a:p>
         </p:txBody>
       </p:sp>
@@ -3019,38 +2998,37 @@
           <a:p>
             <a:pPr lvl="0"/>
             <a:r>
-              <a:rPr lang="en-US" smtClean="0"/>
+              <a:rPr lang="en-US"/>
               <a:t>Click to edit Master text styles</a:t>
             </a:r>
           </a:p>
           <a:p>
             <a:pPr lvl="1"/>
             <a:r>
-              <a:rPr lang="en-US" smtClean="0"/>
+              <a:rPr lang="en-US"/>
               <a:t>Second level</a:t>
             </a:r>
           </a:p>
           <a:p>
             <a:pPr lvl="2"/>
             <a:r>
-              <a:rPr lang="en-US" smtClean="0"/>
+              <a:rPr lang="en-US"/>
               <a:t>Third level</a:t>
             </a:r>
           </a:p>
           <a:p>
             <a:pPr lvl="3"/>
             <a:r>
-              <a:rPr lang="en-US" smtClean="0"/>
+              <a:rPr lang="en-US"/>
               <a:t>Fourth level</a:t>
             </a:r>
           </a:p>
           <a:p>
             <a:pPr lvl="4"/>
             <a:r>
-              <a:rPr lang="en-US" smtClean="0"/>
+              <a:rPr lang="en-US"/>
               <a:t>Fifth level</a:t>
             </a:r>
-            <a:endParaRPr lang="en-US"/>
           </a:p>
         </p:txBody>
       </p:sp>
@@ -3089,7 +3067,7 @@
           <a:p>
             <a:fld id="{78C97017-6FC3-485B-9764-EAC9E56C1D49}" type="datetimeFigureOut">
               <a:rPr lang="en-US" smtClean="0"/>
-              <a:t>2/2/2017</a:t>
+              <a:t>3/19/2017</a:t>
             </a:fld>
             <a:endParaRPr lang="en-US"/>
           </a:p>
@@ -3625,7 +3603,7 @@
           <a:p>
             <a:pPr algn="ctr"/>
             <a:r>
-              <a:rPr lang="en-US" sz="1050" b="1" dirty="0" err="1" smtClean="0">
+              <a:rPr lang="en-US" sz="1050" b="1" dirty="0" err="1">
                 <a:solidFill>
                   <a:srgbClr val="0070C0"/>
                 </a:solidFill>
@@ -3887,7 +3865,7 @@
           <a:p>
             <a:pPr algn="ctr"/>
             <a:r>
-              <a:rPr lang="en-US" sz="1050" b="1" dirty="0" err="1" smtClean="0">
+              <a:rPr lang="en-US" sz="1050" b="1" dirty="0" err="1">
                 <a:solidFill>
                   <a:srgbClr val="0070C0"/>
                 </a:solidFill>
@@ -3943,7 +3921,7 @@
           <a:p>
             <a:pPr algn="ctr"/>
             <a:r>
-              <a:rPr lang="en-US" sz="1050" b="1" dirty="0" smtClean="0">
+              <a:rPr lang="en-US" sz="1050" b="1" dirty="0">
                 <a:solidFill>
                   <a:srgbClr val="0070C0"/>
                 </a:solidFill>
@@ -3951,14 +3929,14 @@
               <a:t>Incorrect</a:t>
             </a:r>
             <a:br>
-              <a:rPr lang="en-US" sz="1050" b="1" dirty="0" smtClean="0">
+              <a:rPr lang="en-US" sz="1050" b="1" dirty="0">
                 <a:solidFill>
                   <a:srgbClr val="0070C0"/>
                 </a:solidFill>
               </a:rPr>
             </a:br>
             <a:r>
-              <a:rPr lang="en-US" sz="1050" b="1" dirty="0" smtClean="0">
+              <a:rPr lang="en-US" sz="1050" b="1" dirty="0">
                 <a:solidFill>
                   <a:srgbClr val="0070C0"/>
                 </a:solidFill>
@@ -4791,7 +4769,7 @@
           <a:p>
             <a:pPr algn="ctr"/>
             <a:r>
-              <a:rPr lang="en-US" sz="1050" b="1" dirty="0" smtClean="0">
+              <a:rPr lang="en-US" sz="1050" b="1" dirty="0">
                 <a:solidFill>
                   <a:srgbClr val="0070C0"/>
                 </a:solidFill>
@@ -4855,7 +4833,7 @@
         </p:nvSpPr>
         <p:spPr>
           <a:xfrm flipH="1">
-            <a:off x="4664592" y="2148937"/>
+            <a:off x="4831294" y="2148937"/>
             <a:ext cx="1093635" cy="346760"/>
           </a:xfrm>
           <a:prstGeom prst="rect">
@@ -4926,7 +4904,7 @@
         </p:nvSpPr>
         <p:spPr>
           <a:xfrm flipH="1">
-            <a:off x="4664592" y="2555337"/>
+            <a:off x="4831294" y="2555337"/>
             <a:ext cx="1093635" cy="346760"/>
           </a:xfrm>
           <a:prstGeom prst="rect">
@@ -4997,7 +4975,7 @@
         </p:nvSpPr>
         <p:spPr>
           <a:xfrm flipH="1">
-            <a:off x="4664590" y="2977582"/>
+            <a:off x="4831292" y="2977582"/>
             <a:ext cx="1093635" cy="346760"/>
           </a:xfrm>
           <a:prstGeom prst="rect">
@@ -5052,7 +5030,7 @@
         </p:nvSpPr>
         <p:spPr>
           <a:xfrm>
-            <a:off x="2807288" y="1905000"/>
+            <a:off x="3174214" y="1862795"/>
             <a:ext cx="751107" cy="346760"/>
           </a:xfrm>
           <a:prstGeom prst="rect">
@@ -5094,7 +5072,7 @@
           <a:p>
             <a:pPr algn="ctr"/>
             <a:r>
-              <a:rPr lang="en-US" sz="1050" dirty="0" smtClean="0">
+              <a:rPr lang="en-US" sz="1050">
                 <a:solidFill>
                   <a:schemeClr val="bg1"/>
                 </a:solidFill>
@@ -5102,14 +5080,14 @@
               <a:t>Argument</a:t>
             </a:r>
             <a:br>
-              <a:rPr lang="en-US" sz="1050" dirty="0" smtClean="0">
+              <a:rPr lang="en-US" sz="1050">
                 <a:solidFill>
                   <a:schemeClr val="bg1"/>
                 </a:solidFill>
               </a:rPr>
             </a:br>
             <a:r>
-              <a:rPr lang="en-US" sz="1050" dirty="0" smtClean="0">
+              <a:rPr lang="en-US" sz="1050">
                 <a:solidFill>
                   <a:schemeClr val="bg1"/>
                 </a:solidFill>
@@ -5132,7 +5110,7 @@
         </p:nvSpPr>
         <p:spPr>
           <a:xfrm>
-            <a:off x="2813291" y="2432664"/>
+            <a:off x="2238496" y="2454481"/>
             <a:ext cx="726243" cy="174580"/>
           </a:xfrm>
           <a:prstGeom prst="rect">
@@ -5174,7 +5152,7 @@
           <a:p>
             <a:pPr algn="ctr"/>
             <a:r>
-              <a:rPr lang="en-US" sz="1050" dirty="0" smtClean="0">
+              <a:rPr lang="en-US" sz="1050" dirty="0">
                 <a:solidFill>
                   <a:schemeClr val="bg1"/>
                 </a:solidFill>
@@ -5197,9 +5175,9 @@
         </p:nvGrpSpPr>
         <p:grpSpPr>
           <a:xfrm rot="5400000">
-            <a:off x="5941795" y="1962201"/>
+            <a:off x="6088711" y="1962201"/>
             <a:ext cx="254462" cy="555486"/>
-            <a:chOff x="3949242" y="712012"/>
+            <a:chOff x="3949242" y="578739"/>
             <a:chExt cx="254462" cy="503902"/>
           </a:xfrm>
         </p:grpSpPr>
@@ -5211,7 +5189,7 @@
           </p:nvSpPr>
           <p:spPr>
             <a:xfrm rot="16200000">
-              <a:off x="3824522" y="836732"/>
+              <a:off x="3824522" y="703459"/>
               <a:ext cx="503902" cy="254462"/>
             </a:xfrm>
             <a:prstGeom prst="rect">
@@ -5226,7 +5204,7 @@
             <a:lstStyle/>
             <a:p>
               <a:r>
-                <a:rPr lang="en-US" sz="1100" dirty="0" smtClean="0">
+                <a:rPr lang="en-US" sz="1100" dirty="0">
                   <a:solidFill>
                     <a:schemeClr val="accent5">
                       <a:lumMod val="75000"/>
@@ -5253,7 +5231,7 @@
           </p:nvSpPr>
           <p:spPr>
             <a:xfrm rot="10800000" flipV="1">
-              <a:off x="3979474" y="751200"/>
+              <a:off x="3979474" y="617927"/>
               <a:ext cx="132157" cy="79956"/>
             </a:xfrm>
             <a:prstGeom prst="triangle">
@@ -5302,9 +5280,9 @@
         </p:nvGrpSpPr>
         <p:grpSpPr>
           <a:xfrm rot="5400000">
-            <a:off x="5962853" y="2347569"/>
+            <a:off x="6098740" y="2390577"/>
             <a:ext cx="254462" cy="555486"/>
-            <a:chOff x="3949242" y="712012"/>
+            <a:chOff x="3965759" y="592436"/>
             <a:chExt cx="254462" cy="503902"/>
           </a:xfrm>
         </p:grpSpPr>
@@ -5316,7 +5294,7 @@
           </p:nvSpPr>
           <p:spPr>
             <a:xfrm rot="16200000">
-              <a:off x="3824522" y="836732"/>
+              <a:off x="3841039" y="717156"/>
               <a:ext cx="503902" cy="254462"/>
             </a:xfrm>
             <a:prstGeom prst="rect">
@@ -5331,7 +5309,7 @@
             <a:lstStyle/>
             <a:p>
               <a:r>
-                <a:rPr lang="en-US" sz="1100" dirty="0" smtClean="0">
+                <a:rPr lang="en-US" sz="1100" dirty="0">
                   <a:solidFill>
                     <a:schemeClr val="accent5">
                       <a:lumMod val="75000"/>
@@ -5358,7 +5336,7 @@
           </p:nvSpPr>
           <p:spPr>
             <a:xfrm rot="10800000" flipV="1">
-              <a:off x="3979474" y="751200"/>
+              <a:off x="3995991" y="631624"/>
               <a:ext cx="132157" cy="79956"/>
             </a:xfrm>
             <a:prstGeom prst="triangle">
@@ -5407,7 +5385,7 @@
         </p:nvSpPr>
         <p:spPr>
           <a:xfrm>
-            <a:off x="2819400" y="2841725"/>
+            <a:off x="3186326" y="2841725"/>
             <a:ext cx="731636" cy="283820"/>
           </a:xfrm>
           <a:prstGeom prst="rect">
@@ -5449,7 +5427,7 @@
           <a:p>
             <a:pPr algn="ctr"/>
             <a:r>
-              <a:rPr lang="en-SG" sz="1050" dirty="0" err="1" smtClean="0">
+              <a:rPr lang="en-SG" sz="1050" dirty="0" err="1">
                 <a:solidFill>
                   <a:schemeClr val="bg1"/>
                 </a:solidFill>
@@ -5472,7 +5450,7 @@
         </p:nvSpPr>
         <p:spPr>
           <a:xfrm>
-            <a:off x="2819400" y="3190882"/>
+            <a:off x="3186326" y="3190882"/>
             <a:ext cx="731636" cy="283820"/>
           </a:xfrm>
           <a:prstGeom prst="rect">
@@ -5514,7 +5492,7 @@
           <a:p>
             <a:pPr algn="ctr"/>
             <a:r>
-              <a:rPr lang="en-SG" sz="1050" dirty="0" err="1" smtClean="0">
+              <a:rPr lang="en-SG" sz="1050" dirty="0" err="1">
                 <a:solidFill>
                   <a:schemeClr val="bg1"/>
                 </a:solidFill>
@@ -5533,13 +5511,14 @@
         <p:nvCxnSpPr>
           <p:cNvPr id="100" name="Straight Arrow Connector 99"/>
           <p:cNvCxnSpPr>
+            <a:cxnSpLocks/>
             <a:endCxn id="60" idx="3"/>
           </p:cNvCxnSpPr>
           <p:nvPr/>
         </p:nvCxnSpPr>
         <p:spPr>
           <a:xfrm flipH="1">
-            <a:off x="3551036" y="2983635"/>
+            <a:off x="3917962" y="2983635"/>
             <a:ext cx="335164" cy="0"/>
           </a:xfrm>
           <a:prstGeom prst="straightConnector1">
@@ -5575,13 +5554,16 @@
       <p:cxnSp>
         <p:nvCxnSpPr>
           <p:cNvPr id="105" name="Straight Arrow Connector 104"/>
-          <p:cNvCxnSpPr/>
+          <p:cNvCxnSpPr>
+            <a:cxnSpLocks/>
+            <a:endCxn id="62" idx="3"/>
+          </p:cNvCxnSpPr>
           <p:nvPr/>
         </p:nvCxnSpPr>
         <p:spPr>
-          <a:xfrm flipH="1" flipV="1">
-            <a:off x="3558396" y="3297471"/>
-            <a:ext cx="327804" cy="5426"/>
+          <a:xfrm flipH="1">
+            <a:off x="3917962" y="3332439"/>
+            <a:ext cx="335164" cy="353"/>
           </a:xfrm>
           <a:prstGeom prst="straightConnector1">
             <a:avLst/>
@@ -5617,19 +5599,19 @@
         <p:nvCxnSpPr>
           <p:cNvPr id="13" name="Elbow Connector 12"/>
           <p:cNvCxnSpPr>
-            <a:stCxn id="60" idx="0"/>
+            <a:cxnSpLocks/>
+            <a:stCxn id="60" idx="1"/>
+            <a:endCxn id="58" idx="2"/>
           </p:cNvCxnSpPr>
           <p:nvPr/>
         </p:nvCxnSpPr>
         <p:spPr>
-          <a:xfrm rot="16200000" flipV="1">
-            <a:off x="3063575" y="2720082"/>
-            <a:ext cx="234481" cy="8806"/>
-          </a:xfrm>
-          <a:prstGeom prst="bentConnector3">
-            <a:avLst>
-              <a:gd name="adj1" fmla="val 50000"/>
-            </a:avLst>
+          <a:xfrm rot="10800000">
+            <a:off x="2601618" y="2629061"/>
+            <a:ext cx="584708" cy="354574"/>
+          </a:xfrm>
+          <a:prstGeom prst="bentConnector2">
+            <a:avLst/>
           </a:prstGeom>
           <a:ln w="19050">
             <a:solidFill>
@@ -5662,13 +5644,16 @@
       <p:cxnSp>
         <p:nvCxnSpPr>
           <p:cNvPr id="47" name="Straight Connector 46"/>
-          <p:cNvCxnSpPr/>
+          <p:cNvCxnSpPr>
+            <a:cxnSpLocks/>
+            <a:stCxn id="56" idx="3"/>
+          </p:cNvCxnSpPr>
           <p:nvPr/>
         </p:nvCxnSpPr>
         <p:spPr>
           <a:xfrm>
-            <a:off x="3539534" y="2078487"/>
-            <a:ext cx="346666" cy="0"/>
+            <a:off x="3925321" y="2036175"/>
+            <a:ext cx="327805" cy="107"/>
           </a:xfrm>
           <a:prstGeom prst="line">
             <a:avLst/>
@@ -5704,20 +5689,19 @@
         <p:nvCxnSpPr>
           <p:cNvPr id="50" name="Elbow Connector 49"/>
           <p:cNvCxnSpPr>
-            <a:stCxn id="56" idx="2"/>
+            <a:cxnSpLocks/>
+            <a:stCxn id="56" idx="1"/>
             <a:endCxn id="58" idx="0"/>
           </p:cNvCxnSpPr>
           <p:nvPr/>
         </p:nvCxnSpPr>
         <p:spPr>
-          <a:xfrm rot="5400000">
-            <a:off x="3089176" y="2338998"/>
-            <a:ext cx="180904" cy="6429"/>
-          </a:xfrm>
-          <a:prstGeom prst="bentConnector3">
-            <a:avLst>
-              <a:gd name="adj1" fmla="val 50000"/>
-            </a:avLst>
+          <a:xfrm rot="10800000" flipV="1">
+            <a:off x="2601618" y="2036175"/>
+            <a:ext cx="572596" cy="418306"/>
+          </a:xfrm>
+          <a:prstGeom prst="bentConnector2">
+            <a:avLst/>
           </a:prstGeom>
           <a:ln w="19050">
             <a:solidFill>
@@ -5755,9 +5739,9 @@
         </p:nvGrpSpPr>
         <p:grpSpPr>
           <a:xfrm rot="5400000">
-            <a:off x="4090826" y="3633626"/>
+            <a:off x="4346209" y="3538793"/>
             <a:ext cx="555486" cy="254462"/>
-            <a:chOff x="3798139" y="875689"/>
+            <a:chOff x="3703306" y="644022"/>
             <a:chExt cx="555486" cy="230832"/>
           </a:xfrm>
         </p:grpSpPr>
@@ -5769,7 +5753,7 @@
           </p:nvSpPr>
           <p:spPr>
             <a:xfrm rot="10800000">
-              <a:off x="3798139" y="875689"/>
+              <a:off x="3703306" y="644022"/>
               <a:ext cx="555486" cy="230832"/>
             </a:xfrm>
             <a:prstGeom prst="rect">
@@ -5784,7 +5768,7 @@
             <a:lstStyle/>
             <a:p>
               <a:r>
-                <a:rPr lang="en-US" sz="1100" dirty="0" smtClean="0">
+                <a:rPr lang="en-US" sz="1100" dirty="0">
                   <a:solidFill>
                     <a:schemeClr val="accent5">
                       <a:lumMod val="75000"/>
@@ -5811,7 +5795,7 @@
           </p:nvSpPr>
           <p:spPr>
             <a:xfrm rot="5400000" flipV="1">
-              <a:off x="3795127" y="973354"/>
+              <a:off x="3700294" y="741689"/>
               <a:ext cx="119885" cy="88141"/>
             </a:xfrm>
             <a:prstGeom prst="triangle">
@@ -6066,145 +6050,7 @@
         <p:spPr>
           <a:xfrm flipV="1">
             <a:off x="4114800" y="3150962"/>
-            <a:ext cx="549790" cy="797920"/>
-          </a:xfrm>
-          <a:prstGeom prst="bentConnector3">
-            <a:avLst>
-              <a:gd name="adj1" fmla="val 14720"/>
-            </a:avLst>
-          </a:prstGeom>
-          <a:ln w="19050">
-            <a:solidFill>
-              <a:schemeClr val="accent5">
-                <a:lumMod val="75000"/>
-              </a:schemeClr>
-            </a:solidFill>
-            <a:prstDash val="sysDot"/>
-            <a:headEnd type="none" w="med" len="med"/>
-            <a:tailEnd type="arrow" w="med" len="med"/>
-          </a:ln>
-          <a:effectLst/>
-        </p:spPr>
-        <p:style>
-          <a:lnRef idx="1">
-            <a:schemeClr val="accent2"/>
-          </a:lnRef>
-          <a:fillRef idx="2">
-            <a:schemeClr val="accent2"/>
-          </a:fillRef>
-          <a:effectRef idx="1">
-            <a:schemeClr val="accent2"/>
-          </a:effectRef>
-          <a:fontRef idx="minor">
-            <a:schemeClr val="dk1"/>
-          </a:fontRef>
-        </p:style>
-      </p:cxnSp>
-      <p:cxnSp>
-        <p:nvCxnSpPr>
-          <p:cNvPr id="113" name="Elbow Connector 63"/>
-          <p:cNvCxnSpPr>
-            <a:stCxn id="16" idx="3"/>
-            <a:endCxn id="44" idx="3"/>
-          </p:cNvCxnSpPr>
-          <p:nvPr/>
-        </p:nvCxnSpPr>
-        <p:spPr>
-          <a:xfrm flipV="1">
-            <a:off x="4114800" y="2728717"/>
-            <a:ext cx="549792" cy="1220165"/>
-          </a:xfrm>
-          <a:prstGeom prst="bentConnector3">
-            <a:avLst>
-              <a:gd name="adj1" fmla="val 14720"/>
-            </a:avLst>
-          </a:prstGeom>
-          <a:ln w="19050">
-            <a:solidFill>
-              <a:schemeClr val="accent5">
-                <a:lumMod val="75000"/>
-              </a:schemeClr>
-            </a:solidFill>
-            <a:prstDash val="sysDot"/>
-            <a:headEnd type="none" w="med" len="med"/>
-            <a:tailEnd type="arrow" w="med" len="med"/>
-          </a:ln>
-          <a:effectLst/>
-        </p:spPr>
-        <p:style>
-          <a:lnRef idx="1">
-            <a:schemeClr val="accent2"/>
-          </a:lnRef>
-          <a:fillRef idx="2">
-            <a:schemeClr val="accent2"/>
-          </a:fillRef>
-          <a:effectRef idx="1">
-            <a:schemeClr val="accent2"/>
-          </a:effectRef>
-          <a:fontRef idx="minor">
-            <a:schemeClr val="dk1"/>
-          </a:fontRef>
-        </p:style>
-      </p:cxnSp>
-      <p:cxnSp>
-        <p:nvCxnSpPr>
-          <p:cNvPr id="116" name="Elbow Connector 63"/>
-          <p:cNvCxnSpPr>
-            <a:stCxn id="16" idx="3"/>
-            <a:endCxn id="42" idx="3"/>
-          </p:cNvCxnSpPr>
-          <p:nvPr/>
-        </p:nvCxnSpPr>
-        <p:spPr>
-          <a:xfrm flipV="1">
-            <a:off x="4114800" y="2322317"/>
-            <a:ext cx="549792" cy="1626565"/>
-          </a:xfrm>
-          <a:prstGeom prst="bentConnector3">
-            <a:avLst>
-              <a:gd name="adj1" fmla="val 14721"/>
-            </a:avLst>
-          </a:prstGeom>
-          <a:ln w="19050">
-            <a:solidFill>
-              <a:schemeClr val="accent5">
-                <a:lumMod val="75000"/>
-              </a:schemeClr>
-            </a:solidFill>
-            <a:prstDash val="sysDot"/>
-            <a:headEnd type="none" w="med" len="med"/>
-            <a:tailEnd type="arrow" w="med" len="med"/>
-          </a:ln>
-          <a:effectLst/>
-        </p:spPr>
-        <p:style>
-          <a:lnRef idx="1">
-            <a:schemeClr val="accent2"/>
-          </a:lnRef>
-          <a:fillRef idx="2">
-            <a:schemeClr val="accent2"/>
-          </a:fillRef>
-          <a:effectRef idx="1">
-            <a:schemeClr val="accent2"/>
-          </a:effectRef>
-          <a:fontRef idx="minor">
-            <a:schemeClr val="dk1"/>
-          </a:fontRef>
-        </p:style>
-      </p:cxnSp>
-      <p:cxnSp>
-        <p:nvCxnSpPr>
-          <p:cNvPr id="120" name="Elbow Connector 63"/>
-          <p:cNvCxnSpPr>
-            <a:stCxn id="44" idx="1"/>
-            <a:endCxn id="10" idx="3"/>
-          </p:cNvCxnSpPr>
-          <p:nvPr/>
-        </p:nvCxnSpPr>
-        <p:spPr>
-          <a:xfrm flipV="1">
-            <a:off x="5758227" y="2728300"/>
-            <a:ext cx="768138" cy="417"/>
+            <a:ext cx="716492" cy="797920"/>
           </a:xfrm>
           <a:prstGeom prst="bentConnector3">
             <a:avLst>
@@ -6240,17 +6086,17 @@
       </p:cxnSp>
       <p:cxnSp>
         <p:nvCxnSpPr>
-          <p:cNvPr id="122" name="Elbow Connector 63"/>
+          <p:cNvPr id="113" name="Elbow Connector 63"/>
           <p:cNvCxnSpPr>
-            <a:stCxn id="42" idx="1"/>
-            <a:endCxn id="4" idx="3"/>
+            <a:stCxn id="16" idx="3"/>
+            <a:endCxn id="44" idx="3"/>
           </p:cNvCxnSpPr>
           <p:nvPr/>
         </p:nvCxnSpPr>
         <p:spPr>
-          <a:xfrm>
-            <a:off x="5758227" y="2322317"/>
-            <a:ext cx="762000" cy="230"/>
+          <a:xfrm flipV="1">
+            <a:off x="4114800" y="2728717"/>
+            <a:ext cx="716494" cy="1220165"/>
           </a:xfrm>
           <a:prstGeom prst="bentConnector3">
             <a:avLst>
@@ -6286,14 +6132,156 @@
       </p:cxnSp>
       <p:cxnSp>
         <p:nvCxnSpPr>
-          <p:cNvPr id="64" name="Straight Connector 63"/>
-          <p:cNvCxnSpPr/>
+          <p:cNvPr id="116" name="Elbow Connector 63"/>
+          <p:cNvCxnSpPr>
+            <a:stCxn id="16" idx="3"/>
+            <a:endCxn id="42" idx="3"/>
+          </p:cNvCxnSpPr>
           <p:nvPr/>
         </p:nvCxnSpPr>
         <p:spPr>
+          <a:xfrm flipV="1">
+            <a:off x="4114800" y="2322317"/>
+            <a:ext cx="716494" cy="1626565"/>
+          </a:xfrm>
+          <a:prstGeom prst="bentConnector3">
+            <a:avLst>
+              <a:gd name="adj1" fmla="val 50000"/>
+            </a:avLst>
+          </a:prstGeom>
+          <a:ln w="19050">
+            <a:solidFill>
+              <a:schemeClr val="accent5">
+                <a:lumMod val="75000"/>
+              </a:schemeClr>
+            </a:solidFill>
+            <a:prstDash val="sysDot"/>
+            <a:headEnd type="none" w="med" len="med"/>
+            <a:tailEnd type="arrow" w="med" len="med"/>
+          </a:ln>
+          <a:effectLst/>
+        </p:spPr>
+        <p:style>
+          <a:lnRef idx="1">
+            <a:schemeClr val="accent2"/>
+          </a:lnRef>
+          <a:fillRef idx="2">
+            <a:schemeClr val="accent2"/>
+          </a:fillRef>
+          <a:effectRef idx="1">
+            <a:schemeClr val="accent2"/>
+          </a:effectRef>
+          <a:fontRef idx="minor">
+            <a:schemeClr val="dk1"/>
+          </a:fontRef>
+        </p:style>
+      </p:cxnSp>
+      <p:cxnSp>
+        <p:nvCxnSpPr>
+          <p:cNvPr id="120" name="Elbow Connector 63"/>
+          <p:cNvCxnSpPr>
+            <a:cxnSpLocks/>
+            <a:stCxn id="44" idx="1"/>
+            <a:endCxn id="10" idx="3"/>
+          </p:cNvCxnSpPr>
+          <p:nvPr/>
+        </p:nvCxnSpPr>
+        <p:spPr>
+          <a:xfrm flipV="1">
+            <a:off x="5924929" y="2728300"/>
+            <a:ext cx="601436" cy="417"/>
+          </a:xfrm>
+          <a:prstGeom prst="bentConnector3">
+            <a:avLst>
+              <a:gd name="adj1" fmla="val 50000"/>
+            </a:avLst>
+          </a:prstGeom>
+          <a:ln w="19050">
+            <a:solidFill>
+              <a:schemeClr val="accent5">
+                <a:lumMod val="75000"/>
+              </a:schemeClr>
+            </a:solidFill>
+            <a:prstDash val="sysDot"/>
+            <a:headEnd type="none" w="med" len="med"/>
+            <a:tailEnd type="arrow" w="med" len="med"/>
+          </a:ln>
+          <a:effectLst/>
+        </p:spPr>
+        <p:style>
+          <a:lnRef idx="1">
+            <a:schemeClr val="accent2"/>
+          </a:lnRef>
+          <a:fillRef idx="2">
+            <a:schemeClr val="accent2"/>
+          </a:fillRef>
+          <a:effectRef idx="1">
+            <a:schemeClr val="accent2"/>
+          </a:effectRef>
+          <a:fontRef idx="minor">
+            <a:schemeClr val="dk1"/>
+          </a:fontRef>
+        </p:style>
+      </p:cxnSp>
+      <p:cxnSp>
+        <p:nvCxnSpPr>
+          <p:cNvPr id="122" name="Elbow Connector 63"/>
+          <p:cNvCxnSpPr>
+            <a:cxnSpLocks/>
+            <a:stCxn id="42" idx="1"/>
+            <a:endCxn id="4" idx="3"/>
+          </p:cNvCxnSpPr>
+          <p:nvPr/>
+        </p:nvCxnSpPr>
+        <p:spPr>
           <a:xfrm>
-            <a:off x="3886200" y="2078487"/>
-            <a:ext cx="0" cy="1218984"/>
+            <a:off x="5924929" y="2322317"/>
+            <a:ext cx="595298" cy="230"/>
+          </a:xfrm>
+          <a:prstGeom prst="bentConnector3">
+            <a:avLst>
+              <a:gd name="adj1" fmla="val 50000"/>
+            </a:avLst>
+          </a:prstGeom>
+          <a:ln w="19050">
+            <a:solidFill>
+              <a:schemeClr val="accent5">
+                <a:lumMod val="75000"/>
+              </a:schemeClr>
+            </a:solidFill>
+            <a:prstDash val="sysDot"/>
+            <a:headEnd type="none" w="med" len="med"/>
+            <a:tailEnd type="arrow" w="med" len="med"/>
+          </a:ln>
+          <a:effectLst/>
+        </p:spPr>
+        <p:style>
+          <a:lnRef idx="1">
+            <a:schemeClr val="accent2"/>
+          </a:lnRef>
+          <a:fillRef idx="2">
+            <a:schemeClr val="accent2"/>
+          </a:fillRef>
+          <a:effectRef idx="1">
+            <a:schemeClr val="accent2"/>
+          </a:effectRef>
+          <a:fontRef idx="minor">
+            <a:schemeClr val="dk1"/>
+          </a:fontRef>
+        </p:style>
+      </p:cxnSp>
+      <p:cxnSp>
+        <p:nvCxnSpPr>
+          <p:cNvPr id="64" name="Straight Connector 63"/>
+          <p:cNvCxnSpPr>
+            <a:cxnSpLocks/>
+          </p:cNvCxnSpPr>
+          <p:nvPr/>
+        </p:nvCxnSpPr>
+        <p:spPr>
+          <a:xfrm>
+            <a:off x="4248488" y="2033984"/>
+            <a:ext cx="0" cy="1304815"/>
           </a:xfrm>
           <a:prstGeom prst="line">
             <a:avLst/>
@@ -6328,13 +6316,15 @@
       <p:cxnSp>
         <p:nvCxnSpPr>
           <p:cNvPr id="66" name="Straight Connector 65"/>
-          <p:cNvCxnSpPr/>
+          <p:cNvCxnSpPr>
+            <a:cxnSpLocks/>
+          </p:cNvCxnSpPr>
           <p:nvPr/>
         </p:nvCxnSpPr>
         <p:spPr>
           <a:xfrm>
-            <a:off x="3894672" y="2209800"/>
-            <a:ext cx="769918" cy="0"/>
+            <a:off x="4248488" y="2209800"/>
+            <a:ext cx="582002" cy="0"/>
           </a:xfrm>
           <a:prstGeom prst="line">
             <a:avLst/>
@@ -6369,13 +6359,15 @@
       <p:cxnSp>
         <p:nvCxnSpPr>
           <p:cNvPr id="73" name="Straight Connector 72"/>
-          <p:cNvCxnSpPr/>
+          <p:cNvCxnSpPr>
+            <a:cxnSpLocks/>
+          </p:cNvCxnSpPr>
           <p:nvPr/>
         </p:nvCxnSpPr>
         <p:spPr>
-          <a:xfrm>
-            <a:off x="3886200" y="2607244"/>
-            <a:ext cx="769918" cy="0"/>
+          <a:xfrm flipV="1">
+            <a:off x="4255042" y="2607245"/>
+            <a:ext cx="566976" cy="5974"/>
           </a:xfrm>
           <a:prstGeom prst="line">
             <a:avLst/>
@@ -6410,13 +6402,15 @@
       <p:cxnSp>
         <p:nvCxnSpPr>
           <p:cNvPr id="74" name="Straight Connector 73"/>
-          <p:cNvCxnSpPr/>
+          <p:cNvCxnSpPr>
+            <a:cxnSpLocks/>
+          </p:cNvCxnSpPr>
           <p:nvPr/>
         </p:nvCxnSpPr>
         <p:spPr>
           <a:xfrm>
-            <a:off x="3886200" y="3048000"/>
-            <a:ext cx="769918" cy="0"/>
+            <a:off x="4248487" y="3048000"/>
+            <a:ext cx="573531" cy="0"/>
           </a:xfrm>
           <a:prstGeom prst="line">
             <a:avLst/>
@@ -6429,6 +6423,221 @@
             </a:solidFill>
             <a:prstDash val="sysDot"/>
             <a:headEnd type="none" w="med" len="med"/>
+            <a:tailEnd type="none" w="med" len="med"/>
+          </a:ln>
+          <a:effectLst/>
+        </p:spPr>
+        <p:style>
+          <a:lnRef idx="1">
+            <a:schemeClr val="accent2"/>
+          </a:lnRef>
+          <a:fillRef idx="2">
+            <a:schemeClr val="accent2"/>
+          </a:fillRef>
+          <a:effectRef idx="1">
+            <a:schemeClr val="accent2"/>
+          </a:effectRef>
+          <a:fontRef idx="minor">
+            <a:schemeClr val="dk1"/>
+          </a:fontRef>
+        </p:style>
+      </p:cxnSp>
+      <p:sp>
+        <p:nvSpPr>
+          <p:cNvPr id="109" name="Rectangle 62"/>
+          <p:cNvSpPr/>
+          <p:nvPr/>
+        </p:nvSpPr>
+        <p:spPr>
+          <a:xfrm>
+            <a:off x="3174214" y="2370131"/>
+            <a:ext cx="750156" cy="340758"/>
+          </a:xfrm>
+          <a:prstGeom prst="rect">
+            <a:avLst/>
+          </a:prstGeom>
+          <a:solidFill>
+            <a:schemeClr val="accent5">
+              <a:lumMod val="60000"/>
+              <a:lumOff val="40000"/>
+            </a:schemeClr>
+          </a:solidFill>
+          <a:ln w="19050">
+            <a:solidFill>
+              <a:schemeClr val="accent5">
+                <a:lumMod val="60000"/>
+                <a:lumOff val="40000"/>
+              </a:schemeClr>
+            </a:solidFill>
+          </a:ln>
+          <a:effectLst/>
+        </p:spPr>
+        <p:style>
+          <a:lnRef idx="1">
+            <a:schemeClr val="accent2"/>
+          </a:lnRef>
+          <a:fillRef idx="2">
+            <a:schemeClr val="accent2"/>
+          </a:fillRef>
+          <a:effectRef idx="1">
+            <a:schemeClr val="accent2"/>
+          </a:effectRef>
+          <a:fontRef idx="minor">
+            <a:schemeClr val="dk1"/>
+          </a:fontRef>
+        </p:style>
+        <p:txBody>
+          <a:bodyPr rtlCol="0" anchor="ctr"/>
+          <a:lstStyle/>
+          <a:p>
+            <a:pPr algn="ctr"/>
+            <a:r>
+              <a:rPr lang="en-SG" sz="1050" dirty="0">
+                <a:solidFill>
+                  <a:schemeClr val="bg1"/>
+                </a:solidFill>
+              </a:rPr>
+              <a:t>Argument</a:t>
+            </a:r>
+            <a:br>
+              <a:rPr lang="en-SG" sz="1050" dirty="0">
+                <a:solidFill>
+                  <a:schemeClr val="bg1"/>
+                </a:solidFill>
+              </a:rPr>
+            </a:br>
+            <a:r>
+              <a:rPr lang="en-SG" sz="1050" dirty="0">
+                <a:solidFill>
+                  <a:schemeClr val="bg1"/>
+                </a:solidFill>
+              </a:rPr>
+              <a:t>Map</a:t>
+            </a:r>
+          </a:p>
+        </p:txBody>
+      </p:sp>
+      <p:cxnSp>
+        <p:nvCxnSpPr>
+          <p:cNvPr id="112" name="Elbow Connector 12"/>
+          <p:cNvCxnSpPr>
+            <a:cxnSpLocks/>
+            <a:stCxn id="109" idx="1"/>
+            <a:endCxn id="58" idx="3"/>
+          </p:cNvCxnSpPr>
+          <p:nvPr/>
+        </p:nvCxnSpPr>
+        <p:spPr>
+          <a:xfrm rot="10800000" flipV="1">
+            <a:off x="2964740" y="2540509"/>
+            <a:ext cx="209475" cy="1261"/>
+          </a:xfrm>
+          <a:prstGeom prst="bentConnector3">
+            <a:avLst>
+              <a:gd name="adj1" fmla="val 50000"/>
+            </a:avLst>
+          </a:prstGeom>
+          <a:ln w="19050">
+            <a:solidFill>
+              <a:schemeClr val="accent5">
+                <a:lumMod val="60000"/>
+                <a:lumOff val="40000"/>
+              </a:schemeClr>
+            </a:solidFill>
+            <a:prstDash val="sysDot"/>
+            <a:headEnd type="none" w="med" len="med"/>
+            <a:tailEnd type="arrow" w="med" len="med"/>
+          </a:ln>
+          <a:effectLst/>
+        </p:spPr>
+        <p:style>
+          <a:lnRef idx="1">
+            <a:schemeClr val="accent2"/>
+          </a:lnRef>
+          <a:fillRef idx="2">
+            <a:schemeClr val="accent2"/>
+          </a:fillRef>
+          <a:effectRef idx="1">
+            <a:schemeClr val="accent2"/>
+          </a:effectRef>
+          <a:fontRef idx="minor">
+            <a:schemeClr val="dk1"/>
+          </a:fontRef>
+        </p:style>
+      </p:cxnSp>
+      <p:cxnSp>
+        <p:nvCxnSpPr>
+          <p:cNvPr id="118" name="Elbow Connector 49"/>
+          <p:cNvCxnSpPr>
+            <a:cxnSpLocks/>
+            <a:stCxn id="56" idx="2"/>
+            <a:endCxn id="109" idx="0"/>
+          </p:cNvCxnSpPr>
+          <p:nvPr/>
+        </p:nvCxnSpPr>
+        <p:spPr>
+          <a:xfrm rot="5400000">
+            <a:off x="3469242" y="2289605"/>
+            <a:ext cx="160576" cy="476"/>
+          </a:xfrm>
+          <a:prstGeom prst="bentConnector3">
+            <a:avLst>
+              <a:gd name="adj1" fmla="val 50000"/>
+            </a:avLst>
+          </a:prstGeom>
+          <a:ln w="19050">
+            <a:solidFill>
+              <a:schemeClr val="accent5">
+                <a:lumMod val="60000"/>
+                <a:lumOff val="40000"/>
+              </a:schemeClr>
+            </a:solidFill>
+            <a:prstDash val="sysDot"/>
+            <a:headEnd type="none" w="med" len="med"/>
+            <a:tailEnd type="arrow" w="med" len="med"/>
+          </a:ln>
+          <a:effectLst/>
+        </p:spPr>
+        <p:style>
+          <a:lnRef idx="1">
+            <a:schemeClr val="accent2"/>
+          </a:lnRef>
+          <a:fillRef idx="2">
+            <a:schemeClr val="accent2"/>
+          </a:fillRef>
+          <a:effectRef idx="1">
+            <a:schemeClr val="accent2"/>
+          </a:effectRef>
+          <a:fontRef idx="minor">
+            <a:schemeClr val="dk1"/>
+          </a:fontRef>
+        </p:style>
+      </p:cxnSp>
+      <p:cxnSp>
+        <p:nvCxnSpPr>
+          <p:cNvPr id="123" name="Straight Connector 122"/>
+          <p:cNvCxnSpPr>
+            <a:cxnSpLocks/>
+            <a:stCxn id="109" idx="3"/>
+          </p:cNvCxnSpPr>
+          <p:nvPr/>
+        </p:nvCxnSpPr>
+        <p:spPr>
+          <a:xfrm flipV="1">
+            <a:off x="3924370" y="2535795"/>
+            <a:ext cx="322202" cy="4715"/>
+          </a:xfrm>
+          <a:prstGeom prst="line">
+            <a:avLst/>
+          </a:prstGeom>
+          <a:ln w="19050">
+            <a:solidFill>
+              <a:schemeClr val="accent5">
+                <a:lumMod val="50000"/>
+              </a:schemeClr>
+            </a:solidFill>
+            <a:prstDash val="sysDot"/>
+            <a:headEnd type="arrow" w="med" len="med"/>
             <a:tailEnd type="none" w="med" len="med"/>
           </a:ln>
           <a:effectLst/>

--- a/docs/diagrams/LogicComponentClassDiagram.pptx
+++ b/docs/diagrams/LogicComponentClassDiagram.pptx
@@ -208,7 +208,7 @@
           <a:p>
             <a:fld id="{F5CC4B3F-88C1-4FFA-B1B6-F41C21DC6924}" type="datetimeFigureOut">
               <a:rPr lang="en-US" smtClean="0"/>
-              <a:t>2/2/2017</a:t>
+              <a:t>3/21/2017</a:t>
             </a:fld>
             <a:endParaRPr lang="en-US"/>
           </a:p>
@@ -272,38 +272,37 @@
           <a:p>
             <a:pPr lvl="0"/>
             <a:r>
-              <a:rPr lang="en-US" smtClean="0"/>
+              <a:rPr lang="en-US"/>
               <a:t>Click to edit Master text styles</a:t>
             </a:r>
           </a:p>
           <a:p>
             <a:pPr lvl="1"/>
             <a:r>
-              <a:rPr lang="en-US" smtClean="0"/>
+              <a:rPr lang="en-US"/>
               <a:t>Second level</a:t>
             </a:r>
           </a:p>
           <a:p>
             <a:pPr lvl="2"/>
             <a:r>
-              <a:rPr lang="en-US" smtClean="0"/>
+              <a:rPr lang="en-US"/>
               <a:t>Third level</a:t>
             </a:r>
           </a:p>
           <a:p>
             <a:pPr lvl="3"/>
             <a:r>
-              <a:rPr lang="en-US" smtClean="0"/>
+              <a:rPr lang="en-US"/>
               <a:t>Fourth level</a:t>
             </a:r>
           </a:p>
           <a:p>
             <a:pPr lvl="4"/>
             <a:r>
-              <a:rPr lang="en-US" smtClean="0"/>
+              <a:rPr lang="en-US"/>
               <a:t>Fifth level</a:t>
             </a:r>
-            <a:endParaRPr lang="en-US"/>
           </a:p>
         </p:txBody>
       </p:sp>
@@ -514,10 +513,9 @@
           <a:lstStyle/>
           <a:p>
             <a:r>
-              <a:rPr lang="en-US" smtClean="0"/>
+              <a:rPr lang="en-US"/>
               <a:t>Click to edit Master title style</a:t>
             </a:r>
-            <a:endParaRPr lang="en-US"/>
           </a:p>
         </p:txBody>
       </p:sp>
@@ -633,10 +631,9 @@
           </a:lstStyle>
           <a:p>
             <a:r>
-              <a:rPr lang="en-US" smtClean="0"/>
+              <a:rPr lang="en-US"/>
               <a:t>Click to edit Master subtitle style</a:t>
             </a:r>
-            <a:endParaRPr lang="en-US"/>
           </a:p>
         </p:txBody>
       </p:sp>
@@ -657,7 +654,7 @@
           <a:p>
             <a:fld id="{78C97017-6FC3-485B-9764-EAC9E56C1D49}" type="datetimeFigureOut">
               <a:rPr lang="en-US" smtClean="0"/>
-              <a:t>2/2/2017</a:t>
+              <a:t>3/21/2017</a:t>
             </a:fld>
             <a:endParaRPr lang="en-US"/>
           </a:p>
@@ -751,10 +748,9 @@
           <a:lstStyle/>
           <a:p>
             <a:r>
-              <a:rPr lang="en-US" smtClean="0"/>
+              <a:rPr lang="en-US"/>
               <a:t>Click to edit Master title style</a:t>
             </a:r>
-            <a:endParaRPr lang="en-US"/>
           </a:p>
         </p:txBody>
       </p:sp>
@@ -775,38 +771,37 @@
           <a:p>
             <a:pPr lvl="0"/>
             <a:r>
-              <a:rPr lang="en-US" smtClean="0"/>
+              <a:rPr lang="en-US"/>
               <a:t>Click to edit Master text styles</a:t>
             </a:r>
           </a:p>
           <a:p>
             <a:pPr lvl="1"/>
             <a:r>
-              <a:rPr lang="en-US" smtClean="0"/>
+              <a:rPr lang="en-US"/>
               <a:t>Second level</a:t>
             </a:r>
           </a:p>
           <a:p>
             <a:pPr lvl="2"/>
             <a:r>
-              <a:rPr lang="en-US" smtClean="0"/>
+              <a:rPr lang="en-US"/>
               <a:t>Third level</a:t>
             </a:r>
           </a:p>
           <a:p>
             <a:pPr lvl="3"/>
             <a:r>
-              <a:rPr lang="en-US" smtClean="0"/>
+              <a:rPr lang="en-US"/>
               <a:t>Fourth level</a:t>
             </a:r>
           </a:p>
           <a:p>
             <a:pPr lvl="4"/>
             <a:r>
-              <a:rPr lang="en-US" smtClean="0"/>
+              <a:rPr lang="en-US"/>
               <a:t>Fifth level</a:t>
             </a:r>
-            <a:endParaRPr lang="en-US"/>
           </a:p>
         </p:txBody>
       </p:sp>
@@ -827,7 +822,7 @@
           <a:p>
             <a:fld id="{78C97017-6FC3-485B-9764-EAC9E56C1D49}" type="datetimeFigureOut">
               <a:rPr lang="en-US" smtClean="0"/>
-              <a:t>2/2/2017</a:t>
+              <a:t>3/21/2017</a:t>
             </a:fld>
             <a:endParaRPr lang="en-US"/>
           </a:p>
@@ -926,10 +921,9 @@
           <a:lstStyle/>
           <a:p>
             <a:r>
-              <a:rPr lang="en-US" smtClean="0"/>
+              <a:rPr lang="en-US"/>
               <a:t>Click to edit Master title style</a:t>
             </a:r>
-            <a:endParaRPr lang="en-US"/>
           </a:p>
         </p:txBody>
       </p:sp>
@@ -955,38 +949,37 @@
           <a:p>
             <a:pPr lvl="0"/>
             <a:r>
-              <a:rPr lang="en-US" smtClean="0"/>
+              <a:rPr lang="en-US"/>
               <a:t>Click to edit Master text styles</a:t>
             </a:r>
           </a:p>
           <a:p>
             <a:pPr lvl="1"/>
             <a:r>
-              <a:rPr lang="en-US" smtClean="0"/>
+              <a:rPr lang="en-US"/>
               <a:t>Second level</a:t>
             </a:r>
           </a:p>
           <a:p>
             <a:pPr lvl="2"/>
             <a:r>
-              <a:rPr lang="en-US" smtClean="0"/>
+              <a:rPr lang="en-US"/>
               <a:t>Third level</a:t>
             </a:r>
           </a:p>
           <a:p>
             <a:pPr lvl="3"/>
             <a:r>
-              <a:rPr lang="en-US" smtClean="0"/>
+              <a:rPr lang="en-US"/>
               <a:t>Fourth level</a:t>
             </a:r>
           </a:p>
           <a:p>
             <a:pPr lvl="4"/>
             <a:r>
-              <a:rPr lang="en-US" smtClean="0"/>
+              <a:rPr lang="en-US"/>
               <a:t>Fifth level</a:t>
             </a:r>
-            <a:endParaRPr lang="en-US"/>
           </a:p>
         </p:txBody>
       </p:sp>
@@ -1007,7 +1000,7 @@
           <a:p>
             <a:fld id="{78C97017-6FC3-485B-9764-EAC9E56C1D49}" type="datetimeFigureOut">
               <a:rPr lang="en-US" smtClean="0"/>
-              <a:t>2/2/2017</a:t>
+              <a:t>3/21/2017</a:t>
             </a:fld>
             <a:endParaRPr lang="en-US"/>
           </a:p>
@@ -1101,10 +1094,9 @@
           <a:lstStyle/>
           <a:p>
             <a:r>
-              <a:rPr lang="en-US" smtClean="0"/>
+              <a:rPr lang="en-US"/>
               <a:t>Click to edit Master title style</a:t>
             </a:r>
-            <a:endParaRPr lang="en-US"/>
           </a:p>
         </p:txBody>
       </p:sp>
@@ -1125,38 +1117,37 @@
           <a:p>
             <a:pPr lvl="0"/>
             <a:r>
-              <a:rPr lang="en-US" smtClean="0"/>
+              <a:rPr lang="en-US"/>
               <a:t>Click to edit Master text styles</a:t>
             </a:r>
           </a:p>
           <a:p>
             <a:pPr lvl="1"/>
             <a:r>
-              <a:rPr lang="en-US" smtClean="0"/>
+              <a:rPr lang="en-US"/>
               <a:t>Second level</a:t>
             </a:r>
           </a:p>
           <a:p>
             <a:pPr lvl="2"/>
             <a:r>
-              <a:rPr lang="en-US" smtClean="0"/>
+              <a:rPr lang="en-US"/>
               <a:t>Third level</a:t>
             </a:r>
           </a:p>
           <a:p>
             <a:pPr lvl="3"/>
             <a:r>
-              <a:rPr lang="en-US" smtClean="0"/>
+              <a:rPr lang="en-US"/>
               <a:t>Fourth level</a:t>
             </a:r>
           </a:p>
           <a:p>
             <a:pPr lvl="4"/>
             <a:r>
-              <a:rPr lang="en-US" smtClean="0"/>
+              <a:rPr lang="en-US"/>
               <a:t>Fifth level</a:t>
             </a:r>
-            <a:endParaRPr lang="en-US"/>
           </a:p>
         </p:txBody>
       </p:sp>
@@ -1177,7 +1168,7 @@
           <a:p>
             <a:fld id="{78C97017-6FC3-485B-9764-EAC9E56C1D49}" type="datetimeFigureOut">
               <a:rPr lang="en-US" smtClean="0"/>
-              <a:t>2/2/2017</a:t>
+              <a:t>3/21/2017</a:t>
             </a:fld>
             <a:endParaRPr lang="en-US"/>
           </a:p>
@@ -1280,10 +1271,9 @@
           </a:lstStyle>
           <a:p>
             <a:r>
-              <a:rPr lang="en-US" smtClean="0"/>
+              <a:rPr lang="en-US"/>
               <a:t>Click to edit Master title style</a:t>
             </a:r>
-            <a:endParaRPr lang="en-US"/>
           </a:p>
         </p:txBody>
       </p:sp>
@@ -1400,7 +1390,7 @@
           <a:p>
             <a:pPr lvl="0"/>
             <a:r>
-              <a:rPr lang="en-US" smtClean="0"/>
+              <a:rPr lang="en-US"/>
               <a:t>Click to edit Master text styles</a:t>
             </a:r>
           </a:p>
@@ -1423,7 +1413,7 @@
           <a:p>
             <a:fld id="{78C97017-6FC3-485B-9764-EAC9E56C1D49}" type="datetimeFigureOut">
               <a:rPr lang="en-US" smtClean="0"/>
-              <a:t>2/2/2017</a:t>
+              <a:t>3/21/2017</a:t>
             </a:fld>
             <a:endParaRPr lang="en-US"/>
           </a:p>
@@ -1517,10 +1507,9 @@
           <a:lstStyle/>
           <a:p>
             <a:r>
-              <a:rPr lang="en-US" smtClean="0"/>
+              <a:rPr lang="en-US"/>
               <a:t>Click to edit Master title style</a:t>
             </a:r>
-            <a:endParaRPr lang="en-US"/>
           </a:p>
         </p:txBody>
       </p:sp>
@@ -1574,38 +1563,37 @@
           <a:p>
             <a:pPr lvl="0"/>
             <a:r>
-              <a:rPr lang="en-US" smtClean="0"/>
+              <a:rPr lang="en-US"/>
               <a:t>Click to edit Master text styles</a:t>
             </a:r>
           </a:p>
           <a:p>
             <a:pPr lvl="1"/>
             <a:r>
-              <a:rPr lang="en-US" smtClean="0"/>
+              <a:rPr lang="en-US"/>
               <a:t>Second level</a:t>
             </a:r>
           </a:p>
           <a:p>
             <a:pPr lvl="2"/>
             <a:r>
-              <a:rPr lang="en-US" smtClean="0"/>
+              <a:rPr lang="en-US"/>
               <a:t>Third level</a:t>
             </a:r>
           </a:p>
           <a:p>
             <a:pPr lvl="3"/>
             <a:r>
-              <a:rPr lang="en-US" smtClean="0"/>
+              <a:rPr lang="en-US"/>
               <a:t>Fourth level</a:t>
             </a:r>
           </a:p>
           <a:p>
             <a:pPr lvl="4"/>
             <a:r>
-              <a:rPr lang="en-US" smtClean="0"/>
+              <a:rPr lang="en-US"/>
               <a:t>Fifth level</a:t>
             </a:r>
-            <a:endParaRPr lang="en-US"/>
           </a:p>
         </p:txBody>
       </p:sp>
@@ -1659,38 +1647,37 @@
           <a:p>
             <a:pPr lvl="0"/>
             <a:r>
-              <a:rPr lang="en-US" smtClean="0"/>
+              <a:rPr lang="en-US"/>
               <a:t>Click to edit Master text styles</a:t>
             </a:r>
           </a:p>
           <a:p>
             <a:pPr lvl="1"/>
             <a:r>
-              <a:rPr lang="en-US" smtClean="0"/>
+              <a:rPr lang="en-US"/>
               <a:t>Second level</a:t>
             </a:r>
           </a:p>
           <a:p>
             <a:pPr lvl="2"/>
             <a:r>
-              <a:rPr lang="en-US" smtClean="0"/>
+              <a:rPr lang="en-US"/>
               <a:t>Third level</a:t>
             </a:r>
           </a:p>
           <a:p>
             <a:pPr lvl="3"/>
             <a:r>
-              <a:rPr lang="en-US" smtClean="0"/>
+              <a:rPr lang="en-US"/>
               <a:t>Fourth level</a:t>
             </a:r>
           </a:p>
           <a:p>
             <a:pPr lvl="4"/>
             <a:r>
-              <a:rPr lang="en-US" smtClean="0"/>
+              <a:rPr lang="en-US"/>
               <a:t>Fifth level</a:t>
             </a:r>
-            <a:endParaRPr lang="en-US"/>
           </a:p>
         </p:txBody>
       </p:sp>
@@ -1711,7 +1698,7 @@
           <a:p>
             <a:fld id="{78C97017-6FC3-485B-9764-EAC9E56C1D49}" type="datetimeFigureOut">
               <a:rPr lang="en-US" smtClean="0"/>
-              <a:t>2/2/2017</a:t>
+              <a:t>3/21/2017</a:t>
             </a:fld>
             <a:endParaRPr lang="en-US"/>
           </a:p>
@@ -1809,10 +1796,9 @@
           </a:lstStyle>
           <a:p>
             <a:r>
-              <a:rPr lang="en-US" smtClean="0"/>
+              <a:rPr lang="en-US"/>
               <a:t>Click to edit Master title style</a:t>
             </a:r>
-            <a:endParaRPr lang="en-US"/>
           </a:p>
         </p:txBody>
       </p:sp>
@@ -1875,7 +1861,7 @@
           <a:p>
             <a:pPr lvl="0"/>
             <a:r>
-              <a:rPr lang="en-US" smtClean="0"/>
+              <a:rPr lang="en-US"/>
               <a:t>Click to edit Master text styles</a:t>
             </a:r>
           </a:p>
@@ -1931,38 +1917,37 @@
           <a:p>
             <a:pPr lvl="0"/>
             <a:r>
-              <a:rPr lang="en-US" smtClean="0"/>
+              <a:rPr lang="en-US"/>
               <a:t>Click to edit Master text styles</a:t>
             </a:r>
           </a:p>
           <a:p>
             <a:pPr lvl="1"/>
             <a:r>
-              <a:rPr lang="en-US" smtClean="0"/>
+              <a:rPr lang="en-US"/>
               <a:t>Second level</a:t>
             </a:r>
           </a:p>
           <a:p>
             <a:pPr lvl="2"/>
             <a:r>
-              <a:rPr lang="en-US" smtClean="0"/>
+              <a:rPr lang="en-US"/>
               <a:t>Third level</a:t>
             </a:r>
           </a:p>
           <a:p>
             <a:pPr lvl="3"/>
             <a:r>
-              <a:rPr lang="en-US" smtClean="0"/>
+              <a:rPr lang="en-US"/>
               <a:t>Fourth level</a:t>
             </a:r>
           </a:p>
           <a:p>
             <a:pPr lvl="4"/>
             <a:r>
-              <a:rPr lang="en-US" smtClean="0"/>
+              <a:rPr lang="en-US"/>
               <a:t>Fifth level</a:t>
             </a:r>
-            <a:endParaRPr lang="en-US"/>
           </a:p>
         </p:txBody>
       </p:sp>
@@ -2025,7 +2010,7 @@
           <a:p>
             <a:pPr lvl="0"/>
             <a:r>
-              <a:rPr lang="en-US" smtClean="0"/>
+              <a:rPr lang="en-US"/>
               <a:t>Click to edit Master text styles</a:t>
             </a:r>
           </a:p>
@@ -2081,38 +2066,37 @@
           <a:p>
             <a:pPr lvl="0"/>
             <a:r>
-              <a:rPr lang="en-US" smtClean="0"/>
+              <a:rPr lang="en-US"/>
               <a:t>Click to edit Master text styles</a:t>
             </a:r>
           </a:p>
           <a:p>
             <a:pPr lvl="1"/>
             <a:r>
-              <a:rPr lang="en-US" smtClean="0"/>
+              <a:rPr lang="en-US"/>
               <a:t>Second level</a:t>
             </a:r>
           </a:p>
           <a:p>
             <a:pPr lvl="2"/>
             <a:r>
-              <a:rPr lang="en-US" smtClean="0"/>
+              <a:rPr lang="en-US"/>
               <a:t>Third level</a:t>
             </a:r>
           </a:p>
           <a:p>
             <a:pPr lvl="3"/>
             <a:r>
-              <a:rPr lang="en-US" smtClean="0"/>
+              <a:rPr lang="en-US"/>
               <a:t>Fourth level</a:t>
             </a:r>
           </a:p>
           <a:p>
             <a:pPr lvl="4"/>
             <a:r>
-              <a:rPr lang="en-US" smtClean="0"/>
+              <a:rPr lang="en-US"/>
               <a:t>Fifth level</a:t>
             </a:r>
-            <a:endParaRPr lang="en-US"/>
           </a:p>
         </p:txBody>
       </p:sp>
@@ -2133,7 +2117,7 @@
           <a:p>
             <a:fld id="{78C97017-6FC3-485B-9764-EAC9E56C1D49}" type="datetimeFigureOut">
               <a:rPr lang="en-US" smtClean="0"/>
-              <a:t>2/2/2017</a:t>
+              <a:t>3/21/2017</a:t>
             </a:fld>
             <a:endParaRPr lang="en-US"/>
           </a:p>
@@ -2227,10 +2211,9 @@
           <a:lstStyle/>
           <a:p>
             <a:r>
-              <a:rPr lang="en-US" smtClean="0"/>
+              <a:rPr lang="en-US"/>
               <a:t>Click to edit Master title style</a:t>
             </a:r>
-            <a:endParaRPr lang="en-US"/>
           </a:p>
         </p:txBody>
       </p:sp>
@@ -2251,7 +2234,7 @@
           <a:p>
             <a:fld id="{78C97017-6FC3-485B-9764-EAC9E56C1D49}" type="datetimeFigureOut">
               <a:rPr lang="en-US" smtClean="0"/>
-              <a:t>2/2/2017</a:t>
+              <a:t>3/21/2017</a:t>
             </a:fld>
             <a:endParaRPr lang="en-US"/>
           </a:p>
@@ -2346,7 +2329,7 @@
           <a:p>
             <a:fld id="{78C97017-6FC3-485B-9764-EAC9E56C1D49}" type="datetimeFigureOut">
               <a:rPr lang="en-US" smtClean="0"/>
-              <a:t>2/2/2017</a:t>
+              <a:t>3/21/2017</a:t>
             </a:fld>
             <a:endParaRPr lang="en-US"/>
           </a:p>
@@ -2449,10 +2432,9 @@
           </a:lstStyle>
           <a:p>
             <a:r>
-              <a:rPr lang="en-US" smtClean="0"/>
+              <a:rPr lang="en-US"/>
               <a:t>Click to edit Master title style</a:t>
             </a:r>
-            <a:endParaRPr lang="en-US"/>
           </a:p>
         </p:txBody>
       </p:sp>
@@ -2506,38 +2488,37 @@
           <a:p>
             <a:pPr lvl="0"/>
             <a:r>
-              <a:rPr lang="en-US" smtClean="0"/>
+              <a:rPr lang="en-US"/>
               <a:t>Click to edit Master text styles</a:t>
             </a:r>
           </a:p>
           <a:p>
             <a:pPr lvl="1"/>
             <a:r>
-              <a:rPr lang="en-US" smtClean="0"/>
+              <a:rPr lang="en-US"/>
               <a:t>Second level</a:t>
             </a:r>
           </a:p>
           <a:p>
             <a:pPr lvl="2"/>
             <a:r>
-              <a:rPr lang="en-US" smtClean="0"/>
+              <a:rPr lang="en-US"/>
               <a:t>Third level</a:t>
             </a:r>
           </a:p>
           <a:p>
             <a:pPr lvl="3"/>
             <a:r>
-              <a:rPr lang="en-US" smtClean="0"/>
+              <a:rPr lang="en-US"/>
               <a:t>Fourth level</a:t>
             </a:r>
           </a:p>
           <a:p>
             <a:pPr lvl="4"/>
             <a:r>
-              <a:rPr lang="en-US" smtClean="0"/>
+              <a:rPr lang="en-US"/>
               <a:t>Fifth level</a:t>
             </a:r>
-            <a:endParaRPr lang="en-US"/>
           </a:p>
         </p:txBody>
       </p:sp>
@@ -2600,7 +2581,7 @@
           <a:p>
             <a:pPr lvl="0"/>
             <a:r>
-              <a:rPr lang="en-US" smtClean="0"/>
+              <a:rPr lang="en-US"/>
               <a:t>Click to edit Master text styles</a:t>
             </a:r>
           </a:p>
@@ -2623,7 +2604,7 @@
           <a:p>
             <a:fld id="{78C97017-6FC3-485B-9764-EAC9E56C1D49}" type="datetimeFigureOut">
               <a:rPr lang="en-US" smtClean="0"/>
-              <a:t>2/2/2017</a:t>
+              <a:t>3/21/2017</a:t>
             </a:fld>
             <a:endParaRPr lang="en-US"/>
           </a:p>
@@ -2726,10 +2707,9 @@
           </a:lstStyle>
           <a:p>
             <a:r>
-              <a:rPr lang="en-US" smtClean="0"/>
+              <a:rPr lang="en-US"/>
               <a:t>Click to edit Master title style</a:t>
             </a:r>
-            <a:endParaRPr lang="en-US"/>
           </a:p>
         </p:txBody>
       </p:sp>
@@ -2853,7 +2833,7 @@
           <a:p>
             <a:pPr lvl="0"/>
             <a:r>
-              <a:rPr lang="en-US" smtClean="0"/>
+              <a:rPr lang="en-US"/>
               <a:t>Click to edit Master text styles</a:t>
             </a:r>
           </a:p>
@@ -2876,7 +2856,7 @@
           <a:p>
             <a:fld id="{78C97017-6FC3-485B-9764-EAC9E56C1D49}" type="datetimeFigureOut">
               <a:rPr lang="en-US" smtClean="0"/>
-              <a:t>2/2/2017</a:t>
+              <a:t>3/21/2017</a:t>
             </a:fld>
             <a:endParaRPr lang="en-US"/>
           </a:p>
@@ -2985,10 +2965,9 @@
           <a:lstStyle/>
           <a:p>
             <a:r>
-              <a:rPr lang="en-US" smtClean="0"/>
+              <a:rPr lang="en-US"/>
               <a:t>Click to edit Master title style</a:t>
             </a:r>
-            <a:endParaRPr lang="en-US"/>
           </a:p>
         </p:txBody>
       </p:sp>
@@ -3019,38 +2998,37 @@
           <a:p>
             <a:pPr lvl="0"/>
             <a:r>
-              <a:rPr lang="en-US" smtClean="0"/>
+              <a:rPr lang="en-US"/>
               <a:t>Click to edit Master text styles</a:t>
             </a:r>
           </a:p>
           <a:p>
             <a:pPr lvl="1"/>
             <a:r>
-              <a:rPr lang="en-US" smtClean="0"/>
+              <a:rPr lang="en-US"/>
               <a:t>Second level</a:t>
             </a:r>
           </a:p>
           <a:p>
             <a:pPr lvl="2"/>
             <a:r>
-              <a:rPr lang="en-US" smtClean="0"/>
+              <a:rPr lang="en-US"/>
               <a:t>Third level</a:t>
             </a:r>
           </a:p>
           <a:p>
             <a:pPr lvl="3"/>
             <a:r>
-              <a:rPr lang="en-US" smtClean="0"/>
+              <a:rPr lang="en-US"/>
               <a:t>Fourth level</a:t>
             </a:r>
           </a:p>
           <a:p>
             <a:pPr lvl="4"/>
             <a:r>
-              <a:rPr lang="en-US" smtClean="0"/>
+              <a:rPr lang="en-US"/>
               <a:t>Fifth level</a:t>
             </a:r>
-            <a:endParaRPr lang="en-US"/>
           </a:p>
         </p:txBody>
       </p:sp>
@@ -3089,7 +3067,7 @@
           <a:p>
             <a:fld id="{78C97017-6FC3-485B-9764-EAC9E56C1D49}" type="datetimeFigureOut">
               <a:rPr lang="en-US" smtClean="0"/>
-              <a:t>2/2/2017</a:t>
+              <a:t>3/21/2017</a:t>
             </a:fld>
             <a:endParaRPr lang="en-US"/>
           </a:p>
@@ -3625,7 +3603,7 @@
           <a:p>
             <a:pPr algn="ctr"/>
             <a:r>
-              <a:rPr lang="en-US" sz="1050" b="1" dirty="0" err="1" smtClean="0">
+              <a:rPr lang="en-US" sz="1050" b="1" dirty="0" err="1">
                 <a:solidFill>
                   <a:srgbClr val="0070C0"/>
                 </a:solidFill>
@@ -3887,7 +3865,7 @@
           <a:p>
             <a:pPr algn="ctr"/>
             <a:r>
-              <a:rPr lang="en-US" sz="1050" b="1" dirty="0" err="1" smtClean="0">
+              <a:rPr lang="en-US" sz="1050" b="1" dirty="0" err="1">
                 <a:solidFill>
                   <a:srgbClr val="0070C0"/>
                 </a:solidFill>
@@ -3943,7 +3921,7 @@
           <a:p>
             <a:pPr algn="ctr"/>
             <a:r>
-              <a:rPr lang="en-US" sz="1050" b="1" dirty="0" smtClean="0">
+              <a:rPr lang="en-US" sz="1050" b="1" dirty="0">
                 <a:solidFill>
                   <a:srgbClr val="0070C0"/>
                 </a:solidFill>
@@ -3951,14 +3929,14 @@
               <a:t>Incorrect</a:t>
             </a:r>
             <a:br>
-              <a:rPr lang="en-US" sz="1050" b="1" dirty="0" smtClean="0">
+              <a:rPr lang="en-US" sz="1050" b="1" dirty="0">
                 <a:solidFill>
                   <a:srgbClr val="0070C0"/>
                 </a:solidFill>
               </a:rPr>
             </a:br>
             <a:r>
-              <a:rPr lang="en-US" sz="1050" b="1" dirty="0" smtClean="0">
+              <a:rPr lang="en-US" sz="1050" b="1" dirty="0">
                 <a:solidFill>
                   <a:srgbClr val="0070C0"/>
                 </a:solidFill>
@@ -4791,7 +4769,7 @@
           <a:p>
             <a:pPr algn="ctr"/>
             <a:r>
-              <a:rPr lang="en-US" sz="1050" b="1" dirty="0" smtClean="0">
+              <a:rPr lang="en-US" sz="1050" b="1" dirty="0">
                 <a:solidFill>
                   <a:srgbClr val="0070C0"/>
                 </a:solidFill>
@@ -4855,7 +4833,7 @@
         </p:nvSpPr>
         <p:spPr>
           <a:xfrm flipH="1">
-            <a:off x="4664592" y="2148937"/>
+            <a:off x="4831294" y="2148937"/>
             <a:ext cx="1093635" cy="346760"/>
           </a:xfrm>
           <a:prstGeom prst="rect">
@@ -4926,7 +4904,7 @@
         </p:nvSpPr>
         <p:spPr>
           <a:xfrm flipH="1">
-            <a:off x="4664592" y="2555337"/>
+            <a:off x="4831294" y="2555337"/>
             <a:ext cx="1093635" cy="346760"/>
           </a:xfrm>
           <a:prstGeom prst="rect">
@@ -4997,7 +4975,7 @@
         </p:nvSpPr>
         <p:spPr>
           <a:xfrm flipH="1">
-            <a:off x="4664590" y="2977582"/>
+            <a:off x="4831292" y="2977582"/>
             <a:ext cx="1093635" cy="346760"/>
           </a:xfrm>
           <a:prstGeom prst="rect">
@@ -5052,7 +5030,7 @@
         </p:nvSpPr>
         <p:spPr>
           <a:xfrm>
-            <a:off x="2807288" y="1905000"/>
+            <a:off x="3174214" y="1862795"/>
             <a:ext cx="751107" cy="346760"/>
           </a:xfrm>
           <a:prstGeom prst="rect">
@@ -5094,7 +5072,7 @@
           <a:p>
             <a:pPr algn="ctr"/>
             <a:r>
-              <a:rPr lang="en-US" sz="1050" dirty="0" smtClean="0">
+              <a:rPr lang="en-US" sz="1050">
                 <a:solidFill>
                   <a:schemeClr val="bg1"/>
                 </a:solidFill>
@@ -5102,14 +5080,14 @@
               <a:t>Argument</a:t>
             </a:r>
             <a:br>
-              <a:rPr lang="en-US" sz="1050" dirty="0" smtClean="0">
+              <a:rPr lang="en-US" sz="1050">
                 <a:solidFill>
                   <a:schemeClr val="bg1"/>
                 </a:solidFill>
               </a:rPr>
             </a:br>
             <a:r>
-              <a:rPr lang="en-US" sz="1050" dirty="0" smtClean="0">
+              <a:rPr lang="en-US" sz="1050">
                 <a:solidFill>
                   <a:schemeClr val="bg1"/>
                 </a:solidFill>
@@ -5132,7 +5110,7 @@
         </p:nvSpPr>
         <p:spPr>
           <a:xfrm>
-            <a:off x="2813291" y="2432664"/>
+            <a:off x="2238496" y="2454481"/>
             <a:ext cx="726243" cy="174580"/>
           </a:xfrm>
           <a:prstGeom prst="rect">
@@ -5174,7 +5152,7 @@
           <a:p>
             <a:pPr algn="ctr"/>
             <a:r>
-              <a:rPr lang="en-US" sz="1050" dirty="0" smtClean="0">
+              <a:rPr lang="en-US" sz="1050" dirty="0">
                 <a:solidFill>
                   <a:schemeClr val="bg1"/>
                 </a:solidFill>
@@ -5197,9 +5175,9 @@
         </p:nvGrpSpPr>
         <p:grpSpPr>
           <a:xfrm rot="5400000">
-            <a:off x="5941795" y="1962201"/>
+            <a:off x="6088711" y="1962201"/>
             <a:ext cx="254462" cy="555486"/>
-            <a:chOff x="3949242" y="712012"/>
+            <a:chOff x="3949242" y="578739"/>
             <a:chExt cx="254462" cy="503902"/>
           </a:xfrm>
         </p:grpSpPr>
@@ -5211,7 +5189,7 @@
           </p:nvSpPr>
           <p:spPr>
             <a:xfrm rot="16200000">
-              <a:off x="3824522" y="836732"/>
+              <a:off x="3824522" y="703459"/>
               <a:ext cx="503902" cy="254462"/>
             </a:xfrm>
             <a:prstGeom prst="rect">
@@ -5226,7 +5204,7 @@
             <a:lstStyle/>
             <a:p>
               <a:r>
-                <a:rPr lang="en-US" sz="1100" dirty="0" smtClean="0">
+                <a:rPr lang="en-US" sz="1100" dirty="0">
                   <a:solidFill>
                     <a:schemeClr val="accent5">
                       <a:lumMod val="75000"/>
@@ -5253,7 +5231,7 @@
           </p:nvSpPr>
           <p:spPr>
             <a:xfrm rot="10800000" flipV="1">
-              <a:off x="3979474" y="751200"/>
+              <a:off x="3979474" y="617927"/>
               <a:ext cx="132157" cy="79956"/>
             </a:xfrm>
             <a:prstGeom prst="triangle">
@@ -5302,9 +5280,9 @@
         </p:nvGrpSpPr>
         <p:grpSpPr>
           <a:xfrm rot="5400000">
-            <a:off x="5962853" y="2347569"/>
+            <a:off x="6098740" y="2390577"/>
             <a:ext cx="254462" cy="555486"/>
-            <a:chOff x="3949242" y="712012"/>
+            <a:chOff x="3965759" y="592436"/>
             <a:chExt cx="254462" cy="503902"/>
           </a:xfrm>
         </p:grpSpPr>
@@ -5316,7 +5294,7 @@
           </p:nvSpPr>
           <p:spPr>
             <a:xfrm rot="16200000">
-              <a:off x="3824522" y="836732"/>
+              <a:off x="3841039" y="717156"/>
               <a:ext cx="503902" cy="254462"/>
             </a:xfrm>
             <a:prstGeom prst="rect">
@@ -5331,7 +5309,7 @@
             <a:lstStyle/>
             <a:p>
               <a:r>
-                <a:rPr lang="en-US" sz="1100" dirty="0" smtClean="0">
+                <a:rPr lang="en-US" sz="1100" dirty="0">
                   <a:solidFill>
                     <a:schemeClr val="accent5">
                       <a:lumMod val="75000"/>
@@ -5358,7 +5336,7 @@
           </p:nvSpPr>
           <p:spPr>
             <a:xfrm rot="10800000" flipV="1">
-              <a:off x="3979474" y="751200"/>
+              <a:off x="3995991" y="631624"/>
               <a:ext cx="132157" cy="79956"/>
             </a:xfrm>
             <a:prstGeom prst="triangle">
@@ -5407,7 +5385,7 @@
         </p:nvSpPr>
         <p:spPr>
           <a:xfrm>
-            <a:off x="2819400" y="2841725"/>
+            <a:off x="3186326" y="2841725"/>
             <a:ext cx="731636" cy="283820"/>
           </a:xfrm>
           <a:prstGeom prst="rect">
@@ -5449,7 +5427,7 @@
           <a:p>
             <a:pPr algn="ctr"/>
             <a:r>
-              <a:rPr lang="en-SG" sz="1050" dirty="0" err="1" smtClean="0">
+              <a:rPr lang="en-SG" sz="1050" dirty="0" err="1">
                 <a:solidFill>
                   <a:schemeClr val="bg1"/>
                 </a:solidFill>
@@ -5472,7 +5450,7 @@
         </p:nvSpPr>
         <p:spPr>
           <a:xfrm>
-            <a:off x="2819400" y="3190882"/>
+            <a:off x="3186326" y="3190882"/>
             <a:ext cx="731636" cy="283820"/>
           </a:xfrm>
           <a:prstGeom prst="rect">
@@ -5514,7 +5492,7 @@
           <a:p>
             <a:pPr algn="ctr"/>
             <a:r>
-              <a:rPr lang="en-SG" sz="1050" dirty="0" err="1" smtClean="0">
+              <a:rPr lang="en-SG" sz="1050" dirty="0" err="1">
                 <a:solidFill>
                   <a:schemeClr val="bg1"/>
                 </a:solidFill>
@@ -5533,13 +5511,14 @@
         <p:nvCxnSpPr>
           <p:cNvPr id="100" name="Straight Arrow Connector 99"/>
           <p:cNvCxnSpPr>
+            <a:cxnSpLocks/>
             <a:endCxn id="60" idx="3"/>
           </p:cNvCxnSpPr>
           <p:nvPr/>
         </p:nvCxnSpPr>
         <p:spPr>
           <a:xfrm flipH="1">
-            <a:off x="3551036" y="2983635"/>
+            <a:off x="3917962" y="2983635"/>
             <a:ext cx="335164" cy="0"/>
           </a:xfrm>
           <a:prstGeom prst="straightConnector1">
@@ -5575,13 +5554,16 @@
       <p:cxnSp>
         <p:nvCxnSpPr>
           <p:cNvPr id="105" name="Straight Arrow Connector 104"/>
-          <p:cNvCxnSpPr/>
+          <p:cNvCxnSpPr>
+            <a:cxnSpLocks/>
+            <a:endCxn id="62" idx="3"/>
+          </p:cNvCxnSpPr>
           <p:nvPr/>
         </p:nvCxnSpPr>
         <p:spPr>
-          <a:xfrm flipH="1" flipV="1">
-            <a:off x="3558396" y="3297471"/>
-            <a:ext cx="327804" cy="5426"/>
+          <a:xfrm flipH="1">
+            <a:off x="3917962" y="3332439"/>
+            <a:ext cx="335164" cy="353"/>
           </a:xfrm>
           <a:prstGeom prst="straightConnector1">
             <a:avLst/>
@@ -5617,19 +5599,19 @@
         <p:nvCxnSpPr>
           <p:cNvPr id="13" name="Elbow Connector 12"/>
           <p:cNvCxnSpPr>
-            <a:stCxn id="60" idx="0"/>
+            <a:cxnSpLocks/>
+            <a:stCxn id="60" idx="1"/>
+            <a:endCxn id="58" idx="2"/>
           </p:cNvCxnSpPr>
           <p:nvPr/>
         </p:nvCxnSpPr>
         <p:spPr>
-          <a:xfrm rot="16200000" flipV="1">
-            <a:off x="3063575" y="2720082"/>
-            <a:ext cx="234481" cy="8806"/>
-          </a:xfrm>
-          <a:prstGeom prst="bentConnector3">
-            <a:avLst>
-              <a:gd name="adj1" fmla="val 50000"/>
-            </a:avLst>
+          <a:xfrm rot="10800000">
+            <a:off x="2601618" y="2629061"/>
+            <a:ext cx="584708" cy="354574"/>
+          </a:xfrm>
+          <a:prstGeom prst="bentConnector2">
+            <a:avLst/>
           </a:prstGeom>
           <a:ln w="19050">
             <a:solidFill>
@@ -5662,13 +5644,16 @@
       <p:cxnSp>
         <p:nvCxnSpPr>
           <p:cNvPr id="47" name="Straight Connector 46"/>
-          <p:cNvCxnSpPr/>
+          <p:cNvCxnSpPr>
+            <a:cxnSpLocks/>
+            <a:stCxn id="56" idx="3"/>
+          </p:cNvCxnSpPr>
           <p:nvPr/>
         </p:nvCxnSpPr>
         <p:spPr>
           <a:xfrm>
-            <a:off x="3539534" y="2078487"/>
-            <a:ext cx="346666" cy="0"/>
+            <a:off x="3925321" y="2036175"/>
+            <a:ext cx="327805" cy="107"/>
           </a:xfrm>
           <a:prstGeom prst="line">
             <a:avLst/>
@@ -5704,20 +5689,19 @@
         <p:nvCxnSpPr>
           <p:cNvPr id="50" name="Elbow Connector 49"/>
           <p:cNvCxnSpPr>
-            <a:stCxn id="56" idx="2"/>
+            <a:cxnSpLocks/>
+            <a:stCxn id="56" idx="1"/>
             <a:endCxn id="58" idx="0"/>
           </p:cNvCxnSpPr>
           <p:nvPr/>
         </p:nvCxnSpPr>
         <p:spPr>
-          <a:xfrm rot="5400000">
-            <a:off x="3089176" y="2338998"/>
-            <a:ext cx="180904" cy="6429"/>
-          </a:xfrm>
-          <a:prstGeom prst="bentConnector3">
-            <a:avLst>
-              <a:gd name="adj1" fmla="val 50000"/>
-            </a:avLst>
+          <a:xfrm rot="10800000" flipV="1">
+            <a:off x="2601618" y="2036175"/>
+            <a:ext cx="572596" cy="418306"/>
+          </a:xfrm>
+          <a:prstGeom prst="bentConnector2">
+            <a:avLst/>
           </a:prstGeom>
           <a:ln w="19050">
             <a:solidFill>
@@ -5755,9 +5739,9 @@
         </p:nvGrpSpPr>
         <p:grpSpPr>
           <a:xfrm rot="5400000">
-            <a:off x="4090826" y="3633626"/>
+            <a:off x="4346209" y="3538793"/>
             <a:ext cx="555486" cy="254462"/>
-            <a:chOff x="3798139" y="875689"/>
+            <a:chOff x="3703306" y="644022"/>
             <a:chExt cx="555486" cy="230832"/>
           </a:xfrm>
         </p:grpSpPr>
@@ -5769,7 +5753,7 @@
           </p:nvSpPr>
           <p:spPr>
             <a:xfrm rot="10800000">
-              <a:off x="3798139" y="875689"/>
+              <a:off x="3703306" y="644022"/>
               <a:ext cx="555486" cy="230832"/>
             </a:xfrm>
             <a:prstGeom prst="rect">
@@ -5784,7 +5768,7 @@
             <a:lstStyle/>
             <a:p>
               <a:r>
-                <a:rPr lang="en-US" sz="1100" dirty="0" smtClean="0">
+                <a:rPr lang="en-US" sz="1100" dirty="0">
                   <a:solidFill>
                     <a:schemeClr val="accent5">
                       <a:lumMod val="75000"/>
@@ -5811,7 +5795,7 @@
           </p:nvSpPr>
           <p:spPr>
             <a:xfrm rot="5400000" flipV="1">
-              <a:off x="3795127" y="973354"/>
+              <a:off x="3700294" y="741689"/>
               <a:ext cx="119885" cy="88141"/>
             </a:xfrm>
             <a:prstGeom prst="triangle">
@@ -6066,145 +6050,7 @@
         <p:spPr>
           <a:xfrm flipV="1">
             <a:off x="4114800" y="3150962"/>
-            <a:ext cx="549790" cy="797920"/>
-          </a:xfrm>
-          <a:prstGeom prst="bentConnector3">
-            <a:avLst>
-              <a:gd name="adj1" fmla="val 14720"/>
-            </a:avLst>
-          </a:prstGeom>
-          <a:ln w="19050">
-            <a:solidFill>
-              <a:schemeClr val="accent5">
-                <a:lumMod val="75000"/>
-              </a:schemeClr>
-            </a:solidFill>
-            <a:prstDash val="sysDot"/>
-            <a:headEnd type="none" w="med" len="med"/>
-            <a:tailEnd type="arrow" w="med" len="med"/>
-          </a:ln>
-          <a:effectLst/>
-        </p:spPr>
-        <p:style>
-          <a:lnRef idx="1">
-            <a:schemeClr val="accent2"/>
-          </a:lnRef>
-          <a:fillRef idx="2">
-            <a:schemeClr val="accent2"/>
-          </a:fillRef>
-          <a:effectRef idx="1">
-            <a:schemeClr val="accent2"/>
-          </a:effectRef>
-          <a:fontRef idx="minor">
-            <a:schemeClr val="dk1"/>
-          </a:fontRef>
-        </p:style>
-      </p:cxnSp>
-      <p:cxnSp>
-        <p:nvCxnSpPr>
-          <p:cNvPr id="113" name="Elbow Connector 63"/>
-          <p:cNvCxnSpPr>
-            <a:stCxn id="16" idx="3"/>
-            <a:endCxn id="44" idx="3"/>
-          </p:cNvCxnSpPr>
-          <p:nvPr/>
-        </p:nvCxnSpPr>
-        <p:spPr>
-          <a:xfrm flipV="1">
-            <a:off x="4114800" y="2728717"/>
-            <a:ext cx="549792" cy="1220165"/>
-          </a:xfrm>
-          <a:prstGeom prst="bentConnector3">
-            <a:avLst>
-              <a:gd name="adj1" fmla="val 14720"/>
-            </a:avLst>
-          </a:prstGeom>
-          <a:ln w="19050">
-            <a:solidFill>
-              <a:schemeClr val="accent5">
-                <a:lumMod val="75000"/>
-              </a:schemeClr>
-            </a:solidFill>
-            <a:prstDash val="sysDot"/>
-            <a:headEnd type="none" w="med" len="med"/>
-            <a:tailEnd type="arrow" w="med" len="med"/>
-          </a:ln>
-          <a:effectLst/>
-        </p:spPr>
-        <p:style>
-          <a:lnRef idx="1">
-            <a:schemeClr val="accent2"/>
-          </a:lnRef>
-          <a:fillRef idx="2">
-            <a:schemeClr val="accent2"/>
-          </a:fillRef>
-          <a:effectRef idx="1">
-            <a:schemeClr val="accent2"/>
-          </a:effectRef>
-          <a:fontRef idx="minor">
-            <a:schemeClr val="dk1"/>
-          </a:fontRef>
-        </p:style>
-      </p:cxnSp>
-      <p:cxnSp>
-        <p:nvCxnSpPr>
-          <p:cNvPr id="116" name="Elbow Connector 63"/>
-          <p:cNvCxnSpPr>
-            <a:stCxn id="16" idx="3"/>
-            <a:endCxn id="42" idx="3"/>
-          </p:cNvCxnSpPr>
-          <p:nvPr/>
-        </p:nvCxnSpPr>
-        <p:spPr>
-          <a:xfrm flipV="1">
-            <a:off x="4114800" y="2322317"/>
-            <a:ext cx="549792" cy="1626565"/>
-          </a:xfrm>
-          <a:prstGeom prst="bentConnector3">
-            <a:avLst>
-              <a:gd name="adj1" fmla="val 14721"/>
-            </a:avLst>
-          </a:prstGeom>
-          <a:ln w="19050">
-            <a:solidFill>
-              <a:schemeClr val="accent5">
-                <a:lumMod val="75000"/>
-              </a:schemeClr>
-            </a:solidFill>
-            <a:prstDash val="sysDot"/>
-            <a:headEnd type="none" w="med" len="med"/>
-            <a:tailEnd type="arrow" w="med" len="med"/>
-          </a:ln>
-          <a:effectLst/>
-        </p:spPr>
-        <p:style>
-          <a:lnRef idx="1">
-            <a:schemeClr val="accent2"/>
-          </a:lnRef>
-          <a:fillRef idx="2">
-            <a:schemeClr val="accent2"/>
-          </a:fillRef>
-          <a:effectRef idx="1">
-            <a:schemeClr val="accent2"/>
-          </a:effectRef>
-          <a:fontRef idx="minor">
-            <a:schemeClr val="dk1"/>
-          </a:fontRef>
-        </p:style>
-      </p:cxnSp>
-      <p:cxnSp>
-        <p:nvCxnSpPr>
-          <p:cNvPr id="120" name="Elbow Connector 63"/>
-          <p:cNvCxnSpPr>
-            <a:stCxn id="44" idx="1"/>
-            <a:endCxn id="10" idx="3"/>
-          </p:cNvCxnSpPr>
-          <p:nvPr/>
-        </p:nvCxnSpPr>
-        <p:spPr>
-          <a:xfrm flipV="1">
-            <a:off x="5758227" y="2728300"/>
-            <a:ext cx="768138" cy="417"/>
+            <a:ext cx="716492" cy="797920"/>
           </a:xfrm>
           <a:prstGeom prst="bentConnector3">
             <a:avLst>
@@ -6240,17 +6086,17 @@
       </p:cxnSp>
       <p:cxnSp>
         <p:nvCxnSpPr>
-          <p:cNvPr id="122" name="Elbow Connector 63"/>
+          <p:cNvPr id="113" name="Elbow Connector 63"/>
           <p:cNvCxnSpPr>
-            <a:stCxn id="42" idx="1"/>
-            <a:endCxn id="4" idx="3"/>
+            <a:stCxn id="16" idx="3"/>
+            <a:endCxn id="44" idx="3"/>
           </p:cNvCxnSpPr>
           <p:nvPr/>
         </p:nvCxnSpPr>
         <p:spPr>
-          <a:xfrm>
-            <a:off x="5758227" y="2322317"/>
-            <a:ext cx="762000" cy="230"/>
+          <a:xfrm flipV="1">
+            <a:off x="4114800" y="2728717"/>
+            <a:ext cx="716494" cy="1220165"/>
           </a:xfrm>
           <a:prstGeom prst="bentConnector3">
             <a:avLst>
@@ -6286,14 +6132,156 @@
       </p:cxnSp>
       <p:cxnSp>
         <p:nvCxnSpPr>
-          <p:cNvPr id="64" name="Straight Connector 63"/>
-          <p:cNvCxnSpPr/>
+          <p:cNvPr id="116" name="Elbow Connector 63"/>
+          <p:cNvCxnSpPr>
+            <a:stCxn id="16" idx="3"/>
+            <a:endCxn id="42" idx="3"/>
+          </p:cNvCxnSpPr>
           <p:nvPr/>
         </p:nvCxnSpPr>
         <p:spPr>
+          <a:xfrm flipV="1">
+            <a:off x="4114800" y="2322317"/>
+            <a:ext cx="716494" cy="1626565"/>
+          </a:xfrm>
+          <a:prstGeom prst="bentConnector3">
+            <a:avLst>
+              <a:gd name="adj1" fmla="val 50000"/>
+            </a:avLst>
+          </a:prstGeom>
+          <a:ln w="19050">
+            <a:solidFill>
+              <a:schemeClr val="accent5">
+                <a:lumMod val="75000"/>
+              </a:schemeClr>
+            </a:solidFill>
+            <a:prstDash val="sysDot"/>
+            <a:headEnd type="none" w="med" len="med"/>
+            <a:tailEnd type="arrow" w="med" len="med"/>
+          </a:ln>
+          <a:effectLst/>
+        </p:spPr>
+        <p:style>
+          <a:lnRef idx="1">
+            <a:schemeClr val="accent2"/>
+          </a:lnRef>
+          <a:fillRef idx="2">
+            <a:schemeClr val="accent2"/>
+          </a:fillRef>
+          <a:effectRef idx="1">
+            <a:schemeClr val="accent2"/>
+          </a:effectRef>
+          <a:fontRef idx="minor">
+            <a:schemeClr val="dk1"/>
+          </a:fontRef>
+        </p:style>
+      </p:cxnSp>
+      <p:cxnSp>
+        <p:nvCxnSpPr>
+          <p:cNvPr id="120" name="Elbow Connector 63"/>
+          <p:cNvCxnSpPr>
+            <a:cxnSpLocks/>
+            <a:stCxn id="44" idx="1"/>
+            <a:endCxn id="10" idx="3"/>
+          </p:cNvCxnSpPr>
+          <p:nvPr/>
+        </p:nvCxnSpPr>
+        <p:spPr>
+          <a:xfrm flipV="1">
+            <a:off x="5924929" y="2728300"/>
+            <a:ext cx="601436" cy="417"/>
+          </a:xfrm>
+          <a:prstGeom prst="bentConnector3">
+            <a:avLst>
+              <a:gd name="adj1" fmla="val 50000"/>
+            </a:avLst>
+          </a:prstGeom>
+          <a:ln w="19050">
+            <a:solidFill>
+              <a:schemeClr val="accent5">
+                <a:lumMod val="75000"/>
+              </a:schemeClr>
+            </a:solidFill>
+            <a:prstDash val="sysDot"/>
+            <a:headEnd type="none" w="med" len="med"/>
+            <a:tailEnd type="arrow" w="med" len="med"/>
+          </a:ln>
+          <a:effectLst/>
+        </p:spPr>
+        <p:style>
+          <a:lnRef idx="1">
+            <a:schemeClr val="accent2"/>
+          </a:lnRef>
+          <a:fillRef idx="2">
+            <a:schemeClr val="accent2"/>
+          </a:fillRef>
+          <a:effectRef idx="1">
+            <a:schemeClr val="accent2"/>
+          </a:effectRef>
+          <a:fontRef idx="minor">
+            <a:schemeClr val="dk1"/>
+          </a:fontRef>
+        </p:style>
+      </p:cxnSp>
+      <p:cxnSp>
+        <p:nvCxnSpPr>
+          <p:cNvPr id="122" name="Elbow Connector 63"/>
+          <p:cNvCxnSpPr>
+            <a:cxnSpLocks/>
+            <a:stCxn id="42" idx="1"/>
+            <a:endCxn id="4" idx="3"/>
+          </p:cNvCxnSpPr>
+          <p:nvPr/>
+        </p:nvCxnSpPr>
+        <p:spPr>
           <a:xfrm>
-            <a:off x="3886200" y="2078487"/>
-            <a:ext cx="0" cy="1218984"/>
+            <a:off x="5924929" y="2322317"/>
+            <a:ext cx="595298" cy="230"/>
+          </a:xfrm>
+          <a:prstGeom prst="bentConnector3">
+            <a:avLst>
+              <a:gd name="adj1" fmla="val 50000"/>
+            </a:avLst>
+          </a:prstGeom>
+          <a:ln w="19050">
+            <a:solidFill>
+              <a:schemeClr val="accent5">
+                <a:lumMod val="75000"/>
+              </a:schemeClr>
+            </a:solidFill>
+            <a:prstDash val="sysDot"/>
+            <a:headEnd type="none" w="med" len="med"/>
+            <a:tailEnd type="arrow" w="med" len="med"/>
+          </a:ln>
+          <a:effectLst/>
+        </p:spPr>
+        <p:style>
+          <a:lnRef idx="1">
+            <a:schemeClr val="accent2"/>
+          </a:lnRef>
+          <a:fillRef idx="2">
+            <a:schemeClr val="accent2"/>
+          </a:fillRef>
+          <a:effectRef idx="1">
+            <a:schemeClr val="accent2"/>
+          </a:effectRef>
+          <a:fontRef idx="minor">
+            <a:schemeClr val="dk1"/>
+          </a:fontRef>
+        </p:style>
+      </p:cxnSp>
+      <p:cxnSp>
+        <p:nvCxnSpPr>
+          <p:cNvPr id="64" name="Straight Connector 63"/>
+          <p:cNvCxnSpPr>
+            <a:cxnSpLocks/>
+          </p:cNvCxnSpPr>
+          <p:nvPr/>
+        </p:nvCxnSpPr>
+        <p:spPr>
+          <a:xfrm>
+            <a:off x="4248488" y="2033984"/>
+            <a:ext cx="0" cy="1304815"/>
           </a:xfrm>
           <a:prstGeom prst="line">
             <a:avLst/>
@@ -6328,13 +6316,15 @@
       <p:cxnSp>
         <p:nvCxnSpPr>
           <p:cNvPr id="66" name="Straight Connector 65"/>
-          <p:cNvCxnSpPr/>
+          <p:cNvCxnSpPr>
+            <a:cxnSpLocks/>
+          </p:cNvCxnSpPr>
           <p:nvPr/>
         </p:nvCxnSpPr>
         <p:spPr>
           <a:xfrm>
-            <a:off x="3894672" y="2209800"/>
-            <a:ext cx="769918" cy="0"/>
+            <a:off x="4248488" y="2209800"/>
+            <a:ext cx="582002" cy="0"/>
           </a:xfrm>
           <a:prstGeom prst="line">
             <a:avLst/>
@@ -6369,13 +6359,15 @@
       <p:cxnSp>
         <p:nvCxnSpPr>
           <p:cNvPr id="73" name="Straight Connector 72"/>
-          <p:cNvCxnSpPr/>
+          <p:cNvCxnSpPr>
+            <a:cxnSpLocks/>
+          </p:cNvCxnSpPr>
           <p:nvPr/>
         </p:nvCxnSpPr>
         <p:spPr>
-          <a:xfrm>
-            <a:off x="3886200" y="2607244"/>
-            <a:ext cx="769918" cy="0"/>
+          <a:xfrm flipV="1">
+            <a:off x="4255042" y="2607245"/>
+            <a:ext cx="566976" cy="5974"/>
           </a:xfrm>
           <a:prstGeom prst="line">
             <a:avLst/>
@@ -6410,13 +6402,15 @@
       <p:cxnSp>
         <p:nvCxnSpPr>
           <p:cNvPr id="74" name="Straight Connector 73"/>
-          <p:cNvCxnSpPr/>
+          <p:cNvCxnSpPr>
+            <a:cxnSpLocks/>
+          </p:cNvCxnSpPr>
           <p:nvPr/>
         </p:nvCxnSpPr>
         <p:spPr>
           <a:xfrm>
-            <a:off x="3886200" y="3048000"/>
-            <a:ext cx="769918" cy="0"/>
+            <a:off x="4248487" y="3048000"/>
+            <a:ext cx="573531" cy="0"/>
           </a:xfrm>
           <a:prstGeom prst="line">
             <a:avLst/>
@@ -6429,6 +6423,221 @@
             </a:solidFill>
             <a:prstDash val="sysDot"/>
             <a:headEnd type="none" w="med" len="med"/>
+            <a:tailEnd type="none" w="med" len="med"/>
+          </a:ln>
+          <a:effectLst/>
+        </p:spPr>
+        <p:style>
+          <a:lnRef idx="1">
+            <a:schemeClr val="accent2"/>
+          </a:lnRef>
+          <a:fillRef idx="2">
+            <a:schemeClr val="accent2"/>
+          </a:fillRef>
+          <a:effectRef idx="1">
+            <a:schemeClr val="accent2"/>
+          </a:effectRef>
+          <a:fontRef idx="minor">
+            <a:schemeClr val="dk1"/>
+          </a:fontRef>
+        </p:style>
+      </p:cxnSp>
+      <p:sp>
+        <p:nvSpPr>
+          <p:cNvPr id="109" name="Rectangle 62"/>
+          <p:cNvSpPr/>
+          <p:nvPr/>
+        </p:nvSpPr>
+        <p:spPr>
+          <a:xfrm>
+            <a:off x="3174214" y="2370131"/>
+            <a:ext cx="750156" cy="340758"/>
+          </a:xfrm>
+          <a:prstGeom prst="rect">
+            <a:avLst/>
+          </a:prstGeom>
+          <a:solidFill>
+            <a:schemeClr val="accent5">
+              <a:lumMod val="60000"/>
+              <a:lumOff val="40000"/>
+            </a:schemeClr>
+          </a:solidFill>
+          <a:ln w="19050">
+            <a:solidFill>
+              <a:schemeClr val="accent5">
+                <a:lumMod val="60000"/>
+                <a:lumOff val="40000"/>
+              </a:schemeClr>
+            </a:solidFill>
+          </a:ln>
+          <a:effectLst/>
+        </p:spPr>
+        <p:style>
+          <a:lnRef idx="1">
+            <a:schemeClr val="accent2"/>
+          </a:lnRef>
+          <a:fillRef idx="2">
+            <a:schemeClr val="accent2"/>
+          </a:fillRef>
+          <a:effectRef idx="1">
+            <a:schemeClr val="accent2"/>
+          </a:effectRef>
+          <a:fontRef idx="minor">
+            <a:schemeClr val="dk1"/>
+          </a:fontRef>
+        </p:style>
+        <p:txBody>
+          <a:bodyPr rtlCol="0" anchor="ctr"/>
+          <a:lstStyle/>
+          <a:p>
+            <a:pPr algn="ctr"/>
+            <a:r>
+              <a:rPr lang="en-SG" sz="1050" dirty="0">
+                <a:solidFill>
+                  <a:schemeClr val="bg1"/>
+                </a:solidFill>
+              </a:rPr>
+              <a:t>Argument</a:t>
+            </a:r>
+            <a:br>
+              <a:rPr lang="en-SG" sz="1050" dirty="0">
+                <a:solidFill>
+                  <a:schemeClr val="bg1"/>
+                </a:solidFill>
+              </a:rPr>
+            </a:br>
+            <a:r>
+              <a:rPr lang="en-SG" sz="1050" dirty="0">
+                <a:solidFill>
+                  <a:schemeClr val="bg1"/>
+                </a:solidFill>
+              </a:rPr>
+              <a:t>Multimap</a:t>
+            </a:r>
+          </a:p>
+        </p:txBody>
+      </p:sp>
+      <p:cxnSp>
+        <p:nvCxnSpPr>
+          <p:cNvPr id="112" name="Elbow Connector 12"/>
+          <p:cNvCxnSpPr>
+            <a:cxnSpLocks/>
+            <a:stCxn id="109" idx="1"/>
+            <a:endCxn id="58" idx="3"/>
+          </p:cNvCxnSpPr>
+          <p:nvPr/>
+        </p:nvCxnSpPr>
+        <p:spPr>
+          <a:xfrm rot="10800000" flipV="1">
+            <a:off x="2964740" y="2540509"/>
+            <a:ext cx="209475" cy="1261"/>
+          </a:xfrm>
+          <a:prstGeom prst="bentConnector3">
+            <a:avLst>
+              <a:gd name="adj1" fmla="val 50000"/>
+            </a:avLst>
+          </a:prstGeom>
+          <a:ln w="19050">
+            <a:solidFill>
+              <a:schemeClr val="accent5">
+                <a:lumMod val="60000"/>
+                <a:lumOff val="40000"/>
+              </a:schemeClr>
+            </a:solidFill>
+            <a:prstDash val="sysDot"/>
+            <a:headEnd type="none" w="med" len="med"/>
+            <a:tailEnd type="arrow" w="med" len="med"/>
+          </a:ln>
+          <a:effectLst/>
+        </p:spPr>
+        <p:style>
+          <a:lnRef idx="1">
+            <a:schemeClr val="accent2"/>
+          </a:lnRef>
+          <a:fillRef idx="2">
+            <a:schemeClr val="accent2"/>
+          </a:fillRef>
+          <a:effectRef idx="1">
+            <a:schemeClr val="accent2"/>
+          </a:effectRef>
+          <a:fontRef idx="minor">
+            <a:schemeClr val="dk1"/>
+          </a:fontRef>
+        </p:style>
+      </p:cxnSp>
+      <p:cxnSp>
+        <p:nvCxnSpPr>
+          <p:cNvPr id="118" name="Elbow Connector 49"/>
+          <p:cNvCxnSpPr>
+            <a:cxnSpLocks/>
+            <a:stCxn id="56" idx="2"/>
+            <a:endCxn id="109" idx="0"/>
+          </p:cNvCxnSpPr>
+          <p:nvPr/>
+        </p:nvCxnSpPr>
+        <p:spPr>
+          <a:xfrm rot="5400000">
+            <a:off x="3469242" y="2289605"/>
+            <a:ext cx="160576" cy="476"/>
+          </a:xfrm>
+          <a:prstGeom prst="bentConnector3">
+            <a:avLst>
+              <a:gd name="adj1" fmla="val 50000"/>
+            </a:avLst>
+          </a:prstGeom>
+          <a:ln w="19050">
+            <a:solidFill>
+              <a:schemeClr val="accent5">
+                <a:lumMod val="60000"/>
+                <a:lumOff val="40000"/>
+              </a:schemeClr>
+            </a:solidFill>
+            <a:prstDash val="sysDot"/>
+            <a:headEnd type="none" w="med" len="med"/>
+            <a:tailEnd type="arrow" w="med" len="med"/>
+          </a:ln>
+          <a:effectLst/>
+        </p:spPr>
+        <p:style>
+          <a:lnRef idx="1">
+            <a:schemeClr val="accent2"/>
+          </a:lnRef>
+          <a:fillRef idx="2">
+            <a:schemeClr val="accent2"/>
+          </a:fillRef>
+          <a:effectRef idx="1">
+            <a:schemeClr val="accent2"/>
+          </a:effectRef>
+          <a:fontRef idx="minor">
+            <a:schemeClr val="dk1"/>
+          </a:fontRef>
+        </p:style>
+      </p:cxnSp>
+      <p:cxnSp>
+        <p:nvCxnSpPr>
+          <p:cNvPr id="123" name="Straight Connector 122"/>
+          <p:cNvCxnSpPr>
+            <a:cxnSpLocks/>
+            <a:stCxn id="109" idx="3"/>
+          </p:cNvCxnSpPr>
+          <p:nvPr/>
+        </p:nvCxnSpPr>
+        <p:spPr>
+          <a:xfrm flipV="1">
+            <a:off x="3924370" y="2535795"/>
+            <a:ext cx="322202" cy="4715"/>
+          </a:xfrm>
+          <a:prstGeom prst="line">
+            <a:avLst/>
+          </a:prstGeom>
+          <a:ln w="19050">
+            <a:solidFill>
+              <a:schemeClr val="accent5">
+                <a:lumMod val="50000"/>
+              </a:schemeClr>
+            </a:solidFill>
+            <a:prstDash val="sysDot"/>
+            <a:headEnd type="arrow" w="med" len="med"/>
             <a:tailEnd type="none" w="med" len="med"/>
           </a:ln>
           <a:effectLst/>

--- a/docs/diagrams/LogicComponentClassDiagram.pptx
+++ b/docs/diagrams/LogicComponentClassDiagram.pptx
@@ -208,7 +208,7 @@
           <a:p>
             <a:fld id="{F5CC4B3F-88C1-4FFA-B1B6-F41C21DC6924}" type="datetimeFigureOut">
               <a:rPr lang="en-US" smtClean="0"/>
-              <a:t>2/2/2017</a:t>
+              <a:t>3/14/2017</a:t>
             </a:fld>
             <a:endParaRPr lang="en-US"/>
           </a:p>
@@ -272,38 +272,37 @@
           <a:p>
             <a:pPr lvl="0"/>
             <a:r>
-              <a:rPr lang="en-US" smtClean="0"/>
+              <a:rPr lang="en-US"/>
               <a:t>Click to edit Master text styles</a:t>
             </a:r>
           </a:p>
           <a:p>
             <a:pPr lvl="1"/>
             <a:r>
-              <a:rPr lang="en-US" smtClean="0"/>
+              <a:rPr lang="en-US"/>
               <a:t>Second level</a:t>
             </a:r>
           </a:p>
           <a:p>
             <a:pPr lvl="2"/>
             <a:r>
-              <a:rPr lang="en-US" smtClean="0"/>
+              <a:rPr lang="en-US"/>
               <a:t>Third level</a:t>
             </a:r>
           </a:p>
           <a:p>
             <a:pPr lvl="3"/>
             <a:r>
-              <a:rPr lang="en-US" smtClean="0"/>
+              <a:rPr lang="en-US"/>
               <a:t>Fourth level</a:t>
             </a:r>
           </a:p>
           <a:p>
             <a:pPr lvl="4"/>
             <a:r>
-              <a:rPr lang="en-US" smtClean="0"/>
+              <a:rPr lang="en-US"/>
               <a:t>Fifth level</a:t>
             </a:r>
-            <a:endParaRPr lang="en-US"/>
           </a:p>
         </p:txBody>
       </p:sp>
@@ -514,10 +513,9 @@
           <a:lstStyle/>
           <a:p>
             <a:r>
-              <a:rPr lang="en-US" smtClean="0"/>
+              <a:rPr lang="en-US"/>
               <a:t>Click to edit Master title style</a:t>
             </a:r>
-            <a:endParaRPr lang="en-US"/>
           </a:p>
         </p:txBody>
       </p:sp>
@@ -633,10 +631,9 @@
           </a:lstStyle>
           <a:p>
             <a:r>
-              <a:rPr lang="en-US" smtClean="0"/>
+              <a:rPr lang="en-US"/>
               <a:t>Click to edit Master subtitle style</a:t>
             </a:r>
-            <a:endParaRPr lang="en-US"/>
           </a:p>
         </p:txBody>
       </p:sp>
@@ -657,7 +654,7 @@
           <a:p>
             <a:fld id="{78C97017-6FC3-485B-9764-EAC9E56C1D49}" type="datetimeFigureOut">
               <a:rPr lang="en-US" smtClean="0"/>
-              <a:t>2/2/2017</a:t>
+              <a:t>3/14/2017</a:t>
             </a:fld>
             <a:endParaRPr lang="en-US"/>
           </a:p>
@@ -751,10 +748,9 @@
           <a:lstStyle/>
           <a:p>
             <a:r>
-              <a:rPr lang="en-US" smtClean="0"/>
+              <a:rPr lang="en-US"/>
               <a:t>Click to edit Master title style</a:t>
             </a:r>
-            <a:endParaRPr lang="en-US"/>
           </a:p>
         </p:txBody>
       </p:sp>
@@ -775,38 +771,37 @@
           <a:p>
             <a:pPr lvl="0"/>
             <a:r>
-              <a:rPr lang="en-US" smtClean="0"/>
+              <a:rPr lang="en-US"/>
               <a:t>Click to edit Master text styles</a:t>
             </a:r>
           </a:p>
           <a:p>
             <a:pPr lvl="1"/>
             <a:r>
-              <a:rPr lang="en-US" smtClean="0"/>
+              <a:rPr lang="en-US"/>
               <a:t>Second level</a:t>
             </a:r>
           </a:p>
           <a:p>
             <a:pPr lvl="2"/>
             <a:r>
-              <a:rPr lang="en-US" smtClean="0"/>
+              <a:rPr lang="en-US"/>
               <a:t>Third level</a:t>
             </a:r>
           </a:p>
           <a:p>
             <a:pPr lvl="3"/>
             <a:r>
-              <a:rPr lang="en-US" smtClean="0"/>
+              <a:rPr lang="en-US"/>
               <a:t>Fourth level</a:t>
             </a:r>
           </a:p>
           <a:p>
             <a:pPr lvl="4"/>
             <a:r>
-              <a:rPr lang="en-US" smtClean="0"/>
+              <a:rPr lang="en-US"/>
               <a:t>Fifth level</a:t>
             </a:r>
-            <a:endParaRPr lang="en-US"/>
           </a:p>
         </p:txBody>
       </p:sp>
@@ -827,7 +822,7 @@
           <a:p>
             <a:fld id="{78C97017-6FC3-485B-9764-EAC9E56C1D49}" type="datetimeFigureOut">
               <a:rPr lang="en-US" smtClean="0"/>
-              <a:t>2/2/2017</a:t>
+              <a:t>3/14/2017</a:t>
             </a:fld>
             <a:endParaRPr lang="en-US"/>
           </a:p>
@@ -926,10 +921,9 @@
           <a:lstStyle/>
           <a:p>
             <a:r>
-              <a:rPr lang="en-US" smtClean="0"/>
+              <a:rPr lang="en-US"/>
               <a:t>Click to edit Master title style</a:t>
             </a:r>
-            <a:endParaRPr lang="en-US"/>
           </a:p>
         </p:txBody>
       </p:sp>
@@ -955,38 +949,37 @@
           <a:p>
             <a:pPr lvl="0"/>
             <a:r>
-              <a:rPr lang="en-US" smtClean="0"/>
+              <a:rPr lang="en-US"/>
               <a:t>Click to edit Master text styles</a:t>
             </a:r>
           </a:p>
           <a:p>
             <a:pPr lvl="1"/>
             <a:r>
-              <a:rPr lang="en-US" smtClean="0"/>
+              <a:rPr lang="en-US"/>
               <a:t>Second level</a:t>
             </a:r>
           </a:p>
           <a:p>
             <a:pPr lvl="2"/>
             <a:r>
-              <a:rPr lang="en-US" smtClean="0"/>
+              <a:rPr lang="en-US"/>
               <a:t>Third level</a:t>
             </a:r>
           </a:p>
           <a:p>
             <a:pPr lvl="3"/>
             <a:r>
-              <a:rPr lang="en-US" smtClean="0"/>
+              <a:rPr lang="en-US"/>
               <a:t>Fourth level</a:t>
             </a:r>
           </a:p>
           <a:p>
             <a:pPr lvl="4"/>
             <a:r>
-              <a:rPr lang="en-US" smtClean="0"/>
+              <a:rPr lang="en-US"/>
               <a:t>Fifth level</a:t>
             </a:r>
-            <a:endParaRPr lang="en-US"/>
           </a:p>
         </p:txBody>
       </p:sp>
@@ -1007,7 +1000,7 @@
           <a:p>
             <a:fld id="{78C97017-6FC3-485B-9764-EAC9E56C1D49}" type="datetimeFigureOut">
               <a:rPr lang="en-US" smtClean="0"/>
-              <a:t>2/2/2017</a:t>
+              <a:t>3/14/2017</a:t>
             </a:fld>
             <a:endParaRPr lang="en-US"/>
           </a:p>
@@ -1101,10 +1094,9 @@
           <a:lstStyle/>
           <a:p>
             <a:r>
-              <a:rPr lang="en-US" smtClean="0"/>
+              <a:rPr lang="en-US"/>
               <a:t>Click to edit Master title style</a:t>
             </a:r>
-            <a:endParaRPr lang="en-US"/>
           </a:p>
         </p:txBody>
       </p:sp>
@@ -1125,38 +1117,37 @@
           <a:p>
             <a:pPr lvl="0"/>
             <a:r>
-              <a:rPr lang="en-US" smtClean="0"/>
+              <a:rPr lang="en-US"/>
               <a:t>Click to edit Master text styles</a:t>
             </a:r>
           </a:p>
           <a:p>
             <a:pPr lvl="1"/>
             <a:r>
-              <a:rPr lang="en-US" smtClean="0"/>
+              <a:rPr lang="en-US"/>
               <a:t>Second level</a:t>
             </a:r>
           </a:p>
           <a:p>
             <a:pPr lvl="2"/>
             <a:r>
-              <a:rPr lang="en-US" smtClean="0"/>
+              <a:rPr lang="en-US"/>
               <a:t>Third level</a:t>
             </a:r>
           </a:p>
           <a:p>
             <a:pPr lvl="3"/>
             <a:r>
-              <a:rPr lang="en-US" smtClean="0"/>
+              <a:rPr lang="en-US"/>
               <a:t>Fourth level</a:t>
             </a:r>
           </a:p>
           <a:p>
             <a:pPr lvl="4"/>
             <a:r>
-              <a:rPr lang="en-US" smtClean="0"/>
+              <a:rPr lang="en-US"/>
               <a:t>Fifth level</a:t>
             </a:r>
-            <a:endParaRPr lang="en-US"/>
           </a:p>
         </p:txBody>
       </p:sp>
@@ -1177,7 +1168,7 @@
           <a:p>
             <a:fld id="{78C97017-6FC3-485B-9764-EAC9E56C1D49}" type="datetimeFigureOut">
               <a:rPr lang="en-US" smtClean="0"/>
-              <a:t>2/2/2017</a:t>
+              <a:t>3/14/2017</a:t>
             </a:fld>
             <a:endParaRPr lang="en-US"/>
           </a:p>
@@ -1280,10 +1271,9 @@
           </a:lstStyle>
           <a:p>
             <a:r>
-              <a:rPr lang="en-US" smtClean="0"/>
+              <a:rPr lang="en-US"/>
               <a:t>Click to edit Master title style</a:t>
             </a:r>
-            <a:endParaRPr lang="en-US"/>
           </a:p>
         </p:txBody>
       </p:sp>
@@ -1400,7 +1390,7 @@
           <a:p>
             <a:pPr lvl="0"/>
             <a:r>
-              <a:rPr lang="en-US" smtClean="0"/>
+              <a:rPr lang="en-US"/>
               <a:t>Click to edit Master text styles</a:t>
             </a:r>
           </a:p>
@@ -1423,7 +1413,7 @@
           <a:p>
             <a:fld id="{78C97017-6FC3-485B-9764-EAC9E56C1D49}" type="datetimeFigureOut">
               <a:rPr lang="en-US" smtClean="0"/>
-              <a:t>2/2/2017</a:t>
+              <a:t>3/14/2017</a:t>
             </a:fld>
             <a:endParaRPr lang="en-US"/>
           </a:p>
@@ -1517,10 +1507,9 @@
           <a:lstStyle/>
           <a:p>
             <a:r>
-              <a:rPr lang="en-US" smtClean="0"/>
+              <a:rPr lang="en-US"/>
               <a:t>Click to edit Master title style</a:t>
             </a:r>
-            <a:endParaRPr lang="en-US"/>
           </a:p>
         </p:txBody>
       </p:sp>
@@ -1574,38 +1563,37 @@
           <a:p>
             <a:pPr lvl="0"/>
             <a:r>
-              <a:rPr lang="en-US" smtClean="0"/>
+              <a:rPr lang="en-US"/>
               <a:t>Click to edit Master text styles</a:t>
             </a:r>
           </a:p>
           <a:p>
             <a:pPr lvl="1"/>
             <a:r>
-              <a:rPr lang="en-US" smtClean="0"/>
+              <a:rPr lang="en-US"/>
               <a:t>Second level</a:t>
             </a:r>
           </a:p>
           <a:p>
             <a:pPr lvl="2"/>
             <a:r>
-              <a:rPr lang="en-US" smtClean="0"/>
+              <a:rPr lang="en-US"/>
               <a:t>Third level</a:t>
             </a:r>
           </a:p>
           <a:p>
             <a:pPr lvl="3"/>
             <a:r>
-              <a:rPr lang="en-US" smtClean="0"/>
+              <a:rPr lang="en-US"/>
               <a:t>Fourth level</a:t>
             </a:r>
           </a:p>
           <a:p>
             <a:pPr lvl="4"/>
             <a:r>
-              <a:rPr lang="en-US" smtClean="0"/>
+              <a:rPr lang="en-US"/>
               <a:t>Fifth level</a:t>
             </a:r>
-            <a:endParaRPr lang="en-US"/>
           </a:p>
         </p:txBody>
       </p:sp>
@@ -1659,38 +1647,37 @@
           <a:p>
             <a:pPr lvl="0"/>
             <a:r>
-              <a:rPr lang="en-US" smtClean="0"/>
+              <a:rPr lang="en-US"/>
               <a:t>Click to edit Master text styles</a:t>
             </a:r>
           </a:p>
           <a:p>
             <a:pPr lvl="1"/>
             <a:r>
-              <a:rPr lang="en-US" smtClean="0"/>
+              <a:rPr lang="en-US"/>
               <a:t>Second level</a:t>
             </a:r>
           </a:p>
           <a:p>
             <a:pPr lvl="2"/>
             <a:r>
-              <a:rPr lang="en-US" smtClean="0"/>
+              <a:rPr lang="en-US"/>
               <a:t>Third level</a:t>
             </a:r>
           </a:p>
           <a:p>
             <a:pPr lvl="3"/>
             <a:r>
-              <a:rPr lang="en-US" smtClean="0"/>
+              <a:rPr lang="en-US"/>
               <a:t>Fourth level</a:t>
             </a:r>
           </a:p>
           <a:p>
             <a:pPr lvl="4"/>
             <a:r>
-              <a:rPr lang="en-US" smtClean="0"/>
+              <a:rPr lang="en-US"/>
               <a:t>Fifth level</a:t>
             </a:r>
-            <a:endParaRPr lang="en-US"/>
           </a:p>
         </p:txBody>
       </p:sp>
@@ -1711,7 +1698,7 @@
           <a:p>
             <a:fld id="{78C97017-6FC3-485B-9764-EAC9E56C1D49}" type="datetimeFigureOut">
               <a:rPr lang="en-US" smtClean="0"/>
-              <a:t>2/2/2017</a:t>
+              <a:t>3/14/2017</a:t>
             </a:fld>
             <a:endParaRPr lang="en-US"/>
           </a:p>
@@ -1809,10 +1796,9 @@
           </a:lstStyle>
           <a:p>
             <a:r>
-              <a:rPr lang="en-US" smtClean="0"/>
+              <a:rPr lang="en-US"/>
               <a:t>Click to edit Master title style</a:t>
             </a:r>
-            <a:endParaRPr lang="en-US"/>
           </a:p>
         </p:txBody>
       </p:sp>
@@ -1875,7 +1861,7 @@
           <a:p>
             <a:pPr lvl="0"/>
             <a:r>
-              <a:rPr lang="en-US" smtClean="0"/>
+              <a:rPr lang="en-US"/>
               <a:t>Click to edit Master text styles</a:t>
             </a:r>
           </a:p>
@@ -1931,38 +1917,37 @@
           <a:p>
             <a:pPr lvl="0"/>
             <a:r>
-              <a:rPr lang="en-US" smtClean="0"/>
+              <a:rPr lang="en-US"/>
               <a:t>Click to edit Master text styles</a:t>
             </a:r>
           </a:p>
           <a:p>
             <a:pPr lvl="1"/>
             <a:r>
-              <a:rPr lang="en-US" smtClean="0"/>
+              <a:rPr lang="en-US"/>
               <a:t>Second level</a:t>
             </a:r>
           </a:p>
           <a:p>
             <a:pPr lvl="2"/>
             <a:r>
-              <a:rPr lang="en-US" smtClean="0"/>
+              <a:rPr lang="en-US"/>
               <a:t>Third level</a:t>
             </a:r>
           </a:p>
           <a:p>
             <a:pPr lvl="3"/>
             <a:r>
-              <a:rPr lang="en-US" smtClean="0"/>
+              <a:rPr lang="en-US"/>
               <a:t>Fourth level</a:t>
             </a:r>
           </a:p>
           <a:p>
             <a:pPr lvl="4"/>
             <a:r>
-              <a:rPr lang="en-US" smtClean="0"/>
+              <a:rPr lang="en-US"/>
               <a:t>Fifth level</a:t>
             </a:r>
-            <a:endParaRPr lang="en-US"/>
           </a:p>
         </p:txBody>
       </p:sp>
@@ -2025,7 +2010,7 @@
           <a:p>
             <a:pPr lvl="0"/>
             <a:r>
-              <a:rPr lang="en-US" smtClean="0"/>
+              <a:rPr lang="en-US"/>
               <a:t>Click to edit Master text styles</a:t>
             </a:r>
           </a:p>
@@ -2081,38 +2066,37 @@
           <a:p>
             <a:pPr lvl="0"/>
             <a:r>
-              <a:rPr lang="en-US" smtClean="0"/>
+              <a:rPr lang="en-US"/>
               <a:t>Click to edit Master text styles</a:t>
             </a:r>
           </a:p>
           <a:p>
             <a:pPr lvl="1"/>
             <a:r>
-              <a:rPr lang="en-US" smtClean="0"/>
+              <a:rPr lang="en-US"/>
               <a:t>Second level</a:t>
             </a:r>
           </a:p>
           <a:p>
             <a:pPr lvl="2"/>
             <a:r>
-              <a:rPr lang="en-US" smtClean="0"/>
+              <a:rPr lang="en-US"/>
               <a:t>Third level</a:t>
             </a:r>
           </a:p>
           <a:p>
             <a:pPr lvl="3"/>
             <a:r>
-              <a:rPr lang="en-US" smtClean="0"/>
+              <a:rPr lang="en-US"/>
               <a:t>Fourth level</a:t>
             </a:r>
           </a:p>
           <a:p>
             <a:pPr lvl="4"/>
             <a:r>
-              <a:rPr lang="en-US" smtClean="0"/>
+              <a:rPr lang="en-US"/>
               <a:t>Fifth level</a:t>
             </a:r>
-            <a:endParaRPr lang="en-US"/>
           </a:p>
         </p:txBody>
       </p:sp>
@@ -2133,7 +2117,7 @@
           <a:p>
             <a:fld id="{78C97017-6FC3-485B-9764-EAC9E56C1D49}" type="datetimeFigureOut">
               <a:rPr lang="en-US" smtClean="0"/>
-              <a:t>2/2/2017</a:t>
+              <a:t>3/14/2017</a:t>
             </a:fld>
             <a:endParaRPr lang="en-US"/>
           </a:p>
@@ -2227,10 +2211,9 @@
           <a:lstStyle/>
           <a:p>
             <a:r>
-              <a:rPr lang="en-US" smtClean="0"/>
+              <a:rPr lang="en-US"/>
               <a:t>Click to edit Master title style</a:t>
             </a:r>
-            <a:endParaRPr lang="en-US"/>
           </a:p>
         </p:txBody>
       </p:sp>
@@ -2251,7 +2234,7 @@
           <a:p>
             <a:fld id="{78C97017-6FC3-485B-9764-EAC9E56C1D49}" type="datetimeFigureOut">
               <a:rPr lang="en-US" smtClean="0"/>
-              <a:t>2/2/2017</a:t>
+              <a:t>3/14/2017</a:t>
             </a:fld>
             <a:endParaRPr lang="en-US"/>
           </a:p>
@@ -2346,7 +2329,7 @@
           <a:p>
             <a:fld id="{78C97017-6FC3-485B-9764-EAC9E56C1D49}" type="datetimeFigureOut">
               <a:rPr lang="en-US" smtClean="0"/>
-              <a:t>2/2/2017</a:t>
+              <a:t>3/14/2017</a:t>
             </a:fld>
             <a:endParaRPr lang="en-US"/>
           </a:p>
@@ -2449,10 +2432,9 @@
           </a:lstStyle>
           <a:p>
             <a:r>
-              <a:rPr lang="en-US" smtClean="0"/>
+              <a:rPr lang="en-US"/>
               <a:t>Click to edit Master title style</a:t>
             </a:r>
-            <a:endParaRPr lang="en-US"/>
           </a:p>
         </p:txBody>
       </p:sp>
@@ -2506,38 +2488,37 @@
           <a:p>
             <a:pPr lvl="0"/>
             <a:r>
-              <a:rPr lang="en-US" smtClean="0"/>
+              <a:rPr lang="en-US"/>
               <a:t>Click to edit Master text styles</a:t>
             </a:r>
           </a:p>
           <a:p>
             <a:pPr lvl="1"/>
             <a:r>
-              <a:rPr lang="en-US" smtClean="0"/>
+              <a:rPr lang="en-US"/>
               <a:t>Second level</a:t>
             </a:r>
           </a:p>
           <a:p>
             <a:pPr lvl="2"/>
             <a:r>
-              <a:rPr lang="en-US" smtClean="0"/>
+              <a:rPr lang="en-US"/>
               <a:t>Third level</a:t>
             </a:r>
           </a:p>
           <a:p>
             <a:pPr lvl="3"/>
             <a:r>
-              <a:rPr lang="en-US" smtClean="0"/>
+              <a:rPr lang="en-US"/>
               <a:t>Fourth level</a:t>
             </a:r>
           </a:p>
           <a:p>
             <a:pPr lvl="4"/>
             <a:r>
-              <a:rPr lang="en-US" smtClean="0"/>
+              <a:rPr lang="en-US"/>
               <a:t>Fifth level</a:t>
             </a:r>
-            <a:endParaRPr lang="en-US"/>
           </a:p>
         </p:txBody>
       </p:sp>
@@ -2600,7 +2581,7 @@
           <a:p>
             <a:pPr lvl="0"/>
             <a:r>
-              <a:rPr lang="en-US" smtClean="0"/>
+              <a:rPr lang="en-US"/>
               <a:t>Click to edit Master text styles</a:t>
             </a:r>
           </a:p>
@@ -2623,7 +2604,7 @@
           <a:p>
             <a:fld id="{78C97017-6FC3-485B-9764-EAC9E56C1D49}" type="datetimeFigureOut">
               <a:rPr lang="en-US" smtClean="0"/>
-              <a:t>2/2/2017</a:t>
+              <a:t>3/14/2017</a:t>
             </a:fld>
             <a:endParaRPr lang="en-US"/>
           </a:p>
@@ -2726,10 +2707,9 @@
           </a:lstStyle>
           <a:p>
             <a:r>
-              <a:rPr lang="en-US" smtClean="0"/>
+              <a:rPr lang="en-US"/>
               <a:t>Click to edit Master title style</a:t>
             </a:r>
-            <a:endParaRPr lang="en-US"/>
           </a:p>
         </p:txBody>
       </p:sp>
@@ -2853,7 +2833,7 @@
           <a:p>
             <a:pPr lvl="0"/>
             <a:r>
-              <a:rPr lang="en-US" smtClean="0"/>
+              <a:rPr lang="en-US"/>
               <a:t>Click to edit Master text styles</a:t>
             </a:r>
           </a:p>
@@ -2876,7 +2856,7 @@
           <a:p>
             <a:fld id="{78C97017-6FC3-485B-9764-EAC9E56C1D49}" type="datetimeFigureOut">
               <a:rPr lang="en-US" smtClean="0"/>
-              <a:t>2/2/2017</a:t>
+              <a:t>3/14/2017</a:t>
             </a:fld>
             <a:endParaRPr lang="en-US"/>
           </a:p>
@@ -2985,10 +2965,9 @@
           <a:lstStyle/>
           <a:p>
             <a:r>
-              <a:rPr lang="en-US" smtClean="0"/>
+              <a:rPr lang="en-US"/>
               <a:t>Click to edit Master title style</a:t>
             </a:r>
-            <a:endParaRPr lang="en-US"/>
           </a:p>
         </p:txBody>
       </p:sp>
@@ -3019,38 +2998,37 @@
           <a:p>
             <a:pPr lvl="0"/>
             <a:r>
-              <a:rPr lang="en-US" smtClean="0"/>
+              <a:rPr lang="en-US"/>
               <a:t>Click to edit Master text styles</a:t>
             </a:r>
           </a:p>
           <a:p>
             <a:pPr lvl="1"/>
             <a:r>
-              <a:rPr lang="en-US" smtClean="0"/>
+              <a:rPr lang="en-US"/>
               <a:t>Second level</a:t>
             </a:r>
           </a:p>
           <a:p>
             <a:pPr lvl="2"/>
             <a:r>
-              <a:rPr lang="en-US" smtClean="0"/>
+              <a:rPr lang="en-US"/>
               <a:t>Third level</a:t>
             </a:r>
           </a:p>
           <a:p>
             <a:pPr lvl="3"/>
             <a:r>
-              <a:rPr lang="en-US" smtClean="0"/>
+              <a:rPr lang="en-US"/>
               <a:t>Fourth level</a:t>
             </a:r>
           </a:p>
           <a:p>
             <a:pPr lvl="4"/>
             <a:r>
-              <a:rPr lang="en-US" smtClean="0"/>
+              <a:rPr lang="en-US"/>
               <a:t>Fifth level</a:t>
             </a:r>
-            <a:endParaRPr lang="en-US"/>
           </a:p>
         </p:txBody>
       </p:sp>
@@ -3089,7 +3067,7 @@
           <a:p>
             <a:fld id="{78C97017-6FC3-485B-9764-EAC9E56C1D49}" type="datetimeFigureOut">
               <a:rPr lang="en-US" smtClean="0"/>
-              <a:t>2/2/2017</a:t>
+              <a:t>3/14/2017</a:t>
             </a:fld>
             <a:endParaRPr lang="en-US"/>
           </a:p>
@@ -3625,7 +3603,7 @@
           <a:p>
             <a:pPr algn="ctr"/>
             <a:r>
-              <a:rPr lang="en-US" sz="1050" b="1" dirty="0" err="1" smtClean="0">
+              <a:rPr lang="en-US" sz="1050" b="1" dirty="0" err="1">
                 <a:solidFill>
                   <a:srgbClr val="0070C0"/>
                 </a:solidFill>
@@ -3887,7 +3865,7 @@
           <a:p>
             <a:pPr algn="ctr"/>
             <a:r>
-              <a:rPr lang="en-US" sz="1050" b="1" dirty="0" err="1" smtClean="0">
+              <a:rPr lang="en-US" sz="1050" b="1" dirty="0" err="1">
                 <a:solidFill>
                   <a:srgbClr val="0070C0"/>
                 </a:solidFill>
@@ -3943,7 +3921,7 @@
           <a:p>
             <a:pPr algn="ctr"/>
             <a:r>
-              <a:rPr lang="en-US" sz="1050" b="1" dirty="0" smtClean="0">
+              <a:rPr lang="en-US" sz="1050" b="1" dirty="0">
                 <a:solidFill>
                   <a:srgbClr val="0070C0"/>
                 </a:solidFill>
@@ -3951,14 +3929,14 @@
               <a:t>Incorrect</a:t>
             </a:r>
             <a:br>
-              <a:rPr lang="en-US" sz="1050" b="1" dirty="0" smtClean="0">
+              <a:rPr lang="en-US" sz="1050" b="1" dirty="0">
                 <a:solidFill>
                   <a:srgbClr val="0070C0"/>
                 </a:solidFill>
               </a:rPr>
             </a:br>
             <a:r>
-              <a:rPr lang="en-US" sz="1050" b="1" dirty="0" smtClean="0">
+              <a:rPr lang="en-US" sz="1050" b="1" dirty="0">
                 <a:solidFill>
                   <a:srgbClr val="0070C0"/>
                 </a:solidFill>
@@ -4791,7 +4769,7 @@
           <a:p>
             <a:pPr algn="ctr"/>
             <a:r>
-              <a:rPr lang="en-US" sz="1050" b="1" dirty="0" smtClean="0">
+              <a:rPr lang="en-US" sz="1050" b="1" dirty="0">
                 <a:solidFill>
                   <a:srgbClr val="0070C0"/>
                 </a:solidFill>
@@ -4855,7 +4833,7 @@
         </p:nvSpPr>
         <p:spPr>
           <a:xfrm flipH="1">
-            <a:off x="4664592" y="2148937"/>
+            <a:off x="4831294" y="2148937"/>
             <a:ext cx="1093635" cy="346760"/>
           </a:xfrm>
           <a:prstGeom prst="rect">
@@ -4926,7 +4904,7 @@
         </p:nvSpPr>
         <p:spPr>
           <a:xfrm flipH="1">
-            <a:off x="4664592" y="2555337"/>
+            <a:off x="4831294" y="2555337"/>
             <a:ext cx="1093635" cy="346760"/>
           </a:xfrm>
           <a:prstGeom prst="rect">
@@ -4997,7 +4975,7 @@
         </p:nvSpPr>
         <p:spPr>
           <a:xfrm flipH="1">
-            <a:off x="4664590" y="2977582"/>
+            <a:off x="4831292" y="2977582"/>
             <a:ext cx="1093635" cy="346760"/>
           </a:xfrm>
           <a:prstGeom prst="rect">
@@ -5052,7 +5030,7 @@
         </p:nvSpPr>
         <p:spPr>
           <a:xfrm>
-            <a:off x="2807288" y="1905000"/>
+            <a:off x="3174214" y="1905000"/>
             <a:ext cx="751107" cy="346760"/>
           </a:xfrm>
           <a:prstGeom prst="rect">
@@ -5094,7 +5072,7 @@
           <a:p>
             <a:pPr algn="ctr"/>
             <a:r>
-              <a:rPr lang="en-US" sz="1050" dirty="0" smtClean="0">
+              <a:rPr lang="en-US" sz="1050" dirty="0">
                 <a:solidFill>
                   <a:schemeClr val="bg1"/>
                 </a:solidFill>
@@ -5102,14 +5080,14 @@
               <a:t>Argument</a:t>
             </a:r>
             <a:br>
-              <a:rPr lang="en-US" sz="1050" dirty="0" smtClean="0">
+              <a:rPr lang="en-US" sz="1050" dirty="0">
                 <a:solidFill>
                   <a:schemeClr val="bg1"/>
                 </a:solidFill>
               </a:rPr>
             </a:br>
             <a:r>
-              <a:rPr lang="en-US" sz="1050" dirty="0" smtClean="0">
+              <a:rPr lang="en-US" sz="1050" dirty="0">
                 <a:solidFill>
                   <a:schemeClr val="bg1"/>
                 </a:solidFill>
@@ -5132,7 +5110,7 @@
         </p:nvSpPr>
         <p:spPr>
           <a:xfrm>
-            <a:off x="2813291" y="2432664"/>
+            <a:off x="2238496" y="2454481"/>
             <a:ext cx="726243" cy="174580"/>
           </a:xfrm>
           <a:prstGeom prst="rect">
@@ -5174,7 +5152,7 @@
           <a:p>
             <a:pPr algn="ctr"/>
             <a:r>
-              <a:rPr lang="en-US" sz="1050" dirty="0" smtClean="0">
+              <a:rPr lang="en-US" sz="1050" dirty="0">
                 <a:solidFill>
                   <a:schemeClr val="bg1"/>
                 </a:solidFill>
@@ -5197,9 +5175,9 @@
         </p:nvGrpSpPr>
         <p:grpSpPr>
           <a:xfrm rot="5400000">
-            <a:off x="5941795" y="1962201"/>
+            <a:off x="6088711" y="1962201"/>
             <a:ext cx="254462" cy="555486"/>
-            <a:chOff x="3949242" y="712012"/>
+            <a:chOff x="3949242" y="578739"/>
             <a:chExt cx="254462" cy="503902"/>
           </a:xfrm>
         </p:grpSpPr>
@@ -5211,7 +5189,7 @@
           </p:nvSpPr>
           <p:spPr>
             <a:xfrm rot="16200000">
-              <a:off x="3824522" y="836732"/>
+              <a:off x="3824522" y="703459"/>
               <a:ext cx="503902" cy="254462"/>
             </a:xfrm>
             <a:prstGeom prst="rect">
@@ -5226,7 +5204,7 @@
             <a:lstStyle/>
             <a:p>
               <a:r>
-                <a:rPr lang="en-US" sz="1100" dirty="0" smtClean="0">
+                <a:rPr lang="en-US" sz="1100" dirty="0">
                   <a:solidFill>
                     <a:schemeClr val="accent5">
                       <a:lumMod val="75000"/>
@@ -5253,7 +5231,7 @@
           </p:nvSpPr>
           <p:spPr>
             <a:xfrm rot="10800000" flipV="1">
-              <a:off x="3979474" y="751200"/>
+              <a:off x="3979474" y="617927"/>
               <a:ext cx="132157" cy="79956"/>
             </a:xfrm>
             <a:prstGeom prst="triangle">
@@ -5302,9 +5280,9 @@
         </p:nvGrpSpPr>
         <p:grpSpPr>
           <a:xfrm rot="5400000">
-            <a:off x="5962853" y="2347569"/>
+            <a:off x="6098740" y="2390577"/>
             <a:ext cx="254462" cy="555486"/>
-            <a:chOff x="3949242" y="712012"/>
+            <a:chOff x="3965759" y="592436"/>
             <a:chExt cx="254462" cy="503902"/>
           </a:xfrm>
         </p:grpSpPr>
@@ -5316,7 +5294,7 @@
           </p:nvSpPr>
           <p:spPr>
             <a:xfrm rot="16200000">
-              <a:off x="3824522" y="836732"/>
+              <a:off x="3841039" y="717156"/>
               <a:ext cx="503902" cy="254462"/>
             </a:xfrm>
             <a:prstGeom prst="rect">
@@ -5331,7 +5309,7 @@
             <a:lstStyle/>
             <a:p>
               <a:r>
-                <a:rPr lang="en-US" sz="1100" dirty="0" smtClean="0">
+                <a:rPr lang="en-US" sz="1100" dirty="0">
                   <a:solidFill>
                     <a:schemeClr val="accent5">
                       <a:lumMod val="75000"/>
@@ -5358,7 +5336,7 @@
           </p:nvSpPr>
           <p:spPr>
             <a:xfrm rot="10800000" flipV="1">
-              <a:off x="3979474" y="751200"/>
+              <a:off x="3995991" y="631624"/>
               <a:ext cx="132157" cy="79956"/>
             </a:xfrm>
             <a:prstGeom prst="triangle">
@@ -5407,7 +5385,7 @@
         </p:nvSpPr>
         <p:spPr>
           <a:xfrm>
-            <a:off x="2819400" y="2841725"/>
+            <a:off x="3186326" y="2841725"/>
             <a:ext cx="731636" cy="283820"/>
           </a:xfrm>
           <a:prstGeom prst="rect">
@@ -5449,7 +5427,7 @@
           <a:p>
             <a:pPr algn="ctr"/>
             <a:r>
-              <a:rPr lang="en-SG" sz="1050" dirty="0" err="1" smtClean="0">
+              <a:rPr lang="en-SG" sz="1050" dirty="0" err="1">
                 <a:solidFill>
                   <a:schemeClr val="bg1"/>
                 </a:solidFill>
@@ -5472,7 +5450,7 @@
         </p:nvSpPr>
         <p:spPr>
           <a:xfrm>
-            <a:off x="2819400" y="3190882"/>
+            <a:off x="3186326" y="3190882"/>
             <a:ext cx="731636" cy="283820"/>
           </a:xfrm>
           <a:prstGeom prst="rect">
@@ -5514,7 +5492,7 @@
           <a:p>
             <a:pPr algn="ctr"/>
             <a:r>
-              <a:rPr lang="en-SG" sz="1050" dirty="0" err="1" smtClean="0">
+              <a:rPr lang="en-SG" sz="1050" dirty="0" err="1">
                 <a:solidFill>
                   <a:schemeClr val="bg1"/>
                 </a:solidFill>
@@ -5533,13 +5511,14 @@
         <p:nvCxnSpPr>
           <p:cNvPr id="100" name="Straight Arrow Connector 99"/>
           <p:cNvCxnSpPr>
+            <a:cxnSpLocks/>
             <a:endCxn id="60" idx="3"/>
           </p:cNvCxnSpPr>
           <p:nvPr/>
         </p:nvCxnSpPr>
         <p:spPr>
           <a:xfrm flipH="1">
-            <a:off x="3551036" y="2983635"/>
+            <a:off x="3917962" y="2983635"/>
             <a:ext cx="335164" cy="0"/>
           </a:xfrm>
           <a:prstGeom prst="straightConnector1">
@@ -5575,13 +5554,16 @@
       <p:cxnSp>
         <p:nvCxnSpPr>
           <p:cNvPr id="105" name="Straight Arrow Connector 104"/>
-          <p:cNvCxnSpPr/>
+          <p:cNvCxnSpPr>
+            <a:cxnSpLocks/>
+            <a:endCxn id="62" idx="3"/>
+          </p:cNvCxnSpPr>
           <p:nvPr/>
         </p:nvCxnSpPr>
         <p:spPr>
-          <a:xfrm flipH="1" flipV="1">
-            <a:off x="3558396" y="3297471"/>
-            <a:ext cx="327804" cy="5426"/>
+          <a:xfrm flipH="1">
+            <a:off x="3917962" y="3332439"/>
+            <a:ext cx="335164" cy="353"/>
           </a:xfrm>
           <a:prstGeom prst="straightConnector1">
             <a:avLst/>
@@ -5617,19 +5599,19 @@
         <p:nvCxnSpPr>
           <p:cNvPr id="13" name="Elbow Connector 12"/>
           <p:cNvCxnSpPr>
-            <a:stCxn id="60" idx="0"/>
+            <a:cxnSpLocks/>
+            <a:stCxn id="60" idx="1"/>
+            <a:endCxn id="58" idx="2"/>
           </p:cNvCxnSpPr>
           <p:nvPr/>
         </p:nvCxnSpPr>
         <p:spPr>
-          <a:xfrm rot="16200000" flipV="1">
-            <a:off x="3063575" y="2720082"/>
-            <a:ext cx="234481" cy="8806"/>
-          </a:xfrm>
-          <a:prstGeom prst="bentConnector3">
-            <a:avLst>
-              <a:gd name="adj1" fmla="val 50000"/>
-            </a:avLst>
+          <a:xfrm rot="10800000">
+            <a:off x="2601618" y="2629061"/>
+            <a:ext cx="584708" cy="354574"/>
+          </a:xfrm>
+          <a:prstGeom prst="bentConnector2">
+            <a:avLst/>
           </a:prstGeom>
           <a:ln w="19050">
             <a:solidFill>
@@ -5662,13 +5644,16 @@
       <p:cxnSp>
         <p:nvCxnSpPr>
           <p:cNvPr id="47" name="Straight Connector 46"/>
-          <p:cNvCxnSpPr/>
+          <p:cNvCxnSpPr>
+            <a:cxnSpLocks/>
+            <a:stCxn id="56" idx="3"/>
+          </p:cNvCxnSpPr>
           <p:nvPr/>
         </p:nvCxnSpPr>
         <p:spPr>
           <a:xfrm>
-            <a:off x="3539534" y="2078487"/>
-            <a:ext cx="346666" cy="0"/>
+            <a:off x="3925321" y="2078380"/>
+            <a:ext cx="327805" cy="107"/>
           </a:xfrm>
           <a:prstGeom prst="line">
             <a:avLst/>
@@ -5704,20 +5689,19 @@
         <p:nvCxnSpPr>
           <p:cNvPr id="50" name="Elbow Connector 49"/>
           <p:cNvCxnSpPr>
-            <a:stCxn id="56" idx="2"/>
+            <a:cxnSpLocks/>
+            <a:stCxn id="56" idx="1"/>
             <a:endCxn id="58" idx="0"/>
           </p:cNvCxnSpPr>
           <p:nvPr/>
         </p:nvCxnSpPr>
         <p:spPr>
-          <a:xfrm rot="5400000">
-            <a:off x="3089176" y="2338998"/>
-            <a:ext cx="180904" cy="6429"/>
-          </a:xfrm>
-          <a:prstGeom prst="bentConnector3">
-            <a:avLst>
-              <a:gd name="adj1" fmla="val 50000"/>
-            </a:avLst>
+          <a:xfrm rot="10800000" flipV="1">
+            <a:off x="2601618" y="2078379"/>
+            <a:ext cx="572596" cy="376101"/>
+          </a:xfrm>
+          <a:prstGeom prst="bentConnector2">
+            <a:avLst/>
           </a:prstGeom>
           <a:ln w="19050">
             <a:solidFill>
@@ -5755,9 +5739,9 @@
         </p:nvGrpSpPr>
         <p:grpSpPr>
           <a:xfrm rot="5400000">
-            <a:off x="4090826" y="3633626"/>
+            <a:off x="4346209" y="3538793"/>
             <a:ext cx="555486" cy="254462"/>
-            <a:chOff x="3798139" y="875689"/>
+            <a:chOff x="3703306" y="644022"/>
             <a:chExt cx="555486" cy="230832"/>
           </a:xfrm>
         </p:grpSpPr>
@@ -5769,7 +5753,7 @@
           </p:nvSpPr>
           <p:spPr>
             <a:xfrm rot="10800000">
-              <a:off x="3798139" y="875689"/>
+              <a:off x="3703306" y="644022"/>
               <a:ext cx="555486" cy="230832"/>
             </a:xfrm>
             <a:prstGeom prst="rect">
@@ -5784,7 +5768,7 @@
             <a:lstStyle/>
             <a:p>
               <a:r>
-                <a:rPr lang="en-US" sz="1100" dirty="0" smtClean="0">
+                <a:rPr lang="en-US" sz="1100" dirty="0">
                   <a:solidFill>
                     <a:schemeClr val="accent5">
                       <a:lumMod val="75000"/>
@@ -5811,7 +5795,7 @@
           </p:nvSpPr>
           <p:spPr>
             <a:xfrm rot="5400000" flipV="1">
-              <a:off x="3795127" y="973354"/>
+              <a:off x="3700294" y="741689"/>
               <a:ext cx="119885" cy="88141"/>
             </a:xfrm>
             <a:prstGeom prst="triangle">
@@ -6066,145 +6050,7 @@
         <p:spPr>
           <a:xfrm flipV="1">
             <a:off x="4114800" y="3150962"/>
-            <a:ext cx="549790" cy="797920"/>
-          </a:xfrm>
-          <a:prstGeom prst="bentConnector3">
-            <a:avLst>
-              <a:gd name="adj1" fmla="val 14720"/>
-            </a:avLst>
-          </a:prstGeom>
-          <a:ln w="19050">
-            <a:solidFill>
-              <a:schemeClr val="accent5">
-                <a:lumMod val="75000"/>
-              </a:schemeClr>
-            </a:solidFill>
-            <a:prstDash val="sysDot"/>
-            <a:headEnd type="none" w="med" len="med"/>
-            <a:tailEnd type="arrow" w="med" len="med"/>
-          </a:ln>
-          <a:effectLst/>
-        </p:spPr>
-        <p:style>
-          <a:lnRef idx="1">
-            <a:schemeClr val="accent2"/>
-          </a:lnRef>
-          <a:fillRef idx="2">
-            <a:schemeClr val="accent2"/>
-          </a:fillRef>
-          <a:effectRef idx="1">
-            <a:schemeClr val="accent2"/>
-          </a:effectRef>
-          <a:fontRef idx="minor">
-            <a:schemeClr val="dk1"/>
-          </a:fontRef>
-        </p:style>
-      </p:cxnSp>
-      <p:cxnSp>
-        <p:nvCxnSpPr>
-          <p:cNvPr id="113" name="Elbow Connector 63"/>
-          <p:cNvCxnSpPr>
-            <a:stCxn id="16" idx="3"/>
-            <a:endCxn id="44" idx="3"/>
-          </p:cNvCxnSpPr>
-          <p:nvPr/>
-        </p:nvCxnSpPr>
-        <p:spPr>
-          <a:xfrm flipV="1">
-            <a:off x="4114800" y="2728717"/>
-            <a:ext cx="549792" cy="1220165"/>
-          </a:xfrm>
-          <a:prstGeom prst="bentConnector3">
-            <a:avLst>
-              <a:gd name="adj1" fmla="val 14720"/>
-            </a:avLst>
-          </a:prstGeom>
-          <a:ln w="19050">
-            <a:solidFill>
-              <a:schemeClr val="accent5">
-                <a:lumMod val="75000"/>
-              </a:schemeClr>
-            </a:solidFill>
-            <a:prstDash val="sysDot"/>
-            <a:headEnd type="none" w="med" len="med"/>
-            <a:tailEnd type="arrow" w="med" len="med"/>
-          </a:ln>
-          <a:effectLst/>
-        </p:spPr>
-        <p:style>
-          <a:lnRef idx="1">
-            <a:schemeClr val="accent2"/>
-          </a:lnRef>
-          <a:fillRef idx="2">
-            <a:schemeClr val="accent2"/>
-          </a:fillRef>
-          <a:effectRef idx="1">
-            <a:schemeClr val="accent2"/>
-          </a:effectRef>
-          <a:fontRef idx="minor">
-            <a:schemeClr val="dk1"/>
-          </a:fontRef>
-        </p:style>
-      </p:cxnSp>
-      <p:cxnSp>
-        <p:nvCxnSpPr>
-          <p:cNvPr id="116" name="Elbow Connector 63"/>
-          <p:cNvCxnSpPr>
-            <a:stCxn id="16" idx="3"/>
-            <a:endCxn id="42" idx="3"/>
-          </p:cNvCxnSpPr>
-          <p:nvPr/>
-        </p:nvCxnSpPr>
-        <p:spPr>
-          <a:xfrm flipV="1">
-            <a:off x="4114800" y="2322317"/>
-            <a:ext cx="549792" cy="1626565"/>
-          </a:xfrm>
-          <a:prstGeom prst="bentConnector3">
-            <a:avLst>
-              <a:gd name="adj1" fmla="val 14721"/>
-            </a:avLst>
-          </a:prstGeom>
-          <a:ln w="19050">
-            <a:solidFill>
-              <a:schemeClr val="accent5">
-                <a:lumMod val="75000"/>
-              </a:schemeClr>
-            </a:solidFill>
-            <a:prstDash val="sysDot"/>
-            <a:headEnd type="none" w="med" len="med"/>
-            <a:tailEnd type="arrow" w="med" len="med"/>
-          </a:ln>
-          <a:effectLst/>
-        </p:spPr>
-        <p:style>
-          <a:lnRef idx="1">
-            <a:schemeClr val="accent2"/>
-          </a:lnRef>
-          <a:fillRef idx="2">
-            <a:schemeClr val="accent2"/>
-          </a:fillRef>
-          <a:effectRef idx="1">
-            <a:schemeClr val="accent2"/>
-          </a:effectRef>
-          <a:fontRef idx="minor">
-            <a:schemeClr val="dk1"/>
-          </a:fontRef>
-        </p:style>
-      </p:cxnSp>
-      <p:cxnSp>
-        <p:nvCxnSpPr>
-          <p:cNvPr id="120" name="Elbow Connector 63"/>
-          <p:cNvCxnSpPr>
-            <a:stCxn id="44" idx="1"/>
-            <a:endCxn id="10" idx="3"/>
-          </p:cNvCxnSpPr>
-          <p:nvPr/>
-        </p:nvCxnSpPr>
-        <p:spPr>
-          <a:xfrm flipV="1">
-            <a:off x="5758227" y="2728300"/>
-            <a:ext cx="768138" cy="417"/>
+            <a:ext cx="716492" cy="797920"/>
           </a:xfrm>
           <a:prstGeom prst="bentConnector3">
             <a:avLst>
@@ -6240,17 +6086,17 @@
       </p:cxnSp>
       <p:cxnSp>
         <p:nvCxnSpPr>
-          <p:cNvPr id="122" name="Elbow Connector 63"/>
+          <p:cNvPr id="113" name="Elbow Connector 63"/>
           <p:cNvCxnSpPr>
-            <a:stCxn id="42" idx="1"/>
-            <a:endCxn id="4" idx="3"/>
+            <a:stCxn id="16" idx="3"/>
+            <a:endCxn id="44" idx="3"/>
           </p:cNvCxnSpPr>
           <p:nvPr/>
         </p:nvCxnSpPr>
         <p:spPr>
-          <a:xfrm>
-            <a:off x="5758227" y="2322317"/>
-            <a:ext cx="762000" cy="230"/>
+          <a:xfrm flipV="1">
+            <a:off x="4114800" y="2728717"/>
+            <a:ext cx="716494" cy="1220165"/>
           </a:xfrm>
           <a:prstGeom prst="bentConnector3">
             <a:avLst>
@@ -6286,14 +6132,156 @@
       </p:cxnSp>
       <p:cxnSp>
         <p:nvCxnSpPr>
-          <p:cNvPr id="64" name="Straight Connector 63"/>
-          <p:cNvCxnSpPr/>
+          <p:cNvPr id="116" name="Elbow Connector 63"/>
+          <p:cNvCxnSpPr>
+            <a:stCxn id="16" idx="3"/>
+            <a:endCxn id="42" idx="3"/>
+          </p:cNvCxnSpPr>
           <p:nvPr/>
         </p:nvCxnSpPr>
         <p:spPr>
+          <a:xfrm flipV="1">
+            <a:off x="4114800" y="2322317"/>
+            <a:ext cx="716494" cy="1626565"/>
+          </a:xfrm>
+          <a:prstGeom prst="bentConnector3">
+            <a:avLst>
+              <a:gd name="adj1" fmla="val 50000"/>
+            </a:avLst>
+          </a:prstGeom>
+          <a:ln w="19050">
+            <a:solidFill>
+              <a:schemeClr val="accent5">
+                <a:lumMod val="75000"/>
+              </a:schemeClr>
+            </a:solidFill>
+            <a:prstDash val="sysDot"/>
+            <a:headEnd type="none" w="med" len="med"/>
+            <a:tailEnd type="arrow" w="med" len="med"/>
+          </a:ln>
+          <a:effectLst/>
+        </p:spPr>
+        <p:style>
+          <a:lnRef idx="1">
+            <a:schemeClr val="accent2"/>
+          </a:lnRef>
+          <a:fillRef idx="2">
+            <a:schemeClr val="accent2"/>
+          </a:fillRef>
+          <a:effectRef idx="1">
+            <a:schemeClr val="accent2"/>
+          </a:effectRef>
+          <a:fontRef idx="minor">
+            <a:schemeClr val="dk1"/>
+          </a:fontRef>
+        </p:style>
+      </p:cxnSp>
+      <p:cxnSp>
+        <p:nvCxnSpPr>
+          <p:cNvPr id="120" name="Elbow Connector 63"/>
+          <p:cNvCxnSpPr>
+            <a:cxnSpLocks/>
+            <a:stCxn id="44" idx="1"/>
+            <a:endCxn id="10" idx="3"/>
+          </p:cNvCxnSpPr>
+          <p:nvPr/>
+        </p:nvCxnSpPr>
+        <p:spPr>
+          <a:xfrm flipV="1">
+            <a:off x="5924929" y="2728300"/>
+            <a:ext cx="601436" cy="417"/>
+          </a:xfrm>
+          <a:prstGeom prst="bentConnector3">
+            <a:avLst>
+              <a:gd name="adj1" fmla="val 50000"/>
+            </a:avLst>
+          </a:prstGeom>
+          <a:ln w="19050">
+            <a:solidFill>
+              <a:schemeClr val="accent5">
+                <a:lumMod val="75000"/>
+              </a:schemeClr>
+            </a:solidFill>
+            <a:prstDash val="sysDot"/>
+            <a:headEnd type="none" w="med" len="med"/>
+            <a:tailEnd type="arrow" w="med" len="med"/>
+          </a:ln>
+          <a:effectLst/>
+        </p:spPr>
+        <p:style>
+          <a:lnRef idx="1">
+            <a:schemeClr val="accent2"/>
+          </a:lnRef>
+          <a:fillRef idx="2">
+            <a:schemeClr val="accent2"/>
+          </a:fillRef>
+          <a:effectRef idx="1">
+            <a:schemeClr val="accent2"/>
+          </a:effectRef>
+          <a:fontRef idx="minor">
+            <a:schemeClr val="dk1"/>
+          </a:fontRef>
+        </p:style>
+      </p:cxnSp>
+      <p:cxnSp>
+        <p:nvCxnSpPr>
+          <p:cNvPr id="122" name="Elbow Connector 63"/>
+          <p:cNvCxnSpPr>
+            <a:cxnSpLocks/>
+            <a:stCxn id="42" idx="1"/>
+            <a:endCxn id="4" idx="3"/>
+          </p:cNvCxnSpPr>
+          <p:nvPr/>
+        </p:nvCxnSpPr>
+        <p:spPr>
           <a:xfrm>
-            <a:off x="3886200" y="2078487"/>
-            <a:ext cx="0" cy="1218984"/>
+            <a:off x="5924929" y="2322317"/>
+            <a:ext cx="595298" cy="230"/>
+          </a:xfrm>
+          <a:prstGeom prst="bentConnector3">
+            <a:avLst>
+              <a:gd name="adj1" fmla="val 50000"/>
+            </a:avLst>
+          </a:prstGeom>
+          <a:ln w="19050">
+            <a:solidFill>
+              <a:schemeClr val="accent5">
+                <a:lumMod val="75000"/>
+              </a:schemeClr>
+            </a:solidFill>
+            <a:prstDash val="sysDot"/>
+            <a:headEnd type="none" w="med" len="med"/>
+            <a:tailEnd type="arrow" w="med" len="med"/>
+          </a:ln>
+          <a:effectLst/>
+        </p:spPr>
+        <p:style>
+          <a:lnRef idx="1">
+            <a:schemeClr val="accent2"/>
+          </a:lnRef>
+          <a:fillRef idx="2">
+            <a:schemeClr val="accent2"/>
+          </a:fillRef>
+          <a:effectRef idx="1">
+            <a:schemeClr val="accent2"/>
+          </a:effectRef>
+          <a:fontRef idx="minor">
+            <a:schemeClr val="dk1"/>
+          </a:fontRef>
+        </p:style>
+      </p:cxnSp>
+      <p:cxnSp>
+        <p:nvCxnSpPr>
+          <p:cNvPr id="64" name="Straight Connector 63"/>
+          <p:cNvCxnSpPr>
+            <a:cxnSpLocks/>
+          </p:cNvCxnSpPr>
+          <p:nvPr/>
+        </p:nvCxnSpPr>
+        <p:spPr>
+          <a:xfrm flipH="1">
+            <a:off x="4248488" y="2078487"/>
+            <a:ext cx="4638" cy="1260312"/>
           </a:xfrm>
           <a:prstGeom prst="line">
             <a:avLst/>
@@ -6328,13 +6316,15 @@
       <p:cxnSp>
         <p:nvCxnSpPr>
           <p:cNvPr id="66" name="Straight Connector 65"/>
-          <p:cNvCxnSpPr/>
+          <p:cNvCxnSpPr>
+            <a:cxnSpLocks/>
+          </p:cNvCxnSpPr>
           <p:nvPr/>
         </p:nvCxnSpPr>
         <p:spPr>
           <a:xfrm>
-            <a:off x="3894672" y="2209800"/>
-            <a:ext cx="769918" cy="0"/>
+            <a:off x="4248488" y="2209800"/>
+            <a:ext cx="582002" cy="0"/>
           </a:xfrm>
           <a:prstGeom prst="line">
             <a:avLst/>
@@ -6369,13 +6359,15 @@
       <p:cxnSp>
         <p:nvCxnSpPr>
           <p:cNvPr id="73" name="Straight Connector 72"/>
-          <p:cNvCxnSpPr/>
+          <p:cNvCxnSpPr>
+            <a:cxnSpLocks/>
+          </p:cNvCxnSpPr>
           <p:nvPr/>
         </p:nvCxnSpPr>
         <p:spPr>
-          <a:xfrm>
-            <a:off x="3886200" y="2607244"/>
-            <a:ext cx="769918" cy="0"/>
+          <a:xfrm flipV="1">
+            <a:off x="4255042" y="2607245"/>
+            <a:ext cx="566976" cy="5974"/>
           </a:xfrm>
           <a:prstGeom prst="line">
             <a:avLst/>
@@ -6410,13 +6402,15 @@
       <p:cxnSp>
         <p:nvCxnSpPr>
           <p:cNvPr id="74" name="Straight Connector 73"/>
-          <p:cNvCxnSpPr/>
+          <p:cNvCxnSpPr>
+            <a:cxnSpLocks/>
+          </p:cNvCxnSpPr>
           <p:nvPr/>
         </p:nvCxnSpPr>
         <p:spPr>
           <a:xfrm>
-            <a:off x="3886200" y="3048000"/>
-            <a:ext cx="769918" cy="0"/>
+            <a:off x="4248487" y="3048000"/>
+            <a:ext cx="573531" cy="0"/>
           </a:xfrm>
           <a:prstGeom prst="line">
             <a:avLst/>
@@ -6429,6 +6423,206 @@
             </a:solidFill>
             <a:prstDash val="sysDot"/>
             <a:headEnd type="none" w="med" len="med"/>
+            <a:tailEnd type="none" w="med" len="med"/>
+          </a:ln>
+          <a:effectLst/>
+        </p:spPr>
+        <p:style>
+          <a:lnRef idx="1">
+            <a:schemeClr val="accent2"/>
+          </a:lnRef>
+          <a:fillRef idx="2">
+            <a:schemeClr val="accent2"/>
+          </a:fillRef>
+          <a:effectRef idx="1">
+            <a:schemeClr val="accent2"/>
+          </a:effectRef>
+          <a:fontRef idx="minor">
+            <a:schemeClr val="dk1"/>
+          </a:fontRef>
+        </p:style>
+      </p:cxnSp>
+      <p:sp>
+        <p:nvSpPr>
+          <p:cNvPr id="109" name="Rectangle 62"/>
+          <p:cNvSpPr/>
+          <p:nvPr/>
+        </p:nvSpPr>
+        <p:spPr>
+          <a:xfrm>
+            <a:off x="3139577" y="2450741"/>
+            <a:ext cx="825134" cy="174580"/>
+          </a:xfrm>
+          <a:prstGeom prst="rect">
+            <a:avLst/>
+          </a:prstGeom>
+          <a:solidFill>
+            <a:schemeClr val="accent5">
+              <a:lumMod val="60000"/>
+              <a:lumOff val="40000"/>
+            </a:schemeClr>
+          </a:solidFill>
+          <a:ln w="19050">
+            <a:solidFill>
+              <a:schemeClr val="accent5">
+                <a:lumMod val="60000"/>
+                <a:lumOff val="40000"/>
+              </a:schemeClr>
+            </a:solidFill>
+          </a:ln>
+          <a:effectLst/>
+        </p:spPr>
+        <p:style>
+          <a:lnRef idx="1">
+            <a:schemeClr val="accent2"/>
+          </a:lnRef>
+          <a:fillRef idx="2">
+            <a:schemeClr val="accent2"/>
+          </a:fillRef>
+          <a:effectRef idx="1">
+            <a:schemeClr val="accent2"/>
+          </a:effectRef>
+          <a:fontRef idx="minor">
+            <a:schemeClr val="dk1"/>
+          </a:fontRef>
+        </p:style>
+        <p:txBody>
+          <a:bodyPr rtlCol="0" anchor="ctr"/>
+          <a:lstStyle/>
+          <a:p>
+            <a:pPr algn="ctr"/>
+            <a:r>
+              <a:rPr lang="en-SG" sz="1050" dirty="0">
+                <a:solidFill>
+                  <a:schemeClr val="bg1"/>
+                </a:solidFill>
+              </a:rPr>
+              <a:t>Arguments</a:t>
+            </a:r>
+          </a:p>
+        </p:txBody>
+      </p:sp>
+      <p:cxnSp>
+        <p:nvCxnSpPr>
+          <p:cNvPr id="112" name="Elbow Connector 12"/>
+          <p:cNvCxnSpPr>
+            <a:cxnSpLocks/>
+            <a:stCxn id="109" idx="1"/>
+            <a:endCxn id="58" idx="3"/>
+          </p:cNvCxnSpPr>
+          <p:nvPr/>
+        </p:nvCxnSpPr>
+        <p:spPr>
+          <a:xfrm rot="10800000" flipV="1">
+            <a:off x="2964739" y="2538031"/>
+            <a:ext cx="174838" cy="3740"/>
+          </a:xfrm>
+          <a:prstGeom prst="bentConnector3">
+            <a:avLst>
+              <a:gd name="adj1" fmla="val 50000"/>
+            </a:avLst>
+          </a:prstGeom>
+          <a:ln w="19050">
+            <a:solidFill>
+              <a:schemeClr val="accent5">
+                <a:lumMod val="60000"/>
+                <a:lumOff val="40000"/>
+              </a:schemeClr>
+            </a:solidFill>
+            <a:prstDash val="sysDot"/>
+            <a:headEnd type="none" w="med" len="med"/>
+            <a:tailEnd type="arrow" w="med" len="med"/>
+          </a:ln>
+          <a:effectLst/>
+        </p:spPr>
+        <p:style>
+          <a:lnRef idx="1">
+            <a:schemeClr val="accent2"/>
+          </a:lnRef>
+          <a:fillRef idx="2">
+            <a:schemeClr val="accent2"/>
+          </a:fillRef>
+          <a:effectRef idx="1">
+            <a:schemeClr val="accent2"/>
+          </a:effectRef>
+          <a:fontRef idx="minor">
+            <a:schemeClr val="dk1"/>
+          </a:fontRef>
+        </p:style>
+      </p:cxnSp>
+      <p:cxnSp>
+        <p:nvCxnSpPr>
+          <p:cNvPr id="118" name="Elbow Connector 49"/>
+          <p:cNvCxnSpPr>
+            <a:cxnSpLocks/>
+            <a:stCxn id="56" idx="2"/>
+            <a:endCxn id="109" idx="0"/>
+          </p:cNvCxnSpPr>
+          <p:nvPr/>
+        </p:nvCxnSpPr>
+        <p:spPr>
+          <a:xfrm rot="16200000" flipH="1">
+            <a:off x="3451466" y="2350062"/>
+            <a:ext cx="198981" cy="2376"/>
+          </a:xfrm>
+          <a:prstGeom prst="bentConnector3">
+            <a:avLst>
+              <a:gd name="adj1" fmla="val 50000"/>
+            </a:avLst>
+          </a:prstGeom>
+          <a:ln w="19050">
+            <a:solidFill>
+              <a:schemeClr val="accent5">
+                <a:lumMod val="60000"/>
+                <a:lumOff val="40000"/>
+              </a:schemeClr>
+            </a:solidFill>
+            <a:prstDash val="sysDot"/>
+            <a:headEnd type="none" w="med" len="med"/>
+            <a:tailEnd type="arrow" w="med" len="med"/>
+          </a:ln>
+          <a:effectLst/>
+        </p:spPr>
+        <p:style>
+          <a:lnRef idx="1">
+            <a:schemeClr val="accent2"/>
+          </a:lnRef>
+          <a:fillRef idx="2">
+            <a:schemeClr val="accent2"/>
+          </a:fillRef>
+          <a:effectRef idx="1">
+            <a:schemeClr val="accent2"/>
+          </a:effectRef>
+          <a:fontRef idx="minor">
+            <a:schemeClr val="dk1"/>
+          </a:fontRef>
+        </p:style>
+      </p:cxnSp>
+      <p:cxnSp>
+        <p:nvCxnSpPr>
+          <p:cNvPr id="123" name="Straight Connector 122"/>
+          <p:cNvCxnSpPr>
+            <a:cxnSpLocks/>
+            <a:stCxn id="109" idx="3"/>
+          </p:cNvCxnSpPr>
+          <p:nvPr/>
+        </p:nvCxnSpPr>
+        <p:spPr>
+          <a:xfrm flipV="1">
+            <a:off x="3964711" y="2533616"/>
+            <a:ext cx="290331" cy="4415"/>
+          </a:xfrm>
+          <a:prstGeom prst="line">
+            <a:avLst/>
+          </a:prstGeom>
+          <a:ln w="19050">
+            <a:solidFill>
+              <a:schemeClr val="accent5">
+                <a:lumMod val="50000"/>
+              </a:schemeClr>
+            </a:solidFill>
+            <a:prstDash val="sysDot"/>
+            <a:headEnd type="arrow" w="med" len="med"/>
             <a:tailEnd type="none" w="med" len="med"/>
           </a:ln>
           <a:effectLst/>

--- a/docs/diagrams/LogicComponentClassDiagram.pptx
+++ b/docs/diagrams/LogicComponentClassDiagram.pptx
@@ -208,7 +208,7 @@
           <a:p>
             <a:fld id="{F5CC4B3F-88C1-4FFA-B1B6-F41C21DC6924}" type="datetimeFigureOut">
               <a:rPr lang="en-US" smtClean="0"/>
-              <a:t>3/19/2017</a:t>
+              <a:t>3/21/2017</a:t>
             </a:fld>
             <a:endParaRPr lang="en-US"/>
           </a:p>
@@ -654,7 +654,7 @@
           <a:p>
             <a:fld id="{78C97017-6FC3-485B-9764-EAC9E56C1D49}" type="datetimeFigureOut">
               <a:rPr lang="en-US" smtClean="0"/>
-              <a:t>3/19/2017</a:t>
+              <a:t>3/21/2017</a:t>
             </a:fld>
             <a:endParaRPr lang="en-US"/>
           </a:p>
@@ -822,7 +822,7 @@
           <a:p>
             <a:fld id="{78C97017-6FC3-485B-9764-EAC9E56C1D49}" type="datetimeFigureOut">
               <a:rPr lang="en-US" smtClean="0"/>
-              <a:t>3/19/2017</a:t>
+              <a:t>3/21/2017</a:t>
             </a:fld>
             <a:endParaRPr lang="en-US"/>
           </a:p>
@@ -1000,7 +1000,7 @@
           <a:p>
             <a:fld id="{78C97017-6FC3-485B-9764-EAC9E56C1D49}" type="datetimeFigureOut">
               <a:rPr lang="en-US" smtClean="0"/>
-              <a:t>3/19/2017</a:t>
+              <a:t>3/21/2017</a:t>
             </a:fld>
             <a:endParaRPr lang="en-US"/>
           </a:p>
@@ -1168,7 +1168,7 @@
           <a:p>
             <a:fld id="{78C97017-6FC3-485B-9764-EAC9E56C1D49}" type="datetimeFigureOut">
               <a:rPr lang="en-US" smtClean="0"/>
-              <a:t>3/19/2017</a:t>
+              <a:t>3/21/2017</a:t>
             </a:fld>
             <a:endParaRPr lang="en-US"/>
           </a:p>
@@ -1413,7 +1413,7 @@
           <a:p>
             <a:fld id="{78C97017-6FC3-485B-9764-EAC9E56C1D49}" type="datetimeFigureOut">
               <a:rPr lang="en-US" smtClean="0"/>
-              <a:t>3/19/2017</a:t>
+              <a:t>3/21/2017</a:t>
             </a:fld>
             <a:endParaRPr lang="en-US"/>
           </a:p>
@@ -1698,7 +1698,7 @@
           <a:p>
             <a:fld id="{78C97017-6FC3-485B-9764-EAC9E56C1D49}" type="datetimeFigureOut">
               <a:rPr lang="en-US" smtClean="0"/>
-              <a:t>3/19/2017</a:t>
+              <a:t>3/21/2017</a:t>
             </a:fld>
             <a:endParaRPr lang="en-US"/>
           </a:p>
@@ -2117,7 +2117,7 @@
           <a:p>
             <a:fld id="{78C97017-6FC3-485B-9764-EAC9E56C1D49}" type="datetimeFigureOut">
               <a:rPr lang="en-US" smtClean="0"/>
-              <a:t>3/19/2017</a:t>
+              <a:t>3/21/2017</a:t>
             </a:fld>
             <a:endParaRPr lang="en-US"/>
           </a:p>
@@ -2234,7 +2234,7 @@
           <a:p>
             <a:fld id="{78C97017-6FC3-485B-9764-EAC9E56C1D49}" type="datetimeFigureOut">
               <a:rPr lang="en-US" smtClean="0"/>
-              <a:t>3/19/2017</a:t>
+              <a:t>3/21/2017</a:t>
             </a:fld>
             <a:endParaRPr lang="en-US"/>
           </a:p>
@@ -2329,7 +2329,7 @@
           <a:p>
             <a:fld id="{78C97017-6FC3-485B-9764-EAC9E56C1D49}" type="datetimeFigureOut">
               <a:rPr lang="en-US" smtClean="0"/>
-              <a:t>3/19/2017</a:t>
+              <a:t>3/21/2017</a:t>
             </a:fld>
             <a:endParaRPr lang="en-US"/>
           </a:p>
@@ -2604,7 +2604,7 @@
           <a:p>
             <a:fld id="{78C97017-6FC3-485B-9764-EAC9E56C1D49}" type="datetimeFigureOut">
               <a:rPr lang="en-US" smtClean="0"/>
-              <a:t>3/19/2017</a:t>
+              <a:t>3/21/2017</a:t>
             </a:fld>
             <a:endParaRPr lang="en-US"/>
           </a:p>
@@ -2856,7 +2856,7 @@
           <a:p>
             <a:fld id="{78C97017-6FC3-485B-9764-EAC9E56C1D49}" type="datetimeFigureOut">
               <a:rPr lang="en-US" smtClean="0"/>
-              <a:t>3/19/2017</a:t>
+              <a:t>3/21/2017</a:t>
             </a:fld>
             <a:endParaRPr lang="en-US"/>
           </a:p>
@@ -3067,7 +3067,7 @@
           <a:p>
             <a:fld id="{78C97017-6FC3-485B-9764-EAC9E56C1D49}" type="datetimeFigureOut">
               <a:rPr lang="en-US" smtClean="0"/>
-              <a:t>3/19/2017</a:t>
+              <a:t>3/21/2017</a:t>
             </a:fld>
             <a:endParaRPr lang="en-US"/>
           </a:p>
@@ -6512,7 +6512,7 @@
                   <a:schemeClr val="bg1"/>
                 </a:solidFill>
               </a:rPr>
-              <a:t>Map</a:t>
+              <a:t>Multimap</a:t>
             </a:r>
           </a:p>
         </p:txBody>

--- a/docs/diagrams/LogicComponentClassDiagram.pptx
+++ b/docs/diagrams/LogicComponentClassDiagram.pptx
@@ -9,6 +9,7 @@
   </p:notesMasterIdLst>
   <p:sldIdLst>
     <p:sldId id="256" r:id="rId5"/>
+    <p:sldId id="257" r:id="rId6"/>
   </p:sldIdLst>
   <p:sldSz cy="6858000" cx="9144000"/>
   <p:notesSz cx="6858000" cy="9144000"/>
@@ -1087,6 +1088,142 @@
 </p:notes>
 </file>
 
+<file path=ppt/notesSlides/notesSlide2.xml><?xml version="1.0" encoding="utf-8"?>
+<p:notes xmlns:a="http://schemas.openxmlformats.org/drawingml/2006/main" xmlns:r="http://schemas.openxmlformats.org/officeDocument/2006/relationships" xmlns:mc="http://schemas.openxmlformats.org/markup-compatibility/2006" xmlns:mv="urn:schemas-microsoft-com:mac:vml" xmlns:p="http://schemas.openxmlformats.org/presentationml/2006/main" xmlns:c="http://schemas.openxmlformats.org/drawingml/2006/chart" xmlns:dgm="http://schemas.openxmlformats.org/drawingml/2006/diagram" xmlns:o="urn:schemas-microsoft-com:office:office" xmlns:v="urn:schemas-microsoft-com:vml" xmlns:pvml="urn:schemas-microsoft-com:office:powerpoint" xmlns:com="http://schemas.openxmlformats.org/drawingml/2006/compatibility" xmlns:p14="http://schemas.microsoft.com/office/powerpoint/2010/main" showMasterPhAnim="0" showMasterSp="0">
+  <p:cSld>
+    <p:spTree>
+      <p:nvGrpSpPr>
+        <p:cNvPr id="159" name="Shape 159"/>
+        <p:cNvGrpSpPr/>
+        <p:nvPr/>
+      </p:nvGrpSpPr>
+      <p:grpSpPr>
+        <a:xfrm>
+          <a:off x="0" y="0"/>
+          <a:ext cx="0" cy="0"/>
+          <a:chOff x="0" y="0"/>
+          <a:chExt cx="0" cy="0"/>
+        </a:xfrm>
+      </p:grpSpPr>
+      <p:sp>
+        <p:nvSpPr>
+          <p:cNvPr id="160" name="Shape 160"/>
+          <p:cNvSpPr/>
+          <p:nvPr>
+            <p:ph idx="2" type="sldImg"/>
+          </p:nvPr>
+        </p:nvSpPr>
+        <p:spPr>
+          <a:xfrm>
+            <a:off x="1143000" y="685800"/>
+            <a:ext cx="4572000" cy="3429000"/>
+          </a:xfrm>
+          <a:custGeom>
+            <a:pathLst>
+              <a:path extrusionOk="0" h="120000" w="120000">
+                <a:moveTo>
+                  <a:pt x="0" y="0"/>
+                </a:moveTo>
+                <a:lnTo>
+                  <a:pt x="120000" y="0"/>
+                </a:lnTo>
+                <a:lnTo>
+                  <a:pt x="120000" y="120000"/>
+                </a:lnTo>
+                <a:lnTo>
+                  <a:pt x="0" y="120000"/>
+                </a:lnTo>
+                <a:close/>
+              </a:path>
+            </a:pathLst>
+          </a:custGeom>
+        </p:spPr>
+      </p:sp>
+      <p:sp>
+        <p:nvSpPr>
+          <p:cNvPr id="161" name="Shape 161"/>
+          <p:cNvSpPr txBox="1"/>
+          <p:nvPr>
+            <p:ph idx="1" type="body"/>
+          </p:nvPr>
+        </p:nvSpPr>
+        <p:spPr>
+          <a:xfrm>
+            <a:off x="685800" y="4343400"/>
+            <a:ext cx="5486400" cy="4114800"/>
+          </a:xfrm>
+          <a:prstGeom prst="rect">
+            <a:avLst/>
+          </a:prstGeom>
+        </p:spPr>
+        <p:txBody>
+          <a:bodyPr anchorCtr="0" anchor="t" bIns="91425" lIns="91425" rIns="91425" tIns="91425">
+            <a:noAutofit/>
+          </a:bodyPr>
+          <a:lstStyle/>
+          <a:p>
+            <a:pPr lvl="0">
+              <a:spcBef>
+                <a:spcPts val="0"/>
+              </a:spcBef>
+              <a:buNone/>
+            </a:pPr>
+            <a:r>
+              <a:t/>
+            </a:r>
+            <a:endParaRPr/>
+          </a:p>
+        </p:txBody>
+      </p:sp>
+      <p:sp>
+        <p:nvSpPr>
+          <p:cNvPr id="162" name="Shape 162"/>
+          <p:cNvSpPr txBox="1"/>
+          <p:nvPr>
+            <p:ph idx="12" type="sldNum"/>
+          </p:nvPr>
+        </p:nvSpPr>
+        <p:spPr>
+          <a:xfrm>
+            <a:off x="3884612" y="8685213"/>
+            <a:ext cx="2971800" cy="457200"/>
+          </a:xfrm>
+          <a:prstGeom prst="rect">
+            <a:avLst/>
+          </a:prstGeom>
+        </p:spPr>
+        <p:txBody>
+          <a:bodyPr anchorCtr="0" anchor="b" bIns="45700" lIns="91425" rIns="91425" tIns="45700">
+            <a:noAutofit/>
+          </a:bodyPr>
+          <a:lstStyle/>
+          <a:p>
+            <a:pPr lvl="0">
+              <a:spcBef>
+                <a:spcPts val="0"/>
+              </a:spcBef>
+              <a:buClr>
+                <a:srgbClr val="000000"/>
+              </a:buClr>
+              <a:buSzPct val="25000"/>
+              <a:buFont typeface="Arial"/>
+              <a:buNone/>
+            </a:pPr>
+            <a:fld id="{00000000-1234-1234-1234-123412341234}" type="slidenum">
+              <a:rPr lang="en-US"/>
+              <a:t>‹#›</a:t>
+            </a:fld>
+          </a:p>
+        </p:txBody>
+      </p:sp>
+    </p:spTree>
+  </p:cSld>
+  <p:clrMapOvr>
+    <a:masterClrMapping/>
+  </p:clrMapOvr>
+</p:notes>
+</file>
+
 <file path=ppt/slideLayouts/slideLayout1.xml><?xml version="1.0" encoding="utf-8"?>
 <p:sldLayout xmlns:a="http://schemas.openxmlformats.org/drawingml/2006/main" xmlns:r="http://schemas.openxmlformats.org/officeDocument/2006/relationships" xmlns:mc="http://schemas.openxmlformats.org/markup-compatibility/2006" xmlns:mv="urn:schemas-microsoft-com:mac:vml" xmlns:p="http://schemas.openxmlformats.org/presentationml/2006/main" xmlns:c="http://schemas.openxmlformats.org/drawingml/2006/chart" xmlns:dgm="http://schemas.openxmlformats.org/drawingml/2006/diagram" xmlns:o="urn:schemas-microsoft-com:office:office" xmlns:v="urn:schemas-microsoft-com:vml" xmlns:pvml="urn:schemas-microsoft-com:office:powerpoint" xmlns:com="http://schemas.openxmlformats.org/drawingml/2006/compatibility" xmlns:p14="http://schemas.microsoft.com/office/powerpoint/2010/main" type="blank">
   <p:cSld name="Blank">
@@ -9579,9 +9716,7 @@
   <p:cSld>
     <p:bg>
       <p:bgPr>
-        <a:solidFill>
-          <a:schemeClr val="lt1"/>
-        </a:solidFill>
+        <a:noFill/>
       </p:bgPr>
     </p:bg>
     <p:spTree>
@@ -10821,7 +10956,7 @@
         <p:spPr>
           <a:xfrm>
             <a:off x="2095948" y="1253066"/>
-            <a:ext cx="1093634" cy="346760"/>
+            <a:ext cx="1093500" cy="346800"/>
           </a:xfrm>
           <a:prstGeom prst="rect">
             <a:avLst/>
@@ -10875,8 +11010,8 @@
         </p:nvSpPr>
         <p:spPr>
           <a:xfrm flipH="1">
-            <a:off x="6520226" y="2149166"/>
-            <a:ext cx="1093634" cy="346760"/>
+            <a:off x="6520361" y="2149166"/>
+            <a:ext cx="1093500" cy="346800"/>
           </a:xfrm>
           <a:prstGeom prst="rect">
             <a:avLst/>
@@ -10893,7 +11028,7 @@
                 <a:srgbClr val="E4EEFF"/>
               </a:gs>
             </a:gsLst>
-            <a:lin ang="16200000" scaled="0"/>
+            <a:lin ang="16200038" scaled="0"/>
           </a:gradFill>
           <a:ln cap="flat" cmpd="sng" w="19050">
             <a:solidFill>
@@ -10942,7 +11077,7 @@
         <p:spPr>
           <a:xfrm>
             <a:off x="1780784" y="3772962"/>
-            <a:ext cx="1093634" cy="346760"/>
+            <a:ext cx="1093500" cy="346800"/>
           </a:xfrm>
           <a:prstGeom prst="rect">
             <a:avLst/>
@@ -10998,12 +11133,12 @@
         </p:nvCxnSpPr>
         <p:spPr>
           <a:xfrm rot="10800000">
-            <a:off x="3189583" y="1426446"/>
+            <a:off x="3189448" y="1426466"/>
             <a:ext cx="5020800" cy="2895900"/>
           </a:xfrm>
           <a:prstGeom prst="bentConnector3">
             <a:avLst>
-              <a:gd fmla="val -2711" name="adj1"/>
+              <a:gd fmla="val 50000" name="adj1"/>
             </a:avLst>
           </a:prstGeom>
           <a:gradFill>
@@ -11018,7 +11153,7 @@
                 <a:srgbClr val="FFE2E2"/>
               </a:gs>
             </a:gsLst>
-            <a:lin ang="16200000" scaled="0"/>
+            <a:lin ang="16200038" scaled="0"/>
           </a:gradFill>
           <a:ln cap="flat" cmpd="sng" w="19050">
             <a:solidFill>
@@ -11041,12 +11176,12 @@
         </p:nvCxnSpPr>
         <p:spPr>
           <a:xfrm>
-            <a:off x="1676548" y="1423446"/>
+            <a:off x="1676548" y="1423466"/>
             <a:ext cx="419400" cy="3000"/>
           </a:xfrm>
           <a:prstGeom prst="bentConnector3">
             <a:avLst>
-              <a:gd fmla="val 49982" name="adj1"/>
+              <a:gd fmla="val 50000" name="adj1"/>
             </a:avLst>
           </a:prstGeom>
           <a:gradFill>
@@ -11061,7 +11196,7 @@
                 <a:srgbClr val="FFE2E2"/>
               </a:gs>
             </a:gsLst>
-            <a:lin ang="16200000" scaled="0"/>
+            <a:lin ang="16200038" scaled="0"/>
           </a:gradFill>
           <a:ln cap="flat" cmpd="sng" w="19050">
             <a:solidFill>
@@ -11083,7 +11218,7 @@
         <p:spPr>
           <a:xfrm>
             <a:off x="1103084" y="4777355"/>
-            <a:ext cx="7431314" cy="328045"/>
+            <a:ext cx="7431300" cy="327900"/>
           </a:xfrm>
           <a:prstGeom prst="roundRect">
             <a:avLst>
@@ -11133,8 +11268,8 @@
         </p:nvSpPr>
         <p:spPr>
           <a:xfrm flipH="1">
-            <a:off x="6526365" y="2554919"/>
-            <a:ext cx="1093634" cy="346760"/>
+            <a:off x="6526500" y="2554919"/>
+            <a:ext cx="1093500" cy="346800"/>
           </a:xfrm>
           <a:prstGeom prst="rect">
             <a:avLst/>
@@ -11151,7 +11286,7 @@
                 <a:srgbClr val="E4EEFF"/>
               </a:gs>
             </a:gsLst>
-            <a:lin ang="16200000" scaled="0"/>
+            <a:lin ang="16200038" scaled="0"/>
           </a:gradFill>
           <a:ln cap="flat" cmpd="sng" w="19050">
             <a:solidFill>
@@ -11199,8 +11334,8 @@
         </p:nvSpPr>
         <p:spPr>
           <a:xfrm flipH="1">
-            <a:off x="6526365" y="3396382"/>
-            <a:ext cx="1093634" cy="346760"/>
+            <a:off x="6526500" y="3396382"/>
+            <a:ext cx="1093500" cy="346800"/>
           </a:xfrm>
           <a:prstGeom prst="rect">
             <a:avLst/>
@@ -11217,7 +11352,7 @@
                 <a:srgbClr val="E4EEFF"/>
               </a:gs>
             </a:gsLst>
-            <a:lin ang="16200000" scaled="0"/>
+            <a:lin ang="16200038" scaled="0"/>
           </a:gradFill>
           <a:ln cap="flat" cmpd="sng" w="19050">
             <a:solidFill>
@@ -11289,7 +11424,7 @@
         <p:spPr>
           <a:xfrm>
             <a:off x="7438239" y="4149039"/>
-            <a:ext cx="772043" cy="346760"/>
+            <a:ext cx="771900" cy="346800"/>
           </a:xfrm>
           <a:prstGeom prst="rect">
             <a:avLst/>
@@ -11306,7 +11441,7 @@
                 <a:srgbClr val="E4EEFF"/>
               </a:gs>
             </a:gsLst>
-            <a:lin ang="16200000" scaled="0"/>
+            <a:lin ang="16200038" scaled="0"/>
           </a:gradFill>
           <a:ln cap="flat" cmpd="sng" w="19050">
             <a:solidFill>
@@ -11378,7 +11513,7 @@
         <p:spPr>
           <a:xfrm>
             <a:off x="3529350" y="3775501"/>
-            <a:ext cx="585450" cy="346760"/>
+            <a:ext cx="585600" cy="346800"/>
           </a:xfrm>
           <a:prstGeom prst="rect">
             <a:avLst/>
@@ -11435,12 +11570,12 @@
         </p:nvCxnSpPr>
         <p:spPr>
           <a:xfrm>
-            <a:off x="2874419" y="3946342"/>
-            <a:ext cx="654900" cy="2400"/>
+            <a:off x="2874284" y="3946362"/>
+            <a:ext cx="655200" cy="2400"/>
           </a:xfrm>
           <a:prstGeom prst="bentConnector3">
             <a:avLst>
-              <a:gd fmla="val 50002" name="adj1"/>
+              <a:gd fmla="val 49990" name="adj1"/>
             </a:avLst>
           </a:prstGeom>
           <a:gradFill>
@@ -11455,7 +11590,7 @@
                 <a:srgbClr val="FFE2E2"/>
               </a:gs>
             </a:gsLst>
-            <a:lin ang="16200000" scaled="0"/>
+            <a:lin ang="16200038" scaled="0"/>
           </a:gradFill>
           <a:ln cap="flat" cmpd="sng" w="19050">
             <a:solidFill>
@@ -11478,7 +11613,7 @@
         </p:nvCxnSpPr>
         <p:spPr>
           <a:xfrm>
-            <a:off x="7824260" y="4495799"/>
+            <a:off x="7824189" y="4495839"/>
             <a:ext cx="0" cy="281700"/>
           </a:xfrm>
           <a:prstGeom prst="straightConnector1">
@@ -11496,7 +11631,7 @@
                 <a:srgbClr val="FFE2E2"/>
               </a:gs>
             </a:gsLst>
-            <a:lin ang="16200000" scaled="0"/>
+            <a:lin ang="16200038" scaled="0"/>
           </a:gradFill>
           <a:ln cap="flat" cmpd="sng" w="19050">
             <a:solidFill>
@@ -11517,8 +11652,8 @@
         </p:nvSpPr>
         <p:spPr>
           <a:xfrm rot="-5400000">
-            <a:off x="398120" y="2150720"/>
-            <a:ext cx="2209799" cy="346760"/>
+            <a:off x="398140" y="2150700"/>
+            <a:ext cx="2209800" cy="346799"/>
           </a:xfrm>
           <a:prstGeom prst="rect">
             <a:avLst/>
@@ -11594,7 +11729,7 @@
         <p:spPr>
           <a:xfrm>
             <a:off x="1359038" y="3429000"/>
-            <a:ext cx="270503" cy="175522"/>
+            <a:ext cx="270600" cy="175500"/>
           </a:xfrm>
           <a:prstGeom prst="triangle">
             <a:avLst>
@@ -11652,8 +11787,8 @@
         </p:nvCxnSpPr>
         <p:spPr>
           <a:xfrm rot="10800000">
-            <a:off x="1494284" y="3604642"/>
-            <a:ext cx="286500" cy="341700"/>
+            <a:off x="1494284" y="3604362"/>
+            <a:ext cx="286500" cy="342000"/>
           </a:xfrm>
           <a:prstGeom prst="bentConnector2">
             <a:avLst/>
@@ -11670,7 +11805,7 @@
                 <a:srgbClr val="FFE2E2"/>
               </a:gs>
             </a:gsLst>
-            <a:lin ang="16200000" scaled="0"/>
+            <a:lin ang="16200038" scaled="0"/>
           </a:gradFill>
           <a:ln cap="flat" cmpd="sng" w="19050">
             <a:solidFill>
@@ -11691,7 +11826,7 @@
         </p:nvCxnSpPr>
         <p:spPr>
           <a:xfrm>
-            <a:off x="1978201" y="4128999"/>
+            <a:off x="2057401" y="4122262"/>
             <a:ext cx="0" cy="655200"/>
           </a:xfrm>
           <a:prstGeom prst="straightConnector1">
@@ -11709,7 +11844,7 @@
                 <a:srgbClr val="FFE2E2"/>
               </a:gs>
             </a:gsLst>
-            <a:lin ang="16200000" scaled="0"/>
+            <a:lin ang="16200038" scaled="0"/>
           </a:gradFill>
           <a:ln cap="flat" cmpd="sng" w="19050">
             <a:solidFill>
@@ -11731,7 +11866,7 @@
         <p:spPr>
           <a:xfrm>
             <a:off x="893311" y="2832505"/>
-            <a:ext cx="419399" cy="3000"/>
+            <a:ext cx="419400" cy="3000"/>
           </a:xfrm>
           <a:prstGeom prst="bentConnector3">
             <a:avLst>
@@ -11750,7 +11885,7 @@
                 <a:srgbClr val="FFE2E2"/>
               </a:gs>
             </a:gsLst>
-            <a:lin ang="16200000" scaled="0"/>
+            <a:lin ang="16200038" scaled="0"/>
           </a:gradFill>
           <a:ln cap="flat" cmpd="sng" w="19050">
             <a:solidFill>
@@ -11774,8 +11909,8 @@
         </p:nvCxnSpPr>
         <p:spPr>
           <a:xfrm flipH="1" rot="-5400000">
-            <a:off x="4781452" y="1665872"/>
-            <a:ext cx="202800" cy="5110500"/>
+            <a:off x="4781534" y="1665762"/>
+            <a:ext cx="202800" cy="5110800"/>
           </a:xfrm>
           <a:prstGeom prst="bentConnector2">
             <a:avLst/>
@@ -11792,7 +11927,7 @@
                 <a:srgbClr val="FFE2E2"/>
               </a:gs>
             </a:gsLst>
-            <a:lin ang="16200000" scaled="0"/>
+            <a:lin ang="16200038" scaled="0"/>
           </a:gradFill>
           <a:ln cap="flat" cmpd="sng" w="19050">
             <a:solidFill>
@@ -11814,9 +11949,9 @@
         <p:grpSpPr>
           <a:xfrm>
             <a:off x="4597400" y="4341167"/>
-            <a:ext cx="889000" cy="230832"/>
+            <a:ext cx="889000" cy="230700"/>
             <a:chOff x="2895600" y="807931"/>
-            <a:chExt cx="889000" cy="230832"/>
+            <a:chExt cx="889000" cy="230699"/>
           </a:xfrm>
         </p:grpSpPr>
         <p:sp>
@@ -11828,7 +11963,7 @@
           <p:spPr>
             <a:xfrm>
               <a:off x="2895600" y="807931"/>
-              <a:ext cx="728805" cy="230832"/>
+              <a:ext cx="728700" cy="230699"/>
             </a:xfrm>
             <a:prstGeom prst="rect">
               <a:avLst/>
@@ -11874,8 +12009,8 @@
           </p:nvSpPr>
           <p:spPr>
             <a:xfrm rot="5400000">
-              <a:off x="3683523" y="866775"/>
-              <a:ext cx="125951" cy="76200"/>
+              <a:off x="3683500" y="866800"/>
+              <a:ext cx="126000" cy="76200"/>
             </a:xfrm>
             <a:prstGeom prst="triangle">
               <a:avLst>
@@ -11926,9 +12061,9 @@
         <p:grpSpPr>
           <a:xfrm>
             <a:off x="4665110" y="1219200"/>
-            <a:ext cx="868567" cy="230832"/>
+            <a:ext cx="868461" cy="230700"/>
             <a:chOff x="2755838" y="789460"/>
-            <a:chExt cx="868567" cy="230832"/>
+            <a:chExt cx="868461" cy="230700"/>
           </a:xfrm>
         </p:grpSpPr>
         <p:sp>
@@ -11940,7 +12075,7 @@
           <p:spPr>
             <a:xfrm>
               <a:off x="2895600" y="789460"/>
-              <a:ext cx="728805" cy="230832"/>
+              <a:ext cx="728700" cy="230700"/>
             </a:xfrm>
             <a:prstGeom prst="rect">
               <a:avLst/>
@@ -11986,8 +12121,8 @@
           </p:nvSpPr>
           <p:spPr>
             <a:xfrm flipH="1" rot="-5400000">
-              <a:off x="2730963" y="857180"/>
-              <a:ext cx="125951" cy="76200"/>
+              <a:off x="2730938" y="857205"/>
+              <a:ext cx="126000" cy="76200"/>
             </a:xfrm>
             <a:prstGeom prst="triangle">
               <a:avLst>
@@ -12038,7 +12173,7 @@
         <p:spPr>
           <a:xfrm>
             <a:off x="2301175" y="1618473"/>
-            <a:ext cx="131115" cy="230832"/>
+            <a:ext cx="131100" cy="230700"/>
           </a:xfrm>
           <a:prstGeom prst="rect">
             <a:avLst/>
@@ -12085,7 +12220,7 @@
         <p:spPr>
           <a:xfrm>
             <a:off x="2912207" y="3709457"/>
-            <a:ext cx="131115" cy="230832"/>
+            <a:ext cx="131100" cy="230700"/>
           </a:xfrm>
           <a:prstGeom prst="rect">
             <a:avLst/>
@@ -12131,8 +12266,8 @@
         </p:nvSpPr>
         <p:spPr>
           <a:xfrm flipH="1">
-            <a:off x="6526365" y="2956136"/>
-            <a:ext cx="1093634" cy="346760"/>
+            <a:off x="6526500" y="2956136"/>
+            <a:ext cx="1093500" cy="346800"/>
           </a:xfrm>
           <a:prstGeom prst="rect">
             <a:avLst/>
@@ -12149,7 +12284,7 @@
                 <a:srgbClr val="E4EEFF"/>
               </a:gs>
             </a:gsLst>
-            <a:lin ang="16200000" scaled="0"/>
+            <a:lin ang="16200038" scaled="0"/>
           </a:gradFill>
           <a:ln cap="flat" cmpd="sng" w="19050">
             <a:solidFill>
@@ -12198,7 +12333,7 @@
         <p:spPr>
           <a:xfrm rot="-5400000">
             <a:off x="1105885" y="2692117"/>
-            <a:ext cx="2147700" cy="599"/>
+            <a:ext cx="2147700" cy="600"/>
           </a:xfrm>
           <a:prstGeom prst="bentConnector3">
             <a:avLst>
@@ -12217,7 +12352,7 @@
                 <a:srgbClr val="FFE2E2"/>
               </a:gs>
             </a:gsLst>
-            <a:lin ang="16200000" scaled="0"/>
+            <a:lin ang="16200038" scaled="0"/>
           </a:gradFill>
           <a:ln cap="flat" cmpd="sng" w="19050">
             <a:solidFill>
@@ -12238,8 +12373,8 @@
         </p:nvSpPr>
         <p:spPr>
           <a:xfrm flipH="1">
-            <a:off x="4664591" y="2148936"/>
-            <a:ext cx="1093634" cy="346760"/>
+            <a:off x="4831428" y="2148936"/>
+            <a:ext cx="1093500" cy="346800"/>
           </a:xfrm>
           <a:prstGeom prst="rect">
             <a:avLst/>
@@ -12314,8 +12449,8 @@
         </p:nvSpPr>
         <p:spPr>
           <a:xfrm flipH="1">
-            <a:off x="4664591" y="2555336"/>
-            <a:ext cx="1093634" cy="346760"/>
+            <a:off x="4831428" y="2555336"/>
+            <a:ext cx="1093500" cy="346800"/>
           </a:xfrm>
           <a:prstGeom prst="rect">
             <a:avLst/>
@@ -12390,8 +12525,8 @@
         </p:nvSpPr>
         <p:spPr>
           <a:xfrm flipH="1">
-            <a:off x="4664590" y="2977582"/>
-            <a:ext cx="1093634" cy="346760"/>
+            <a:off x="4831426" y="2977582"/>
+            <a:ext cx="1093500" cy="346800"/>
           </a:xfrm>
           <a:prstGeom prst="rect">
             <a:avLst/>
@@ -12445,8 +12580,8 @@
         </p:nvSpPr>
         <p:spPr>
           <a:xfrm>
-            <a:off x="2807288" y="1905000"/>
-            <a:ext cx="751107" cy="346760"/>
+            <a:off x="3174214" y="1862794"/>
+            <a:ext cx="751200" cy="346800"/>
           </a:xfrm>
           <a:prstGeom prst="rect">
             <a:avLst/>
@@ -12523,8 +12658,8 @@
         </p:nvSpPr>
         <p:spPr>
           <a:xfrm>
-            <a:off x="2813291" y="2432664"/>
-            <a:ext cx="726243" cy="174580"/>
+            <a:off x="2238496" y="2454481"/>
+            <a:ext cx="726300" cy="174600"/>
           </a:xfrm>
           <a:prstGeom prst="rect">
             <a:avLst/>
@@ -12578,10 +12713,10 @@
         </p:nvGrpSpPr>
         <p:grpSpPr>
           <a:xfrm rot="5400000">
-            <a:off x="5941794" y="1962201"/>
-            <a:ext cx="254461" cy="555485"/>
-            <a:chOff x="3949242" y="712011"/>
-            <a:chExt cx="254461" cy="503902"/>
+            <a:off x="6088770" y="1962108"/>
+            <a:ext cx="254400" cy="555609"/>
+            <a:chOff x="3949242" y="578641"/>
+            <a:chExt cx="254400" cy="504000"/>
           </a:xfrm>
         </p:grpSpPr>
         <p:sp>
@@ -12592,8 +12727,8 @@
           </p:nvSpPr>
           <p:spPr>
             <a:xfrm rot="-5400000">
-              <a:off x="3824522" y="836731"/>
-              <a:ext cx="503902" cy="254461"/>
+              <a:off x="3824442" y="703441"/>
+              <a:ext cx="504000" cy="254400"/>
             </a:xfrm>
             <a:prstGeom prst="rect">
               <a:avLst/>
@@ -12639,8 +12774,8 @@
           </p:nvSpPr>
           <p:spPr>
             <a:xfrm flipH="1">
-              <a:off x="3979473" y="751200"/>
-              <a:ext cx="132156" cy="79956"/>
+              <a:off x="3979330" y="617927"/>
+              <a:ext cx="132300" cy="80100"/>
             </a:xfrm>
             <a:prstGeom prst="triangle">
               <a:avLst>
@@ -12690,10 +12825,10 @@
         </p:nvGrpSpPr>
         <p:grpSpPr>
           <a:xfrm rot="5400000">
-            <a:off x="5962853" y="2347569"/>
-            <a:ext cx="254461" cy="555485"/>
-            <a:chOff x="3949242" y="712011"/>
-            <a:chExt cx="254461" cy="503902"/>
+            <a:off x="6098798" y="2390484"/>
+            <a:ext cx="254400" cy="555609"/>
+            <a:chOff x="3965758" y="592337"/>
+            <a:chExt cx="254400" cy="504000"/>
           </a:xfrm>
         </p:grpSpPr>
         <p:sp>
@@ -12704,8 +12839,8 @@
           </p:nvSpPr>
           <p:spPr>
             <a:xfrm rot="-5400000">
-              <a:off x="3824522" y="836731"/>
-              <a:ext cx="503902" cy="254461"/>
+              <a:off x="3840958" y="717137"/>
+              <a:ext cx="504000" cy="254400"/>
             </a:xfrm>
             <a:prstGeom prst="rect">
               <a:avLst/>
@@ -12751,8 +12886,8 @@
           </p:nvSpPr>
           <p:spPr>
             <a:xfrm flipH="1">
-              <a:off x="3979473" y="751200"/>
-              <a:ext cx="132156" cy="79956"/>
+              <a:off x="3995848" y="631624"/>
+              <a:ext cx="132300" cy="80100"/>
             </a:xfrm>
             <a:prstGeom prst="triangle">
               <a:avLst>
@@ -12802,8 +12937,8 @@
         </p:nvSpPr>
         <p:spPr>
           <a:xfrm>
-            <a:off x="2819400" y="2841725"/>
-            <a:ext cx="731635" cy="283820"/>
+            <a:off x="3186325" y="2841725"/>
+            <a:ext cx="731700" cy="283800"/>
           </a:xfrm>
           <a:prstGeom prst="rect">
             <a:avLst/>
@@ -12857,8 +12992,8 @@
         </p:nvSpPr>
         <p:spPr>
           <a:xfrm>
-            <a:off x="2819400" y="3190882"/>
-            <a:ext cx="731635" cy="283820"/>
+            <a:off x="3186325" y="3190882"/>
+            <a:ext cx="731700" cy="283800"/>
           </a:xfrm>
           <a:prstGeom prst="rect">
             <a:avLst/>
@@ -12914,7 +13049,7 @@
         </p:nvCxnSpPr>
         <p:spPr>
           <a:xfrm rot="10800000">
-            <a:off x="3551035" y="2983635"/>
+            <a:off x="3918025" y="2983625"/>
             <a:ext cx="335100" cy="0"/>
           </a:xfrm>
           <a:prstGeom prst="straightConnector1">
@@ -12932,7 +13067,7 @@
                 <a:srgbClr val="FFE2E2"/>
               </a:gs>
             </a:gsLst>
-            <a:lin ang="16200000" scaled="0"/>
+            <a:lin ang="16200038" scaled="0"/>
           </a:gradFill>
           <a:ln cap="flat" cmpd="sng" w="19050">
             <a:solidFill>
@@ -12948,13 +13083,15 @@
       <p:cxnSp>
         <p:nvCxnSpPr>
           <p:cNvPr id="131" name="Shape 131"/>
-          <p:cNvCxnSpPr/>
+          <p:cNvCxnSpPr>
+            <a:endCxn id="129" idx="3"/>
+          </p:cNvCxnSpPr>
           <p:nvPr/>
         </p:nvCxnSpPr>
         <p:spPr>
-          <a:xfrm rot="10800000">
-            <a:off x="3558395" y="3297470"/>
-            <a:ext cx="327804" cy="5425"/>
+          <a:xfrm flipH="1">
+            <a:off x="3918025" y="3332482"/>
+            <a:ext cx="335100" cy="300"/>
           </a:xfrm>
           <a:prstGeom prst="straightConnector1">
             <a:avLst/>
@@ -12971,7 +13108,7 @@
                 <a:srgbClr val="FFE2E2"/>
               </a:gs>
             </a:gsLst>
-            <a:lin ang="16200000" scaled="0"/>
+            <a:lin ang="16200038" scaled="0"/>
           </a:gradFill>
           <a:ln cap="flat" cmpd="sng" w="19050">
             <a:solidFill>
@@ -12988,19 +13125,18 @@
         <p:nvCxnSpPr>
           <p:cNvPr id="132" name="Shape 132"/>
           <p:cNvCxnSpPr>
-            <a:stCxn id="128" idx="0"/>
+            <a:stCxn id="128" idx="1"/>
+            <a:endCxn id="121" idx="2"/>
           </p:cNvCxnSpPr>
           <p:nvPr/>
         </p:nvCxnSpPr>
         <p:spPr>
-          <a:xfrm flipH="1" rot="5400000">
-            <a:off x="3063567" y="2720075"/>
-            <a:ext cx="234600" cy="8700"/>
+          <a:xfrm rot="10800000">
+            <a:off x="2601625" y="2629025"/>
+            <a:ext cx="584700" cy="354600"/>
           </a:xfrm>
-          <a:prstGeom prst="bentConnector3">
-            <a:avLst>
-              <a:gd fmla="val 49974" name="adj1"/>
-            </a:avLst>
+          <a:prstGeom prst="bentConnector2">
+            <a:avLst/>
           </a:prstGeom>
           <a:gradFill>
             <a:gsLst>
@@ -13014,7 +13150,7 @@
                 <a:srgbClr val="FFE2E2"/>
               </a:gs>
             </a:gsLst>
-            <a:lin ang="16200000" scaled="0"/>
+            <a:lin ang="16200038" scaled="0"/>
           </a:gradFill>
           <a:ln cap="flat" cmpd="sng" w="19050">
             <a:solidFill>
@@ -13030,13 +13166,15 @@
       <p:cxnSp>
         <p:nvCxnSpPr>
           <p:cNvPr id="133" name="Shape 133"/>
-          <p:cNvCxnSpPr/>
+          <p:cNvCxnSpPr>
+            <a:stCxn id="120" idx="3"/>
+          </p:cNvCxnSpPr>
           <p:nvPr/>
         </p:nvCxnSpPr>
         <p:spPr>
           <a:xfrm>
-            <a:off x="3539533" y="2078486"/>
-            <a:ext cx="346665" cy="0"/>
+            <a:off x="3925414" y="2036194"/>
+            <a:ext cx="327900" cy="0"/>
           </a:xfrm>
           <a:prstGeom prst="straightConnector1">
             <a:avLst/>
@@ -13053,7 +13191,7 @@
                 <a:srgbClr val="FFE2E2"/>
               </a:gs>
             </a:gsLst>
-            <a:lin ang="16200000" scaled="0"/>
+            <a:lin ang="16200038" scaled="0"/>
           </a:gradFill>
           <a:ln cap="flat" cmpd="sng" w="19050">
             <a:solidFill>
@@ -13070,20 +13208,18 @@
         <p:nvCxnSpPr>
           <p:cNvPr id="134" name="Shape 134"/>
           <p:cNvCxnSpPr>
-            <a:stCxn id="120" idx="2"/>
+            <a:stCxn id="120" idx="1"/>
             <a:endCxn id="121" idx="0"/>
           </p:cNvCxnSpPr>
           <p:nvPr/>
         </p:nvCxnSpPr>
         <p:spPr>
-          <a:xfrm rot="5400000">
-            <a:off x="3089241" y="2339060"/>
-            <a:ext cx="180900" cy="6300"/>
+          <a:xfrm flipH="1">
+            <a:off x="2601514" y="2036194"/>
+            <a:ext cx="572700" cy="418200"/>
           </a:xfrm>
-          <a:prstGeom prst="bentConnector3">
-            <a:avLst>
-              <a:gd fmla="val 50001" name="adj1"/>
-            </a:avLst>
+          <a:prstGeom prst="bentConnector2">
+            <a:avLst/>
           </a:prstGeom>
           <a:gradFill>
             <a:gsLst>
@@ -13097,7 +13233,7 @@
                 <a:srgbClr val="FFE2E2"/>
               </a:gs>
             </a:gsLst>
-            <a:lin ang="16200000" scaled="0"/>
+            <a:lin ang="16200038" scaled="0"/>
           </a:gradFill>
           <a:ln cap="flat" cmpd="sng" w="19050">
             <a:solidFill>
@@ -13118,10 +13254,10 @@
         </p:nvGrpSpPr>
         <p:grpSpPr>
           <a:xfrm rot="5400000">
-            <a:off x="4090826" y="3633626"/>
-            <a:ext cx="555485" cy="254462"/>
-            <a:chOff x="3798139" y="875688"/>
-            <a:chExt cx="555485" cy="230832"/>
+            <a:off x="4346055" y="3538805"/>
+            <a:ext cx="555600" cy="254323"/>
+            <a:chOff x="3703192" y="644154"/>
+            <a:chExt cx="555600" cy="230700"/>
           </a:xfrm>
         </p:grpSpPr>
         <p:sp>
@@ -13132,8 +13268,8 @@
           </p:nvSpPr>
           <p:spPr>
             <a:xfrm rot="10800000">
-              <a:off x="3798139" y="875688"/>
-              <a:ext cx="555485" cy="230832"/>
+              <a:off x="3703192" y="644154"/>
+              <a:ext cx="555600" cy="230700"/>
             </a:xfrm>
             <a:prstGeom prst="rect">
               <a:avLst/>
@@ -13179,8 +13315,8 @@
           </p:nvSpPr>
           <p:spPr>
             <a:xfrm flipH="1" rot="-5400000">
-              <a:off x="3795126" y="973354"/>
-              <a:ext cx="119884" cy="88140"/>
+              <a:off x="3700266" y="741716"/>
+              <a:ext cx="120000" cy="88200"/>
             </a:xfrm>
             <a:prstGeom prst="triangle">
               <a:avLst>
@@ -13232,7 +13368,7 @@
         </p:nvCxnSpPr>
         <p:spPr>
           <a:xfrm flipH="1" rot="5400000">
-            <a:off x="7296600" y="3452916"/>
+            <a:off x="7296600" y="3452936"/>
             <a:ext cx="851100" cy="204300"/>
           </a:xfrm>
           <a:prstGeom prst="bentConnector2">
@@ -13258,8 +13394,8 @@
         </p:nvSpPr>
         <p:spPr>
           <a:xfrm flipH="1" rot="10800000">
-            <a:off x="7689010" y="3980475"/>
-            <a:ext cx="270503" cy="175522"/>
+            <a:off x="7689010" y="3980498"/>
+            <a:ext cx="270600" cy="175500"/>
           </a:xfrm>
           <a:prstGeom prst="triangle">
             <a:avLst>
@@ -13317,7 +13453,7 @@
         </p:nvCxnSpPr>
         <p:spPr>
           <a:xfrm flipH="1" rot="5400000">
-            <a:off x="7516762" y="3672975"/>
+            <a:off x="7516810" y="3672998"/>
             <a:ext cx="410700" cy="204300"/>
           </a:xfrm>
           <a:prstGeom prst="bentConnector2">
@@ -13346,7 +13482,7 @@
         </p:nvCxnSpPr>
         <p:spPr>
           <a:xfrm flipH="1" rot="5400000">
-            <a:off x="7096012" y="3252225"/>
+            <a:off x="7096060" y="3252248"/>
             <a:ext cx="1252200" cy="204300"/>
           </a:xfrm>
           <a:prstGeom prst="bentConnector2">
@@ -13375,7 +13511,7 @@
         </p:nvCxnSpPr>
         <p:spPr>
           <a:xfrm flipH="1" rot="5400000">
-            <a:off x="6890212" y="3046425"/>
+            <a:off x="6890260" y="3046448"/>
             <a:ext cx="1657800" cy="210300"/>
           </a:xfrm>
           <a:prstGeom prst="bentConnector2">
@@ -13404,12 +13540,12 @@
         </p:nvCxnSpPr>
         <p:spPr>
           <a:xfrm flipH="1" rot="10800000">
-            <a:off x="4114800" y="3150881"/>
-            <a:ext cx="549900" cy="798000"/>
+            <a:off x="4114950" y="3150901"/>
+            <a:ext cx="716400" cy="798000"/>
           </a:xfrm>
           <a:prstGeom prst="bentConnector3">
             <a:avLst>
-              <a:gd fmla="val 14717" name="adj1"/>
+              <a:gd fmla="val 50005" name="adj1"/>
             </a:avLst>
           </a:prstGeom>
           <a:gradFill>
@@ -13424,7 +13560,7 @@
                 <a:srgbClr val="FFE2E2"/>
               </a:gs>
             </a:gsLst>
-            <a:lin ang="16200000" scaled="0"/>
+            <a:lin ang="16200038" scaled="0"/>
           </a:gradFill>
           <a:ln cap="flat" cmpd="sng" w="19050">
             <a:solidFill>
@@ -13448,12 +13584,12 @@
         </p:nvCxnSpPr>
         <p:spPr>
           <a:xfrm flipH="1" rot="10800000">
-            <a:off x="4114800" y="2728781"/>
-            <a:ext cx="549900" cy="1220100"/>
+            <a:off x="4114950" y="2728801"/>
+            <a:ext cx="716400" cy="1220100"/>
           </a:xfrm>
           <a:prstGeom prst="bentConnector3">
             <a:avLst>
-              <a:gd fmla="val 14717" name="adj1"/>
+              <a:gd fmla="val 50006" name="adj1"/>
             </a:avLst>
           </a:prstGeom>
           <a:gradFill>
@@ -13468,7 +13604,7 @@
                 <a:srgbClr val="FFE2E2"/>
               </a:gs>
             </a:gsLst>
-            <a:lin ang="16200000" scaled="0"/>
+            <a:lin ang="16200038" scaled="0"/>
           </a:gradFill>
           <a:ln cap="flat" cmpd="sng" w="19050">
             <a:solidFill>
@@ -13492,12 +13628,12 @@
         </p:nvCxnSpPr>
         <p:spPr>
           <a:xfrm flipH="1" rot="10800000">
-            <a:off x="4114800" y="2322281"/>
-            <a:ext cx="549900" cy="1626600"/>
+            <a:off x="4114950" y="2322301"/>
+            <a:ext cx="716400" cy="1626600"/>
           </a:xfrm>
           <a:prstGeom prst="bentConnector3">
             <a:avLst>
-              <a:gd fmla="val 14718" name="adj1"/>
+              <a:gd fmla="val 50006" name="adj1"/>
             </a:avLst>
           </a:prstGeom>
           <a:gradFill>
@@ -13512,7 +13648,7 @@
                 <a:srgbClr val="FFE2E2"/>
               </a:gs>
             </a:gsLst>
-            <a:lin ang="16200000" scaled="0"/>
+            <a:lin ang="16200038" scaled="0"/>
           </a:gradFill>
           <a:ln cap="flat" cmpd="sng" w="19050">
             <a:solidFill>
@@ -13536,12 +13672,12 @@
         </p:nvCxnSpPr>
         <p:spPr>
           <a:xfrm>
-            <a:off x="5758226" y="2728716"/>
-            <a:ext cx="768000" cy="600"/>
+            <a:off x="5924928" y="2728736"/>
+            <a:ext cx="601500" cy="600"/>
           </a:xfrm>
           <a:prstGeom prst="bentConnector3">
             <a:avLst>
-              <a:gd fmla="val 50009" name="adj1"/>
+              <a:gd fmla="val 50006" name="adj1"/>
             </a:avLst>
           </a:prstGeom>
           <a:gradFill>
@@ -13556,7 +13692,7 @@
                 <a:srgbClr val="FFE2E2"/>
               </a:gs>
             </a:gsLst>
-            <a:lin ang="16200000" scaled="0"/>
+            <a:lin ang="16200038" scaled="0"/>
           </a:gradFill>
           <a:ln cap="flat" cmpd="sng" w="19050">
             <a:solidFill>
@@ -13580,12 +13716,12 @@
         </p:nvCxnSpPr>
         <p:spPr>
           <a:xfrm>
-            <a:off x="5758226" y="2322316"/>
-            <a:ext cx="762000" cy="600"/>
+            <a:off x="5924928" y="2322336"/>
+            <a:ext cx="595500" cy="600"/>
           </a:xfrm>
           <a:prstGeom prst="bentConnector3">
             <a:avLst>
-              <a:gd fmla="val 50000" name="adj1"/>
+              <a:gd fmla="val 49994" name="adj1"/>
             </a:avLst>
           </a:prstGeom>
           <a:gradFill>
@@ -13600,7 +13736,7 @@
                 <a:srgbClr val="FFE2E2"/>
               </a:gs>
             </a:gsLst>
-            <a:lin ang="16200000" scaled="0"/>
+            <a:lin ang="16200038" scaled="0"/>
           </a:gradFill>
           <a:ln cap="flat" cmpd="sng" w="19050">
             <a:solidFill>
@@ -13621,8 +13757,8 @@
         </p:nvCxnSpPr>
         <p:spPr>
           <a:xfrm>
-            <a:off x="3886200" y="2078486"/>
-            <a:ext cx="0" cy="1218983"/>
+            <a:off x="4248487" y="2033983"/>
+            <a:ext cx="0" cy="1304700"/>
           </a:xfrm>
           <a:prstGeom prst="straightConnector1">
             <a:avLst/>
@@ -13639,7 +13775,7 @@
                 <a:srgbClr val="FFE2E2"/>
               </a:gs>
             </a:gsLst>
-            <a:lin ang="16200000" scaled="0"/>
+            <a:lin ang="16200038" scaled="0"/>
           </a:gradFill>
           <a:ln cap="flat" cmpd="sng" w="19050">
             <a:solidFill>
@@ -13660,8 +13796,8 @@
         </p:nvCxnSpPr>
         <p:spPr>
           <a:xfrm>
-            <a:off x="3894671" y="2209800"/>
-            <a:ext cx="769917" cy="0"/>
+            <a:off x="4248487" y="2209800"/>
+            <a:ext cx="582000" cy="0"/>
           </a:xfrm>
           <a:prstGeom prst="straightConnector1">
             <a:avLst/>
@@ -13678,7 +13814,7 @@
                 <a:srgbClr val="FFE2E2"/>
               </a:gs>
             </a:gsLst>
-            <a:lin ang="16200000" scaled="0"/>
+            <a:lin ang="16200038" scaled="0"/>
           </a:gradFill>
           <a:ln cap="flat" cmpd="sng" w="19050">
             <a:solidFill>
@@ -13698,9 +13834,9 @@
           <p:nvPr/>
         </p:nvCxnSpPr>
         <p:spPr>
-          <a:xfrm>
-            <a:off x="3886200" y="2607243"/>
-            <a:ext cx="769917" cy="0"/>
+          <a:xfrm flipH="1" rot="10800000">
+            <a:off x="4255042" y="2607218"/>
+            <a:ext cx="567000" cy="6000"/>
           </a:xfrm>
           <a:prstGeom prst="straightConnector1">
             <a:avLst/>
@@ -13717,7 +13853,7 @@
                 <a:srgbClr val="FFE2E2"/>
               </a:gs>
             </a:gsLst>
-            <a:lin ang="16200000" scaled="0"/>
+            <a:lin ang="16200038" scaled="0"/>
           </a:gradFill>
           <a:ln cap="flat" cmpd="sng" w="19050">
             <a:solidFill>
@@ -13738,8 +13874,8 @@
         </p:nvCxnSpPr>
         <p:spPr>
           <a:xfrm>
-            <a:off x="3886200" y="3048000"/>
-            <a:ext cx="769917" cy="0"/>
+            <a:off x="4248487" y="3048000"/>
+            <a:ext cx="573600" cy="0"/>
           </a:xfrm>
           <a:prstGeom prst="straightConnector1">
             <a:avLst/>
@@ -13756,7 +13892,7 @@
                 <a:srgbClr val="FFE2E2"/>
               </a:gs>
             </a:gsLst>
-            <a:lin ang="16200000" scaled="0"/>
+            <a:lin ang="16200038" scaled="0"/>
           </a:gradFill>
           <a:ln cap="flat" cmpd="sng" w="19050">
             <a:solidFill>
@@ -13772,6 +13908,213 @@
       <p:sp>
         <p:nvSpPr>
           <p:cNvPr id="152" name="Shape 152"/>
+          <p:cNvSpPr/>
+          <p:nvPr/>
+        </p:nvSpPr>
+        <p:spPr>
+          <a:xfrm>
+            <a:off x="3174214" y="2370131"/>
+            <a:ext cx="750300" cy="340800"/>
+          </a:xfrm>
+          <a:prstGeom prst="rect">
+            <a:avLst/>
+          </a:prstGeom>
+          <a:solidFill>
+            <a:srgbClr val="92CCDC"/>
+          </a:solidFill>
+          <a:ln cap="flat" cmpd="sng" w="19050">
+            <a:solidFill>
+              <a:srgbClr val="92CCDC"/>
+            </a:solidFill>
+            <a:prstDash val="solid"/>
+            <a:round/>
+            <a:headEnd len="med" w="med" type="none"/>
+            <a:tailEnd len="med" w="med" type="none"/>
+          </a:ln>
+        </p:spPr>
+        <p:txBody>
+          <a:bodyPr anchorCtr="0" anchor="ctr" bIns="45700" lIns="91425" rIns="91425" tIns="45700">
+            <a:noAutofit/>
+          </a:bodyPr>
+          <a:lstStyle/>
+          <a:p>
+            <a:pPr indent="0" lvl="0" marL="0" marR="0" rtl="0" algn="ctr">
+              <a:spcBef>
+                <a:spcPts val="0"/>
+              </a:spcBef>
+              <a:buSzPct val="25000"/>
+              <a:buNone/>
+            </a:pPr>
+            <a:r>
+              <a:rPr lang="en-US" sz="1050">
+                <a:solidFill>
+                  <a:schemeClr val="lt1"/>
+                </a:solidFill>
+                <a:latin typeface="Calibri"/>
+                <a:ea typeface="Calibri"/>
+                <a:cs typeface="Calibri"/>
+                <a:sym typeface="Calibri"/>
+              </a:rPr>
+              <a:t>Argument</a:t>
+            </a:r>
+            <a:br>
+              <a:rPr lang="en-US" sz="1050">
+                <a:solidFill>
+                  <a:schemeClr val="lt1"/>
+                </a:solidFill>
+                <a:latin typeface="Calibri"/>
+                <a:ea typeface="Calibri"/>
+                <a:cs typeface="Calibri"/>
+                <a:sym typeface="Calibri"/>
+              </a:rPr>
+            </a:br>
+            <a:r>
+              <a:rPr lang="en-US" sz="1050">
+                <a:solidFill>
+                  <a:schemeClr val="lt1"/>
+                </a:solidFill>
+                <a:latin typeface="Calibri"/>
+                <a:ea typeface="Calibri"/>
+                <a:cs typeface="Calibri"/>
+                <a:sym typeface="Calibri"/>
+              </a:rPr>
+              <a:t>Multimap</a:t>
+            </a:r>
+          </a:p>
+        </p:txBody>
+      </p:sp>
+      <p:cxnSp>
+        <p:nvCxnSpPr>
+          <p:cNvPr id="153" name="Shape 153"/>
+          <p:cNvCxnSpPr>
+            <a:stCxn id="152" idx="1"/>
+            <a:endCxn id="121" idx="3"/>
+          </p:cNvCxnSpPr>
+          <p:nvPr/>
+        </p:nvCxnSpPr>
+        <p:spPr>
+          <a:xfrm flipH="1">
+            <a:off x="2964814" y="2540531"/>
+            <a:ext cx="209400" cy="1200"/>
+          </a:xfrm>
+          <a:prstGeom prst="bentConnector3">
+            <a:avLst>
+              <a:gd fmla="val 50004" name="adj1"/>
+            </a:avLst>
+          </a:prstGeom>
+          <a:gradFill>
+            <a:gsLst>
+              <a:gs pos="0">
+                <a:srgbClr val="FFA09D"/>
+              </a:gs>
+              <a:gs pos="35000">
+                <a:srgbClr val="FFBCBC"/>
+              </a:gs>
+              <a:gs pos="100000">
+                <a:srgbClr val="FFE2E2"/>
+              </a:gs>
+            </a:gsLst>
+            <a:lin ang="16200038" scaled="0"/>
+          </a:gradFill>
+          <a:ln cap="flat" cmpd="sng" w="19050">
+            <a:solidFill>
+              <a:srgbClr val="92CCDC"/>
+            </a:solidFill>
+            <a:prstDash val="dot"/>
+            <a:round/>
+            <a:headEnd len="med" w="med" type="none"/>
+            <a:tailEnd len="lg" w="lg" type="stealth"/>
+          </a:ln>
+        </p:spPr>
+      </p:cxnSp>
+      <p:cxnSp>
+        <p:nvCxnSpPr>
+          <p:cNvPr id="154" name="Shape 154"/>
+          <p:cNvCxnSpPr>
+            <a:stCxn id="120" idx="2"/>
+            <a:endCxn id="152" idx="0"/>
+          </p:cNvCxnSpPr>
+          <p:nvPr/>
+        </p:nvCxnSpPr>
+        <p:spPr>
+          <a:xfrm flipH="1" rot="-5400000">
+            <a:off x="3469864" y="2289544"/>
+            <a:ext cx="160500" cy="600"/>
+          </a:xfrm>
+          <a:prstGeom prst="bentConnector3">
+            <a:avLst>
+              <a:gd fmla="val 50011" name="adj1"/>
+            </a:avLst>
+          </a:prstGeom>
+          <a:gradFill>
+            <a:gsLst>
+              <a:gs pos="0">
+                <a:srgbClr val="FFA09D"/>
+              </a:gs>
+              <a:gs pos="35000">
+                <a:srgbClr val="FFBCBC"/>
+              </a:gs>
+              <a:gs pos="100000">
+                <a:srgbClr val="FFE2E2"/>
+              </a:gs>
+            </a:gsLst>
+            <a:lin ang="16200038" scaled="0"/>
+          </a:gradFill>
+          <a:ln cap="flat" cmpd="sng" w="19050">
+            <a:solidFill>
+              <a:srgbClr val="92CCDC"/>
+            </a:solidFill>
+            <a:prstDash val="dot"/>
+            <a:round/>
+            <a:headEnd len="med" w="med" type="none"/>
+            <a:tailEnd len="lg" w="lg" type="stealth"/>
+          </a:ln>
+        </p:spPr>
+      </p:cxnSp>
+      <p:cxnSp>
+        <p:nvCxnSpPr>
+          <p:cNvPr id="155" name="Shape 155"/>
+          <p:cNvCxnSpPr>
+            <a:stCxn id="152" idx="3"/>
+          </p:cNvCxnSpPr>
+          <p:nvPr/>
+        </p:nvCxnSpPr>
+        <p:spPr>
+          <a:xfrm flipH="1" rot="10800000">
+            <a:off x="3924514" y="2535731"/>
+            <a:ext cx="322200" cy="4800"/>
+          </a:xfrm>
+          <a:prstGeom prst="straightConnector1">
+            <a:avLst/>
+          </a:prstGeom>
+          <a:gradFill>
+            <a:gsLst>
+              <a:gs pos="0">
+                <a:srgbClr val="FFA09D"/>
+              </a:gs>
+              <a:gs pos="35000">
+                <a:srgbClr val="FFBCBC"/>
+              </a:gs>
+              <a:gs pos="100000">
+                <a:srgbClr val="FFE2E2"/>
+              </a:gs>
+            </a:gsLst>
+            <a:lin ang="16200038" scaled="0"/>
+          </a:gradFill>
+          <a:ln cap="flat" cmpd="sng" w="19050">
+            <a:solidFill>
+              <a:srgbClr val="205867"/>
+            </a:solidFill>
+            <a:prstDash val="dot"/>
+            <a:round/>
+            <a:headEnd len="lg" w="lg" type="stealth"/>
+            <a:tailEnd len="med" w="med" type="none"/>
+          </a:ln>
+        </p:spPr>
+      </p:cxnSp>
+      <p:sp>
+        <p:nvSpPr>
+          <p:cNvPr id="156" name="Shape 156"/>
           <p:cNvSpPr/>
           <p:nvPr/>
         </p:nvSpPr>
@@ -13808,7 +14151,7 @@
             <a:r>
               <a:rPr b="1" lang="en-US" sz="1100">
                 <a:solidFill>
-                  <a:schemeClr val="lt1"/>
+                  <a:srgbClr val="FFFFFF"/>
                 </a:solidFill>
                 <a:latin typeface="Calibri"/>
                 <a:ea typeface="Calibri"/>
@@ -13822,7 +14165,46 @@
       </p:sp>
       <p:cxnSp>
         <p:nvCxnSpPr>
-          <p:cNvPr id="153" name="Shape 153"/>
+          <p:cNvPr id="157" name="Shape 157"/>
+          <p:cNvCxnSpPr/>
+          <p:nvPr/>
+        </p:nvCxnSpPr>
+        <p:spPr>
+          <a:xfrm>
+            <a:off x="7949800" y="4495800"/>
+            <a:ext cx="0" cy="735000"/>
+          </a:xfrm>
+          <a:prstGeom prst="straightConnector1">
+            <a:avLst/>
+          </a:prstGeom>
+          <a:gradFill>
+            <a:gsLst>
+              <a:gs pos="0">
+                <a:srgbClr val="FFA09D"/>
+              </a:gs>
+              <a:gs pos="35000">
+                <a:srgbClr val="FFBCBC"/>
+              </a:gs>
+              <a:gs pos="100000">
+                <a:srgbClr val="FFE2E2"/>
+              </a:gs>
+            </a:gsLst>
+            <a:lin ang="16200038" scaled="0"/>
+          </a:gradFill>
+          <a:ln cap="flat" cmpd="sng" w="19050">
+            <a:solidFill>
+              <a:srgbClr val="0070C0"/>
+            </a:solidFill>
+            <a:prstDash val="dot"/>
+            <a:round/>
+            <a:headEnd len="med" w="med" type="none"/>
+            <a:tailEnd len="lg" w="lg" type="stealth"/>
+          </a:ln>
+        </p:spPr>
+      </p:cxnSp>
+      <p:cxnSp>
+        <p:nvCxnSpPr>
+          <p:cNvPr id="158" name="Shape 158"/>
           <p:cNvCxnSpPr/>
           <p:nvPr/>
         </p:nvCxnSpPr>
@@ -13859,45 +14241,103 @@
           </a:ln>
         </p:spPr>
       </p:cxnSp>
-      <p:cxnSp>
-        <p:nvCxnSpPr>
-          <p:cNvPr id="154" name="Shape 154"/>
-          <p:cNvCxnSpPr/>
-          <p:nvPr/>
-        </p:nvCxnSpPr>
+    </p:spTree>
+  </p:cSld>
+  <p:clrMapOvr>
+    <a:masterClrMapping/>
+  </p:clrMapOvr>
+</p:sld>
+</file>
+
+<file path=ppt/slides/slide2.xml><?xml version="1.0" encoding="utf-8"?>
+<p:sld xmlns:a="http://schemas.openxmlformats.org/drawingml/2006/main" xmlns:r="http://schemas.openxmlformats.org/officeDocument/2006/relationships" xmlns:mc="http://schemas.openxmlformats.org/markup-compatibility/2006" xmlns:mv="urn:schemas-microsoft-com:mac:vml" xmlns:p="http://schemas.openxmlformats.org/presentationml/2006/main" xmlns:c="http://schemas.openxmlformats.org/drawingml/2006/chart" xmlns:dgm="http://schemas.openxmlformats.org/drawingml/2006/diagram" xmlns:o="urn:schemas-microsoft-com:office:office" xmlns:v="urn:schemas-microsoft-com:vml" xmlns:pvml="urn:schemas-microsoft-com:office:powerpoint" xmlns:com="http://schemas.openxmlformats.org/drawingml/2006/compatibility" xmlns:p14="http://schemas.microsoft.com/office/powerpoint/2010/main">
+  <p:cSld>
+    <p:spTree>
+      <p:nvGrpSpPr>
+        <p:cNvPr id="163" name="Shape 163"/>
+        <p:cNvGrpSpPr/>
+        <p:nvPr/>
+      </p:nvGrpSpPr>
+      <p:grpSpPr>
+        <a:xfrm>
+          <a:off x="0" y="0"/>
+          <a:ext cx="0" cy="0"/>
+          <a:chOff x="0" y="0"/>
+          <a:chExt cx="0" cy="0"/>
+        </a:xfrm>
+      </p:grpSpPr>
+      <p:sp>
+        <p:nvSpPr>
+          <p:cNvPr id="164" name="Shape 164"/>
+          <p:cNvSpPr txBox="1"/>
+          <p:nvPr>
+            <p:ph type="title"/>
+          </p:nvPr>
+        </p:nvSpPr>
         <p:spPr>
           <a:xfrm>
-            <a:off x="8026000" y="4495800"/>
-            <a:ext cx="0" cy="735000"/>
+            <a:off x="457200" y="274637"/>
+            <a:ext cx="8229600" cy="1143000"/>
           </a:xfrm>
-          <a:prstGeom prst="straightConnector1">
+          <a:prstGeom prst="rect">
             <a:avLst/>
           </a:prstGeom>
-          <a:gradFill>
-            <a:gsLst>
-              <a:gs pos="0">
-                <a:srgbClr val="FFA09D"/>
-              </a:gs>
-              <a:gs pos="35000">
-                <a:srgbClr val="FFBCBC"/>
-              </a:gs>
-              <a:gs pos="100000">
-                <a:srgbClr val="FFE2E2"/>
-              </a:gs>
-            </a:gsLst>
-            <a:lin ang="16200038" scaled="0"/>
-          </a:gradFill>
-          <a:ln cap="flat" cmpd="sng" w="19050">
-            <a:solidFill>
-              <a:srgbClr val="0070C0"/>
-            </a:solidFill>
-            <a:prstDash val="dot"/>
-            <a:round/>
-            <a:headEnd len="med" w="med" type="none"/>
-            <a:tailEnd len="lg" w="lg" type="stealth"/>
-          </a:ln>
         </p:spPr>
-      </p:cxnSp>
+        <p:txBody>
+          <a:bodyPr anchorCtr="0" anchor="ctr" bIns="91425" lIns="91425" rIns="91425" tIns="91425">
+            <a:noAutofit/>
+          </a:bodyPr>
+          <a:lstStyle/>
+          <a:p>
+            <a:pPr lvl="0">
+              <a:spcBef>
+                <a:spcPts val="0"/>
+              </a:spcBef>
+              <a:buNone/>
+            </a:pPr>
+            <a:r>
+              <a:t/>
+            </a:r>
+            <a:endParaRPr/>
+          </a:p>
+        </p:txBody>
+      </p:sp>
+      <p:sp>
+        <p:nvSpPr>
+          <p:cNvPr id="165" name="Shape 165"/>
+          <p:cNvSpPr txBox="1"/>
+          <p:nvPr>
+            <p:ph idx="1" type="body"/>
+          </p:nvPr>
+        </p:nvSpPr>
+        <p:spPr>
+          <a:xfrm>
+            <a:off x="457200" y="1600200"/>
+            <a:ext cx="8229600" cy="4526100"/>
+          </a:xfrm>
+          <a:prstGeom prst="rect">
+            <a:avLst/>
+          </a:prstGeom>
+        </p:spPr>
+        <p:txBody>
+          <a:bodyPr anchorCtr="0" anchor="t" bIns="91425" lIns="91425" rIns="91425" tIns="91425">
+            <a:noAutofit/>
+          </a:bodyPr>
+          <a:lstStyle/>
+          <a:p>
+            <a:pPr lvl="0">
+              <a:spcBef>
+                <a:spcPts val="0"/>
+              </a:spcBef>
+              <a:buNone/>
+            </a:pPr>
+            <a:r>
+              <a:t/>
+            </a:r>
+            <a:endParaRPr/>
+          </a:p>
+        </p:txBody>
+      </p:sp>
     </p:spTree>
   </p:cSld>
   <p:clrMapOvr>

--- a/docs/diagrams/LogicComponentClassDiagram.pptx
+++ b/docs/diagrams/LogicComponentClassDiagram.pptx
@@ -8,7 +8,7 @@
     <p:notesMasterId r:id="rId3"/>
   </p:notesMasterIdLst>
   <p:sldIdLst>
-    <p:sldId id="262" r:id="rId2"/>
+    <p:sldId id="263" r:id="rId2"/>
   </p:sldIdLst>
   <p:sldSz cx="9144000" cy="6858000" type="screen4x3"/>
   <p:notesSz cx="6858000" cy="9144000"/>
@@ -208,7 +208,7 @@
           <a:p>
             <a:fld id="{F5CC4B3F-88C1-4FFA-B1B6-F41C21DC6924}" type="datetimeFigureOut">
               <a:rPr lang="en-US" smtClean="0"/>
-              <a:t>3/21/2017</a:t>
+              <a:t>3/30/17</a:t>
             </a:fld>
             <a:endParaRPr lang="en-US"/>
           </a:p>
@@ -654,7 +654,7 @@
           <a:p>
             <a:fld id="{78C97017-6FC3-485B-9764-EAC9E56C1D49}" type="datetimeFigureOut">
               <a:rPr lang="en-US" smtClean="0"/>
-              <a:t>3/21/2017</a:t>
+              <a:t>3/30/17</a:t>
             </a:fld>
             <a:endParaRPr lang="en-US"/>
           </a:p>
@@ -822,7 +822,7 @@
           <a:p>
             <a:fld id="{78C97017-6FC3-485B-9764-EAC9E56C1D49}" type="datetimeFigureOut">
               <a:rPr lang="en-US" smtClean="0"/>
-              <a:t>3/21/2017</a:t>
+              <a:t>3/30/17</a:t>
             </a:fld>
             <a:endParaRPr lang="en-US"/>
           </a:p>
@@ -1000,7 +1000,7 @@
           <a:p>
             <a:fld id="{78C97017-6FC3-485B-9764-EAC9E56C1D49}" type="datetimeFigureOut">
               <a:rPr lang="en-US" smtClean="0"/>
-              <a:t>3/21/2017</a:t>
+              <a:t>3/30/17</a:t>
             </a:fld>
             <a:endParaRPr lang="en-US"/>
           </a:p>
@@ -1168,7 +1168,7 @@
           <a:p>
             <a:fld id="{78C97017-6FC3-485B-9764-EAC9E56C1D49}" type="datetimeFigureOut">
               <a:rPr lang="en-US" smtClean="0"/>
-              <a:t>3/21/2017</a:t>
+              <a:t>3/30/17</a:t>
             </a:fld>
             <a:endParaRPr lang="en-US"/>
           </a:p>
@@ -1413,7 +1413,7 @@
           <a:p>
             <a:fld id="{78C97017-6FC3-485B-9764-EAC9E56C1D49}" type="datetimeFigureOut">
               <a:rPr lang="en-US" smtClean="0"/>
-              <a:t>3/21/2017</a:t>
+              <a:t>3/30/17</a:t>
             </a:fld>
             <a:endParaRPr lang="en-US"/>
           </a:p>
@@ -1698,7 +1698,7 @@
           <a:p>
             <a:fld id="{78C97017-6FC3-485B-9764-EAC9E56C1D49}" type="datetimeFigureOut">
               <a:rPr lang="en-US" smtClean="0"/>
-              <a:t>3/21/2017</a:t>
+              <a:t>3/30/17</a:t>
             </a:fld>
             <a:endParaRPr lang="en-US"/>
           </a:p>
@@ -2117,7 +2117,7 @@
           <a:p>
             <a:fld id="{78C97017-6FC3-485B-9764-EAC9E56C1D49}" type="datetimeFigureOut">
               <a:rPr lang="en-US" smtClean="0"/>
-              <a:t>3/21/2017</a:t>
+              <a:t>3/30/17</a:t>
             </a:fld>
             <a:endParaRPr lang="en-US"/>
           </a:p>
@@ -2234,7 +2234,7 @@
           <a:p>
             <a:fld id="{78C97017-6FC3-485B-9764-EAC9E56C1D49}" type="datetimeFigureOut">
               <a:rPr lang="en-US" smtClean="0"/>
-              <a:t>3/21/2017</a:t>
+              <a:t>3/30/17</a:t>
             </a:fld>
             <a:endParaRPr lang="en-US"/>
           </a:p>
@@ -2329,7 +2329,7 @@
           <a:p>
             <a:fld id="{78C97017-6FC3-485B-9764-EAC9E56C1D49}" type="datetimeFigureOut">
               <a:rPr lang="en-US" smtClean="0"/>
-              <a:t>3/21/2017</a:t>
+              <a:t>3/30/17</a:t>
             </a:fld>
             <a:endParaRPr lang="en-US"/>
           </a:p>
@@ -2604,7 +2604,7 @@
           <a:p>
             <a:fld id="{78C97017-6FC3-485B-9764-EAC9E56C1D49}" type="datetimeFigureOut">
               <a:rPr lang="en-US" smtClean="0"/>
-              <a:t>3/21/2017</a:t>
+              <a:t>3/30/17</a:t>
             </a:fld>
             <a:endParaRPr lang="en-US"/>
           </a:p>
@@ -2856,7 +2856,7 @@
           <a:p>
             <a:fld id="{78C97017-6FC3-485B-9764-EAC9E56C1D49}" type="datetimeFigureOut">
               <a:rPr lang="en-US" smtClean="0"/>
-              <a:t>3/21/2017</a:t>
+              <a:t>3/30/17</a:t>
             </a:fld>
             <a:endParaRPr lang="en-US"/>
           </a:p>
@@ -3067,7 +3067,7 @@
           <a:p>
             <a:fld id="{78C97017-6FC3-485B-9764-EAC9E56C1D49}" type="datetimeFigureOut">
               <a:rPr lang="en-US" smtClean="0"/>
-              <a:t>3/21/2017</a:t>
+              <a:t>3/30/17</a:t>
             </a:fld>
             <a:endParaRPr lang="en-US"/>
           </a:p>
@@ -3426,8 +3426,16 @@
 </file>
 
 <file path=ppt/slides/slide1.xml><?xml version="1.0" encoding="utf-8"?>
-<p:sld xmlns:a="http://schemas.openxmlformats.org/drawingml/2006/main" xmlns:r="http://schemas.openxmlformats.org/officeDocument/2006/relationships" xmlns:p="http://schemas.openxmlformats.org/presentationml/2006/main">
+<p:sld xmlns:a="http://schemas.openxmlformats.org/drawingml/2006/main" xmlns:r="http://schemas.openxmlformats.org/officeDocument/2006/relationships" xmlns:p="http://schemas.openxmlformats.org/presentationml/2006/main" showMasterSp="0">
   <p:cSld>
+    <p:bg>
+      <p:bgPr>
+        <a:solidFill>
+          <a:schemeClr val="bg1"/>
+        </a:solidFill>
+        <a:effectLst/>
+      </p:bgPr>
+    </p:bg>
     <p:spTree>
       <p:nvGrpSpPr>
         <p:cNvPr id="1" name=""/>
@@ -3723,7 +3731,7 @@
       </p:cxnSp>
       <p:cxnSp>
         <p:nvCxnSpPr>
-          <p:cNvPr id="8" name="Elbow Connector 122"/>
+          <p:cNvPr id="7" name="Elbow Connector 122"/>
           <p:cNvCxnSpPr>
             <a:endCxn id="3" idx="1"/>
           </p:cNvCxnSpPr>
@@ -3766,7 +3774,7 @@
       </p:cxnSp>
       <p:sp>
         <p:nvSpPr>
-          <p:cNvPr id="9" name="Rectangle 65"/>
+          <p:cNvPr id="8" name="Rectangle 65"/>
           <p:cNvSpPr/>
           <p:nvPr/>
         </p:nvSpPr>
@@ -3826,7 +3834,7 @@
       </p:sp>
       <p:sp>
         <p:nvSpPr>
-          <p:cNvPr id="10" name="Rectangle 11"/>
+          <p:cNvPr id="9" name="Rectangle 11"/>
           <p:cNvSpPr/>
           <p:nvPr/>
         </p:nvSpPr>
@@ -3882,7 +3890,7 @@
       </p:sp>
       <p:sp>
         <p:nvSpPr>
-          <p:cNvPr id="11" name="Rectangle 10"/>
+          <p:cNvPr id="10" name="Rectangle 9"/>
           <p:cNvSpPr/>
           <p:nvPr/>
         </p:nvSpPr>
@@ -3953,7 +3961,7 @@
       </p:sp>
       <p:sp>
         <p:nvSpPr>
-          <p:cNvPr id="12" name="Rectangle 62"/>
+          <p:cNvPr id="11" name="Rectangle 62"/>
           <p:cNvSpPr/>
           <p:nvPr/>
         </p:nvSpPr>
@@ -4024,7 +4032,7 @@
       </p:sp>
       <p:sp>
         <p:nvSpPr>
-          <p:cNvPr id="16" name="Rectangle 62"/>
+          <p:cNvPr id="12" name="Rectangle 62"/>
           <p:cNvSpPr/>
           <p:nvPr/>
         </p:nvSpPr>
@@ -4079,7 +4087,7 @@
       </p:sp>
       <p:cxnSp>
         <p:nvCxnSpPr>
-          <p:cNvPr id="17" name="Elbow Connector 106"/>
+          <p:cNvPr id="13" name="Elbow Connector 106"/>
           <p:cNvCxnSpPr>
             <a:stCxn id="5" idx="3"/>
             <a:endCxn id="16" idx="1"/>
@@ -4123,15 +4131,13 @@
       </p:cxnSp>
       <p:cxnSp>
         <p:nvCxnSpPr>
-          <p:cNvPr id="18" name="Straight Arrow Connector 110"/>
-          <p:cNvCxnSpPr>
-            <a:stCxn id="12" idx="2"/>
-          </p:cNvCxnSpPr>
+          <p:cNvPr id="14" name="Straight Arrow Connector 110"/>
+          <p:cNvCxnSpPr/>
           <p:nvPr/>
         </p:nvCxnSpPr>
         <p:spPr>
           <a:xfrm>
-            <a:off x="7824261" y="4495800"/>
+            <a:off x="7689007" y="4495800"/>
             <a:ext cx="0" cy="281555"/>
           </a:xfrm>
           <a:prstGeom prst="straightConnector1">
@@ -4164,7 +4170,7 @@
       </p:cxnSp>
       <p:sp>
         <p:nvSpPr>
-          <p:cNvPr id="19" name="Rectangle 62"/>
+          <p:cNvPr id="15" name="Rectangle 62"/>
           <p:cNvSpPr/>
           <p:nvPr/>
         </p:nvSpPr>
@@ -4234,7 +4240,7 @@
       </p:sp>
       <p:sp>
         <p:nvSpPr>
-          <p:cNvPr id="20" name="Isosceles Triangle 102"/>
+          <p:cNvPr id="16" name="Isosceles Triangle 102"/>
           <p:cNvSpPr/>
           <p:nvPr/>
         </p:nvSpPr>
@@ -4288,7 +4294,7 @@
       </p:sp>
       <p:cxnSp>
         <p:nvCxnSpPr>
-          <p:cNvPr id="21" name="Elbow Connector 63"/>
+          <p:cNvPr id="17" name="Elbow Connector 63"/>
           <p:cNvCxnSpPr>
             <a:stCxn id="5" idx="1"/>
             <a:endCxn id="20" idx="3"/>
@@ -4330,13 +4336,13 @@
       </p:cxnSp>
       <p:cxnSp>
         <p:nvCxnSpPr>
-          <p:cNvPr id="23" name="Straight Arrow Connector 57"/>
+          <p:cNvPr id="18" name="Straight Arrow Connector 57"/>
           <p:cNvCxnSpPr/>
           <p:nvPr/>
         </p:nvCxnSpPr>
         <p:spPr>
           <a:xfrm flipH="1">
-            <a:off x="1981201" y="4122262"/>
+            <a:off x="2044742" y="4122262"/>
             <a:ext cx="1" cy="655093"/>
           </a:xfrm>
           <a:prstGeom prst="straightConnector1">
@@ -4368,7 +4374,7 @@
       </p:cxnSp>
       <p:cxnSp>
         <p:nvCxnSpPr>
-          <p:cNvPr id="24" name="Elbow Connector 122"/>
+          <p:cNvPr id="19" name="Elbow Connector 122"/>
           <p:cNvCxnSpPr/>
           <p:nvPr/>
         </p:nvCxnSpPr>
@@ -4411,7 +4417,7 @@
       </p:cxnSp>
       <p:cxnSp>
         <p:nvCxnSpPr>
-          <p:cNvPr id="25" name="Elbow Connector 63"/>
+          <p:cNvPr id="20" name="Elbow Connector 63"/>
           <p:cNvCxnSpPr>
             <a:stCxn id="5" idx="2"/>
             <a:endCxn id="12" idx="1"/>
@@ -4453,7 +4459,7 @@
       </p:cxnSp>
       <p:grpSp>
         <p:nvGrpSpPr>
-          <p:cNvPr id="26" name="Group 25"/>
+          <p:cNvPr id="21" name="Group 20"/>
           <p:cNvGrpSpPr/>
           <p:nvPr/>
         </p:nvGrpSpPr>
@@ -4467,7 +4473,7 @@
         </p:grpSpPr>
         <p:sp>
           <p:nvSpPr>
-            <p:cNvPr id="27" name="TextBox 26"/>
+            <p:cNvPr id="22" name="TextBox 21"/>
             <p:cNvSpPr txBox="1"/>
             <p:nvPr/>
           </p:nvSpPr>
@@ -4506,7 +4512,7 @@
         </p:sp>
         <p:sp>
           <p:nvSpPr>
-            <p:cNvPr id="28" name="Isosceles Triangle 27"/>
+            <p:cNvPr id="23" name="Isosceles Triangle 27"/>
             <p:cNvSpPr/>
             <p:nvPr/>
           </p:nvSpPr>
@@ -4553,7 +4559,7 @@
       </p:grpSp>
       <p:grpSp>
         <p:nvGrpSpPr>
-          <p:cNvPr id="29" name="Group 28"/>
+          <p:cNvPr id="24" name="Group 23"/>
           <p:cNvGrpSpPr/>
           <p:nvPr/>
         </p:nvGrpSpPr>
@@ -4567,7 +4573,7 @@
         </p:grpSpPr>
         <p:sp>
           <p:nvSpPr>
-            <p:cNvPr id="30" name="TextBox 29"/>
+            <p:cNvPr id="25" name="TextBox 24"/>
             <p:cNvSpPr txBox="1"/>
             <p:nvPr/>
           </p:nvSpPr>
@@ -4605,7 +4611,7 @@
         </p:sp>
         <p:sp>
           <p:nvSpPr>
-            <p:cNvPr id="31" name="Isosceles Triangle 30"/>
+            <p:cNvPr id="26" name="Isosceles Triangle 30"/>
             <p:cNvSpPr/>
             <p:nvPr/>
           </p:nvSpPr>
@@ -4652,7 +4658,7 @@
       </p:grpSp>
       <p:sp>
         <p:nvSpPr>
-          <p:cNvPr id="32" name="TextBox 31"/>
+          <p:cNvPr id="27" name="TextBox 26"/>
           <p:cNvSpPr txBox="1"/>
           <p:nvPr/>
         </p:nvSpPr>
@@ -4691,7 +4697,7 @@
       </p:sp>
       <p:sp>
         <p:nvSpPr>
-          <p:cNvPr id="33" name="TextBox 32"/>
+          <p:cNvPr id="28" name="TextBox 27"/>
           <p:cNvSpPr txBox="1"/>
           <p:nvPr/>
         </p:nvSpPr>
@@ -4730,7 +4736,7 @@
       </p:sp>
       <p:sp>
         <p:nvSpPr>
-          <p:cNvPr id="37" name="Rectangle 11"/>
+          <p:cNvPr id="29" name="Rectangle 11"/>
           <p:cNvSpPr/>
           <p:nvPr/>
         </p:nvSpPr>
@@ -4786,7 +4792,7 @@
       </p:sp>
       <p:cxnSp>
         <p:nvCxnSpPr>
-          <p:cNvPr id="39" name="Elbow Connector 122"/>
+          <p:cNvPr id="30" name="Elbow Connector 122"/>
           <p:cNvCxnSpPr/>
           <p:nvPr/>
         </p:nvCxnSpPr>
@@ -4827,7 +4833,7 @@
       </p:cxnSp>
       <p:sp>
         <p:nvSpPr>
-          <p:cNvPr id="42" name="Rectangle 11"/>
+          <p:cNvPr id="31" name="Rectangle 11"/>
           <p:cNvSpPr/>
           <p:nvPr/>
         </p:nvSpPr>
@@ -4898,7 +4904,7 @@
       </p:sp>
       <p:sp>
         <p:nvSpPr>
-          <p:cNvPr id="44" name="Rectangle 11"/>
+          <p:cNvPr id="32" name="Rectangle 11"/>
           <p:cNvSpPr/>
           <p:nvPr/>
         </p:nvSpPr>
@@ -4969,7 +4975,7 @@
       </p:sp>
       <p:sp>
         <p:nvSpPr>
-          <p:cNvPr id="45" name="Rectangle 44"/>
+          <p:cNvPr id="33" name="Rectangle 32"/>
           <p:cNvSpPr/>
           <p:nvPr/>
         </p:nvSpPr>
@@ -5024,7 +5030,7 @@
       </p:sp>
       <p:sp>
         <p:nvSpPr>
-          <p:cNvPr id="56" name="Rectangle 62"/>
+          <p:cNvPr id="34" name="Rectangle 62"/>
           <p:cNvSpPr/>
           <p:nvPr/>
         </p:nvSpPr>
@@ -5104,7 +5110,7 @@
       </p:sp>
       <p:sp>
         <p:nvSpPr>
-          <p:cNvPr id="58" name="Rectangle 62"/>
+          <p:cNvPr id="35" name="Rectangle 62"/>
           <p:cNvSpPr/>
           <p:nvPr/>
         </p:nvSpPr>
@@ -5169,7 +5175,7 @@
       </p:sp>
       <p:grpSp>
         <p:nvGrpSpPr>
-          <p:cNvPr id="161" name="Group 160"/>
+          <p:cNvPr id="36" name="Group 35"/>
           <p:cNvGrpSpPr/>
           <p:nvPr/>
         </p:nvGrpSpPr>
@@ -5183,7 +5189,7 @@
         </p:grpSpPr>
         <p:sp>
           <p:nvSpPr>
-            <p:cNvPr id="162" name="TextBox 161"/>
+            <p:cNvPr id="37" name="TextBox 36"/>
             <p:cNvSpPr txBox="1"/>
             <p:nvPr/>
           </p:nvSpPr>
@@ -5225,7 +5231,7 @@
         </p:sp>
         <p:sp>
           <p:nvSpPr>
-            <p:cNvPr id="163" name="Isosceles Triangle 162"/>
+            <p:cNvPr id="38" name="Isosceles Triangle 162"/>
             <p:cNvSpPr/>
             <p:nvPr/>
           </p:nvSpPr>
@@ -5274,7 +5280,7 @@
       </p:grpSp>
       <p:grpSp>
         <p:nvGrpSpPr>
-          <p:cNvPr id="164" name="Group 163"/>
+          <p:cNvPr id="39" name="Group 38"/>
           <p:cNvGrpSpPr/>
           <p:nvPr/>
         </p:nvGrpSpPr>
@@ -5288,7 +5294,7 @@
         </p:grpSpPr>
         <p:sp>
           <p:nvSpPr>
-            <p:cNvPr id="165" name="TextBox 164"/>
+            <p:cNvPr id="40" name="TextBox 39"/>
             <p:cNvSpPr txBox="1"/>
             <p:nvPr/>
           </p:nvSpPr>
@@ -5330,7 +5336,7 @@
         </p:sp>
         <p:sp>
           <p:nvSpPr>
-            <p:cNvPr id="166" name="Isosceles Triangle 165"/>
+            <p:cNvPr id="41" name="Isosceles Triangle 165"/>
             <p:cNvSpPr/>
             <p:nvPr/>
           </p:nvSpPr>
@@ -5379,7 +5385,7 @@
       </p:grpSp>
       <p:sp>
         <p:nvSpPr>
-          <p:cNvPr id="60" name="Rectangle 62"/>
+          <p:cNvPr id="42" name="Rectangle 62"/>
           <p:cNvSpPr/>
           <p:nvPr/>
         </p:nvSpPr>
@@ -5444,7 +5450,7 @@
       </p:sp>
       <p:sp>
         <p:nvSpPr>
-          <p:cNvPr id="62" name="Rectangle 62"/>
+          <p:cNvPr id="43" name="Rectangle 62"/>
           <p:cNvSpPr/>
           <p:nvPr/>
         </p:nvSpPr>
@@ -5509,7 +5515,7 @@
       </p:sp>
       <p:cxnSp>
         <p:nvCxnSpPr>
-          <p:cNvPr id="100" name="Straight Arrow Connector 99"/>
+          <p:cNvPr id="44" name="Straight Arrow Connector 43"/>
           <p:cNvCxnSpPr>
             <a:cxnSpLocks/>
             <a:endCxn id="60" idx="3"/>
@@ -5553,7 +5559,7 @@
       </p:cxnSp>
       <p:cxnSp>
         <p:nvCxnSpPr>
-          <p:cNvPr id="105" name="Straight Arrow Connector 104"/>
+          <p:cNvPr id="45" name="Straight Arrow Connector 44"/>
           <p:cNvCxnSpPr>
             <a:cxnSpLocks/>
             <a:endCxn id="62" idx="3"/>
@@ -5597,7 +5603,7 @@
       </p:cxnSp>
       <p:cxnSp>
         <p:nvCxnSpPr>
-          <p:cNvPr id="13" name="Elbow Connector 12"/>
+          <p:cNvPr id="46" name="Elbow Connector 45"/>
           <p:cNvCxnSpPr>
             <a:cxnSpLocks/>
             <a:stCxn id="60" idx="1"/>
@@ -5687,7 +5693,7 @@
       </p:cxnSp>
       <p:cxnSp>
         <p:nvCxnSpPr>
-          <p:cNvPr id="50" name="Elbow Connector 49"/>
+          <p:cNvPr id="48" name="Elbow Connector 47"/>
           <p:cNvCxnSpPr>
             <a:cxnSpLocks/>
             <a:stCxn id="56" idx="1"/>
@@ -5733,7 +5739,7 @@
       </p:cxnSp>
       <p:grpSp>
         <p:nvGrpSpPr>
-          <p:cNvPr id="68" name="Group 67"/>
+          <p:cNvPr id="49" name="Group 48"/>
           <p:cNvGrpSpPr/>
           <p:nvPr/>
         </p:nvGrpSpPr>
@@ -5747,7 +5753,7 @@
         </p:grpSpPr>
         <p:sp>
           <p:nvSpPr>
-            <p:cNvPr id="69" name="TextBox 68"/>
+            <p:cNvPr id="50" name="TextBox 49"/>
             <p:cNvSpPr txBox="1"/>
             <p:nvPr/>
           </p:nvSpPr>
@@ -5789,7 +5795,7 @@
         </p:sp>
         <p:sp>
           <p:nvSpPr>
-            <p:cNvPr id="70" name="Isosceles Triangle 69"/>
+            <p:cNvPr id="51" name="Isosceles Triangle 69"/>
             <p:cNvSpPr/>
             <p:nvPr/>
           </p:nvSpPr>
@@ -5838,9 +5844,8 @@
       </p:grpSp>
       <p:cxnSp>
         <p:nvCxnSpPr>
-          <p:cNvPr id="84" name="Elbow Connector 83"/>
+          <p:cNvPr id="52" name="Elbow Connector 51"/>
           <p:cNvCxnSpPr>
-            <a:stCxn id="87" idx="3"/>
             <a:endCxn id="37" idx="1"/>
           </p:cNvCxnSpPr>
           <p:nvPr/>
@@ -5875,7 +5880,7 @@
       </p:cxnSp>
       <p:sp>
         <p:nvSpPr>
-          <p:cNvPr id="87" name="Isosceles Triangle 102"/>
+          <p:cNvPr id="53" name="Isosceles Triangle 102"/>
           <p:cNvSpPr/>
           <p:nvPr/>
         </p:nvSpPr>
@@ -5929,9 +5934,8 @@
       </p:sp>
       <p:cxnSp>
         <p:nvCxnSpPr>
-          <p:cNvPr id="90" name="Elbow Connector 89"/>
+          <p:cNvPr id="54" name="Elbow Connector 53"/>
           <p:cNvCxnSpPr>
-            <a:stCxn id="87" idx="3"/>
             <a:endCxn id="11" idx="1"/>
           </p:cNvCxnSpPr>
           <p:nvPr/>
@@ -5966,9 +5970,8 @@
       </p:cxnSp>
       <p:cxnSp>
         <p:nvCxnSpPr>
-          <p:cNvPr id="93" name="Elbow Connector 92"/>
+          <p:cNvPr id="55" name="Elbow Connector 54"/>
           <p:cNvCxnSpPr>
-            <a:stCxn id="87" idx="3"/>
             <a:endCxn id="10" idx="1"/>
           </p:cNvCxnSpPr>
           <p:nvPr/>
@@ -6003,9 +6006,8 @@
       </p:cxnSp>
       <p:cxnSp>
         <p:nvCxnSpPr>
-          <p:cNvPr id="96" name="Elbow Connector 95"/>
+          <p:cNvPr id="56" name="Elbow Connector 55"/>
           <p:cNvCxnSpPr>
-            <a:stCxn id="87" idx="3"/>
             <a:endCxn id="4" idx="1"/>
           </p:cNvCxnSpPr>
           <p:nvPr/>
@@ -6040,7 +6042,7 @@
       </p:cxnSp>
       <p:cxnSp>
         <p:nvCxnSpPr>
-          <p:cNvPr id="110" name="Elbow Connector 63"/>
+          <p:cNvPr id="57" name="Elbow Connector 63"/>
           <p:cNvCxnSpPr>
             <a:stCxn id="16" idx="3"/>
             <a:endCxn id="45" idx="3"/>
@@ -6086,7 +6088,7 @@
       </p:cxnSp>
       <p:cxnSp>
         <p:nvCxnSpPr>
-          <p:cNvPr id="113" name="Elbow Connector 63"/>
+          <p:cNvPr id="58" name="Elbow Connector 63"/>
           <p:cNvCxnSpPr>
             <a:stCxn id="16" idx="3"/>
             <a:endCxn id="44" idx="3"/>
@@ -6132,7 +6134,7 @@
       </p:cxnSp>
       <p:cxnSp>
         <p:nvCxnSpPr>
-          <p:cNvPr id="116" name="Elbow Connector 63"/>
+          <p:cNvPr id="59" name="Elbow Connector 63"/>
           <p:cNvCxnSpPr>
             <a:stCxn id="16" idx="3"/>
             <a:endCxn id="42" idx="3"/>
@@ -6178,7 +6180,7 @@
       </p:cxnSp>
       <p:cxnSp>
         <p:nvCxnSpPr>
-          <p:cNvPr id="120" name="Elbow Connector 63"/>
+          <p:cNvPr id="60" name="Elbow Connector 63"/>
           <p:cNvCxnSpPr>
             <a:cxnSpLocks/>
             <a:stCxn id="44" idx="1"/>
@@ -6225,7 +6227,7 @@
       </p:cxnSp>
       <p:cxnSp>
         <p:nvCxnSpPr>
-          <p:cNvPr id="122" name="Elbow Connector 63"/>
+          <p:cNvPr id="61" name="Elbow Connector 63"/>
           <p:cNvCxnSpPr>
             <a:cxnSpLocks/>
             <a:stCxn id="42" idx="1"/>
@@ -6272,7 +6274,7 @@
       </p:cxnSp>
       <p:cxnSp>
         <p:nvCxnSpPr>
-          <p:cNvPr id="64" name="Straight Connector 63"/>
+          <p:cNvPr id="62" name="Straight Connector 61"/>
           <p:cNvCxnSpPr>
             <a:cxnSpLocks/>
           </p:cNvCxnSpPr>
@@ -6315,7 +6317,7 @@
       </p:cxnSp>
       <p:cxnSp>
         <p:nvCxnSpPr>
-          <p:cNvPr id="66" name="Straight Connector 65"/>
+          <p:cNvPr id="63" name="Straight Connector 62"/>
           <p:cNvCxnSpPr>
             <a:cxnSpLocks/>
           </p:cNvCxnSpPr>
@@ -6358,7 +6360,7 @@
       </p:cxnSp>
       <p:cxnSp>
         <p:nvCxnSpPr>
-          <p:cNvPr id="73" name="Straight Connector 72"/>
+          <p:cNvPr id="64" name="Straight Connector 63"/>
           <p:cNvCxnSpPr>
             <a:cxnSpLocks/>
           </p:cNvCxnSpPr>
@@ -6401,7 +6403,7 @@
       </p:cxnSp>
       <p:cxnSp>
         <p:nvCxnSpPr>
-          <p:cNvPr id="74" name="Straight Connector 73"/>
+          <p:cNvPr id="65" name="Straight Connector 64"/>
           <p:cNvCxnSpPr>
             <a:cxnSpLocks/>
           </p:cNvCxnSpPr>
@@ -6444,7 +6446,7 @@
       </p:cxnSp>
       <p:sp>
         <p:nvSpPr>
-          <p:cNvPr id="109" name="Rectangle 62"/>
+          <p:cNvPr id="66" name="Rectangle 62"/>
           <p:cNvSpPr/>
           <p:nvPr/>
         </p:nvSpPr>
@@ -6519,10 +6521,9 @@
       </p:sp>
       <p:cxnSp>
         <p:nvCxnSpPr>
-          <p:cNvPr id="112" name="Elbow Connector 12"/>
+          <p:cNvPr id="67" name="Elbow Connector 12"/>
           <p:cNvCxnSpPr>
             <a:cxnSpLocks/>
-            <a:stCxn id="109" idx="1"/>
             <a:endCxn id="58" idx="3"/>
           </p:cNvCxnSpPr>
           <p:nvPr/>
@@ -6567,11 +6568,10 @@
       </p:cxnSp>
       <p:cxnSp>
         <p:nvCxnSpPr>
-          <p:cNvPr id="118" name="Elbow Connector 49"/>
+          <p:cNvPr id="68" name="Elbow Connector 49"/>
           <p:cNvCxnSpPr>
             <a:cxnSpLocks/>
             <a:stCxn id="56" idx="2"/>
-            <a:endCxn id="109" idx="0"/>
           </p:cNvCxnSpPr>
           <p:nvPr/>
         </p:nvCxnSpPr>
@@ -6615,10 +6615,9 @@
       </p:cxnSp>
       <p:cxnSp>
         <p:nvCxnSpPr>
-          <p:cNvPr id="123" name="Straight Connector 122"/>
+          <p:cNvPr id="69" name="Straight Connector 68"/>
           <p:cNvCxnSpPr>
             <a:cxnSpLocks/>
-            <a:stCxn id="109" idx="3"/>
           </p:cNvCxnSpPr>
           <p:nvPr/>
         </p:nvCxnSpPr>
@@ -6657,10 +6656,144 @@
           </a:fontRef>
         </p:style>
       </p:cxnSp>
+      <p:sp>
+        <p:nvSpPr>
+          <p:cNvPr id="70" name="Rectangle 65"/>
+          <p:cNvSpPr/>
+          <p:nvPr/>
+        </p:nvSpPr>
+        <p:spPr>
+          <a:xfrm>
+            <a:off x="1103084" y="5234555"/>
+            <a:ext cx="7431315" cy="328045"/>
+          </a:xfrm>
+          <a:prstGeom prst="roundRect">
+            <a:avLst/>
+          </a:prstGeom>
+          <a:solidFill>
+            <a:srgbClr val="FCEADB"/>
+          </a:solidFill>
+          <a:ln w="19050">
+            <a:noFill/>
+          </a:ln>
+          <a:effectLst/>
+        </p:spPr>
+        <p:style>
+          <a:lnRef idx="1">
+            <a:schemeClr val="accent2"/>
+          </a:lnRef>
+          <a:fillRef idx="2">
+            <a:schemeClr val="accent2"/>
+          </a:fillRef>
+          <a:effectRef idx="1">
+            <a:schemeClr val="accent2"/>
+          </a:effectRef>
+          <a:fontRef idx="minor">
+            <a:schemeClr val="dk1"/>
+          </a:fontRef>
+        </p:style>
+        <p:txBody>
+          <a:bodyPr rtlCol="0" anchor="ctr"/>
+          <a:lstStyle/>
+          <a:p>
+            <a:pPr algn="ctr"/>
+            <a:r>
+              <a:rPr lang="en-US" sz="1100" b="1" smtClean="0">
+                <a:solidFill>
+                  <a:schemeClr val="bg1"/>
+                </a:solidFill>
+              </a:rPr>
+              <a:t>Storage</a:t>
+            </a:r>
+            <a:endParaRPr lang="en-SG" sz="1100" b="1" dirty="0">
+              <a:solidFill>
+                <a:schemeClr val="bg1"/>
+              </a:solidFill>
+            </a:endParaRPr>
+          </a:p>
+        </p:txBody>
+      </p:sp>
+      <p:cxnSp>
+        <p:nvCxnSpPr>
+          <p:cNvPr id="71" name="Straight Arrow Connector 57"/>
+          <p:cNvCxnSpPr/>
+          <p:nvPr/>
+        </p:nvCxnSpPr>
+        <p:spPr>
+          <a:xfrm>
+            <a:off x="2179995" y="4105442"/>
+            <a:ext cx="0" cy="1158183"/>
+          </a:xfrm>
+          <a:prstGeom prst="straightConnector1">
+            <a:avLst/>
+          </a:prstGeom>
+          <a:ln w="19050">
+            <a:solidFill>
+              <a:srgbClr val="0070C0"/>
+            </a:solidFill>
+            <a:headEnd type="none" w="med" len="med"/>
+            <a:tailEnd type="arrow" w="med" len="med"/>
+          </a:ln>
+          <a:effectLst/>
+        </p:spPr>
+        <p:style>
+          <a:lnRef idx="1">
+            <a:schemeClr val="accent2"/>
+          </a:lnRef>
+          <a:fillRef idx="2">
+            <a:schemeClr val="accent2"/>
+          </a:fillRef>
+          <a:effectRef idx="1">
+            <a:schemeClr val="accent2"/>
+          </a:effectRef>
+          <a:fontRef idx="minor">
+            <a:schemeClr val="dk1"/>
+          </a:fontRef>
+        </p:style>
+      </p:cxnSp>
+      <p:cxnSp>
+        <p:nvCxnSpPr>
+          <p:cNvPr id="72" name="Straight Arrow Connector 110"/>
+          <p:cNvCxnSpPr/>
+          <p:nvPr/>
+        </p:nvCxnSpPr>
+        <p:spPr>
+          <a:xfrm>
+            <a:off x="7824260" y="4499151"/>
+            <a:ext cx="0" cy="738755"/>
+          </a:xfrm>
+          <a:prstGeom prst="straightConnector1">
+            <a:avLst/>
+          </a:prstGeom>
+          <a:ln w="19050">
+            <a:solidFill>
+              <a:srgbClr val="0070C0"/>
+            </a:solidFill>
+            <a:prstDash val="sysDot"/>
+            <a:headEnd type="none" w="med" len="med"/>
+            <a:tailEnd type="arrow" w="med" len="med"/>
+          </a:ln>
+          <a:effectLst/>
+        </p:spPr>
+        <p:style>
+          <a:lnRef idx="1">
+            <a:schemeClr val="accent2"/>
+          </a:lnRef>
+          <a:fillRef idx="2">
+            <a:schemeClr val="accent2"/>
+          </a:fillRef>
+          <a:effectRef idx="1">
+            <a:schemeClr val="accent2"/>
+          </a:effectRef>
+          <a:fontRef idx="minor">
+            <a:schemeClr val="dk1"/>
+          </a:fontRef>
+        </p:style>
+      </p:cxnSp>
     </p:spTree>
     <p:extLst>
       <p:ext uri="{BB962C8B-B14F-4D97-AF65-F5344CB8AC3E}">
-        <p14:creationId xmlns:p14="http://schemas.microsoft.com/office/powerpoint/2010/main" val="211586602"/>
+        <p14:creationId xmlns:p14="http://schemas.microsoft.com/office/powerpoint/2010/main" val="264721105"/>
       </p:ext>
     </p:extLst>
   </p:cSld>

--- a/docs/diagrams/LogicComponentClassDiagram.pptx
+++ b/docs/diagrams/LogicComponentClassDiagram.pptx
@@ -208,7 +208,7 @@
           <a:p>
             <a:fld id="{F5CC4B3F-88C1-4FFA-B1B6-F41C21DC6924}" type="datetimeFigureOut">
               <a:rPr lang="en-US" smtClean="0"/>
-              <a:t>3/21/2017</a:t>
+              <a:t>5/30/17</a:t>
             </a:fld>
             <a:endParaRPr lang="en-US"/>
           </a:p>
@@ -475,6 +475,90 @@
 </p:notesMaster>
 </file>
 
+<file path=ppt/notesSlides/notesSlide1.xml><?xml version="1.0" encoding="utf-8"?>
+<p:notes xmlns:a="http://schemas.openxmlformats.org/drawingml/2006/main" xmlns:r="http://schemas.openxmlformats.org/officeDocument/2006/relationships" xmlns:p="http://schemas.openxmlformats.org/presentationml/2006/main">
+  <p:cSld>
+    <p:spTree>
+      <p:nvGrpSpPr>
+        <p:cNvPr id="1" name=""/>
+        <p:cNvGrpSpPr/>
+        <p:nvPr/>
+      </p:nvGrpSpPr>
+      <p:grpSpPr>
+        <a:xfrm>
+          <a:off x="0" y="0"/>
+          <a:ext cx="0" cy="0"/>
+          <a:chOff x="0" y="0"/>
+          <a:chExt cx="0" cy="0"/>
+        </a:xfrm>
+      </p:grpSpPr>
+      <p:sp>
+        <p:nvSpPr>
+          <p:cNvPr id="2" name="Slide Image Placeholder 1"/>
+          <p:cNvSpPr>
+            <a:spLocks noGrp="1" noRot="1" noChangeAspect="1"/>
+          </p:cNvSpPr>
+          <p:nvPr>
+            <p:ph type="sldImg"/>
+          </p:nvPr>
+        </p:nvSpPr>
+        <p:spPr/>
+      </p:sp>
+      <p:sp>
+        <p:nvSpPr>
+          <p:cNvPr id="3" name="Notes Placeholder 2"/>
+          <p:cNvSpPr>
+            <a:spLocks noGrp="1"/>
+          </p:cNvSpPr>
+          <p:nvPr>
+            <p:ph type="body" idx="1"/>
+          </p:nvPr>
+        </p:nvSpPr>
+        <p:spPr/>
+        <p:txBody>
+          <a:bodyPr/>
+          <a:lstStyle/>
+          <a:p>
+            <a:endParaRPr lang="en-US" dirty="0"/>
+          </a:p>
+        </p:txBody>
+      </p:sp>
+      <p:sp>
+        <p:nvSpPr>
+          <p:cNvPr id="4" name="Slide Number Placeholder 3"/>
+          <p:cNvSpPr>
+            <a:spLocks noGrp="1"/>
+          </p:cNvSpPr>
+          <p:nvPr>
+            <p:ph type="sldNum" sz="quarter" idx="10"/>
+          </p:nvPr>
+        </p:nvSpPr>
+        <p:spPr/>
+        <p:txBody>
+          <a:bodyPr/>
+          <a:lstStyle/>
+          <a:p>
+            <a:fld id="{5A7AB025-77E3-4BD1-A2FD-B3183DBA47A3}" type="slidenum">
+              <a:rPr lang="en-US" smtClean="0"/>
+              <a:t>1</a:t>
+            </a:fld>
+            <a:endParaRPr lang="en-US"/>
+          </a:p>
+        </p:txBody>
+      </p:sp>
+    </p:spTree>
+    <p:extLst>
+      <p:ext uri="{BB962C8B-B14F-4D97-AF65-F5344CB8AC3E}">
+        <p14:creationId xmlns:p14="http://schemas.microsoft.com/office/powerpoint/2010/main" val="717245331"/>
+      </p:ext>
+    </p:extLst>
+  </p:cSld>
+  <p:clrMapOvr>
+    <a:masterClrMapping/>
+  </p:clrMapOvr>
+</p:notes>
+</file>
+
 <file path=ppt/slideLayouts/slideLayout1.xml><?xml version="1.0" encoding="utf-8"?>
 <p:sldLayout xmlns:a="http://schemas.openxmlformats.org/drawingml/2006/main" xmlns:r="http://schemas.openxmlformats.org/officeDocument/2006/relationships" xmlns:p="http://schemas.openxmlformats.org/presentationml/2006/main" type="title" preserve="1">
   <p:cSld name="Title Slide">
@@ -654,7 +738,7 @@
           <a:p>
             <a:fld id="{78C97017-6FC3-485B-9764-EAC9E56C1D49}" type="datetimeFigureOut">
               <a:rPr lang="en-US" smtClean="0"/>
-              <a:t>3/21/2017</a:t>
+              <a:t>5/30/17</a:t>
             </a:fld>
             <a:endParaRPr lang="en-US"/>
           </a:p>
@@ -822,7 +906,7 @@
           <a:p>
             <a:fld id="{78C97017-6FC3-485B-9764-EAC9E56C1D49}" type="datetimeFigureOut">
               <a:rPr lang="en-US" smtClean="0"/>
-              <a:t>3/21/2017</a:t>
+              <a:t>5/30/17</a:t>
             </a:fld>
             <a:endParaRPr lang="en-US"/>
           </a:p>
@@ -1000,7 +1084,7 @@
           <a:p>
             <a:fld id="{78C97017-6FC3-485B-9764-EAC9E56C1D49}" type="datetimeFigureOut">
               <a:rPr lang="en-US" smtClean="0"/>
-              <a:t>3/21/2017</a:t>
+              <a:t>5/30/17</a:t>
             </a:fld>
             <a:endParaRPr lang="en-US"/>
           </a:p>
@@ -1168,7 +1252,7 @@
           <a:p>
             <a:fld id="{78C97017-6FC3-485B-9764-EAC9E56C1D49}" type="datetimeFigureOut">
               <a:rPr lang="en-US" smtClean="0"/>
-              <a:t>3/21/2017</a:t>
+              <a:t>5/30/17</a:t>
             </a:fld>
             <a:endParaRPr lang="en-US"/>
           </a:p>
@@ -1413,7 +1497,7 @@
           <a:p>
             <a:fld id="{78C97017-6FC3-485B-9764-EAC9E56C1D49}" type="datetimeFigureOut">
               <a:rPr lang="en-US" smtClean="0"/>
-              <a:t>3/21/2017</a:t>
+              <a:t>5/30/17</a:t>
             </a:fld>
             <a:endParaRPr lang="en-US"/>
           </a:p>
@@ -1698,7 +1782,7 @@
           <a:p>
             <a:fld id="{78C97017-6FC3-485B-9764-EAC9E56C1D49}" type="datetimeFigureOut">
               <a:rPr lang="en-US" smtClean="0"/>
-              <a:t>3/21/2017</a:t>
+              <a:t>5/30/17</a:t>
             </a:fld>
             <a:endParaRPr lang="en-US"/>
           </a:p>
@@ -2117,7 +2201,7 @@
           <a:p>
             <a:fld id="{78C97017-6FC3-485B-9764-EAC9E56C1D49}" type="datetimeFigureOut">
               <a:rPr lang="en-US" smtClean="0"/>
-              <a:t>3/21/2017</a:t>
+              <a:t>5/30/17</a:t>
             </a:fld>
             <a:endParaRPr lang="en-US"/>
           </a:p>
@@ -2234,7 +2318,7 @@
           <a:p>
             <a:fld id="{78C97017-6FC3-485B-9764-EAC9E56C1D49}" type="datetimeFigureOut">
               <a:rPr lang="en-US" smtClean="0"/>
-              <a:t>3/21/2017</a:t>
+              <a:t>5/30/17</a:t>
             </a:fld>
             <a:endParaRPr lang="en-US"/>
           </a:p>
@@ -2329,7 +2413,7 @@
           <a:p>
             <a:fld id="{78C97017-6FC3-485B-9764-EAC9E56C1D49}" type="datetimeFigureOut">
               <a:rPr lang="en-US" smtClean="0"/>
-              <a:t>3/21/2017</a:t>
+              <a:t>5/30/17</a:t>
             </a:fld>
             <a:endParaRPr lang="en-US"/>
           </a:p>
@@ -2604,7 +2688,7 @@
           <a:p>
             <a:fld id="{78C97017-6FC3-485B-9764-EAC9E56C1D49}" type="datetimeFigureOut">
               <a:rPr lang="en-US" smtClean="0"/>
-              <a:t>3/21/2017</a:t>
+              <a:t>5/30/17</a:t>
             </a:fld>
             <a:endParaRPr lang="en-US"/>
           </a:p>
@@ -2856,7 +2940,7 @@
           <a:p>
             <a:fld id="{78C97017-6FC3-485B-9764-EAC9E56C1D49}" type="datetimeFigureOut">
               <a:rPr lang="en-US" smtClean="0"/>
-              <a:t>3/21/2017</a:t>
+              <a:t>5/30/17</a:t>
             </a:fld>
             <a:endParaRPr lang="en-US"/>
           </a:p>
@@ -3067,7 +3151,7 @@
           <a:p>
             <a:fld id="{78C97017-6FC3-485B-9764-EAC9E56C1D49}" type="datetimeFigureOut">
               <a:rPr lang="en-US" smtClean="0"/>
-              <a:t>3/21/2017</a:t>
+              <a:t>5/30/17</a:t>
             </a:fld>
             <a:endParaRPr lang="en-US"/>
           </a:p>
@@ -3450,7 +3534,7 @@
         </p:nvSpPr>
         <p:spPr>
           <a:xfrm>
-            <a:off x="1066800" y="914400"/>
+            <a:off x="1066800" y="928395"/>
             <a:ext cx="7467600" cy="3733800"/>
           </a:xfrm>
           <a:prstGeom prst="roundRect">
@@ -3570,7 +3654,7 @@
         </p:nvSpPr>
         <p:spPr>
           <a:xfrm flipH="1">
-            <a:off x="6520227" y="2149167"/>
+            <a:off x="6874831" y="1818917"/>
             <a:ext cx="1093635" cy="346760"/>
           </a:xfrm>
           <a:prstGeom prst="rect">
@@ -3725,14 +3809,14 @@
         <p:nvCxnSpPr>
           <p:cNvPr id="8" name="Elbow Connector 122"/>
           <p:cNvCxnSpPr>
-            <a:endCxn id="3" idx="1"/>
+            <a:endCxn id="104" idx="1"/>
           </p:cNvCxnSpPr>
           <p:nvPr/>
         </p:nvCxnSpPr>
         <p:spPr>
           <a:xfrm>
-            <a:off x="1676400" y="1423587"/>
-            <a:ext cx="419548" cy="2860"/>
+            <a:off x="1685925" y="2032000"/>
+            <a:ext cx="231582" cy="165"/>
           </a:xfrm>
           <a:prstGeom prst="bentConnector3">
             <a:avLst>
@@ -3832,7 +3916,7 @@
         </p:nvSpPr>
         <p:spPr>
           <a:xfrm flipH="1">
-            <a:off x="6526365" y="2554920"/>
+            <a:off x="6880969" y="2224670"/>
             <a:ext cx="1093635" cy="346760"/>
           </a:xfrm>
           <a:prstGeom prst="rect">
@@ -3888,7 +3972,7 @@
         </p:nvSpPr>
         <p:spPr>
           <a:xfrm flipH="1">
-            <a:off x="6526365" y="3396383"/>
+            <a:off x="6880969" y="3066133"/>
             <a:ext cx="1093635" cy="346760"/>
           </a:xfrm>
           <a:prstGeom prst="rect">
@@ -4030,7 +4114,7 @@
         </p:nvSpPr>
         <p:spPr>
           <a:xfrm>
-            <a:off x="3529350" y="3775502"/>
+            <a:off x="3877262" y="3241814"/>
             <a:ext cx="585450" cy="346760"/>
           </a:xfrm>
           <a:prstGeom prst="rect">
@@ -4087,13 +4171,13 @@
           <p:nvPr/>
         </p:nvCxnSpPr>
         <p:spPr>
-          <a:xfrm>
-            <a:off x="2874420" y="3946343"/>
-            <a:ext cx="654930" cy="2539"/>
+          <a:xfrm flipV="1">
+            <a:off x="2874420" y="3415194"/>
+            <a:ext cx="1002842" cy="531149"/>
           </a:xfrm>
           <a:prstGeom prst="bentConnector3">
             <a:avLst>
-              <a:gd name="adj1" fmla="val 50000"/>
+              <a:gd name="adj1" fmla="val -10787"/>
             </a:avLst>
           </a:prstGeom>
           <a:ln w="19050">
@@ -4658,7 +4742,7 @@
         </p:nvSpPr>
         <p:spPr>
           <a:xfrm>
-            <a:off x="2301175" y="1618473"/>
+            <a:off x="2737492" y="1615794"/>
             <a:ext cx="131116" cy="230832"/>
           </a:xfrm>
           <a:prstGeom prst="rect">
@@ -4697,7 +4781,7 @@
         </p:nvSpPr>
         <p:spPr>
           <a:xfrm>
-            <a:off x="2912207" y="3709457"/>
+            <a:off x="3627061" y="3260713"/>
             <a:ext cx="131116" cy="230832"/>
           </a:xfrm>
           <a:prstGeom prst="rect">
@@ -4736,7 +4820,7 @@
         </p:nvSpPr>
         <p:spPr>
           <a:xfrm flipH="1">
-            <a:off x="6526365" y="2956137"/>
+            <a:off x="6880969" y="2625887"/>
             <a:ext cx="1093635" cy="346760"/>
           </a:xfrm>
           <a:prstGeom prst="rect">
@@ -4791,9 +4875,9 @@
           <p:nvPr/>
         </p:nvCxnSpPr>
         <p:spPr>
-          <a:xfrm rot="16200000" flipV="1">
-            <a:off x="1105538" y="2692369"/>
-            <a:ext cx="2147794" cy="2"/>
+          <a:xfrm rot="5400000" flipH="1" flipV="1">
+            <a:off x="1624562" y="2675091"/>
+            <a:ext cx="2173136" cy="3002"/>
           </a:xfrm>
           <a:prstGeom prst="bentConnector3">
             <a:avLst>
@@ -4833,7 +4917,7 @@
         </p:nvSpPr>
         <p:spPr>
           <a:xfrm flipH="1">
-            <a:off x="4831294" y="2148937"/>
+            <a:off x="5185898" y="1818687"/>
             <a:ext cx="1093635" cy="346760"/>
           </a:xfrm>
           <a:prstGeom prst="rect">
@@ -4904,7 +4988,7 @@
         </p:nvSpPr>
         <p:spPr>
           <a:xfrm flipH="1">
-            <a:off x="4831294" y="2555337"/>
+            <a:off x="5185898" y="2225087"/>
             <a:ext cx="1093635" cy="346760"/>
           </a:xfrm>
           <a:prstGeom prst="rect">
@@ -4975,7 +5059,7 @@
         </p:nvSpPr>
         <p:spPr>
           <a:xfrm flipH="1">
-            <a:off x="4831292" y="2977582"/>
+            <a:off x="5185896" y="2647332"/>
             <a:ext cx="1093635" cy="346760"/>
           </a:xfrm>
           <a:prstGeom prst="rect">
@@ -5030,7 +5114,7 @@
         </p:nvSpPr>
         <p:spPr>
           <a:xfrm>
-            <a:off x="3174214" y="1862795"/>
+            <a:off x="3528818" y="1532545"/>
             <a:ext cx="751107" cy="346760"/>
           </a:xfrm>
           <a:prstGeom prst="rect">
@@ -5110,8 +5194,8 @@
         </p:nvSpPr>
         <p:spPr>
           <a:xfrm>
-            <a:off x="2238496" y="2454481"/>
-            <a:ext cx="726243" cy="174580"/>
+            <a:off x="2793335" y="2120612"/>
+            <a:ext cx="506515" cy="174580"/>
           </a:xfrm>
           <a:prstGeom prst="rect">
             <a:avLst/>
@@ -5175,7 +5259,7 @@
         </p:nvGrpSpPr>
         <p:grpSpPr>
           <a:xfrm rot="5400000">
-            <a:off x="6088711" y="1962201"/>
+            <a:off x="6443315" y="1631951"/>
             <a:ext cx="254462" cy="555486"/>
             <a:chOff x="3949242" y="578739"/>
             <a:chExt cx="254462" cy="503902"/>
@@ -5280,7 +5364,7 @@
         </p:nvGrpSpPr>
         <p:grpSpPr>
           <a:xfrm rot="5400000">
-            <a:off x="6098740" y="2390577"/>
+            <a:off x="6453344" y="2060327"/>
             <a:ext cx="254462" cy="555486"/>
             <a:chOff x="3965759" y="592436"/>
             <a:chExt cx="254462" cy="503902"/>
@@ -5385,7 +5469,7 @@
         </p:nvSpPr>
         <p:spPr>
           <a:xfrm>
-            <a:off x="3186326" y="2841725"/>
+            <a:off x="3540930" y="2511475"/>
             <a:ext cx="731636" cy="283820"/>
           </a:xfrm>
           <a:prstGeom prst="rect">
@@ -5450,7 +5534,7 @@
         </p:nvSpPr>
         <p:spPr>
           <a:xfrm>
-            <a:off x="3186326" y="3190882"/>
+            <a:off x="3540930" y="2860632"/>
             <a:ext cx="731636" cy="283820"/>
           </a:xfrm>
           <a:prstGeom prst="rect">
@@ -5518,7 +5602,7 @@
         </p:nvCxnSpPr>
         <p:spPr>
           <a:xfrm flipH="1">
-            <a:off x="3917962" y="2983635"/>
+            <a:off x="4272566" y="2653385"/>
             <a:ext cx="335164" cy="0"/>
           </a:xfrm>
           <a:prstGeom prst="straightConnector1">
@@ -5562,7 +5646,7 @@
         </p:nvCxnSpPr>
         <p:spPr>
           <a:xfrm flipH="1">
-            <a:off x="3917962" y="3332439"/>
+            <a:off x="4272566" y="3002189"/>
             <a:ext cx="335164" cy="353"/>
           </a:xfrm>
           <a:prstGeom prst="straightConnector1">
@@ -5607,8 +5691,8 @@
         </p:nvCxnSpPr>
         <p:spPr>
           <a:xfrm rot="10800000">
-            <a:off x="2601618" y="2629061"/>
-            <a:ext cx="584708" cy="354574"/>
+            <a:off x="3046594" y="2295193"/>
+            <a:ext cx="494337" cy="358193"/>
           </a:xfrm>
           <a:prstGeom prst="bentConnector2">
             <a:avLst/>
@@ -5652,7 +5736,7 @@
         </p:nvCxnSpPr>
         <p:spPr>
           <a:xfrm>
-            <a:off x="3925321" y="2036175"/>
+            <a:off x="4279925" y="1705925"/>
             <a:ext cx="327805" cy="107"/>
           </a:xfrm>
           <a:prstGeom prst="line">
@@ -5697,8 +5781,8 @@
         </p:nvCxnSpPr>
         <p:spPr>
           <a:xfrm rot="10800000" flipV="1">
-            <a:off x="2601618" y="2036175"/>
-            <a:ext cx="572596" cy="418306"/>
+            <a:off x="3046594" y="1705924"/>
+            <a:ext cx="482225" cy="414687"/>
           </a:xfrm>
           <a:prstGeom prst="bentConnector2">
             <a:avLst/>
@@ -5739,7 +5823,7 @@
         </p:nvGrpSpPr>
         <p:grpSpPr>
           <a:xfrm rot="5400000">
-            <a:off x="4346209" y="3538793"/>
+            <a:off x="4700220" y="3066879"/>
             <a:ext cx="555486" cy="254462"/>
             <a:chOff x="3703306" y="644022"/>
             <a:chExt cx="555486" cy="230832"/>
@@ -5847,8 +5931,8 @@
         </p:nvCxnSpPr>
         <p:spPr>
           <a:xfrm rot="16200000" flipV="1">
-            <a:off x="7296652" y="3452865"/>
-            <a:ext cx="850958" cy="204262"/>
+            <a:off x="7468408" y="3305464"/>
+            <a:ext cx="1155025" cy="142632"/>
           </a:xfrm>
           <a:prstGeom prst="bentConnector2">
             <a:avLst/>
@@ -5881,7 +5965,7 @@
         </p:nvSpPr>
         <p:spPr>
           <a:xfrm flipV="1">
-            <a:off x="7689010" y="3980475"/>
+            <a:off x="7981984" y="3954292"/>
             <a:ext cx="270504" cy="175523"/>
           </a:xfrm>
           <a:prstGeom prst="triangle">
@@ -5938,8 +6022,8 @@
         </p:nvCxnSpPr>
         <p:spPr>
           <a:xfrm rot="16200000" flipV="1">
-            <a:off x="7516775" y="3672988"/>
-            <a:ext cx="410712" cy="204262"/>
+            <a:off x="7688531" y="3525587"/>
+            <a:ext cx="714779" cy="142632"/>
           </a:xfrm>
           <a:prstGeom prst="bentConnector2">
             <a:avLst/>
@@ -5975,8 +6059,8 @@
         </p:nvCxnSpPr>
         <p:spPr>
           <a:xfrm rot="16200000" flipV="1">
-            <a:off x="7096044" y="3252257"/>
-            <a:ext cx="1252175" cy="204262"/>
+            <a:off x="7267799" y="3104855"/>
+            <a:ext cx="1556242" cy="142632"/>
           </a:xfrm>
           <a:prstGeom prst="bentConnector2">
             <a:avLst/>
@@ -6012,8 +6096,8 @@
         </p:nvCxnSpPr>
         <p:spPr>
           <a:xfrm rot="16200000" flipV="1">
-            <a:off x="6890098" y="3046311"/>
-            <a:ext cx="1657928" cy="210400"/>
+            <a:off x="7061854" y="2898910"/>
+            <a:ext cx="1961995" cy="148770"/>
           </a:xfrm>
           <a:prstGeom prst="bentConnector2">
             <a:avLst/>
@@ -6049,8 +6133,8 @@
         </p:nvCxnSpPr>
         <p:spPr>
           <a:xfrm flipV="1">
-            <a:off x="4114800" y="3150962"/>
-            <a:ext cx="716492" cy="797920"/>
+            <a:off x="4462712" y="2820712"/>
+            <a:ext cx="723184" cy="594482"/>
           </a:xfrm>
           <a:prstGeom prst="bentConnector3">
             <a:avLst>
@@ -6095,8 +6179,8 @@
         </p:nvCxnSpPr>
         <p:spPr>
           <a:xfrm flipV="1">
-            <a:off x="4114800" y="2728717"/>
-            <a:ext cx="716494" cy="1220165"/>
+            <a:off x="4462712" y="2398467"/>
+            <a:ext cx="723186" cy="1016727"/>
           </a:xfrm>
           <a:prstGeom prst="bentConnector3">
             <a:avLst>
@@ -6141,8 +6225,8 @@
         </p:nvCxnSpPr>
         <p:spPr>
           <a:xfrm flipV="1">
-            <a:off x="4114800" y="2322317"/>
-            <a:ext cx="716494" cy="1626565"/>
+            <a:off x="4462712" y="1992067"/>
+            <a:ext cx="723186" cy="1423127"/>
           </a:xfrm>
           <a:prstGeom prst="bentConnector3">
             <a:avLst>
@@ -6188,7 +6272,7 @@
         </p:nvCxnSpPr>
         <p:spPr>
           <a:xfrm flipV="1">
-            <a:off x="5924929" y="2728300"/>
+            <a:off x="6279533" y="2398050"/>
             <a:ext cx="601436" cy="417"/>
           </a:xfrm>
           <a:prstGeom prst="bentConnector3">
@@ -6235,7 +6319,7 @@
         </p:nvCxnSpPr>
         <p:spPr>
           <a:xfrm>
-            <a:off x="5924929" y="2322317"/>
+            <a:off x="6279533" y="1992067"/>
             <a:ext cx="595298" cy="230"/>
           </a:xfrm>
           <a:prstGeom prst="bentConnector3">
@@ -6280,7 +6364,7 @@
         </p:nvCxnSpPr>
         <p:spPr>
           <a:xfrm>
-            <a:off x="4248488" y="2033984"/>
+            <a:off x="4603092" y="1703734"/>
             <a:ext cx="0" cy="1304815"/>
           </a:xfrm>
           <a:prstGeom prst="line">
@@ -6323,7 +6407,7 @@
         </p:nvCxnSpPr>
         <p:spPr>
           <a:xfrm>
-            <a:off x="4248488" y="2209800"/>
+            <a:off x="4603092" y="1879550"/>
             <a:ext cx="582002" cy="0"/>
           </a:xfrm>
           <a:prstGeom prst="line">
@@ -6366,7 +6450,7 @@
         </p:nvCxnSpPr>
         <p:spPr>
           <a:xfrm flipV="1">
-            <a:off x="4255042" y="2607245"/>
+            <a:off x="4609646" y="2276995"/>
             <a:ext cx="566976" cy="5974"/>
           </a:xfrm>
           <a:prstGeom prst="line">
@@ -6409,7 +6493,7 @@
         </p:nvCxnSpPr>
         <p:spPr>
           <a:xfrm>
-            <a:off x="4248487" y="3048000"/>
+            <a:off x="4603091" y="2717750"/>
             <a:ext cx="573531" cy="0"/>
           </a:xfrm>
           <a:prstGeom prst="line">
@@ -6450,7 +6534,7 @@
         </p:nvSpPr>
         <p:spPr>
           <a:xfrm>
-            <a:off x="3174214" y="2370131"/>
+            <a:off x="3528818" y="2039881"/>
             <a:ext cx="750156" cy="340758"/>
           </a:xfrm>
           <a:prstGeom prst="rect">
@@ -6523,13 +6607,12 @@
           <p:cNvCxnSpPr>
             <a:cxnSpLocks/>
             <a:stCxn id="109" idx="1"/>
-            <a:endCxn id="58" idx="3"/>
           </p:cNvCxnSpPr>
           <p:nvPr/>
         </p:nvCxnSpPr>
         <p:spPr>
           <a:xfrm rot="10800000" flipV="1">
-            <a:off x="2964740" y="2540509"/>
+            <a:off x="3319344" y="2210259"/>
             <a:ext cx="209475" cy="1261"/>
           </a:xfrm>
           <a:prstGeom prst="bentConnector3">
@@ -6577,7 +6660,7 @@
         </p:nvCxnSpPr>
         <p:spPr>
           <a:xfrm rot="5400000">
-            <a:off x="3469242" y="2289605"/>
+            <a:off x="3823846" y="1959355"/>
             <a:ext cx="160576" cy="476"/>
           </a:xfrm>
           <a:prstGeom prst="bentConnector3">
@@ -6624,7 +6707,7 @@
         </p:nvCxnSpPr>
         <p:spPr>
           <a:xfrm flipV="1">
-            <a:off x="3924370" y="2535795"/>
+            <a:off x="4278974" y="2205545"/>
             <a:ext cx="322202" cy="4715"/>
           </a:xfrm>
           <a:prstGeom prst="line">
@@ -6657,6 +6740,342 @@
           </a:fontRef>
         </p:style>
       </p:cxnSp>
+      <p:sp>
+        <p:nvSpPr>
+          <p:cNvPr id="86" name="Rectangle 85"/>
+          <p:cNvSpPr/>
+          <p:nvPr/>
+        </p:nvSpPr>
+        <p:spPr>
+          <a:xfrm flipH="1">
+            <a:off x="3721100" y="3775896"/>
+            <a:ext cx="900000" cy="346760"/>
+          </a:xfrm>
+          <a:prstGeom prst="rect">
+            <a:avLst/>
+          </a:prstGeom>
+          <a:solidFill>
+            <a:schemeClr val="accent5"/>
+          </a:solidFill>
+          <a:ln/>
+          <a:effectLst/>
+        </p:spPr>
+        <p:style>
+          <a:lnRef idx="1">
+            <a:schemeClr val="accent5"/>
+          </a:lnRef>
+          <a:fillRef idx="2">
+            <a:schemeClr val="accent5"/>
+          </a:fillRef>
+          <a:effectRef idx="1">
+            <a:schemeClr val="accent5"/>
+          </a:effectRef>
+          <a:fontRef idx="minor">
+            <a:schemeClr val="dk1"/>
+          </a:fontRef>
+        </p:style>
+        <p:txBody>
+          <a:bodyPr rtlCol="0" anchor="ctr"/>
+          <a:lstStyle/>
+          <a:p>
+            <a:pPr algn="ctr"/>
+            <a:r>
+              <a:rPr lang="en-US" sz="1050" b="1" dirty="0" err="1" smtClean="0">
+                <a:solidFill>
+                  <a:schemeClr val="bg1"/>
+                </a:solidFill>
+              </a:rPr>
+              <a:t>ParserResult</a:t>
+            </a:r>
+            <a:endParaRPr lang="en-SG" sz="1050" b="1" dirty="0">
+              <a:solidFill>
+                <a:schemeClr val="bg1"/>
+              </a:solidFill>
+            </a:endParaRPr>
+          </a:p>
+        </p:txBody>
+      </p:sp>
+      <p:cxnSp>
+        <p:nvCxnSpPr>
+          <p:cNvPr id="88" name="Elbow Connector 63"/>
+          <p:cNvCxnSpPr>
+            <a:stCxn id="16" idx="2"/>
+            <a:endCxn id="86" idx="0"/>
+          </p:cNvCxnSpPr>
+          <p:nvPr/>
+        </p:nvCxnSpPr>
+        <p:spPr>
+          <a:xfrm rot="16200000" flipH="1">
+            <a:off x="4076882" y="3681678"/>
+            <a:ext cx="187322" cy="1113"/>
+          </a:xfrm>
+          <a:prstGeom prst="bentConnector3">
+            <a:avLst>
+              <a:gd name="adj1" fmla="val 50000"/>
+            </a:avLst>
+          </a:prstGeom>
+          <a:ln w="19050">
+            <a:solidFill>
+              <a:schemeClr val="accent5">
+                <a:lumMod val="75000"/>
+              </a:schemeClr>
+            </a:solidFill>
+            <a:prstDash val="sysDot"/>
+            <a:headEnd type="none" w="med" len="med"/>
+            <a:tailEnd type="arrow" w="med" len="med"/>
+          </a:ln>
+          <a:effectLst/>
+        </p:spPr>
+        <p:style>
+          <a:lnRef idx="1">
+            <a:schemeClr val="accent2"/>
+          </a:lnRef>
+          <a:fillRef idx="2">
+            <a:schemeClr val="accent2"/>
+          </a:fillRef>
+          <a:effectRef idx="1">
+            <a:schemeClr val="accent2"/>
+          </a:effectRef>
+          <a:fontRef idx="minor">
+            <a:schemeClr val="dk1"/>
+          </a:fontRef>
+        </p:style>
+      </p:cxnSp>
+      <p:cxnSp>
+        <p:nvCxnSpPr>
+          <p:cNvPr id="98" name="Elbow Connector 122"/>
+          <p:cNvCxnSpPr>
+            <a:stCxn id="5" idx="3"/>
+            <a:endCxn id="86" idx="3"/>
+          </p:cNvCxnSpPr>
+          <p:nvPr/>
+        </p:nvCxnSpPr>
+        <p:spPr>
+          <a:xfrm>
+            <a:off x="2874420" y="3946343"/>
+            <a:ext cx="846680" cy="2933"/>
+          </a:xfrm>
+          <a:prstGeom prst="bentConnector3">
+            <a:avLst>
+              <a:gd name="adj1" fmla="val 50000"/>
+            </a:avLst>
+          </a:prstGeom>
+          <a:ln w="19050">
+            <a:solidFill>
+              <a:srgbClr val="0070C0"/>
+            </a:solidFill>
+            <a:prstDash val="sysDot"/>
+            <a:headEnd type="none" w="med" len="med"/>
+            <a:tailEnd type="arrow" w="med" len="med"/>
+          </a:ln>
+          <a:effectLst/>
+        </p:spPr>
+        <p:style>
+          <a:lnRef idx="1">
+            <a:schemeClr val="accent2"/>
+          </a:lnRef>
+          <a:fillRef idx="2">
+            <a:schemeClr val="accent2"/>
+          </a:fillRef>
+          <a:effectRef idx="1">
+            <a:schemeClr val="accent2"/>
+          </a:effectRef>
+          <a:fontRef idx="minor">
+            <a:schemeClr val="dk1"/>
+          </a:fontRef>
+        </p:style>
+      </p:cxnSp>
+      <p:cxnSp>
+        <p:nvCxnSpPr>
+          <p:cNvPr id="101" name="Elbow Connector 122"/>
+          <p:cNvCxnSpPr>
+            <a:stCxn id="5" idx="0"/>
+          </p:cNvCxnSpPr>
+          <p:nvPr/>
+        </p:nvCxnSpPr>
+        <p:spPr>
+          <a:xfrm rot="16200000" flipV="1">
+            <a:off x="1553455" y="2998814"/>
+            <a:ext cx="1548293" cy="5"/>
+          </a:xfrm>
+          <a:prstGeom prst="bentConnector3">
+            <a:avLst>
+              <a:gd name="adj1" fmla="val 50000"/>
+            </a:avLst>
+          </a:prstGeom>
+          <a:ln w="19050">
+            <a:solidFill>
+              <a:srgbClr val="0070C0"/>
+            </a:solidFill>
+            <a:prstDash val="sysDot"/>
+            <a:headEnd type="none" w="med" len="med"/>
+            <a:tailEnd type="arrow" w="med" len="med"/>
+          </a:ln>
+          <a:effectLst/>
+        </p:spPr>
+        <p:style>
+          <a:lnRef idx="1">
+            <a:schemeClr val="accent2"/>
+          </a:lnRef>
+          <a:fillRef idx="2">
+            <a:schemeClr val="accent2"/>
+          </a:fillRef>
+          <a:effectRef idx="1">
+            <a:schemeClr val="accent2"/>
+          </a:effectRef>
+          <a:fontRef idx="minor">
+            <a:schemeClr val="dk1"/>
+          </a:fontRef>
+        </p:style>
+      </p:cxnSp>
+      <p:sp>
+        <p:nvSpPr>
+          <p:cNvPr id="104" name="Rectangle 8"/>
+          <p:cNvSpPr/>
+          <p:nvPr/>
+        </p:nvSpPr>
+        <p:spPr>
+          <a:xfrm>
+            <a:off x="1917507" y="1858785"/>
+            <a:ext cx="752724" cy="346760"/>
+          </a:xfrm>
+          <a:prstGeom prst="rect">
+            <a:avLst/>
+          </a:prstGeom>
+          <a:solidFill>
+            <a:srgbClr val="0070C0"/>
+          </a:solidFill>
+          <a:ln w="19050">
+            <a:solidFill>
+              <a:srgbClr val="0070C0"/>
+            </a:solidFill>
+          </a:ln>
+          <a:effectLst/>
+        </p:spPr>
+        <p:style>
+          <a:lnRef idx="1">
+            <a:schemeClr val="accent2"/>
+          </a:lnRef>
+          <a:fillRef idx="2">
+            <a:schemeClr val="accent2"/>
+          </a:fillRef>
+          <a:effectRef idx="1">
+            <a:schemeClr val="accent2"/>
+          </a:effectRef>
+          <a:fontRef idx="minor">
+            <a:schemeClr val="dk1"/>
+          </a:fontRef>
+        </p:style>
+        <p:txBody>
+          <a:bodyPr rtlCol="0" anchor="ctr"/>
+          <a:lstStyle/>
+          <a:p>
+            <a:pPr algn="ctr"/>
+            <a:r>
+              <a:rPr lang="en-US" sz="1050" dirty="0" smtClean="0">
+                <a:solidFill>
+                  <a:schemeClr val="bg1"/>
+                </a:solidFill>
+              </a:rPr>
+              <a:t>Execution</a:t>
+            </a:r>
+          </a:p>
+          <a:p>
+            <a:pPr algn="ctr"/>
+            <a:r>
+              <a:rPr lang="en-US" sz="1050" dirty="0" smtClean="0">
+                <a:solidFill>
+                  <a:schemeClr val="bg1"/>
+                </a:solidFill>
+              </a:rPr>
+              <a:t>Result</a:t>
+            </a:r>
+            <a:endParaRPr lang="en-SG" sz="1050" dirty="0">
+              <a:solidFill>
+                <a:schemeClr val="bg1"/>
+              </a:solidFill>
+            </a:endParaRPr>
+          </a:p>
+        </p:txBody>
+      </p:sp>
+      <p:sp>
+        <p:nvSpPr>
+          <p:cNvPr id="134" name="TextBox 133"/>
+          <p:cNvSpPr txBox="1"/>
+          <p:nvPr/>
+        </p:nvSpPr>
+        <p:spPr>
+          <a:xfrm>
+            <a:off x="2095948" y="2246551"/>
+            <a:ext cx="131116" cy="230832"/>
+          </a:xfrm>
+          <a:prstGeom prst="rect">
+            <a:avLst/>
+          </a:prstGeom>
+          <a:noFill/>
+        </p:spPr>
+        <p:txBody>
+          <a:bodyPr wrap="square" lIns="0" tIns="0" rIns="0" bIns="0" rtlCol="0">
+            <a:noAutofit/>
+          </a:bodyPr>
+          <a:lstStyle/>
+          <a:p>
+            <a:pPr algn="r"/>
+            <a:r>
+              <a:rPr lang="en-US" sz="1100" dirty="0">
+                <a:solidFill>
+                  <a:srgbClr val="0070C0"/>
+                </a:solidFill>
+              </a:rPr>
+              <a:t>1</a:t>
+            </a:r>
+            <a:endParaRPr lang="en-SG" sz="1100" dirty="0">
+              <a:solidFill>
+                <a:srgbClr val="0070C0"/>
+              </a:solidFill>
+            </a:endParaRPr>
+          </a:p>
+        </p:txBody>
+      </p:sp>
+      <p:sp>
+        <p:nvSpPr>
+          <p:cNvPr id="135" name="TextBox 134"/>
+          <p:cNvSpPr txBox="1"/>
+          <p:nvPr/>
+        </p:nvSpPr>
+        <p:spPr>
+          <a:xfrm>
+            <a:off x="4182835" y="3631299"/>
+            <a:ext cx="131116" cy="230832"/>
+          </a:xfrm>
+          <a:prstGeom prst="rect">
+            <a:avLst/>
+          </a:prstGeom>
+          <a:noFill/>
+        </p:spPr>
+        <p:txBody>
+          <a:bodyPr wrap="square" lIns="0" tIns="0" rIns="0" bIns="0" rtlCol="0">
+            <a:noAutofit/>
+          </a:bodyPr>
+          <a:lstStyle/>
+          <a:p>
+            <a:pPr algn="r"/>
+            <a:r>
+              <a:rPr lang="en-US" sz="1100" dirty="0">
+                <a:solidFill>
+                  <a:srgbClr val="0070C0"/>
+                </a:solidFill>
+              </a:rPr>
+              <a:t>1</a:t>
+            </a:r>
+            <a:endParaRPr lang="en-SG" sz="1100" dirty="0">
+              <a:solidFill>
+                <a:srgbClr val="0070C0"/>
+              </a:solidFill>
+            </a:endParaRPr>
+          </a:p>
+        </p:txBody>
+      </p:sp>
     </p:spTree>
     <p:extLst>
       <p:ext uri="{BB962C8B-B14F-4D97-AF65-F5344CB8AC3E}">
@@ -6667,6 +7086,13 @@
   <p:clrMapOvr>
     <a:masterClrMapping/>
   </p:clrMapOvr>
+  <p:timing>
+    <p:tnLst>
+      <p:par>
+        <p:cTn id="1" dur="indefinite" restart="never" nodeType="tmRoot"/>
+      </p:par>
+    </p:tnLst>
+  </p:timing>
 </p:sld>
 </file>
 

--- a/docs/diagrams/LogicComponentClassDiagram.pptx
+++ b/docs/diagrams/LogicComponentClassDiagram.pptx
@@ -208,7 +208,7 @@
           <a:p>
             <a:fld id="{F5CC4B3F-88C1-4FFA-B1B6-F41C21DC6924}" type="datetimeFigureOut">
               <a:rPr lang="en-US" smtClean="0"/>
-              <a:t>5/30/17</a:t>
+              <a:t>6/1/17</a:t>
             </a:fld>
             <a:endParaRPr lang="en-US"/>
           </a:p>
@@ -738,7 +738,7 @@
           <a:p>
             <a:fld id="{78C97017-6FC3-485B-9764-EAC9E56C1D49}" type="datetimeFigureOut">
               <a:rPr lang="en-US" smtClean="0"/>
-              <a:t>5/30/17</a:t>
+              <a:t>6/1/17</a:t>
             </a:fld>
             <a:endParaRPr lang="en-US"/>
           </a:p>
@@ -906,7 +906,7 @@
           <a:p>
             <a:fld id="{78C97017-6FC3-485B-9764-EAC9E56C1D49}" type="datetimeFigureOut">
               <a:rPr lang="en-US" smtClean="0"/>
-              <a:t>5/30/17</a:t>
+              <a:t>6/1/17</a:t>
             </a:fld>
             <a:endParaRPr lang="en-US"/>
           </a:p>
@@ -1084,7 +1084,7 @@
           <a:p>
             <a:fld id="{78C97017-6FC3-485B-9764-EAC9E56C1D49}" type="datetimeFigureOut">
               <a:rPr lang="en-US" smtClean="0"/>
-              <a:t>5/30/17</a:t>
+              <a:t>6/1/17</a:t>
             </a:fld>
             <a:endParaRPr lang="en-US"/>
           </a:p>
@@ -1252,7 +1252,7 @@
           <a:p>
             <a:fld id="{78C97017-6FC3-485B-9764-EAC9E56C1D49}" type="datetimeFigureOut">
               <a:rPr lang="en-US" smtClean="0"/>
-              <a:t>5/30/17</a:t>
+              <a:t>6/1/17</a:t>
             </a:fld>
             <a:endParaRPr lang="en-US"/>
           </a:p>
@@ -1497,7 +1497,7 @@
           <a:p>
             <a:fld id="{78C97017-6FC3-485B-9764-EAC9E56C1D49}" type="datetimeFigureOut">
               <a:rPr lang="en-US" smtClean="0"/>
-              <a:t>5/30/17</a:t>
+              <a:t>6/1/17</a:t>
             </a:fld>
             <a:endParaRPr lang="en-US"/>
           </a:p>
@@ -1782,7 +1782,7 @@
           <a:p>
             <a:fld id="{78C97017-6FC3-485B-9764-EAC9E56C1D49}" type="datetimeFigureOut">
               <a:rPr lang="en-US" smtClean="0"/>
-              <a:t>5/30/17</a:t>
+              <a:t>6/1/17</a:t>
             </a:fld>
             <a:endParaRPr lang="en-US"/>
           </a:p>
@@ -2201,7 +2201,7 @@
           <a:p>
             <a:fld id="{78C97017-6FC3-485B-9764-EAC9E56C1D49}" type="datetimeFigureOut">
               <a:rPr lang="en-US" smtClean="0"/>
-              <a:t>5/30/17</a:t>
+              <a:t>6/1/17</a:t>
             </a:fld>
             <a:endParaRPr lang="en-US"/>
           </a:p>
@@ -2318,7 +2318,7 @@
           <a:p>
             <a:fld id="{78C97017-6FC3-485B-9764-EAC9E56C1D49}" type="datetimeFigureOut">
               <a:rPr lang="en-US" smtClean="0"/>
-              <a:t>5/30/17</a:t>
+              <a:t>6/1/17</a:t>
             </a:fld>
             <a:endParaRPr lang="en-US"/>
           </a:p>
@@ -2413,7 +2413,7 @@
           <a:p>
             <a:fld id="{78C97017-6FC3-485B-9764-EAC9E56C1D49}" type="datetimeFigureOut">
               <a:rPr lang="en-US" smtClean="0"/>
-              <a:t>5/30/17</a:t>
+              <a:t>6/1/17</a:t>
             </a:fld>
             <a:endParaRPr lang="en-US"/>
           </a:p>
@@ -2688,7 +2688,7 @@
           <a:p>
             <a:fld id="{78C97017-6FC3-485B-9764-EAC9E56C1D49}" type="datetimeFigureOut">
               <a:rPr lang="en-US" smtClean="0"/>
-              <a:t>5/30/17</a:t>
+              <a:t>6/1/17</a:t>
             </a:fld>
             <a:endParaRPr lang="en-US"/>
           </a:p>
@@ -2940,7 +2940,7 @@
           <a:p>
             <a:fld id="{78C97017-6FC3-485B-9764-EAC9E56C1D49}" type="datetimeFigureOut">
               <a:rPr lang="en-US" smtClean="0"/>
-              <a:t>5/30/17</a:t>
+              <a:t>6/1/17</a:t>
             </a:fld>
             <a:endParaRPr lang="en-US"/>
           </a:p>
@@ -3151,7 +3151,7 @@
           <a:p>
             <a:fld id="{78C97017-6FC3-485B-9764-EAC9E56C1D49}" type="datetimeFigureOut">
               <a:rPr lang="en-US" smtClean="0"/>
-              <a:t>5/30/17</a:t>
+              <a:t>6/1/17</a:t>
             </a:fld>
             <a:endParaRPr lang="en-US"/>
           </a:p>
@@ -3815,7 +3815,7 @@
         </p:nvCxnSpPr>
         <p:spPr>
           <a:xfrm>
-            <a:off x="1685925" y="2032000"/>
+            <a:off x="1597218" y="2946318"/>
             <a:ext cx="231582" cy="165"/>
           </a:xfrm>
           <a:prstGeom prst="bentConnector3">
@@ -4114,7 +4114,7 @@
         </p:nvSpPr>
         <p:spPr>
           <a:xfrm>
-            <a:off x="3877262" y="3241814"/>
+            <a:off x="3854625" y="3772629"/>
             <a:ext cx="585450" cy="346760"/>
           </a:xfrm>
           <a:prstGeom prst="rect">
@@ -4172,12 +4172,12 @@
         </p:nvCxnSpPr>
         <p:spPr>
           <a:xfrm flipV="1">
-            <a:off x="2874420" y="3415194"/>
-            <a:ext cx="1002842" cy="531149"/>
+            <a:off x="2874420" y="3946009"/>
+            <a:ext cx="980205" cy="334"/>
           </a:xfrm>
           <a:prstGeom prst="bentConnector3">
             <a:avLst>
-              <a:gd name="adj1" fmla="val -10787"/>
+              <a:gd name="adj1" fmla="val 50000"/>
             </a:avLst>
           </a:prstGeom>
           <a:ln w="19050">
@@ -4734,84 +4734,6 @@
           </p:txBody>
         </p:sp>
       </p:grpSp>
-      <p:sp>
-        <p:nvSpPr>
-          <p:cNvPr id="32" name="TextBox 31"/>
-          <p:cNvSpPr txBox="1"/>
-          <p:nvPr/>
-        </p:nvSpPr>
-        <p:spPr>
-          <a:xfrm>
-            <a:off x="2737492" y="1615794"/>
-            <a:ext cx="131116" cy="230832"/>
-          </a:xfrm>
-          <a:prstGeom prst="rect">
-            <a:avLst/>
-          </a:prstGeom>
-          <a:noFill/>
-        </p:spPr>
-        <p:txBody>
-          <a:bodyPr wrap="square" lIns="0" tIns="0" rIns="0" bIns="0" rtlCol="0">
-            <a:noAutofit/>
-          </a:bodyPr>
-          <a:lstStyle/>
-          <a:p>
-            <a:pPr algn="r"/>
-            <a:r>
-              <a:rPr lang="en-US" sz="1100" dirty="0">
-                <a:solidFill>
-                  <a:srgbClr val="0070C0"/>
-                </a:solidFill>
-              </a:rPr>
-              <a:t>1</a:t>
-            </a:r>
-            <a:endParaRPr lang="en-SG" sz="1100" dirty="0">
-              <a:solidFill>
-                <a:srgbClr val="0070C0"/>
-              </a:solidFill>
-            </a:endParaRPr>
-          </a:p>
-        </p:txBody>
-      </p:sp>
-      <p:sp>
-        <p:nvSpPr>
-          <p:cNvPr id="33" name="TextBox 32"/>
-          <p:cNvSpPr txBox="1"/>
-          <p:nvPr/>
-        </p:nvSpPr>
-        <p:spPr>
-          <a:xfrm>
-            <a:off x="3627061" y="3260713"/>
-            <a:ext cx="131116" cy="230832"/>
-          </a:xfrm>
-          <a:prstGeom prst="rect">
-            <a:avLst/>
-          </a:prstGeom>
-          <a:noFill/>
-        </p:spPr>
-        <p:txBody>
-          <a:bodyPr wrap="square" lIns="0" tIns="0" rIns="0" bIns="0" rtlCol="0">
-            <a:noAutofit/>
-          </a:bodyPr>
-          <a:lstStyle/>
-          <a:p>
-            <a:pPr algn="r"/>
-            <a:r>
-              <a:rPr lang="en-US" sz="1100" dirty="0">
-                <a:solidFill>
-                  <a:srgbClr val="0070C0"/>
-                </a:solidFill>
-              </a:rPr>
-              <a:t>1</a:t>
-            </a:r>
-            <a:endParaRPr lang="en-SG" sz="1100" dirty="0">
-              <a:solidFill>
-                <a:srgbClr val="0070C0"/>
-              </a:solidFill>
-            </a:endParaRPr>
-          </a:p>
-        </p:txBody>
-      </p:sp>
       <p:sp>
         <p:nvSpPr>
           <p:cNvPr id="37" name="Rectangle 11"/>
@@ -6133,8 +6055,8 @@
         </p:nvCxnSpPr>
         <p:spPr>
           <a:xfrm flipV="1">
-            <a:off x="4462712" y="2820712"/>
-            <a:ext cx="723184" cy="594482"/>
+            <a:off x="4440075" y="2820712"/>
+            <a:ext cx="745821" cy="1125297"/>
           </a:xfrm>
           <a:prstGeom prst="bentConnector3">
             <a:avLst>
@@ -6179,8 +6101,8 @@
         </p:nvCxnSpPr>
         <p:spPr>
           <a:xfrm flipV="1">
-            <a:off x="4462712" y="2398467"/>
-            <a:ext cx="723186" cy="1016727"/>
+            <a:off x="4440075" y="2398467"/>
+            <a:ext cx="745823" cy="1547542"/>
           </a:xfrm>
           <a:prstGeom prst="bentConnector3">
             <a:avLst>
@@ -6225,8 +6147,8 @@
         </p:nvCxnSpPr>
         <p:spPr>
           <a:xfrm flipV="1">
-            <a:off x="4462712" y="1992067"/>
-            <a:ext cx="723186" cy="1423127"/>
+            <a:off x="4440075" y="1992067"/>
+            <a:ext cx="745823" cy="1953942"/>
           </a:xfrm>
           <a:prstGeom prst="bentConnector3">
             <a:avLst>
@@ -6748,7 +6670,7 @@
         </p:nvSpPr>
         <p:spPr>
           <a:xfrm flipH="1">
-            <a:off x="3721100" y="3775896"/>
+            <a:off x="3000232" y="3328744"/>
             <a:ext cx="900000" cy="346760"/>
           </a:xfrm>
           <a:prstGeom prst="rect">
@@ -6799,20 +6721,18 @@
         <p:nvCxnSpPr>
           <p:cNvPr id="88" name="Elbow Connector 63"/>
           <p:cNvCxnSpPr>
-            <a:stCxn id="16" idx="2"/>
-            <a:endCxn id="86" idx="0"/>
+            <a:stCxn id="16" idx="0"/>
+            <a:endCxn id="86" idx="1"/>
           </p:cNvCxnSpPr>
           <p:nvPr/>
         </p:nvCxnSpPr>
         <p:spPr>
-          <a:xfrm rot="16200000" flipH="1">
-            <a:off x="4076882" y="3681678"/>
-            <a:ext cx="187322" cy="1113"/>
-          </a:xfrm>
-          <a:prstGeom prst="bentConnector3">
-            <a:avLst>
-              <a:gd name="adj1" fmla="val 50000"/>
-            </a:avLst>
+          <a:xfrm rot="16200000" flipV="1">
+            <a:off x="3888539" y="3513818"/>
+            <a:ext cx="270505" cy="247118"/>
+          </a:xfrm>
+          <a:prstGeom prst="bentConnector2">
+            <a:avLst/>
           </a:prstGeom>
           <a:ln w="19050">
             <a:solidFill>
@@ -6845,15 +6765,55 @@
         <p:nvCxnSpPr>
           <p:cNvPr id="98" name="Elbow Connector 122"/>
           <p:cNvCxnSpPr>
-            <a:stCxn id="5" idx="3"/>
             <a:endCxn id="86" idx="3"/>
           </p:cNvCxnSpPr>
           <p:nvPr/>
         </p:nvCxnSpPr>
         <p:spPr>
-          <a:xfrm>
-            <a:off x="2874420" y="3946343"/>
-            <a:ext cx="846680" cy="2933"/>
+          <a:xfrm rot="5400000" flipH="1" flipV="1">
+            <a:off x="2778321" y="3535318"/>
+            <a:ext cx="255105" cy="188718"/>
+          </a:xfrm>
+          <a:prstGeom prst="bentConnector2">
+            <a:avLst/>
+          </a:prstGeom>
+          <a:ln w="19050">
+            <a:solidFill>
+              <a:srgbClr val="0070C0"/>
+            </a:solidFill>
+            <a:prstDash val="sysDot"/>
+            <a:headEnd type="none" w="med" len="med"/>
+            <a:tailEnd type="arrow" w="med" len="med"/>
+          </a:ln>
+          <a:effectLst/>
+        </p:spPr>
+        <p:style>
+          <a:lnRef idx="1">
+            <a:schemeClr val="accent2"/>
+          </a:lnRef>
+          <a:fillRef idx="2">
+            <a:schemeClr val="accent2"/>
+          </a:fillRef>
+          <a:effectRef idx="1">
+            <a:schemeClr val="accent2"/>
+          </a:effectRef>
+          <a:fontRef idx="minor">
+            <a:schemeClr val="dk1"/>
+          </a:fontRef>
+        </p:style>
+      </p:cxnSp>
+      <p:cxnSp>
+        <p:nvCxnSpPr>
+          <p:cNvPr id="101" name="Elbow Connector 122"/>
+          <p:cNvCxnSpPr>
+            <a:stCxn id="5" idx="0"/>
+          </p:cNvCxnSpPr>
+          <p:nvPr/>
+        </p:nvCxnSpPr>
+        <p:spPr>
+          <a:xfrm rot="16200000" flipV="1">
+            <a:off x="1999156" y="3444515"/>
+            <a:ext cx="653748" cy="3147"/>
           </a:xfrm>
           <a:prstGeom prst="bentConnector3">
             <a:avLst>
@@ -6885,49 +6845,6 @@
           </a:fontRef>
         </p:style>
       </p:cxnSp>
-      <p:cxnSp>
-        <p:nvCxnSpPr>
-          <p:cNvPr id="101" name="Elbow Connector 122"/>
-          <p:cNvCxnSpPr>
-            <a:stCxn id="5" idx="0"/>
-          </p:cNvCxnSpPr>
-          <p:nvPr/>
-        </p:nvCxnSpPr>
-        <p:spPr>
-          <a:xfrm rot="16200000" flipV="1">
-            <a:off x="1553455" y="2998814"/>
-            <a:ext cx="1548293" cy="5"/>
-          </a:xfrm>
-          <a:prstGeom prst="bentConnector3">
-            <a:avLst>
-              <a:gd name="adj1" fmla="val 50000"/>
-            </a:avLst>
-          </a:prstGeom>
-          <a:ln w="19050">
-            <a:solidFill>
-              <a:srgbClr val="0070C0"/>
-            </a:solidFill>
-            <a:prstDash val="sysDot"/>
-            <a:headEnd type="none" w="med" len="med"/>
-            <a:tailEnd type="arrow" w="med" len="med"/>
-          </a:ln>
-          <a:effectLst/>
-        </p:spPr>
-        <p:style>
-          <a:lnRef idx="1">
-            <a:schemeClr val="accent2"/>
-          </a:lnRef>
-          <a:fillRef idx="2">
-            <a:schemeClr val="accent2"/>
-          </a:fillRef>
-          <a:effectRef idx="1">
-            <a:schemeClr val="accent2"/>
-          </a:effectRef>
-          <a:fontRef idx="minor">
-            <a:schemeClr val="dk1"/>
-          </a:fontRef>
-        </p:style>
-      </p:cxnSp>
       <p:sp>
         <p:nvSpPr>
           <p:cNvPr id="104" name="Rectangle 8"/>
@@ -6936,7 +6853,7 @@
         </p:nvSpPr>
         <p:spPr>
           <a:xfrm>
-            <a:off x="1917507" y="1858785"/>
+            <a:off x="1828800" y="2773103"/>
             <a:ext cx="752724" cy="346760"/>
           </a:xfrm>
           <a:prstGeom prst="rect">
@@ -7000,13 +6917,13 @@
       </p:sp>
       <p:sp>
         <p:nvSpPr>
-          <p:cNvPr id="134" name="TextBox 133"/>
+          <p:cNvPr id="135" name="TextBox 134"/>
           <p:cNvSpPr txBox="1"/>
           <p:nvPr/>
         </p:nvSpPr>
         <p:spPr>
           <a:xfrm>
-            <a:off x="2095948" y="2246551"/>
+            <a:off x="3621040" y="3990239"/>
             <a:ext cx="131116" cy="230832"/>
           </a:xfrm>
           <a:prstGeom prst="rect">
@@ -7037,45 +6954,93 @@
           </a:p>
         </p:txBody>
       </p:sp>
-      <p:sp>
-        <p:nvSpPr>
-          <p:cNvPr id="135" name="TextBox 134"/>
-          <p:cNvSpPr txBox="1"/>
+      <p:cxnSp>
+        <p:nvCxnSpPr>
+          <p:cNvPr id="92" name="Elbow Connector 122"/>
+          <p:cNvCxnSpPr>
+            <a:stCxn id="104" idx="0"/>
+          </p:cNvCxnSpPr>
           <p:nvPr/>
-        </p:nvSpPr>
+        </p:nvCxnSpPr>
+        <p:spPr>
+          <a:xfrm rot="16200000" flipV="1">
+            <a:off x="1617395" y="2185336"/>
+            <a:ext cx="1173276" cy="2258"/>
+          </a:xfrm>
+          <a:prstGeom prst="bentConnector3">
+            <a:avLst>
+              <a:gd name="adj1" fmla="val 50000"/>
+            </a:avLst>
+          </a:prstGeom>
+          <a:ln w="19050">
+            <a:solidFill>
+              <a:schemeClr val="tx2">
+                <a:lumMod val="50000"/>
+              </a:schemeClr>
+            </a:solidFill>
+            <a:prstDash val="sysDot"/>
+            <a:headEnd type="none" w="med" len="med"/>
+            <a:tailEnd type="arrow" w="med" len="med"/>
+          </a:ln>
+          <a:effectLst/>
+        </p:spPr>
+        <p:style>
+          <a:lnRef idx="1">
+            <a:schemeClr val="accent2"/>
+          </a:lnRef>
+          <a:fillRef idx="2">
+            <a:schemeClr val="accent2"/>
+          </a:fillRef>
+          <a:effectRef idx="1">
+            <a:schemeClr val="accent2"/>
+          </a:effectRef>
+          <a:fontRef idx="minor">
+            <a:schemeClr val="dk1"/>
+          </a:fontRef>
+        </p:style>
+      </p:cxnSp>
+      <p:cxnSp>
+        <p:nvCxnSpPr>
+          <p:cNvPr id="95" name="Elbow Connector 122"/>
+          <p:cNvCxnSpPr>
+            <a:stCxn id="104" idx="3"/>
+            <a:endCxn id="86" idx="0"/>
+          </p:cNvCxnSpPr>
+          <p:nvPr/>
+        </p:nvCxnSpPr>
         <p:spPr>
           <a:xfrm>
-            <a:off x="4182835" y="3631299"/>
-            <a:ext cx="131116" cy="230832"/>
-          </a:xfrm>
-          <a:prstGeom prst="rect">
+            <a:off x="2581524" y="2946483"/>
+            <a:ext cx="868708" cy="382261"/>
+          </a:xfrm>
+          <a:prstGeom prst="bentConnector2">
             <a:avLst/>
           </a:prstGeom>
-          <a:noFill/>
-        </p:spPr>
-        <p:txBody>
-          <a:bodyPr wrap="square" lIns="0" tIns="0" rIns="0" bIns="0" rtlCol="0">
-            <a:noAutofit/>
-          </a:bodyPr>
-          <a:lstStyle/>
-          <a:p>
-            <a:pPr algn="r"/>
-            <a:r>
-              <a:rPr lang="en-US" sz="1100" dirty="0">
-                <a:solidFill>
-                  <a:srgbClr val="0070C0"/>
-                </a:solidFill>
-              </a:rPr>
-              <a:t>1</a:t>
-            </a:r>
-            <a:endParaRPr lang="en-SG" sz="1100" dirty="0">
-              <a:solidFill>
-                <a:srgbClr val="0070C0"/>
-              </a:solidFill>
-            </a:endParaRPr>
-          </a:p>
-        </p:txBody>
-      </p:sp>
+          <a:ln w="19050">
+            <a:solidFill>
+              <a:srgbClr val="002060"/>
+            </a:solidFill>
+            <a:prstDash val="sysDot"/>
+            <a:headEnd type="none" w="med" len="med"/>
+            <a:tailEnd type="arrow" w="med" len="med"/>
+          </a:ln>
+          <a:effectLst/>
+        </p:spPr>
+        <p:style>
+          <a:lnRef idx="1">
+            <a:schemeClr val="accent2"/>
+          </a:lnRef>
+          <a:fillRef idx="2">
+            <a:schemeClr val="accent2"/>
+          </a:fillRef>
+          <a:effectRef idx="1">
+            <a:schemeClr val="accent2"/>
+          </a:effectRef>
+          <a:fontRef idx="minor">
+            <a:schemeClr val="dk1"/>
+          </a:fontRef>
+        </p:style>
+      </p:cxnSp>
     </p:spTree>
     <p:extLst>
       <p:ext uri="{BB962C8B-B14F-4D97-AF65-F5344CB8AC3E}">

--- a/docs/diagrams/LogicComponentClassDiagram.pptx
+++ b/docs/diagrams/LogicComponentClassDiagram.pptx
@@ -208,7 +208,7 @@
           <a:p>
             <a:fld id="{F5CC4B3F-88C1-4FFA-B1B6-F41C21DC6924}" type="datetimeFigureOut">
               <a:rPr lang="en-US" smtClean="0"/>
-              <a:t>3/21/2017</a:t>
+              <a:t>6/1/17</a:t>
             </a:fld>
             <a:endParaRPr lang="en-US"/>
           </a:p>
@@ -475,6 +475,90 @@
 </p:notesMaster>
 </file>
 
+<file path=ppt/notesSlides/notesSlide1.xml><?xml version="1.0" encoding="utf-8"?>
+<p:notes xmlns:a="http://schemas.openxmlformats.org/drawingml/2006/main" xmlns:r="http://schemas.openxmlformats.org/officeDocument/2006/relationships" xmlns:p="http://schemas.openxmlformats.org/presentationml/2006/main">
+  <p:cSld>
+    <p:spTree>
+      <p:nvGrpSpPr>
+        <p:cNvPr id="1" name=""/>
+        <p:cNvGrpSpPr/>
+        <p:nvPr/>
+      </p:nvGrpSpPr>
+      <p:grpSpPr>
+        <a:xfrm>
+          <a:off x="0" y="0"/>
+          <a:ext cx="0" cy="0"/>
+          <a:chOff x="0" y="0"/>
+          <a:chExt cx="0" cy="0"/>
+        </a:xfrm>
+      </p:grpSpPr>
+      <p:sp>
+        <p:nvSpPr>
+          <p:cNvPr id="2" name="Slide Image Placeholder 1"/>
+          <p:cNvSpPr>
+            <a:spLocks noGrp="1" noRot="1" noChangeAspect="1"/>
+          </p:cNvSpPr>
+          <p:nvPr>
+            <p:ph type="sldImg"/>
+          </p:nvPr>
+        </p:nvSpPr>
+        <p:spPr/>
+      </p:sp>
+      <p:sp>
+        <p:nvSpPr>
+          <p:cNvPr id="3" name="Notes Placeholder 2"/>
+          <p:cNvSpPr>
+            <a:spLocks noGrp="1"/>
+          </p:cNvSpPr>
+          <p:nvPr>
+            <p:ph type="body" idx="1"/>
+          </p:nvPr>
+        </p:nvSpPr>
+        <p:spPr/>
+        <p:txBody>
+          <a:bodyPr/>
+          <a:lstStyle/>
+          <a:p>
+            <a:endParaRPr lang="en-US" dirty="0"/>
+          </a:p>
+        </p:txBody>
+      </p:sp>
+      <p:sp>
+        <p:nvSpPr>
+          <p:cNvPr id="4" name="Slide Number Placeholder 3"/>
+          <p:cNvSpPr>
+            <a:spLocks noGrp="1"/>
+          </p:cNvSpPr>
+          <p:nvPr>
+            <p:ph type="sldNum" sz="quarter" idx="10"/>
+          </p:nvPr>
+        </p:nvSpPr>
+        <p:spPr/>
+        <p:txBody>
+          <a:bodyPr/>
+          <a:lstStyle/>
+          <a:p>
+            <a:fld id="{5A7AB025-77E3-4BD1-A2FD-B3183DBA47A3}" type="slidenum">
+              <a:rPr lang="en-US" smtClean="0"/>
+              <a:t>1</a:t>
+            </a:fld>
+            <a:endParaRPr lang="en-US"/>
+          </a:p>
+        </p:txBody>
+      </p:sp>
+    </p:spTree>
+    <p:extLst>
+      <p:ext uri="{BB962C8B-B14F-4D97-AF65-F5344CB8AC3E}">
+        <p14:creationId xmlns:p14="http://schemas.microsoft.com/office/powerpoint/2010/main" val="717245331"/>
+      </p:ext>
+    </p:extLst>
+  </p:cSld>
+  <p:clrMapOvr>
+    <a:masterClrMapping/>
+  </p:clrMapOvr>
+</p:notes>
+</file>
+
 <file path=ppt/slideLayouts/slideLayout1.xml><?xml version="1.0" encoding="utf-8"?>
 <p:sldLayout xmlns:a="http://schemas.openxmlformats.org/drawingml/2006/main" xmlns:r="http://schemas.openxmlformats.org/officeDocument/2006/relationships" xmlns:p="http://schemas.openxmlformats.org/presentationml/2006/main" type="title" preserve="1">
   <p:cSld name="Title Slide">
@@ -654,7 +738,7 @@
           <a:p>
             <a:fld id="{78C97017-6FC3-485B-9764-EAC9E56C1D49}" type="datetimeFigureOut">
               <a:rPr lang="en-US" smtClean="0"/>
-              <a:t>3/21/2017</a:t>
+              <a:t>6/1/17</a:t>
             </a:fld>
             <a:endParaRPr lang="en-US"/>
           </a:p>
@@ -822,7 +906,7 @@
           <a:p>
             <a:fld id="{78C97017-6FC3-485B-9764-EAC9E56C1D49}" type="datetimeFigureOut">
               <a:rPr lang="en-US" smtClean="0"/>
-              <a:t>3/21/2017</a:t>
+              <a:t>6/1/17</a:t>
             </a:fld>
             <a:endParaRPr lang="en-US"/>
           </a:p>
@@ -1000,7 +1084,7 @@
           <a:p>
             <a:fld id="{78C97017-6FC3-485B-9764-EAC9E56C1D49}" type="datetimeFigureOut">
               <a:rPr lang="en-US" smtClean="0"/>
-              <a:t>3/21/2017</a:t>
+              <a:t>6/1/17</a:t>
             </a:fld>
             <a:endParaRPr lang="en-US"/>
           </a:p>
@@ -1168,7 +1252,7 @@
           <a:p>
             <a:fld id="{78C97017-6FC3-485B-9764-EAC9E56C1D49}" type="datetimeFigureOut">
               <a:rPr lang="en-US" smtClean="0"/>
-              <a:t>3/21/2017</a:t>
+              <a:t>6/1/17</a:t>
             </a:fld>
             <a:endParaRPr lang="en-US"/>
           </a:p>
@@ -1413,7 +1497,7 @@
           <a:p>
             <a:fld id="{78C97017-6FC3-485B-9764-EAC9E56C1D49}" type="datetimeFigureOut">
               <a:rPr lang="en-US" smtClean="0"/>
-              <a:t>3/21/2017</a:t>
+              <a:t>6/1/17</a:t>
             </a:fld>
             <a:endParaRPr lang="en-US"/>
           </a:p>
@@ -1698,7 +1782,7 @@
           <a:p>
             <a:fld id="{78C97017-6FC3-485B-9764-EAC9E56C1D49}" type="datetimeFigureOut">
               <a:rPr lang="en-US" smtClean="0"/>
-              <a:t>3/21/2017</a:t>
+              <a:t>6/1/17</a:t>
             </a:fld>
             <a:endParaRPr lang="en-US"/>
           </a:p>
@@ -2117,7 +2201,7 @@
           <a:p>
             <a:fld id="{78C97017-6FC3-485B-9764-EAC9E56C1D49}" type="datetimeFigureOut">
               <a:rPr lang="en-US" smtClean="0"/>
-              <a:t>3/21/2017</a:t>
+              <a:t>6/1/17</a:t>
             </a:fld>
             <a:endParaRPr lang="en-US"/>
           </a:p>
@@ -2234,7 +2318,7 @@
           <a:p>
             <a:fld id="{78C97017-6FC3-485B-9764-EAC9E56C1D49}" type="datetimeFigureOut">
               <a:rPr lang="en-US" smtClean="0"/>
-              <a:t>3/21/2017</a:t>
+              <a:t>6/1/17</a:t>
             </a:fld>
             <a:endParaRPr lang="en-US"/>
           </a:p>
@@ -2329,7 +2413,7 @@
           <a:p>
             <a:fld id="{78C97017-6FC3-485B-9764-EAC9E56C1D49}" type="datetimeFigureOut">
               <a:rPr lang="en-US" smtClean="0"/>
-              <a:t>3/21/2017</a:t>
+              <a:t>6/1/17</a:t>
             </a:fld>
             <a:endParaRPr lang="en-US"/>
           </a:p>
@@ -2604,7 +2688,7 @@
           <a:p>
             <a:fld id="{78C97017-6FC3-485B-9764-EAC9E56C1D49}" type="datetimeFigureOut">
               <a:rPr lang="en-US" smtClean="0"/>
-              <a:t>3/21/2017</a:t>
+              <a:t>6/1/17</a:t>
             </a:fld>
             <a:endParaRPr lang="en-US"/>
           </a:p>
@@ -2856,7 +2940,7 @@
           <a:p>
             <a:fld id="{78C97017-6FC3-485B-9764-EAC9E56C1D49}" type="datetimeFigureOut">
               <a:rPr lang="en-US" smtClean="0"/>
-              <a:t>3/21/2017</a:t>
+              <a:t>6/1/17</a:t>
             </a:fld>
             <a:endParaRPr lang="en-US"/>
           </a:p>
@@ -3067,7 +3151,7 @@
           <a:p>
             <a:fld id="{78C97017-6FC3-485B-9764-EAC9E56C1D49}" type="datetimeFigureOut">
               <a:rPr lang="en-US" smtClean="0"/>
-              <a:t>3/21/2017</a:t>
+              <a:t>6/1/17</a:t>
             </a:fld>
             <a:endParaRPr lang="en-US"/>
           </a:p>
@@ -3450,7 +3534,7 @@
         </p:nvSpPr>
         <p:spPr>
           <a:xfrm>
-            <a:off x="1066800" y="914400"/>
+            <a:off x="1066800" y="928395"/>
             <a:ext cx="7467600" cy="3733800"/>
           </a:xfrm>
           <a:prstGeom prst="roundRect">
@@ -3570,7 +3654,7 @@
         </p:nvSpPr>
         <p:spPr>
           <a:xfrm flipH="1">
-            <a:off x="6520227" y="2149167"/>
+            <a:off x="6874831" y="1818917"/>
             <a:ext cx="1093635" cy="346760"/>
           </a:xfrm>
           <a:prstGeom prst="rect">
@@ -3725,14 +3809,14 @@
         <p:nvCxnSpPr>
           <p:cNvPr id="8" name="Elbow Connector 122"/>
           <p:cNvCxnSpPr>
-            <a:endCxn id="3" idx="1"/>
+            <a:endCxn id="104" idx="1"/>
           </p:cNvCxnSpPr>
           <p:nvPr/>
         </p:nvCxnSpPr>
         <p:spPr>
           <a:xfrm>
-            <a:off x="1676400" y="1423587"/>
-            <a:ext cx="419548" cy="2860"/>
+            <a:off x="1597218" y="2946318"/>
+            <a:ext cx="231582" cy="165"/>
           </a:xfrm>
           <a:prstGeom prst="bentConnector3">
             <a:avLst>
@@ -3832,7 +3916,7 @@
         </p:nvSpPr>
         <p:spPr>
           <a:xfrm flipH="1">
-            <a:off x="6526365" y="2554920"/>
+            <a:off x="6880969" y="2224670"/>
             <a:ext cx="1093635" cy="346760"/>
           </a:xfrm>
           <a:prstGeom prst="rect">
@@ -3888,7 +3972,7 @@
         </p:nvSpPr>
         <p:spPr>
           <a:xfrm flipH="1">
-            <a:off x="6526365" y="3396383"/>
+            <a:off x="6880969" y="3066133"/>
             <a:ext cx="1093635" cy="346760"/>
           </a:xfrm>
           <a:prstGeom prst="rect">
@@ -4030,7 +4114,7 @@
         </p:nvSpPr>
         <p:spPr>
           <a:xfrm>
-            <a:off x="3529350" y="3775502"/>
+            <a:off x="3854625" y="3772629"/>
             <a:ext cx="585450" cy="346760"/>
           </a:xfrm>
           <a:prstGeom prst="rect">
@@ -4087,9 +4171,9 @@
           <p:nvPr/>
         </p:nvCxnSpPr>
         <p:spPr>
-          <a:xfrm>
-            <a:off x="2874420" y="3946343"/>
-            <a:ext cx="654930" cy="2539"/>
+          <a:xfrm flipV="1">
+            <a:off x="2874420" y="3946009"/>
+            <a:ext cx="980205" cy="334"/>
           </a:xfrm>
           <a:prstGeom prst="bentConnector3">
             <a:avLst>
@@ -4652,91 +4736,13 @@
       </p:grpSp>
       <p:sp>
         <p:nvSpPr>
-          <p:cNvPr id="32" name="TextBox 31"/>
-          <p:cNvSpPr txBox="1"/>
-          <p:nvPr/>
-        </p:nvSpPr>
-        <p:spPr>
-          <a:xfrm>
-            <a:off x="2301175" y="1618473"/>
-            <a:ext cx="131116" cy="230832"/>
-          </a:xfrm>
-          <a:prstGeom prst="rect">
-            <a:avLst/>
-          </a:prstGeom>
-          <a:noFill/>
-        </p:spPr>
-        <p:txBody>
-          <a:bodyPr wrap="square" lIns="0" tIns="0" rIns="0" bIns="0" rtlCol="0">
-            <a:noAutofit/>
-          </a:bodyPr>
-          <a:lstStyle/>
-          <a:p>
-            <a:pPr algn="r"/>
-            <a:r>
-              <a:rPr lang="en-US" sz="1100" dirty="0">
-                <a:solidFill>
-                  <a:srgbClr val="0070C0"/>
-                </a:solidFill>
-              </a:rPr>
-              <a:t>1</a:t>
-            </a:r>
-            <a:endParaRPr lang="en-SG" sz="1100" dirty="0">
-              <a:solidFill>
-                <a:srgbClr val="0070C0"/>
-              </a:solidFill>
-            </a:endParaRPr>
-          </a:p>
-        </p:txBody>
-      </p:sp>
-      <p:sp>
-        <p:nvSpPr>
-          <p:cNvPr id="33" name="TextBox 32"/>
-          <p:cNvSpPr txBox="1"/>
-          <p:nvPr/>
-        </p:nvSpPr>
-        <p:spPr>
-          <a:xfrm>
-            <a:off x="2912207" y="3709457"/>
-            <a:ext cx="131116" cy="230832"/>
-          </a:xfrm>
-          <a:prstGeom prst="rect">
-            <a:avLst/>
-          </a:prstGeom>
-          <a:noFill/>
-        </p:spPr>
-        <p:txBody>
-          <a:bodyPr wrap="square" lIns="0" tIns="0" rIns="0" bIns="0" rtlCol="0">
-            <a:noAutofit/>
-          </a:bodyPr>
-          <a:lstStyle/>
-          <a:p>
-            <a:pPr algn="r"/>
-            <a:r>
-              <a:rPr lang="en-US" sz="1100" dirty="0">
-                <a:solidFill>
-                  <a:srgbClr val="0070C0"/>
-                </a:solidFill>
-              </a:rPr>
-              <a:t>1</a:t>
-            </a:r>
-            <a:endParaRPr lang="en-SG" sz="1100" dirty="0">
-              <a:solidFill>
-                <a:srgbClr val="0070C0"/>
-              </a:solidFill>
-            </a:endParaRPr>
-          </a:p>
-        </p:txBody>
-      </p:sp>
-      <p:sp>
-        <p:nvSpPr>
           <p:cNvPr id="37" name="Rectangle 11"/>
           <p:cNvSpPr/>
           <p:nvPr/>
         </p:nvSpPr>
         <p:spPr>
           <a:xfrm flipH="1">
-            <a:off x="6526365" y="2956137"/>
+            <a:off x="6880969" y="2625887"/>
             <a:ext cx="1093635" cy="346760"/>
           </a:xfrm>
           <a:prstGeom prst="rect">
@@ -4791,9 +4797,9 @@
           <p:nvPr/>
         </p:nvCxnSpPr>
         <p:spPr>
-          <a:xfrm rot="16200000" flipV="1">
-            <a:off x="1105538" y="2692369"/>
-            <a:ext cx="2147794" cy="2"/>
+          <a:xfrm rot="5400000" flipH="1" flipV="1">
+            <a:off x="1624562" y="2675091"/>
+            <a:ext cx="2173136" cy="3002"/>
           </a:xfrm>
           <a:prstGeom prst="bentConnector3">
             <a:avLst>
@@ -4833,7 +4839,7 @@
         </p:nvSpPr>
         <p:spPr>
           <a:xfrm flipH="1">
-            <a:off x="4831294" y="2148937"/>
+            <a:off x="5185898" y="1818687"/>
             <a:ext cx="1093635" cy="346760"/>
           </a:xfrm>
           <a:prstGeom prst="rect">
@@ -4904,7 +4910,7 @@
         </p:nvSpPr>
         <p:spPr>
           <a:xfrm flipH="1">
-            <a:off x="4831294" y="2555337"/>
+            <a:off x="5185898" y="2225087"/>
             <a:ext cx="1093635" cy="346760"/>
           </a:xfrm>
           <a:prstGeom prst="rect">
@@ -4975,7 +4981,7 @@
         </p:nvSpPr>
         <p:spPr>
           <a:xfrm flipH="1">
-            <a:off x="4831292" y="2977582"/>
+            <a:off x="5185896" y="2647332"/>
             <a:ext cx="1093635" cy="346760"/>
           </a:xfrm>
           <a:prstGeom prst="rect">
@@ -5030,7 +5036,7 @@
         </p:nvSpPr>
         <p:spPr>
           <a:xfrm>
-            <a:off x="3174214" y="1862795"/>
+            <a:off x="3528818" y="1532545"/>
             <a:ext cx="751107" cy="346760"/>
           </a:xfrm>
           <a:prstGeom prst="rect">
@@ -5110,8 +5116,8 @@
         </p:nvSpPr>
         <p:spPr>
           <a:xfrm>
-            <a:off x="2238496" y="2454481"/>
-            <a:ext cx="726243" cy="174580"/>
+            <a:off x="2793335" y="2120612"/>
+            <a:ext cx="506515" cy="174580"/>
           </a:xfrm>
           <a:prstGeom prst="rect">
             <a:avLst/>
@@ -5175,7 +5181,7 @@
         </p:nvGrpSpPr>
         <p:grpSpPr>
           <a:xfrm rot="5400000">
-            <a:off x="6088711" y="1962201"/>
+            <a:off x="6443315" y="1631951"/>
             <a:ext cx="254462" cy="555486"/>
             <a:chOff x="3949242" y="578739"/>
             <a:chExt cx="254462" cy="503902"/>
@@ -5280,7 +5286,7 @@
         </p:nvGrpSpPr>
         <p:grpSpPr>
           <a:xfrm rot="5400000">
-            <a:off x="6098740" y="2390577"/>
+            <a:off x="6453344" y="2060327"/>
             <a:ext cx="254462" cy="555486"/>
             <a:chOff x="3965759" y="592436"/>
             <a:chExt cx="254462" cy="503902"/>
@@ -5385,7 +5391,7 @@
         </p:nvSpPr>
         <p:spPr>
           <a:xfrm>
-            <a:off x="3186326" y="2841725"/>
+            <a:off x="3540930" y="2511475"/>
             <a:ext cx="731636" cy="283820"/>
           </a:xfrm>
           <a:prstGeom prst="rect">
@@ -5450,7 +5456,7 @@
         </p:nvSpPr>
         <p:spPr>
           <a:xfrm>
-            <a:off x="3186326" y="3190882"/>
+            <a:off x="3540930" y="2860632"/>
             <a:ext cx="731636" cy="283820"/>
           </a:xfrm>
           <a:prstGeom prst="rect">
@@ -5518,7 +5524,7 @@
         </p:nvCxnSpPr>
         <p:spPr>
           <a:xfrm flipH="1">
-            <a:off x="3917962" y="2983635"/>
+            <a:off x="4272566" y="2653385"/>
             <a:ext cx="335164" cy="0"/>
           </a:xfrm>
           <a:prstGeom prst="straightConnector1">
@@ -5562,7 +5568,7 @@
         </p:nvCxnSpPr>
         <p:spPr>
           <a:xfrm flipH="1">
-            <a:off x="3917962" y="3332439"/>
+            <a:off x="4272566" y="3002189"/>
             <a:ext cx="335164" cy="353"/>
           </a:xfrm>
           <a:prstGeom prst="straightConnector1">
@@ -5607,8 +5613,8 @@
         </p:nvCxnSpPr>
         <p:spPr>
           <a:xfrm rot="10800000">
-            <a:off x="2601618" y="2629061"/>
-            <a:ext cx="584708" cy="354574"/>
+            <a:off x="3046594" y="2295193"/>
+            <a:ext cx="494337" cy="358193"/>
           </a:xfrm>
           <a:prstGeom prst="bentConnector2">
             <a:avLst/>
@@ -5652,7 +5658,7 @@
         </p:nvCxnSpPr>
         <p:spPr>
           <a:xfrm>
-            <a:off x="3925321" y="2036175"/>
+            <a:off x="4279925" y="1705925"/>
             <a:ext cx="327805" cy="107"/>
           </a:xfrm>
           <a:prstGeom prst="line">
@@ -5697,8 +5703,8 @@
         </p:nvCxnSpPr>
         <p:spPr>
           <a:xfrm rot="10800000" flipV="1">
-            <a:off x="2601618" y="2036175"/>
-            <a:ext cx="572596" cy="418306"/>
+            <a:off x="3046594" y="1705924"/>
+            <a:ext cx="482225" cy="414687"/>
           </a:xfrm>
           <a:prstGeom prst="bentConnector2">
             <a:avLst/>
@@ -5739,7 +5745,7 @@
         </p:nvGrpSpPr>
         <p:grpSpPr>
           <a:xfrm rot="5400000">
-            <a:off x="4346209" y="3538793"/>
+            <a:off x="4700220" y="3066879"/>
             <a:ext cx="555486" cy="254462"/>
             <a:chOff x="3703306" y="644022"/>
             <a:chExt cx="555486" cy="230832"/>
@@ -5847,8 +5853,8 @@
         </p:nvCxnSpPr>
         <p:spPr>
           <a:xfrm rot="16200000" flipV="1">
-            <a:off x="7296652" y="3452865"/>
-            <a:ext cx="850958" cy="204262"/>
+            <a:off x="7468408" y="3305464"/>
+            <a:ext cx="1155025" cy="142632"/>
           </a:xfrm>
           <a:prstGeom prst="bentConnector2">
             <a:avLst/>
@@ -5881,7 +5887,7 @@
         </p:nvSpPr>
         <p:spPr>
           <a:xfrm flipV="1">
-            <a:off x="7689010" y="3980475"/>
+            <a:off x="7981984" y="3954292"/>
             <a:ext cx="270504" cy="175523"/>
           </a:xfrm>
           <a:prstGeom prst="triangle">
@@ -5938,8 +5944,8 @@
         </p:nvCxnSpPr>
         <p:spPr>
           <a:xfrm rot="16200000" flipV="1">
-            <a:off x="7516775" y="3672988"/>
-            <a:ext cx="410712" cy="204262"/>
+            <a:off x="7688531" y="3525587"/>
+            <a:ext cx="714779" cy="142632"/>
           </a:xfrm>
           <a:prstGeom prst="bentConnector2">
             <a:avLst/>
@@ -5975,8 +5981,8 @@
         </p:nvCxnSpPr>
         <p:spPr>
           <a:xfrm rot="16200000" flipV="1">
-            <a:off x="7096044" y="3252257"/>
-            <a:ext cx="1252175" cy="204262"/>
+            <a:off x="7267799" y="3104855"/>
+            <a:ext cx="1556242" cy="142632"/>
           </a:xfrm>
           <a:prstGeom prst="bentConnector2">
             <a:avLst/>
@@ -6012,8 +6018,8 @@
         </p:nvCxnSpPr>
         <p:spPr>
           <a:xfrm rot="16200000" flipV="1">
-            <a:off x="6890098" y="3046311"/>
-            <a:ext cx="1657928" cy="210400"/>
+            <a:off x="7061854" y="2898910"/>
+            <a:ext cx="1961995" cy="148770"/>
           </a:xfrm>
           <a:prstGeom prst="bentConnector2">
             <a:avLst/>
@@ -6049,8 +6055,8 @@
         </p:nvCxnSpPr>
         <p:spPr>
           <a:xfrm flipV="1">
-            <a:off x="4114800" y="3150962"/>
-            <a:ext cx="716492" cy="797920"/>
+            <a:off x="4440075" y="2820712"/>
+            <a:ext cx="745821" cy="1125297"/>
           </a:xfrm>
           <a:prstGeom prst="bentConnector3">
             <a:avLst>
@@ -6095,8 +6101,8 @@
         </p:nvCxnSpPr>
         <p:spPr>
           <a:xfrm flipV="1">
-            <a:off x="4114800" y="2728717"/>
-            <a:ext cx="716494" cy="1220165"/>
+            <a:off x="4440075" y="2398467"/>
+            <a:ext cx="745823" cy="1547542"/>
           </a:xfrm>
           <a:prstGeom prst="bentConnector3">
             <a:avLst>
@@ -6141,8 +6147,8 @@
         </p:nvCxnSpPr>
         <p:spPr>
           <a:xfrm flipV="1">
-            <a:off x="4114800" y="2322317"/>
-            <a:ext cx="716494" cy="1626565"/>
+            <a:off x="4440075" y="1992067"/>
+            <a:ext cx="745823" cy="1953942"/>
           </a:xfrm>
           <a:prstGeom prst="bentConnector3">
             <a:avLst>
@@ -6188,7 +6194,7 @@
         </p:nvCxnSpPr>
         <p:spPr>
           <a:xfrm flipV="1">
-            <a:off x="5924929" y="2728300"/>
+            <a:off x="6279533" y="2398050"/>
             <a:ext cx="601436" cy="417"/>
           </a:xfrm>
           <a:prstGeom prst="bentConnector3">
@@ -6235,7 +6241,7 @@
         </p:nvCxnSpPr>
         <p:spPr>
           <a:xfrm>
-            <a:off x="5924929" y="2322317"/>
+            <a:off x="6279533" y="1992067"/>
             <a:ext cx="595298" cy="230"/>
           </a:xfrm>
           <a:prstGeom prst="bentConnector3">
@@ -6280,7 +6286,7 @@
         </p:nvCxnSpPr>
         <p:spPr>
           <a:xfrm>
-            <a:off x="4248488" y="2033984"/>
+            <a:off x="4603092" y="1703734"/>
             <a:ext cx="0" cy="1304815"/>
           </a:xfrm>
           <a:prstGeom prst="line">
@@ -6323,7 +6329,7 @@
         </p:nvCxnSpPr>
         <p:spPr>
           <a:xfrm>
-            <a:off x="4248488" y="2209800"/>
+            <a:off x="4603092" y="1879550"/>
             <a:ext cx="582002" cy="0"/>
           </a:xfrm>
           <a:prstGeom prst="line">
@@ -6366,7 +6372,7 @@
         </p:nvCxnSpPr>
         <p:spPr>
           <a:xfrm flipV="1">
-            <a:off x="4255042" y="2607245"/>
+            <a:off x="4609646" y="2276995"/>
             <a:ext cx="566976" cy="5974"/>
           </a:xfrm>
           <a:prstGeom prst="line">
@@ -6409,7 +6415,7 @@
         </p:nvCxnSpPr>
         <p:spPr>
           <a:xfrm>
-            <a:off x="4248487" y="3048000"/>
+            <a:off x="4603091" y="2717750"/>
             <a:ext cx="573531" cy="0"/>
           </a:xfrm>
           <a:prstGeom prst="line">
@@ -6450,7 +6456,7 @@
         </p:nvSpPr>
         <p:spPr>
           <a:xfrm>
-            <a:off x="3174214" y="2370131"/>
+            <a:off x="3528818" y="2039881"/>
             <a:ext cx="750156" cy="340758"/>
           </a:xfrm>
           <a:prstGeom prst="rect">
@@ -6523,13 +6529,12 @@
           <p:cNvCxnSpPr>
             <a:cxnSpLocks/>
             <a:stCxn id="109" idx="1"/>
-            <a:endCxn id="58" idx="3"/>
           </p:cNvCxnSpPr>
           <p:nvPr/>
         </p:nvCxnSpPr>
         <p:spPr>
           <a:xfrm rot="10800000" flipV="1">
-            <a:off x="2964740" y="2540509"/>
+            <a:off x="3319344" y="2210259"/>
             <a:ext cx="209475" cy="1261"/>
           </a:xfrm>
           <a:prstGeom prst="bentConnector3">
@@ -6577,7 +6582,7 @@
         </p:nvCxnSpPr>
         <p:spPr>
           <a:xfrm rot="5400000">
-            <a:off x="3469242" y="2289605"/>
+            <a:off x="3823846" y="1959355"/>
             <a:ext cx="160576" cy="476"/>
           </a:xfrm>
           <a:prstGeom prst="bentConnector3">
@@ -6624,7 +6629,7 @@
         </p:nvCxnSpPr>
         <p:spPr>
           <a:xfrm flipV="1">
-            <a:off x="3924370" y="2535795"/>
+            <a:off x="4278974" y="2205545"/>
             <a:ext cx="322202" cy="4715"/>
           </a:xfrm>
           <a:prstGeom prst="line">
@@ -6639,6 +6644,385 @@
             <a:prstDash val="sysDot"/>
             <a:headEnd type="arrow" w="med" len="med"/>
             <a:tailEnd type="none" w="med" len="med"/>
+          </a:ln>
+          <a:effectLst/>
+        </p:spPr>
+        <p:style>
+          <a:lnRef idx="1">
+            <a:schemeClr val="accent2"/>
+          </a:lnRef>
+          <a:fillRef idx="2">
+            <a:schemeClr val="accent2"/>
+          </a:fillRef>
+          <a:effectRef idx="1">
+            <a:schemeClr val="accent2"/>
+          </a:effectRef>
+          <a:fontRef idx="minor">
+            <a:schemeClr val="dk1"/>
+          </a:fontRef>
+        </p:style>
+      </p:cxnSp>
+      <p:sp>
+        <p:nvSpPr>
+          <p:cNvPr id="86" name="Rectangle 85"/>
+          <p:cNvSpPr/>
+          <p:nvPr/>
+        </p:nvSpPr>
+        <p:spPr>
+          <a:xfrm flipH="1">
+            <a:off x="3000232" y="3328744"/>
+            <a:ext cx="900000" cy="346760"/>
+          </a:xfrm>
+          <a:prstGeom prst="rect">
+            <a:avLst/>
+          </a:prstGeom>
+          <a:solidFill>
+            <a:schemeClr val="accent5"/>
+          </a:solidFill>
+          <a:ln/>
+          <a:effectLst/>
+        </p:spPr>
+        <p:style>
+          <a:lnRef idx="1">
+            <a:schemeClr val="accent5"/>
+          </a:lnRef>
+          <a:fillRef idx="2">
+            <a:schemeClr val="accent5"/>
+          </a:fillRef>
+          <a:effectRef idx="1">
+            <a:schemeClr val="accent5"/>
+          </a:effectRef>
+          <a:fontRef idx="minor">
+            <a:schemeClr val="dk1"/>
+          </a:fontRef>
+        </p:style>
+        <p:txBody>
+          <a:bodyPr rtlCol="0" anchor="ctr"/>
+          <a:lstStyle/>
+          <a:p>
+            <a:pPr algn="ctr"/>
+            <a:r>
+              <a:rPr lang="en-US" sz="1050" b="1" dirty="0" err="1" smtClean="0">
+                <a:solidFill>
+                  <a:schemeClr val="bg1"/>
+                </a:solidFill>
+              </a:rPr>
+              <a:t>ParserResult</a:t>
+            </a:r>
+            <a:endParaRPr lang="en-SG" sz="1050" b="1" dirty="0">
+              <a:solidFill>
+                <a:schemeClr val="bg1"/>
+              </a:solidFill>
+            </a:endParaRPr>
+          </a:p>
+        </p:txBody>
+      </p:sp>
+      <p:cxnSp>
+        <p:nvCxnSpPr>
+          <p:cNvPr id="88" name="Elbow Connector 63"/>
+          <p:cNvCxnSpPr>
+            <a:stCxn id="16" idx="0"/>
+            <a:endCxn id="86" idx="1"/>
+          </p:cNvCxnSpPr>
+          <p:nvPr/>
+        </p:nvCxnSpPr>
+        <p:spPr>
+          <a:xfrm rot="16200000" flipV="1">
+            <a:off x="3888539" y="3513818"/>
+            <a:ext cx="270505" cy="247118"/>
+          </a:xfrm>
+          <a:prstGeom prst="bentConnector2">
+            <a:avLst/>
+          </a:prstGeom>
+          <a:ln w="19050">
+            <a:solidFill>
+              <a:schemeClr val="accent5">
+                <a:lumMod val="75000"/>
+              </a:schemeClr>
+            </a:solidFill>
+            <a:prstDash val="sysDot"/>
+            <a:headEnd type="none" w="med" len="med"/>
+            <a:tailEnd type="arrow" w="med" len="med"/>
+          </a:ln>
+          <a:effectLst/>
+        </p:spPr>
+        <p:style>
+          <a:lnRef idx="1">
+            <a:schemeClr val="accent2"/>
+          </a:lnRef>
+          <a:fillRef idx="2">
+            <a:schemeClr val="accent2"/>
+          </a:fillRef>
+          <a:effectRef idx="1">
+            <a:schemeClr val="accent2"/>
+          </a:effectRef>
+          <a:fontRef idx="minor">
+            <a:schemeClr val="dk1"/>
+          </a:fontRef>
+        </p:style>
+      </p:cxnSp>
+      <p:cxnSp>
+        <p:nvCxnSpPr>
+          <p:cNvPr id="98" name="Elbow Connector 122"/>
+          <p:cNvCxnSpPr>
+            <a:endCxn id="86" idx="3"/>
+          </p:cNvCxnSpPr>
+          <p:nvPr/>
+        </p:nvCxnSpPr>
+        <p:spPr>
+          <a:xfrm rot="5400000" flipH="1" flipV="1">
+            <a:off x="2778321" y="3535318"/>
+            <a:ext cx="255105" cy="188718"/>
+          </a:xfrm>
+          <a:prstGeom prst="bentConnector2">
+            <a:avLst/>
+          </a:prstGeom>
+          <a:ln w="19050">
+            <a:solidFill>
+              <a:srgbClr val="0070C0"/>
+            </a:solidFill>
+            <a:prstDash val="sysDot"/>
+            <a:headEnd type="none" w="med" len="med"/>
+            <a:tailEnd type="arrow" w="med" len="med"/>
+          </a:ln>
+          <a:effectLst/>
+        </p:spPr>
+        <p:style>
+          <a:lnRef idx="1">
+            <a:schemeClr val="accent2"/>
+          </a:lnRef>
+          <a:fillRef idx="2">
+            <a:schemeClr val="accent2"/>
+          </a:fillRef>
+          <a:effectRef idx="1">
+            <a:schemeClr val="accent2"/>
+          </a:effectRef>
+          <a:fontRef idx="minor">
+            <a:schemeClr val="dk1"/>
+          </a:fontRef>
+        </p:style>
+      </p:cxnSp>
+      <p:cxnSp>
+        <p:nvCxnSpPr>
+          <p:cNvPr id="101" name="Elbow Connector 122"/>
+          <p:cNvCxnSpPr>
+            <a:stCxn id="5" idx="0"/>
+          </p:cNvCxnSpPr>
+          <p:nvPr/>
+        </p:nvCxnSpPr>
+        <p:spPr>
+          <a:xfrm rot="16200000" flipV="1">
+            <a:off x="1999156" y="3444515"/>
+            <a:ext cx="653748" cy="3147"/>
+          </a:xfrm>
+          <a:prstGeom prst="bentConnector3">
+            <a:avLst>
+              <a:gd name="adj1" fmla="val 50000"/>
+            </a:avLst>
+          </a:prstGeom>
+          <a:ln w="19050">
+            <a:solidFill>
+              <a:srgbClr val="0070C0"/>
+            </a:solidFill>
+            <a:prstDash val="sysDot"/>
+            <a:headEnd type="none" w="med" len="med"/>
+            <a:tailEnd type="arrow" w="med" len="med"/>
+          </a:ln>
+          <a:effectLst/>
+        </p:spPr>
+        <p:style>
+          <a:lnRef idx="1">
+            <a:schemeClr val="accent2"/>
+          </a:lnRef>
+          <a:fillRef idx="2">
+            <a:schemeClr val="accent2"/>
+          </a:fillRef>
+          <a:effectRef idx="1">
+            <a:schemeClr val="accent2"/>
+          </a:effectRef>
+          <a:fontRef idx="minor">
+            <a:schemeClr val="dk1"/>
+          </a:fontRef>
+        </p:style>
+      </p:cxnSp>
+      <p:sp>
+        <p:nvSpPr>
+          <p:cNvPr id="104" name="Rectangle 8"/>
+          <p:cNvSpPr/>
+          <p:nvPr/>
+        </p:nvSpPr>
+        <p:spPr>
+          <a:xfrm>
+            <a:off x="1828800" y="2773103"/>
+            <a:ext cx="752724" cy="346760"/>
+          </a:xfrm>
+          <a:prstGeom prst="rect">
+            <a:avLst/>
+          </a:prstGeom>
+          <a:solidFill>
+            <a:srgbClr val="0070C0"/>
+          </a:solidFill>
+          <a:ln w="19050">
+            <a:solidFill>
+              <a:srgbClr val="0070C0"/>
+            </a:solidFill>
+          </a:ln>
+          <a:effectLst/>
+        </p:spPr>
+        <p:style>
+          <a:lnRef idx="1">
+            <a:schemeClr val="accent2"/>
+          </a:lnRef>
+          <a:fillRef idx="2">
+            <a:schemeClr val="accent2"/>
+          </a:fillRef>
+          <a:effectRef idx="1">
+            <a:schemeClr val="accent2"/>
+          </a:effectRef>
+          <a:fontRef idx="minor">
+            <a:schemeClr val="dk1"/>
+          </a:fontRef>
+        </p:style>
+        <p:txBody>
+          <a:bodyPr rtlCol="0" anchor="ctr"/>
+          <a:lstStyle/>
+          <a:p>
+            <a:pPr algn="ctr"/>
+            <a:r>
+              <a:rPr lang="en-US" sz="1050" dirty="0" smtClean="0">
+                <a:solidFill>
+                  <a:schemeClr val="bg1"/>
+                </a:solidFill>
+              </a:rPr>
+              <a:t>Execution</a:t>
+            </a:r>
+          </a:p>
+          <a:p>
+            <a:pPr algn="ctr"/>
+            <a:r>
+              <a:rPr lang="en-US" sz="1050" dirty="0" smtClean="0">
+                <a:solidFill>
+                  <a:schemeClr val="bg1"/>
+                </a:solidFill>
+              </a:rPr>
+              <a:t>Result</a:t>
+            </a:r>
+            <a:endParaRPr lang="en-SG" sz="1050" dirty="0">
+              <a:solidFill>
+                <a:schemeClr val="bg1"/>
+              </a:solidFill>
+            </a:endParaRPr>
+          </a:p>
+        </p:txBody>
+      </p:sp>
+      <p:sp>
+        <p:nvSpPr>
+          <p:cNvPr id="135" name="TextBox 134"/>
+          <p:cNvSpPr txBox="1"/>
+          <p:nvPr/>
+        </p:nvSpPr>
+        <p:spPr>
+          <a:xfrm>
+            <a:off x="3621040" y="3990239"/>
+            <a:ext cx="131116" cy="230832"/>
+          </a:xfrm>
+          <a:prstGeom prst="rect">
+            <a:avLst/>
+          </a:prstGeom>
+          <a:noFill/>
+        </p:spPr>
+        <p:txBody>
+          <a:bodyPr wrap="square" lIns="0" tIns="0" rIns="0" bIns="0" rtlCol="0">
+            <a:noAutofit/>
+          </a:bodyPr>
+          <a:lstStyle/>
+          <a:p>
+            <a:pPr algn="r"/>
+            <a:r>
+              <a:rPr lang="en-US" sz="1100" dirty="0">
+                <a:solidFill>
+                  <a:srgbClr val="0070C0"/>
+                </a:solidFill>
+              </a:rPr>
+              <a:t>1</a:t>
+            </a:r>
+            <a:endParaRPr lang="en-SG" sz="1100" dirty="0">
+              <a:solidFill>
+                <a:srgbClr val="0070C0"/>
+              </a:solidFill>
+            </a:endParaRPr>
+          </a:p>
+        </p:txBody>
+      </p:sp>
+      <p:cxnSp>
+        <p:nvCxnSpPr>
+          <p:cNvPr id="92" name="Elbow Connector 122"/>
+          <p:cNvCxnSpPr>
+            <a:stCxn id="104" idx="0"/>
+          </p:cNvCxnSpPr>
+          <p:nvPr/>
+        </p:nvCxnSpPr>
+        <p:spPr>
+          <a:xfrm rot="16200000" flipV="1">
+            <a:off x="1617395" y="2185336"/>
+            <a:ext cx="1173276" cy="2258"/>
+          </a:xfrm>
+          <a:prstGeom prst="bentConnector3">
+            <a:avLst>
+              <a:gd name="adj1" fmla="val 50000"/>
+            </a:avLst>
+          </a:prstGeom>
+          <a:ln w="19050">
+            <a:solidFill>
+              <a:schemeClr val="tx2">
+                <a:lumMod val="50000"/>
+              </a:schemeClr>
+            </a:solidFill>
+            <a:prstDash val="sysDot"/>
+            <a:headEnd type="none" w="med" len="med"/>
+            <a:tailEnd type="arrow" w="med" len="med"/>
+          </a:ln>
+          <a:effectLst/>
+        </p:spPr>
+        <p:style>
+          <a:lnRef idx="1">
+            <a:schemeClr val="accent2"/>
+          </a:lnRef>
+          <a:fillRef idx="2">
+            <a:schemeClr val="accent2"/>
+          </a:fillRef>
+          <a:effectRef idx="1">
+            <a:schemeClr val="accent2"/>
+          </a:effectRef>
+          <a:fontRef idx="minor">
+            <a:schemeClr val="dk1"/>
+          </a:fontRef>
+        </p:style>
+      </p:cxnSp>
+      <p:cxnSp>
+        <p:nvCxnSpPr>
+          <p:cNvPr id="95" name="Elbow Connector 122"/>
+          <p:cNvCxnSpPr>
+            <a:stCxn id="104" idx="3"/>
+            <a:endCxn id="86" idx="0"/>
+          </p:cNvCxnSpPr>
+          <p:nvPr/>
+        </p:nvCxnSpPr>
+        <p:spPr>
+          <a:xfrm>
+            <a:off x="2581524" y="2946483"/>
+            <a:ext cx="868708" cy="382261"/>
+          </a:xfrm>
+          <a:prstGeom prst="bentConnector2">
+            <a:avLst/>
+          </a:prstGeom>
+          <a:ln w="19050">
+            <a:solidFill>
+              <a:srgbClr val="002060"/>
+            </a:solidFill>
+            <a:prstDash val="sysDot"/>
+            <a:headEnd type="none" w="med" len="med"/>
+            <a:tailEnd type="arrow" w="med" len="med"/>
           </a:ln>
           <a:effectLst/>
         </p:spPr>
@@ -6667,6 +7051,13 @@
   <p:clrMapOvr>
     <a:masterClrMapping/>
   </p:clrMapOvr>
+  <p:timing>
+    <p:tnLst>
+      <p:par>
+        <p:cTn id="1" dur="indefinite" restart="never" nodeType="tmRoot"/>
+      </p:par>
+    </p:tnLst>
+  </p:timing>
 </p:sld>
 </file>
 

--- a/docs/diagrams/LogicComponentClassDiagram.pptx
+++ b/docs/diagrams/LogicComponentClassDiagram.pptx
@@ -208,7 +208,7 @@
           <a:p>
             <a:fld id="{F5CC4B3F-88C1-4FFA-B1B6-F41C21DC6924}" type="datetimeFigureOut">
               <a:rPr lang="en-US" smtClean="0"/>
-              <a:t>3/21/2017</a:t>
+              <a:t>6/2/17</a:t>
             </a:fld>
             <a:endParaRPr lang="en-US"/>
           </a:p>
@@ -654,7 +654,7 @@
           <a:p>
             <a:fld id="{78C97017-6FC3-485B-9764-EAC9E56C1D49}" type="datetimeFigureOut">
               <a:rPr lang="en-US" smtClean="0"/>
-              <a:t>3/21/2017</a:t>
+              <a:t>6/2/17</a:t>
             </a:fld>
             <a:endParaRPr lang="en-US"/>
           </a:p>
@@ -822,7 +822,7 @@
           <a:p>
             <a:fld id="{78C97017-6FC3-485B-9764-EAC9E56C1D49}" type="datetimeFigureOut">
               <a:rPr lang="en-US" smtClean="0"/>
-              <a:t>3/21/2017</a:t>
+              <a:t>6/2/17</a:t>
             </a:fld>
             <a:endParaRPr lang="en-US"/>
           </a:p>
@@ -1000,7 +1000,7 @@
           <a:p>
             <a:fld id="{78C97017-6FC3-485B-9764-EAC9E56C1D49}" type="datetimeFigureOut">
               <a:rPr lang="en-US" smtClean="0"/>
-              <a:t>3/21/2017</a:t>
+              <a:t>6/2/17</a:t>
             </a:fld>
             <a:endParaRPr lang="en-US"/>
           </a:p>
@@ -1168,7 +1168,7 @@
           <a:p>
             <a:fld id="{78C97017-6FC3-485B-9764-EAC9E56C1D49}" type="datetimeFigureOut">
               <a:rPr lang="en-US" smtClean="0"/>
-              <a:t>3/21/2017</a:t>
+              <a:t>6/2/17</a:t>
             </a:fld>
             <a:endParaRPr lang="en-US"/>
           </a:p>
@@ -1413,7 +1413,7 @@
           <a:p>
             <a:fld id="{78C97017-6FC3-485B-9764-EAC9E56C1D49}" type="datetimeFigureOut">
               <a:rPr lang="en-US" smtClean="0"/>
-              <a:t>3/21/2017</a:t>
+              <a:t>6/2/17</a:t>
             </a:fld>
             <a:endParaRPr lang="en-US"/>
           </a:p>
@@ -1698,7 +1698,7 @@
           <a:p>
             <a:fld id="{78C97017-6FC3-485B-9764-EAC9E56C1D49}" type="datetimeFigureOut">
               <a:rPr lang="en-US" smtClean="0"/>
-              <a:t>3/21/2017</a:t>
+              <a:t>6/2/17</a:t>
             </a:fld>
             <a:endParaRPr lang="en-US"/>
           </a:p>
@@ -2117,7 +2117,7 @@
           <a:p>
             <a:fld id="{78C97017-6FC3-485B-9764-EAC9E56C1D49}" type="datetimeFigureOut">
               <a:rPr lang="en-US" smtClean="0"/>
-              <a:t>3/21/2017</a:t>
+              <a:t>6/2/17</a:t>
             </a:fld>
             <a:endParaRPr lang="en-US"/>
           </a:p>
@@ -2234,7 +2234,7 @@
           <a:p>
             <a:fld id="{78C97017-6FC3-485B-9764-EAC9E56C1D49}" type="datetimeFigureOut">
               <a:rPr lang="en-US" smtClean="0"/>
-              <a:t>3/21/2017</a:t>
+              <a:t>6/2/17</a:t>
             </a:fld>
             <a:endParaRPr lang="en-US"/>
           </a:p>
@@ -2329,7 +2329,7 @@
           <a:p>
             <a:fld id="{78C97017-6FC3-485B-9764-EAC9E56C1D49}" type="datetimeFigureOut">
               <a:rPr lang="en-US" smtClean="0"/>
-              <a:t>3/21/2017</a:t>
+              <a:t>6/2/17</a:t>
             </a:fld>
             <a:endParaRPr lang="en-US"/>
           </a:p>
@@ -2604,7 +2604,7 @@
           <a:p>
             <a:fld id="{78C97017-6FC3-485B-9764-EAC9E56C1D49}" type="datetimeFigureOut">
               <a:rPr lang="en-US" smtClean="0"/>
-              <a:t>3/21/2017</a:t>
+              <a:t>6/2/17</a:t>
             </a:fld>
             <a:endParaRPr lang="en-US"/>
           </a:p>
@@ -2856,7 +2856,7 @@
           <a:p>
             <a:fld id="{78C97017-6FC3-485B-9764-EAC9E56C1D49}" type="datetimeFigureOut">
               <a:rPr lang="en-US" smtClean="0"/>
-              <a:t>3/21/2017</a:t>
+              <a:t>6/2/17</a:t>
             </a:fld>
             <a:endParaRPr lang="en-US"/>
           </a:p>
@@ -3067,7 +3067,7 @@
           <a:p>
             <a:fld id="{78C97017-6FC3-485B-9764-EAC9E56C1D49}" type="datetimeFigureOut">
               <a:rPr lang="en-US" smtClean="0"/>
-              <a:t>3/21/2017</a:t>
+              <a:t>6/2/17</a:t>
             </a:fld>
             <a:endParaRPr lang="en-US"/>
           </a:p>
@@ -3626,7 +3626,7 @@
         </p:nvSpPr>
         <p:spPr>
           <a:xfrm>
-            <a:off x="1780785" y="3772963"/>
+            <a:off x="1782495" y="3583530"/>
             <a:ext cx="1093635" cy="346760"/>
           </a:xfrm>
           <a:prstGeom prst="rect">
@@ -4030,7 +4030,7 @@
         </p:nvSpPr>
         <p:spPr>
           <a:xfrm>
-            <a:off x="3529350" y="3775502"/>
+            <a:off x="3529350" y="3581895"/>
             <a:ext cx="585450" cy="346760"/>
           </a:xfrm>
           <a:prstGeom prst="rect">
@@ -4087,9 +4087,9 @@
           <p:nvPr/>
         </p:nvCxnSpPr>
         <p:spPr>
-          <a:xfrm>
-            <a:off x="2874420" y="3946343"/>
-            <a:ext cx="654930" cy="2539"/>
+          <a:xfrm flipV="1">
+            <a:off x="2876130" y="3755275"/>
+            <a:ext cx="653220" cy="1635"/>
           </a:xfrm>
           <a:prstGeom prst="bentConnector3">
             <a:avLst>
@@ -4297,8 +4297,8 @@
         </p:nvCxnSpPr>
         <p:spPr>
           <a:xfrm rot="10800000">
-            <a:off x="1494291" y="3604523"/>
-            <a:ext cx="286494" cy="341820"/>
+            <a:off x="1494291" y="3604524"/>
+            <a:ext cx="288204" cy="152387"/>
           </a:xfrm>
           <a:prstGeom prst="bentConnector2">
             <a:avLst/>
@@ -4331,13 +4331,15 @@
       <p:cxnSp>
         <p:nvCxnSpPr>
           <p:cNvPr id="23" name="Straight Arrow Connector 57"/>
-          <p:cNvCxnSpPr/>
+          <p:cNvCxnSpPr>
+            <a:stCxn id="5" idx="2"/>
+          </p:cNvCxnSpPr>
           <p:nvPr/>
         </p:nvCxnSpPr>
         <p:spPr>
-          <a:xfrm flipH="1">
-            <a:off x="1981201" y="4122262"/>
-            <a:ext cx="1" cy="655093"/>
+          <a:xfrm>
+            <a:off x="2329313" y="3930290"/>
+            <a:ext cx="1376" cy="854841"/>
           </a:xfrm>
           <a:prstGeom prst="straightConnector1">
             <a:avLst/>
@@ -4413,18 +4415,19 @@
         <p:nvCxnSpPr>
           <p:cNvPr id="25" name="Elbow Connector 63"/>
           <p:cNvCxnSpPr>
-            <a:stCxn id="5" idx="2"/>
             <a:endCxn id="12" idx="1"/>
           </p:cNvCxnSpPr>
           <p:nvPr/>
         </p:nvCxnSpPr>
         <p:spPr>
-          <a:xfrm rot="16200000" flipH="1">
-            <a:off x="4781573" y="1665753"/>
-            <a:ext cx="202697" cy="5110636"/>
-          </a:xfrm>
-          <a:prstGeom prst="bentConnector2">
-            <a:avLst/>
+          <a:xfrm>
+            <a:off x="2743200" y="3939492"/>
+            <a:ext cx="4695039" cy="382928"/>
+          </a:xfrm>
+          <a:prstGeom prst="bentConnector3">
+            <a:avLst>
+              <a:gd name="adj1" fmla="val -81"/>
+            </a:avLst>
           </a:prstGeom>
           <a:ln w="19050">
             <a:solidFill>
@@ -4652,52 +4655,13 @@
       </p:grpSp>
       <p:sp>
         <p:nvSpPr>
-          <p:cNvPr id="32" name="TextBox 31"/>
-          <p:cNvSpPr txBox="1"/>
-          <p:nvPr/>
-        </p:nvSpPr>
-        <p:spPr>
-          <a:xfrm>
-            <a:off x="2301175" y="1618473"/>
-            <a:ext cx="131116" cy="230832"/>
-          </a:xfrm>
-          <a:prstGeom prst="rect">
-            <a:avLst/>
-          </a:prstGeom>
-          <a:noFill/>
-        </p:spPr>
-        <p:txBody>
-          <a:bodyPr wrap="square" lIns="0" tIns="0" rIns="0" bIns="0" rtlCol="0">
-            <a:noAutofit/>
-          </a:bodyPr>
-          <a:lstStyle/>
-          <a:p>
-            <a:pPr algn="r"/>
-            <a:r>
-              <a:rPr lang="en-US" sz="1100" dirty="0">
-                <a:solidFill>
-                  <a:srgbClr val="0070C0"/>
-                </a:solidFill>
-              </a:rPr>
-              <a:t>1</a:t>
-            </a:r>
-            <a:endParaRPr lang="en-SG" sz="1100" dirty="0">
-              <a:solidFill>
-                <a:srgbClr val="0070C0"/>
-              </a:solidFill>
-            </a:endParaRPr>
-          </a:p>
-        </p:txBody>
-      </p:sp>
-      <p:sp>
-        <p:nvSpPr>
           <p:cNvPr id="33" name="TextBox 32"/>
           <p:cNvSpPr txBox="1"/>
           <p:nvPr/>
         </p:nvSpPr>
         <p:spPr>
           <a:xfrm>
-            <a:off x="2912207" y="3709457"/>
+            <a:off x="3272832" y="3766112"/>
             <a:ext cx="131116" cy="230832"/>
           </a:xfrm>
           <a:prstGeom prst="rect">
@@ -4791,9 +4755,9 @@
           <p:nvPr/>
         </p:nvCxnSpPr>
         <p:spPr>
-          <a:xfrm rot="16200000" flipV="1">
-            <a:off x="1105538" y="2692369"/>
-            <a:ext cx="2147794" cy="2"/>
+          <a:xfrm rot="5400000" flipH="1" flipV="1">
+            <a:off x="1193276" y="2601868"/>
+            <a:ext cx="1969553" cy="2764"/>
           </a:xfrm>
           <a:prstGeom prst="bentConnector3">
             <a:avLst>
@@ -6050,7 +6014,7 @@
         <p:spPr>
           <a:xfrm flipV="1">
             <a:off x="4114800" y="3150962"/>
-            <a:ext cx="716492" cy="797920"/>
+            <a:ext cx="716492" cy="604313"/>
           </a:xfrm>
           <a:prstGeom prst="bentConnector3">
             <a:avLst>
@@ -6096,7 +6060,7 @@
         <p:spPr>
           <a:xfrm flipV="1">
             <a:off x="4114800" y="2728717"/>
-            <a:ext cx="716494" cy="1220165"/>
+            <a:ext cx="716494" cy="1026558"/>
           </a:xfrm>
           <a:prstGeom prst="bentConnector3">
             <a:avLst>
@@ -6142,7 +6106,7 @@
         <p:spPr>
           <a:xfrm flipV="1">
             <a:off x="4114800" y="2322317"/>
-            <a:ext cx="716494" cy="1626565"/>
+            <a:ext cx="716494" cy="1432958"/>
           </a:xfrm>
           <a:prstGeom prst="bentConnector3">
             <a:avLst>
@@ -6657,6 +6621,153 @@
           </a:fontRef>
         </p:style>
       </p:cxnSp>
+      <p:sp>
+        <p:nvSpPr>
+          <p:cNvPr id="86" name="Rectangle 62"/>
+          <p:cNvSpPr/>
+          <p:nvPr/>
+        </p:nvSpPr>
+        <p:spPr>
+          <a:xfrm>
+            <a:off x="1295065" y="4183424"/>
+            <a:ext cx="805984" cy="346760"/>
+          </a:xfrm>
+          <a:prstGeom prst="rect">
+            <a:avLst/>
+          </a:prstGeom>
+          <a:solidFill>
+            <a:srgbClr val="0070C0"/>
+          </a:solidFill>
+          <a:ln w="19050">
+            <a:solidFill>
+              <a:srgbClr val="0070C0"/>
+            </a:solidFill>
+          </a:ln>
+          <a:effectLst/>
+        </p:spPr>
+        <p:style>
+          <a:lnRef idx="1">
+            <a:schemeClr val="accent2"/>
+          </a:lnRef>
+          <a:fillRef idx="2">
+            <a:schemeClr val="accent2"/>
+          </a:fillRef>
+          <a:effectRef idx="1">
+            <a:schemeClr val="accent2"/>
+          </a:effectRef>
+          <a:fontRef idx="minor">
+            <a:schemeClr val="dk1"/>
+          </a:fontRef>
+        </p:style>
+        <p:txBody>
+          <a:bodyPr rtlCol="0" anchor="ctr"/>
+          <a:lstStyle/>
+          <a:p>
+            <a:pPr algn="ctr"/>
+            <a:r>
+              <a:rPr lang="en-US" sz="1050" smtClean="0">
+                <a:solidFill>
+                  <a:schemeClr val="bg1"/>
+                </a:solidFill>
+              </a:rPr>
+              <a:t>Command</a:t>
+            </a:r>
+          </a:p>
+          <a:p>
+            <a:pPr algn="ctr"/>
+            <a:r>
+              <a:rPr lang="en-US" sz="1050" dirty="0" smtClean="0">
+                <a:solidFill>
+                  <a:schemeClr val="bg1"/>
+                </a:solidFill>
+              </a:rPr>
+              <a:t>History</a:t>
+            </a:r>
+            <a:endParaRPr lang="en-SG" sz="1050" dirty="0">
+              <a:solidFill>
+                <a:schemeClr val="bg1"/>
+              </a:solidFill>
+            </a:endParaRPr>
+          </a:p>
+        </p:txBody>
+      </p:sp>
+      <p:cxnSp>
+        <p:nvCxnSpPr>
+          <p:cNvPr id="88" name="Straight Arrow Connector 57"/>
+          <p:cNvCxnSpPr/>
+          <p:nvPr/>
+        </p:nvCxnSpPr>
+        <p:spPr>
+          <a:xfrm>
+            <a:off x="1971157" y="3939492"/>
+            <a:ext cx="2022" cy="240622"/>
+          </a:xfrm>
+          <a:prstGeom prst="straightConnector1">
+            <a:avLst/>
+          </a:prstGeom>
+          <a:ln w="19050">
+            <a:solidFill>
+              <a:srgbClr val="0070C0"/>
+            </a:solidFill>
+            <a:headEnd type="none" w="med" len="med"/>
+            <a:tailEnd type="arrow" w="med" len="med"/>
+          </a:ln>
+          <a:effectLst/>
+        </p:spPr>
+        <p:style>
+          <a:lnRef idx="1">
+            <a:schemeClr val="accent2"/>
+          </a:lnRef>
+          <a:fillRef idx="2">
+            <a:schemeClr val="accent2"/>
+          </a:fillRef>
+          <a:effectRef idx="1">
+            <a:schemeClr val="accent2"/>
+          </a:effectRef>
+          <a:fontRef idx="minor">
+            <a:schemeClr val="dk1"/>
+          </a:fontRef>
+        </p:style>
+      </p:cxnSp>
+      <p:sp>
+        <p:nvSpPr>
+          <p:cNvPr id="91" name="TextBox 90"/>
+          <p:cNvSpPr txBox="1"/>
+          <p:nvPr/>
+        </p:nvSpPr>
+        <p:spPr>
+          <a:xfrm>
+            <a:off x="1773980" y="4000395"/>
+            <a:ext cx="131116" cy="230832"/>
+          </a:xfrm>
+          <a:prstGeom prst="rect">
+            <a:avLst/>
+          </a:prstGeom>
+          <a:noFill/>
+        </p:spPr>
+        <p:txBody>
+          <a:bodyPr wrap="square" lIns="0" tIns="0" rIns="0" bIns="0" rtlCol="0">
+            <a:noAutofit/>
+          </a:bodyPr>
+          <a:lstStyle/>
+          <a:p>
+            <a:pPr algn="r"/>
+            <a:r>
+              <a:rPr lang="en-US" sz="1100" dirty="0">
+                <a:solidFill>
+                  <a:srgbClr val="0070C0"/>
+                </a:solidFill>
+              </a:rPr>
+              <a:t>1</a:t>
+            </a:r>
+            <a:endParaRPr lang="en-SG" sz="1100" dirty="0">
+              <a:solidFill>
+                <a:srgbClr val="0070C0"/>
+              </a:solidFill>
+            </a:endParaRPr>
+          </a:p>
+        </p:txBody>
+      </p:sp>
     </p:spTree>
     <p:extLst>
       <p:ext uri="{BB962C8B-B14F-4D97-AF65-F5344CB8AC3E}">

--- a/docs/diagrams/LogicComponentClassDiagram.pptx
+++ b/docs/diagrams/LogicComponentClassDiagram.pptx
@@ -109,7 +109,7 @@
   </p:defaultTextStyle>
   <p:extLst>
     <p:ext uri="{EFAFB233-063F-42B5-8137-9DF3F51BA10A}">
-      <p15:sldGuideLst xmlns:p15="http://schemas.microsoft.com/office/powerpoint/2012/main">
+      <p15:sldGuideLst xmlns:p15="http://schemas.microsoft.com/office/powerpoint/2012/main" xmlns="">
         <p15:guide id="1" orient="horz" pos="1488">
           <p15:clr>
             <a:srgbClr val="A4A3A4"/>
@@ -124,6 +124,10 @@
     </p:ext>
   </p:extLst>
 </p:presentation>
+</file>
+
+<file path=ppt/revisionInfo.xml><?xml version="1.0" encoding="utf-8"?>
+<p1510:revInfo xmlns:a="http://schemas.openxmlformats.org/drawingml/2006/main" xmlns:r="http://schemas.openxmlformats.org/officeDocument/2006/relationships" xmlns:p1510="http://schemas.microsoft.com/office/powerpoint/2015/10/main"/>
 </file>
 
 <file path=ppt/notesMasters/notesMaster1.xml><?xml version="1.0" encoding="utf-8"?>
@@ -208,7 +212,7 @@
           <a:p>
             <a:fld id="{F5CC4B3F-88C1-4FFA-B1B6-F41C21DC6924}" type="datetimeFigureOut">
               <a:rPr lang="en-US" smtClean="0"/>
-              <a:t>6/2/17</a:t>
+              <a:t>7/12/2017</a:t>
             </a:fld>
             <a:endParaRPr lang="en-US"/>
           </a:p>
@@ -654,7 +658,7 @@
           <a:p>
             <a:fld id="{78C97017-6FC3-485B-9764-EAC9E56C1D49}" type="datetimeFigureOut">
               <a:rPr lang="en-US" smtClean="0"/>
-              <a:t>6/2/17</a:t>
+              <a:t>7/12/2017</a:t>
             </a:fld>
             <a:endParaRPr lang="en-US"/>
           </a:p>
@@ -822,7 +826,7 @@
           <a:p>
             <a:fld id="{78C97017-6FC3-485B-9764-EAC9E56C1D49}" type="datetimeFigureOut">
               <a:rPr lang="en-US" smtClean="0"/>
-              <a:t>6/2/17</a:t>
+              <a:t>7/12/2017</a:t>
             </a:fld>
             <a:endParaRPr lang="en-US"/>
           </a:p>
@@ -1000,7 +1004,7 @@
           <a:p>
             <a:fld id="{78C97017-6FC3-485B-9764-EAC9E56C1D49}" type="datetimeFigureOut">
               <a:rPr lang="en-US" smtClean="0"/>
-              <a:t>6/2/17</a:t>
+              <a:t>7/12/2017</a:t>
             </a:fld>
             <a:endParaRPr lang="en-US"/>
           </a:p>
@@ -1168,7 +1172,7 @@
           <a:p>
             <a:fld id="{78C97017-6FC3-485B-9764-EAC9E56C1D49}" type="datetimeFigureOut">
               <a:rPr lang="en-US" smtClean="0"/>
-              <a:t>6/2/17</a:t>
+              <a:t>7/12/2017</a:t>
             </a:fld>
             <a:endParaRPr lang="en-US"/>
           </a:p>
@@ -1413,7 +1417,7 @@
           <a:p>
             <a:fld id="{78C97017-6FC3-485B-9764-EAC9E56C1D49}" type="datetimeFigureOut">
               <a:rPr lang="en-US" smtClean="0"/>
-              <a:t>6/2/17</a:t>
+              <a:t>7/12/2017</a:t>
             </a:fld>
             <a:endParaRPr lang="en-US"/>
           </a:p>
@@ -1698,7 +1702,7 @@
           <a:p>
             <a:fld id="{78C97017-6FC3-485B-9764-EAC9E56C1D49}" type="datetimeFigureOut">
               <a:rPr lang="en-US" smtClean="0"/>
-              <a:t>6/2/17</a:t>
+              <a:t>7/12/2017</a:t>
             </a:fld>
             <a:endParaRPr lang="en-US"/>
           </a:p>
@@ -2117,7 +2121,7 @@
           <a:p>
             <a:fld id="{78C97017-6FC3-485B-9764-EAC9E56C1D49}" type="datetimeFigureOut">
               <a:rPr lang="en-US" smtClean="0"/>
-              <a:t>6/2/17</a:t>
+              <a:t>7/12/2017</a:t>
             </a:fld>
             <a:endParaRPr lang="en-US"/>
           </a:p>
@@ -2234,7 +2238,7 @@
           <a:p>
             <a:fld id="{78C97017-6FC3-485B-9764-EAC9E56C1D49}" type="datetimeFigureOut">
               <a:rPr lang="en-US" smtClean="0"/>
-              <a:t>6/2/17</a:t>
+              <a:t>7/12/2017</a:t>
             </a:fld>
             <a:endParaRPr lang="en-US"/>
           </a:p>
@@ -2329,7 +2333,7 @@
           <a:p>
             <a:fld id="{78C97017-6FC3-485B-9764-EAC9E56C1D49}" type="datetimeFigureOut">
               <a:rPr lang="en-US" smtClean="0"/>
-              <a:t>6/2/17</a:t>
+              <a:t>7/12/2017</a:t>
             </a:fld>
             <a:endParaRPr lang="en-US"/>
           </a:p>
@@ -2604,7 +2608,7 @@
           <a:p>
             <a:fld id="{78C97017-6FC3-485B-9764-EAC9E56C1D49}" type="datetimeFigureOut">
               <a:rPr lang="en-US" smtClean="0"/>
-              <a:t>6/2/17</a:t>
+              <a:t>7/12/2017</a:t>
             </a:fld>
             <a:endParaRPr lang="en-US"/>
           </a:p>
@@ -2856,7 +2860,7 @@
           <a:p>
             <a:fld id="{78C97017-6FC3-485B-9764-EAC9E56C1D49}" type="datetimeFigureOut">
               <a:rPr lang="en-US" smtClean="0"/>
-              <a:t>6/2/17</a:t>
+              <a:t>7/12/2017</a:t>
             </a:fld>
             <a:endParaRPr lang="en-US"/>
           </a:p>
@@ -3067,7 +3071,7 @@
           <a:p>
             <a:fld id="{78C97017-6FC3-485B-9764-EAC9E56C1D49}" type="datetimeFigureOut">
               <a:rPr lang="en-US" smtClean="0"/>
-              <a:t>6/2/17</a:t>
+              <a:t>7/12/2017</a:t>
             </a:fld>
             <a:endParaRPr lang="en-US"/>
           </a:p>
@@ -3451,7 +3455,7 @@
         <p:spPr>
           <a:xfrm>
             <a:off x="1066800" y="914400"/>
-            <a:ext cx="7467600" cy="3733800"/>
+            <a:ext cx="7084740" cy="3733800"/>
           </a:xfrm>
           <a:prstGeom prst="roundRect">
             <a:avLst>
@@ -3570,8 +3574,8 @@
         </p:nvSpPr>
         <p:spPr>
           <a:xfrm flipH="1">
-            <a:off x="6520227" y="2149167"/>
-            <a:ext cx="1093635" cy="346760"/>
+            <a:off x="6878274" y="2740152"/>
+            <a:ext cx="970326" cy="346760"/>
           </a:xfrm>
           <a:prstGeom prst="rect">
             <a:avLst/>
@@ -3603,12 +3607,20 @@
           <a:p>
             <a:pPr algn="ctr"/>
             <a:r>
-              <a:rPr lang="en-US" sz="1050" b="1" dirty="0" err="1">
+              <a:rPr lang="en-US" sz="1050" b="1" dirty="0" err="1" smtClean="0">
                 <a:solidFill>
                   <a:srgbClr val="0070C0"/>
                 </a:solidFill>
               </a:rPr>
-              <a:t>AddCommand</a:t>
+              <a:t>XYZ</a:t>
+            </a:r>
+            <a:r>
+              <a:rPr lang="en-US" sz="1050" b="1" dirty="0" err="1" smtClean="0">
+                <a:solidFill>
+                  <a:srgbClr val="0070C0"/>
+                </a:solidFill>
+              </a:rPr>
+              <a:t>Command</a:t>
             </a:r>
             <a:endParaRPr lang="en-SG" sz="1050" b="1" dirty="0">
               <a:solidFill>
@@ -3689,11 +3701,11 @@
         <p:spPr>
           <a:xfrm flipH="1" flipV="1">
             <a:off x="3189583" y="1426447"/>
-            <a:ext cx="5020699" cy="2895973"/>
+            <a:ext cx="4559332" cy="2895973"/>
           </a:xfrm>
           <a:prstGeom prst="bentConnector3">
             <a:avLst>
-              <a:gd name="adj1" fmla="val -2713"/>
+              <a:gd name="adj1" fmla="val -5014"/>
             </a:avLst>
           </a:prstGeom>
           <a:ln w="19050">
@@ -3773,7 +3785,7 @@
         <p:spPr>
           <a:xfrm>
             <a:off x="1103085" y="4777355"/>
-            <a:ext cx="7431315" cy="328045"/>
+            <a:ext cx="7050315" cy="328045"/>
           </a:xfrm>
           <a:prstGeom prst="roundRect">
             <a:avLst/>
@@ -3826,14 +3838,14 @@
       </p:sp>
       <p:sp>
         <p:nvSpPr>
-          <p:cNvPr id="10" name="Rectangle 11"/>
+          <p:cNvPr id="12" name="Rectangle 62"/>
           <p:cNvSpPr/>
           <p:nvPr/>
         </p:nvSpPr>
         <p:spPr>
-          <a:xfrm flipH="1">
-            <a:off x="6526365" y="2554920"/>
-            <a:ext cx="1093635" cy="346760"/>
+          <a:xfrm>
+            <a:off x="6976872" y="4149040"/>
+            <a:ext cx="772043" cy="346760"/>
           </a:xfrm>
           <a:prstGeom prst="rect">
             <a:avLst/>
@@ -3865,68 +3877,12 @@
           <a:p>
             <a:pPr algn="ctr"/>
             <a:r>
-              <a:rPr lang="en-US" sz="1050" b="1" dirty="0" err="1">
-                <a:solidFill>
-                  <a:srgbClr val="0070C0"/>
-                </a:solidFill>
-              </a:rPr>
-              <a:t>FindCommand</a:t>
-            </a:r>
-            <a:endParaRPr lang="en-SG" sz="1050" b="1" dirty="0">
-              <a:solidFill>
-                <a:srgbClr val="0070C0"/>
-              </a:solidFill>
-            </a:endParaRPr>
-          </a:p>
-        </p:txBody>
-      </p:sp>
-      <p:sp>
-        <p:nvSpPr>
-          <p:cNvPr id="11" name="Rectangle 10"/>
-          <p:cNvSpPr/>
-          <p:nvPr/>
-        </p:nvSpPr>
-        <p:spPr>
-          <a:xfrm flipH="1">
-            <a:off x="6526365" y="3396383"/>
-            <a:ext cx="1093635" cy="346760"/>
-          </a:xfrm>
-          <a:prstGeom prst="rect">
-            <a:avLst/>
-          </a:prstGeom>
-          <a:ln w="19050">
-            <a:solidFill>
-              <a:srgbClr val="0070C0"/>
-            </a:solidFill>
-          </a:ln>
-          <a:effectLst/>
-        </p:spPr>
-        <p:style>
-          <a:lnRef idx="1">
-            <a:schemeClr val="accent1"/>
-          </a:lnRef>
-          <a:fillRef idx="2">
-            <a:schemeClr val="accent1"/>
-          </a:fillRef>
-          <a:effectRef idx="1">
-            <a:schemeClr val="accent1"/>
-          </a:effectRef>
-          <a:fontRef idx="minor">
-            <a:schemeClr val="dk1"/>
-          </a:fontRef>
-        </p:style>
-        <p:txBody>
-          <a:bodyPr rtlCol="0" anchor="ctr"/>
-          <a:lstStyle/>
-          <a:p>
-            <a:pPr algn="ctr"/>
-            <a:r>
               <a:rPr lang="en-US" sz="1050" b="1" dirty="0">
                 <a:solidFill>
                   <a:srgbClr val="0070C0"/>
                 </a:solidFill>
               </a:rPr>
-              <a:t>Incorrect</a:t>
+              <a:t>{abstract}</a:t>
             </a:r>
             <a:br>
               <a:rPr lang="en-US" sz="1050" b="1" dirty="0">
@@ -3953,85 +3909,14 @@
       </p:sp>
       <p:sp>
         <p:nvSpPr>
-          <p:cNvPr id="12" name="Rectangle 62"/>
-          <p:cNvSpPr/>
-          <p:nvPr/>
-        </p:nvSpPr>
-        <p:spPr>
-          <a:xfrm>
-            <a:off x="7438239" y="4149040"/>
-            <a:ext cx="772043" cy="346760"/>
-          </a:xfrm>
-          <a:prstGeom prst="rect">
-            <a:avLst/>
-          </a:prstGeom>
-          <a:ln w="19050">
-            <a:solidFill>
-              <a:srgbClr val="0070C0"/>
-            </a:solidFill>
-          </a:ln>
-          <a:effectLst/>
-        </p:spPr>
-        <p:style>
-          <a:lnRef idx="1">
-            <a:schemeClr val="accent1"/>
-          </a:lnRef>
-          <a:fillRef idx="2">
-            <a:schemeClr val="accent1"/>
-          </a:fillRef>
-          <a:effectRef idx="1">
-            <a:schemeClr val="accent1"/>
-          </a:effectRef>
-          <a:fontRef idx="minor">
-            <a:schemeClr val="dk1"/>
-          </a:fontRef>
-        </p:style>
-        <p:txBody>
-          <a:bodyPr rtlCol="0" anchor="ctr"/>
-          <a:lstStyle/>
-          <a:p>
-            <a:pPr algn="ctr"/>
-            <a:r>
-              <a:rPr lang="en-US" sz="1050" b="1" dirty="0">
-                <a:solidFill>
-                  <a:srgbClr val="0070C0"/>
-                </a:solidFill>
-              </a:rPr>
-              <a:t>{abstract}</a:t>
-            </a:r>
-            <a:br>
-              <a:rPr lang="en-US" sz="1050" b="1" dirty="0">
-                <a:solidFill>
-                  <a:srgbClr val="0070C0"/>
-                </a:solidFill>
-              </a:rPr>
-            </a:br>
-            <a:r>
-              <a:rPr lang="en-US" sz="1050" b="1" dirty="0">
-                <a:solidFill>
-                  <a:srgbClr val="0070C0"/>
-                </a:solidFill>
-              </a:rPr>
-              <a:t>Command</a:t>
-            </a:r>
-            <a:endParaRPr lang="en-SG" sz="1050" b="1" dirty="0">
-              <a:solidFill>
-                <a:srgbClr val="0070C0"/>
-              </a:solidFill>
-            </a:endParaRPr>
-          </a:p>
-        </p:txBody>
-      </p:sp>
-      <p:sp>
-        <p:nvSpPr>
           <p:cNvPr id="16" name="Rectangle 62"/>
           <p:cNvSpPr/>
           <p:nvPr/>
         </p:nvSpPr>
         <p:spPr>
           <a:xfrm>
-            <a:off x="3529350" y="3581895"/>
-            <a:ext cx="585450" cy="346760"/>
+            <a:off x="3255418" y="3554995"/>
+            <a:ext cx="1045323" cy="384497"/>
           </a:xfrm>
           <a:prstGeom prst="rect">
             <a:avLst/>
@@ -4062,6 +3947,22 @@
           <a:p>
             <a:pPr algn="ctr"/>
             <a:r>
+              <a:rPr lang="en-US" sz="1050" dirty="0" err="1" smtClean="0">
+                <a:solidFill>
+                  <a:schemeClr val="bg1"/>
+                </a:solidFill>
+              </a:rPr>
+              <a:t>AddressBook</a:t>
+            </a:r>
+            <a:endParaRPr lang="en-US" sz="1050" dirty="0">
+              <a:solidFill>
+                <a:schemeClr val="bg1"/>
+              </a:solidFill>
+            </a:endParaRPr>
+          </a:p>
+          <a:p>
+            <a:pPr algn="ctr"/>
+            <a:r>
               <a:rPr lang="en-US" sz="1050" dirty="0">
                 <a:solidFill>
                   <a:schemeClr val="bg1"/>
@@ -4077,50 +3978,6 @@
           </a:p>
         </p:txBody>
       </p:sp>
-      <p:cxnSp>
-        <p:nvCxnSpPr>
-          <p:cNvPr id="17" name="Elbow Connector 106"/>
-          <p:cNvCxnSpPr>
-            <a:stCxn id="5" idx="3"/>
-            <a:endCxn id="16" idx="1"/>
-          </p:cNvCxnSpPr>
-          <p:nvPr/>
-        </p:nvCxnSpPr>
-        <p:spPr>
-          <a:xfrm flipV="1">
-            <a:off x="2876130" y="3755275"/>
-            <a:ext cx="653220" cy="1635"/>
-          </a:xfrm>
-          <a:prstGeom prst="bentConnector3">
-            <a:avLst>
-              <a:gd name="adj1" fmla="val 50000"/>
-            </a:avLst>
-          </a:prstGeom>
-          <a:ln w="19050">
-            <a:solidFill>
-              <a:srgbClr val="0070C0"/>
-            </a:solidFill>
-            <a:prstDash val="solid"/>
-            <a:headEnd type="none" w="med" len="med"/>
-            <a:tailEnd type="arrow" w="med" len="med"/>
-          </a:ln>
-          <a:effectLst/>
-        </p:spPr>
-        <p:style>
-          <a:lnRef idx="1">
-            <a:schemeClr val="accent2"/>
-          </a:lnRef>
-          <a:fillRef idx="2">
-            <a:schemeClr val="accent2"/>
-          </a:fillRef>
-          <a:effectRef idx="1">
-            <a:schemeClr val="accent2"/>
-          </a:effectRef>
-          <a:fontRef idx="minor">
-            <a:schemeClr val="dk1"/>
-          </a:fontRef>
-        </p:style>
-      </p:cxnSp>
       <p:cxnSp>
         <p:nvCxnSpPr>
           <p:cNvPr id="18" name="Straight Arrow Connector 110"/>
@@ -4131,7 +3988,7 @@
         </p:nvCxnSpPr>
         <p:spPr>
           <a:xfrm>
-            <a:off x="7824261" y="4495800"/>
+            <a:off x="7362894" y="4495800"/>
             <a:ext cx="0" cy="281555"/>
           </a:xfrm>
           <a:prstGeom prst="straightConnector1">
@@ -4421,7 +4278,7 @@
         </p:nvCxnSpPr>
         <p:spPr>
           <a:xfrm>
-            <a:off x="2743200" y="3939492"/>
+            <a:off x="2281833" y="3939492"/>
             <a:ext cx="4695039" cy="382928"/>
           </a:xfrm>
           <a:prstGeom prst="bentConnector3">
@@ -4661,7 +4518,7 @@
         </p:nvSpPr>
         <p:spPr>
           <a:xfrm>
-            <a:off x="3272832" y="3766112"/>
+            <a:off x="3048000" y="3733800"/>
             <a:ext cx="131116" cy="230832"/>
           </a:xfrm>
           <a:prstGeom prst="rect">
@@ -4685,62 +4542,6 @@
               <a:t>1</a:t>
             </a:r>
             <a:endParaRPr lang="en-SG" sz="1100" dirty="0">
-              <a:solidFill>
-                <a:srgbClr val="0070C0"/>
-              </a:solidFill>
-            </a:endParaRPr>
-          </a:p>
-        </p:txBody>
-      </p:sp>
-      <p:sp>
-        <p:nvSpPr>
-          <p:cNvPr id="37" name="Rectangle 11"/>
-          <p:cNvSpPr/>
-          <p:nvPr/>
-        </p:nvSpPr>
-        <p:spPr>
-          <a:xfrm flipH="1">
-            <a:off x="6526365" y="2956137"/>
-            <a:ext cx="1093635" cy="346760"/>
-          </a:xfrm>
-          <a:prstGeom prst="rect">
-            <a:avLst/>
-          </a:prstGeom>
-          <a:ln w="19050">
-            <a:solidFill>
-              <a:srgbClr val="0070C0"/>
-            </a:solidFill>
-          </a:ln>
-          <a:effectLst/>
-        </p:spPr>
-        <p:style>
-          <a:lnRef idx="1">
-            <a:schemeClr val="accent1"/>
-          </a:lnRef>
-          <a:fillRef idx="2">
-            <a:schemeClr val="accent1"/>
-          </a:fillRef>
-          <a:effectRef idx="1">
-            <a:schemeClr val="accent1"/>
-          </a:effectRef>
-          <a:fontRef idx="minor">
-            <a:schemeClr val="dk1"/>
-          </a:fontRef>
-        </p:style>
-        <p:txBody>
-          <a:bodyPr rtlCol="0" anchor="ctr"/>
-          <a:lstStyle/>
-          <a:p>
-            <a:pPr algn="ctr"/>
-            <a:r>
-              <a:rPr lang="en-US" sz="1050" b="1" dirty="0">
-                <a:solidFill>
-                  <a:srgbClr val="0070C0"/>
-                </a:solidFill>
-              </a:rPr>
-              <a:t>…</a:t>
-            </a:r>
-            <a:endParaRPr lang="en-SG" sz="1050" b="1" dirty="0">
               <a:solidFill>
                 <a:srgbClr val="0070C0"/>
               </a:solidFill>
@@ -4789,203 +4590,6 @@
           </a:fontRef>
         </p:style>
       </p:cxnSp>
-      <p:sp>
-        <p:nvSpPr>
-          <p:cNvPr id="42" name="Rectangle 11"/>
-          <p:cNvSpPr/>
-          <p:nvPr/>
-        </p:nvSpPr>
-        <p:spPr>
-          <a:xfrm flipH="1">
-            <a:off x="4831294" y="2148937"/>
-            <a:ext cx="1093635" cy="346760"/>
-          </a:xfrm>
-          <a:prstGeom prst="rect">
-            <a:avLst/>
-          </a:prstGeom>
-          <a:solidFill>
-            <a:schemeClr val="accent5"/>
-          </a:solidFill>
-          <a:ln/>
-          <a:effectLst/>
-        </p:spPr>
-        <p:style>
-          <a:lnRef idx="1">
-            <a:schemeClr val="accent5"/>
-          </a:lnRef>
-          <a:fillRef idx="2">
-            <a:schemeClr val="accent5"/>
-          </a:fillRef>
-          <a:effectRef idx="1">
-            <a:schemeClr val="accent5"/>
-          </a:effectRef>
-          <a:fontRef idx="minor">
-            <a:schemeClr val="dk1"/>
-          </a:fontRef>
-        </p:style>
-        <p:txBody>
-          <a:bodyPr rtlCol="0" anchor="ctr"/>
-          <a:lstStyle/>
-          <a:p>
-            <a:pPr algn="ctr"/>
-            <a:r>
-              <a:rPr lang="en-US" sz="1050" b="1" dirty="0" err="1">
-                <a:solidFill>
-                  <a:schemeClr val="bg1"/>
-                </a:solidFill>
-              </a:rPr>
-              <a:t>AddCommand</a:t>
-            </a:r>
-            <a:endParaRPr lang="en-US" sz="1050" b="1" dirty="0">
-              <a:solidFill>
-                <a:schemeClr val="bg1"/>
-              </a:solidFill>
-            </a:endParaRPr>
-          </a:p>
-          <a:p>
-            <a:pPr algn="ctr"/>
-            <a:r>
-              <a:rPr lang="en-US" sz="1050" b="1" dirty="0">
-                <a:solidFill>
-                  <a:schemeClr val="bg1"/>
-                </a:solidFill>
-              </a:rPr>
-              <a:t>Parser</a:t>
-            </a:r>
-            <a:endParaRPr lang="en-SG" sz="1050" b="1" dirty="0">
-              <a:solidFill>
-                <a:schemeClr val="bg1"/>
-              </a:solidFill>
-            </a:endParaRPr>
-          </a:p>
-        </p:txBody>
-      </p:sp>
-      <p:sp>
-        <p:nvSpPr>
-          <p:cNvPr id="44" name="Rectangle 11"/>
-          <p:cNvSpPr/>
-          <p:nvPr/>
-        </p:nvSpPr>
-        <p:spPr>
-          <a:xfrm flipH="1">
-            <a:off x="4831294" y="2555337"/>
-            <a:ext cx="1093635" cy="346760"/>
-          </a:xfrm>
-          <a:prstGeom prst="rect">
-            <a:avLst/>
-          </a:prstGeom>
-          <a:solidFill>
-            <a:schemeClr val="accent5"/>
-          </a:solidFill>
-          <a:ln/>
-          <a:effectLst/>
-        </p:spPr>
-        <p:style>
-          <a:lnRef idx="1">
-            <a:schemeClr val="accent5"/>
-          </a:lnRef>
-          <a:fillRef idx="2">
-            <a:schemeClr val="accent5"/>
-          </a:fillRef>
-          <a:effectRef idx="1">
-            <a:schemeClr val="accent5"/>
-          </a:effectRef>
-          <a:fontRef idx="minor">
-            <a:schemeClr val="dk1"/>
-          </a:fontRef>
-        </p:style>
-        <p:txBody>
-          <a:bodyPr rtlCol="0" anchor="ctr"/>
-          <a:lstStyle/>
-          <a:p>
-            <a:pPr algn="ctr"/>
-            <a:r>
-              <a:rPr lang="en-US" sz="1050" b="1" dirty="0" err="1">
-                <a:solidFill>
-                  <a:schemeClr val="bg1"/>
-                </a:solidFill>
-              </a:rPr>
-              <a:t>FindCommand</a:t>
-            </a:r>
-            <a:endParaRPr lang="en-US" sz="1050" b="1" dirty="0">
-              <a:solidFill>
-                <a:schemeClr val="bg1"/>
-              </a:solidFill>
-            </a:endParaRPr>
-          </a:p>
-          <a:p>
-            <a:pPr algn="ctr"/>
-            <a:r>
-              <a:rPr lang="en-US" sz="1050" b="1" dirty="0">
-                <a:solidFill>
-                  <a:schemeClr val="bg1"/>
-                </a:solidFill>
-              </a:rPr>
-              <a:t>Parser</a:t>
-            </a:r>
-            <a:endParaRPr lang="en-SG" sz="1050" b="1" dirty="0">
-              <a:solidFill>
-                <a:schemeClr val="bg1"/>
-              </a:solidFill>
-            </a:endParaRPr>
-          </a:p>
-        </p:txBody>
-      </p:sp>
-      <p:sp>
-        <p:nvSpPr>
-          <p:cNvPr id="45" name="Rectangle 44"/>
-          <p:cNvSpPr/>
-          <p:nvPr/>
-        </p:nvSpPr>
-        <p:spPr>
-          <a:xfrm flipH="1">
-            <a:off x="4831292" y="2977582"/>
-            <a:ext cx="1093635" cy="346760"/>
-          </a:xfrm>
-          <a:prstGeom prst="rect">
-            <a:avLst/>
-          </a:prstGeom>
-          <a:solidFill>
-            <a:schemeClr val="accent5"/>
-          </a:solidFill>
-          <a:ln/>
-          <a:effectLst/>
-        </p:spPr>
-        <p:style>
-          <a:lnRef idx="1">
-            <a:schemeClr val="accent5"/>
-          </a:lnRef>
-          <a:fillRef idx="2">
-            <a:schemeClr val="accent5"/>
-          </a:fillRef>
-          <a:effectRef idx="1">
-            <a:schemeClr val="accent5"/>
-          </a:effectRef>
-          <a:fontRef idx="minor">
-            <a:schemeClr val="dk1"/>
-          </a:fontRef>
-        </p:style>
-        <p:txBody>
-          <a:bodyPr rtlCol="0" anchor="ctr"/>
-          <a:lstStyle/>
-          <a:p>
-            <a:pPr algn="ctr"/>
-            <a:r>
-              <a:rPr lang="en-US" sz="1050" b="1" dirty="0">
-                <a:solidFill>
-                  <a:schemeClr val="bg1"/>
-                </a:solidFill>
-              </a:rPr>
-              <a:t>…</a:t>
-            </a:r>
-            <a:endParaRPr lang="en-SG" sz="1050" b="1" dirty="0">
-              <a:solidFill>
-                <a:schemeClr val="bg1"/>
-              </a:solidFill>
-            </a:endParaRPr>
-          </a:p>
-        </p:txBody>
-      </p:sp>
       <p:sp>
         <p:nvSpPr>
           <p:cNvPr id="56" name="Rectangle 62"/>
@@ -5131,216 +4735,6 @@
           </a:p>
         </p:txBody>
       </p:sp>
-      <p:grpSp>
-        <p:nvGrpSpPr>
-          <p:cNvPr id="161" name="Group 160"/>
-          <p:cNvGrpSpPr/>
-          <p:nvPr/>
-        </p:nvGrpSpPr>
-        <p:grpSpPr>
-          <a:xfrm rot="5400000">
-            <a:off x="6088711" y="1962201"/>
-            <a:ext cx="254462" cy="555486"/>
-            <a:chOff x="3949242" y="578739"/>
-            <a:chExt cx="254462" cy="503902"/>
-          </a:xfrm>
-        </p:grpSpPr>
-        <p:sp>
-          <p:nvSpPr>
-            <p:cNvPr id="162" name="TextBox 161"/>
-            <p:cNvSpPr txBox="1"/>
-            <p:nvPr/>
-          </p:nvSpPr>
-          <p:spPr>
-            <a:xfrm rot="16200000">
-              <a:off x="3824522" y="703459"/>
-              <a:ext cx="503902" cy="254462"/>
-            </a:xfrm>
-            <a:prstGeom prst="rect">
-              <a:avLst/>
-            </a:prstGeom>
-            <a:noFill/>
-          </p:spPr>
-          <p:txBody>
-            <a:bodyPr wrap="square" lIns="0" tIns="0" rIns="0" bIns="0" rtlCol="0">
-              <a:noAutofit/>
-            </a:bodyPr>
-            <a:lstStyle/>
-            <a:p>
-              <a:r>
-                <a:rPr lang="en-US" sz="1100" dirty="0">
-                  <a:solidFill>
-                    <a:schemeClr val="accent5">
-                      <a:lumMod val="75000"/>
-                    </a:schemeClr>
-                  </a:solidFill>
-                </a:rPr>
-                <a:t>creates</a:t>
-              </a:r>
-              <a:endParaRPr lang="en-SG" sz="1100" dirty="0">
-                <a:solidFill>
-                  <a:schemeClr val="accent5">
-                    <a:lumMod val="75000"/>
-                  </a:schemeClr>
-                </a:solidFill>
-              </a:endParaRPr>
-            </a:p>
-          </p:txBody>
-        </p:sp>
-        <p:sp>
-          <p:nvSpPr>
-            <p:cNvPr id="163" name="Isosceles Triangle 162"/>
-            <p:cNvSpPr/>
-            <p:nvPr/>
-          </p:nvSpPr>
-          <p:spPr>
-            <a:xfrm rot="10800000" flipV="1">
-              <a:off x="3979474" y="617927"/>
-              <a:ext cx="132157" cy="79956"/>
-            </a:xfrm>
-            <a:prstGeom prst="triangle">
-              <a:avLst/>
-            </a:prstGeom>
-            <a:solidFill>
-              <a:schemeClr val="accent5">
-                <a:lumMod val="75000"/>
-              </a:schemeClr>
-            </a:solidFill>
-            <a:ln>
-              <a:noFill/>
-            </a:ln>
-          </p:spPr>
-          <p:style>
-            <a:lnRef idx="2">
-              <a:schemeClr val="accent1">
-                <a:shade val="50000"/>
-              </a:schemeClr>
-            </a:lnRef>
-            <a:fillRef idx="1">
-              <a:schemeClr val="accent1"/>
-            </a:fillRef>
-            <a:effectRef idx="0">
-              <a:schemeClr val="accent1"/>
-            </a:effectRef>
-            <a:fontRef idx="minor">
-              <a:schemeClr val="lt1"/>
-            </a:fontRef>
-          </p:style>
-          <p:txBody>
-            <a:bodyPr rtlCol="0" anchor="ctr"/>
-            <a:lstStyle/>
-            <a:p>
-              <a:pPr algn="ctr"/>
-              <a:endParaRPr lang="en-SG"/>
-            </a:p>
-          </p:txBody>
-        </p:sp>
-      </p:grpSp>
-      <p:grpSp>
-        <p:nvGrpSpPr>
-          <p:cNvPr id="164" name="Group 163"/>
-          <p:cNvGrpSpPr/>
-          <p:nvPr/>
-        </p:nvGrpSpPr>
-        <p:grpSpPr>
-          <a:xfrm rot="5400000">
-            <a:off x="6098740" y="2390577"/>
-            <a:ext cx="254462" cy="555486"/>
-            <a:chOff x="3965759" y="592436"/>
-            <a:chExt cx="254462" cy="503902"/>
-          </a:xfrm>
-        </p:grpSpPr>
-        <p:sp>
-          <p:nvSpPr>
-            <p:cNvPr id="165" name="TextBox 164"/>
-            <p:cNvSpPr txBox="1"/>
-            <p:nvPr/>
-          </p:nvSpPr>
-          <p:spPr>
-            <a:xfrm rot="16200000">
-              <a:off x="3841039" y="717156"/>
-              <a:ext cx="503902" cy="254462"/>
-            </a:xfrm>
-            <a:prstGeom prst="rect">
-              <a:avLst/>
-            </a:prstGeom>
-            <a:noFill/>
-          </p:spPr>
-          <p:txBody>
-            <a:bodyPr wrap="square" lIns="0" tIns="0" rIns="0" bIns="0" rtlCol="0">
-              <a:noAutofit/>
-            </a:bodyPr>
-            <a:lstStyle/>
-            <a:p>
-              <a:r>
-                <a:rPr lang="en-US" sz="1100" dirty="0">
-                  <a:solidFill>
-                    <a:schemeClr val="accent5">
-                      <a:lumMod val="75000"/>
-                    </a:schemeClr>
-                  </a:solidFill>
-                </a:rPr>
-                <a:t>creates</a:t>
-              </a:r>
-              <a:endParaRPr lang="en-SG" sz="1100" dirty="0">
-                <a:solidFill>
-                  <a:schemeClr val="accent5">
-                    <a:lumMod val="75000"/>
-                  </a:schemeClr>
-                </a:solidFill>
-              </a:endParaRPr>
-            </a:p>
-          </p:txBody>
-        </p:sp>
-        <p:sp>
-          <p:nvSpPr>
-            <p:cNvPr id="166" name="Isosceles Triangle 165"/>
-            <p:cNvSpPr/>
-            <p:nvPr/>
-          </p:nvSpPr>
-          <p:spPr>
-            <a:xfrm rot="10800000" flipV="1">
-              <a:off x="3995991" y="631624"/>
-              <a:ext cx="132157" cy="79956"/>
-            </a:xfrm>
-            <a:prstGeom prst="triangle">
-              <a:avLst/>
-            </a:prstGeom>
-            <a:solidFill>
-              <a:schemeClr val="accent5">
-                <a:lumMod val="75000"/>
-              </a:schemeClr>
-            </a:solidFill>
-            <a:ln>
-              <a:noFill/>
-            </a:ln>
-          </p:spPr>
-          <p:style>
-            <a:lnRef idx="2">
-              <a:schemeClr val="accent1">
-                <a:shade val="50000"/>
-              </a:schemeClr>
-            </a:lnRef>
-            <a:fillRef idx="1">
-              <a:schemeClr val="accent1"/>
-            </a:fillRef>
-            <a:effectRef idx="0">
-              <a:schemeClr val="accent1"/>
-            </a:effectRef>
-            <a:fontRef idx="minor">
-              <a:schemeClr val="lt1"/>
-            </a:fontRef>
-          </p:style>
-          <p:txBody>
-            <a:bodyPr rtlCol="0" anchor="ctr"/>
-            <a:lstStyle/>
-            <a:p>
-              <a:pPr algn="ctr"/>
-              <a:endParaRPr lang="en-SG"/>
-            </a:p>
-          </p:txBody>
-        </p:sp>
-      </p:grpSp>
       <p:sp>
         <p:nvSpPr>
           <p:cNvPr id="60" name="Rectangle 62"/>
@@ -5473,94 +4867,6 @@
       </p:sp>
       <p:cxnSp>
         <p:nvCxnSpPr>
-          <p:cNvPr id="100" name="Straight Arrow Connector 99"/>
-          <p:cNvCxnSpPr>
-            <a:cxnSpLocks/>
-            <a:endCxn id="60" idx="3"/>
-          </p:cNvCxnSpPr>
-          <p:nvPr/>
-        </p:nvCxnSpPr>
-        <p:spPr>
-          <a:xfrm flipH="1">
-            <a:off x="3917962" y="2983635"/>
-            <a:ext cx="335164" cy="0"/>
-          </a:xfrm>
-          <a:prstGeom prst="straightConnector1">
-            <a:avLst/>
-          </a:prstGeom>
-          <a:ln w="19050">
-            <a:solidFill>
-              <a:schemeClr val="accent5">
-                <a:lumMod val="50000"/>
-              </a:schemeClr>
-            </a:solidFill>
-            <a:prstDash val="sysDot"/>
-            <a:headEnd type="none" w="med" len="med"/>
-            <a:tailEnd type="arrow" w="med" len="med"/>
-          </a:ln>
-          <a:effectLst/>
-        </p:spPr>
-        <p:style>
-          <a:lnRef idx="1">
-            <a:schemeClr val="accent2"/>
-          </a:lnRef>
-          <a:fillRef idx="2">
-            <a:schemeClr val="accent2"/>
-          </a:fillRef>
-          <a:effectRef idx="1">
-            <a:schemeClr val="accent2"/>
-          </a:effectRef>
-          <a:fontRef idx="minor">
-            <a:schemeClr val="dk1"/>
-          </a:fontRef>
-        </p:style>
-      </p:cxnSp>
-      <p:cxnSp>
-        <p:nvCxnSpPr>
-          <p:cNvPr id="105" name="Straight Arrow Connector 104"/>
-          <p:cNvCxnSpPr>
-            <a:cxnSpLocks/>
-            <a:endCxn id="62" idx="3"/>
-          </p:cNvCxnSpPr>
-          <p:nvPr/>
-        </p:nvCxnSpPr>
-        <p:spPr>
-          <a:xfrm flipH="1">
-            <a:off x="3917962" y="3332439"/>
-            <a:ext cx="335164" cy="353"/>
-          </a:xfrm>
-          <a:prstGeom prst="straightConnector1">
-            <a:avLst/>
-          </a:prstGeom>
-          <a:ln w="19050">
-            <a:solidFill>
-              <a:schemeClr val="accent5">
-                <a:lumMod val="50000"/>
-              </a:schemeClr>
-            </a:solidFill>
-            <a:prstDash val="sysDot"/>
-            <a:headEnd type="none" w="med" len="med"/>
-            <a:tailEnd type="arrow" w="med" len="med"/>
-          </a:ln>
-          <a:effectLst/>
-        </p:spPr>
-        <p:style>
-          <a:lnRef idx="1">
-            <a:schemeClr val="accent2"/>
-          </a:lnRef>
-          <a:fillRef idx="2">
-            <a:schemeClr val="accent2"/>
-          </a:fillRef>
-          <a:effectRef idx="1">
-            <a:schemeClr val="accent2"/>
-          </a:effectRef>
-          <a:fontRef idx="minor">
-            <a:schemeClr val="dk1"/>
-          </a:fontRef>
-        </p:style>
-      </p:cxnSp>
-      <p:cxnSp>
-        <p:nvCxnSpPr>
           <p:cNvPr id="13" name="Elbow Connector 12"/>
           <p:cNvCxnSpPr>
             <a:cxnSpLocks/>
@@ -5587,50 +4893,6 @@
             <a:prstDash val="sysDot"/>
             <a:headEnd type="none" w="med" len="med"/>
             <a:tailEnd type="arrow" w="med" len="med"/>
-          </a:ln>
-          <a:effectLst/>
-        </p:spPr>
-        <p:style>
-          <a:lnRef idx="1">
-            <a:schemeClr val="accent2"/>
-          </a:lnRef>
-          <a:fillRef idx="2">
-            <a:schemeClr val="accent2"/>
-          </a:fillRef>
-          <a:effectRef idx="1">
-            <a:schemeClr val="accent2"/>
-          </a:effectRef>
-          <a:fontRef idx="minor">
-            <a:schemeClr val="dk1"/>
-          </a:fontRef>
-        </p:style>
-      </p:cxnSp>
-      <p:cxnSp>
-        <p:nvCxnSpPr>
-          <p:cNvPr id="47" name="Straight Connector 46"/>
-          <p:cNvCxnSpPr>
-            <a:cxnSpLocks/>
-            <a:stCxn id="56" idx="3"/>
-          </p:cNvCxnSpPr>
-          <p:nvPr/>
-        </p:nvCxnSpPr>
-        <p:spPr>
-          <a:xfrm>
-            <a:off x="3925321" y="2036175"/>
-            <a:ext cx="327805" cy="107"/>
-          </a:xfrm>
-          <a:prstGeom prst="line">
-            <a:avLst/>
-          </a:prstGeom>
-          <a:ln w="19050">
-            <a:solidFill>
-              <a:schemeClr val="accent5">
-                <a:lumMod val="50000"/>
-              </a:schemeClr>
-            </a:solidFill>
-            <a:prstDash val="sysDot"/>
-            <a:headEnd type="arrow" w="med" len="med"/>
-            <a:tailEnd type="none" w="med" len="med"/>
           </a:ln>
           <a:effectLst/>
         </p:spPr>
@@ -5702,8 +4964,8 @@
           <p:nvPr/>
         </p:nvGrpSpPr>
         <p:grpSpPr>
-          <a:xfrm rot="5400000">
-            <a:off x="4346209" y="3538793"/>
+          <a:xfrm rot="10800000">
+            <a:off x="4687086" y="3784757"/>
             <a:ext cx="555486" cy="254462"/>
             <a:chOff x="3703306" y="644022"/>
             <a:chExt cx="555486" cy="230832"/>
@@ -5800,43 +5062,6 @@
           </p:txBody>
         </p:sp>
       </p:grpSp>
-      <p:cxnSp>
-        <p:nvCxnSpPr>
-          <p:cNvPr id="84" name="Elbow Connector 83"/>
-          <p:cNvCxnSpPr>
-            <a:stCxn id="87" idx="3"/>
-            <a:endCxn id="37" idx="1"/>
-          </p:cNvCxnSpPr>
-          <p:nvPr/>
-        </p:nvCxnSpPr>
-        <p:spPr>
-          <a:xfrm rot="16200000" flipV="1">
-            <a:off x="7296652" y="3452865"/>
-            <a:ext cx="850958" cy="204262"/>
-          </a:xfrm>
-          <a:prstGeom prst="bentConnector2">
-            <a:avLst/>
-          </a:prstGeom>
-          <a:ln w="19050">
-            <a:headEnd type="none" w="med" len="med"/>
-            <a:tailEnd type="none" w="med" len="med"/>
-          </a:ln>
-        </p:spPr>
-        <p:style>
-          <a:lnRef idx="1">
-            <a:schemeClr val="accent1"/>
-          </a:lnRef>
-          <a:fillRef idx="0">
-            <a:schemeClr val="accent1"/>
-          </a:fillRef>
-          <a:effectRef idx="0">
-            <a:schemeClr val="accent1"/>
-          </a:effectRef>
-          <a:fontRef idx="minor">
-            <a:schemeClr val="tx1"/>
-          </a:fontRef>
-        </p:style>
-      </p:cxnSp>
       <p:sp>
         <p:nvSpPr>
           <p:cNvPr id="87" name="Isosceles Triangle 102"/>
@@ -5845,7 +5070,7 @@
         </p:nvSpPr>
         <p:spPr>
           <a:xfrm flipV="1">
-            <a:off x="7689010" y="3980475"/>
+            <a:off x="7227643" y="3980475"/>
             <a:ext cx="270504" cy="175523"/>
           </a:xfrm>
           <a:prstGeom prst="triangle">
@@ -5893,20 +5118,22 @@
       </p:sp>
       <p:cxnSp>
         <p:nvCxnSpPr>
-          <p:cNvPr id="90" name="Elbow Connector 89"/>
+          <p:cNvPr id="96" name="Elbow Connector 95"/>
           <p:cNvCxnSpPr>
             <a:stCxn id="87" idx="3"/>
-            <a:endCxn id="11" idx="1"/>
+            <a:endCxn id="4" idx="2"/>
           </p:cNvCxnSpPr>
           <p:nvPr/>
         </p:nvCxnSpPr>
         <p:spPr>
-          <a:xfrm rot="16200000" flipV="1">
-            <a:off x="7516775" y="3672988"/>
-            <a:ext cx="410712" cy="204262"/>
-          </a:xfrm>
-          <a:prstGeom prst="bentConnector2">
-            <a:avLst/>
+          <a:xfrm rot="5400000" flipH="1" flipV="1">
+            <a:off x="6916385" y="3533423"/>
+            <a:ext cx="893563" cy="542"/>
+          </a:xfrm>
+          <a:prstGeom prst="bentConnector3">
+            <a:avLst>
+              <a:gd name="adj1" fmla="val 50000"/>
+            </a:avLst>
           </a:prstGeom>
           <a:ln w="19050">
             <a:headEnd type="none" w="med" len="med"/>
@@ -5930,91 +5157,18 @@
       </p:cxnSp>
       <p:cxnSp>
         <p:nvCxnSpPr>
-          <p:cNvPr id="93" name="Elbow Connector 92"/>
+          <p:cNvPr id="122" name="Elbow Connector 63"/>
           <p:cNvCxnSpPr>
-            <a:stCxn id="87" idx="3"/>
-            <a:endCxn id="10" idx="1"/>
+            <a:cxnSpLocks/>
+            <a:stCxn id="42" idx="1"/>
+            <a:endCxn id="4" idx="3"/>
           </p:cNvCxnSpPr>
           <p:nvPr/>
         </p:nvCxnSpPr>
         <p:spPr>
-          <a:xfrm rot="16200000" flipV="1">
-            <a:off x="7096044" y="3252257"/>
-            <a:ext cx="1252175" cy="204262"/>
-          </a:xfrm>
-          <a:prstGeom prst="bentConnector2">
-            <a:avLst/>
-          </a:prstGeom>
-          <a:ln w="19050">
-            <a:headEnd type="none" w="med" len="med"/>
-            <a:tailEnd type="none" w="med" len="med"/>
-          </a:ln>
-        </p:spPr>
-        <p:style>
-          <a:lnRef idx="1">
-            <a:schemeClr val="accent1"/>
-          </a:lnRef>
-          <a:fillRef idx="0">
-            <a:schemeClr val="accent1"/>
-          </a:fillRef>
-          <a:effectRef idx="0">
-            <a:schemeClr val="accent1"/>
-          </a:effectRef>
-          <a:fontRef idx="minor">
-            <a:schemeClr val="tx1"/>
-          </a:fontRef>
-        </p:style>
-      </p:cxnSp>
-      <p:cxnSp>
-        <p:nvCxnSpPr>
-          <p:cNvPr id="96" name="Elbow Connector 95"/>
-          <p:cNvCxnSpPr>
-            <a:stCxn id="87" idx="3"/>
-            <a:endCxn id="4" idx="1"/>
-          </p:cNvCxnSpPr>
-          <p:nvPr/>
-        </p:nvCxnSpPr>
-        <p:spPr>
-          <a:xfrm rot="16200000" flipV="1">
-            <a:off x="6890098" y="3046311"/>
-            <a:ext cx="1657928" cy="210400"/>
-          </a:xfrm>
-          <a:prstGeom prst="bentConnector2">
-            <a:avLst/>
-          </a:prstGeom>
-          <a:ln w="19050">
-            <a:headEnd type="none" w="med" len="med"/>
-            <a:tailEnd type="none" w="med" len="med"/>
-          </a:ln>
-        </p:spPr>
-        <p:style>
-          <a:lnRef idx="1">
-            <a:schemeClr val="accent1"/>
-          </a:lnRef>
-          <a:fillRef idx="0">
-            <a:schemeClr val="accent1"/>
-          </a:fillRef>
-          <a:effectRef idx="0">
-            <a:schemeClr val="accent1"/>
-          </a:effectRef>
-          <a:fontRef idx="minor">
-            <a:schemeClr val="tx1"/>
-          </a:fontRef>
-        </p:style>
-      </p:cxnSp>
-      <p:cxnSp>
-        <p:nvCxnSpPr>
-          <p:cNvPr id="110" name="Elbow Connector 63"/>
-          <p:cNvCxnSpPr>
-            <a:stCxn id="16" idx="3"/>
-            <a:endCxn id="45" idx="3"/>
-          </p:cNvCxnSpPr>
-          <p:nvPr/>
-        </p:nvCxnSpPr>
-        <p:spPr>
           <a:xfrm flipV="1">
-            <a:off x="4114800" y="3150962"/>
-            <a:ext cx="716492" cy="604313"/>
+            <a:off x="6066328" y="2913532"/>
+            <a:ext cx="811946" cy="659"/>
           </a:xfrm>
           <a:prstGeom prst="bentConnector3">
             <a:avLst>
@@ -6030,364 +5184,6 @@
             <a:prstDash val="sysDot"/>
             <a:headEnd type="none" w="med" len="med"/>
             <a:tailEnd type="arrow" w="med" len="med"/>
-          </a:ln>
-          <a:effectLst/>
-        </p:spPr>
-        <p:style>
-          <a:lnRef idx="1">
-            <a:schemeClr val="accent2"/>
-          </a:lnRef>
-          <a:fillRef idx="2">
-            <a:schemeClr val="accent2"/>
-          </a:fillRef>
-          <a:effectRef idx="1">
-            <a:schemeClr val="accent2"/>
-          </a:effectRef>
-          <a:fontRef idx="minor">
-            <a:schemeClr val="dk1"/>
-          </a:fontRef>
-        </p:style>
-      </p:cxnSp>
-      <p:cxnSp>
-        <p:nvCxnSpPr>
-          <p:cNvPr id="113" name="Elbow Connector 63"/>
-          <p:cNvCxnSpPr>
-            <a:stCxn id="16" idx="3"/>
-            <a:endCxn id="44" idx="3"/>
-          </p:cNvCxnSpPr>
-          <p:nvPr/>
-        </p:nvCxnSpPr>
-        <p:spPr>
-          <a:xfrm flipV="1">
-            <a:off x="4114800" y="2728717"/>
-            <a:ext cx="716494" cy="1026558"/>
-          </a:xfrm>
-          <a:prstGeom prst="bentConnector3">
-            <a:avLst>
-              <a:gd name="adj1" fmla="val 50000"/>
-            </a:avLst>
-          </a:prstGeom>
-          <a:ln w="19050">
-            <a:solidFill>
-              <a:schemeClr val="accent5">
-                <a:lumMod val="75000"/>
-              </a:schemeClr>
-            </a:solidFill>
-            <a:prstDash val="sysDot"/>
-            <a:headEnd type="none" w="med" len="med"/>
-            <a:tailEnd type="arrow" w="med" len="med"/>
-          </a:ln>
-          <a:effectLst/>
-        </p:spPr>
-        <p:style>
-          <a:lnRef idx="1">
-            <a:schemeClr val="accent2"/>
-          </a:lnRef>
-          <a:fillRef idx="2">
-            <a:schemeClr val="accent2"/>
-          </a:fillRef>
-          <a:effectRef idx="1">
-            <a:schemeClr val="accent2"/>
-          </a:effectRef>
-          <a:fontRef idx="minor">
-            <a:schemeClr val="dk1"/>
-          </a:fontRef>
-        </p:style>
-      </p:cxnSp>
-      <p:cxnSp>
-        <p:nvCxnSpPr>
-          <p:cNvPr id="116" name="Elbow Connector 63"/>
-          <p:cNvCxnSpPr>
-            <a:stCxn id="16" idx="3"/>
-            <a:endCxn id="42" idx="3"/>
-          </p:cNvCxnSpPr>
-          <p:nvPr/>
-        </p:nvCxnSpPr>
-        <p:spPr>
-          <a:xfrm flipV="1">
-            <a:off x="4114800" y="2322317"/>
-            <a:ext cx="716494" cy="1432958"/>
-          </a:xfrm>
-          <a:prstGeom prst="bentConnector3">
-            <a:avLst>
-              <a:gd name="adj1" fmla="val 50000"/>
-            </a:avLst>
-          </a:prstGeom>
-          <a:ln w="19050">
-            <a:solidFill>
-              <a:schemeClr val="accent5">
-                <a:lumMod val="75000"/>
-              </a:schemeClr>
-            </a:solidFill>
-            <a:prstDash val="sysDot"/>
-            <a:headEnd type="none" w="med" len="med"/>
-            <a:tailEnd type="arrow" w="med" len="med"/>
-          </a:ln>
-          <a:effectLst/>
-        </p:spPr>
-        <p:style>
-          <a:lnRef idx="1">
-            <a:schemeClr val="accent2"/>
-          </a:lnRef>
-          <a:fillRef idx="2">
-            <a:schemeClr val="accent2"/>
-          </a:fillRef>
-          <a:effectRef idx="1">
-            <a:schemeClr val="accent2"/>
-          </a:effectRef>
-          <a:fontRef idx="minor">
-            <a:schemeClr val="dk1"/>
-          </a:fontRef>
-        </p:style>
-      </p:cxnSp>
-      <p:cxnSp>
-        <p:nvCxnSpPr>
-          <p:cNvPr id="120" name="Elbow Connector 63"/>
-          <p:cNvCxnSpPr>
-            <a:cxnSpLocks/>
-            <a:stCxn id="44" idx="1"/>
-            <a:endCxn id="10" idx="3"/>
-          </p:cNvCxnSpPr>
-          <p:nvPr/>
-        </p:nvCxnSpPr>
-        <p:spPr>
-          <a:xfrm flipV="1">
-            <a:off x="5924929" y="2728300"/>
-            <a:ext cx="601436" cy="417"/>
-          </a:xfrm>
-          <a:prstGeom prst="bentConnector3">
-            <a:avLst>
-              <a:gd name="adj1" fmla="val 50000"/>
-            </a:avLst>
-          </a:prstGeom>
-          <a:ln w="19050">
-            <a:solidFill>
-              <a:schemeClr val="accent5">
-                <a:lumMod val="75000"/>
-              </a:schemeClr>
-            </a:solidFill>
-            <a:prstDash val="sysDot"/>
-            <a:headEnd type="none" w="med" len="med"/>
-            <a:tailEnd type="arrow" w="med" len="med"/>
-          </a:ln>
-          <a:effectLst/>
-        </p:spPr>
-        <p:style>
-          <a:lnRef idx="1">
-            <a:schemeClr val="accent2"/>
-          </a:lnRef>
-          <a:fillRef idx="2">
-            <a:schemeClr val="accent2"/>
-          </a:fillRef>
-          <a:effectRef idx="1">
-            <a:schemeClr val="accent2"/>
-          </a:effectRef>
-          <a:fontRef idx="minor">
-            <a:schemeClr val="dk1"/>
-          </a:fontRef>
-        </p:style>
-      </p:cxnSp>
-      <p:cxnSp>
-        <p:nvCxnSpPr>
-          <p:cNvPr id="122" name="Elbow Connector 63"/>
-          <p:cNvCxnSpPr>
-            <a:cxnSpLocks/>
-            <a:stCxn id="42" idx="1"/>
-            <a:endCxn id="4" idx="3"/>
-          </p:cNvCxnSpPr>
-          <p:nvPr/>
-        </p:nvCxnSpPr>
-        <p:spPr>
-          <a:xfrm>
-            <a:off x="5924929" y="2322317"/>
-            <a:ext cx="595298" cy="230"/>
-          </a:xfrm>
-          <a:prstGeom prst="bentConnector3">
-            <a:avLst>
-              <a:gd name="adj1" fmla="val 50000"/>
-            </a:avLst>
-          </a:prstGeom>
-          <a:ln w="19050">
-            <a:solidFill>
-              <a:schemeClr val="accent5">
-                <a:lumMod val="75000"/>
-              </a:schemeClr>
-            </a:solidFill>
-            <a:prstDash val="sysDot"/>
-            <a:headEnd type="none" w="med" len="med"/>
-            <a:tailEnd type="arrow" w="med" len="med"/>
-          </a:ln>
-          <a:effectLst/>
-        </p:spPr>
-        <p:style>
-          <a:lnRef idx="1">
-            <a:schemeClr val="accent2"/>
-          </a:lnRef>
-          <a:fillRef idx="2">
-            <a:schemeClr val="accent2"/>
-          </a:fillRef>
-          <a:effectRef idx="1">
-            <a:schemeClr val="accent2"/>
-          </a:effectRef>
-          <a:fontRef idx="minor">
-            <a:schemeClr val="dk1"/>
-          </a:fontRef>
-        </p:style>
-      </p:cxnSp>
-      <p:cxnSp>
-        <p:nvCxnSpPr>
-          <p:cNvPr id="64" name="Straight Connector 63"/>
-          <p:cNvCxnSpPr>
-            <a:cxnSpLocks/>
-          </p:cNvCxnSpPr>
-          <p:nvPr/>
-        </p:nvCxnSpPr>
-        <p:spPr>
-          <a:xfrm>
-            <a:off x="4248488" y="2033984"/>
-            <a:ext cx="0" cy="1304815"/>
-          </a:xfrm>
-          <a:prstGeom prst="line">
-            <a:avLst/>
-          </a:prstGeom>
-          <a:ln w="19050">
-            <a:solidFill>
-              <a:schemeClr val="accent5">
-                <a:lumMod val="50000"/>
-              </a:schemeClr>
-            </a:solidFill>
-            <a:prstDash val="sysDot"/>
-            <a:headEnd type="none" w="med" len="med"/>
-            <a:tailEnd type="none" w="med" len="med"/>
-          </a:ln>
-          <a:effectLst/>
-        </p:spPr>
-        <p:style>
-          <a:lnRef idx="1">
-            <a:schemeClr val="accent2"/>
-          </a:lnRef>
-          <a:fillRef idx="2">
-            <a:schemeClr val="accent2"/>
-          </a:fillRef>
-          <a:effectRef idx="1">
-            <a:schemeClr val="accent2"/>
-          </a:effectRef>
-          <a:fontRef idx="minor">
-            <a:schemeClr val="dk1"/>
-          </a:fontRef>
-        </p:style>
-      </p:cxnSp>
-      <p:cxnSp>
-        <p:nvCxnSpPr>
-          <p:cNvPr id="66" name="Straight Connector 65"/>
-          <p:cNvCxnSpPr>
-            <a:cxnSpLocks/>
-          </p:cNvCxnSpPr>
-          <p:nvPr/>
-        </p:nvCxnSpPr>
-        <p:spPr>
-          <a:xfrm>
-            <a:off x="4248488" y="2209800"/>
-            <a:ext cx="582002" cy="0"/>
-          </a:xfrm>
-          <a:prstGeom prst="line">
-            <a:avLst/>
-          </a:prstGeom>
-          <a:ln w="19050">
-            <a:solidFill>
-              <a:schemeClr val="accent5">
-                <a:lumMod val="50000"/>
-              </a:schemeClr>
-            </a:solidFill>
-            <a:prstDash val="sysDot"/>
-            <a:headEnd type="none" w="med" len="med"/>
-            <a:tailEnd type="none" w="med" len="med"/>
-          </a:ln>
-          <a:effectLst/>
-        </p:spPr>
-        <p:style>
-          <a:lnRef idx="1">
-            <a:schemeClr val="accent2"/>
-          </a:lnRef>
-          <a:fillRef idx="2">
-            <a:schemeClr val="accent2"/>
-          </a:fillRef>
-          <a:effectRef idx="1">
-            <a:schemeClr val="accent2"/>
-          </a:effectRef>
-          <a:fontRef idx="minor">
-            <a:schemeClr val="dk1"/>
-          </a:fontRef>
-        </p:style>
-      </p:cxnSp>
-      <p:cxnSp>
-        <p:nvCxnSpPr>
-          <p:cNvPr id="73" name="Straight Connector 72"/>
-          <p:cNvCxnSpPr>
-            <a:cxnSpLocks/>
-          </p:cNvCxnSpPr>
-          <p:nvPr/>
-        </p:nvCxnSpPr>
-        <p:spPr>
-          <a:xfrm flipV="1">
-            <a:off x="4255042" y="2607245"/>
-            <a:ext cx="566976" cy="5974"/>
-          </a:xfrm>
-          <a:prstGeom prst="line">
-            <a:avLst/>
-          </a:prstGeom>
-          <a:ln w="19050">
-            <a:solidFill>
-              <a:schemeClr val="accent5">
-                <a:lumMod val="50000"/>
-              </a:schemeClr>
-            </a:solidFill>
-            <a:prstDash val="sysDot"/>
-            <a:headEnd type="none" w="med" len="med"/>
-            <a:tailEnd type="none" w="med" len="med"/>
-          </a:ln>
-          <a:effectLst/>
-        </p:spPr>
-        <p:style>
-          <a:lnRef idx="1">
-            <a:schemeClr val="accent2"/>
-          </a:lnRef>
-          <a:fillRef idx="2">
-            <a:schemeClr val="accent2"/>
-          </a:fillRef>
-          <a:effectRef idx="1">
-            <a:schemeClr val="accent2"/>
-          </a:effectRef>
-          <a:fontRef idx="minor">
-            <a:schemeClr val="dk1"/>
-          </a:fontRef>
-        </p:style>
-      </p:cxnSp>
-      <p:cxnSp>
-        <p:nvCxnSpPr>
-          <p:cNvPr id="74" name="Straight Connector 73"/>
-          <p:cNvCxnSpPr>
-            <a:cxnSpLocks/>
-          </p:cNvCxnSpPr>
-          <p:nvPr/>
-        </p:nvCxnSpPr>
-        <p:spPr>
-          <a:xfrm>
-            <a:off x="4248487" y="3048000"/>
-            <a:ext cx="573531" cy="0"/>
-          </a:xfrm>
-          <a:prstGeom prst="line">
-            <a:avLst/>
-          </a:prstGeom>
-          <a:ln w="19050">
-            <a:solidFill>
-              <a:schemeClr val="accent5">
-                <a:lumMod val="50000"/>
-              </a:schemeClr>
-            </a:solidFill>
-            <a:prstDash val="sysDot"/>
-            <a:headEnd type="none" w="med" len="med"/>
-            <a:tailEnd type="none" w="med" len="med"/>
           </a:ln>
           <a:effectLst/>
         </p:spPr>
@@ -6577,50 +5373,6 @@
           </a:fontRef>
         </p:style>
       </p:cxnSp>
-      <p:cxnSp>
-        <p:nvCxnSpPr>
-          <p:cNvPr id="123" name="Straight Connector 122"/>
-          <p:cNvCxnSpPr>
-            <a:cxnSpLocks/>
-            <a:stCxn id="109" idx="3"/>
-          </p:cNvCxnSpPr>
-          <p:nvPr/>
-        </p:nvCxnSpPr>
-        <p:spPr>
-          <a:xfrm flipV="1">
-            <a:off x="3924370" y="2535795"/>
-            <a:ext cx="322202" cy="4715"/>
-          </a:xfrm>
-          <a:prstGeom prst="line">
-            <a:avLst/>
-          </a:prstGeom>
-          <a:ln w="19050">
-            <a:solidFill>
-              <a:schemeClr val="accent5">
-                <a:lumMod val="50000"/>
-              </a:schemeClr>
-            </a:solidFill>
-            <a:prstDash val="sysDot"/>
-            <a:headEnd type="arrow" w="med" len="med"/>
-            <a:tailEnd type="none" w="med" len="med"/>
-          </a:ln>
-          <a:effectLst/>
-        </p:spPr>
-        <p:style>
-          <a:lnRef idx="1">
-            <a:schemeClr val="accent2"/>
-          </a:lnRef>
-          <a:fillRef idx="2">
-            <a:schemeClr val="accent2"/>
-          </a:fillRef>
-          <a:effectRef idx="1">
-            <a:schemeClr val="accent2"/>
-          </a:effectRef>
-          <a:fontRef idx="minor">
-            <a:schemeClr val="dk1"/>
-          </a:fontRef>
-        </p:style>
-      </p:cxnSp>
       <p:sp>
         <p:nvSpPr>
           <p:cNvPr id="86" name="Rectangle 62"/>
@@ -6665,7 +5417,7 @@
           <a:p>
             <a:pPr algn="ctr"/>
             <a:r>
-              <a:rPr lang="en-US" sz="1050" smtClean="0">
+              <a:rPr lang="en-US" sz="1050">
                 <a:solidFill>
                   <a:schemeClr val="bg1"/>
                 </a:solidFill>
@@ -6676,7 +5428,7 @@
           <a:p>
             <a:pPr algn="ctr"/>
             <a:r>
-              <a:rPr lang="en-US" sz="1050" dirty="0" smtClean="0">
+              <a:rPr lang="en-US" sz="1050" dirty="0">
                 <a:solidFill>
                   <a:schemeClr val="bg1"/>
                 </a:solidFill>
@@ -6763,6 +5515,722 @@
             <a:endParaRPr lang="en-SG" sz="1100" dirty="0">
               <a:solidFill>
                 <a:srgbClr val="0070C0"/>
+              </a:solidFill>
+            </a:endParaRPr>
+          </a:p>
+        </p:txBody>
+      </p:sp>
+      <p:sp>
+        <p:nvSpPr>
+          <p:cNvPr id="97" name="Rectangle 96">
+            <a:extLst>
+              <a:ext uri="{FF2B5EF4-FFF2-40B4-BE49-F238E27FC236}">
+                <a16:creationId xmlns:a16="http://schemas.microsoft.com/office/drawing/2014/main" xmlns="" id="{AADE6A0C-89AB-467B-8CEA-5FCF36CE0D21}"/>
+              </a:ext>
+            </a:extLst>
+          </p:cNvPr>
+          <p:cNvSpPr/>
+          <p:nvPr/>
+        </p:nvSpPr>
+        <p:spPr>
+          <a:xfrm flipH="1">
+            <a:off x="5067626" y="1981200"/>
+            <a:ext cx="998702" cy="346760"/>
+          </a:xfrm>
+          <a:prstGeom prst="rect">
+            <a:avLst/>
+          </a:prstGeom>
+          <a:solidFill>
+            <a:schemeClr val="accent5"/>
+          </a:solidFill>
+          <a:ln/>
+          <a:effectLst/>
+        </p:spPr>
+        <p:style>
+          <a:lnRef idx="1">
+            <a:schemeClr val="accent5"/>
+          </a:lnRef>
+          <a:fillRef idx="2">
+            <a:schemeClr val="accent5"/>
+          </a:fillRef>
+          <a:effectRef idx="1">
+            <a:schemeClr val="accent5"/>
+          </a:effectRef>
+          <a:fontRef idx="minor">
+            <a:schemeClr val="dk1"/>
+          </a:fontRef>
+        </p:style>
+        <p:txBody>
+          <a:bodyPr rtlCol="0" anchor="ctr"/>
+          <a:lstStyle/>
+          <a:p>
+            <a:pPr algn="ctr"/>
+            <a:r>
+              <a:rPr lang="en-US" sz="1050" b="1" dirty="0">
+                <a:solidFill>
+                  <a:schemeClr val="bg1"/>
+                </a:solidFill>
+              </a:rPr>
+              <a:t>&lt;&lt;interface&gt;&gt;</a:t>
+            </a:r>
+          </a:p>
+          <a:p>
+            <a:pPr algn="ctr"/>
+            <a:r>
+              <a:rPr lang="en-US" sz="1050" b="1" dirty="0">
+                <a:solidFill>
+                  <a:schemeClr val="bg1"/>
+                </a:solidFill>
+              </a:rPr>
+              <a:t>Parser</a:t>
+            </a:r>
+            <a:endParaRPr lang="en-SG" sz="1050" b="1" dirty="0">
+              <a:solidFill>
+                <a:schemeClr val="bg1"/>
+              </a:solidFill>
+            </a:endParaRPr>
+          </a:p>
+        </p:txBody>
+      </p:sp>
+      <p:sp>
+        <p:nvSpPr>
+          <p:cNvPr id="75" name="Isosceles Triangle 102"/>
+          <p:cNvSpPr/>
+          <p:nvPr/>
+        </p:nvSpPr>
+        <p:spPr>
+          <a:xfrm flipH="1">
+            <a:off x="5431725" y="2327960"/>
+            <a:ext cx="270504" cy="175523"/>
+          </a:xfrm>
+          <a:prstGeom prst="triangle">
+            <a:avLst/>
+          </a:prstGeom>
+          <a:ln w="12700"/>
+        </p:spPr>
+        <p:style>
+          <a:lnRef idx="2">
+            <a:schemeClr val="accent5">
+              <a:shade val="50000"/>
+            </a:schemeClr>
+          </a:lnRef>
+          <a:fillRef idx="1">
+            <a:schemeClr val="accent5"/>
+          </a:fillRef>
+          <a:effectRef idx="0">
+            <a:schemeClr val="accent5"/>
+          </a:effectRef>
+          <a:fontRef idx="minor">
+            <a:schemeClr val="lt1"/>
+          </a:fontRef>
+        </p:style>
+        <p:txBody>
+          <a:bodyPr rtlCol="0" anchor="ctr"/>
+          <a:lstStyle/>
+          <a:p>
+            <a:pPr algn="ctr"/>
+            <a:endParaRPr lang="en-SG" sz="1050" b="1">
+              <a:solidFill>
+                <a:srgbClr val="92D050"/>
+              </a:solidFill>
+            </a:endParaRPr>
+          </a:p>
+        </p:txBody>
+      </p:sp>
+      <p:grpSp>
+        <p:nvGrpSpPr>
+          <p:cNvPr id="85" name="Group 84"/>
+          <p:cNvGrpSpPr/>
+          <p:nvPr/>
+        </p:nvGrpSpPr>
+        <p:grpSpPr>
+          <a:xfrm rot="5400000">
+            <a:off x="6371505" y="2788428"/>
+            <a:ext cx="222304" cy="598286"/>
+            <a:chOff x="3965759" y="592436"/>
+            <a:chExt cx="254462" cy="503902"/>
+          </a:xfrm>
+        </p:grpSpPr>
+        <p:sp>
+          <p:nvSpPr>
+            <p:cNvPr id="89" name="TextBox 88"/>
+            <p:cNvSpPr txBox="1"/>
+            <p:nvPr/>
+          </p:nvSpPr>
+          <p:spPr>
+            <a:xfrm rot="16200000">
+              <a:off x="3841039" y="717156"/>
+              <a:ext cx="503902" cy="254462"/>
+            </a:xfrm>
+            <a:prstGeom prst="rect">
+              <a:avLst/>
+            </a:prstGeom>
+            <a:noFill/>
+          </p:spPr>
+          <p:txBody>
+            <a:bodyPr wrap="square" lIns="0" tIns="0" rIns="0" bIns="0" rtlCol="0">
+              <a:noAutofit/>
+            </a:bodyPr>
+            <a:lstStyle/>
+            <a:p>
+              <a:r>
+                <a:rPr lang="en-US" sz="1100" dirty="0">
+                  <a:solidFill>
+                    <a:schemeClr val="accent5">
+                      <a:lumMod val="75000"/>
+                    </a:schemeClr>
+                  </a:solidFill>
+                </a:rPr>
+                <a:t>creates</a:t>
+              </a:r>
+              <a:endParaRPr lang="en-SG" sz="1100" dirty="0">
+                <a:solidFill>
+                  <a:schemeClr val="accent5">
+                    <a:lumMod val="75000"/>
+                  </a:schemeClr>
+                </a:solidFill>
+              </a:endParaRPr>
+            </a:p>
+          </p:txBody>
+        </p:sp>
+        <p:sp>
+          <p:nvSpPr>
+            <p:cNvPr id="92" name="Isosceles Triangle 91"/>
+            <p:cNvSpPr/>
+            <p:nvPr/>
+          </p:nvSpPr>
+          <p:spPr>
+            <a:xfrm rot="10800000" flipV="1">
+              <a:off x="3995991" y="631624"/>
+              <a:ext cx="132157" cy="79956"/>
+            </a:xfrm>
+            <a:prstGeom prst="triangle">
+              <a:avLst/>
+            </a:prstGeom>
+            <a:solidFill>
+              <a:schemeClr val="accent5">
+                <a:lumMod val="75000"/>
+              </a:schemeClr>
+            </a:solidFill>
+            <a:ln>
+              <a:noFill/>
+            </a:ln>
+          </p:spPr>
+          <p:style>
+            <a:lnRef idx="2">
+              <a:schemeClr val="accent1">
+                <a:shade val="50000"/>
+              </a:schemeClr>
+            </a:lnRef>
+            <a:fillRef idx="1">
+              <a:schemeClr val="accent1"/>
+            </a:fillRef>
+            <a:effectRef idx="0">
+              <a:schemeClr val="accent1"/>
+            </a:effectRef>
+            <a:fontRef idx="minor">
+              <a:schemeClr val="lt1"/>
+            </a:fontRef>
+          </p:style>
+          <p:txBody>
+            <a:bodyPr rtlCol="0" anchor="ctr"/>
+            <a:lstStyle/>
+            <a:p>
+              <a:pPr algn="ctr"/>
+              <a:endParaRPr lang="en-SG"/>
+            </a:p>
+          </p:txBody>
+        </p:sp>
+      </p:grpSp>
+      <p:cxnSp>
+        <p:nvCxnSpPr>
+          <p:cNvPr id="95" name="Straight Connector 94"/>
+          <p:cNvCxnSpPr/>
+          <p:nvPr/>
+        </p:nvCxnSpPr>
+        <p:spPr>
+          <a:xfrm>
+            <a:off x="2893971" y="3687139"/>
+            <a:ext cx="361447" cy="0"/>
+          </a:xfrm>
+          <a:prstGeom prst="line">
+            <a:avLst/>
+          </a:prstGeom>
+          <a:ln w="19050">
+            <a:solidFill>
+              <a:srgbClr val="0070C0"/>
+            </a:solidFill>
+            <a:prstDash val="solid"/>
+            <a:headEnd type="none" w="med" len="med"/>
+            <a:tailEnd type="arrow" w="med" len="med"/>
+          </a:ln>
+          <a:effectLst/>
+        </p:spPr>
+        <p:style>
+          <a:lnRef idx="1">
+            <a:schemeClr val="accent2"/>
+          </a:lnRef>
+          <a:fillRef idx="2">
+            <a:schemeClr val="accent2"/>
+          </a:fillRef>
+          <a:effectRef idx="1">
+            <a:schemeClr val="accent2"/>
+          </a:effectRef>
+          <a:fontRef idx="minor">
+            <a:schemeClr val="dk1"/>
+          </a:fontRef>
+        </p:style>
+      </p:cxnSp>
+      <p:sp>
+        <p:nvSpPr>
+          <p:cNvPr id="42" name="Rectangle 11"/>
+          <p:cNvSpPr/>
+          <p:nvPr/>
+        </p:nvSpPr>
+        <p:spPr>
+          <a:xfrm flipH="1">
+            <a:off x="5074342" y="2740811"/>
+            <a:ext cx="991986" cy="346760"/>
+          </a:xfrm>
+          <a:prstGeom prst="rect">
+            <a:avLst/>
+          </a:prstGeom>
+          <a:solidFill>
+            <a:schemeClr val="accent5">
+              <a:alpha val="81000"/>
+            </a:schemeClr>
+          </a:solidFill>
+          <a:ln/>
+          <a:effectLst/>
+        </p:spPr>
+        <p:style>
+          <a:lnRef idx="1">
+            <a:schemeClr val="accent5"/>
+          </a:lnRef>
+          <a:fillRef idx="2">
+            <a:schemeClr val="accent5"/>
+          </a:fillRef>
+          <a:effectRef idx="1">
+            <a:schemeClr val="accent5"/>
+          </a:effectRef>
+          <a:fontRef idx="minor">
+            <a:schemeClr val="dk1"/>
+          </a:fontRef>
+        </p:style>
+        <p:txBody>
+          <a:bodyPr rtlCol="0" anchor="ctr"/>
+          <a:lstStyle/>
+          <a:p>
+            <a:pPr algn="ctr"/>
+            <a:r>
+              <a:rPr lang="en-US" sz="1050" b="1" dirty="0" err="1" smtClean="0">
+                <a:solidFill>
+                  <a:schemeClr val="bg1"/>
+                </a:solidFill>
+              </a:rPr>
+              <a:t>XYZ</a:t>
+            </a:r>
+            <a:r>
+              <a:rPr lang="en-US" sz="1050" b="1" dirty="0" err="1" smtClean="0">
+                <a:solidFill>
+                  <a:schemeClr val="bg1"/>
+                </a:solidFill>
+              </a:rPr>
+              <a:t>Command</a:t>
+            </a:r>
+            <a:endParaRPr lang="en-US" sz="1050" b="1" dirty="0">
+              <a:solidFill>
+                <a:schemeClr val="bg1"/>
+              </a:solidFill>
+            </a:endParaRPr>
+          </a:p>
+          <a:p>
+            <a:pPr algn="ctr"/>
+            <a:r>
+              <a:rPr lang="en-US" sz="1050" b="1" dirty="0">
+                <a:solidFill>
+                  <a:schemeClr val="bg1"/>
+                </a:solidFill>
+              </a:rPr>
+              <a:t>Parser</a:t>
+            </a:r>
+            <a:endParaRPr lang="en-SG" sz="1050" b="1" dirty="0">
+              <a:solidFill>
+                <a:schemeClr val="bg1"/>
+              </a:solidFill>
+            </a:endParaRPr>
+          </a:p>
+        </p:txBody>
+      </p:sp>
+      <p:cxnSp>
+        <p:nvCxnSpPr>
+          <p:cNvPr id="101" name="Elbow Connector 12"/>
+          <p:cNvCxnSpPr>
+            <a:cxnSpLocks/>
+            <a:stCxn id="42" idx="3"/>
+          </p:cNvCxnSpPr>
+          <p:nvPr/>
+        </p:nvCxnSpPr>
+        <p:spPr>
+          <a:xfrm rot="10800000">
+            <a:off x="3917734" y="2058661"/>
+            <a:ext cx="1156608" cy="855530"/>
+          </a:xfrm>
+          <a:prstGeom prst="bentConnector3">
+            <a:avLst>
+              <a:gd name="adj1" fmla="val 50000"/>
+            </a:avLst>
+          </a:prstGeom>
+          <a:ln w="19050">
+            <a:solidFill>
+              <a:schemeClr val="accent5">
+                <a:lumMod val="60000"/>
+                <a:lumOff val="40000"/>
+              </a:schemeClr>
+            </a:solidFill>
+            <a:prstDash val="sysDot"/>
+            <a:headEnd type="none" w="med" len="med"/>
+            <a:tailEnd type="arrow" w="med" len="med"/>
+          </a:ln>
+          <a:effectLst/>
+        </p:spPr>
+        <p:style>
+          <a:lnRef idx="1">
+            <a:schemeClr val="accent2"/>
+          </a:lnRef>
+          <a:fillRef idx="2">
+            <a:schemeClr val="accent2"/>
+          </a:fillRef>
+          <a:effectRef idx="1">
+            <a:schemeClr val="accent2"/>
+          </a:effectRef>
+          <a:fontRef idx="minor">
+            <a:schemeClr val="dk1"/>
+          </a:fontRef>
+        </p:style>
+      </p:cxnSp>
+      <p:cxnSp>
+        <p:nvCxnSpPr>
+          <p:cNvPr id="102" name="Elbow Connector 12"/>
+          <p:cNvCxnSpPr>
+            <a:cxnSpLocks/>
+            <a:stCxn id="42" idx="3"/>
+          </p:cNvCxnSpPr>
+          <p:nvPr/>
+        </p:nvCxnSpPr>
+        <p:spPr>
+          <a:xfrm rot="10800000">
+            <a:off x="3921964" y="2540511"/>
+            <a:ext cx="1152379" cy="373681"/>
+          </a:xfrm>
+          <a:prstGeom prst="bentConnector3">
+            <a:avLst>
+              <a:gd name="adj1" fmla="val 50000"/>
+            </a:avLst>
+          </a:prstGeom>
+          <a:ln w="19050">
+            <a:solidFill>
+              <a:schemeClr val="accent5">
+                <a:lumMod val="60000"/>
+                <a:lumOff val="40000"/>
+              </a:schemeClr>
+            </a:solidFill>
+            <a:prstDash val="sysDot"/>
+            <a:headEnd type="none" w="med" len="med"/>
+            <a:tailEnd type="arrow" w="med" len="med"/>
+          </a:ln>
+          <a:effectLst/>
+        </p:spPr>
+        <p:style>
+          <a:lnRef idx="1">
+            <a:schemeClr val="accent2"/>
+          </a:lnRef>
+          <a:fillRef idx="2">
+            <a:schemeClr val="accent2"/>
+          </a:fillRef>
+          <a:effectRef idx="1">
+            <a:schemeClr val="accent2"/>
+          </a:effectRef>
+          <a:fontRef idx="minor">
+            <a:schemeClr val="dk1"/>
+          </a:fontRef>
+        </p:style>
+      </p:cxnSp>
+      <p:cxnSp>
+        <p:nvCxnSpPr>
+          <p:cNvPr id="103" name="Elbow Connector 12"/>
+          <p:cNvCxnSpPr>
+            <a:cxnSpLocks/>
+            <a:stCxn id="42" idx="3"/>
+          </p:cNvCxnSpPr>
+          <p:nvPr/>
+        </p:nvCxnSpPr>
+        <p:spPr>
+          <a:xfrm rot="10800000" flipV="1">
+            <a:off x="3926192" y="2914191"/>
+            <a:ext cx="1148150" cy="108168"/>
+          </a:xfrm>
+          <a:prstGeom prst="bentConnector3">
+            <a:avLst>
+              <a:gd name="adj1" fmla="val 50000"/>
+            </a:avLst>
+          </a:prstGeom>
+          <a:ln w="19050">
+            <a:solidFill>
+              <a:schemeClr val="accent5">
+                <a:lumMod val="60000"/>
+                <a:lumOff val="40000"/>
+              </a:schemeClr>
+            </a:solidFill>
+            <a:prstDash val="sysDot"/>
+            <a:headEnd type="none" w="med" len="med"/>
+            <a:tailEnd type="arrow" w="med" len="med"/>
+          </a:ln>
+          <a:effectLst/>
+        </p:spPr>
+        <p:style>
+          <a:lnRef idx="1">
+            <a:schemeClr val="accent2"/>
+          </a:lnRef>
+          <a:fillRef idx="2">
+            <a:schemeClr val="accent2"/>
+          </a:fillRef>
+          <a:effectRef idx="1">
+            <a:schemeClr val="accent2"/>
+          </a:effectRef>
+          <a:fontRef idx="minor">
+            <a:schemeClr val="dk1"/>
+          </a:fontRef>
+        </p:style>
+      </p:cxnSp>
+      <p:cxnSp>
+        <p:nvCxnSpPr>
+          <p:cNvPr id="104" name="Elbow Connector 12"/>
+          <p:cNvCxnSpPr>
+            <a:cxnSpLocks/>
+            <a:stCxn id="42" idx="3"/>
+          </p:cNvCxnSpPr>
+          <p:nvPr/>
+        </p:nvCxnSpPr>
+        <p:spPr>
+          <a:xfrm rot="10800000" flipV="1">
+            <a:off x="3930422" y="2914191"/>
+            <a:ext cx="1143921" cy="439870"/>
+          </a:xfrm>
+          <a:prstGeom prst="bentConnector3">
+            <a:avLst>
+              <a:gd name="adj1" fmla="val 50000"/>
+            </a:avLst>
+          </a:prstGeom>
+          <a:ln w="19050">
+            <a:solidFill>
+              <a:schemeClr val="accent5">
+                <a:lumMod val="60000"/>
+                <a:lumOff val="40000"/>
+              </a:schemeClr>
+            </a:solidFill>
+            <a:prstDash val="sysDot"/>
+            <a:headEnd type="none" w="med" len="med"/>
+            <a:tailEnd type="arrow" w="med" len="med"/>
+          </a:ln>
+          <a:effectLst/>
+        </p:spPr>
+        <p:style>
+          <a:lnRef idx="1">
+            <a:schemeClr val="accent2"/>
+          </a:lnRef>
+          <a:fillRef idx="2">
+            <a:schemeClr val="accent2"/>
+          </a:fillRef>
+          <a:effectRef idx="1">
+            <a:schemeClr val="accent2"/>
+          </a:effectRef>
+          <a:fontRef idx="minor">
+            <a:schemeClr val="dk1"/>
+          </a:fontRef>
+        </p:style>
+      </p:cxnSp>
+      <p:cxnSp>
+        <p:nvCxnSpPr>
+          <p:cNvPr id="51" name="Elbow Connector 50"/>
+          <p:cNvCxnSpPr>
+            <a:stCxn id="16" idx="3"/>
+            <a:endCxn id="42" idx="2"/>
+          </p:cNvCxnSpPr>
+          <p:nvPr/>
+        </p:nvCxnSpPr>
+        <p:spPr>
+          <a:xfrm flipV="1">
+            <a:off x="4300741" y="3087571"/>
+            <a:ext cx="1269594" cy="659673"/>
+          </a:xfrm>
+          <a:prstGeom prst="bentConnector2">
+            <a:avLst/>
+          </a:prstGeom>
+          <a:ln w="19050">
+            <a:solidFill>
+              <a:schemeClr val="accent5">
+                <a:lumMod val="75000"/>
+              </a:schemeClr>
+            </a:solidFill>
+            <a:prstDash val="sysDot"/>
+            <a:headEnd type="none" w="med" len="med"/>
+            <a:tailEnd type="arrow" w="med" len="med"/>
+          </a:ln>
+          <a:effectLst/>
+        </p:spPr>
+        <p:style>
+          <a:lnRef idx="1">
+            <a:schemeClr val="accent2"/>
+          </a:lnRef>
+          <a:fillRef idx="2">
+            <a:schemeClr val="accent2"/>
+          </a:fillRef>
+          <a:effectRef idx="1">
+            <a:schemeClr val="accent2"/>
+          </a:effectRef>
+          <a:fontRef idx="minor">
+            <a:schemeClr val="dk1"/>
+          </a:fontRef>
+        </p:style>
+      </p:cxnSp>
+      <p:cxnSp>
+        <p:nvCxnSpPr>
+          <p:cNvPr id="83" name="Elbow Connector 82"/>
+          <p:cNvCxnSpPr>
+            <a:endCxn id="42" idx="0"/>
+          </p:cNvCxnSpPr>
+          <p:nvPr/>
+        </p:nvCxnSpPr>
+        <p:spPr>
+          <a:xfrm rot="16200000" flipH="1">
+            <a:off x="5451193" y="2621669"/>
+            <a:ext cx="234926" cy="3358"/>
+          </a:xfrm>
+          <a:prstGeom prst="bentConnector3">
+            <a:avLst/>
+          </a:prstGeom>
+          <a:ln>
+            <a:solidFill>
+              <a:schemeClr val="accent5">
+                <a:lumMod val="75000"/>
+              </a:schemeClr>
+            </a:solidFill>
+            <a:prstDash val="sysDot"/>
+          </a:ln>
+        </p:spPr>
+        <p:style>
+          <a:lnRef idx="1">
+            <a:schemeClr val="accent1"/>
+          </a:lnRef>
+          <a:fillRef idx="0">
+            <a:schemeClr val="accent1"/>
+          </a:fillRef>
+          <a:effectRef idx="0">
+            <a:schemeClr val="accent1"/>
+          </a:effectRef>
+          <a:fontRef idx="minor">
+            <a:schemeClr val="tx1"/>
+          </a:fontRef>
+        </p:style>
+      </p:cxnSp>
+      <p:sp>
+        <p:nvSpPr>
+          <p:cNvPr id="127" name="Folded Corner 126"/>
+          <p:cNvSpPr/>
+          <p:nvPr/>
+        </p:nvSpPr>
+        <p:spPr>
+          <a:xfrm>
+            <a:off x="6263130" y="1981200"/>
+            <a:ext cx="1276614" cy="630473"/>
+          </a:xfrm>
+          <a:prstGeom prst="foldedCorner">
+            <a:avLst/>
+          </a:prstGeom>
+          <a:solidFill>
+            <a:schemeClr val="accent5">
+              <a:lumMod val="60000"/>
+              <a:lumOff val="40000"/>
+            </a:schemeClr>
+          </a:solidFill>
+          <a:ln w="19050">
+            <a:solidFill>
+              <a:schemeClr val="bg1"/>
+            </a:solidFill>
+          </a:ln>
+          <a:effectLst/>
+        </p:spPr>
+        <p:style>
+          <a:lnRef idx="1">
+            <a:schemeClr val="accent2"/>
+          </a:lnRef>
+          <a:fillRef idx="2">
+            <a:schemeClr val="accent2"/>
+          </a:fillRef>
+          <a:effectRef idx="1">
+            <a:schemeClr val="accent2"/>
+          </a:effectRef>
+          <a:fontRef idx="minor">
+            <a:schemeClr val="dk1"/>
+          </a:fontRef>
+        </p:style>
+        <p:txBody>
+          <a:bodyPr rtlCol="0" anchor="ctr"/>
+          <a:lstStyle/>
+          <a:p>
+            <a:pPr algn="ctr"/>
+            <a:r>
+              <a:rPr lang="en-US" sz="1050" dirty="0" err="1" smtClean="0">
+                <a:solidFill>
+                  <a:schemeClr val="bg1"/>
+                </a:solidFill>
+              </a:rPr>
+              <a:t>XYZCommand</a:t>
+            </a:r>
+            <a:r>
+              <a:rPr lang="en-US" sz="1050" dirty="0" smtClean="0">
+                <a:solidFill>
+                  <a:schemeClr val="bg1"/>
+                </a:solidFill>
+              </a:rPr>
+              <a:t> = </a:t>
+            </a:r>
+            <a:r>
+              <a:rPr lang="en-US" sz="1050" dirty="0" err="1" smtClean="0">
+                <a:solidFill>
+                  <a:schemeClr val="bg1"/>
+                </a:solidFill>
+              </a:rPr>
+              <a:t>AddCommand</a:t>
+            </a:r>
+            <a:r>
+              <a:rPr lang="en-US" sz="1050" dirty="0" smtClean="0">
+                <a:solidFill>
+                  <a:schemeClr val="bg1"/>
+                </a:solidFill>
+              </a:rPr>
+              <a:t>, </a:t>
+            </a:r>
+            <a:r>
+              <a:rPr lang="en-US" sz="1050" dirty="0" err="1" smtClean="0">
+                <a:solidFill>
+                  <a:schemeClr val="bg1"/>
+                </a:solidFill>
+              </a:rPr>
+              <a:t>FindCommand</a:t>
+            </a:r>
+            <a:r>
+              <a:rPr lang="en-US" sz="1050" dirty="0" smtClean="0">
+                <a:solidFill>
+                  <a:schemeClr val="bg1"/>
+                </a:solidFill>
+              </a:rPr>
+              <a:t>, etc.</a:t>
+            </a:r>
+            <a:endParaRPr lang="en-US" sz="1050" dirty="0">
+              <a:solidFill>
+                <a:schemeClr val="bg1"/>
               </a:solidFill>
             </a:endParaRPr>
           </a:p>

--- a/docs/diagrams/LogicComponentClassDiagram.pptx
+++ b/docs/diagrams/LogicComponentClassDiagram.pptx
@@ -109,7 +109,7 @@
   </p:defaultTextStyle>
   <p:extLst>
     <p:ext uri="{EFAFB233-063F-42B5-8137-9DF3F51BA10A}">
-      <p15:sldGuideLst xmlns:p15="http://schemas.microsoft.com/office/powerpoint/2012/main">
+      <p15:sldGuideLst xmlns:p15="http://schemas.microsoft.com/office/powerpoint/2012/main" xmlns="">
         <p15:guide id="1" orient="horz" pos="1488">
           <p15:clr>
             <a:srgbClr val="A4A3A4"/>
@@ -212,7 +212,7 @@
           <a:p>
             <a:fld id="{F5CC4B3F-88C1-4FFA-B1B6-F41C21DC6924}" type="datetimeFigureOut">
               <a:rPr lang="en-US" smtClean="0"/>
-              <a:t>7/11/2017</a:t>
+              <a:t>7/12/2017</a:t>
             </a:fld>
             <a:endParaRPr lang="en-US"/>
           </a:p>
@@ -658,7 +658,7 @@
           <a:p>
             <a:fld id="{78C97017-6FC3-485B-9764-EAC9E56C1D49}" type="datetimeFigureOut">
               <a:rPr lang="en-US" smtClean="0"/>
-              <a:t>7/11/2017</a:t>
+              <a:t>7/12/2017</a:t>
             </a:fld>
             <a:endParaRPr lang="en-US"/>
           </a:p>
@@ -826,7 +826,7 @@
           <a:p>
             <a:fld id="{78C97017-6FC3-485B-9764-EAC9E56C1D49}" type="datetimeFigureOut">
               <a:rPr lang="en-US" smtClean="0"/>
-              <a:t>7/11/2017</a:t>
+              <a:t>7/12/2017</a:t>
             </a:fld>
             <a:endParaRPr lang="en-US"/>
           </a:p>
@@ -1004,7 +1004,7 @@
           <a:p>
             <a:fld id="{78C97017-6FC3-485B-9764-EAC9E56C1D49}" type="datetimeFigureOut">
               <a:rPr lang="en-US" smtClean="0"/>
-              <a:t>7/11/2017</a:t>
+              <a:t>7/12/2017</a:t>
             </a:fld>
             <a:endParaRPr lang="en-US"/>
           </a:p>
@@ -1172,7 +1172,7 @@
           <a:p>
             <a:fld id="{78C97017-6FC3-485B-9764-EAC9E56C1D49}" type="datetimeFigureOut">
               <a:rPr lang="en-US" smtClean="0"/>
-              <a:t>7/11/2017</a:t>
+              <a:t>7/12/2017</a:t>
             </a:fld>
             <a:endParaRPr lang="en-US"/>
           </a:p>
@@ -1417,7 +1417,7 @@
           <a:p>
             <a:fld id="{78C97017-6FC3-485B-9764-EAC9E56C1D49}" type="datetimeFigureOut">
               <a:rPr lang="en-US" smtClean="0"/>
-              <a:t>7/11/2017</a:t>
+              <a:t>7/12/2017</a:t>
             </a:fld>
             <a:endParaRPr lang="en-US"/>
           </a:p>
@@ -1702,7 +1702,7 @@
           <a:p>
             <a:fld id="{78C97017-6FC3-485B-9764-EAC9E56C1D49}" type="datetimeFigureOut">
               <a:rPr lang="en-US" smtClean="0"/>
-              <a:t>7/11/2017</a:t>
+              <a:t>7/12/2017</a:t>
             </a:fld>
             <a:endParaRPr lang="en-US"/>
           </a:p>
@@ -2121,7 +2121,7 @@
           <a:p>
             <a:fld id="{78C97017-6FC3-485B-9764-EAC9E56C1D49}" type="datetimeFigureOut">
               <a:rPr lang="en-US" smtClean="0"/>
-              <a:t>7/11/2017</a:t>
+              <a:t>7/12/2017</a:t>
             </a:fld>
             <a:endParaRPr lang="en-US"/>
           </a:p>
@@ -2238,7 +2238,7 @@
           <a:p>
             <a:fld id="{78C97017-6FC3-485B-9764-EAC9E56C1D49}" type="datetimeFigureOut">
               <a:rPr lang="en-US" smtClean="0"/>
-              <a:t>7/11/2017</a:t>
+              <a:t>7/12/2017</a:t>
             </a:fld>
             <a:endParaRPr lang="en-US"/>
           </a:p>
@@ -2333,7 +2333,7 @@
           <a:p>
             <a:fld id="{78C97017-6FC3-485B-9764-EAC9E56C1D49}" type="datetimeFigureOut">
               <a:rPr lang="en-US" smtClean="0"/>
-              <a:t>7/11/2017</a:t>
+              <a:t>7/12/2017</a:t>
             </a:fld>
             <a:endParaRPr lang="en-US"/>
           </a:p>
@@ -2608,7 +2608,7 @@
           <a:p>
             <a:fld id="{78C97017-6FC3-485B-9764-EAC9E56C1D49}" type="datetimeFigureOut">
               <a:rPr lang="en-US" smtClean="0"/>
-              <a:t>7/11/2017</a:t>
+              <a:t>7/12/2017</a:t>
             </a:fld>
             <a:endParaRPr lang="en-US"/>
           </a:p>
@@ -2860,7 +2860,7 @@
           <a:p>
             <a:fld id="{78C97017-6FC3-485B-9764-EAC9E56C1D49}" type="datetimeFigureOut">
               <a:rPr lang="en-US" smtClean="0"/>
-              <a:t>7/11/2017</a:t>
+              <a:t>7/12/2017</a:t>
             </a:fld>
             <a:endParaRPr lang="en-US"/>
           </a:p>
@@ -3071,7 +3071,7 @@
           <a:p>
             <a:fld id="{78C97017-6FC3-485B-9764-EAC9E56C1D49}" type="datetimeFigureOut">
               <a:rPr lang="en-US" smtClean="0"/>
-              <a:t>7/11/2017</a:t>
+              <a:t>7/12/2017</a:t>
             </a:fld>
             <a:endParaRPr lang="en-US"/>
           </a:p>
@@ -3455,7 +3455,7 @@
         <p:spPr>
           <a:xfrm>
             <a:off x="1066800" y="914400"/>
-            <a:ext cx="7467600" cy="3733800"/>
+            <a:ext cx="7084740" cy="3733800"/>
           </a:xfrm>
           <a:prstGeom prst="roundRect">
             <a:avLst>
@@ -3574,8 +3574,8 @@
         </p:nvSpPr>
         <p:spPr>
           <a:xfrm flipH="1">
-            <a:off x="6520227" y="2149167"/>
-            <a:ext cx="1093635" cy="346760"/>
+            <a:off x="6878274" y="2740152"/>
+            <a:ext cx="970326" cy="346760"/>
           </a:xfrm>
           <a:prstGeom prst="rect">
             <a:avLst/>
@@ -3607,12 +3607,20 @@
           <a:p>
             <a:pPr algn="ctr"/>
             <a:r>
-              <a:rPr lang="en-US" sz="1050" b="1" dirty="0" err="1">
+              <a:rPr lang="en-US" sz="1050" b="1" dirty="0" err="1" smtClean="0">
                 <a:solidFill>
                   <a:srgbClr val="0070C0"/>
                 </a:solidFill>
               </a:rPr>
-              <a:t>AddCommand</a:t>
+              <a:t>XYZ</a:t>
+            </a:r>
+            <a:r>
+              <a:rPr lang="en-US" sz="1050" b="1" dirty="0" err="1" smtClean="0">
+                <a:solidFill>
+                  <a:srgbClr val="0070C0"/>
+                </a:solidFill>
+              </a:rPr>
+              <a:t>Command</a:t>
             </a:r>
             <a:endParaRPr lang="en-SG" sz="1050" b="1" dirty="0">
               <a:solidFill>
@@ -3693,11 +3701,11 @@
         <p:spPr>
           <a:xfrm flipH="1" flipV="1">
             <a:off x="3189583" y="1426447"/>
-            <a:ext cx="5020699" cy="2895973"/>
+            <a:ext cx="4559332" cy="2895973"/>
           </a:xfrm>
           <a:prstGeom prst="bentConnector3">
             <a:avLst>
-              <a:gd name="adj1" fmla="val -2713"/>
+              <a:gd name="adj1" fmla="val -5014"/>
             </a:avLst>
           </a:prstGeom>
           <a:ln w="19050">
@@ -3777,7 +3785,7 @@
         <p:spPr>
           <a:xfrm>
             <a:off x="1103085" y="4777355"/>
-            <a:ext cx="7431315" cy="328045"/>
+            <a:ext cx="7050315" cy="328045"/>
           </a:xfrm>
           <a:prstGeom prst="roundRect">
             <a:avLst/>
@@ -3830,14 +3838,14 @@
       </p:sp>
       <p:sp>
         <p:nvSpPr>
-          <p:cNvPr id="10" name="Rectangle 11"/>
+          <p:cNvPr id="12" name="Rectangle 62"/>
           <p:cNvSpPr/>
           <p:nvPr/>
         </p:nvSpPr>
         <p:spPr>
-          <a:xfrm flipH="1">
-            <a:off x="6526365" y="2554920"/>
-            <a:ext cx="1093635" cy="346760"/>
+          <a:xfrm>
+            <a:off x="6976872" y="4149040"/>
+            <a:ext cx="772043" cy="346760"/>
           </a:xfrm>
           <a:prstGeom prst="rect">
             <a:avLst/>
@@ -3869,68 +3877,12 @@
           <a:p>
             <a:pPr algn="ctr"/>
             <a:r>
-              <a:rPr lang="en-US" sz="1050" b="1" dirty="0" err="1">
-                <a:solidFill>
-                  <a:srgbClr val="0070C0"/>
-                </a:solidFill>
-              </a:rPr>
-              <a:t>FindCommand</a:t>
-            </a:r>
-            <a:endParaRPr lang="en-SG" sz="1050" b="1" dirty="0">
-              <a:solidFill>
-                <a:srgbClr val="0070C0"/>
-              </a:solidFill>
-            </a:endParaRPr>
-          </a:p>
-        </p:txBody>
-      </p:sp>
-      <p:sp>
-        <p:nvSpPr>
-          <p:cNvPr id="11" name="Rectangle 10"/>
-          <p:cNvSpPr/>
-          <p:nvPr/>
-        </p:nvSpPr>
-        <p:spPr>
-          <a:xfrm flipH="1">
-            <a:off x="6526365" y="3396383"/>
-            <a:ext cx="1093635" cy="346760"/>
-          </a:xfrm>
-          <a:prstGeom prst="rect">
-            <a:avLst/>
-          </a:prstGeom>
-          <a:ln w="19050">
-            <a:solidFill>
-              <a:srgbClr val="0070C0"/>
-            </a:solidFill>
-          </a:ln>
-          <a:effectLst/>
-        </p:spPr>
-        <p:style>
-          <a:lnRef idx="1">
-            <a:schemeClr val="accent1"/>
-          </a:lnRef>
-          <a:fillRef idx="2">
-            <a:schemeClr val="accent1"/>
-          </a:fillRef>
-          <a:effectRef idx="1">
-            <a:schemeClr val="accent1"/>
-          </a:effectRef>
-          <a:fontRef idx="minor">
-            <a:schemeClr val="dk1"/>
-          </a:fontRef>
-        </p:style>
-        <p:txBody>
-          <a:bodyPr rtlCol="0" anchor="ctr"/>
-          <a:lstStyle/>
-          <a:p>
-            <a:pPr algn="ctr"/>
-            <a:r>
               <a:rPr lang="en-US" sz="1050" b="1" dirty="0">
                 <a:solidFill>
                   <a:srgbClr val="0070C0"/>
                 </a:solidFill>
               </a:rPr>
-              <a:t>Incorrect</a:t>
+              <a:t>{abstract}</a:t>
             </a:r>
             <a:br>
               <a:rPr lang="en-US" sz="1050" b="1" dirty="0">
@@ -3957,85 +3909,14 @@
       </p:sp>
       <p:sp>
         <p:nvSpPr>
-          <p:cNvPr id="12" name="Rectangle 62"/>
-          <p:cNvSpPr/>
-          <p:nvPr/>
-        </p:nvSpPr>
-        <p:spPr>
-          <a:xfrm>
-            <a:off x="7438239" y="4149040"/>
-            <a:ext cx="772043" cy="346760"/>
-          </a:xfrm>
-          <a:prstGeom prst="rect">
-            <a:avLst/>
-          </a:prstGeom>
-          <a:ln w="19050">
-            <a:solidFill>
-              <a:srgbClr val="0070C0"/>
-            </a:solidFill>
-          </a:ln>
-          <a:effectLst/>
-        </p:spPr>
-        <p:style>
-          <a:lnRef idx="1">
-            <a:schemeClr val="accent1"/>
-          </a:lnRef>
-          <a:fillRef idx="2">
-            <a:schemeClr val="accent1"/>
-          </a:fillRef>
-          <a:effectRef idx="1">
-            <a:schemeClr val="accent1"/>
-          </a:effectRef>
-          <a:fontRef idx="minor">
-            <a:schemeClr val="dk1"/>
-          </a:fontRef>
-        </p:style>
-        <p:txBody>
-          <a:bodyPr rtlCol="0" anchor="ctr"/>
-          <a:lstStyle/>
-          <a:p>
-            <a:pPr algn="ctr"/>
-            <a:r>
-              <a:rPr lang="en-US" sz="1050" b="1" dirty="0">
-                <a:solidFill>
-                  <a:srgbClr val="0070C0"/>
-                </a:solidFill>
-              </a:rPr>
-              <a:t>{abstract}</a:t>
-            </a:r>
-            <a:br>
-              <a:rPr lang="en-US" sz="1050" b="1" dirty="0">
-                <a:solidFill>
-                  <a:srgbClr val="0070C0"/>
-                </a:solidFill>
-              </a:rPr>
-            </a:br>
-            <a:r>
-              <a:rPr lang="en-US" sz="1050" b="1" dirty="0">
-                <a:solidFill>
-                  <a:srgbClr val="0070C0"/>
-                </a:solidFill>
-              </a:rPr>
-              <a:t>Command</a:t>
-            </a:r>
-            <a:endParaRPr lang="en-SG" sz="1050" b="1" dirty="0">
-              <a:solidFill>
-                <a:srgbClr val="0070C0"/>
-              </a:solidFill>
-            </a:endParaRPr>
-          </a:p>
-        </p:txBody>
-      </p:sp>
-      <p:sp>
-        <p:nvSpPr>
           <p:cNvPr id="16" name="Rectangle 62"/>
           <p:cNvSpPr/>
           <p:nvPr/>
         </p:nvSpPr>
         <p:spPr>
           <a:xfrm>
-            <a:off x="3471428" y="3522255"/>
-            <a:ext cx="643372" cy="466040"/>
+            <a:off x="3255418" y="3554995"/>
+            <a:ext cx="1045323" cy="384497"/>
           </a:xfrm>
           <a:prstGeom prst="rect">
             <a:avLst/>
@@ -4066,24 +3947,18 @@
           <a:p>
             <a:pPr algn="ctr"/>
             <a:r>
-              <a:rPr lang="en-US" sz="1050" dirty="0">
+              <a:rPr lang="en-US" sz="1050" dirty="0" err="1" smtClean="0">
                 <a:solidFill>
                   <a:schemeClr val="bg1"/>
                 </a:solidFill>
               </a:rPr>
-              <a:t>Address</a:t>
-            </a:r>
-          </a:p>
-          <a:p>
-            <a:pPr algn="ctr"/>
-            <a:r>
-              <a:rPr lang="en-US" sz="1050" dirty="0">
-                <a:solidFill>
-                  <a:schemeClr val="bg1"/>
-                </a:solidFill>
-              </a:rPr>
-              <a:t>Book</a:t>
-            </a:r>
+              <a:t>AddressBook</a:t>
+            </a:r>
+            <a:endParaRPr lang="en-US" sz="1050" dirty="0">
+              <a:solidFill>
+                <a:schemeClr val="bg1"/>
+              </a:solidFill>
+            </a:endParaRPr>
           </a:p>
           <a:p>
             <a:pPr algn="ctr"/>
@@ -4103,51 +3978,6 @@
           </a:p>
         </p:txBody>
       </p:sp>
-      <p:cxnSp>
-        <p:nvCxnSpPr>
-          <p:cNvPr id="17" name="Elbow Connector 106"/>
-          <p:cNvCxnSpPr>
-            <a:cxnSpLocks/>
-            <a:stCxn id="5" idx="3"/>
-            <a:endCxn id="16" idx="1"/>
-          </p:cNvCxnSpPr>
-          <p:nvPr/>
-        </p:nvCxnSpPr>
-        <p:spPr>
-          <a:xfrm flipV="1">
-            <a:off x="2876130" y="3755275"/>
-            <a:ext cx="595298" cy="1635"/>
-          </a:xfrm>
-          <a:prstGeom prst="bentConnector3">
-            <a:avLst>
-              <a:gd name="adj1" fmla="val 50000"/>
-            </a:avLst>
-          </a:prstGeom>
-          <a:ln w="19050">
-            <a:solidFill>
-              <a:srgbClr val="0070C0"/>
-            </a:solidFill>
-            <a:prstDash val="solid"/>
-            <a:headEnd type="none" w="med" len="med"/>
-            <a:tailEnd type="arrow" w="med" len="med"/>
-          </a:ln>
-          <a:effectLst/>
-        </p:spPr>
-        <p:style>
-          <a:lnRef idx="1">
-            <a:schemeClr val="accent2"/>
-          </a:lnRef>
-          <a:fillRef idx="2">
-            <a:schemeClr val="accent2"/>
-          </a:fillRef>
-          <a:effectRef idx="1">
-            <a:schemeClr val="accent2"/>
-          </a:effectRef>
-          <a:fontRef idx="minor">
-            <a:schemeClr val="dk1"/>
-          </a:fontRef>
-        </p:style>
-      </p:cxnSp>
       <p:cxnSp>
         <p:nvCxnSpPr>
           <p:cNvPr id="18" name="Straight Arrow Connector 110"/>
@@ -4158,7 +3988,7 @@
         </p:nvCxnSpPr>
         <p:spPr>
           <a:xfrm>
-            <a:off x="7824261" y="4495800"/>
+            <a:off x="7362894" y="4495800"/>
             <a:ext cx="0" cy="281555"/>
           </a:xfrm>
           <a:prstGeom prst="straightConnector1">
@@ -4448,7 +4278,7 @@
         </p:nvCxnSpPr>
         <p:spPr>
           <a:xfrm>
-            <a:off x="2743200" y="3939492"/>
+            <a:off x="2281833" y="3939492"/>
             <a:ext cx="4695039" cy="382928"/>
           </a:xfrm>
           <a:prstGeom prst="bentConnector3">
@@ -4688,7 +4518,7 @@
         </p:nvSpPr>
         <p:spPr>
           <a:xfrm>
-            <a:off x="3221684" y="3807768"/>
+            <a:off x="3048000" y="3733800"/>
             <a:ext cx="131116" cy="230832"/>
           </a:xfrm>
           <a:prstGeom prst="rect">
@@ -4712,62 +4542,6 @@
               <a:t>1</a:t>
             </a:r>
             <a:endParaRPr lang="en-SG" sz="1100" dirty="0">
-              <a:solidFill>
-                <a:srgbClr val="0070C0"/>
-              </a:solidFill>
-            </a:endParaRPr>
-          </a:p>
-        </p:txBody>
-      </p:sp>
-      <p:sp>
-        <p:nvSpPr>
-          <p:cNvPr id="37" name="Rectangle 11"/>
-          <p:cNvSpPr/>
-          <p:nvPr/>
-        </p:nvSpPr>
-        <p:spPr>
-          <a:xfrm flipH="1">
-            <a:off x="6526365" y="2956137"/>
-            <a:ext cx="1093635" cy="346760"/>
-          </a:xfrm>
-          <a:prstGeom prst="rect">
-            <a:avLst/>
-          </a:prstGeom>
-          <a:ln w="19050">
-            <a:solidFill>
-              <a:srgbClr val="0070C0"/>
-            </a:solidFill>
-          </a:ln>
-          <a:effectLst/>
-        </p:spPr>
-        <p:style>
-          <a:lnRef idx="1">
-            <a:schemeClr val="accent1"/>
-          </a:lnRef>
-          <a:fillRef idx="2">
-            <a:schemeClr val="accent1"/>
-          </a:fillRef>
-          <a:effectRef idx="1">
-            <a:schemeClr val="accent1"/>
-          </a:effectRef>
-          <a:fontRef idx="minor">
-            <a:schemeClr val="dk1"/>
-          </a:fontRef>
-        </p:style>
-        <p:txBody>
-          <a:bodyPr rtlCol="0" anchor="ctr"/>
-          <a:lstStyle/>
-          <a:p>
-            <a:pPr algn="ctr"/>
-            <a:r>
-              <a:rPr lang="en-US" sz="1050" b="1" dirty="0">
-                <a:solidFill>
-                  <a:srgbClr val="0070C0"/>
-                </a:solidFill>
-              </a:rPr>
-              <a:t>…</a:t>
-            </a:r>
-            <a:endParaRPr lang="en-SG" sz="1050" b="1" dirty="0">
               <a:solidFill>
                 <a:srgbClr val="0070C0"/>
               </a:solidFill>
@@ -4816,203 +4590,6 @@
           </a:fontRef>
         </p:style>
       </p:cxnSp>
-      <p:sp>
-        <p:nvSpPr>
-          <p:cNvPr id="42" name="Rectangle 11"/>
-          <p:cNvSpPr/>
-          <p:nvPr/>
-        </p:nvSpPr>
-        <p:spPr>
-          <a:xfrm flipH="1">
-            <a:off x="4831294" y="2148937"/>
-            <a:ext cx="1093635" cy="346760"/>
-          </a:xfrm>
-          <a:prstGeom prst="rect">
-            <a:avLst/>
-          </a:prstGeom>
-          <a:solidFill>
-            <a:schemeClr val="accent5"/>
-          </a:solidFill>
-          <a:ln/>
-          <a:effectLst/>
-        </p:spPr>
-        <p:style>
-          <a:lnRef idx="1">
-            <a:schemeClr val="accent5"/>
-          </a:lnRef>
-          <a:fillRef idx="2">
-            <a:schemeClr val="accent5"/>
-          </a:fillRef>
-          <a:effectRef idx="1">
-            <a:schemeClr val="accent5"/>
-          </a:effectRef>
-          <a:fontRef idx="minor">
-            <a:schemeClr val="dk1"/>
-          </a:fontRef>
-        </p:style>
-        <p:txBody>
-          <a:bodyPr rtlCol="0" anchor="ctr"/>
-          <a:lstStyle/>
-          <a:p>
-            <a:pPr algn="ctr"/>
-            <a:r>
-              <a:rPr lang="en-US" sz="1050" b="1" dirty="0" err="1">
-                <a:solidFill>
-                  <a:schemeClr val="bg1"/>
-                </a:solidFill>
-              </a:rPr>
-              <a:t>AddCommand</a:t>
-            </a:r>
-            <a:endParaRPr lang="en-US" sz="1050" b="1" dirty="0">
-              <a:solidFill>
-                <a:schemeClr val="bg1"/>
-              </a:solidFill>
-            </a:endParaRPr>
-          </a:p>
-          <a:p>
-            <a:pPr algn="ctr"/>
-            <a:r>
-              <a:rPr lang="en-US" sz="1050" b="1" dirty="0">
-                <a:solidFill>
-                  <a:schemeClr val="bg1"/>
-                </a:solidFill>
-              </a:rPr>
-              <a:t>Parser</a:t>
-            </a:r>
-            <a:endParaRPr lang="en-SG" sz="1050" b="1" dirty="0">
-              <a:solidFill>
-                <a:schemeClr val="bg1"/>
-              </a:solidFill>
-            </a:endParaRPr>
-          </a:p>
-        </p:txBody>
-      </p:sp>
-      <p:sp>
-        <p:nvSpPr>
-          <p:cNvPr id="44" name="Rectangle 11"/>
-          <p:cNvSpPr/>
-          <p:nvPr/>
-        </p:nvSpPr>
-        <p:spPr>
-          <a:xfrm flipH="1">
-            <a:off x="4831294" y="2555337"/>
-            <a:ext cx="1093635" cy="346760"/>
-          </a:xfrm>
-          <a:prstGeom prst="rect">
-            <a:avLst/>
-          </a:prstGeom>
-          <a:solidFill>
-            <a:schemeClr val="accent5"/>
-          </a:solidFill>
-          <a:ln/>
-          <a:effectLst/>
-        </p:spPr>
-        <p:style>
-          <a:lnRef idx="1">
-            <a:schemeClr val="accent5"/>
-          </a:lnRef>
-          <a:fillRef idx="2">
-            <a:schemeClr val="accent5"/>
-          </a:fillRef>
-          <a:effectRef idx="1">
-            <a:schemeClr val="accent5"/>
-          </a:effectRef>
-          <a:fontRef idx="minor">
-            <a:schemeClr val="dk1"/>
-          </a:fontRef>
-        </p:style>
-        <p:txBody>
-          <a:bodyPr rtlCol="0" anchor="ctr"/>
-          <a:lstStyle/>
-          <a:p>
-            <a:pPr algn="ctr"/>
-            <a:r>
-              <a:rPr lang="en-US" sz="1050" b="1" dirty="0" err="1">
-                <a:solidFill>
-                  <a:schemeClr val="bg1"/>
-                </a:solidFill>
-              </a:rPr>
-              <a:t>FindCommand</a:t>
-            </a:r>
-            <a:endParaRPr lang="en-US" sz="1050" b="1" dirty="0">
-              <a:solidFill>
-                <a:schemeClr val="bg1"/>
-              </a:solidFill>
-            </a:endParaRPr>
-          </a:p>
-          <a:p>
-            <a:pPr algn="ctr"/>
-            <a:r>
-              <a:rPr lang="en-US" sz="1050" b="1" dirty="0">
-                <a:solidFill>
-                  <a:schemeClr val="bg1"/>
-                </a:solidFill>
-              </a:rPr>
-              <a:t>Parser</a:t>
-            </a:r>
-            <a:endParaRPr lang="en-SG" sz="1050" b="1" dirty="0">
-              <a:solidFill>
-                <a:schemeClr val="bg1"/>
-              </a:solidFill>
-            </a:endParaRPr>
-          </a:p>
-        </p:txBody>
-      </p:sp>
-      <p:sp>
-        <p:nvSpPr>
-          <p:cNvPr id="45" name="Rectangle 44"/>
-          <p:cNvSpPr/>
-          <p:nvPr/>
-        </p:nvSpPr>
-        <p:spPr>
-          <a:xfrm flipH="1">
-            <a:off x="4831292" y="2977582"/>
-            <a:ext cx="1093635" cy="346760"/>
-          </a:xfrm>
-          <a:prstGeom prst="rect">
-            <a:avLst/>
-          </a:prstGeom>
-          <a:solidFill>
-            <a:schemeClr val="accent5"/>
-          </a:solidFill>
-          <a:ln/>
-          <a:effectLst/>
-        </p:spPr>
-        <p:style>
-          <a:lnRef idx="1">
-            <a:schemeClr val="accent5"/>
-          </a:lnRef>
-          <a:fillRef idx="2">
-            <a:schemeClr val="accent5"/>
-          </a:fillRef>
-          <a:effectRef idx="1">
-            <a:schemeClr val="accent5"/>
-          </a:effectRef>
-          <a:fontRef idx="minor">
-            <a:schemeClr val="dk1"/>
-          </a:fontRef>
-        </p:style>
-        <p:txBody>
-          <a:bodyPr rtlCol="0" anchor="ctr"/>
-          <a:lstStyle/>
-          <a:p>
-            <a:pPr algn="ctr"/>
-            <a:r>
-              <a:rPr lang="en-US" sz="1050" b="1" dirty="0">
-                <a:solidFill>
-                  <a:schemeClr val="bg1"/>
-                </a:solidFill>
-              </a:rPr>
-              <a:t>…</a:t>
-            </a:r>
-            <a:endParaRPr lang="en-SG" sz="1050" b="1" dirty="0">
-              <a:solidFill>
-                <a:schemeClr val="bg1"/>
-              </a:solidFill>
-            </a:endParaRPr>
-          </a:p>
-        </p:txBody>
-      </p:sp>
       <p:sp>
         <p:nvSpPr>
           <p:cNvPr id="56" name="Rectangle 62"/>
@@ -5158,216 +4735,6 @@
           </a:p>
         </p:txBody>
       </p:sp>
-      <p:grpSp>
-        <p:nvGrpSpPr>
-          <p:cNvPr id="161" name="Group 160"/>
-          <p:cNvGrpSpPr/>
-          <p:nvPr/>
-        </p:nvGrpSpPr>
-        <p:grpSpPr>
-          <a:xfrm rot="5400000">
-            <a:off x="6088711" y="1962201"/>
-            <a:ext cx="254462" cy="555486"/>
-            <a:chOff x="3949242" y="578739"/>
-            <a:chExt cx="254462" cy="503902"/>
-          </a:xfrm>
-        </p:grpSpPr>
-        <p:sp>
-          <p:nvSpPr>
-            <p:cNvPr id="162" name="TextBox 161"/>
-            <p:cNvSpPr txBox="1"/>
-            <p:nvPr/>
-          </p:nvSpPr>
-          <p:spPr>
-            <a:xfrm rot="16200000">
-              <a:off x="3824522" y="703459"/>
-              <a:ext cx="503902" cy="254462"/>
-            </a:xfrm>
-            <a:prstGeom prst="rect">
-              <a:avLst/>
-            </a:prstGeom>
-            <a:noFill/>
-          </p:spPr>
-          <p:txBody>
-            <a:bodyPr wrap="square" lIns="0" tIns="0" rIns="0" bIns="0" rtlCol="0">
-              <a:noAutofit/>
-            </a:bodyPr>
-            <a:lstStyle/>
-            <a:p>
-              <a:r>
-                <a:rPr lang="en-US" sz="1100" dirty="0">
-                  <a:solidFill>
-                    <a:schemeClr val="accent5">
-                      <a:lumMod val="75000"/>
-                    </a:schemeClr>
-                  </a:solidFill>
-                </a:rPr>
-                <a:t>creates</a:t>
-              </a:r>
-              <a:endParaRPr lang="en-SG" sz="1100" dirty="0">
-                <a:solidFill>
-                  <a:schemeClr val="accent5">
-                    <a:lumMod val="75000"/>
-                  </a:schemeClr>
-                </a:solidFill>
-              </a:endParaRPr>
-            </a:p>
-          </p:txBody>
-        </p:sp>
-        <p:sp>
-          <p:nvSpPr>
-            <p:cNvPr id="163" name="Isosceles Triangle 162"/>
-            <p:cNvSpPr/>
-            <p:nvPr/>
-          </p:nvSpPr>
-          <p:spPr>
-            <a:xfrm rot="10800000" flipV="1">
-              <a:off x="3979474" y="617927"/>
-              <a:ext cx="132157" cy="79956"/>
-            </a:xfrm>
-            <a:prstGeom prst="triangle">
-              <a:avLst/>
-            </a:prstGeom>
-            <a:solidFill>
-              <a:schemeClr val="accent5">
-                <a:lumMod val="75000"/>
-              </a:schemeClr>
-            </a:solidFill>
-            <a:ln>
-              <a:noFill/>
-            </a:ln>
-          </p:spPr>
-          <p:style>
-            <a:lnRef idx="2">
-              <a:schemeClr val="accent1">
-                <a:shade val="50000"/>
-              </a:schemeClr>
-            </a:lnRef>
-            <a:fillRef idx="1">
-              <a:schemeClr val="accent1"/>
-            </a:fillRef>
-            <a:effectRef idx="0">
-              <a:schemeClr val="accent1"/>
-            </a:effectRef>
-            <a:fontRef idx="minor">
-              <a:schemeClr val="lt1"/>
-            </a:fontRef>
-          </p:style>
-          <p:txBody>
-            <a:bodyPr rtlCol="0" anchor="ctr"/>
-            <a:lstStyle/>
-            <a:p>
-              <a:pPr algn="ctr"/>
-              <a:endParaRPr lang="en-SG"/>
-            </a:p>
-          </p:txBody>
-        </p:sp>
-      </p:grpSp>
-      <p:grpSp>
-        <p:nvGrpSpPr>
-          <p:cNvPr id="164" name="Group 163"/>
-          <p:cNvGrpSpPr/>
-          <p:nvPr/>
-        </p:nvGrpSpPr>
-        <p:grpSpPr>
-          <a:xfrm rot="5400000">
-            <a:off x="6098740" y="2390577"/>
-            <a:ext cx="254462" cy="555486"/>
-            <a:chOff x="3965759" y="592436"/>
-            <a:chExt cx="254462" cy="503902"/>
-          </a:xfrm>
-        </p:grpSpPr>
-        <p:sp>
-          <p:nvSpPr>
-            <p:cNvPr id="165" name="TextBox 164"/>
-            <p:cNvSpPr txBox="1"/>
-            <p:nvPr/>
-          </p:nvSpPr>
-          <p:spPr>
-            <a:xfrm rot="16200000">
-              <a:off x="3841039" y="717156"/>
-              <a:ext cx="503902" cy="254462"/>
-            </a:xfrm>
-            <a:prstGeom prst="rect">
-              <a:avLst/>
-            </a:prstGeom>
-            <a:noFill/>
-          </p:spPr>
-          <p:txBody>
-            <a:bodyPr wrap="square" lIns="0" tIns="0" rIns="0" bIns="0" rtlCol="0">
-              <a:noAutofit/>
-            </a:bodyPr>
-            <a:lstStyle/>
-            <a:p>
-              <a:r>
-                <a:rPr lang="en-US" sz="1100" dirty="0">
-                  <a:solidFill>
-                    <a:schemeClr val="accent5">
-                      <a:lumMod val="75000"/>
-                    </a:schemeClr>
-                  </a:solidFill>
-                </a:rPr>
-                <a:t>creates</a:t>
-              </a:r>
-              <a:endParaRPr lang="en-SG" sz="1100" dirty="0">
-                <a:solidFill>
-                  <a:schemeClr val="accent5">
-                    <a:lumMod val="75000"/>
-                  </a:schemeClr>
-                </a:solidFill>
-              </a:endParaRPr>
-            </a:p>
-          </p:txBody>
-        </p:sp>
-        <p:sp>
-          <p:nvSpPr>
-            <p:cNvPr id="166" name="Isosceles Triangle 165"/>
-            <p:cNvSpPr/>
-            <p:nvPr/>
-          </p:nvSpPr>
-          <p:spPr>
-            <a:xfrm rot="10800000" flipV="1">
-              <a:off x="3995991" y="631624"/>
-              <a:ext cx="132157" cy="79956"/>
-            </a:xfrm>
-            <a:prstGeom prst="triangle">
-              <a:avLst/>
-            </a:prstGeom>
-            <a:solidFill>
-              <a:schemeClr val="accent5">
-                <a:lumMod val="75000"/>
-              </a:schemeClr>
-            </a:solidFill>
-            <a:ln>
-              <a:noFill/>
-            </a:ln>
-          </p:spPr>
-          <p:style>
-            <a:lnRef idx="2">
-              <a:schemeClr val="accent1">
-                <a:shade val="50000"/>
-              </a:schemeClr>
-            </a:lnRef>
-            <a:fillRef idx="1">
-              <a:schemeClr val="accent1"/>
-            </a:fillRef>
-            <a:effectRef idx="0">
-              <a:schemeClr val="accent1"/>
-            </a:effectRef>
-            <a:fontRef idx="minor">
-              <a:schemeClr val="lt1"/>
-            </a:fontRef>
-          </p:style>
-          <p:txBody>
-            <a:bodyPr rtlCol="0" anchor="ctr"/>
-            <a:lstStyle/>
-            <a:p>
-              <a:pPr algn="ctr"/>
-              <a:endParaRPr lang="en-SG"/>
-            </a:p>
-          </p:txBody>
-        </p:sp>
-      </p:grpSp>
       <p:sp>
         <p:nvSpPr>
           <p:cNvPr id="60" name="Rectangle 62"/>
@@ -5500,94 +4867,6 @@
       </p:sp>
       <p:cxnSp>
         <p:nvCxnSpPr>
-          <p:cNvPr id="100" name="Straight Arrow Connector 99"/>
-          <p:cNvCxnSpPr>
-            <a:cxnSpLocks/>
-            <a:endCxn id="60" idx="3"/>
-          </p:cNvCxnSpPr>
-          <p:nvPr/>
-        </p:nvCxnSpPr>
-        <p:spPr>
-          <a:xfrm flipH="1">
-            <a:off x="3917962" y="2983635"/>
-            <a:ext cx="335164" cy="0"/>
-          </a:xfrm>
-          <a:prstGeom prst="straightConnector1">
-            <a:avLst/>
-          </a:prstGeom>
-          <a:ln w="19050">
-            <a:solidFill>
-              <a:schemeClr val="accent5">
-                <a:lumMod val="50000"/>
-              </a:schemeClr>
-            </a:solidFill>
-            <a:prstDash val="sysDot"/>
-            <a:headEnd type="none" w="med" len="med"/>
-            <a:tailEnd type="arrow" w="med" len="med"/>
-          </a:ln>
-          <a:effectLst/>
-        </p:spPr>
-        <p:style>
-          <a:lnRef idx="1">
-            <a:schemeClr val="accent2"/>
-          </a:lnRef>
-          <a:fillRef idx="2">
-            <a:schemeClr val="accent2"/>
-          </a:fillRef>
-          <a:effectRef idx="1">
-            <a:schemeClr val="accent2"/>
-          </a:effectRef>
-          <a:fontRef idx="minor">
-            <a:schemeClr val="dk1"/>
-          </a:fontRef>
-        </p:style>
-      </p:cxnSp>
-      <p:cxnSp>
-        <p:nvCxnSpPr>
-          <p:cNvPr id="105" name="Straight Arrow Connector 104"/>
-          <p:cNvCxnSpPr>
-            <a:cxnSpLocks/>
-            <a:endCxn id="62" idx="3"/>
-          </p:cNvCxnSpPr>
-          <p:nvPr/>
-        </p:nvCxnSpPr>
-        <p:spPr>
-          <a:xfrm flipH="1">
-            <a:off x="3917962" y="3332439"/>
-            <a:ext cx="335164" cy="353"/>
-          </a:xfrm>
-          <a:prstGeom prst="straightConnector1">
-            <a:avLst/>
-          </a:prstGeom>
-          <a:ln w="19050">
-            <a:solidFill>
-              <a:schemeClr val="accent5">
-                <a:lumMod val="50000"/>
-              </a:schemeClr>
-            </a:solidFill>
-            <a:prstDash val="sysDot"/>
-            <a:headEnd type="none" w="med" len="med"/>
-            <a:tailEnd type="arrow" w="med" len="med"/>
-          </a:ln>
-          <a:effectLst/>
-        </p:spPr>
-        <p:style>
-          <a:lnRef idx="1">
-            <a:schemeClr val="accent2"/>
-          </a:lnRef>
-          <a:fillRef idx="2">
-            <a:schemeClr val="accent2"/>
-          </a:fillRef>
-          <a:effectRef idx="1">
-            <a:schemeClr val="accent2"/>
-          </a:effectRef>
-          <a:fontRef idx="minor">
-            <a:schemeClr val="dk1"/>
-          </a:fontRef>
-        </p:style>
-      </p:cxnSp>
-      <p:cxnSp>
-        <p:nvCxnSpPr>
           <p:cNvPr id="13" name="Elbow Connector 12"/>
           <p:cNvCxnSpPr>
             <a:cxnSpLocks/>
@@ -5614,50 +4893,6 @@
             <a:prstDash val="sysDot"/>
             <a:headEnd type="none" w="med" len="med"/>
             <a:tailEnd type="arrow" w="med" len="med"/>
-          </a:ln>
-          <a:effectLst/>
-        </p:spPr>
-        <p:style>
-          <a:lnRef idx="1">
-            <a:schemeClr val="accent2"/>
-          </a:lnRef>
-          <a:fillRef idx="2">
-            <a:schemeClr val="accent2"/>
-          </a:fillRef>
-          <a:effectRef idx="1">
-            <a:schemeClr val="accent2"/>
-          </a:effectRef>
-          <a:fontRef idx="minor">
-            <a:schemeClr val="dk1"/>
-          </a:fontRef>
-        </p:style>
-      </p:cxnSp>
-      <p:cxnSp>
-        <p:nvCxnSpPr>
-          <p:cNvPr id="47" name="Straight Connector 46"/>
-          <p:cNvCxnSpPr>
-            <a:cxnSpLocks/>
-            <a:stCxn id="56" idx="3"/>
-          </p:cNvCxnSpPr>
-          <p:nvPr/>
-        </p:nvCxnSpPr>
-        <p:spPr>
-          <a:xfrm>
-            <a:off x="3925321" y="2036175"/>
-            <a:ext cx="327805" cy="107"/>
-          </a:xfrm>
-          <a:prstGeom prst="line">
-            <a:avLst/>
-          </a:prstGeom>
-          <a:ln w="19050">
-            <a:solidFill>
-              <a:schemeClr val="accent5">
-                <a:lumMod val="50000"/>
-              </a:schemeClr>
-            </a:solidFill>
-            <a:prstDash val="sysDot"/>
-            <a:headEnd type="arrow" w="med" len="med"/>
-            <a:tailEnd type="none" w="med" len="med"/>
           </a:ln>
           <a:effectLst/>
         </p:spPr>
@@ -5729,8 +4964,8 @@
           <p:nvPr/>
         </p:nvGrpSpPr>
         <p:grpSpPr>
-          <a:xfrm rot="5400000">
-            <a:off x="4346209" y="3538793"/>
+          <a:xfrm rot="10800000">
+            <a:off x="4687086" y="3784757"/>
             <a:ext cx="555486" cy="254462"/>
             <a:chOff x="3703306" y="644022"/>
             <a:chExt cx="555486" cy="230832"/>
@@ -5827,43 +5062,6 @@
           </p:txBody>
         </p:sp>
       </p:grpSp>
-      <p:cxnSp>
-        <p:nvCxnSpPr>
-          <p:cNvPr id="84" name="Elbow Connector 83"/>
-          <p:cNvCxnSpPr>
-            <a:stCxn id="87" idx="3"/>
-            <a:endCxn id="37" idx="1"/>
-          </p:cNvCxnSpPr>
-          <p:nvPr/>
-        </p:nvCxnSpPr>
-        <p:spPr>
-          <a:xfrm rot="16200000" flipV="1">
-            <a:off x="7296652" y="3452865"/>
-            <a:ext cx="850958" cy="204262"/>
-          </a:xfrm>
-          <a:prstGeom prst="bentConnector2">
-            <a:avLst/>
-          </a:prstGeom>
-          <a:ln w="19050">
-            <a:headEnd type="none" w="med" len="med"/>
-            <a:tailEnd type="none" w="med" len="med"/>
-          </a:ln>
-        </p:spPr>
-        <p:style>
-          <a:lnRef idx="1">
-            <a:schemeClr val="accent1"/>
-          </a:lnRef>
-          <a:fillRef idx="0">
-            <a:schemeClr val="accent1"/>
-          </a:fillRef>
-          <a:effectRef idx="0">
-            <a:schemeClr val="accent1"/>
-          </a:effectRef>
-          <a:fontRef idx="minor">
-            <a:schemeClr val="tx1"/>
-          </a:fontRef>
-        </p:style>
-      </p:cxnSp>
       <p:sp>
         <p:nvSpPr>
           <p:cNvPr id="87" name="Isosceles Triangle 102"/>
@@ -5872,7 +5070,7 @@
         </p:nvSpPr>
         <p:spPr>
           <a:xfrm flipV="1">
-            <a:off x="7689010" y="3980475"/>
+            <a:off x="7227643" y="3980475"/>
             <a:ext cx="270504" cy="175523"/>
           </a:xfrm>
           <a:prstGeom prst="triangle">
@@ -5920,20 +5118,22 @@
       </p:sp>
       <p:cxnSp>
         <p:nvCxnSpPr>
-          <p:cNvPr id="90" name="Elbow Connector 89"/>
+          <p:cNvPr id="96" name="Elbow Connector 95"/>
           <p:cNvCxnSpPr>
             <a:stCxn id="87" idx="3"/>
-            <a:endCxn id="11" idx="1"/>
+            <a:endCxn id="4" idx="2"/>
           </p:cNvCxnSpPr>
           <p:nvPr/>
         </p:nvCxnSpPr>
         <p:spPr>
-          <a:xfrm rot="16200000" flipV="1">
-            <a:off x="7516775" y="3672988"/>
-            <a:ext cx="410712" cy="204262"/>
-          </a:xfrm>
-          <a:prstGeom prst="bentConnector2">
-            <a:avLst/>
+          <a:xfrm rot="5400000" flipH="1" flipV="1">
+            <a:off x="6916385" y="3533423"/>
+            <a:ext cx="893563" cy="542"/>
+          </a:xfrm>
+          <a:prstGeom prst="bentConnector3">
+            <a:avLst>
+              <a:gd name="adj1" fmla="val 50000"/>
+            </a:avLst>
           </a:prstGeom>
           <a:ln w="19050">
             <a:headEnd type="none" w="med" len="med"/>
@@ -5957,92 +5157,18 @@
       </p:cxnSp>
       <p:cxnSp>
         <p:nvCxnSpPr>
-          <p:cNvPr id="93" name="Elbow Connector 92"/>
+          <p:cNvPr id="122" name="Elbow Connector 63"/>
           <p:cNvCxnSpPr>
-            <a:stCxn id="87" idx="3"/>
-            <a:endCxn id="10" idx="1"/>
+            <a:cxnSpLocks/>
+            <a:stCxn id="42" idx="1"/>
+            <a:endCxn id="4" idx="3"/>
           </p:cNvCxnSpPr>
           <p:nvPr/>
         </p:nvCxnSpPr>
         <p:spPr>
-          <a:xfrm rot="16200000" flipV="1">
-            <a:off x="7096044" y="3252257"/>
-            <a:ext cx="1252175" cy="204262"/>
-          </a:xfrm>
-          <a:prstGeom prst="bentConnector2">
-            <a:avLst/>
-          </a:prstGeom>
-          <a:ln w="19050">
-            <a:headEnd type="none" w="med" len="med"/>
-            <a:tailEnd type="none" w="med" len="med"/>
-          </a:ln>
-        </p:spPr>
-        <p:style>
-          <a:lnRef idx="1">
-            <a:schemeClr val="accent1"/>
-          </a:lnRef>
-          <a:fillRef idx="0">
-            <a:schemeClr val="accent1"/>
-          </a:fillRef>
-          <a:effectRef idx="0">
-            <a:schemeClr val="accent1"/>
-          </a:effectRef>
-          <a:fontRef idx="minor">
-            <a:schemeClr val="tx1"/>
-          </a:fontRef>
-        </p:style>
-      </p:cxnSp>
-      <p:cxnSp>
-        <p:nvCxnSpPr>
-          <p:cNvPr id="96" name="Elbow Connector 95"/>
-          <p:cNvCxnSpPr>
-            <a:stCxn id="87" idx="3"/>
-            <a:endCxn id="4" idx="1"/>
-          </p:cNvCxnSpPr>
-          <p:nvPr/>
-        </p:nvCxnSpPr>
-        <p:spPr>
-          <a:xfrm rot="16200000" flipV="1">
-            <a:off x="6890098" y="3046311"/>
-            <a:ext cx="1657928" cy="210400"/>
-          </a:xfrm>
-          <a:prstGeom prst="bentConnector2">
-            <a:avLst/>
-          </a:prstGeom>
-          <a:ln w="19050">
-            <a:headEnd type="none" w="med" len="med"/>
-            <a:tailEnd type="none" w="med" len="med"/>
-          </a:ln>
-        </p:spPr>
-        <p:style>
-          <a:lnRef idx="1">
-            <a:schemeClr val="accent1"/>
-          </a:lnRef>
-          <a:fillRef idx="0">
-            <a:schemeClr val="accent1"/>
-          </a:fillRef>
-          <a:effectRef idx="0">
-            <a:schemeClr val="accent1"/>
-          </a:effectRef>
-          <a:fontRef idx="minor">
-            <a:schemeClr val="tx1"/>
-          </a:fontRef>
-        </p:style>
-      </p:cxnSp>
-      <p:cxnSp>
-        <p:nvCxnSpPr>
-          <p:cNvPr id="110" name="Elbow Connector 63"/>
-          <p:cNvCxnSpPr>
-            <a:cxnSpLocks/>
-            <a:stCxn id="16" idx="3"/>
-            <a:endCxn id="45" idx="3"/>
-          </p:cNvCxnSpPr>
-          <p:nvPr/>
-        </p:nvCxnSpPr>
-        <p:spPr>
           <a:xfrm flipV="1">
-            <a:off x="4114800" y="3150962"/>
-            <a:ext cx="716492" cy="604313"/>
+            <a:off x="6066328" y="2913532"/>
+            <a:ext cx="811946" cy="659"/>
           </a:xfrm>
           <a:prstGeom prst="bentConnector3">
             <a:avLst>
@@ -6058,366 +5184,6 @@
             <a:prstDash val="sysDot"/>
             <a:headEnd type="none" w="med" len="med"/>
             <a:tailEnd type="arrow" w="med" len="med"/>
-          </a:ln>
-          <a:effectLst/>
-        </p:spPr>
-        <p:style>
-          <a:lnRef idx="1">
-            <a:schemeClr val="accent2"/>
-          </a:lnRef>
-          <a:fillRef idx="2">
-            <a:schemeClr val="accent2"/>
-          </a:fillRef>
-          <a:effectRef idx="1">
-            <a:schemeClr val="accent2"/>
-          </a:effectRef>
-          <a:fontRef idx="minor">
-            <a:schemeClr val="dk1"/>
-          </a:fontRef>
-        </p:style>
-      </p:cxnSp>
-      <p:cxnSp>
-        <p:nvCxnSpPr>
-          <p:cNvPr id="113" name="Elbow Connector 63"/>
-          <p:cNvCxnSpPr>
-            <a:cxnSpLocks/>
-            <a:stCxn id="16" idx="3"/>
-            <a:endCxn id="44" idx="3"/>
-          </p:cNvCxnSpPr>
-          <p:nvPr/>
-        </p:nvCxnSpPr>
-        <p:spPr>
-          <a:xfrm flipV="1">
-            <a:off x="4114800" y="2728717"/>
-            <a:ext cx="716494" cy="1026558"/>
-          </a:xfrm>
-          <a:prstGeom prst="bentConnector3">
-            <a:avLst>
-              <a:gd name="adj1" fmla="val 50000"/>
-            </a:avLst>
-          </a:prstGeom>
-          <a:ln w="19050">
-            <a:solidFill>
-              <a:schemeClr val="accent5">
-                <a:lumMod val="75000"/>
-              </a:schemeClr>
-            </a:solidFill>
-            <a:prstDash val="sysDot"/>
-            <a:headEnd type="none" w="med" len="med"/>
-            <a:tailEnd type="arrow" w="med" len="med"/>
-          </a:ln>
-          <a:effectLst/>
-        </p:spPr>
-        <p:style>
-          <a:lnRef idx="1">
-            <a:schemeClr val="accent2"/>
-          </a:lnRef>
-          <a:fillRef idx="2">
-            <a:schemeClr val="accent2"/>
-          </a:fillRef>
-          <a:effectRef idx="1">
-            <a:schemeClr val="accent2"/>
-          </a:effectRef>
-          <a:fontRef idx="minor">
-            <a:schemeClr val="dk1"/>
-          </a:fontRef>
-        </p:style>
-      </p:cxnSp>
-      <p:cxnSp>
-        <p:nvCxnSpPr>
-          <p:cNvPr id="116" name="Elbow Connector 63"/>
-          <p:cNvCxnSpPr>
-            <a:cxnSpLocks/>
-            <a:stCxn id="16" idx="3"/>
-            <a:endCxn id="42" idx="3"/>
-          </p:cNvCxnSpPr>
-          <p:nvPr/>
-        </p:nvCxnSpPr>
-        <p:spPr>
-          <a:xfrm flipV="1">
-            <a:off x="4114800" y="2322317"/>
-            <a:ext cx="716494" cy="1432958"/>
-          </a:xfrm>
-          <a:prstGeom prst="bentConnector3">
-            <a:avLst>
-              <a:gd name="adj1" fmla="val 50000"/>
-            </a:avLst>
-          </a:prstGeom>
-          <a:ln w="19050">
-            <a:solidFill>
-              <a:schemeClr val="accent5">
-                <a:lumMod val="75000"/>
-              </a:schemeClr>
-            </a:solidFill>
-            <a:prstDash val="sysDot"/>
-            <a:headEnd type="none" w="med" len="med"/>
-            <a:tailEnd type="arrow" w="med" len="med"/>
-          </a:ln>
-          <a:effectLst/>
-        </p:spPr>
-        <p:style>
-          <a:lnRef idx="1">
-            <a:schemeClr val="accent2"/>
-          </a:lnRef>
-          <a:fillRef idx="2">
-            <a:schemeClr val="accent2"/>
-          </a:fillRef>
-          <a:effectRef idx="1">
-            <a:schemeClr val="accent2"/>
-          </a:effectRef>
-          <a:fontRef idx="minor">
-            <a:schemeClr val="dk1"/>
-          </a:fontRef>
-        </p:style>
-      </p:cxnSp>
-      <p:cxnSp>
-        <p:nvCxnSpPr>
-          <p:cNvPr id="120" name="Elbow Connector 63"/>
-          <p:cNvCxnSpPr>
-            <a:cxnSpLocks/>
-            <a:stCxn id="44" idx="1"/>
-            <a:endCxn id="10" idx="3"/>
-          </p:cNvCxnSpPr>
-          <p:nvPr/>
-        </p:nvCxnSpPr>
-        <p:spPr>
-          <a:xfrm flipV="1">
-            <a:off x="5924929" y="2728300"/>
-            <a:ext cx="601436" cy="417"/>
-          </a:xfrm>
-          <a:prstGeom prst="bentConnector3">
-            <a:avLst>
-              <a:gd name="adj1" fmla="val 50000"/>
-            </a:avLst>
-          </a:prstGeom>
-          <a:ln w="19050">
-            <a:solidFill>
-              <a:schemeClr val="accent5">
-                <a:lumMod val="75000"/>
-              </a:schemeClr>
-            </a:solidFill>
-            <a:prstDash val="sysDot"/>
-            <a:headEnd type="none" w="med" len="med"/>
-            <a:tailEnd type="arrow" w="med" len="med"/>
-          </a:ln>
-          <a:effectLst/>
-        </p:spPr>
-        <p:style>
-          <a:lnRef idx="1">
-            <a:schemeClr val="accent2"/>
-          </a:lnRef>
-          <a:fillRef idx="2">
-            <a:schemeClr val="accent2"/>
-          </a:fillRef>
-          <a:effectRef idx="1">
-            <a:schemeClr val="accent2"/>
-          </a:effectRef>
-          <a:fontRef idx="minor">
-            <a:schemeClr val="dk1"/>
-          </a:fontRef>
-        </p:style>
-      </p:cxnSp>
-      <p:cxnSp>
-        <p:nvCxnSpPr>
-          <p:cNvPr id="122" name="Elbow Connector 63"/>
-          <p:cNvCxnSpPr>
-            <a:cxnSpLocks/>
-            <a:stCxn id="42" idx="1"/>
-            <a:endCxn id="4" idx="3"/>
-          </p:cNvCxnSpPr>
-          <p:nvPr/>
-        </p:nvCxnSpPr>
-        <p:spPr>
-          <a:xfrm>
-            <a:off x="5924929" y="2322317"/>
-            <a:ext cx="595298" cy="230"/>
-          </a:xfrm>
-          <a:prstGeom prst="bentConnector3">
-            <a:avLst>
-              <a:gd name="adj1" fmla="val 50000"/>
-            </a:avLst>
-          </a:prstGeom>
-          <a:ln w="19050">
-            <a:solidFill>
-              <a:schemeClr val="accent5">
-                <a:lumMod val="75000"/>
-              </a:schemeClr>
-            </a:solidFill>
-            <a:prstDash val="sysDot"/>
-            <a:headEnd type="none" w="med" len="med"/>
-            <a:tailEnd type="arrow" w="med" len="med"/>
-          </a:ln>
-          <a:effectLst/>
-        </p:spPr>
-        <p:style>
-          <a:lnRef idx="1">
-            <a:schemeClr val="accent2"/>
-          </a:lnRef>
-          <a:fillRef idx="2">
-            <a:schemeClr val="accent2"/>
-          </a:fillRef>
-          <a:effectRef idx="1">
-            <a:schemeClr val="accent2"/>
-          </a:effectRef>
-          <a:fontRef idx="minor">
-            <a:schemeClr val="dk1"/>
-          </a:fontRef>
-        </p:style>
-      </p:cxnSp>
-      <p:cxnSp>
-        <p:nvCxnSpPr>
-          <p:cNvPr id="64" name="Straight Connector 63"/>
-          <p:cNvCxnSpPr>
-            <a:cxnSpLocks/>
-          </p:cNvCxnSpPr>
-          <p:nvPr/>
-        </p:nvCxnSpPr>
-        <p:spPr>
-          <a:xfrm>
-            <a:off x="4248488" y="1904126"/>
-            <a:ext cx="0" cy="1434673"/>
-          </a:xfrm>
-          <a:prstGeom prst="line">
-            <a:avLst/>
-          </a:prstGeom>
-          <a:ln w="19050">
-            <a:solidFill>
-              <a:schemeClr val="accent5">
-                <a:lumMod val="50000"/>
-              </a:schemeClr>
-            </a:solidFill>
-            <a:prstDash val="sysDot"/>
-            <a:headEnd type="none" w="med" len="med"/>
-            <a:tailEnd type="none" w="med" len="med"/>
-          </a:ln>
-          <a:effectLst/>
-        </p:spPr>
-        <p:style>
-          <a:lnRef idx="1">
-            <a:schemeClr val="accent2"/>
-          </a:lnRef>
-          <a:fillRef idx="2">
-            <a:schemeClr val="accent2"/>
-          </a:fillRef>
-          <a:effectRef idx="1">
-            <a:schemeClr val="accent2"/>
-          </a:effectRef>
-          <a:fontRef idx="minor">
-            <a:schemeClr val="dk1"/>
-          </a:fontRef>
-        </p:style>
-      </p:cxnSp>
-      <p:cxnSp>
-        <p:nvCxnSpPr>
-          <p:cNvPr id="66" name="Straight Connector 65"/>
-          <p:cNvCxnSpPr>
-            <a:cxnSpLocks/>
-          </p:cNvCxnSpPr>
-          <p:nvPr/>
-        </p:nvCxnSpPr>
-        <p:spPr>
-          <a:xfrm>
-            <a:off x="4248488" y="2209800"/>
-            <a:ext cx="582002" cy="0"/>
-          </a:xfrm>
-          <a:prstGeom prst="line">
-            <a:avLst/>
-          </a:prstGeom>
-          <a:ln w="19050">
-            <a:solidFill>
-              <a:schemeClr val="accent5">
-                <a:lumMod val="50000"/>
-              </a:schemeClr>
-            </a:solidFill>
-            <a:prstDash val="sysDot"/>
-            <a:headEnd type="none" w="med" len="med"/>
-            <a:tailEnd type="none" w="med" len="med"/>
-          </a:ln>
-          <a:effectLst/>
-        </p:spPr>
-        <p:style>
-          <a:lnRef idx="1">
-            <a:schemeClr val="accent2"/>
-          </a:lnRef>
-          <a:fillRef idx="2">
-            <a:schemeClr val="accent2"/>
-          </a:fillRef>
-          <a:effectRef idx="1">
-            <a:schemeClr val="accent2"/>
-          </a:effectRef>
-          <a:fontRef idx="minor">
-            <a:schemeClr val="dk1"/>
-          </a:fontRef>
-        </p:style>
-      </p:cxnSp>
-      <p:cxnSp>
-        <p:nvCxnSpPr>
-          <p:cNvPr id="73" name="Straight Connector 72"/>
-          <p:cNvCxnSpPr>
-            <a:cxnSpLocks/>
-          </p:cNvCxnSpPr>
-          <p:nvPr/>
-        </p:nvCxnSpPr>
-        <p:spPr>
-          <a:xfrm flipV="1">
-            <a:off x="4255042" y="2607245"/>
-            <a:ext cx="566976" cy="5974"/>
-          </a:xfrm>
-          <a:prstGeom prst="line">
-            <a:avLst/>
-          </a:prstGeom>
-          <a:ln w="19050">
-            <a:solidFill>
-              <a:schemeClr val="accent5">
-                <a:lumMod val="50000"/>
-              </a:schemeClr>
-            </a:solidFill>
-            <a:prstDash val="sysDot"/>
-            <a:headEnd type="none" w="med" len="med"/>
-            <a:tailEnd type="none" w="med" len="med"/>
-          </a:ln>
-          <a:effectLst/>
-        </p:spPr>
-        <p:style>
-          <a:lnRef idx="1">
-            <a:schemeClr val="accent2"/>
-          </a:lnRef>
-          <a:fillRef idx="2">
-            <a:schemeClr val="accent2"/>
-          </a:fillRef>
-          <a:effectRef idx="1">
-            <a:schemeClr val="accent2"/>
-          </a:effectRef>
-          <a:fontRef idx="minor">
-            <a:schemeClr val="dk1"/>
-          </a:fontRef>
-        </p:style>
-      </p:cxnSp>
-      <p:cxnSp>
-        <p:nvCxnSpPr>
-          <p:cNvPr id="74" name="Straight Connector 73"/>
-          <p:cNvCxnSpPr>
-            <a:cxnSpLocks/>
-          </p:cNvCxnSpPr>
-          <p:nvPr/>
-        </p:nvCxnSpPr>
-        <p:spPr>
-          <a:xfrm>
-            <a:off x="4248487" y="3048000"/>
-            <a:ext cx="573531" cy="0"/>
-          </a:xfrm>
-          <a:prstGeom prst="line">
-            <a:avLst/>
-          </a:prstGeom>
-          <a:ln w="19050">
-            <a:solidFill>
-              <a:schemeClr val="accent5">
-                <a:lumMod val="50000"/>
-              </a:schemeClr>
-            </a:solidFill>
-            <a:prstDash val="sysDot"/>
-            <a:headEnd type="none" w="med" len="med"/>
-            <a:tailEnd type="none" w="med" len="med"/>
           </a:ln>
           <a:effectLst/>
         </p:spPr>
@@ -6607,50 +5373,6 @@
           </a:fontRef>
         </p:style>
       </p:cxnSp>
-      <p:cxnSp>
-        <p:nvCxnSpPr>
-          <p:cNvPr id="123" name="Straight Connector 122"/>
-          <p:cNvCxnSpPr>
-            <a:cxnSpLocks/>
-            <a:stCxn id="109" idx="3"/>
-          </p:cNvCxnSpPr>
-          <p:nvPr/>
-        </p:nvCxnSpPr>
-        <p:spPr>
-          <a:xfrm flipV="1">
-            <a:off x="3924370" y="2535795"/>
-            <a:ext cx="322202" cy="4715"/>
-          </a:xfrm>
-          <a:prstGeom prst="line">
-            <a:avLst/>
-          </a:prstGeom>
-          <a:ln w="19050">
-            <a:solidFill>
-              <a:schemeClr val="accent5">
-                <a:lumMod val="50000"/>
-              </a:schemeClr>
-            </a:solidFill>
-            <a:prstDash val="sysDot"/>
-            <a:headEnd type="arrow" w="med" len="med"/>
-            <a:tailEnd type="none" w="med" len="med"/>
-          </a:ln>
-          <a:effectLst/>
-        </p:spPr>
-        <p:style>
-          <a:lnRef idx="1">
-            <a:schemeClr val="accent2"/>
-          </a:lnRef>
-          <a:fillRef idx="2">
-            <a:schemeClr val="accent2"/>
-          </a:fillRef>
-          <a:effectRef idx="1">
-            <a:schemeClr val="accent2"/>
-          </a:effectRef>
-          <a:fontRef idx="minor">
-            <a:schemeClr val="dk1"/>
-          </a:fontRef>
-        </p:style>
-      </p:cxnSp>
       <p:sp>
         <p:nvSpPr>
           <p:cNvPr id="86" name="Rectangle 62"/>
@@ -6798,62 +5520,12 @@
           </a:p>
         </p:txBody>
       </p:sp>
-      <p:cxnSp>
-        <p:nvCxnSpPr>
-          <p:cNvPr id="94" name="Straight Connector 93">
-            <a:extLst>
-              <a:ext uri="{FF2B5EF4-FFF2-40B4-BE49-F238E27FC236}">
-                <a16:creationId xmlns:a16="http://schemas.microsoft.com/office/drawing/2014/main" id="{6D2AED2D-1426-420F-B488-D24884724113}"/>
-              </a:ext>
-            </a:extLst>
-          </p:cNvPr>
-          <p:cNvCxnSpPr>
-            <a:cxnSpLocks/>
-            <a:endCxn id="97" idx="3"/>
-          </p:cNvCxnSpPr>
-          <p:nvPr/>
-        </p:nvCxnSpPr>
-        <p:spPr>
-          <a:xfrm flipV="1">
-            <a:off x="4246572" y="1884020"/>
-            <a:ext cx="589979" cy="5180"/>
-          </a:xfrm>
-          <a:prstGeom prst="line">
-            <a:avLst/>
-          </a:prstGeom>
-          <a:ln w="19050">
-            <a:solidFill>
-              <a:schemeClr val="accent5">
-                <a:lumMod val="50000"/>
-              </a:schemeClr>
-            </a:solidFill>
-            <a:prstDash val="sysDot"/>
-            <a:headEnd type="none" w="med" len="med"/>
-            <a:tailEnd type="triangle" w="lg" len="lg"/>
-          </a:ln>
-          <a:effectLst/>
-        </p:spPr>
-        <p:style>
-          <a:lnRef idx="1">
-            <a:schemeClr val="accent2"/>
-          </a:lnRef>
-          <a:fillRef idx="2">
-            <a:schemeClr val="accent2"/>
-          </a:fillRef>
-          <a:effectRef idx="1">
-            <a:schemeClr val="accent2"/>
-          </a:effectRef>
-          <a:fontRef idx="minor">
-            <a:schemeClr val="dk1"/>
-          </a:fontRef>
-        </p:style>
-      </p:cxnSp>
       <p:sp>
         <p:nvSpPr>
           <p:cNvPr id="97" name="Rectangle 96">
             <a:extLst>
               <a:ext uri="{FF2B5EF4-FFF2-40B4-BE49-F238E27FC236}">
-                <a16:creationId xmlns:a16="http://schemas.microsoft.com/office/drawing/2014/main" id="{AADE6A0C-89AB-467B-8CEA-5FCF36CE0D21}"/>
+                <a16:creationId xmlns:a16="http://schemas.microsoft.com/office/drawing/2014/main" xmlns="" id="{AADE6A0C-89AB-467B-8CEA-5FCF36CE0D21}"/>
               </a:ext>
             </a:extLst>
           </p:cNvPr>
@@ -6862,8 +5534,8 @@
         </p:nvSpPr>
         <p:spPr>
           <a:xfrm flipH="1">
-            <a:off x="4836551" y="1710640"/>
-            <a:ext cx="1093635" cy="346760"/>
+            <a:off x="5067626" y="1981200"/>
+            <a:ext cx="998702" cy="346760"/>
           </a:xfrm>
           <a:prstGeom prst="rect">
             <a:avLst/>
@@ -6913,6 +5585,650 @@
               <a:t>Parser</a:t>
             </a:r>
             <a:endParaRPr lang="en-SG" sz="1050" b="1" dirty="0">
+              <a:solidFill>
+                <a:schemeClr val="bg1"/>
+              </a:solidFill>
+            </a:endParaRPr>
+          </a:p>
+        </p:txBody>
+      </p:sp>
+      <p:sp>
+        <p:nvSpPr>
+          <p:cNvPr id="75" name="Isosceles Triangle 102"/>
+          <p:cNvSpPr/>
+          <p:nvPr/>
+        </p:nvSpPr>
+        <p:spPr>
+          <a:xfrm flipH="1">
+            <a:off x="5431725" y="2327960"/>
+            <a:ext cx="270504" cy="175523"/>
+          </a:xfrm>
+          <a:prstGeom prst="triangle">
+            <a:avLst/>
+          </a:prstGeom>
+          <a:ln w="12700"/>
+        </p:spPr>
+        <p:style>
+          <a:lnRef idx="2">
+            <a:schemeClr val="accent5">
+              <a:shade val="50000"/>
+            </a:schemeClr>
+          </a:lnRef>
+          <a:fillRef idx="1">
+            <a:schemeClr val="accent5"/>
+          </a:fillRef>
+          <a:effectRef idx="0">
+            <a:schemeClr val="accent5"/>
+          </a:effectRef>
+          <a:fontRef idx="minor">
+            <a:schemeClr val="lt1"/>
+          </a:fontRef>
+        </p:style>
+        <p:txBody>
+          <a:bodyPr rtlCol="0" anchor="ctr"/>
+          <a:lstStyle/>
+          <a:p>
+            <a:pPr algn="ctr"/>
+            <a:endParaRPr lang="en-SG" sz="1050" b="1">
+              <a:solidFill>
+                <a:srgbClr val="92D050"/>
+              </a:solidFill>
+            </a:endParaRPr>
+          </a:p>
+        </p:txBody>
+      </p:sp>
+      <p:grpSp>
+        <p:nvGrpSpPr>
+          <p:cNvPr id="85" name="Group 84"/>
+          <p:cNvGrpSpPr/>
+          <p:nvPr/>
+        </p:nvGrpSpPr>
+        <p:grpSpPr>
+          <a:xfrm rot="5400000">
+            <a:off x="6371505" y="2788428"/>
+            <a:ext cx="222304" cy="598286"/>
+            <a:chOff x="3965759" y="592436"/>
+            <a:chExt cx="254462" cy="503902"/>
+          </a:xfrm>
+        </p:grpSpPr>
+        <p:sp>
+          <p:nvSpPr>
+            <p:cNvPr id="89" name="TextBox 88"/>
+            <p:cNvSpPr txBox="1"/>
+            <p:nvPr/>
+          </p:nvSpPr>
+          <p:spPr>
+            <a:xfrm rot="16200000">
+              <a:off x="3841039" y="717156"/>
+              <a:ext cx="503902" cy="254462"/>
+            </a:xfrm>
+            <a:prstGeom prst="rect">
+              <a:avLst/>
+            </a:prstGeom>
+            <a:noFill/>
+          </p:spPr>
+          <p:txBody>
+            <a:bodyPr wrap="square" lIns="0" tIns="0" rIns="0" bIns="0" rtlCol="0">
+              <a:noAutofit/>
+            </a:bodyPr>
+            <a:lstStyle/>
+            <a:p>
+              <a:r>
+                <a:rPr lang="en-US" sz="1100" dirty="0">
+                  <a:solidFill>
+                    <a:schemeClr val="accent5">
+                      <a:lumMod val="75000"/>
+                    </a:schemeClr>
+                  </a:solidFill>
+                </a:rPr>
+                <a:t>creates</a:t>
+              </a:r>
+              <a:endParaRPr lang="en-SG" sz="1100" dirty="0">
+                <a:solidFill>
+                  <a:schemeClr val="accent5">
+                    <a:lumMod val="75000"/>
+                  </a:schemeClr>
+                </a:solidFill>
+              </a:endParaRPr>
+            </a:p>
+          </p:txBody>
+        </p:sp>
+        <p:sp>
+          <p:nvSpPr>
+            <p:cNvPr id="92" name="Isosceles Triangle 91"/>
+            <p:cNvSpPr/>
+            <p:nvPr/>
+          </p:nvSpPr>
+          <p:spPr>
+            <a:xfrm rot="10800000" flipV="1">
+              <a:off x="3995991" y="631624"/>
+              <a:ext cx="132157" cy="79956"/>
+            </a:xfrm>
+            <a:prstGeom prst="triangle">
+              <a:avLst/>
+            </a:prstGeom>
+            <a:solidFill>
+              <a:schemeClr val="accent5">
+                <a:lumMod val="75000"/>
+              </a:schemeClr>
+            </a:solidFill>
+            <a:ln>
+              <a:noFill/>
+            </a:ln>
+          </p:spPr>
+          <p:style>
+            <a:lnRef idx="2">
+              <a:schemeClr val="accent1">
+                <a:shade val="50000"/>
+              </a:schemeClr>
+            </a:lnRef>
+            <a:fillRef idx="1">
+              <a:schemeClr val="accent1"/>
+            </a:fillRef>
+            <a:effectRef idx="0">
+              <a:schemeClr val="accent1"/>
+            </a:effectRef>
+            <a:fontRef idx="minor">
+              <a:schemeClr val="lt1"/>
+            </a:fontRef>
+          </p:style>
+          <p:txBody>
+            <a:bodyPr rtlCol="0" anchor="ctr"/>
+            <a:lstStyle/>
+            <a:p>
+              <a:pPr algn="ctr"/>
+              <a:endParaRPr lang="en-SG"/>
+            </a:p>
+          </p:txBody>
+        </p:sp>
+      </p:grpSp>
+      <p:cxnSp>
+        <p:nvCxnSpPr>
+          <p:cNvPr id="95" name="Straight Connector 94"/>
+          <p:cNvCxnSpPr/>
+          <p:nvPr/>
+        </p:nvCxnSpPr>
+        <p:spPr>
+          <a:xfrm>
+            <a:off x="2893971" y="3687139"/>
+            <a:ext cx="361447" cy="0"/>
+          </a:xfrm>
+          <a:prstGeom prst="line">
+            <a:avLst/>
+          </a:prstGeom>
+          <a:ln w="19050">
+            <a:solidFill>
+              <a:srgbClr val="0070C0"/>
+            </a:solidFill>
+            <a:prstDash val="solid"/>
+            <a:headEnd type="none" w="med" len="med"/>
+            <a:tailEnd type="arrow" w="med" len="med"/>
+          </a:ln>
+          <a:effectLst/>
+        </p:spPr>
+        <p:style>
+          <a:lnRef idx="1">
+            <a:schemeClr val="accent2"/>
+          </a:lnRef>
+          <a:fillRef idx="2">
+            <a:schemeClr val="accent2"/>
+          </a:fillRef>
+          <a:effectRef idx="1">
+            <a:schemeClr val="accent2"/>
+          </a:effectRef>
+          <a:fontRef idx="minor">
+            <a:schemeClr val="dk1"/>
+          </a:fontRef>
+        </p:style>
+      </p:cxnSp>
+      <p:sp>
+        <p:nvSpPr>
+          <p:cNvPr id="42" name="Rectangle 11"/>
+          <p:cNvSpPr/>
+          <p:nvPr/>
+        </p:nvSpPr>
+        <p:spPr>
+          <a:xfrm flipH="1">
+            <a:off x="5074342" y="2740811"/>
+            <a:ext cx="991986" cy="346760"/>
+          </a:xfrm>
+          <a:prstGeom prst="rect">
+            <a:avLst/>
+          </a:prstGeom>
+          <a:solidFill>
+            <a:schemeClr val="accent5">
+              <a:alpha val="81000"/>
+            </a:schemeClr>
+          </a:solidFill>
+          <a:ln/>
+          <a:effectLst/>
+        </p:spPr>
+        <p:style>
+          <a:lnRef idx="1">
+            <a:schemeClr val="accent5"/>
+          </a:lnRef>
+          <a:fillRef idx="2">
+            <a:schemeClr val="accent5"/>
+          </a:fillRef>
+          <a:effectRef idx="1">
+            <a:schemeClr val="accent5"/>
+          </a:effectRef>
+          <a:fontRef idx="minor">
+            <a:schemeClr val="dk1"/>
+          </a:fontRef>
+        </p:style>
+        <p:txBody>
+          <a:bodyPr rtlCol="0" anchor="ctr"/>
+          <a:lstStyle/>
+          <a:p>
+            <a:pPr algn="ctr"/>
+            <a:r>
+              <a:rPr lang="en-US" sz="1050" b="1" dirty="0" err="1" smtClean="0">
+                <a:solidFill>
+                  <a:schemeClr val="bg1"/>
+                </a:solidFill>
+              </a:rPr>
+              <a:t>XYZ</a:t>
+            </a:r>
+            <a:r>
+              <a:rPr lang="en-US" sz="1050" b="1" dirty="0" err="1" smtClean="0">
+                <a:solidFill>
+                  <a:schemeClr val="bg1"/>
+                </a:solidFill>
+              </a:rPr>
+              <a:t>Command</a:t>
+            </a:r>
+            <a:endParaRPr lang="en-US" sz="1050" b="1" dirty="0">
+              <a:solidFill>
+                <a:schemeClr val="bg1"/>
+              </a:solidFill>
+            </a:endParaRPr>
+          </a:p>
+          <a:p>
+            <a:pPr algn="ctr"/>
+            <a:r>
+              <a:rPr lang="en-US" sz="1050" b="1" dirty="0">
+                <a:solidFill>
+                  <a:schemeClr val="bg1"/>
+                </a:solidFill>
+              </a:rPr>
+              <a:t>Parser</a:t>
+            </a:r>
+            <a:endParaRPr lang="en-SG" sz="1050" b="1" dirty="0">
+              <a:solidFill>
+                <a:schemeClr val="bg1"/>
+              </a:solidFill>
+            </a:endParaRPr>
+          </a:p>
+        </p:txBody>
+      </p:sp>
+      <p:cxnSp>
+        <p:nvCxnSpPr>
+          <p:cNvPr id="101" name="Elbow Connector 12"/>
+          <p:cNvCxnSpPr>
+            <a:cxnSpLocks/>
+            <a:stCxn id="42" idx="3"/>
+          </p:cNvCxnSpPr>
+          <p:nvPr/>
+        </p:nvCxnSpPr>
+        <p:spPr>
+          <a:xfrm rot="10800000">
+            <a:off x="3917734" y="2058661"/>
+            <a:ext cx="1156608" cy="855530"/>
+          </a:xfrm>
+          <a:prstGeom prst="bentConnector3">
+            <a:avLst>
+              <a:gd name="adj1" fmla="val 50000"/>
+            </a:avLst>
+          </a:prstGeom>
+          <a:ln w="19050">
+            <a:solidFill>
+              <a:schemeClr val="accent5">
+                <a:lumMod val="60000"/>
+                <a:lumOff val="40000"/>
+              </a:schemeClr>
+            </a:solidFill>
+            <a:prstDash val="sysDot"/>
+            <a:headEnd type="none" w="med" len="med"/>
+            <a:tailEnd type="arrow" w="med" len="med"/>
+          </a:ln>
+          <a:effectLst/>
+        </p:spPr>
+        <p:style>
+          <a:lnRef idx="1">
+            <a:schemeClr val="accent2"/>
+          </a:lnRef>
+          <a:fillRef idx="2">
+            <a:schemeClr val="accent2"/>
+          </a:fillRef>
+          <a:effectRef idx="1">
+            <a:schemeClr val="accent2"/>
+          </a:effectRef>
+          <a:fontRef idx="minor">
+            <a:schemeClr val="dk1"/>
+          </a:fontRef>
+        </p:style>
+      </p:cxnSp>
+      <p:cxnSp>
+        <p:nvCxnSpPr>
+          <p:cNvPr id="102" name="Elbow Connector 12"/>
+          <p:cNvCxnSpPr>
+            <a:cxnSpLocks/>
+            <a:stCxn id="42" idx="3"/>
+          </p:cNvCxnSpPr>
+          <p:nvPr/>
+        </p:nvCxnSpPr>
+        <p:spPr>
+          <a:xfrm rot="10800000">
+            <a:off x="3921964" y="2540511"/>
+            <a:ext cx="1152379" cy="373681"/>
+          </a:xfrm>
+          <a:prstGeom prst="bentConnector3">
+            <a:avLst>
+              <a:gd name="adj1" fmla="val 50000"/>
+            </a:avLst>
+          </a:prstGeom>
+          <a:ln w="19050">
+            <a:solidFill>
+              <a:schemeClr val="accent5">
+                <a:lumMod val="60000"/>
+                <a:lumOff val="40000"/>
+              </a:schemeClr>
+            </a:solidFill>
+            <a:prstDash val="sysDot"/>
+            <a:headEnd type="none" w="med" len="med"/>
+            <a:tailEnd type="arrow" w="med" len="med"/>
+          </a:ln>
+          <a:effectLst/>
+        </p:spPr>
+        <p:style>
+          <a:lnRef idx="1">
+            <a:schemeClr val="accent2"/>
+          </a:lnRef>
+          <a:fillRef idx="2">
+            <a:schemeClr val="accent2"/>
+          </a:fillRef>
+          <a:effectRef idx="1">
+            <a:schemeClr val="accent2"/>
+          </a:effectRef>
+          <a:fontRef idx="minor">
+            <a:schemeClr val="dk1"/>
+          </a:fontRef>
+        </p:style>
+      </p:cxnSp>
+      <p:cxnSp>
+        <p:nvCxnSpPr>
+          <p:cNvPr id="103" name="Elbow Connector 12"/>
+          <p:cNvCxnSpPr>
+            <a:cxnSpLocks/>
+            <a:stCxn id="42" idx="3"/>
+          </p:cNvCxnSpPr>
+          <p:nvPr/>
+        </p:nvCxnSpPr>
+        <p:spPr>
+          <a:xfrm rot="10800000" flipV="1">
+            <a:off x="3926192" y="2914191"/>
+            <a:ext cx="1148150" cy="108168"/>
+          </a:xfrm>
+          <a:prstGeom prst="bentConnector3">
+            <a:avLst>
+              <a:gd name="adj1" fmla="val 50000"/>
+            </a:avLst>
+          </a:prstGeom>
+          <a:ln w="19050">
+            <a:solidFill>
+              <a:schemeClr val="accent5">
+                <a:lumMod val="60000"/>
+                <a:lumOff val="40000"/>
+              </a:schemeClr>
+            </a:solidFill>
+            <a:prstDash val="sysDot"/>
+            <a:headEnd type="none" w="med" len="med"/>
+            <a:tailEnd type="arrow" w="med" len="med"/>
+          </a:ln>
+          <a:effectLst/>
+        </p:spPr>
+        <p:style>
+          <a:lnRef idx="1">
+            <a:schemeClr val="accent2"/>
+          </a:lnRef>
+          <a:fillRef idx="2">
+            <a:schemeClr val="accent2"/>
+          </a:fillRef>
+          <a:effectRef idx="1">
+            <a:schemeClr val="accent2"/>
+          </a:effectRef>
+          <a:fontRef idx="minor">
+            <a:schemeClr val="dk1"/>
+          </a:fontRef>
+        </p:style>
+      </p:cxnSp>
+      <p:cxnSp>
+        <p:nvCxnSpPr>
+          <p:cNvPr id="104" name="Elbow Connector 12"/>
+          <p:cNvCxnSpPr>
+            <a:cxnSpLocks/>
+            <a:stCxn id="42" idx="3"/>
+          </p:cNvCxnSpPr>
+          <p:nvPr/>
+        </p:nvCxnSpPr>
+        <p:spPr>
+          <a:xfrm rot="10800000" flipV="1">
+            <a:off x="3930422" y="2914191"/>
+            <a:ext cx="1143921" cy="439870"/>
+          </a:xfrm>
+          <a:prstGeom prst="bentConnector3">
+            <a:avLst>
+              <a:gd name="adj1" fmla="val 50000"/>
+            </a:avLst>
+          </a:prstGeom>
+          <a:ln w="19050">
+            <a:solidFill>
+              <a:schemeClr val="accent5">
+                <a:lumMod val="60000"/>
+                <a:lumOff val="40000"/>
+              </a:schemeClr>
+            </a:solidFill>
+            <a:prstDash val="sysDot"/>
+            <a:headEnd type="none" w="med" len="med"/>
+            <a:tailEnd type="arrow" w="med" len="med"/>
+          </a:ln>
+          <a:effectLst/>
+        </p:spPr>
+        <p:style>
+          <a:lnRef idx="1">
+            <a:schemeClr val="accent2"/>
+          </a:lnRef>
+          <a:fillRef idx="2">
+            <a:schemeClr val="accent2"/>
+          </a:fillRef>
+          <a:effectRef idx="1">
+            <a:schemeClr val="accent2"/>
+          </a:effectRef>
+          <a:fontRef idx="minor">
+            <a:schemeClr val="dk1"/>
+          </a:fontRef>
+        </p:style>
+      </p:cxnSp>
+      <p:cxnSp>
+        <p:nvCxnSpPr>
+          <p:cNvPr id="51" name="Elbow Connector 50"/>
+          <p:cNvCxnSpPr>
+            <a:stCxn id="16" idx="3"/>
+            <a:endCxn id="42" idx="2"/>
+          </p:cNvCxnSpPr>
+          <p:nvPr/>
+        </p:nvCxnSpPr>
+        <p:spPr>
+          <a:xfrm flipV="1">
+            <a:off x="4300741" y="3087571"/>
+            <a:ext cx="1269594" cy="659673"/>
+          </a:xfrm>
+          <a:prstGeom prst="bentConnector2">
+            <a:avLst/>
+          </a:prstGeom>
+          <a:ln w="19050">
+            <a:solidFill>
+              <a:schemeClr val="accent5">
+                <a:lumMod val="75000"/>
+              </a:schemeClr>
+            </a:solidFill>
+            <a:prstDash val="sysDot"/>
+            <a:headEnd type="none" w="med" len="med"/>
+            <a:tailEnd type="arrow" w="med" len="med"/>
+          </a:ln>
+          <a:effectLst/>
+        </p:spPr>
+        <p:style>
+          <a:lnRef idx="1">
+            <a:schemeClr val="accent2"/>
+          </a:lnRef>
+          <a:fillRef idx="2">
+            <a:schemeClr val="accent2"/>
+          </a:fillRef>
+          <a:effectRef idx="1">
+            <a:schemeClr val="accent2"/>
+          </a:effectRef>
+          <a:fontRef idx="minor">
+            <a:schemeClr val="dk1"/>
+          </a:fontRef>
+        </p:style>
+      </p:cxnSp>
+      <p:cxnSp>
+        <p:nvCxnSpPr>
+          <p:cNvPr id="83" name="Elbow Connector 82"/>
+          <p:cNvCxnSpPr>
+            <a:endCxn id="42" idx="0"/>
+          </p:cNvCxnSpPr>
+          <p:nvPr/>
+        </p:nvCxnSpPr>
+        <p:spPr>
+          <a:xfrm rot="16200000" flipH="1">
+            <a:off x="5451193" y="2621669"/>
+            <a:ext cx="234926" cy="3358"/>
+          </a:xfrm>
+          <a:prstGeom prst="bentConnector3">
+            <a:avLst/>
+          </a:prstGeom>
+          <a:ln>
+            <a:solidFill>
+              <a:schemeClr val="accent5">
+                <a:lumMod val="75000"/>
+              </a:schemeClr>
+            </a:solidFill>
+            <a:prstDash val="sysDot"/>
+          </a:ln>
+        </p:spPr>
+        <p:style>
+          <a:lnRef idx="1">
+            <a:schemeClr val="accent1"/>
+          </a:lnRef>
+          <a:fillRef idx="0">
+            <a:schemeClr val="accent1"/>
+          </a:fillRef>
+          <a:effectRef idx="0">
+            <a:schemeClr val="accent1"/>
+          </a:effectRef>
+          <a:fontRef idx="minor">
+            <a:schemeClr val="tx1"/>
+          </a:fontRef>
+        </p:style>
+      </p:cxnSp>
+      <p:sp>
+        <p:nvSpPr>
+          <p:cNvPr id="127" name="Folded Corner 126"/>
+          <p:cNvSpPr/>
+          <p:nvPr/>
+        </p:nvSpPr>
+        <p:spPr>
+          <a:xfrm>
+            <a:off x="6263130" y="1981200"/>
+            <a:ext cx="1276614" cy="630473"/>
+          </a:xfrm>
+          <a:prstGeom prst="foldedCorner">
+            <a:avLst/>
+          </a:prstGeom>
+          <a:solidFill>
+            <a:schemeClr val="accent5">
+              <a:lumMod val="60000"/>
+              <a:lumOff val="40000"/>
+            </a:schemeClr>
+          </a:solidFill>
+          <a:ln w="19050">
+            <a:solidFill>
+              <a:schemeClr val="bg1"/>
+            </a:solidFill>
+          </a:ln>
+          <a:effectLst/>
+        </p:spPr>
+        <p:style>
+          <a:lnRef idx="1">
+            <a:schemeClr val="accent2"/>
+          </a:lnRef>
+          <a:fillRef idx="2">
+            <a:schemeClr val="accent2"/>
+          </a:fillRef>
+          <a:effectRef idx="1">
+            <a:schemeClr val="accent2"/>
+          </a:effectRef>
+          <a:fontRef idx="minor">
+            <a:schemeClr val="dk1"/>
+          </a:fontRef>
+        </p:style>
+        <p:txBody>
+          <a:bodyPr rtlCol="0" anchor="ctr"/>
+          <a:lstStyle/>
+          <a:p>
+            <a:pPr algn="ctr"/>
+            <a:r>
+              <a:rPr lang="en-US" sz="1050" dirty="0" err="1" smtClean="0">
+                <a:solidFill>
+                  <a:schemeClr val="bg1"/>
+                </a:solidFill>
+              </a:rPr>
+              <a:t>XYZCommand</a:t>
+            </a:r>
+            <a:r>
+              <a:rPr lang="en-US" sz="1050" dirty="0" smtClean="0">
+                <a:solidFill>
+                  <a:schemeClr val="bg1"/>
+                </a:solidFill>
+              </a:rPr>
+              <a:t> = </a:t>
+            </a:r>
+            <a:r>
+              <a:rPr lang="en-US" sz="1050" dirty="0" err="1" smtClean="0">
+                <a:solidFill>
+                  <a:schemeClr val="bg1"/>
+                </a:solidFill>
+              </a:rPr>
+              <a:t>AddCommand</a:t>
+            </a:r>
+            <a:r>
+              <a:rPr lang="en-US" sz="1050" dirty="0" smtClean="0">
+                <a:solidFill>
+                  <a:schemeClr val="bg1"/>
+                </a:solidFill>
+              </a:rPr>
+              <a:t>, </a:t>
+            </a:r>
+            <a:r>
+              <a:rPr lang="en-US" sz="1050" dirty="0" err="1" smtClean="0">
+                <a:solidFill>
+                  <a:schemeClr val="bg1"/>
+                </a:solidFill>
+              </a:rPr>
+              <a:t>FindCommand</a:t>
+            </a:r>
+            <a:r>
+              <a:rPr lang="en-US" sz="1050" dirty="0" smtClean="0">
+                <a:solidFill>
+                  <a:schemeClr val="bg1"/>
+                </a:solidFill>
+              </a:rPr>
+              <a:t>, etc.</a:t>
+            </a:r>
+            <a:endParaRPr lang="en-US" sz="1050" dirty="0">
               <a:solidFill>
                 <a:schemeClr val="bg1"/>
               </a:solidFill>

--- a/docs/diagrams/LogicComponentClassDiagram.pptx
+++ b/docs/diagrams/LogicComponentClassDiagram.pptx
@@ -126,6 +126,10 @@
 </p:presentation>
 </file>
 
+<file path=ppt/revisionInfo.xml><?xml version="1.0" encoding="utf-8"?>
+<p1510:revInfo xmlns:a="http://schemas.openxmlformats.org/drawingml/2006/main" xmlns:r="http://schemas.openxmlformats.org/officeDocument/2006/relationships" xmlns:p1510="http://schemas.microsoft.com/office/powerpoint/2015/10/main"/>
+</file>
+
 <file path=ppt/notesMasters/notesMaster1.xml><?xml version="1.0" encoding="utf-8"?>
 <p:notesMaster xmlns:a="http://schemas.openxmlformats.org/drawingml/2006/main" xmlns:r="http://schemas.openxmlformats.org/officeDocument/2006/relationships" xmlns:p="http://schemas.openxmlformats.org/presentationml/2006/main">
   <p:cSld>
@@ -208,7 +212,7 @@
           <a:p>
             <a:fld id="{F5CC4B3F-88C1-4FFA-B1B6-F41C21DC6924}" type="datetimeFigureOut">
               <a:rPr lang="en-US" smtClean="0"/>
-              <a:t>6/2/17</a:t>
+              <a:t>7/11/2017</a:t>
             </a:fld>
             <a:endParaRPr lang="en-US"/>
           </a:p>
@@ -654,7 +658,7 @@
           <a:p>
             <a:fld id="{78C97017-6FC3-485B-9764-EAC9E56C1D49}" type="datetimeFigureOut">
               <a:rPr lang="en-US" smtClean="0"/>
-              <a:t>6/2/17</a:t>
+              <a:t>7/11/2017</a:t>
             </a:fld>
             <a:endParaRPr lang="en-US"/>
           </a:p>
@@ -822,7 +826,7 @@
           <a:p>
             <a:fld id="{78C97017-6FC3-485B-9764-EAC9E56C1D49}" type="datetimeFigureOut">
               <a:rPr lang="en-US" smtClean="0"/>
-              <a:t>6/2/17</a:t>
+              <a:t>7/11/2017</a:t>
             </a:fld>
             <a:endParaRPr lang="en-US"/>
           </a:p>
@@ -1000,7 +1004,7 @@
           <a:p>
             <a:fld id="{78C97017-6FC3-485B-9764-EAC9E56C1D49}" type="datetimeFigureOut">
               <a:rPr lang="en-US" smtClean="0"/>
-              <a:t>6/2/17</a:t>
+              <a:t>7/11/2017</a:t>
             </a:fld>
             <a:endParaRPr lang="en-US"/>
           </a:p>
@@ -1168,7 +1172,7 @@
           <a:p>
             <a:fld id="{78C97017-6FC3-485B-9764-EAC9E56C1D49}" type="datetimeFigureOut">
               <a:rPr lang="en-US" smtClean="0"/>
-              <a:t>6/2/17</a:t>
+              <a:t>7/11/2017</a:t>
             </a:fld>
             <a:endParaRPr lang="en-US"/>
           </a:p>
@@ -1413,7 +1417,7 @@
           <a:p>
             <a:fld id="{78C97017-6FC3-485B-9764-EAC9E56C1D49}" type="datetimeFigureOut">
               <a:rPr lang="en-US" smtClean="0"/>
-              <a:t>6/2/17</a:t>
+              <a:t>7/11/2017</a:t>
             </a:fld>
             <a:endParaRPr lang="en-US"/>
           </a:p>
@@ -1698,7 +1702,7 @@
           <a:p>
             <a:fld id="{78C97017-6FC3-485B-9764-EAC9E56C1D49}" type="datetimeFigureOut">
               <a:rPr lang="en-US" smtClean="0"/>
-              <a:t>6/2/17</a:t>
+              <a:t>7/11/2017</a:t>
             </a:fld>
             <a:endParaRPr lang="en-US"/>
           </a:p>
@@ -2117,7 +2121,7 @@
           <a:p>
             <a:fld id="{78C97017-6FC3-485B-9764-EAC9E56C1D49}" type="datetimeFigureOut">
               <a:rPr lang="en-US" smtClean="0"/>
-              <a:t>6/2/17</a:t>
+              <a:t>7/11/2017</a:t>
             </a:fld>
             <a:endParaRPr lang="en-US"/>
           </a:p>
@@ -2234,7 +2238,7 @@
           <a:p>
             <a:fld id="{78C97017-6FC3-485B-9764-EAC9E56C1D49}" type="datetimeFigureOut">
               <a:rPr lang="en-US" smtClean="0"/>
-              <a:t>6/2/17</a:t>
+              <a:t>7/11/2017</a:t>
             </a:fld>
             <a:endParaRPr lang="en-US"/>
           </a:p>
@@ -2329,7 +2333,7 @@
           <a:p>
             <a:fld id="{78C97017-6FC3-485B-9764-EAC9E56C1D49}" type="datetimeFigureOut">
               <a:rPr lang="en-US" smtClean="0"/>
-              <a:t>6/2/17</a:t>
+              <a:t>7/11/2017</a:t>
             </a:fld>
             <a:endParaRPr lang="en-US"/>
           </a:p>
@@ -2604,7 +2608,7 @@
           <a:p>
             <a:fld id="{78C97017-6FC3-485B-9764-EAC9E56C1D49}" type="datetimeFigureOut">
               <a:rPr lang="en-US" smtClean="0"/>
-              <a:t>6/2/17</a:t>
+              <a:t>7/11/2017</a:t>
             </a:fld>
             <a:endParaRPr lang="en-US"/>
           </a:p>
@@ -2856,7 +2860,7 @@
           <a:p>
             <a:fld id="{78C97017-6FC3-485B-9764-EAC9E56C1D49}" type="datetimeFigureOut">
               <a:rPr lang="en-US" smtClean="0"/>
-              <a:t>6/2/17</a:t>
+              <a:t>7/11/2017</a:t>
             </a:fld>
             <a:endParaRPr lang="en-US"/>
           </a:p>
@@ -3067,7 +3071,7 @@
           <a:p>
             <a:fld id="{78C97017-6FC3-485B-9764-EAC9E56C1D49}" type="datetimeFigureOut">
               <a:rPr lang="en-US" smtClean="0"/>
-              <a:t>6/2/17</a:t>
+              <a:t>7/11/2017</a:t>
             </a:fld>
             <a:endParaRPr lang="en-US"/>
           </a:p>
@@ -4030,8 +4034,8 @@
         </p:nvSpPr>
         <p:spPr>
           <a:xfrm>
-            <a:off x="3529350" y="3581895"/>
-            <a:ext cx="585450" cy="346760"/>
+            <a:off x="3471428" y="3522255"/>
+            <a:ext cx="643372" cy="466040"/>
           </a:xfrm>
           <a:prstGeom prst="rect">
             <a:avLst/>
@@ -4067,6 +4071,28 @@
                   <a:schemeClr val="bg1"/>
                 </a:solidFill>
               </a:rPr>
+              <a:t>Address</a:t>
+            </a:r>
+          </a:p>
+          <a:p>
+            <a:pPr algn="ctr"/>
+            <a:r>
+              <a:rPr lang="en-US" sz="1050" dirty="0">
+                <a:solidFill>
+                  <a:schemeClr val="bg1"/>
+                </a:solidFill>
+              </a:rPr>
+              <a:t>Book</a:t>
+            </a:r>
+          </a:p>
+          <a:p>
+            <a:pPr algn="ctr"/>
+            <a:r>
+              <a:rPr lang="en-US" sz="1050" dirty="0">
+                <a:solidFill>
+                  <a:schemeClr val="bg1"/>
+                </a:solidFill>
+              </a:rPr>
               <a:t>Parser</a:t>
             </a:r>
             <a:endParaRPr lang="en-SG" sz="1050" dirty="0">
@@ -4081,6 +4107,7 @@
         <p:nvCxnSpPr>
           <p:cNvPr id="17" name="Elbow Connector 106"/>
           <p:cNvCxnSpPr>
+            <a:cxnSpLocks/>
             <a:stCxn id="5" idx="3"/>
             <a:endCxn id="16" idx="1"/>
           </p:cNvCxnSpPr>
@@ -4089,7 +4116,7 @@
         <p:spPr>
           <a:xfrm flipV="1">
             <a:off x="2876130" y="3755275"/>
-            <a:ext cx="653220" cy="1635"/>
+            <a:ext cx="595298" cy="1635"/>
           </a:xfrm>
           <a:prstGeom prst="bentConnector3">
             <a:avLst>
@@ -4661,7 +4688,7 @@
         </p:nvSpPr>
         <p:spPr>
           <a:xfrm>
-            <a:off x="3272832" y="3766112"/>
+            <a:off x="3221684" y="3807768"/>
             <a:ext cx="131116" cy="230832"/>
           </a:xfrm>
           <a:prstGeom prst="rect">
@@ -6006,6 +6033,7 @@
         <p:nvCxnSpPr>
           <p:cNvPr id="110" name="Elbow Connector 63"/>
           <p:cNvCxnSpPr>
+            <a:cxnSpLocks/>
             <a:stCxn id="16" idx="3"/>
             <a:endCxn id="45" idx="3"/>
           </p:cNvCxnSpPr>
@@ -6052,6 +6080,7 @@
         <p:nvCxnSpPr>
           <p:cNvPr id="113" name="Elbow Connector 63"/>
           <p:cNvCxnSpPr>
+            <a:cxnSpLocks/>
             <a:stCxn id="16" idx="3"/>
             <a:endCxn id="44" idx="3"/>
           </p:cNvCxnSpPr>
@@ -6098,6 +6127,7 @@
         <p:nvCxnSpPr>
           <p:cNvPr id="116" name="Elbow Connector 63"/>
           <p:cNvCxnSpPr>
+            <a:cxnSpLocks/>
             <a:stCxn id="16" idx="3"/>
             <a:endCxn id="42" idx="3"/>
           </p:cNvCxnSpPr>
@@ -6244,8 +6274,8 @@
         </p:nvCxnSpPr>
         <p:spPr>
           <a:xfrm>
-            <a:off x="4248488" y="2033984"/>
-            <a:ext cx="0" cy="1304815"/>
+            <a:off x="4248488" y="1904126"/>
+            <a:ext cx="0" cy="1434673"/>
           </a:xfrm>
           <a:prstGeom prst="line">
             <a:avLst/>
@@ -6665,7 +6695,7 @@
           <a:p>
             <a:pPr algn="ctr"/>
             <a:r>
-              <a:rPr lang="en-US" sz="1050" smtClean="0">
+              <a:rPr lang="en-US" sz="1050">
                 <a:solidFill>
                   <a:schemeClr val="bg1"/>
                 </a:solidFill>
@@ -6676,7 +6706,7 @@
           <a:p>
             <a:pPr algn="ctr"/>
             <a:r>
-              <a:rPr lang="en-US" sz="1050" dirty="0" smtClean="0">
+              <a:rPr lang="en-US" sz="1050" dirty="0">
                 <a:solidFill>
                   <a:schemeClr val="bg1"/>
                 </a:solidFill>
@@ -6763,6 +6793,128 @@
             <a:endParaRPr lang="en-SG" sz="1100" dirty="0">
               <a:solidFill>
                 <a:srgbClr val="0070C0"/>
+              </a:solidFill>
+            </a:endParaRPr>
+          </a:p>
+        </p:txBody>
+      </p:sp>
+      <p:cxnSp>
+        <p:nvCxnSpPr>
+          <p:cNvPr id="94" name="Straight Connector 93">
+            <a:extLst>
+              <a:ext uri="{FF2B5EF4-FFF2-40B4-BE49-F238E27FC236}">
+                <a16:creationId xmlns:a16="http://schemas.microsoft.com/office/drawing/2014/main" id="{6D2AED2D-1426-420F-B488-D24884724113}"/>
+              </a:ext>
+            </a:extLst>
+          </p:cNvPr>
+          <p:cNvCxnSpPr>
+            <a:cxnSpLocks/>
+            <a:endCxn id="97" idx="3"/>
+          </p:cNvCxnSpPr>
+          <p:nvPr/>
+        </p:nvCxnSpPr>
+        <p:spPr>
+          <a:xfrm flipV="1">
+            <a:off x="4246572" y="1884020"/>
+            <a:ext cx="589979" cy="5180"/>
+          </a:xfrm>
+          <a:prstGeom prst="line">
+            <a:avLst/>
+          </a:prstGeom>
+          <a:ln w="19050">
+            <a:solidFill>
+              <a:schemeClr val="accent5">
+                <a:lumMod val="50000"/>
+              </a:schemeClr>
+            </a:solidFill>
+            <a:prstDash val="sysDot"/>
+            <a:headEnd type="none" w="med" len="med"/>
+            <a:tailEnd type="triangle" w="lg" len="lg"/>
+          </a:ln>
+          <a:effectLst/>
+        </p:spPr>
+        <p:style>
+          <a:lnRef idx="1">
+            <a:schemeClr val="accent2"/>
+          </a:lnRef>
+          <a:fillRef idx="2">
+            <a:schemeClr val="accent2"/>
+          </a:fillRef>
+          <a:effectRef idx="1">
+            <a:schemeClr val="accent2"/>
+          </a:effectRef>
+          <a:fontRef idx="minor">
+            <a:schemeClr val="dk1"/>
+          </a:fontRef>
+        </p:style>
+      </p:cxnSp>
+      <p:sp>
+        <p:nvSpPr>
+          <p:cNvPr id="97" name="Rectangle 96">
+            <a:extLst>
+              <a:ext uri="{FF2B5EF4-FFF2-40B4-BE49-F238E27FC236}">
+                <a16:creationId xmlns:a16="http://schemas.microsoft.com/office/drawing/2014/main" id="{AADE6A0C-89AB-467B-8CEA-5FCF36CE0D21}"/>
+              </a:ext>
+            </a:extLst>
+          </p:cNvPr>
+          <p:cNvSpPr/>
+          <p:nvPr/>
+        </p:nvSpPr>
+        <p:spPr>
+          <a:xfrm flipH="1">
+            <a:off x="4836551" y="1710640"/>
+            <a:ext cx="1093635" cy="346760"/>
+          </a:xfrm>
+          <a:prstGeom prst="rect">
+            <a:avLst/>
+          </a:prstGeom>
+          <a:solidFill>
+            <a:schemeClr val="accent5"/>
+          </a:solidFill>
+          <a:ln/>
+          <a:effectLst/>
+        </p:spPr>
+        <p:style>
+          <a:lnRef idx="1">
+            <a:schemeClr val="accent5"/>
+          </a:lnRef>
+          <a:fillRef idx="2">
+            <a:schemeClr val="accent5"/>
+          </a:fillRef>
+          <a:effectRef idx="1">
+            <a:schemeClr val="accent5"/>
+          </a:effectRef>
+          <a:fontRef idx="minor">
+            <a:schemeClr val="dk1"/>
+          </a:fontRef>
+        </p:style>
+        <p:txBody>
+          <a:bodyPr rtlCol="0" anchor="ctr"/>
+          <a:lstStyle/>
+          <a:p>
+            <a:pPr algn="ctr"/>
+            <a:r>
+              <a:rPr lang="en-US" sz="1050" b="1" dirty="0">
+                <a:solidFill>
+                  <a:schemeClr val="bg1"/>
+                </a:solidFill>
+              </a:rPr>
+              <a:t>&lt;&lt;interface&gt;&gt;</a:t>
+            </a:r>
+          </a:p>
+          <a:p>
+            <a:pPr algn="ctr"/>
+            <a:r>
+              <a:rPr lang="en-US" sz="1050" b="1" dirty="0">
+                <a:solidFill>
+                  <a:schemeClr val="bg1"/>
+                </a:solidFill>
+              </a:rPr>
+              <a:t>Parser</a:t>
+            </a:r>
+            <a:endParaRPr lang="en-SG" sz="1050" b="1" dirty="0">
+              <a:solidFill>
+                <a:schemeClr val="bg1"/>
               </a:solidFill>
             </a:endParaRPr>
           </a:p>

--- a/docs/diagrams/LogicComponentClassDiagram.pptx
+++ b/docs/diagrams/LogicComponentClassDiagram.pptx
@@ -109,7 +109,7 @@
   </p:defaultTextStyle>
   <p:extLst>
     <p:ext uri="{EFAFB233-063F-42B5-8137-9DF3F51BA10A}">
-      <p15:sldGuideLst xmlns:p15="http://schemas.microsoft.com/office/powerpoint/2012/main" xmlns="">
+      <p15:sldGuideLst xmlns:p15="http://schemas.microsoft.com/office/powerpoint/2012/main">
         <p15:guide id="1" orient="horz" pos="1488">
           <p15:clr>
             <a:srgbClr val="A4A3A4"/>
@@ -212,7 +212,7 @@
           <a:p>
             <a:fld id="{F5CC4B3F-88C1-4FFA-B1B6-F41C21DC6924}" type="datetimeFigureOut">
               <a:rPr lang="en-US" smtClean="0"/>
-              <a:t>7/12/2017</a:t>
+              <a:t>7/20/17</a:t>
             </a:fld>
             <a:endParaRPr lang="en-US"/>
           </a:p>
@@ -658,7 +658,7 @@
           <a:p>
             <a:fld id="{78C97017-6FC3-485B-9764-EAC9E56C1D49}" type="datetimeFigureOut">
               <a:rPr lang="en-US" smtClean="0"/>
-              <a:t>7/12/2017</a:t>
+              <a:t>7/20/17</a:t>
             </a:fld>
             <a:endParaRPr lang="en-US"/>
           </a:p>
@@ -826,7 +826,7 @@
           <a:p>
             <a:fld id="{78C97017-6FC3-485B-9764-EAC9E56C1D49}" type="datetimeFigureOut">
               <a:rPr lang="en-US" smtClean="0"/>
-              <a:t>7/12/2017</a:t>
+              <a:t>7/20/17</a:t>
             </a:fld>
             <a:endParaRPr lang="en-US"/>
           </a:p>
@@ -1004,7 +1004,7 @@
           <a:p>
             <a:fld id="{78C97017-6FC3-485B-9764-EAC9E56C1D49}" type="datetimeFigureOut">
               <a:rPr lang="en-US" smtClean="0"/>
-              <a:t>7/12/2017</a:t>
+              <a:t>7/20/17</a:t>
             </a:fld>
             <a:endParaRPr lang="en-US"/>
           </a:p>
@@ -1172,7 +1172,7 @@
           <a:p>
             <a:fld id="{78C97017-6FC3-485B-9764-EAC9E56C1D49}" type="datetimeFigureOut">
               <a:rPr lang="en-US" smtClean="0"/>
-              <a:t>7/12/2017</a:t>
+              <a:t>7/20/17</a:t>
             </a:fld>
             <a:endParaRPr lang="en-US"/>
           </a:p>
@@ -1417,7 +1417,7 @@
           <a:p>
             <a:fld id="{78C97017-6FC3-485B-9764-EAC9E56C1D49}" type="datetimeFigureOut">
               <a:rPr lang="en-US" smtClean="0"/>
-              <a:t>7/12/2017</a:t>
+              <a:t>7/20/17</a:t>
             </a:fld>
             <a:endParaRPr lang="en-US"/>
           </a:p>
@@ -1702,7 +1702,7 @@
           <a:p>
             <a:fld id="{78C97017-6FC3-485B-9764-EAC9E56C1D49}" type="datetimeFigureOut">
               <a:rPr lang="en-US" smtClean="0"/>
-              <a:t>7/12/2017</a:t>
+              <a:t>7/20/17</a:t>
             </a:fld>
             <a:endParaRPr lang="en-US"/>
           </a:p>
@@ -2121,7 +2121,7 @@
           <a:p>
             <a:fld id="{78C97017-6FC3-485B-9764-EAC9E56C1D49}" type="datetimeFigureOut">
               <a:rPr lang="en-US" smtClean="0"/>
-              <a:t>7/12/2017</a:t>
+              <a:t>7/20/17</a:t>
             </a:fld>
             <a:endParaRPr lang="en-US"/>
           </a:p>
@@ -2238,7 +2238,7 @@
           <a:p>
             <a:fld id="{78C97017-6FC3-485B-9764-EAC9E56C1D49}" type="datetimeFigureOut">
               <a:rPr lang="en-US" smtClean="0"/>
-              <a:t>7/12/2017</a:t>
+              <a:t>7/20/17</a:t>
             </a:fld>
             <a:endParaRPr lang="en-US"/>
           </a:p>
@@ -2333,7 +2333,7 @@
           <a:p>
             <a:fld id="{78C97017-6FC3-485B-9764-EAC9E56C1D49}" type="datetimeFigureOut">
               <a:rPr lang="en-US" smtClean="0"/>
-              <a:t>7/12/2017</a:t>
+              <a:t>7/20/17</a:t>
             </a:fld>
             <a:endParaRPr lang="en-US"/>
           </a:p>
@@ -2608,7 +2608,7 @@
           <a:p>
             <a:fld id="{78C97017-6FC3-485B-9764-EAC9E56C1D49}" type="datetimeFigureOut">
               <a:rPr lang="en-US" smtClean="0"/>
-              <a:t>7/12/2017</a:t>
+              <a:t>7/20/17</a:t>
             </a:fld>
             <a:endParaRPr lang="en-US"/>
           </a:p>
@@ -2860,7 +2860,7 @@
           <a:p>
             <a:fld id="{78C97017-6FC3-485B-9764-EAC9E56C1D49}" type="datetimeFigureOut">
               <a:rPr lang="en-US" smtClean="0"/>
-              <a:t>7/12/2017</a:t>
+              <a:t>7/20/17</a:t>
             </a:fld>
             <a:endParaRPr lang="en-US"/>
           </a:p>
@@ -3071,7 +3071,7 @@
           <a:p>
             <a:fld id="{78C97017-6FC3-485B-9764-EAC9E56C1D49}" type="datetimeFigureOut">
               <a:rPr lang="en-US" smtClean="0"/>
-              <a:t>7/12/2017</a:t>
+              <a:t>7/20/17</a:t>
             </a:fld>
             <a:endParaRPr lang="en-US"/>
           </a:p>
@@ -3612,15 +3612,7 @@
                   <a:srgbClr val="0070C0"/>
                 </a:solidFill>
               </a:rPr>
-              <a:t>XYZ</a:t>
-            </a:r>
-            <a:r>
-              <a:rPr lang="en-US" sz="1050" b="1" dirty="0" err="1" smtClean="0">
-                <a:solidFill>
-                  <a:srgbClr val="0070C0"/>
-                </a:solidFill>
-              </a:rPr>
-              <a:t>Command</a:t>
+              <a:t>XYZCommand</a:t>
             </a:r>
             <a:endParaRPr lang="en-SG" sz="1050" b="1" dirty="0">
               <a:solidFill>
@@ -5525,7 +5517,7 @@
           <p:cNvPr id="97" name="Rectangle 96">
             <a:extLst>
               <a:ext uri="{FF2B5EF4-FFF2-40B4-BE49-F238E27FC236}">
-                <a16:creationId xmlns:a16="http://schemas.microsoft.com/office/drawing/2014/main" xmlns="" id="{AADE6A0C-89AB-467B-8CEA-5FCF36CE0D21}"/>
+                <a16:creationId xmlns="" xmlns:a16="http://schemas.microsoft.com/office/drawing/2014/main" id="{AADE6A0C-89AB-467B-8CEA-5FCF36CE0D21}"/>
               </a:ext>
             </a:extLst>
           </p:cNvPr>
@@ -5828,15 +5820,7 @@
                   <a:schemeClr val="bg1"/>
                 </a:solidFill>
               </a:rPr>
-              <a:t>XYZ</a:t>
-            </a:r>
-            <a:r>
-              <a:rPr lang="en-US" sz="1050" b="1" dirty="0" err="1" smtClean="0">
-                <a:solidFill>
-                  <a:schemeClr val="bg1"/>
-                </a:solidFill>
-              </a:rPr>
-              <a:t>Command</a:t>
+              <a:t>XYZCommand</a:t>
             </a:r>
             <a:endParaRPr lang="en-US" sz="1050" b="1" dirty="0">
               <a:solidFill>
@@ -6231,6 +6215,160 @@
             <a:endParaRPr lang="en-US" sz="1050" dirty="0">
               <a:solidFill>
                 <a:schemeClr val="bg1"/>
+              </a:solidFill>
+            </a:endParaRPr>
+          </a:p>
+        </p:txBody>
+      </p:sp>
+      <p:sp>
+        <p:nvSpPr>
+          <p:cNvPr id="59" name="Rectangle 62"/>
+          <p:cNvSpPr/>
+          <p:nvPr/>
+        </p:nvSpPr>
+        <p:spPr>
+          <a:xfrm>
+            <a:off x="2334221" y="3058789"/>
+            <a:ext cx="758695" cy="346760"/>
+          </a:xfrm>
+          <a:prstGeom prst="rect">
+            <a:avLst/>
+          </a:prstGeom>
+          <a:solidFill>
+            <a:srgbClr val="0070C0"/>
+          </a:solidFill>
+          <a:ln w="19050">
+            <a:solidFill>
+              <a:srgbClr val="0070C0"/>
+            </a:solidFill>
+          </a:ln>
+          <a:effectLst/>
+        </p:spPr>
+        <p:style>
+          <a:lnRef idx="1">
+            <a:schemeClr val="accent2"/>
+          </a:lnRef>
+          <a:fillRef idx="2">
+            <a:schemeClr val="accent2"/>
+          </a:fillRef>
+          <a:effectRef idx="1">
+            <a:schemeClr val="accent2"/>
+          </a:effectRef>
+          <a:fontRef idx="minor">
+            <a:schemeClr val="dk1"/>
+          </a:fontRef>
+        </p:style>
+        <p:txBody>
+          <a:bodyPr rtlCol="0" anchor="ctr"/>
+          <a:lstStyle/>
+          <a:p>
+            <a:pPr algn="ctr"/>
+            <a:r>
+              <a:rPr lang="en-US" sz="1050" dirty="0" err="1" smtClean="0">
+                <a:solidFill>
+                  <a:schemeClr val="bg1"/>
+                </a:solidFill>
+              </a:rPr>
+              <a:t>UndoRedo</a:t>
+            </a:r>
+            <a:endParaRPr lang="en-US" sz="1050" dirty="0" smtClean="0">
+              <a:solidFill>
+                <a:schemeClr val="bg1"/>
+              </a:solidFill>
+            </a:endParaRPr>
+          </a:p>
+          <a:p>
+            <a:pPr algn="ctr"/>
+            <a:r>
+              <a:rPr lang="en-US" sz="1050" dirty="0" smtClean="0">
+                <a:solidFill>
+                  <a:schemeClr val="bg1"/>
+                </a:solidFill>
+              </a:rPr>
+              <a:t>Stack</a:t>
+            </a:r>
+            <a:endParaRPr lang="en-SG" sz="1050" dirty="0">
+              <a:solidFill>
+                <a:schemeClr val="bg1"/>
+              </a:solidFill>
+            </a:endParaRPr>
+          </a:p>
+        </p:txBody>
+      </p:sp>
+      <p:cxnSp>
+        <p:nvCxnSpPr>
+          <p:cNvPr id="61" name="Straight Arrow Connector 57"/>
+          <p:cNvCxnSpPr>
+            <a:endCxn id="59" idx="2"/>
+          </p:cNvCxnSpPr>
+          <p:nvPr/>
+        </p:nvCxnSpPr>
+        <p:spPr>
+          <a:xfrm flipV="1">
+            <a:off x="2713568" y="3405549"/>
+            <a:ext cx="1" cy="177981"/>
+          </a:xfrm>
+          <a:prstGeom prst="straightConnector1">
+            <a:avLst/>
+          </a:prstGeom>
+          <a:ln w="19050">
+            <a:solidFill>
+              <a:srgbClr val="0070C0"/>
+            </a:solidFill>
+            <a:headEnd type="none" w="med" len="med"/>
+            <a:tailEnd type="arrow" w="med" len="med"/>
+          </a:ln>
+          <a:effectLst/>
+        </p:spPr>
+        <p:style>
+          <a:lnRef idx="1">
+            <a:schemeClr val="accent2"/>
+          </a:lnRef>
+          <a:fillRef idx="2">
+            <a:schemeClr val="accent2"/>
+          </a:fillRef>
+          <a:effectRef idx="1">
+            <a:schemeClr val="accent2"/>
+          </a:effectRef>
+          <a:fontRef idx="minor">
+            <a:schemeClr val="dk1"/>
+          </a:fontRef>
+        </p:style>
+      </p:cxnSp>
+      <p:sp>
+        <p:nvSpPr>
+          <p:cNvPr id="63" name="TextBox 62"/>
+          <p:cNvSpPr txBox="1"/>
+          <p:nvPr/>
+        </p:nvSpPr>
+        <p:spPr>
+          <a:xfrm>
+            <a:off x="2724741" y="3418256"/>
+            <a:ext cx="131116" cy="230832"/>
+          </a:xfrm>
+          <a:prstGeom prst="rect">
+            <a:avLst/>
+          </a:prstGeom>
+          <a:noFill/>
+        </p:spPr>
+        <p:txBody>
+          <a:bodyPr wrap="square" lIns="0" tIns="0" rIns="0" bIns="0" rtlCol="0">
+            <a:noAutofit/>
+          </a:bodyPr>
+          <a:lstStyle/>
+          <a:p>
+            <a:pPr algn="r"/>
+            <a:r>
+              <a:rPr lang="en-US" sz="1100" dirty="0">
+                <a:solidFill>
+                  <a:srgbClr val="0070C0"/>
+                </a:solidFill>
+              </a:rPr>
+              <a:t>1</a:t>
+            </a:r>
+            <a:endParaRPr lang="en-SG" sz="1100" dirty="0">
+              <a:solidFill>
+                <a:srgbClr val="0070C0"/>
               </a:solidFill>
             </a:endParaRPr>
           </a:p>

--- a/docs/diagrams/LogicComponentClassDiagram.pptx
+++ b/docs/diagrams/LogicComponentClassDiagram.pptx
@@ -212,7 +212,7 @@
           <a:p>
             <a:fld id="{F5CC4B3F-88C1-4FFA-B1B6-F41C21DC6924}" type="datetimeFigureOut">
               <a:rPr lang="en-US" smtClean="0"/>
-              <a:t>7/19/2017</a:t>
+              <a:t>7/20/17</a:t>
             </a:fld>
             <a:endParaRPr lang="en-US"/>
           </a:p>
@@ -658,7 +658,7 @@
           <a:p>
             <a:fld id="{78C97017-6FC3-485B-9764-EAC9E56C1D49}" type="datetimeFigureOut">
               <a:rPr lang="en-US" smtClean="0"/>
-              <a:t>7/19/2017</a:t>
+              <a:t>7/20/17</a:t>
             </a:fld>
             <a:endParaRPr lang="en-US"/>
           </a:p>
@@ -826,7 +826,7 @@
           <a:p>
             <a:fld id="{78C97017-6FC3-485B-9764-EAC9E56C1D49}" type="datetimeFigureOut">
               <a:rPr lang="en-US" smtClean="0"/>
-              <a:t>7/19/2017</a:t>
+              <a:t>7/20/17</a:t>
             </a:fld>
             <a:endParaRPr lang="en-US"/>
           </a:p>
@@ -1004,7 +1004,7 @@
           <a:p>
             <a:fld id="{78C97017-6FC3-485B-9764-EAC9E56C1D49}" type="datetimeFigureOut">
               <a:rPr lang="en-US" smtClean="0"/>
-              <a:t>7/19/2017</a:t>
+              <a:t>7/20/17</a:t>
             </a:fld>
             <a:endParaRPr lang="en-US"/>
           </a:p>
@@ -1172,7 +1172,7 @@
           <a:p>
             <a:fld id="{78C97017-6FC3-485B-9764-EAC9E56C1D49}" type="datetimeFigureOut">
               <a:rPr lang="en-US" smtClean="0"/>
-              <a:t>7/19/2017</a:t>
+              <a:t>7/20/17</a:t>
             </a:fld>
             <a:endParaRPr lang="en-US"/>
           </a:p>
@@ -1417,7 +1417,7 @@
           <a:p>
             <a:fld id="{78C97017-6FC3-485B-9764-EAC9E56C1D49}" type="datetimeFigureOut">
               <a:rPr lang="en-US" smtClean="0"/>
-              <a:t>7/19/2017</a:t>
+              <a:t>7/20/17</a:t>
             </a:fld>
             <a:endParaRPr lang="en-US"/>
           </a:p>
@@ -1702,7 +1702,7 @@
           <a:p>
             <a:fld id="{78C97017-6FC3-485B-9764-EAC9E56C1D49}" type="datetimeFigureOut">
               <a:rPr lang="en-US" smtClean="0"/>
-              <a:t>7/19/2017</a:t>
+              <a:t>7/20/17</a:t>
             </a:fld>
             <a:endParaRPr lang="en-US"/>
           </a:p>
@@ -2121,7 +2121,7 @@
           <a:p>
             <a:fld id="{78C97017-6FC3-485B-9764-EAC9E56C1D49}" type="datetimeFigureOut">
               <a:rPr lang="en-US" smtClean="0"/>
-              <a:t>7/19/2017</a:t>
+              <a:t>7/20/17</a:t>
             </a:fld>
             <a:endParaRPr lang="en-US"/>
           </a:p>
@@ -2238,7 +2238,7 @@
           <a:p>
             <a:fld id="{78C97017-6FC3-485B-9764-EAC9E56C1D49}" type="datetimeFigureOut">
               <a:rPr lang="en-US" smtClean="0"/>
-              <a:t>7/19/2017</a:t>
+              <a:t>7/20/17</a:t>
             </a:fld>
             <a:endParaRPr lang="en-US"/>
           </a:p>
@@ -2333,7 +2333,7 @@
           <a:p>
             <a:fld id="{78C97017-6FC3-485B-9764-EAC9E56C1D49}" type="datetimeFigureOut">
               <a:rPr lang="en-US" smtClean="0"/>
-              <a:t>7/19/2017</a:t>
+              <a:t>7/20/17</a:t>
             </a:fld>
             <a:endParaRPr lang="en-US"/>
           </a:p>
@@ -2608,7 +2608,7 @@
           <a:p>
             <a:fld id="{78C97017-6FC3-485B-9764-EAC9E56C1D49}" type="datetimeFigureOut">
               <a:rPr lang="en-US" smtClean="0"/>
-              <a:t>7/19/2017</a:t>
+              <a:t>7/20/17</a:t>
             </a:fld>
             <a:endParaRPr lang="en-US"/>
           </a:p>
@@ -2860,7 +2860,7 @@
           <a:p>
             <a:fld id="{78C97017-6FC3-485B-9764-EAC9E56C1D49}" type="datetimeFigureOut">
               <a:rPr lang="en-US" smtClean="0"/>
-              <a:t>7/19/2017</a:t>
+              <a:t>7/20/17</a:t>
             </a:fld>
             <a:endParaRPr lang="en-US"/>
           </a:p>
@@ -3071,7 +3071,7 @@
           <a:p>
             <a:fld id="{78C97017-6FC3-485B-9764-EAC9E56C1D49}" type="datetimeFigureOut">
               <a:rPr lang="en-US" smtClean="0"/>
-              <a:t>7/19/2017</a:t>
+              <a:t>7/20/17</a:t>
             </a:fld>
             <a:endParaRPr lang="en-US"/>
           </a:p>
@@ -3607,7 +3607,7 @@
           <a:p>
             <a:pPr algn="ctr"/>
             <a:r>
-              <a:rPr lang="en-US" sz="1050" b="1" dirty="0" err="1">
+              <a:rPr lang="en-US" sz="1050" b="1" dirty="0" err="1" smtClean="0">
                 <a:solidFill>
                   <a:srgbClr val="0070C0"/>
                 </a:solidFill>
@@ -3630,7 +3630,7 @@
         </p:nvSpPr>
         <p:spPr>
           <a:xfrm>
-            <a:off x="1782495" y="3619500"/>
+            <a:off x="1782495" y="3583530"/>
             <a:ext cx="1093635" cy="346760"/>
           </a:xfrm>
           <a:prstGeom prst="rect">
@@ -3939,7 +3939,7 @@
           <a:p>
             <a:pPr algn="ctr"/>
             <a:r>
-              <a:rPr lang="en-US" sz="1050" dirty="0" err="1">
+              <a:rPr lang="en-US" sz="1050" dirty="0" err="1" smtClean="0">
                 <a:solidFill>
                   <a:schemeClr val="bg1"/>
                 </a:solidFill>
@@ -4147,7 +4147,7 @@
         <p:spPr>
           <a:xfrm rot="10800000">
             <a:off x="1494291" y="3604524"/>
-            <a:ext cx="288204" cy="188357"/>
+            <a:ext cx="288204" cy="152387"/>
           </a:xfrm>
           <a:prstGeom prst="bentConnector2">
             <a:avLst/>
@@ -4181,15 +4181,14 @@
         <p:nvCxnSpPr>
           <p:cNvPr id="23" name="Straight Arrow Connector 57"/>
           <p:cNvCxnSpPr>
-            <a:cxnSpLocks/>
             <a:stCxn id="5" idx="2"/>
           </p:cNvCxnSpPr>
           <p:nvPr/>
         </p:nvCxnSpPr>
         <p:spPr>
-          <a:xfrm flipH="1">
-            <a:off x="2324740" y="3966260"/>
-            <a:ext cx="4573" cy="811095"/>
+          <a:xfrm>
+            <a:off x="2329313" y="3930290"/>
+            <a:ext cx="1376" cy="854841"/>
           </a:xfrm>
           <a:prstGeom prst="straightConnector1">
             <a:avLst/>
@@ -4265,7 +4264,6 @@
         <p:nvCxnSpPr>
           <p:cNvPr id="25" name="Elbow Connector 63"/>
           <p:cNvCxnSpPr>
-            <a:cxnSpLocks/>
             <a:endCxn id="12" idx="1"/>
           </p:cNvCxnSpPr>
           <p:nvPr/>
@@ -4546,15 +4544,13 @@
       <p:cxnSp>
         <p:nvCxnSpPr>
           <p:cNvPr id="39" name="Elbow Connector 122"/>
-          <p:cNvCxnSpPr>
-            <a:cxnSpLocks/>
-          </p:cNvCxnSpPr>
+          <p:cNvCxnSpPr/>
           <p:nvPr/>
         </p:nvCxnSpPr>
         <p:spPr>
-          <a:xfrm rot="16200000" flipV="1">
-            <a:off x="1181817" y="2616092"/>
-            <a:ext cx="1995238" cy="2"/>
+          <a:xfrm rot="5400000" flipH="1" flipV="1">
+            <a:off x="1193276" y="2601868"/>
+            <a:ext cx="1969553" cy="2764"/>
           </a:xfrm>
           <a:prstGeom prst="bentConnector3">
             <a:avLst>
@@ -5521,7 +5517,7 @@
           <p:cNvPr id="97" name="Rectangle 96">
             <a:extLst>
               <a:ext uri="{FF2B5EF4-FFF2-40B4-BE49-F238E27FC236}">
-                <a16:creationId xmlns:a16="http://schemas.microsoft.com/office/drawing/2014/main" id="{AADE6A0C-89AB-467B-8CEA-5FCF36CE0D21}"/>
+                <a16:creationId xmlns="" xmlns:a16="http://schemas.microsoft.com/office/drawing/2014/main" id="{AADE6A0C-89AB-467B-8CEA-5FCF36CE0D21}"/>
               </a:ext>
             </a:extLst>
           </p:cNvPr>
@@ -5819,7 +5815,7 @@
           <a:p>
             <a:pPr algn="ctr"/>
             <a:r>
-              <a:rPr lang="en-US" sz="1050" b="1" dirty="0" err="1">
+              <a:rPr lang="en-US" sz="1050" b="1" dirty="0" err="1" smtClean="0">
                 <a:solidFill>
                   <a:schemeClr val="bg1"/>
                 </a:solidFill>
@@ -6042,7 +6038,6 @@
         <p:nvCxnSpPr>
           <p:cNvPr id="51" name="Elbow Connector 50"/>
           <p:cNvCxnSpPr>
-            <a:cxnSpLocks/>
             <a:stCxn id="16" idx="3"/>
             <a:endCxn id="42" idx="2"/>
           </p:cNvCxnSpPr>
@@ -6131,8 +6126,8 @@
         </p:nvSpPr>
         <p:spPr>
           <a:xfrm>
-            <a:off x="6134238" y="1542461"/>
-            <a:ext cx="1788166" cy="1144973"/>
+            <a:off x="6263130" y="1981200"/>
+            <a:ext cx="1276614" cy="630473"/>
           </a:xfrm>
           <a:prstGeom prst="foldedCorner">
             <a:avLst/>
@@ -6170,7 +6165,7 @@
           <a:p>
             <a:pPr algn="ctr"/>
             <a:r>
-              <a:rPr lang="en-US" sz="1050" dirty="0" err="1">
+              <a:rPr lang="en-US" sz="1050" dirty="0" err="1" smtClean="0">
                 <a:solidFill>
                   <a:schemeClr val="bg1"/>
                 </a:solidFill>
@@ -6178,7 +6173,7 @@
               <a:t>XYZCommand</a:t>
             </a:r>
             <a:r>
-              <a:rPr lang="en-US" sz="1050" dirty="0">
+              <a:rPr lang="en-US" sz="1050" dirty="0" smtClean="0">
                 <a:solidFill>
                   <a:schemeClr val="bg1"/>
                 </a:solidFill>
@@ -6186,7 +6181,7 @@
               <a:t> = </a:t>
             </a:r>
             <a:r>
-              <a:rPr lang="en-US" sz="1050" dirty="0" err="1">
+              <a:rPr lang="en-US" sz="1050" dirty="0" err="1" smtClean="0">
                 <a:solidFill>
                   <a:schemeClr val="bg1"/>
                 </a:solidFill>
@@ -6194,7 +6189,7 @@
               <a:t>AddCommand</a:t>
             </a:r>
             <a:r>
-              <a:rPr lang="en-US" sz="1050" dirty="0">
+              <a:rPr lang="en-US" sz="1050" dirty="0" smtClean="0">
                 <a:solidFill>
                   <a:schemeClr val="bg1"/>
                 </a:solidFill>
@@ -6202,7 +6197,7 @@
               <a:t>, </a:t>
             </a:r>
             <a:r>
-              <a:rPr lang="en-US" sz="1050" dirty="0" err="1">
+              <a:rPr lang="en-US" sz="1050" dirty="0" err="1" smtClean="0">
                 <a:solidFill>
                   <a:schemeClr val="bg1"/>
                 </a:solidFill>
@@ -6210,250 +6205,31 @@
               <a:t>FindCommand</a:t>
             </a:r>
             <a:r>
-              <a:rPr lang="en-US" sz="1050" dirty="0">
+              <a:rPr lang="en-US" sz="1050" dirty="0" smtClean="0">
                 <a:solidFill>
                   <a:schemeClr val="bg1"/>
                 </a:solidFill>
               </a:rPr>
               <a:t>, etc.</a:t>
             </a:r>
-          </a:p>
-          <a:p>
-            <a:pPr algn="ctr"/>
-            <a:r>
-              <a:rPr lang="en-US" sz="1050" dirty="0">
-                <a:solidFill>
-                  <a:schemeClr val="bg1"/>
-                </a:solidFill>
-              </a:rPr>
-              <a:t>Some commands implement </a:t>
-            </a:r>
-            <a:r>
-              <a:rPr lang="en-US" sz="1050" dirty="0" err="1">
-                <a:solidFill>
-                  <a:schemeClr val="bg1"/>
-                </a:solidFill>
-              </a:rPr>
-              <a:t>UndoableCommand</a:t>
-            </a:r>
-            <a:r>
-              <a:rPr lang="en-US" sz="1050" dirty="0">
-                <a:solidFill>
-                  <a:schemeClr val="bg1"/>
-                </a:solidFill>
-              </a:rPr>
-              <a:t>, some implement Command.</a:t>
-            </a:r>
-          </a:p>
-        </p:txBody>
-      </p:sp>
-      <p:sp>
-        <p:nvSpPr>
-          <p:cNvPr id="61" name="Rectangle 62">
-            <a:extLst>
-              <a:ext uri="{FF2B5EF4-FFF2-40B4-BE49-F238E27FC236}">
-                <a16:creationId xmlns:a16="http://schemas.microsoft.com/office/drawing/2014/main" id="{D3E9FA9F-F967-45C5-8A80-BFE6478356CA}"/>
-              </a:ext>
-            </a:extLst>
-          </p:cNvPr>
+            <a:endParaRPr lang="en-US" sz="1050" dirty="0">
+              <a:solidFill>
+                <a:schemeClr val="bg1"/>
+              </a:solidFill>
+            </a:endParaRPr>
+          </a:p>
+        </p:txBody>
+      </p:sp>
+      <p:sp>
+        <p:nvSpPr>
+          <p:cNvPr id="59" name="Rectangle 62"/>
           <p:cNvSpPr/>
           <p:nvPr/>
         </p:nvSpPr>
         <p:spPr>
           <a:xfrm>
-            <a:off x="5809226" y="3438900"/>
-            <a:ext cx="772043" cy="455242"/>
-          </a:xfrm>
-          <a:prstGeom prst="rect">
-            <a:avLst/>
-          </a:prstGeom>
-          <a:ln w="19050">
-            <a:solidFill>
-              <a:srgbClr val="0070C0"/>
-            </a:solidFill>
-          </a:ln>
-          <a:effectLst/>
-        </p:spPr>
-        <p:style>
-          <a:lnRef idx="1">
-            <a:schemeClr val="accent1"/>
-          </a:lnRef>
-          <a:fillRef idx="2">
-            <a:schemeClr val="accent1"/>
-          </a:fillRef>
-          <a:effectRef idx="1">
-            <a:schemeClr val="accent1"/>
-          </a:effectRef>
-          <a:fontRef idx="minor">
-            <a:schemeClr val="dk1"/>
-          </a:fontRef>
-        </p:style>
-        <p:txBody>
-          <a:bodyPr rtlCol="0" anchor="ctr"/>
-          <a:lstStyle/>
-          <a:p>
-            <a:pPr algn="ctr"/>
-            <a:r>
-              <a:rPr lang="en-US" sz="1050" b="1" dirty="0">
-                <a:solidFill>
-                  <a:srgbClr val="0070C0"/>
-                </a:solidFill>
-              </a:rPr>
-              <a:t>{abstract}</a:t>
-            </a:r>
-            <a:br>
-              <a:rPr lang="en-US" sz="1050" b="1" dirty="0">
-                <a:solidFill>
-                  <a:srgbClr val="0070C0"/>
-                </a:solidFill>
-              </a:rPr>
-            </a:br>
-            <a:r>
-              <a:rPr lang="en-US" sz="1050" b="1" dirty="0">
-                <a:solidFill>
-                  <a:srgbClr val="0070C0"/>
-                </a:solidFill>
-              </a:rPr>
-              <a:t>Undoable</a:t>
-            </a:r>
-          </a:p>
-          <a:p>
-            <a:pPr algn="ctr"/>
-            <a:r>
-              <a:rPr lang="en-US" sz="1050" b="1" dirty="0">
-                <a:solidFill>
-                  <a:srgbClr val="0070C0"/>
-                </a:solidFill>
-              </a:rPr>
-              <a:t>Command</a:t>
-            </a:r>
-            <a:endParaRPr lang="en-SG" sz="1050" b="1" dirty="0">
-              <a:solidFill>
-                <a:srgbClr val="0070C0"/>
-              </a:solidFill>
-            </a:endParaRPr>
-          </a:p>
-        </p:txBody>
-      </p:sp>
-      <p:cxnSp>
-        <p:nvCxnSpPr>
-          <p:cNvPr id="64" name="Elbow Connector 95">
-            <a:extLst>
-              <a:ext uri="{FF2B5EF4-FFF2-40B4-BE49-F238E27FC236}">
-                <a16:creationId xmlns:a16="http://schemas.microsoft.com/office/drawing/2014/main" id="{7EC77819-AF6B-4605-890B-41C289D3635B}"/>
-              </a:ext>
-            </a:extLst>
-          </p:cNvPr>
-          <p:cNvCxnSpPr>
-            <a:cxnSpLocks/>
-            <a:stCxn id="63" idx="0"/>
-          </p:cNvCxnSpPr>
-          <p:nvPr/>
-        </p:nvCxnSpPr>
-        <p:spPr>
-          <a:xfrm flipV="1">
-            <a:off x="6584326" y="3091222"/>
-            <a:ext cx="292555" cy="364153"/>
-          </a:xfrm>
-          <a:prstGeom prst="straightConnector1">
-            <a:avLst/>
-          </a:prstGeom>
-          <a:ln w="19050">
-            <a:headEnd type="none" w="med" len="med"/>
-            <a:tailEnd type="none" w="med" len="med"/>
-          </a:ln>
-        </p:spPr>
-        <p:style>
-          <a:lnRef idx="1">
-            <a:schemeClr val="accent1"/>
-          </a:lnRef>
-          <a:fillRef idx="0">
-            <a:schemeClr val="accent1"/>
-          </a:fillRef>
-          <a:effectRef idx="0">
-            <a:schemeClr val="accent1"/>
-          </a:effectRef>
-          <a:fontRef idx="minor">
-            <a:schemeClr val="tx1"/>
-          </a:fontRef>
-        </p:style>
-      </p:cxnSp>
-      <p:sp>
-        <p:nvSpPr>
-          <p:cNvPr id="63" name="Isosceles Triangle 102">
-            <a:extLst>
-              <a:ext uri="{FF2B5EF4-FFF2-40B4-BE49-F238E27FC236}">
-                <a16:creationId xmlns:a16="http://schemas.microsoft.com/office/drawing/2014/main" id="{D26AB0D2-BCC3-4A0B-ADED-E5DFB9E9EF56}"/>
-              </a:ext>
-            </a:extLst>
-          </p:cNvPr>
-          <p:cNvSpPr/>
-          <p:nvPr/>
-        </p:nvSpPr>
-        <p:spPr>
-          <a:xfrm rot="2379662" flipV="1">
-            <a:off x="6505087" y="3300052"/>
-            <a:ext cx="270504" cy="175523"/>
-          </a:xfrm>
-          <a:prstGeom prst="triangle">
-            <a:avLst/>
-          </a:prstGeom>
-          <a:solidFill>
-            <a:schemeClr val="tx2">
-              <a:lumMod val="60000"/>
-              <a:lumOff val="40000"/>
-            </a:schemeClr>
-          </a:solidFill>
-          <a:ln w="19050">
-            <a:solidFill>
-              <a:srgbClr val="0070C0"/>
-            </a:solidFill>
-          </a:ln>
-          <a:effectLst/>
-        </p:spPr>
-        <p:style>
-          <a:lnRef idx="1">
-            <a:schemeClr val="accent1"/>
-          </a:lnRef>
-          <a:fillRef idx="2">
-            <a:schemeClr val="accent1"/>
-          </a:fillRef>
-          <a:effectRef idx="1">
-            <a:schemeClr val="accent1"/>
-          </a:effectRef>
-          <a:fontRef idx="minor">
-            <a:schemeClr val="dk1"/>
-          </a:fontRef>
-        </p:style>
-        <p:txBody>
-          <a:bodyPr rtlCol="0" anchor="ctr"/>
-          <a:lstStyle/>
-          <a:p>
-            <a:pPr algn="ctr"/>
-            <a:endParaRPr lang="en-SG" sz="1050" b="1">
-              <a:solidFill>
-                <a:srgbClr val="92D050"/>
-              </a:solidFill>
-            </a:endParaRPr>
-          </a:p>
-        </p:txBody>
-      </p:sp>
-      <p:sp>
-        <p:nvSpPr>
-          <p:cNvPr id="71" name="Rectangle 62">
-            <a:extLst>
-              <a:ext uri="{FF2B5EF4-FFF2-40B4-BE49-F238E27FC236}">
-                <a16:creationId xmlns:a16="http://schemas.microsoft.com/office/drawing/2014/main" id="{531F8CFF-AA02-438B-9405-8FB027005542}"/>
-              </a:ext>
-            </a:extLst>
-          </p:cNvPr>
-          <p:cNvSpPr/>
-          <p:nvPr/>
-        </p:nvSpPr>
-        <p:spPr>
-          <a:xfrm>
-            <a:off x="2297016" y="3103365"/>
-            <a:ext cx="805984" cy="346760"/>
+            <a:off x="2334221" y="3058789"/>
+            <a:ext cx="758695" cy="346760"/>
           </a:xfrm>
           <a:prstGeom prst="rect">
             <a:avLst/>
@@ -6488,14 +6264,14 @@
           <a:p>
             <a:pPr algn="ctr"/>
             <a:r>
-              <a:rPr lang="en-US" sz="1050" dirty="0" err="1">
+              <a:rPr lang="en-US" sz="1050" dirty="0" err="1" smtClean="0">
                 <a:solidFill>
                   <a:schemeClr val="bg1"/>
                 </a:solidFill>
               </a:rPr>
               <a:t>UndoRedo</a:t>
             </a:r>
-            <a:endParaRPr lang="en-US" sz="1050" dirty="0">
+            <a:endParaRPr lang="en-US" sz="1050" dirty="0" smtClean="0">
               <a:solidFill>
                 <a:schemeClr val="bg1"/>
               </a:solidFill>
@@ -6504,7 +6280,7 @@
           <a:p>
             <a:pPr algn="ctr"/>
             <a:r>
-              <a:rPr lang="en-US" sz="1050" dirty="0">
+              <a:rPr lang="en-US" sz="1050" dirty="0" smtClean="0">
                 <a:solidFill>
                   <a:schemeClr val="bg1"/>
                 </a:solidFill>
@@ -6521,32 +6297,24 @@
       </p:sp>
       <p:cxnSp>
         <p:nvCxnSpPr>
-          <p:cNvPr id="72" name="Straight Connector 71">
-            <a:extLst>
-              <a:ext uri="{FF2B5EF4-FFF2-40B4-BE49-F238E27FC236}">
-                <a16:creationId xmlns:a16="http://schemas.microsoft.com/office/drawing/2014/main" id="{841EC2FC-9AA9-4EC0-B909-0BAAFF2393FE}"/>
-              </a:ext>
-            </a:extLst>
-          </p:cNvPr>
+          <p:cNvPr id="61" name="Straight Arrow Connector 57"/>
           <p:cNvCxnSpPr>
-            <a:cxnSpLocks/>
-            <a:endCxn id="71" idx="2"/>
+            <a:endCxn id="59" idx="2"/>
           </p:cNvCxnSpPr>
           <p:nvPr/>
         </p:nvCxnSpPr>
         <p:spPr>
           <a:xfrm flipV="1">
-            <a:off x="2700008" y="3450125"/>
-            <a:ext cx="0" cy="163587"/>
-          </a:xfrm>
-          <a:prstGeom prst="line">
+            <a:off x="2713568" y="3405549"/>
+            <a:ext cx="1" cy="177981"/>
+          </a:xfrm>
+          <a:prstGeom prst="straightConnector1">
             <a:avLst/>
           </a:prstGeom>
           <a:ln w="19050">
             <a:solidFill>
               <a:srgbClr val="0070C0"/>
             </a:solidFill>
-            <a:prstDash val="solid"/>
             <a:headEnd type="none" w="med" len="med"/>
             <a:tailEnd type="arrow" w="med" len="med"/>
           </a:ln>
@@ -6569,19 +6337,13 @@
       </p:cxnSp>
       <p:sp>
         <p:nvSpPr>
-          <p:cNvPr id="76" name="TextBox 75">
-            <a:extLst>
-              <a:ext uri="{FF2B5EF4-FFF2-40B4-BE49-F238E27FC236}">
-                <a16:creationId xmlns:a16="http://schemas.microsoft.com/office/drawing/2014/main" id="{9327BF43-349A-4A74-9D21-E562941F55D5}"/>
-              </a:ext>
-            </a:extLst>
-          </p:cNvPr>
+          <p:cNvPr id="63" name="TextBox 62"/>
           <p:cNvSpPr txBox="1"/>
           <p:nvPr/>
         </p:nvSpPr>
         <p:spPr>
           <a:xfrm>
-            <a:off x="2692980" y="3454547"/>
+            <a:off x="2724741" y="3418256"/>
             <a:ext cx="131116" cy="230832"/>
           </a:xfrm>
           <a:prstGeom prst="rect">
@@ -6607,109 +6369,6 @@
             <a:endParaRPr lang="en-SG" sz="1100" dirty="0">
               <a:solidFill>
                 <a:srgbClr val="0070C0"/>
-              </a:solidFill>
-            </a:endParaRPr>
-          </a:p>
-        </p:txBody>
-      </p:sp>
-      <p:cxnSp>
-        <p:nvCxnSpPr>
-          <p:cNvPr id="81" name="Elbow Connector 95">
-            <a:extLst>
-              <a:ext uri="{FF2B5EF4-FFF2-40B4-BE49-F238E27FC236}">
-                <a16:creationId xmlns:a16="http://schemas.microsoft.com/office/drawing/2014/main" id="{9D1A9F4E-6DEA-413D-ADE8-71D250D1E9DD}"/>
-              </a:ext>
-            </a:extLst>
-          </p:cNvPr>
-          <p:cNvCxnSpPr>
-            <a:cxnSpLocks/>
-            <a:stCxn id="84" idx="0"/>
-          </p:cNvCxnSpPr>
-          <p:nvPr/>
-        </p:nvCxnSpPr>
-        <p:spPr>
-          <a:xfrm flipH="1" flipV="1">
-            <a:off x="6588605" y="3894142"/>
-            <a:ext cx="384297" cy="261344"/>
-          </a:xfrm>
-          <a:prstGeom prst="straightConnector1">
-            <a:avLst/>
-          </a:prstGeom>
-          <a:ln w="19050">
-            <a:headEnd type="none" w="med" len="med"/>
-            <a:tailEnd type="none" w="med" len="med"/>
-          </a:ln>
-        </p:spPr>
-        <p:style>
-          <a:lnRef idx="1">
-            <a:schemeClr val="accent1"/>
-          </a:lnRef>
-          <a:fillRef idx="0">
-            <a:schemeClr val="accent1"/>
-          </a:fillRef>
-          <a:effectRef idx="0">
-            <a:schemeClr val="accent1"/>
-          </a:effectRef>
-          <a:fontRef idx="minor">
-            <a:schemeClr val="tx1"/>
-          </a:fontRef>
-        </p:style>
-      </p:cxnSp>
-      <p:sp>
-        <p:nvSpPr>
-          <p:cNvPr id="84" name="Isosceles Triangle 102">
-            <a:extLst>
-              <a:ext uri="{FF2B5EF4-FFF2-40B4-BE49-F238E27FC236}">
-                <a16:creationId xmlns:a16="http://schemas.microsoft.com/office/drawing/2014/main" id="{D62D0A62-EAE8-417C-BCA3-A924A001FFB4}"/>
-              </a:ext>
-            </a:extLst>
-          </p:cNvPr>
-          <p:cNvSpPr/>
-          <p:nvPr/>
-        </p:nvSpPr>
-        <p:spPr>
-          <a:xfrm rot="18064308" flipV="1">
-            <a:off x="6762480" y="4022430"/>
-            <a:ext cx="270504" cy="175523"/>
-          </a:xfrm>
-          <a:prstGeom prst="triangle">
-            <a:avLst/>
-          </a:prstGeom>
-          <a:solidFill>
-            <a:schemeClr val="tx2">
-              <a:lumMod val="60000"/>
-              <a:lumOff val="40000"/>
-            </a:schemeClr>
-          </a:solidFill>
-          <a:ln w="19050">
-            <a:solidFill>
-              <a:srgbClr val="0070C0"/>
-            </a:solidFill>
-          </a:ln>
-          <a:effectLst/>
-        </p:spPr>
-        <p:style>
-          <a:lnRef idx="1">
-            <a:schemeClr val="accent1"/>
-          </a:lnRef>
-          <a:fillRef idx="2">
-            <a:schemeClr val="accent1"/>
-          </a:fillRef>
-          <a:effectRef idx="1">
-            <a:schemeClr val="accent1"/>
-          </a:effectRef>
-          <a:fontRef idx="minor">
-            <a:schemeClr val="dk1"/>
-          </a:fontRef>
-        </p:style>
-        <p:txBody>
-          <a:bodyPr rtlCol="0" anchor="ctr"/>
-          <a:lstStyle/>
-          <a:p>
-            <a:pPr algn="ctr"/>
-            <a:endParaRPr lang="en-SG" sz="1050" b="1">
-              <a:solidFill>
-                <a:srgbClr val="92D050"/>
               </a:solidFill>
             </a:endParaRPr>
           </a:p>

--- a/docs/diagrams/LogicComponentClassDiagram.pptx
+++ b/docs/diagrams/LogicComponentClassDiagram.pptx
@@ -109,7 +109,7 @@
   </p:defaultTextStyle>
   <p:extLst>
     <p:ext uri="{EFAFB233-063F-42B5-8137-9DF3F51BA10A}">
-      <p15:sldGuideLst xmlns:p15="http://schemas.microsoft.com/office/powerpoint/2012/main" xmlns="">
+      <p15:sldGuideLst xmlns:p15="http://schemas.microsoft.com/office/powerpoint/2012/main">
         <p15:guide id="1" orient="horz" pos="1488">
           <p15:clr>
             <a:srgbClr val="A4A3A4"/>
@@ -212,7 +212,7 @@
           <a:p>
             <a:fld id="{F5CC4B3F-88C1-4FFA-B1B6-F41C21DC6924}" type="datetimeFigureOut">
               <a:rPr lang="en-US" smtClean="0"/>
-              <a:t>7/12/2017</a:t>
+              <a:t>7/19/2017</a:t>
             </a:fld>
             <a:endParaRPr lang="en-US"/>
           </a:p>
@@ -658,7 +658,7 @@
           <a:p>
             <a:fld id="{78C97017-6FC3-485B-9764-EAC9E56C1D49}" type="datetimeFigureOut">
               <a:rPr lang="en-US" smtClean="0"/>
-              <a:t>7/12/2017</a:t>
+              <a:t>7/19/2017</a:t>
             </a:fld>
             <a:endParaRPr lang="en-US"/>
           </a:p>
@@ -826,7 +826,7 @@
           <a:p>
             <a:fld id="{78C97017-6FC3-485B-9764-EAC9E56C1D49}" type="datetimeFigureOut">
               <a:rPr lang="en-US" smtClean="0"/>
-              <a:t>7/12/2017</a:t>
+              <a:t>7/19/2017</a:t>
             </a:fld>
             <a:endParaRPr lang="en-US"/>
           </a:p>
@@ -1004,7 +1004,7 @@
           <a:p>
             <a:fld id="{78C97017-6FC3-485B-9764-EAC9E56C1D49}" type="datetimeFigureOut">
               <a:rPr lang="en-US" smtClean="0"/>
-              <a:t>7/12/2017</a:t>
+              <a:t>7/19/2017</a:t>
             </a:fld>
             <a:endParaRPr lang="en-US"/>
           </a:p>
@@ -1172,7 +1172,7 @@
           <a:p>
             <a:fld id="{78C97017-6FC3-485B-9764-EAC9E56C1D49}" type="datetimeFigureOut">
               <a:rPr lang="en-US" smtClean="0"/>
-              <a:t>7/12/2017</a:t>
+              <a:t>7/19/2017</a:t>
             </a:fld>
             <a:endParaRPr lang="en-US"/>
           </a:p>
@@ -1417,7 +1417,7 @@
           <a:p>
             <a:fld id="{78C97017-6FC3-485B-9764-EAC9E56C1D49}" type="datetimeFigureOut">
               <a:rPr lang="en-US" smtClean="0"/>
-              <a:t>7/12/2017</a:t>
+              <a:t>7/19/2017</a:t>
             </a:fld>
             <a:endParaRPr lang="en-US"/>
           </a:p>
@@ -1702,7 +1702,7 @@
           <a:p>
             <a:fld id="{78C97017-6FC3-485B-9764-EAC9E56C1D49}" type="datetimeFigureOut">
               <a:rPr lang="en-US" smtClean="0"/>
-              <a:t>7/12/2017</a:t>
+              <a:t>7/19/2017</a:t>
             </a:fld>
             <a:endParaRPr lang="en-US"/>
           </a:p>
@@ -2121,7 +2121,7 @@
           <a:p>
             <a:fld id="{78C97017-6FC3-485B-9764-EAC9E56C1D49}" type="datetimeFigureOut">
               <a:rPr lang="en-US" smtClean="0"/>
-              <a:t>7/12/2017</a:t>
+              <a:t>7/19/2017</a:t>
             </a:fld>
             <a:endParaRPr lang="en-US"/>
           </a:p>
@@ -2238,7 +2238,7 @@
           <a:p>
             <a:fld id="{78C97017-6FC3-485B-9764-EAC9E56C1D49}" type="datetimeFigureOut">
               <a:rPr lang="en-US" smtClean="0"/>
-              <a:t>7/12/2017</a:t>
+              <a:t>7/19/2017</a:t>
             </a:fld>
             <a:endParaRPr lang="en-US"/>
           </a:p>
@@ -2333,7 +2333,7 @@
           <a:p>
             <a:fld id="{78C97017-6FC3-485B-9764-EAC9E56C1D49}" type="datetimeFigureOut">
               <a:rPr lang="en-US" smtClean="0"/>
-              <a:t>7/12/2017</a:t>
+              <a:t>7/19/2017</a:t>
             </a:fld>
             <a:endParaRPr lang="en-US"/>
           </a:p>
@@ -2608,7 +2608,7 @@
           <a:p>
             <a:fld id="{78C97017-6FC3-485B-9764-EAC9E56C1D49}" type="datetimeFigureOut">
               <a:rPr lang="en-US" smtClean="0"/>
-              <a:t>7/12/2017</a:t>
+              <a:t>7/19/2017</a:t>
             </a:fld>
             <a:endParaRPr lang="en-US"/>
           </a:p>
@@ -2860,7 +2860,7 @@
           <a:p>
             <a:fld id="{78C97017-6FC3-485B-9764-EAC9E56C1D49}" type="datetimeFigureOut">
               <a:rPr lang="en-US" smtClean="0"/>
-              <a:t>7/12/2017</a:t>
+              <a:t>7/19/2017</a:t>
             </a:fld>
             <a:endParaRPr lang="en-US"/>
           </a:p>
@@ -3071,7 +3071,7 @@
           <a:p>
             <a:fld id="{78C97017-6FC3-485B-9764-EAC9E56C1D49}" type="datetimeFigureOut">
               <a:rPr lang="en-US" smtClean="0"/>
-              <a:t>7/12/2017</a:t>
+              <a:t>7/19/2017</a:t>
             </a:fld>
             <a:endParaRPr lang="en-US"/>
           </a:p>
@@ -3607,20 +3607,12 @@
           <a:p>
             <a:pPr algn="ctr"/>
             <a:r>
-              <a:rPr lang="en-US" sz="1050" b="1" dirty="0" err="1" smtClean="0">
+              <a:rPr lang="en-US" sz="1050" b="1" dirty="0" err="1">
                 <a:solidFill>
                   <a:srgbClr val="0070C0"/>
                 </a:solidFill>
               </a:rPr>
-              <a:t>XYZ</a:t>
-            </a:r>
-            <a:r>
-              <a:rPr lang="en-US" sz="1050" b="1" dirty="0" err="1" smtClean="0">
-                <a:solidFill>
-                  <a:srgbClr val="0070C0"/>
-                </a:solidFill>
-              </a:rPr>
-              <a:t>Command</a:t>
+              <a:t>XYZCommand</a:t>
             </a:r>
             <a:endParaRPr lang="en-SG" sz="1050" b="1" dirty="0">
               <a:solidFill>
@@ -3638,7 +3630,7 @@
         </p:nvSpPr>
         <p:spPr>
           <a:xfrm>
-            <a:off x="1782495" y="3583530"/>
+            <a:off x="1782495" y="3619500"/>
             <a:ext cx="1093635" cy="346760"/>
           </a:xfrm>
           <a:prstGeom prst="rect">
@@ -3947,7 +3939,7 @@
           <a:p>
             <a:pPr algn="ctr"/>
             <a:r>
-              <a:rPr lang="en-US" sz="1050" dirty="0" err="1" smtClean="0">
+              <a:rPr lang="en-US" sz="1050" dirty="0" err="1">
                 <a:solidFill>
                   <a:schemeClr val="bg1"/>
                 </a:solidFill>
@@ -4155,7 +4147,7 @@
         <p:spPr>
           <a:xfrm rot="10800000">
             <a:off x="1494291" y="3604524"/>
-            <a:ext cx="288204" cy="152387"/>
+            <a:ext cx="288204" cy="188357"/>
           </a:xfrm>
           <a:prstGeom prst="bentConnector2">
             <a:avLst/>
@@ -4189,14 +4181,15 @@
         <p:nvCxnSpPr>
           <p:cNvPr id="23" name="Straight Arrow Connector 57"/>
           <p:cNvCxnSpPr>
+            <a:cxnSpLocks/>
             <a:stCxn id="5" idx="2"/>
           </p:cNvCxnSpPr>
           <p:nvPr/>
         </p:nvCxnSpPr>
         <p:spPr>
-          <a:xfrm>
-            <a:off x="2329313" y="3930290"/>
-            <a:ext cx="1376" cy="854841"/>
+          <a:xfrm flipH="1">
+            <a:off x="2324740" y="3966260"/>
+            <a:ext cx="4573" cy="811095"/>
           </a:xfrm>
           <a:prstGeom prst="straightConnector1">
             <a:avLst/>
@@ -4272,6 +4265,7 @@
         <p:nvCxnSpPr>
           <p:cNvPr id="25" name="Elbow Connector 63"/>
           <p:cNvCxnSpPr>
+            <a:cxnSpLocks/>
             <a:endCxn id="12" idx="1"/>
           </p:cNvCxnSpPr>
           <p:nvPr/>
@@ -4552,13 +4546,15 @@
       <p:cxnSp>
         <p:nvCxnSpPr>
           <p:cNvPr id="39" name="Elbow Connector 122"/>
-          <p:cNvCxnSpPr/>
+          <p:cNvCxnSpPr>
+            <a:cxnSpLocks/>
+          </p:cNvCxnSpPr>
           <p:nvPr/>
         </p:nvCxnSpPr>
         <p:spPr>
-          <a:xfrm rot="5400000" flipH="1" flipV="1">
-            <a:off x="1193276" y="2601868"/>
-            <a:ext cx="1969553" cy="2764"/>
+          <a:xfrm rot="16200000" flipV="1">
+            <a:off x="1181817" y="2616092"/>
+            <a:ext cx="1995238" cy="2"/>
           </a:xfrm>
           <a:prstGeom prst="bentConnector3">
             <a:avLst>
@@ -5525,7 +5521,7 @@
           <p:cNvPr id="97" name="Rectangle 96">
             <a:extLst>
               <a:ext uri="{FF2B5EF4-FFF2-40B4-BE49-F238E27FC236}">
-                <a16:creationId xmlns:a16="http://schemas.microsoft.com/office/drawing/2014/main" xmlns="" id="{AADE6A0C-89AB-467B-8CEA-5FCF36CE0D21}"/>
+                <a16:creationId xmlns:a16="http://schemas.microsoft.com/office/drawing/2014/main" id="{AADE6A0C-89AB-467B-8CEA-5FCF36CE0D21}"/>
               </a:ext>
             </a:extLst>
           </p:cNvPr>
@@ -5823,20 +5819,12 @@
           <a:p>
             <a:pPr algn="ctr"/>
             <a:r>
-              <a:rPr lang="en-US" sz="1050" b="1" dirty="0" err="1" smtClean="0">
+              <a:rPr lang="en-US" sz="1050" b="1" dirty="0" err="1">
                 <a:solidFill>
                   <a:schemeClr val="bg1"/>
                 </a:solidFill>
               </a:rPr>
-              <a:t>XYZ</a:t>
-            </a:r>
-            <a:r>
-              <a:rPr lang="en-US" sz="1050" b="1" dirty="0" err="1" smtClean="0">
-                <a:solidFill>
-                  <a:schemeClr val="bg1"/>
-                </a:solidFill>
-              </a:rPr>
-              <a:t>Command</a:t>
+              <a:t>XYZCommand</a:t>
             </a:r>
             <a:endParaRPr lang="en-US" sz="1050" b="1" dirty="0">
               <a:solidFill>
@@ -6054,6 +6042,7 @@
         <p:nvCxnSpPr>
           <p:cNvPr id="51" name="Elbow Connector 50"/>
           <p:cNvCxnSpPr>
+            <a:cxnSpLocks/>
             <a:stCxn id="16" idx="3"/>
             <a:endCxn id="42" idx="2"/>
           </p:cNvCxnSpPr>
@@ -6142,8 +6131,8 @@
         </p:nvSpPr>
         <p:spPr>
           <a:xfrm>
-            <a:off x="6263130" y="1981200"/>
-            <a:ext cx="1276614" cy="630473"/>
+            <a:off x="6134238" y="1542461"/>
+            <a:ext cx="1788166" cy="1144973"/>
           </a:xfrm>
           <a:prstGeom prst="foldedCorner">
             <a:avLst/>
@@ -6181,7 +6170,7 @@
           <a:p>
             <a:pPr algn="ctr"/>
             <a:r>
-              <a:rPr lang="en-US" sz="1050" dirty="0" err="1" smtClean="0">
+              <a:rPr lang="en-US" sz="1050" dirty="0" err="1">
                 <a:solidFill>
                   <a:schemeClr val="bg1"/>
                 </a:solidFill>
@@ -6189,7 +6178,7 @@
               <a:t>XYZCommand</a:t>
             </a:r>
             <a:r>
-              <a:rPr lang="en-US" sz="1050" dirty="0" smtClean="0">
+              <a:rPr lang="en-US" sz="1050" dirty="0">
                 <a:solidFill>
                   <a:schemeClr val="bg1"/>
                 </a:solidFill>
@@ -6197,7 +6186,7 @@
               <a:t> = </a:t>
             </a:r>
             <a:r>
-              <a:rPr lang="en-US" sz="1050" dirty="0" err="1" smtClean="0">
+              <a:rPr lang="en-US" sz="1050" dirty="0" err="1">
                 <a:solidFill>
                   <a:schemeClr val="bg1"/>
                 </a:solidFill>
@@ -6205,7 +6194,7 @@
               <a:t>AddCommand</a:t>
             </a:r>
             <a:r>
-              <a:rPr lang="en-US" sz="1050" dirty="0" smtClean="0">
+              <a:rPr lang="en-US" sz="1050" dirty="0">
                 <a:solidFill>
                   <a:schemeClr val="bg1"/>
                 </a:solidFill>
@@ -6213,7 +6202,7 @@
               <a:t>, </a:t>
             </a:r>
             <a:r>
-              <a:rPr lang="en-US" sz="1050" dirty="0" err="1" smtClean="0">
+              <a:rPr lang="en-US" sz="1050" dirty="0" err="1">
                 <a:solidFill>
                   <a:schemeClr val="bg1"/>
                 </a:solidFill>
@@ -6221,16 +6210,506 @@
               <a:t>FindCommand</a:t>
             </a:r>
             <a:r>
-              <a:rPr lang="en-US" sz="1050" dirty="0" smtClean="0">
+              <a:rPr lang="en-US" sz="1050" dirty="0">
                 <a:solidFill>
                   <a:schemeClr val="bg1"/>
                 </a:solidFill>
               </a:rPr>
               <a:t>, etc.</a:t>
             </a:r>
+          </a:p>
+          <a:p>
+            <a:pPr algn="ctr"/>
+            <a:r>
+              <a:rPr lang="en-US" sz="1050" dirty="0">
+                <a:solidFill>
+                  <a:schemeClr val="bg1"/>
+                </a:solidFill>
+              </a:rPr>
+              <a:t>Some commands implement </a:t>
+            </a:r>
+            <a:r>
+              <a:rPr lang="en-US" sz="1050" dirty="0" err="1">
+                <a:solidFill>
+                  <a:schemeClr val="bg1"/>
+                </a:solidFill>
+              </a:rPr>
+              <a:t>UndoableCommand</a:t>
+            </a:r>
+            <a:r>
+              <a:rPr lang="en-US" sz="1050" dirty="0">
+                <a:solidFill>
+                  <a:schemeClr val="bg1"/>
+                </a:solidFill>
+              </a:rPr>
+              <a:t>, some implement Command.</a:t>
+            </a:r>
+          </a:p>
+        </p:txBody>
+      </p:sp>
+      <p:sp>
+        <p:nvSpPr>
+          <p:cNvPr id="61" name="Rectangle 62">
+            <a:extLst>
+              <a:ext uri="{FF2B5EF4-FFF2-40B4-BE49-F238E27FC236}">
+                <a16:creationId xmlns:a16="http://schemas.microsoft.com/office/drawing/2014/main" id="{D3E9FA9F-F967-45C5-8A80-BFE6478356CA}"/>
+              </a:ext>
+            </a:extLst>
+          </p:cNvPr>
+          <p:cNvSpPr/>
+          <p:nvPr/>
+        </p:nvSpPr>
+        <p:spPr>
+          <a:xfrm>
+            <a:off x="5809226" y="3438900"/>
+            <a:ext cx="772043" cy="455242"/>
+          </a:xfrm>
+          <a:prstGeom prst="rect">
+            <a:avLst/>
+          </a:prstGeom>
+          <a:ln w="19050">
+            <a:solidFill>
+              <a:srgbClr val="0070C0"/>
+            </a:solidFill>
+          </a:ln>
+          <a:effectLst/>
+        </p:spPr>
+        <p:style>
+          <a:lnRef idx="1">
+            <a:schemeClr val="accent1"/>
+          </a:lnRef>
+          <a:fillRef idx="2">
+            <a:schemeClr val="accent1"/>
+          </a:fillRef>
+          <a:effectRef idx="1">
+            <a:schemeClr val="accent1"/>
+          </a:effectRef>
+          <a:fontRef idx="minor">
+            <a:schemeClr val="dk1"/>
+          </a:fontRef>
+        </p:style>
+        <p:txBody>
+          <a:bodyPr rtlCol="0" anchor="ctr"/>
+          <a:lstStyle/>
+          <a:p>
+            <a:pPr algn="ctr"/>
+            <a:r>
+              <a:rPr lang="en-US" sz="1050" b="1" dirty="0">
+                <a:solidFill>
+                  <a:srgbClr val="0070C0"/>
+                </a:solidFill>
+              </a:rPr>
+              <a:t>{abstract}</a:t>
+            </a:r>
+            <a:br>
+              <a:rPr lang="en-US" sz="1050" b="1" dirty="0">
+                <a:solidFill>
+                  <a:srgbClr val="0070C0"/>
+                </a:solidFill>
+              </a:rPr>
+            </a:br>
+            <a:r>
+              <a:rPr lang="en-US" sz="1050" b="1" dirty="0">
+                <a:solidFill>
+                  <a:srgbClr val="0070C0"/>
+                </a:solidFill>
+              </a:rPr>
+              <a:t>Undoable</a:t>
+            </a:r>
+          </a:p>
+          <a:p>
+            <a:pPr algn="ctr"/>
+            <a:r>
+              <a:rPr lang="en-US" sz="1050" b="1" dirty="0">
+                <a:solidFill>
+                  <a:srgbClr val="0070C0"/>
+                </a:solidFill>
+              </a:rPr>
+              <a:t>Command</a:t>
+            </a:r>
+            <a:endParaRPr lang="en-SG" sz="1050" b="1" dirty="0">
+              <a:solidFill>
+                <a:srgbClr val="0070C0"/>
+              </a:solidFill>
+            </a:endParaRPr>
+          </a:p>
+        </p:txBody>
+      </p:sp>
+      <p:cxnSp>
+        <p:nvCxnSpPr>
+          <p:cNvPr id="64" name="Elbow Connector 95">
+            <a:extLst>
+              <a:ext uri="{FF2B5EF4-FFF2-40B4-BE49-F238E27FC236}">
+                <a16:creationId xmlns:a16="http://schemas.microsoft.com/office/drawing/2014/main" id="{7EC77819-AF6B-4605-890B-41C289D3635B}"/>
+              </a:ext>
+            </a:extLst>
+          </p:cNvPr>
+          <p:cNvCxnSpPr>
+            <a:cxnSpLocks/>
+            <a:stCxn id="63" idx="0"/>
+          </p:cNvCxnSpPr>
+          <p:nvPr/>
+        </p:nvCxnSpPr>
+        <p:spPr>
+          <a:xfrm flipV="1">
+            <a:off x="6584326" y="3091222"/>
+            <a:ext cx="292555" cy="364153"/>
+          </a:xfrm>
+          <a:prstGeom prst="straightConnector1">
+            <a:avLst/>
+          </a:prstGeom>
+          <a:ln w="19050">
+            <a:headEnd type="none" w="med" len="med"/>
+            <a:tailEnd type="none" w="med" len="med"/>
+          </a:ln>
+        </p:spPr>
+        <p:style>
+          <a:lnRef idx="1">
+            <a:schemeClr val="accent1"/>
+          </a:lnRef>
+          <a:fillRef idx="0">
+            <a:schemeClr val="accent1"/>
+          </a:fillRef>
+          <a:effectRef idx="0">
+            <a:schemeClr val="accent1"/>
+          </a:effectRef>
+          <a:fontRef idx="minor">
+            <a:schemeClr val="tx1"/>
+          </a:fontRef>
+        </p:style>
+      </p:cxnSp>
+      <p:sp>
+        <p:nvSpPr>
+          <p:cNvPr id="63" name="Isosceles Triangle 102">
+            <a:extLst>
+              <a:ext uri="{FF2B5EF4-FFF2-40B4-BE49-F238E27FC236}">
+                <a16:creationId xmlns:a16="http://schemas.microsoft.com/office/drawing/2014/main" id="{D26AB0D2-BCC3-4A0B-ADED-E5DFB9E9EF56}"/>
+              </a:ext>
+            </a:extLst>
+          </p:cNvPr>
+          <p:cNvSpPr/>
+          <p:nvPr/>
+        </p:nvSpPr>
+        <p:spPr>
+          <a:xfrm rot="2379662" flipV="1">
+            <a:off x="6505087" y="3300052"/>
+            <a:ext cx="270504" cy="175523"/>
+          </a:xfrm>
+          <a:prstGeom prst="triangle">
+            <a:avLst/>
+          </a:prstGeom>
+          <a:solidFill>
+            <a:schemeClr val="tx2">
+              <a:lumMod val="60000"/>
+              <a:lumOff val="40000"/>
+            </a:schemeClr>
+          </a:solidFill>
+          <a:ln w="19050">
+            <a:solidFill>
+              <a:srgbClr val="0070C0"/>
+            </a:solidFill>
+          </a:ln>
+          <a:effectLst/>
+        </p:spPr>
+        <p:style>
+          <a:lnRef idx="1">
+            <a:schemeClr val="accent1"/>
+          </a:lnRef>
+          <a:fillRef idx="2">
+            <a:schemeClr val="accent1"/>
+          </a:fillRef>
+          <a:effectRef idx="1">
+            <a:schemeClr val="accent1"/>
+          </a:effectRef>
+          <a:fontRef idx="minor">
+            <a:schemeClr val="dk1"/>
+          </a:fontRef>
+        </p:style>
+        <p:txBody>
+          <a:bodyPr rtlCol="0" anchor="ctr"/>
+          <a:lstStyle/>
+          <a:p>
+            <a:pPr algn="ctr"/>
+            <a:endParaRPr lang="en-SG" sz="1050" b="1">
+              <a:solidFill>
+                <a:srgbClr val="92D050"/>
+              </a:solidFill>
+            </a:endParaRPr>
+          </a:p>
+        </p:txBody>
+      </p:sp>
+      <p:sp>
+        <p:nvSpPr>
+          <p:cNvPr id="71" name="Rectangle 62">
+            <a:extLst>
+              <a:ext uri="{FF2B5EF4-FFF2-40B4-BE49-F238E27FC236}">
+                <a16:creationId xmlns:a16="http://schemas.microsoft.com/office/drawing/2014/main" id="{531F8CFF-AA02-438B-9405-8FB027005542}"/>
+              </a:ext>
+            </a:extLst>
+          </p:cNvPr>
+          <p:cNvSpPr/>
+          <p:nvPr/>
+        </p:nvSpPr>
+        <p:spPr>
+          <a:xfrm>
+            <a:off x="2297016" y="3103365"/>
+            <a:ext cx="805984" cy="346760"/>
+          </a:xfrm>
+          <a:prstGeom prst="rect">
+            <a:avLst/>
+          </a:prstGeom>
+          <a:solidFill>
+            <a:srgbClr val="0070C0"/>
+          </a:solidFill>
+          <a:ln w="19050">
+            <a:solidFill>
+              <a:srgbClr val="0070C0"/>
+            </a:solidFill>
+          </a:ln>
+          <a:effectLst/>
+        </p:spPr>
+        <p:style>
+          <a:lnRef idx="1">
+            <a:schemeClr val="accent2"/>
+          </a:lnRef>
+          <a:fillRef idx="2">
+            <a:schemeClr val="accent2"/>
+          </a:fillRef>
+          <a:effectRef idx="1">
+            <a:schemeClr val="accent2"/>
+          </a:effectRef>
+          <a:fontRef idx="minor">
+            <a:schemeClr val="dk1"/>
+          </a:fontRef>
+        </p:style>
+        <p:txBody>
+          <a:bodyPr rtlCol="0" anchor="ctr"/>
+          <a:lstStyle/>
+          <a:p>
+            <a:pPr algn="ctr"/>
+            <a:r>
+              <a:rPr lang="en-US" sz="1050" dirty="0" err="1">
+                <a:solidFill>
+                  <a:schemeClr val="bg1"/>
+                </a:solidFill>
+              </a:rPr>
+              <a:t>UndoRedo</a:t>
+            </a:r>
             <a:endParaRPr lang="en-US" sz="1050" dirty="0">
               <a:solidFill>
                 <a:schemeClr val="bg1"/>
+              </a:solidFill>
+            </a:endParaRPr>
+          </a:p>
+          <a:p>
+            <a:pPr algn="ctr"/>
+            <a:r>
+              <a:rPr lang="en-US" sz="1050" dirty="0">
+                <a:solidFill>
+                  <a:schemeClr val="bg1"/>
+                </a:solidFill>
+              </a:rPr>
+              <a:t>Stack</a:t>
+            </a:r>
+            <a:endParaRPr lang="en-SG" sz="1050" dirty="0">
+              <a:solidFill>
+                <a:schemeClr val="bg1"/>
+              </a:solidFill>
+            </a:endParaRPr>
+          </a:p>
+        </p:txBody>
+      </p:sp>
+      <p:cxnSp>
+        <p:nvCxnSpPr>
+          <p:cNvPr id="72" name="Straight Connector 71">
+            <a:extLst>
+              <a:ext uri="{FF2B5EF4-FFF2-40B4-BE49-F238E27FC236}">
+                <a16:creationId xmlns:a16="http://schemas.microsoft.com/office/drawing/2014/main" id="{841EC2FC-9AA9-4EC0-B909-0BAAFF2393FE}"/>
+              </a:ext>
+            </a:extLst>
+          </p:cNvPr>
+          <p:cNvCxnSpPr>
+            <a:cxnSpLocks/>
+            <a:endCxn id="71" idx="2"/>
+          </p:cNvCxnSpPr>
+          <p:nvPr/>
+        </p:nvCxnSpPr>
+        <p:spPr>
+          <a:xfrm flipV="1">
+            <a:off x="2700008" y="3450125"/>
+            <a:ext cx="0" cy="163587"/>
+          </a:xfrm>
+          <a:prstGeom prst="line">
+            <a:avLst/>
+          </a:prstGeom>
+          <a:ln w="19050">
+            <a:solidFill>
+              <a:srgbClr val="0070C0"/>
+            </a:solidFill>
+            <a:prstDash val="solid"/>
+            <a:headEnd type="none" w="med" len="med"/>
+            <a:tailEnd type="arrow" w="med" len="med"/>
+          </a:ln>
+          <a:effectLst/>
+        </p:spPr>
+        <p:style>
+          <a:lnRef idx="1">
+            <a:schemeClr val="accent2"/>
+          </a:lnRef>
+          <a:fillRef idx="2">
+            <a:schemeClr val="accent2"/>
+          </a:fillRef>
+          <a:effectRef idx="1">
+            <a:schemeClr val="accent2"/>
+          </a:effectRef>
+          <a:fontRef idx="minor">
+            <a:schemeClr val="dk1"/>
+          </a:fontRef>
+        </p:style>
+      </p:cxnSp>
+      <p:sp>
+        <p:nvSpPr>
+          <p:cNvPr id="76" name="TextBox 75">
+            <a:extLst>
+              <a:ext uri="{FF2B5EF4-FFF2-40B4-BE49-F238E27FC236}">
+                <a16:creationId xmlns:a16="http://schemas.microsoft.com/office/drawing/2014/main" id="{9327BF43-349A-4A74-9D21-E562941F55D5}"/>
+              </a:ext>
+            </a:extLst>
+          </p:cNvPr>
+          <p:cNvSpPr txBox="1"/>
+          <p:nvPr/>
+        </p:nvSpPr>
+        <p:spPr>
+          <a:xfrm>
+            <a:off x="2692980" y="3454547"/>
+            <a:ext cx="131116" cy="230832"/>
+          </a:xfrm>
+          <a:prstGeom prst="rect">
+            <a:avLst/>
+          </a:prstGeom>
+          <a:noFill/>
+        </p:spPr>
+        <p:txBody>
+          <a:bodyPr wrap="square" lIns="0" tIns="0" rIns="0" bIns="0" rtlCol="0">
+            <a:noAutofit/>
+          </a:bodyPr>
+          <a:lstStyle/>
+          <a:p>
+            <a:pPr algn="r"/>
+            <a:r>
+              <a:rPr lang="en-US" sz="1100" dirty="0">
+                <a:solidFill>
+                  <a:srgbClr val="0070C0"/>
+                </a:solidFill>
+              </a:rPr>
+              <a:t>1</a:t>
+            </a:r>
+            <a:endParaRPr lang="en-SG" sz="1100" dirty="0">
+              <a:solidFill>
+                <a:srgbClr val="0070C0"/>
+              </a:solidFill>
+            </a:endParaRPr>
+          </a:p>
+        </p:txBody>
+      </p:sp>
+      <p:cxnSp>
+        <p:nvCxnSpPr>
+          <p:cNvPr id="81" name="Elbow Connector 95">
+            <a:extLst>
+              <a:ext uri="{FF2B5EF4-FFF2-40B4-BE49-F238E27FC236}">
+                <a16:creationId xmlns:a16="http://schemas.microsoft.com/office/drawing/2014/main" id="{9D1A9F4E-6DEA-413D-ADE8-71D250D1E9DD}"/>
+              </a:ext>
+            </a:extLst>
+          </p:cNvPr>
+          <p:cNvCxnSpPr>
+            <a:cxnSpLocks/>
+            <a:stCxn id="84" idx="0"/>
+          </p:cNvCxnSpPr>
+          <p:nvPr/>
+        </p:nvCxnSpPr>
+        <p:spPr>
+          <a:xfrm flipH="1" flipV="1">
+            <a:off x="6588605" y="3894142"/>
+            <a:ext cx="384297" cy="261344"/>
+          </a:xfrm>
+          <a:prstGeom prst="straightConnector1">
+            <a:avLst/>
+          </a:prstGeom>
+          <a:ln w="19050">
+            <a:headEnd type="none" w="med" len="med"/>
+            <a:tailEnd type="none" w="med" len="med"/>
+          </a:ln>
+        </p:spPr>
+        <p:style>
+          <a:lnRef idx="1">
+            <a:schemeClr val="accent1"/>
+          </a:lnRef>
+          <a:fillRef idx="0">
+            <a:schemeClr val="accent1"/>
+          </a:fillRef>
+          <a:effectRef idx="0">
+            <a:schemeClr val="accent1"/>
+          </a:effectRef>
+          <a:fontRef idx="minor">
+            <a:schemeClr val="tx1"/>
+          </a:fontRef>
+        </p:style>
+      </p:cxnSp>
+      <p:sp>
+        <p:nvSpPr>
+          <p:cNvPr id="84" name="Isosceles Triangle 102">
+            <a:extLst>
+              <a:ext uri="{FF2B5EF4-FFF2-40B4-BE49-F238E27FC236}">
+                <a16:creationId xmlns:a16="http://schemas.microsoft.com/office/drawing/2014/main" id="{D62D0A62-EAE8-417C-BCA3-A924A001FFB4}"/>
+              </a:ext>
+            </a:extLst>
+          </p:cNvPr>
+          <p:cNvSpPr/>
+          <p:nvPr/>
+        </p:nvSpPr>
+        <p:spPr>
+          <a:xfrm rot="18064308" flipV="1">
+            <a:off x="6762480" y="4022430"/>
+            <a:ext cx="270504" cy="175523"/>
+          </a:xfrm>
+          <a:prstGeom prst="triangle">
+            <a:avLst/>
+          </a:prstGeom>
+          <a:solidFill>
+            <a:schemeClr val="tx2">
+              <a:lumMod val="60000"/>
+              <a:lumOff val="40000"/>
+            </a:schemeClr>
+          </a:solidFill>
+          <a:ln w="19050">
+            <a:solidFill>
+              <a:srgbClr val="0070C0"/>
+            </a:solidFill>
+          </a:ln>
+          <a:effectLst/>
+        </p:spPr>
+        <p:style>
+          <a:lnRef idx="1">
+            <a:schemeClr val="accent1"/>
+          </a:lnRef>
+          <a:fillRef idx="2">
+            <a:schemeClr val="accent1"/>
+          </a:fillRef>
+          <a:effectRef idx="1">
+            <a:schemeClr val="accent1"/>
+          </a:effectRef>
+          <a:fontRef idx="minor">
+            <a:schemeClr val="dk1"/>
+          </a:fontRef>
+        </p:style>
+        <p:txBody>
+          <a:bodyPr rtlCol="0" anchor="ctr"/>
+          <a:lstStyle/>
+          <a:p>
+            <a:pPr algn="ctr"/>
+            <a:endParaRPr lang="en-SG" sz="1050" b="1">
+              <a:solidFill>
+                <a:srgbClr val="92D050"/>
               </a:solidFill>
             </a:endParaRPr>
           </a:p>

--- a/docs/diagrams/LogicComponentClassDiagram.pptx
+++ b/docs/diagrams/LogicComponentClassDiagram.pptx
@@ -212,7 +212,7 @@
           <a:p>
             <a:fld id="{F5CC4B3F-88C1-4FFA-B1B6-F41C21DC6924}" type="datetimeFigureOut">
               <a:rPr lang="en-US" smtClean="0"/>
-              <a:t>4/4/2018</a:t>
+              <a:t>4/16/2018</a:t>
             </a:fld>
             <a:endParaRPr lang="en-US"/>
           </a:p>
@@ -658,7 +658,7 @@
           <a:p>
             <a:fld id="{78C97017-6FC3-485B-9764-EAC9E56C1D49}" type="datetimeFigureOut">
               <a:rPr lang="en-US" smtClean="0"/>
-              <a:t>4/4/2018</a:t>
+              <a:t>4/16/2018</a:t>
             </a:fld>
             <a:endParaRPr lang="en-US"/>
           </a:p>
@@ -826,7 +826,7 @@
           <a:p>
             <a:fld id="{78C97017-6FC3-485B-9764-EAC9E56C1D49}" type="datetimeFigureOut">
               <a:rPr lang="en-US" smtClean="0"/>
-              <a:t>4/4/2018</a:t>
+              <a:t>4/16/2018</a:t>
             </a:fld>
             <a:endParaRPr lang="en-US"/>
           </a:p>
@@ -1004,7 +1004,7 @@
           <a:p>
             <a:fld id="{78C97017-6FC3-485B-9764-EAC9E56C1D49}" type="datetimeFigureOut">
               <a:rPr lang="en-US" smtClean="0"/>
-              <a:t>4/4/2018</a:t>
+              <a:t>4/16/2018</a:t>
             </a:fld>
             <a:endParaRPr lang="en-US"/>
           </a:p>
@@ -1172,7 +1172,7 @@
           <a:p>
             <a:fld id="{78C97017-6FC3-485B-9764-EAC9E56C1D49}" type="datetimeFigureOut">
               <a:rPr lang="en-US" smtClean="0"/>
-              <a:t>4/4/2018</a:t>
+              <a:t>4/16/2018</a:t>
             </a:fld>
             <a:endParaRPr lang="en-US"/>
           </a:p>
@@ -1417,7 +1417,7 @@
           <a:p>
             <a:fld id="{78C97017-6FC3-485B-9764-EAC9E56C1D49}" type="datetimeFigureOut">
               <a:rPr lang="en-US" smtClean="0"/>
-              <a:t>4/4/2018</a:t>
+              <a:t>4/16/2018</a:t>
             </a:fld>
             <a:endParaRPr lang="en-US"/>
           </a:p>
@@ -1702,7 +1702,7 @@
           <a:p>
             <a:fld id="{78C97017-6FC3-485B-9764-EAC9E56C1D49}" type="datetimeFigureOut">
               <a:rPr lang="en-US" smtClean="0"/>
-              <a:t>4/4/2018</a:t>
+              <a:t>4/16/2018</a:t>
             </a:fld>
             <a:endParaRPr lang="en-US"/>
           </a:p>
@@ -2121,7 +2121,7 @@
           <a:p>
             <a:fld id="{78C97017-6FC3-485B-9764-EAC9E56C1D49}" type="datetimeFigureOut">
               <a:rPr lang="en-US" smtClean="0"/>
-              <a:t>4/4/2018</a:t>
+              <a:t>4/16/2018</a:t>
             </a:fld>
             <a:endParaRPr lang="en-US"/>
           </a:p>
@@ -2238,7 +2238,7 @@
           <a:p>
             <a:fld id="{78C97017-6FC3-485B-9764-EAC9E56C1D49}" type="datetimeFigureOut">
               <a:rPr lang="en-US" smtClean="0"/>
-              <a:t>4/4/2018</a:t>
+              <a:t>4/16/2018</a:t>
             </a:fld>
             <a:endParaRPr lang="en-US"/>
           </a:p>
@@ -2333,7 +2333,7 @@
           <a:p>
             <a:fld id="{78C97017-6FC3-485B-9764-EAC9E56C1D49}" type="datetimeFigureOut">
               <a:rPr lang="en-US" smtClean="0"/>
-              <a:t>4/4/2018</a:t>
+              <a:t>4/16/2018</a:t>
             </a:fld>
             <a:endParaRPr lang="en-US"/>
           </a:p>
@@ -2608,7 +2608,7 @@
           <a:p>
             <a:fld id="{78C97017-6FC3-485B-9764-EAC9E56C1D49}" type="datetimeFigureOut">
               <a:rPr lang="en-US" smtClean="0"/>
-              <a:t>4/4/2018</a:t>
+              <a:t>4/16/2018</a:t>
             </a:fld>
             <a:endParaRPr lang="en-US"/>
           </a:p>
@@ -2860,7 +2860,7 @@
           <a:p>
             <a:fld id="{78C97017-6FC3-485B-9764-EAC9E56C1D49}" type="datetimeFigureOut">
               <a:rPr lang="en-US" smtClean="0"/>
-              <a:t>4/4/2018</a:t>
+              <a:t>4/16/2018</a:t>
             </a:fld>
             <a:endParaRPr lang="en-US"/>
           </a:p>
@@ -3071,7 +3071,7 @@
           <a:p>
             <a:fld id="{78C97017-6FC3-485B-9764-EAC9E56C1D49}" type="datetimeFigureOut">
               <a:rPr lang="en-US" smtClean="0"/>
-              <a:t>4/4/2018</a:t>
+              <a:t>4/16/2018</a:t>
             </a:fld>
             <a:endParaRPr lang="en-US"/>
           </a:p>

--- a/docs/diagrams/LogicComponentClassDiagram.pptx
+++ b/docs/diagrams/LogicComponentClassDiagram.pptx
@@ -212,7 +212,7 @@
           <a:p>
             <a:fld id="{F5CC4B3F-88C1-4FFA-B1B6-F41C21DC6924}" type="datetimeFigureOut">
               <a:rPr lang="en-US" smtClean="0"/>
-              <a:t>7/20/17</a:t>
+              <a:t>4/4/2018</a:t>
             </a:fld>
             <a:endParaRPr lang="en-US"/>
           </a:p>
@@ -658,7 +658,7 @@
           <a:p>
             <a:fld id="{78C97017-6FC3-485B-9764-EAC9E56C1D49}" type="datetimeFigureOut">
               <a:rPr lang="en-US" smtClean="0"/>
-              <a:t>7/20/17</a:t>
+              <a:t>4/4/2018</a:t>
             </a:fld>
             <a:endParaRPr lang="en-US"/>
           </a:p>
@@ -826,7 +826,7 @@
           <a:p>
             <a:fld id="{78C97017-6FC3-485B-9764-EAC9E56C1D49}" type="datetimeFigureOut">
               <a:rPr lang="en-US" smtClean="0"/>
-              <a:t>7/20/17</a:t>
+              <a:t>4/4/2018</a:t>
             </a:fld>
             <a:endParaRPr lang="en-US"/>
           </a:p>
@@ -1004,7 +1004,7 @@
           <a:p>
             <a:fld id="{78C97017-6FC3-485B-9764-EAC9E56C1D49}" type="datetimeFigureOut">
               <a:rPr lang="en-US" smtClean="0"/>
-              <a:t>7/20/17</a:t>
+              <a:t>4/4/2018</a:t>
             </a:fld>
             <a:endParaRPr lang="en-US"/>
           </a:p>
@@ -1172,7 +1172,7 @@
           <a:p>
             <a:fld id="{78C97017-6FC3-485B-9764-EAC9E56C1D49}" type="datetimeFigureOut">
               <a:rPr lang="en-US" smtClean="0"/>
-              <a:t>7/20/17</a:t>
+              <a:t>4/4/2018</a:t>
             </a:fld>
             <a:endParaRPr lang="en-US"/>
           </a:p>
@@ -1417,7 +1417,7 @@
           <a:p>
             <a:fld id="{78C97017-6FC3-485B-9764-EAC9E56C1D49}" type="datetimeFigureOut">
               <a:rPr lang="en-US" smtClean="0"/>
-              <a:t>7/20/17</a:t>
+              <a:t>4/4/2018</a:t>
             </a:fld>
             <a:endParaRPr lang="en-US"/>
           </a:p>
@@ -1702,7 +1702,7 @@
           <a:p>
             <a:fld id="{78C97017-6FC3-485B-9764-EAC9E56C1D49}" type="datetimeFigureOut">
               <a:rPr lang="en-US" smtClean="0"/>
-              <a:t>7/20/17</a:t>
+              <a:t>4/4/2018</a:t>
             </a:fld>
             <a:endParaRPr lang="en-US"/>
           </a:p>
@@ -2121,7 +2121,7 @@
           <a:p>
             <a:fld id="{78C97017-6FC3-485B-9764-EAC9E56C1D49}" type="datetimeFigureOut">
               <a:rPr lang="en-US" smtClean="0"/>
-              <a:t>7/20/17</a:t>
+              <a:t>4/4/2018</a:t>
             </a:fld>
             <a:endParaRPr lang="en-US"/>
           </a:p>
@@ -2238,7 +2238,7 @@
           <a:p>
             <a:fld id="{78C97017-6FC3-485B-9764-EAC9E56C1D49}" type="datetimeFigureOut">
               <a:rPr lang="en-US" smtClean="0"/>
-              <a:t>7/20/17</a:t>
+              <a:t>4/4/2018</a:t>
             </a:fld>
             <a:endParaRPr lang="en-US"/>
           </a:p>
@@ -2333,7 +2333,7 @@
           <a:p>
             <a:fld id="{78C97017-6FC3-485B-9764-EAC9E56C1D49}" type="datetimeFigureOut">
               <a:rPr lang="en-US" smtClean="0"/>
-              <a:t>7/20/17</a:t>
+              <a:t>4/4/2018</a:t>
             </a:fld>
             <a:endParaRPr lang="en-US"/>
           </a:p>
@@ -2608,7 +2608,7 @@
           <a:p>
             <a:fld id="{78C97017-6FC3-485B-9764-EAC9E56C1D49}" type="datetimeFigureOut">
               <a:rPr lang="en-US" smtClean="0"/>
-              <a:t>7/20/17</a:t>
+              <a:t>4/4/2018</a:t>
             </a:fld>
             <a:endParaRPr lang="en-US"/>
           </a:p>
@@ -2860,7 +2860,7 @@
           <a:p>
             <a:fld id="{78C97017-6FC3-485B-9764-EAC9E56C1D49}" type="datetimeFigureOut">
               <a:rPr lang="en-US" smtClean="0"/>
-              <a:t>7/20/17</a:t>
+              <a:t>4/4/2018</a:t>
             </a:fld>
             <a:endParaRPr lang="en-US"/>
           </a:p>
@@ -3071,7 +3071,7 @@
           <a:p>
             <a:fld id="{78C97017-6FC3-485B-9764-EAC9E56C1D49}" type="datetimeFigureOut">
               <a:rPr lang="en-US" smtClean="0"/>
-              <a:t>7/20/17</a:t>
+              <a:t>4/4/2018</a:t>
             </a:fld>
             <a:endParaRPr lang="en-US"/>
           </a:p>
@@ -5517,7 +5517,7 @@
           <p:cNvPr id="97" name="Rectangle 96">
             <a:extLst>
               <a:ext uri="{FF2B5EF4-FFF2-40B4-BE49-F238E27FC236}">
-                <a16:creationId xmlns="" xmlns:a16="http://schemas.microsoft.com/office/drawing/2014/main" id="{AADE6A0C-89AB-467B-8CEA-5FCF36CE0D21}"/>
+                <a16:creationId xmlns:a16="http://schemas.microsoft.com/office/drawing/2014/main" id="{AADE6A0C-89AB-467B-8CEA-5FCF36CE0D21}"/>
               </a:ext>
             </a:extLst>
           </p:cNvPr>
@@ -6215,160 +6215,6 @@
             <a:endParaRPr lang="en-US" sz="1050" dirty="0">
               <a:solidFill>
                 <a:schemeClr val="bg1"/>
-              </a:solidFill>
-            </a:endParaRPr>
-          </a:p>
-        </p:txBody>
-      </p:sp>
-      <p:sp>
-        <p:nvSpPr>
-          <p:cNvPr id="59" name="Rectangle 62"/>
-          <p:cNvSpPr/>
-          <p:nvPr/>
-        </p:nvSpPr>
-        <p:spPr>
-          <a:xfrm>
-            <a:off x="2334221" y="3058789"/>
-            <a:ext cx="758695" cy="346760"/>
-          </a:xfrm>
-          <a:prstGeom prst="rect">
-            <a:avLst/>
-          </a:prstGeom>
-          <a:solidFill>
-            <a:srgbClr val="0070C0"/>
-          </a:solidFill>
-          <a:ln w="19050">
-            <a:solidFill>
-              <a:srgbClr val="0070C0"/>
-            </a:solidFill>
-          </a:ln>
-          <a:effectLst/>
-        </p:spPr>
-        <p:style>
-          <a:lnRef idx="1">
-            <a:schemeClr val="accent2"/>
-          </a:lnRef>
-          <a:fillRef idx="2">
-            <a:schemeClr val="accent2"/>
-          </a:fillRef>
-          <a:effectRef idx="1">
-            <a:schemeClr val="accent2"/>
-          </a:effectRef>
-          <a:fontRef idx="minor">
-            <a:schemeClr val="dk1"/>
-          </a:fontRef>
-        </p:style>
-        <p:txBody>
-          <a:bodyPr rtlCol="0" anchor="ctr"/>
-          <a:lstStyle/>
-          <a:p>
-            <a:pPr algn="ctr"/>
-            <a:r>
-              <a:rPr lang="en-US" sz="1050" dirty="0" err="1" smtClean="0">
-                <a:solidFill>
-                  <a:schemeClr val="bg1"/>
-                </a:solidFill>
-              </a:rPr>
-              <a:t>UndoRedo</a:t>
-            </a:r>
-            <a:endParaRPr lang="en-US" sz="1050" dirty="0" smtClean="0">
-              <a:solidFill>
-                <a:schemeClr val="bg1"/>
-              </a:solidFill>
-            </a:endParaRPr>
-          </a:p>
-          <a:p>
-            <a:pPr algn="ctr"/>
-            <a:r>
-              <a:rPr lang="en-US" sz="1050" dirty="0" smtClean="0">
-                <a:solidFill>
-                  <a:schemeClr val="bg1"/>
-                </a:solidFill>
-              </a:rPr>
-              <a:t>Stack</a:t>
-            </a:r>
-            <a:endParaRPr lang="en-SG" sz="1050" dirty="0">
-              <a:solidFill>
-                <a:schemeClr val="bg1"/>
-              </a:solidFill>
-            </a:endParaRPr>
-          </a:p>
-        </p:txBody>
-      </p:sp>
-      <p:cxnSp>
-        <p:nvCxnSpPr>
-          <p:cNvPr id="61" name="Straight Arrow Connector 57"/>
-          <p:cNvCxnSpPr>
-            <a:endCxn id="59" idx="2"/>
-          </p:cNvCxnSpPr>
-          <p:nvPr/>
-        </p:nvCxnSpPr>
-        <p:spPr>
-          <a:xfrm flipV="1">
-            <a:off x="2713568" y="3405549"/>
-            <a:ext cx="1" cy="177981"/>
-          </a:xfrm>
-          <a:prstGeom prst="straightConnector1">
-            <a:avLst/>
-          </a:prstGeom>
-          <a:ln w="19050">
-            <a:solidFill>
-              <a:srgbClr val="0070C0"/>
-            </a:solidFill>
-            <a:headEnd type="none" w="med" len="med"/>
-            <a:tailEnd type="arrow" w="med" len="med"/>
-          </a:ln>
-          <a:effectLst/>
-        </p:spPr>
-        <p:style>
-          <a:lnRef idx="1">
-            <a:schemeClr val="accent2"/>
-          </a:lnRef>
-          <a:fillRef idx="2">
-            <a:schemeClr val="accent2"/>
-          </a:fillRef>
-          <a:effectRef idx="1">
-            <a:schemeClr val="accent2"/>
-          </a:effectRef>
-          <a:fontRef idx="minor">
-            <a:schemeClr val="dk1"/>
-          </a:fontRef>
-        </p:style>
-      </p:cxnSp>
-      <p:sp>
-        <p:nvSpPr>
-          <p:cNvPr id="63" name="TextBox 62"/>
-          <p:cNvSpPr txBox="1"/>
-          <p:nvPr/>
-        </p:nvSpPr>
-        <p:spPr>
-          <a:xfrm>
-            <a:off x="2724741" y="3418256"/>
-            <a:ext cx="131116" cy="230832"/>
-          </a:xfrm>
-          <a:prstGeom prst="rect">
-            <a:avLst/>
-          </a:prstGeom>
-          <a:noFill/>
-        </p:spPr>
-        <p:txBody>
-          <a:bodyPr wrap="square" lIns="0" tIns="0" rIns="0" bIns="0" rtlCol="0">
-            <a:noAutofit/>
-          </a:bodyPr>
-          <a:lstStyle/>
-          <a:p>
-            <a:pPr algn="r"/>
-            <a:r>
-              <a:rPr lang="en-US" sz="1100" dirty="0">
-                <a:solidFill>
-                  <a:srgbClr val="0070C0"/>
-                </a:solidFill>
-              </a:rPr>
-              <a:t>1</a:t>
-            </a:r>
-            <a:endParaRPr lang="en-SG" sz="1100" dirty="0">
-              <a:solidFill>
-                <a:srgbClr val="0070C0"/>
               </a:solidFill>
             </a:endParaRPr>
           </a:p>

--- a/docs/diagrams/LogicComponentClassDiagram.pptx
+++ b/docs/diagrams/LogicComponentClassDiagram.pptx
@@ -126,10 +126,6 @@
 </p:presentation>
 </file>
 
-<file path=ppt/revisionInfo.xml><?xml version="1.0" encoding="utf-8"?>
-<p1510:revInfo xmlns:a="http://schemas.openxmlformats.org/drawingml/2006/main" xmlns:r="http://schemas.openxmlformats.org/officeDocument/2006/relationships" xmlns:p1510="http://schemas.microsoft.com/office/powerpoint/2015/10/main"/>
-</file>
-
 <file path=ppt/notesMasters/notesMaster1.xml><?xml version="1.0" encoding="utf-8"?>
 <p:notesMaster xmlns:a="http://schemas.openxmlformats.org/drawingml/2006/main" xmlns:r="http://schemas.openxmlformats.org/officeDocument/2006/relationships" xmlns:p="http://schemas.openxmlformats.org/presentationml/2006/main">
   <p:cSld>
@@ -212,7 +208,7 @@
           <a:p>
             <a:fld id="{F5CC4B3F-88C1-4FFA-B1B6-F41C21DC6924}" type="datetimeFigureOut">
               <a:rPr lang="en-US" smtClean="0"/>
-              <a:t>4/16/2018</a:t>
+              <a:t>9/21/2018</a:t>
             </a:fld>
             <a:endParaRPr lang="en-US"/>
           </a:p>
@@ -658,7 +654,7 @@
           <a:p>
             <a:fld id="{78C97017-6FC3-485B-9764-EAC9E56C1D49}" type="datetimeFigureOut">
               <a:rPr lang="en-US" smtClean="0"/>
-              <a:t>4/16/2018</a:t>
+              <a:t>9/21/2018</a:t>
             </a:fld>
             <a:endParaRPr lang="en-US"/>
           </a:p>
@@ -826,7 +822,7 @@
           <a:p>
             <a:fld id="{78C97017-6FC3-485B-9764-EAC9E56C1D49}" type="datetimeFigureOut">
               <a:rPr lang="en-US" smtClean="0"/>
-              <a:t>4/16/2018</a:t>
+              <a:t>9/21/2018</a:t>
             </a:fld>
             <a:endParaRPr lang="en-US"/>
           </a:p>
@@ -1004,7 +1000,7 @@
           <a:p>
             <a:fld id="{78C97017-6FC3-485B-9764-EAC9E56C1D49}" type="datetimeFigureOut">
               <a:rPr lang="en-US" smtClean="0"/>
-              <a:t>4/16/2018</a:t>
+              <a:t>9/21/2018</a:t>
             </a:fld>
             <a:endParaRPr lang="en-US"/>
           </a:p>
@@ -1172,7 +1168,7 @@
           <a:p>
             <a:fld id="{78C97017-6FC3-485B-9764-EAC9E56C1D49}" type="datetimeFigureOut">
               <a:rPr lang="en-US" smtClean="0"/>
-              <a:t>4/16/2018</a:t>
+              <a:t>9/21/2018</a:t>
             </a:fld>
             <a:endParaRPr lang="en-US"/>
           </a:p>
@@ -1417,7 +1413,7 @@
           <a:p>
             <a:fld id="{78C97017-6FC3-485B-9764-EAC9E56C1D49}" type="datetimeFigureOut">
               <a:rPr lang="en-US" smtClean="0"/>
-              <a:t>4/16/2018</a:t>
+              <a:t>9/21/2018</a:t>
             </a:fld>
             <a:endParaRPr lang="en-US"/>
           </a:p>
@@ -1702,7 +1698,7 @@
           <a:p>
             <a:fld id="{78C97017-6FC3-485B-9764-EAC9E56C1D49}" type="datetimeFigureOut">
               <a:rPr lang="en-US" smtClean="0"/>
-              <a:t>4/16/2018</a:t>
+              <a:t>9/21/2018</a:t>
             </a:fld>
             <a:endParaRPr lang="en-US"/>
           </a:p>
@@ -2121,7 +2117,7 @@
           <a:p>
             <a:fld id="{78C97017-6FC3-485B-9764-EAC9E56C1D49}" type="datetimeFigureOut">
               <a:rPr lang="en-US" smtClean="0"/>
-              <a:t>4/16/2018</a:t>
+              <a:t>9/21/2018</a:t>
             </a:fld>
             <a:endParaRPr lang="en-US"/>
           </a:p>
@@ -2238,7 +2234,7 @@
           <a:p>
             <a:fld id="{78C97017-6FC3-485B-9764-EAC9E56C1D49}" type="datetimeFigureOut">
               <a:rPr lang="en-US" smtClean="0"/>
-              <a:t>4/16/2018</a:t>
+              <a:t>9/21/2018</a:t>
             </a:fld>
             <a:endParaRPr lang="en-US"/>
           </a:p>
@@ -2333,7 +2329,7 @@
           <a:p>
             <a:fld id="{78C97017-6FC3-485B-9764-EAC9E56C1D49}" type="datetimeFigureOut">
               <a:rPr lang="en-US" smtClean="0"/>
-              <a:t>4/16/2018</a:t>
+              <a:t>9/21/2018</a:t>
             </a:fld>
             <a:endParaRPr lang="en-US"/>
           </a:p>
@@ -2608,7 +2604,7 @@
           <a:p>
             <a:fld id="{78C97017-6FC3-485B-9764-EAC9E56C1D49}" type="datetimeFigureOut">
               <a:rPr lang="en-US" smtClean="0"/>
-              <a:t>4/16/2018</a:t>
+              <a:t>9/21/2018</a:t>
             </a:fld>
             <a:endParaRPr lang="en-US"/>
           </a:p>
@@ -2860,7 +2856,7 @@
           <a:p>
             <a:fld id="{78C97017-6FC3-485B-9764-EAC9E56C1D49}" type="datetimeFigureOut">
               <a:rPr lang="en-US" smtClean="0"/>
-              <a:t>4/16/2018</a:t>
+              <a:t>9/21/2018</a:t>
             </a:fld>
             <a:endParaRPr lang="en-US"/>
           </a:p>
@@ -3071,7 +3067,7 @@
           <a:p>
             <a:fld id="{78C97017-6FC3-485B-9764-EAC9E56C1D49}" type="datetimeFigureOut">
               <a:rPr lang="en-US" smtClean="0"/>
-              <a:t>4/16/2018</a:t>
+              <a:t>9/21/2018</a:t>
             </a:fld>
             <a:endParaRPr lang="en-US"/>
           </a:p>
@@ -3607,7 +3603,7 @@
           <a:p>
             <a:pPr algn="ctr"/>
             <a:r>
-              <a:rPr lang="en-US" sz="1050" b="1" dirty="0" err="1" smtClean="0">
+              <a:rPr lang="en-US" sz="1050" b="1" dirty="0" err="1">
                 <a:solidFill>
                   <a:srgbClr val="0070C0"/>
                 </a:solidFill>
@@ -3939,12 +3935,12 @@
           <a:p>
             <a:pPr algn="ctr"/>
             <a:r>
-              <a:rPr lang="en-US" sz="1050" dirty="0" err="1" smtClean="0">
+              <a:rPr lang="en-US" sz="1050" dirty="0" err="1">
                 <a:solidFill>
                   <a:schemeClr val="bg1"/>
                 </a:solidFill>
               </a:rPr>
-              <a:t>AddressBook</a:t>
+              <a:t>Erium</a:t>
             </a:r>
             <a:endParaRPr lang="en-US" sz="1050" dirty="0">
               <a:solidFill>
@@ -5815,7 +5811,7 @@
           <a:p>
             <a:pPr algn="ctr"/>
             <a:r>
-              <a:rPr lang="en-US" sz="1050" b="1" dirty="0" err="1" smtClean="0">
+              <a:rPr lang="en-US" sz="1050" b="1" dirty="0" err="1">
                 <a:solidFill>
                   <a:schemeClr val="bg1"/>
                 </a:solidFill>
@@ -6126,8 +6122,8 @@
         </p:nvSpPr>
         <p:spPr>
           <a:xfrm>
-            <a:off x="6263130" y="1981200"/>
-            <a:ext cx="1276614" cy="630473"/>
+            <a:off x="6263130" y="1678024"/>
+            <a:ext cx="1316380" cy="933649"/>
           </a:xfrm>
           <a:prstGeom prst="foldedCorner">
             <a:avLst/>
@@ -6165,7 +6161,7 @@
           <a:p>
             <a:pPr algn="ctr"/>
             <a:r>
-              <a:rPr lang="en-US" sz="1050" dirty="0" err="1" smtClean="0">
+              <a:rPr lang="en-US" sz="1050" dirty="0" err="1">
                 <a:solidFill>
                   <a:schemeClr val="bg1"/>
                 </a:solidFill>
@@ -6173,7 +6169,7 @@
               <a:t>XYZCommand</a:t>
             </a:r>
             <a:r>
-              <a:rPr lang="en-US" sz="1050" dirty="0" smtClean="0">
+              <a:rPr lang="en-US" sz="1050" dirty="0">
                 <a:solidFill>
                   <a:schemeClr val="bg1"/>
                 </a:solidFill>
@@ -6181,15 +6177,15 @@
               <a:t> = </a:t>
             </a:r>
             <a:r>
-              <a:rPr lang="en-US" sz="1050" dirty="0" err="1" smtClean="0">
+              <a:rPr lang="en-US" sz="1050" dirty="0" err="1">
                 <a:solidFill>
                   <a:schemeClr val="bg1"/>
                 </a:solidFill>
               </a:rPr>
-              <a:t>AddCommand</a:t>
-            </a:r>
-            <a:r>
-              <a:rPr lang="en-US" sz="1050" dirty="0" smtClean="0">
+              <a:t>AddFriendCommand</a:t>
+            </a:r>
+            <a:r>
+              <a:rPr lang="en-US" sz="1050" dirty="0">
                 <a:solidFill>
                   <a:schemeClr val="bg1"/>
                 </a:solidFill>
@@ -6197,26 +6193,21 @@
               <a:t>, </a:t>
             </a:r>
             <a:r>
-              <a:rPr lang="en-US" sz="1050" dirty="0" err="1" smtClean="0">
+              <a:rPr lang="en-US" sz="1050" dirty="0" err="1">
                 <a:solidFill>
                   <a:schemeClr val="bg1"/>
                 </a:solidFill>
               </a:rPr>
-              <a:t>FindCommand</a:t>
-            </a:r>
-            <a:r>
-              <a:rPr lang="en-US" sz="1050" dirty="0" smtClean="0">
+              <a:t>FindFriendCommand</a:t>
+            </a:r>
+            <a:r>
+              <a:rPr lang="en-US" sz="1050" dirty="0">
                 <a:solidFill>
                   <a:schemeClr val="bg1"/>
                 </a:solidFill>
               </a:rPr>
               <a:t>, etc.</a:t>
             </a:r>
-            <a:endParaRPr lang="en-US" sz="1050" dirty="0">
-              <a:solidFill>
-                <a:schemeClr val="bg1"/>
-              </a:solidFill>
-            </a:endParaRPr>
           </a:p>
         </p:txBody>
       </p:sp>

--- a/docs/diagrams/LogicComponentClassDiagram.pptx
+++ b/docs/diagrams/LogicComponentClassDiagram.pptx
@@ -126,10 +126,6 @@
 </p:presentation>
 </file>
 
-<file path=ppt/revisionInfo.xml><?xml version="1.0" encoding="utf-8"?>
-<p1510:revInfo xmlns:a="http://schemas.openxmlformats.org/drawingml/2006/main" xmlns:r="http://schemas.openxmlformats.org/officeDocument/2006/relationships" xmlns:p1510="http://schemas.microsoft.com/office/powerpoint/2015/10/main"/>
-</file>
-
 <file path=ppt/notesMasters/notesMaster1.xml><?xml version="1.0" encoding="utf-8"?>
 <p:notesMaster xmlns:a="http://schemas.openxmlformats.org/drawingml/2006/main" xmlns:r="http://schemas.openxmlformats.org/officeDocument/2006/relationships" xmlns:p="http://schemas.openxmlformats.org/presentationml/2006/main">
   <p:cSld>
@@ -212,7 +208,7 @@
           <a:p>
             <a:fld id="{F5CC4B3F-88C1-4FFA-B1B6-F41C21DC6924}" type="datetimeFigureOut">
               <a:rPr lang="en-US" smtClean="0"/>
-              <a:t>4/16/2018</a:t>
+              <a:t>4/11/2019</a:t>
             </a:fld>
             <a:endParaRPr lang="en-US"/>
           </a:p>
@@ -658,7 +654,7 @@
           <a:p>
             <a:fld id="{78C97017-6FC3-485B-9764-EAC9E56C1D49}" type="datetimeFigureOut">
               <a:rPr lang="en-US" smtClean="0"/>
-              <a:t>4/16/2018</a:t>
+              <a:t>4/11/2019</a:t>
             </a:fld>
             <a:endParaRPr lang="en-US"/>
           </a:p>
@@ -826,7 +822,7 @@
           <a:p>
             <a:fld id="{78C97017-6FC3-485B-9764-EAC9E56C1D49}" type="datetimeFigureOut">
               <a:rPr lang="en-US" smtClean="0"/>
-              <a:t>4/16/2018</a:t>
+              <a:t>4/11/2019</a:t>
             </a:fld>
             <a:endParaRPr lang="en-US"/>
           </a:p>
@@ -1004,7 +1000,7 @@
           <a:p>
             <a:fld id="{78C97017-6FC3-485B-9764-EAC9E56C1D49}" type="datetimeFigureOut">
               <a:rPr lang="en-US" smtClean="0"/>
-              <a:t>4/16/2018</a:t>
+              <a:t>4/11/2019</a:t>
             </a:fld>
             <a:endParaRPr lang="en-US"/>
           </a:p>
@@ -1172,7 +1168,7 @@
           <a:p>
             <a:fld id="{78C97017-6FC3-485B-9764-EAC9E56C1D49}" type="datetimeFigureOut">
               <a:rPr lang="en-US" smtClean="0"/>
-              <a:t>4/16/2018</a:t>
+              <a:t>4/11/2019</a:t>
             </a:fld>
             <a:endParaRPr lang="en-US"/>
           </a:p>
@@ -1417,7 +1413,7 @@
           <a:p>
             <a:fld id="{78C97017-6FC3-485B-9764-EAC9E56C1D49}" type="datetimeFigureOut">
               <a:rPr lang="en-US" smtClean="0"/>
-              <a:t>4/16/2018</a:t>
+              <a:t>4/11/2019</a:t>
             </a:fld>
             <a:endParaRPr lang="en-US"/>
           </a:p>
@@ -1702,7 +1698,7 @@
           <a:p>
             <a:fld id="{78C97017-6FC3-485B-9764-EAC9E56C1D49}" type="datetimeFigureOut">
               <a:rPr lang="en-US" smtClean="0"/>
-              <a:t>4/16/2018</a:t>
+              <a:t>4/11/2019</a:t>
             </a:fld>
             <a:endParaRPr lang="en-US"/>
           </a:p>
@@ -2121,7 +2117,7 @@
           <a:p>
             <a:fld id="{78C97017-6FC3-485B-9764-EAC9E56C1D49}" type="datetimeFigureOut">
               <a:rPr lang="en-US" smtClean="0"/>
-              <a:t>4/16/2018</a:t>
+              <a:t>4/11/2019</a:t>
             </a:fld>
             <a:endParaRPr lang="en-US"/>
           </a:p>
@@ -2238,7 +2234,7 @@
           <a:p>
             <a:fld id="{78C97017-6FC3-485B-9764-EAC9E56C1D49}" type="datetimeFigureOut">
               <a:rPr lang="en-US" smtClean="0"/>
-              <a:t>4/16/2018</a:t>
+              <a:t>4/11/2019</a:t>
             </a:fld>
             <a:endParaRPr lang="en-US"/>
           </a:p>
@@ -2333,7 +2329,7 @@
           <a:p>
             <a:fld id="{78C97017-6FC3-485B-9764-EAC9E56C1D49}" type="datetimeFigureOut">
               <a:rPr lang="en-US" smtClean="0"/>
-              <a:t>4/16/2018</a:t>
+              <a:t>4/11/2019</a:t>
             </a:fld>
             <a:endParaRPr lang="en-US"/>
           </a:p>
@@ -2608,7 +2604,7 @@
           <a:p>
             <a:fld id="{78C97017-6FC3-485B-9764-EAC9E56C1D49}" type="datetimeFigureOut">
               <a:rPr lang="en-US" smtClean="0"/>
-              <a:t>4/16/2018</a:t>
+              <a:t>4/11/2019</a:t>
             </a:fld>
             <a:endParaRPr lang="en-US"/>
           </a:p>
@@ -2860,7 +2856,7 @@
           <a:p>
             <a:fld id="{78C97017-6FC3-485B-9764-EAC9E56C1D49}" type="datetimeFigureOut">
               <a:rPr lang="en-US" smtClean="0"/>
-              <a:t>4/16/2018</a:t>
+              <a:t>4/11/2019</a:t>
             </a:fld>
             <a:endParaRPr lang="en-US"/>
           </a:p>
@@ -3071,7 +3067,7 @@
           <a:p>
             <a:fld id="{78C97017-6FC3-485B-9764-EAC9E56C1D49}" type="datetimeFigureOut">
               <a:rPr lang="en-US" smtClean="0"/>
-              <a:t>4/16/2018</a:t>
+              <a:t>4/11/2019</a:t>
             </a:fld>
             <a:endParaRPr lang="en-US"/>
           </a:p>
@@ -3607,7 +3603,7 @@
           <a:p>
             <a:pPr algn="ctr"/>
             <a:r>
-              <a:rPr lang="en-US" sz="1050" b="1" dirty="0" err="1" smtClean="0">
+              <a:rPr lang="en-US" sz="1050" b="1" dirty="0" err="1">
                 <a:solidFill>
                   <a:srgbClr val="0070C0"/>
                 </a:solidFill>
@@ -3939,28 +3935,12 @@
           <a:p>
             <a:pPr algn="ctr"/>
             <a:r>
-              <a:rPr lang="en-US" sz="1050" dirty="0" err="1" smtClean="0">
+              <a:rPr lang="en-US" sz="1050" dirty="0" err="1">
                 <a:solidFill>
                   <a:schemeClr val="bg1"/>
                 </a:solidFill>
               </a:rPr>
-              <a:t>AddressBook</a:t>
-            </a:r>
-            <a:endParaRPr lang="en-US" sz="1050" dirty="0">
-              <a:solidFill>
-                <a:schemeClr val="bg1"/>
-              </a:solidFill>
-            </a:endParaRPr>
-          </a:p>
-          <a:p>
-            <a:pPr algn="ctr"/>
-            <a:r>
-              <a:rPr lang="en-US" sz="1050" dirty="0">
-                <a:solidFill>
-                  <a:schemeClr val="bg1"/>
-                </a:solidFill>
-              </a:rPr>
-              <a:t>Parser</a:t>
+              <a:t>LifeParser</a:t>
             </a:r>
             <a:endParaRPr lang="en-SG" sz="1050" dirty="0">
               <a:solidFill>
@@ -5815,7 +5795,7 @@
           <a:p>
             <a:pPr algn="ctr"/>
             <a:r>
-              <a:rPr lang="en-US" sz="1050" b="1" dirty="0" err="1" smtClean="0">
+              <a:rPr lang="en-US" sz="1050" b="1" dirty="0" err="1">
                 <a:solidFill>
                   <a:schemeClr val="bg1"/>
                 </a:solidFill>
@@ -6165,7 +6145,7 @@
           <a:p>
             <a:pPr algn="ctr"/>
             <a:r>
-              <a:rPr lang="en-US" sz="1050" dirty="0" err="1" smtClean="0">
+              <a:rPr lang="en-US" sz="1050" dirty="0" err="1">
                 <a:solidFill>
                   <a:schemeClr val="bg1"/>
                 </a:solidFill>
@@ -6173,7 +6153,7 @@
               <a:t>XYZCommand</a:t>
             </a:r>
             <a:r>
-              <a:rPr lang="en-US" sz="1050" dirty="0" smtClean="0">
+              <a:rPr lang="en-US" sz="1050" dirty="0">
                 <a:solidFill>
                   <a:schemeClr val="bg1"/>
                 </a:solidFill>
@@ -6181,7 +6161,7 @@
               <a:t> = </a:t>
             </a:r>
             <a:r>
-              <a:rPr lang="en-US" sz="1050" dirty="0" err="1" smtClean="0">
+              <a:rPr lang="en-US" sz="1050" dirty="0" err="1">
                 <a:solidFill>
                   <a:schemeClr val="bg1"/>
                 </a:solidFill>
@@ -6189,7 +6169,7 @@
               <a:t>AddCommand</a:t>
             </a:r>
             <a:r>
-              <a:rPr lang="en-US" sz="1050" dirty="0" smtClean="0">
+              <a:rPr lang="en-US" sz="1050" dirty="0">
                 <a:solidFill>
                   <a:schemeClr val="bg1"/>
                 </a:solidFill>
@@ -6197,7 +6177,7 @@
               <a:t>, </a:t>
             </a:r>
             <a:r>
-              <a:rPr lang="en-US" sz="1050" dirty="0" err="1" smtClean="0">
+              <a:rPr lang="en-US" sz="1050" dirty="0" err="1">
                 <a:solidFill>
                   <a:schemeClr val="bg1"/>
                 </a:solidFill>
@@ -6205,18 +6185,13 @@
               <a:t>FindCommand</a:t>
             </a:r>
             <a:r>
-              <a:rPr lang="en-US" sz="1050" dirty="0" smtClean="0">
+              <a:rPr lang="en-US" sz="1050" dirty="0">
                 <a:solidFill>
                   <a:schemeClr val="bg1"/>
                 </a:solidFill>
               </a:rPr>
               <a:t>, etc.</a:t>
             </a:r>
-            <a:endParaRPr lang="en-US" sz="1050" dirty="0">
-              <a:solidFill>
-                <a:schemeClr val="bg1"/>
-              </a:solidFill>
-            </a:endParaRPr>
           </a:p>
         </p:txBody>
       </p:sp>
